--- a/Thesis Defense Presentation.pptx
+++ b/Thesis Defense Presentation.pptx
@@ -5,19 +5,31 @@
     <p:sldMasterId id="2147483660" r:id="rId1"/>
   </p:sldMasterIdLst>
   <p:notesMasterIdLst>
-    <p:notesMasterId r:id="rId12"/>
+    <p:notesMasterId r:id="rId24"/>
   </p:notesMasterIdLst>
   <p:sldIdLst>
     <p:sldId id="299" r:id="rId2"/>
     <p:sldId id="300" r:id="rId3"/>
-    <p:sldId id="301" r:id="rId4"/>
-    <p:sldId id="303" r:id="rId5"/>
-    <p:sldId id="304" r:id="rId6"/>
-    <p:sldId id="305" r:id="rId7"/>
-    <p:sldId id="306" r:id="rId8"/>
-    <p:sldId id="307" r:id="rId9"/>
-    <p:sldId id="309" r:id="rId10"/>
-    <p:sldId id="310" r:id="rId11"/>
+    <p:sldId id="316" r:id="rId4"/>
+    <p:sldId id="301" r:id="rId5"/>
+    <p:sldId id="317" r:id="rId6"/>
+    <p:sldId id="303" r:id="rId7"/>
+    <p:sldId id="304" r:id="rId8"/>
+    <p:sldId id="305" r:id="rId9"/>
+    <p:sldId id="306" r:id="rId10"/>
+    <p:sldId id="307" r:id="rId11"/>
+    <p:sldId id="309" r:id="rId12"/>
+    <p:sldId id="310" r:id="rId13"/>
+    <p:sldId id="311" r:id="rId14"/>
+    <p:sldId id="312" r:id="rId15"/>
+    <p:sldId id="313" r:id="rId16"/>
+    <p:sldId id="315" r:id="rId17"/>
+    <p:sldId id="322" r:id="rId18"/>
+    <p:sldId id="323" r:id="rId19"/>
+    <p:sldId id="318" r:id="rId20"/>
+    <p:sldId id="319" r:id="rId21"/>
+    <p:sldId id="320" r:id="rId22"/>
+    <p:sldId id="321" r:id="rId23"/>
   </p:sldIdLst>
   <p:sldSz cx="9144000" cy="6858000" type="screen4x3"/>
   <p:notesSz cx="7010400" cy="9296400"/>
@@ -217,7 +229,7 @@
           <a:p>
             <a:fld id="{A0CDD9C9-DEC5-42B6-9F11-0BCA88D4BE4F}" type="datetimeFigureOut">
               <a:rPr lang="en-US" smtClean="0"/>
-              <a:t>8/11/2025</a:t>
+              <a:t>8/12/2025</a:t>
             </a:fld>
             <a:endParaRPr lang="en-US"/>
           </a:p>
@@ -670,7 +682,7 @@
                 </a:solidFill>
               </a:rPr>
               <a:pPr/>
-              <a:t>8/11/2025</a:t>
+              <a:t>8/12/2025</a:t>
             </a:fld>
             <a:endParaRPr lang="en-US">
               <a:solidFill>
@@ -870,7 +882,7 @@
                 </a:solidFill>
               </a:rPr>
               <a:pPr/>
-              <a:t>8/11/2025</a:t>
+              <a:t>8/12/2025</a:t>
             </a:fld>
             <a:endParaRPr lang="en-US">
               <a:solidFill>
@@ -1080,7 +1092,7 @@
                 </a:solidFill>
               </a:rPr>
               <a:pPr/>
-              <a:t>8/11/2025</a:t>
+              <a:t>8/12/2025</a:t>
             </a:fld>
             <a:endParaRPr lang="en-US">
               <a:solidFill>
@@ -1280,7 +1292,7 @@
                 </a:solidFill>
               </a:rPr>
               <a:pPr/>
-              <a:t>8/11/2025</a:t>
+              <a:t>8/12/2025</a:t>
             </a:fld>
             <a:endParaRPr lang="en-US">
               <a:solidFill>
@@ -1557,7 +1569,7 @@
                 </a:solidFill>
               </a:rPr>
               <a:pPr/>
-              <a:t>8/11/2025</a:t>
+              <a:t>8/12/2025</a:t>
             </a:fld>
             <a:endParaRPr lang="en-US">
               <a:solidFill>
@@ -1874,7 +1886,7 @@
                 </a:solidFill>
               </a:rPr>
               <a:pPr/>
-              <a:t>8/11/2025</a:t>
+              <a:t>8/12/2025</a:t>
             </a:fld>
             <a:endParaRPr lang="en-US">
               <a:solidFill>
@@ -2325,7 +2337,7 @@
                 </a:solidFill>
               </a:rPr>
               <a:pPr/>
-              <a:t>8/11/2025</a:t>
+              <a:t>8/12/2025</a:t>
             </a:fld>
             <a:endParaRPr lang="en-US">
               <a:solidFill>
@@ -2474,7 +2486,7 @@
                 </a:solidFill>
               </a:rPr>
               <a:pPr/>
-              <a:t>8/11/2025</a:t>
+              <a:t>8/12/2025</a:t>
             </a:fld>
             <a:endParaRPr lang="en-US">
               <a:solidFill>
@@ -2601,7 +2613,7 @@
                 </a:solidFill>
               </a:rPr>
               <a:pPr/>
-              <a:t>8/11/2025</a:t>
+              <a:t>8/12/2025</a:t>
             </a:fld>
             <a:endParaRPr lang="en-US">
               <a:solidFill>
@@ -2908,7 +2920,7 @@
                 </a:solidFill>
               </a:rPr>
               <a:pPr/>
-              <a:t>8/11/2025</a:t>
+              <a:t>8/12/2025</a:t>
             </a:fld>
             <a:endParaRPr lang="en-US">
               <a:solidFill>
@@ -3192,7 +3204,7 @@
                 </a:solidFill>
               </a:rPr>
               <a:pPr/>
-              <a:t>8/11/2025</a:t>
+              <a:t>8/12/2025</a:t>
             </a:fld>
             <a:endParaRPr lang="en-US">
               <a:solidFill>
@@ -3436,7 +3448,7 @@
                 </a:solidFill>
               </a:rPr>
               <a:pPr defTabSz="457200"/>
-              <a:t>8/11/2025</a:t>
+              <a:t>8/12/2025</a:t>
             </a:fld>
             <a:endParaRPr lang="en-US">
               <a:solidFill>
@@ -4316,6 +4328,561 @@
         <p:cNvPr id="1" name="">
           <a:extLst>
             <a:ext uri="{FF2B5EF4-FFF2-40B4-BE49-F238E27FC236}">
+              <a16:creationId xmlns:a16="http://schemas.microsoft.com/office/drawing/2014/main" id="{C285CD39-4CD9-4AC6-54B6-F899C478F672}"/>
+            </a:ext>
+          </a:extLst>
+        </p:cNvPr>
+        <p:cNvGrpSpPr/>
+        <p:nvPr/>
+      </p:nvGrpSpPr>
+      <p:grpSpPr>
+        <a:xfrm>
+          <a:off x="0" y="0"/>
+          <a:ext cx="0" cy="0"/>
+          <a:chOff x="0" y="0"/>
+          <a:chExt cx="0" cy="0"/>
+        </a:xfrm>
+      </p:grpSpPr>
+      <p:sp>
+        <p:nvSpPr>
+          <p:cNvPr id="4" name="Title 1">
+            <a:extLst>
+              <a:ext uri="{FF2B5EF4-FFF2-40B4-BE49-F238E27FC236}">
+                <a16:creationId xmlns:a16="http://schemas.microsoft.com/office/drawing/2014/main" id="{27A3FAE9-F874-D545-BAED-3C6CC46602AF}"/>
+              </a:ext>
+            </a:extLst>
+          </p:cNvPr>
+          <p:cNvSpPr txBox="1">
+            <a:spLocks/>
+          </p:cNvSpPr>
+          <p:nvPr/>
+        </p:nvSpPr>
+        <p:spPr>
+          <a:xfrm>
+            <a:off x="1241733" y="142449"/>
+            <a:ext cx="6660534" cy="1320800"/>
+          </a:xfrm>
+          <a:prstGeom prst="rect">
+            <a:avLst/>
+          </a:prstGeom>
+        </p:spPr>
+        <p:txBody>
+          <a:bodyPr vert="horz" lIns="91440" tIns="45720" rIns="91440" bIns="45720" rtlCol="0" anchor="ctr">
+            <a:normAutofit/>
+          </a:bodyPr>
+          <a:lstStyle>
+            <a:lvl1pPr algn="ctr" defTabSz="457200" rtl="0" eaLnBrk="1" latinLnBrk="0" hangingPunct="1">
+              <a:spcBef>
+                <a:spcPct val="0"/>
+              </a:spcBef>
+              <a:buNone/>
+              <a:defRPr sz="4400" kern="1200">
+                <a:solidFill>
+                  <a:schemeClr val="tx1"/>
+                </a:solidFill>
+                <a:latin typeface="+mj-lt"/>
+                <a:ea typeface="+mj-ea"/>
+                <a:cs typeface="+mj-cs"/>
+              </a:defRPr>
+            </a:lvl1pPr>
+          </a:lstStyle>
+          <a:p>
+            <a:r>
+              <a:rPr lang="en-US" sz="4000" dirty="0">
+                <a:latin typeface="Rockwell" panose="02060603020205020403" pitchFamily="18" charset="0"/>
+              </a:rPr>
+              <a:t>CUDA by NVIDIA</a:t>
+            </a:r>
+          </a:p>
+        </p:txBody>
+      </p:sp>
+      <p:sp>
+        <p:nvSpPr>
+          <p:cNvPr id="2" name="Content Placeholder 2">
+            <a:extLst>
+              <a:ext uri="{FF2B5EF4-FFF2-40B4-BE49-F238E27FC236}">
+                <a16:creationId xmlns:a16="http://schemas.microsoft.com/office/drawing/2014/main" id="{85675CDF-C34E-CC58-7FE2-9E988CDD0AAC}"/>
+              </a:ext>
+            </a:extLst>
+          </p:cNvPr>
+          <p:cNvSpPr txBox="1">
+            <a:spLocks/>
+          </p:cNvSpPr>
+          <p:nvPr/>
+        </p:nvSpPr>
+        <p:spPr>
+          <a:xfrm>
+            <a:off x="76200" y="1219200"/>
+            <a:ext cx="8839200" cy="4545011"/>
+          </a:xfrm>
+          <a:prstGeom prst="rect">
+            <a:avLst/>
+          </a:prstGeom>
+        </p:spPr>
+        <p:txBody>
+          <a:bodyPr vert="horz" lIns="91440" tIns="45720" rIns="91440" bIns="45720" rtlCol="0">
+            <a:normAutofit lnSpcReduction="10000"/>
+          </a:bodyPr>
+          <a:lstStyle>
+            <a:lvl1pPr marL="342900" indent="-342900" algn="l" defTabSz="457200" rtl="0" eaLnBrk="1" latinLnBrk="0" hangingPunct="1">
+              <a:spcBef>
+                <a:spcPct val="20000"/>
+              </a:spcBef>
+              <a:buFont typeface="Arial"/>
+              <a:buChar char="•"/>
+              <a:defRPr sz="3200" kern="1200">
+                <a:solidFill>
+                  <a:schemeClr val="tx1"/>
+                </a:solidFill>
+                <a:latin typeface="+mn-lt"/>
+                <a:ea typeface="+mn-ea"/>
+                <a:cs typeface="+mn-cs"/>
+              </a:defRPr>
+            </a:lvl1pPr>
+            <a:lvl2pPr marL="742950" indent="-285750" algn="l" defTabSz="457200" rtl="0" eaLnBrk="1" latinLnBrk="0" hangingPunct="1">
+              <a:spcBef>
+                <a:spcPct val="20000"/>
+              </a:spcBef>
+              <a:buFont typeface="Arial"/>
+              <a:buChar char="–"/>
+              <a:defRPr sz="2800" kern="1200">
+                <a:solidFill>
+                  <a:schemeClr val="tx1"/>
+                </a:solidFill>
+                <a:latin typeface="+mn-lt"/>
+                <a:ea typeface="+mn-ea"/>
+                <a:cs typeface="+mn-cs"/>
+              </a:defRPr>
+            </a:lvl2pPr>
+            <a:lvl3pPr marL="1143000" indent="-228600" algn="l" defTabSz="457200" rtl="0" eaLnBrk="1" latinLnBrk="0" hangingPunct="1">
+              <a:spcBef>
+                <a:spcPct val="20000"/>
+              </a:spcBef>
+              <a:buFont typeface="Arial"/>
+              <a:buChar char="•"/>
+              <a:defRPr sz="2400" kern="1200">
+                <a:solidFill>
+                  <a:schemeClr val="tx1"/>
+                </a:solidFill>
+                <a:latin typeface="+mn-lt"/>
+                <a:ea typeface="+mn-ea"/>
+                <a:cs typeface="+mn-cs"/>
+              </a:defRPr>
+            </a:lvl3pPr>
+            <a:lvl4pPr marL="1600200" indent="-228600" algn="l" defTabSz="457200" rtl="0" eaLnBrk="1" latinLnBrk="0" hangingPunct="1">
+              <a:spcBef>
+                <a:spcPct val="20000"/>
+              </a:spcBef>
+              <a:buFont typeface="Arial"/>
+              <a:buChar char="–"/>
+              <a:defRPr sz="2000" kern="1200">
+                <a:solidFill>
+                  <a:schemeClr val="tx1"/>
+                </a:solidFill>
+                <a:latin typeface="+mn-lt"/>
+                <a:ea typeface="+mn-ea"/>
+                <a:cs typeface="+mn-cs"/>
+              </a:defRPr>
+            </a:lvl4pPr>
+            <a:lvl5pPr marL="2057400" indent="-228600" algn="l" defTabSz="457200" rtl="0" eaLnBrk="1" latinLnBrk="0" hangingPunct="1">
+              <a:spcBef>
+                <a:spcPct val="20000"/>
+              </a:spcBef>
+              <a:buFont typeface="Arial"/>
+              <a:buChar char="»"/>
+              <a:defRPr sz="2000" kern="1200">
+                <a:solidFill>
+                  <a:schemeClr val="tx1"/>
+                </a:solidFill>
+                <a:latin typeface="+mn-lt"/>
+                <a:ea typeface="+mn-ea"/>
+                <a:cs typeface="+mn-cs"/>
+              </a:defRPr>
+            </a:lvl5pPr>
+            <a:lvl6pPr marL="2514600" indent="-228600" algn="l" defTabSz="457200" rtl="0" eaLnBrk="1" latinLnBrk="0" hangingPunct="1">
+              <a:spcBef>
+                <a:spcPct val="20000"/>
+              </a:spcBef>
+              <a:buFont typeface="Arial"/>
+              <a:buChar char="•"/>
+              <a:defRPr sz="2000" kern="1200">
+                <a:solidFill>
+                  <a:schemeClr val="tx1"/>
+                </a:solidFill>
+                <a:latin typeface="+mn-lt"/>
+                <a:ea typeface="+mn-ea"/>
+                <a:cs typeface="+mn-cs"/>
+              </a:defRPr>
+            </a:lvl6pPr>
+            <a:lvl7pPr marL="2971800" indent="-228600" algn="l" defTabSz="457200" rtl="0" eaLnBrk="1" latinLnBrk="0" hangingPunct="1">
+              <a:spcBef>
+                <a:spcPct val="20000"/>
+              </a:spcBef>
+              <a:buFont typeface="Arial"/>
+              <a:buChar char="•"/>
+              <a:defRPr sz="2000" kern="1200">
+                <a:solidFill>
+                  <a:schemeClr val="tx1"/>
+                </a:solidFill>
+                <a:latin typeface="+mn-lt"/>
+                <a:ea typeface="+mn-ea"/>
+                <a:cs typeface="+mn-cs"/>
+              </a:defRPr>
+            </a:lvl7pPr>
+            <a:lvl8pPr marL="3429000" indent="-228600" algn="l" defTabSz="457200" rtl="0" eaLnBrk="1" latinLnBrk="0" hangingPunct="1">
+              <a:spcBef>
+                <a:spcPct val="20000"/>
+              </a:spcBef>
+              <a:buFont typeface="Arial"/>
+              <a:buChar char="•"/>
+              <a:defRPr sz="2000" kern="1200">
+                <a:solidFill>
+                  <a:schemeClr val="tx1"/>
+                </a:solidFill>
+                <a:latin typeface="+mn-lt"/>
+                <a:ea typeface="+mn-ea"/>
+                <a:cs typeface="+mn-cs"/>
+              </a:defRPr>
+            </a:lvl8pPr>
+            <a:lvl9pPr marL="3886200" indent="-228600" algn="l" defTabSz="457200" rtl="0" eaLnBrk="1" latinLnBrk="0" hangingPunct="1">
+              <a:spcBef>
+                <a:spcPct val="20000"/>
+              </a:spcBef>
+              <a:buFont typeface="Arial"/>
+              <a:buChar char="•"/>
+              <a:defRPr sz="2000" kern="1200">
+                <a:solidFill>
+                  <a:schemeClr val="tx1"/>
+                </a:solidFill>
+                <a:latin typeface="+mn-lt"/>
+                <a:ea typeface="+mn-ea"/>
+                <a:cs typeface="+mn-cs"/>
+              </a:defRPr>
+            </a:lvl9pPr>
+          </a:lstStyle>
+          <a:p>
+            <a:r>
+              <a:rPr lang="en-US" sz="2800" dirty="0">
+                <a:latin typeface="Bookman Old Style" panose="02050604050505020204" pitchFamily="18" charset="0"/>
+              </a:rPr>
+              <a:t>Writing a program entirely in the simple language available to the GPU would be extremely difficult.</a:t>
+            </a:r>
+          </a:p>
+          <a:p>
+            <a:r>
+              <a:rPr lang="en-US" sz="2800" dirty="0">
+                <a:latin typeface="Bookman Old Style" panose="02050604050505020204" pitchFamily="18" charset="0"/>
+              </a:rPr>
+              <a:t>CUDA (Compute Unified Device Architecture) is a tool created by NVIDIA that allows programs written in the serial language C++ to execute kernels on the GPU and access the results of these kernels.</a:t>
+            </a:r>
+          </a:p>
+          <a:p>
+            <a:r>
+              <a:rPr lang="en-US" sz="2800" dirty="0">
+                <a:latin typeface="Bookman Old Style" panose="02050604050505020204" pitchFamily="18" charset="0"/>
+              </a:rPr>
+              <a:t>This effectively allows for more complex programs to switch between the CPU and GPU as needed.</a:t>
+            </a:r>
+          </a:p>
+          <a:p>
+            <a:endParaRPr lang="en-US" sz="2800" dirty="0">
+              <a:latin typeface="Bookman Old Style" panose="02050604050505020204" pitchFamily="18" charset="0"/>
+            </a:endParaRPr>
+          </a:p>
+        </p:txBody>
+      </p:sp>
+    </p:spTree>
+    <p:extLst>
+      <p:ext uri="{BB962C8B-B14F-4D97-AF65-F5344CB8AC3E}">
+        <p14:creationId xmlns:p14="http://schemas.microsoft.com/office/powerpoint/2010/main" val="3948503275"/>
+      </p:ext>
+    </p:extLst>
+  </p:cSld>
+  <p:clrMapOvr>
+    <a:masterClrMapping/>
+  </p:clrMapOvr>
+</p:sld>
+</file>
+
+<file path=ppt/slides/slide11.xml><?xml version="1.0" encoding="utf-8"?>
+<p:sld xmlns:a="http://schemas.openxmlformats.org/drawingml/2006/main" xmlns:r="http://schemas.openxmlformats.org/officeDocument/2006/relationships" xmlns:p="http://schemas.openxmlformats.org/presentationml/2006/main">
+  <p:cSld>
+    <p:spTree>
+      <p:nvGrpSpPr>
+        <p:cNvPr id="1" name="">
+          <a:extLst>
+            <a:ext uri="{FF2B5EF4-FFF2-40B4-BE49-F238E27FC236}">
+              <a16:creationId xmlns:a16="http://schemas.microsoft.com/office/drawing/2014/main" id="{EE2109DD-C75E-91D2-7798-BE9545198BE4}"/>
+            </a:ext>
+          </a:extLst>
+        </p:cNvPr>
+        <p:cNvGrpSpPr/>
+        <p:nvPr/>
+      </p:nvGrpSpPr>
+      <p:grpSpPr>
+        <a:xfrm>
+          <a:off x="0" y="0"/>
+          <a:ext cx="0" cy="0"/>
+          <a:chOff x="0" y="0"/>
+          <a:chExt cx="0" cy="0"/>
+        </a:xfrm>
+      </p:grpSpPr>
+      <p:sp>
+        <p:nvSpPr>
+          <p:cNvPr id="4" name="Title 1">
+            <a:extLst>
+              <a:ext uri="{FF2B5EF4-FFF2-40B4-BE49-F238E27FC236}">
+                <a16:creationId xmlns:a16="http://schemas.microsoft.com/office/drawing/2014/main" id="{E27A9355-C93C-65CC-B154-245B08265494}"/>
+              </a:ext>
+            </a:extLst>
+          </p:cNvPr>
+          <p:cNvSpPr txBox="1">
+            <a:spLocks/>
+          </p:cNvSpPr>
+          <p:nvPr/>
+        </p:nvSpPr>
+        <p:spPr>
+          <a:xfrm>
+            <a:off x="1241733" y="142449"/>
+            <a:ext cx="6660534" cy="1320800"/>
+          </a:xfrm>
+          <a:prstGeom prst="rect">
+            <a:avLst/>
+          </a:prstGeom>
+        </p:spPr>
+        <p:txBody>
+          <a:bodyPr vert="horz" lIns="91440" tIns="45720" rIns="91440" bIns="45720" rtlCol="0" anchor="ctr">
+            <a:normAutofit/>
+          </a:bodyPr>
+          <a:lstStyle>
+            <a:lvl1pPr algn="ctr" defTabSz="457200" rtl="0" eaLnBrk="1" latinLnBrk="0" hangingPunct="1">
+              <a:spcBef>
+                <a:spcPct val="0"/>
+              </a:spcBef>
+              <a:buNone/>
+              <a:defRPr sz="4400" kern="1200">
+                <a:solidFill>
+                  <a:schemeClr val="tx1"/>
+                </a:solidFill>
+                <a:latin typeface="+mj-lt"/>
+                <a:ea typeface="+mj-ea"/>
+                <a:cs typeface="+mj-cs"/>
+              </a:defRPr>
+            </a:lvl1pPr>
+          </a:lstStyle>
+          <a:p>
+            <a:r>
+              <a:rPr lang="en-US" sz="4000" dirty="0">
+                <a:latin typeface="Rockwell" panose="02060603020205020403" pitchFamily="18" charset="0"/>
+              </a:rPr>
+              <a:t>Our Goal</a:t>
+            </a:r>
+          </a:p>
+        </p:txBody>
+      </p:sp>
+      <p:sp>
+        <p:nvSpPr>
+          <p:cNvPr id="2" name="Content Placeholder 2">
+            <a:extLst>
+              <a:ext uri="{FF2B5EF4-FFF2-40B4-BE49-F238E27FC236}">
+                <a16:creationId xmlns:a16="http://schemas.microsoft.com/office/drawing/2014/main" id="{F27EC468-47AA-6404-94CE-EEF33616316C}"/>
+              </a:ext>
+            </a:extLst>
+          </p:cNvPr>
+          <p:cNvSpPr txBox="1">
+            <a:spLocks/>
+          </p:cNvSpPr>
+          <p:nvPr/>
+        </p:nvSpPr>
+        <p:spPr>
+          <a:xfrm>
+            <a:off x="228600" y="1434946"/>
+            <a:ext cx="8686800" cy="4545011"/>
+          </a:xfrm>
+          <a:prstGeom prst="rect">
+            <a:avLst/>
+          </a:prstGeom>
+        </p:spPr>
+        <p:txBody>
+          <a:bodyPr vert="horz" lIns="91440" tIns="45720" rIns="91440" bIns="45720" rtlCol="0">
+            <a:normAutofit/>
+          </a:bodyPr>
+          <a:lstStyle>
+            <a:lvl1pPr marL="342900" indent="-342900" algn="l" defTabSz="457200" rtl="0" eaLnBrk="1" latinLnBrk="0" hangingPunct="1">
+              <a:spcBef>
+                <a:spcPct val="20000"/>
+              </a:spcBef>
+              <a:buFont typeface="Arial"/>
+              <a:buChar char="•"/>
+              <a:defRPr sz="3200" kern="1200">
+                <a:solidFill>
+                  <a:schemeClr val="tx1"/>
+                </a:solidFill>
+                <a:latin typeface="+mn-lt"/>
+                <a:ea typeface="+mn-ea"/>
+                <a:cs typeface="+mn-cs"/>
+              </a:defRPr>
+            </a:lvl1pPr>
+            <a:lvl2pPr marL="742950" indent="-285750" algn="l" defTabSz="457200" rtl="0" eaLnBrk="1" latinLnBrk="0" hangingPunct="1">
+              <a:spcBef>
+                <a:spcPct val="20000"/>
+              </a:spcBef>
+              <a:buFont typeface="Arial"/>
+              <a:buChar char="–"/>
+              <a:defRPr sz="2800" kern="1200">
+                <a:solidFill>
+                  <a:schemeClr val="tx1"/>
+                </a:solidFill>
+                <a:latin typeface="+mn-lt"/>
+                <a:ea typeface="+mn-ea"/>
+                <a:cs typeface="+mn-cs"/>
+              </a:defRPr>
+            </a:lvl2pPr>
+            <a:lvl3pPr marL="1143000" indent="-228600" algn="l" defTabSz="457200" rtl="0" eaLnBrk="1" latinLnBrk="0" hangingPunct="1">
+              <a:spcBef>
+                <a:spcPct val="20000"/>
+              </a:spcBef>
+              <a:buFont typeface="Arial"/>
+              <a:buChar char="•"/>
+              <a:defRPr sz="2400" kern="1200">
+                <a:solidFill>
+                  <a:schemeClr val="tx1"/>
+                </a:solidFill>
+                <a:latin typeface="+mn-lt"/>
+                <a:ea typeface="+mn-ea"/>
+                <a:cs typeface="+mn-cs"/>
+              </a:defRPr>
+            </a:lvl3pPr>
+            <a:lvl4pPr marL="1600200" indent="-228600" algn="l" defTabSz="457200" rtl="0" eaLnBrk="1" latinLnBrk="0" hangingPunct="1">
+              <a:spcBef>
+                <a:spcPct val="20000"/>
+              </a:spcBef>
+              <a:buFont typeface="Arial"/>
+              <a:buChar char="–"/>
+              <a:defRPr sz="2000" kern="1200">
+                <a:solidFill>
+                  <a:schemeClr val="tx1"/>
+                </a:solidFill>
+                <a:latin typeface="+mn-lt"/>
+                <a:ea typeface="+mn-ea"/>
+                <a:cs typeface="+mn-cs"/>
+              </a:defRPr>
+            </a:lvl4pPr>
+            <a:lvl5pPr marL="2057400" indent="-228600" algn="l" defTabSz="457200" rtl="0" eaLnBrk="1" latinLnBrk="0" hangingPunct="1">
+              <a:spcBef>
+                <a:spcPct val="20000"/>
+              </a:spcBef>
+              <a:buFont typeface="Arial"/>
+              <a:buChar char="»"/>
+              <a:defRPr sz="2000" kern="1200">
+                <a:solidFill>
+                  <a:schemeClr val="tx1"/>
+                </a:solidFill>
+                <a:latin typeface="+mn-lt"/>
+                <a:ea typeface="+mn-ea"/>
+                <a:cs typeface="+mn-cs"/>
+              </a:defRPr>
+            </a:lvl5pPr>
+            <a:lvl6pPr marL="2514600" indent="-228600" algn="l" defTabSz="457200" rtl="0" eaLnBrk="1" latinLnBrk="0" hangingPunct="1">
+              <a:spcBef>
+                <a:spcPct val="20000"/>
+              </a:spcBef>
+              <a:buFont typeface="Arial"/>
+              <a:buChar char="•"/>
+              <a:defRPr sz="2000" kern="1200">
+                <a:solidFill>
+                  <a:schemeClr val="tx1"/>
+                </a:solidFill>
+                <a:latin typeface="+mn-lt"/>
+                <a:ea typeface="+mn-ea"/>
+                <a:cs typeface="+mn-cs"/>
+              </a:defRPr>
+            </a:lvl6pPr>
+            <a:lvl7pPr marL="2971800" indent="-228600" algn="l" defTabSz="457200" rtl="0" eaLnBrk="1" latinLnBrk="0" hangingPunct="1">
+              <a:spcBef>
+                <a:spcPct val="20000"/>
+              </a:spcBef>
+              <a:buFont typeface="Arial"/>
+              <a:buChar char="•"/>
+              <a:defRPr sz="2000" kern="1200">
+                <a:solidFill>
+                  <a:schemeClr val="tx1"/>
+                </a:solidFill>
+                <a:latin typeface="+mn-lt"/>
+                <a:ea typeface="+mn-ea"/>
+                <a:cs typeface="+mn-cs"/>
+              </a:defRPr>
+            </a:lvl7pPr>
+            <a:lvl8pPr marL="3429000" indent="-228600" algn="l" defTabSz="457200" rtl="0" eaLnBrk="1" latinLnBrk="0" hangingPunct="1">
+              <a:spcBef>
+                <a:spcPct val="20000"/>
+              </a:spcBef>
+              <a:buFont typeface="Arial"/>
+              <a:buChar char="•"/>
+              <a:defRPr sz="2000" kern="1200">
+                <a:solidFill>
+                  <a:schemeClr val="tx1"/>
+                </a:solidFill>
+                <a:latin typeface="+mn-lt"/>
+                <a:ea typeface="+mn-ea"/>
+                <a:cs typeface="+mn-cs"/>
+              </a:defRPr>
+            </a:lvl8pPr>
+            <a:lvl9pPr marL="3886200" indent="-228600" algn="l" defTabSz="457200" rtl="0" eaLnBrk="1" latinLnBrk="0" hangingPunct="1">
+              <a:spcBef>
+                <a:spcPct val="20000"/>
+              </a:spcBef>
+              <a:buFont typeface="Arial"/>
+              <a:buChar char="•"/>
+              <a:defRPr sz="2000" kern="1200">
+                <a:solidFill>
+                  <a:schemeClr val="tx1"/>
+                </a:solidFill>
+                <a:latin typeface="+mn-lt"/>
+                <a:ea typeface="+mn-ea"/>
+                <a:cs typeface="+mn-cs"/>
+              </a:defRPr>
+            </a:lvl9pPr>
+          </a:lstStyle>
+          <a:p>
+            <a:r>
+              <a:rPr lang="en-US" sz="2800" dirty="0">
+                <a:latin typeface="Bookman Old Style" panose="02050604050505020204" pitchFamily="18" charset="0"/>
+              </a:rPr>
+              <a:t>The goal of this research project was to adapt an algorithm that solves the DSD to a parallel CUDA program.</a:t>
+            </a:r>
+          </a:p>
+          <a:p>
+            <a:r>
+              <a:rPr lang="en-US" sz="2800" dirty="0">
+                <a:latin typeface="Bookman Old Style" panose="02050604050505020204" pitchFamily="18" charset="0"/>
+              </a:rPr>
+              <a:t>This serves two purposes: creating a more efficient solution to the DSD and serving as further research into the efficacy and computational power of parallel programming.</a:t>
+            </a:r>
+          </a:p>
+        </p:txBody>
+      </p:sp>
+    </p:spTree>
+    <p:extLst>
+      <p:ext uri="{BB962C8B-B14F-4D97-AF65-F5344CB8AC3E}">
+        <p14:creationId xmlns:p14="http://schemas.microsoft.com/office/powerpoint/2010/main" val="1231310145"/>
+      </p:ext>
+    </p:extLst>
+  </p:cSld>
+  <p:clrMapOvr>
+    <a:masterClrMapping/>
+  </p:clrMapOvr>
+</p:sld>
+</file>
+
+<file path=ppt/slides/slide12.xml><?xml version="1.0" encoding="utf-8"?>
+<p:sld xmlns:a="http://schemas.openxmlformats.org/drawingml/2006/main" xmlns:r="http://schemas.openxmlformats.org/officeDocument/2006/relationships" xmlns:p="http://schemas.openxmlformats.org/presentationml/2006/main">
+  <p:cSld>
+    <p:spTree>
+      <p:nvGrpSpPr>
+        <p:cNvPr id="1" name="">
+          <a:extLst>
+            <a:ext uri="{FF2B5EF4-FFF2-40B4-BE49-F238E27FC236}">
               <a16:creationId xmlns:a16="http://schemas.microsoft.com/office/drawing/2014/main" id="{10DB2916-941D-E49B-E574-8580D98AED62}"/>
             </a:ext>
           </a:extLst>
@@ -4379,7 +4946,7 @@
               <a:rPr lang="en-US" sz="4000" dirty="0">
                 <a:latin typeface="Rockwell" panose="02060603020205020403" pitchFamily="18" charset="0"/>
               </a:rPr>
-              <a:t>Text</a:t>
+              <a:t>Existing Solutions</a:t>
             </a:r>
           </a:p>
         </p:txBody>
@@ -4401,7 +4968,7 @@
         <p:spPr>
           <a:xfrm>
             <a:off x="228600" y="1434946"/>
-            <a:ext cx="4953000" cy="4545011"/>
+            <a:ext cx="8686800" cy="4545011"/>
           </a:xfrm>
           <a:prstGeom prst="rect">
             <a:avLst/>
@@ -4553,7 +5120,15 @@
               <a:rPr lang="en-US" sz="2800" dirty="0">
                 <a:latin typeface="Bookman Old Style" panose="02050604050505020204" pitchFamily="18" charset="0"/>
               </a:rPr>
-              <a:t>text</a:t>
+              <a:t>The first necessary step was deciding on an algorithm to adapt. Many exist due to the prevalence of the DSD.</a:t>
+            </a:r>
+          </a:p>
+          <a:p>
+            <a:r>
+              <a:rPr lang="en-US" sz="2800" dirty="0">
+                <a:latin typeface="Bookman Old Style" panose="02050604050505020204" pitchFamily="18" charset="0"/>
+              </a:rPr>
+              <a:t>A highly important one is Goldberg’s Maximum Flow algorithm which will be covered later. This is an exact solution to the DSD, but there are quicker algorithms that approximate the solution.</a:t>
             </a:r>
           </a:p>
         </p:txBody>
@@ -4562,6 +5137,2123 @@
     <p:extLst>
       <p:ext uri="{BB962C8B-B14F-4D97-AF65-F5344CB8AC3E}">
         <p14:creationId xmlns:p14="http://schemas.microsoft.com/office/powerpoint/2010/main" val="3369849140"/>
+      </p:ext>
+    </p:extLst>
+  </p:cSld>
+  <p:clrMapOvr>
+    <a:masterClrMapping/>
+  </p:clrMapOvr>
+</p:sld>
+</file>
+
+<file path=ppt/slides/slide13.xml><?xml version="1.0" encoding="utf-8"?>
+<p:sld xmlns:a="http://schemas.openxmlformats.org/drawingml/2006/main" xmlns:r="http://schemas.openxmlformats.org/officeDocument/2006/relationships" xmlns:p="http://schemas.openxmlformats.org/presentationml/2006/main">
+  <p:cSld>
+    <p:spTree>
+      <p:nvGrpSpPr>
+        <p:cNvPr id="1" name="">
+          <a:extLst>
+            <a:ext uri="{FF2B5EF4-FFF2-40B4-BE49-F238E27FC236}">
+              <a16:creationId xmlns:a16="http://schemas.microsoft.com/office/drawing/2014/main" id="{156A931E-F769-12F4-720E-A0339AC6E929}"/>
+            </a:ext>
+          </a:extLst>
+        </p:cNvPr>
+        <p:cNvGrpSpPr/>
+        <p:nvPr/>
+      </p:nvGrpSpPr>
+      <p:grpSpPr>
+        <a:xfrm>
+          <a:off x="0" y="0"/>
+          <a:ext cx="0" cy="0"/>
+          <a:chOff x="0" y="0"/>
+          <a:chExt cx="0" cy="0"/>
+        </a:xfrm>
+      </p:grpSpPr>
+      <p:sp>
+        <p:nvSpPr>
+          <p:cNvPr id="4" name="Title 1">
+            <a:extLst>
+              <a:ext uri="{FF2B5EF4-FFF2-40B4-BE49-F238E27FC236}">
+                <a16:creationId xmlns:a16="http://schemas.microsoft.com/office/drawing/2014/main" id="{9F4429BF-B3AD-F3A5-F399-024BA032FB69}"/>
+              </a:ext>
+            </a:extLst>
+          </p:cNvPr>
+          <p:cNvSpPr txBox="1">
+            <a:spLocks/>
+          </p:cNvSpPr>
+          <p:nvPr/>
+        </p:nvSpPr>
+        <p:spPr>
+          <a:xfrm>
+            <a:off x="1497166" y="114146"/>
+            <a:ext cx="6149667" cy="1320800"/>
+          </a:xfrm>
+          <a:prstGeom prst="rect">
+            <a:avLst/>
+          </a:prstGeom>
+        </p:spPr>
+        <p:txBody>
+          <a:bodyPr vert="horz" lIns="91440" tIns="45720" rIns="91440" bIns="45720" rtlCol="0" anchor="ctr">
+            <a:normAutofit/>
+          </a:bodyPr>
+          <a:lstStyle>
+            <a:lvl1pPr algn="ctr" defTabSz="457200" rtl="0" eaLnBrk="1" latinLnBrk="0" hangingPunct="1">
+              <a:spcBef>
+                <a:spcPct val="0"/>
+              </a:spcBef>
+              <a:buNone/>
+              <a:defRPr sz="4400" kern="1200">
+                <a:solidFill>
+                  <a:schemeClr val="tx1"/>
+                </a:solidFill>
+                <a:latin typeface="+mj-lt"/>
+                <a:ea typeface="+mj-ea"/>
+                <a:cs typeface="+mj-cs"/>
+              </a:defRPr>
+            </a:lvl1pPr>
+          </a:lstStyle>
+          <a:p>
+            <a:r>
+              <a:rPr lang="en-US" sz="4000" dirty="0">
+                <a:latin typeface="Rockwell" panose="02060603020205020403" pitchFamily="18" charset="0"/>
+              </a:rPr>
+              <a:t>Greedy Peeling and Greedy Peeling++</a:t>
+            </a:r>
+          </a:p>
+        </p:txBody>
+      </p:sp>
+      <p:sp>
+        <p:nvSpPr>
+          <p:cNvPr id="2" name="Content Placeholder 2">
+            <a:extLst>
+              <a:ext uri="{FF2B5EF4-FFF2-40B4-BE49-F238E27FC236}">
+                <a16:creationId xmlns:a16="http://schemas.microsoft.com/office/drawing/2014/main" id="{EB265E56-C354-0A4F-D6A3-CDE83644EAFC}"/>
+              </a:ext>
+            </a:extLst>
+          </p:cNvPr>
+          <p:cNvSpPr txBox="1">
+            <a:spLocks/>
+          </p:cNvSpPr>
+          <p:nvPr/>
+        </p:nvSpPr>
+        <p:spPr>
+          <a:xfrm>
+            <a:off x="0" y="1456717"/>
+            <a:ext cx="4946469" cy="4953000"/>
+          </a:xfrm>
+          <a:prstGeom prst="rect">
+            <a:avLst/>
+          </a:prstGeom>
+        </p:spPr>
+        <p:txBody>
+          <a:bodyPr vert="horz" lIns="91440" tIns="45720" rIns="91440" bIns="45720" rtlCol="0">
+            <a:normAutofit fontScale="70000" lnSpcReduction="20000"/>
+          </a:bodyPr>
+          <a:lstStyle>
+            <a:lvl1pPr marL="342900" indent="-342900" algn="l" defTabSz="457200" rtl="0" eaLnBrk="1" latinLnBrk="0" hangingPunct="1">
+              <a:spcBef>
+                <a:spcPct val="20000"/>
+              </a:spcBef>
+              <a:buFont typeface="Arial"/>
+              <a:buChar char="•"/>
+              <a:defRPr sz="3200" kern="1200">
+                <a:solidFill>
+                  <a:schemeClr val="tx1"/>
+                </a:solidFill>
+                <a:latin typeface="+mn-lt"/>
+                <a:ea typeface="+mn-ea"/>
+                <a:cs typeface="+mn-cs"/>
+              </a:defRPr>
+            </a:lvl1pPr>
+            <a:lvl2pPr marL="742950" indent="-285750" algn="l" defTabSz="457200" rtl="0" eaLnBrk="1" latinLnBrk="0" hangingPunct="1">
+              <a:spcBef>
+                <a:spcPct val="20000"/>
+              </a:spcBef>
+              <a:buFont typeface="Arial"/>
+              <a:buChar char="–"/>
+              <a:defRPr sz="2800" kern="1200">
+                <a:solidFill>
+                  <a:schemeClr val="tx1"/>
+                </a:solidFill>
+                <a:latin typeface="+mn-lt"/>
+                <a:ea typeface="+mn-ea"/>
+                <a:cs typeface="+mn-cs"/>
+              </a:defRPr>
+            </a:lvl2pPr>
+            <a:lvl3pPr marL="1143000" indent="-228600" algn="l" defTabSz="457200" rtl="0" eaLnBrk="1" latinLnBrk="0" hangingPunct="1">
+              <a:spcBef>
+                <a:spcPct val="20000"/>
+              </a:spcBef>
+              <a:buFont typeface="Arial"/>
+              <a:buChar char="•"/>
+              <a:defRPr sz="2400" kern="1200">
+                <a:solidFill>
+                  <a:schemeClr val="tx1"/>
+                </a:solidFill>
+                <a:latin typeface="+mn-lt"/>
+                <a:ea typeface="+mn-ea"/>
+                <a:cs typeface="+mn-cs"/>
+              </a:defRPr>
+            </a:lvl3pPr>
+            <a:lvl4pPr marL="1600200" indent="-228600" algn="l" defTabSz="457200" rtl="0" eaLnBrk="1" latinLnBrk="0" hangingPunct="1">
+              <a:spcBef>
+                <a:spcPct val="20000"/>
+              </a:spcBef>
+              <a:buFont typeface="Arial"/>
+              <a:buChar char="–"/>
+              <a:defRPr sz="2000" kern="1200">
+                <a:solidFill>
+                  <a:schemeClr val="tx1"/>
+                </a:solidFill>
+                <a:latin typeface="+mn-lt"/>
+                <a:ea typeface="+mn-ea"/>
+                <a:cs typeface="+mn-cs"/>
+              </a:defRPr>
+            </a:lvl4pPr>
+            <a:lvl5pPr marL="2057400" indent="-228600" algn="l" defTabSz="457200" rtl="0" eaLnBrk="1" latinLnBrk="0" hangingPunct="1">
+              <a:spcBef>
+                <a:spcPct val="20000"/>
+              </a:spcBef>
+              <a:buFont typeface="Arial"/>
+              <a:buChar char="»"/>
+              <a:defRPr sz="2000" kern="1200">
+                <a:solidFill>
+                  <a:schemeClr val="tx1"/>
+                </a:solidFill>
+                <a:latin typeface="+mn-lt"/>
+                <a:ea typeface="+mn-ea"/>
+                <a:cs typeface="+mn-cs"/>
+              </a:defRPr>
+            </a:lvl5pPr>
+            <a:lvl6pPr marL="2514600" indent="-228600" algn="l" defTabSz="457200" rtl="0" eaLnBrk="1" latinLnBrk="0" hangingPunct="1">
+              <a:spcBef>
+                <a:spcPct val="20000"/>
+              </a:spcBef>
+              <a:buFont typeface="Arial"/>
+              <a:buChar char="•"/>
+              <a:defRPr sz="2000" kern="1200">
+                <a:solidFill>
+                  <a:schemeClr val="tx1"/>
+                </a:solidFill>
+                <a:latin typeface="+mn-lt"/>
+                <a:ea typeface="+mn-ea"/>
+                <a:cs typeface="+mn-cs"/>
+              </a:defRPr>
+            </a:lvl6pPr>
+            <a:lvl7pPr marL="2971800" indent="-228600" algn="l" defTabSz="457200" rtl="0" eaLnBrk="1" latinLnBrk="0" hangingPunct="1">
+              <a:spcBef>
+                <a:spcPct val="20000"/>
+              </a:spcBef>
+              <a:buFont typeface="Arial"/>
+              <a:buChar char="•"/>
+              <a:defRPr sz="2000" kern="1200">
+                <a:solidFill>
+                  <a:schemeClr val="tx1"/>
+                </a:solidFill>
+                <a:latin typeface="+mn-lt"/>
+                <a:ea typeface="+mn-ea"/>
+                <a:cs typeface="+mn-cs"/>
+              </a:defRPr>
+            </a:lvl7pPr>
+            <a:lvl8pPr marL="3429000" indent="-228600" algn="l" defTabSz="457200" rtl="0" eaLnBrk="1" latinLnBrk="0" hangingPunct="1">
+              <a:spcBef>
+                <a:spcPct val="20000"/>
+              </a:spcBef>
+              <a:buFont typeface="Arial"/>
+              <a:buChar char="•"/>
+              <a:defRPr sz="2000" kern="1200">
+                <a:solidFill>
+                  <a:schemeClr val="tx1"/>
+                </a:solidFill>
+                <a:latin typeface="+mn-lt"/>
+                <a:ea typeface="+mn-ea"/>
+                <a:cs typeface="+mn-cs"/>
+              </a:defRPr>
+            </a:lvl8pPr>
+            <a:lvl9pPr marL="3886200" indent="-228600" algn="l" defTabSz="457200" rtl="0" eaLnBrk="1" latinLnBrk="0" hangingPunct="1">
+              <a:spcBef>
+                <a:spcPct val="20000"/>
+              </a:spcBef>
+              <a:buFont typeface="Arial"/>
+              <a:buChar char="•"/>
+              <a:defRPr sz="2000" kern="1200">
+                <a:solidFill>
+                  <a:schemeClr val="tx1"/>
+                </a:solidFill>
+                <a:latin typeface="+mn-lt"/>
+                <a:ea typeface="+mn-ea"/>
+                <a:cs typeface="+mn-cs"/>
+              </a:defRPr>
+            </a:lvl9pPr>
+          </a:lstStyle>
+          <a:p>
+            <a:r>
+              <a:rPr lang="en-US" sz="2800" dirty="0">
+                <a:latin typeface="Bookman Old Style" panose="02050604050505020204" pitchFamily="18" charset="0"/>
+              </a:rPr>
+              <a:t>A famous approximation algorithm by Moses </a:t>
+            </a:r>
+            <a:r>
+              <a:rPr lang="en-US" sz="2800" dirty="0" err="1">
+                <a:latin typeface="Bookman Old Style" panose="02050604050505020204" pitchFamily="18" charset="0"/>
+              </a:rPr>
+              <a:t>Charikar</a:t>
+            </a:r>
+            <a:r>
+              <a:rPr lang="en-US" sz="2800" dirty="0">
+                <a:latin typeface="Bookman Old Style" panose="02050604050505020204" pitchFamily="18" charset="0"/>
+              </a:rPr>
+              <a:t> is the Greedy Peeling algorithm, which finds the vertex with the least number of connections (referred to as degree), and removes it. By checking the density of the graph after each peel, you can keep track of which subgraph was densest.</a:t>
+            </a:r>
+          </a:p>
+          <a:p>
+            <a:r>
+              <a:rPr lang="en-US" sz="2800" dirty="0">
+                <a:latin typeface="Bookman Old Style" panose="02050604050505020204" pitchFamily="18" charset="0"/>
+              </a:rPr>
+              <a:t>Greedy++ is an algorithm that builds on this. By running the Greedy algorithm multiple times and assigning priority to each vertex based on when it is removed, an even denser subgraph can be found given enough iterations.</a:t>
+            </a:r>
+          </a:p>
+        </p:txBody>
+      </p:sp>
+      <p:pic>
+        <p:nvPicPr>
+          <p:cNvPr id="8" name="Picture 7">
+            <a:extLst>
+              <a:ext uri="{FF2B5EF4-FFF2-40B4-BE49-F238E27FC236}">
+                <a16:creationId xmlns:a16="http://schemas.microsoft.com/office/drawing/2014/main" id="{298A76DE-F336-542B-924C-B66996CB0497}"/>
+              </a:ext>
+            </a:extLst>
+          </p:cNvPr>
+          <p:cNvPicPr>
+            <a:picLocks noChangeAspect="1"/>
+          </p:cNvPicPr>
+          <p:nvPr/>
+        </p:nvPicPr>
+        <p:blipFill>
+          <a:blip r:embed="rId2"/>
+          <a:srcRect l="35833" t="39630" r="32500" b="15925"/>
+          <a:stretch>
+            <a:fillRect/>
+          </a:stretch>
+        </p:blipFill>
+        <p:spPr>
+          <a:xfrm>
+            <a:off x="4849967" y="1478488"/>
+            <a:ext cx="4294033" cy="3390026"/>
+          </a:xfrm>
+          <a:prstGeom prst="rect">
+            <a:avLst/>
+          </a:prstGeom>
+        </p:spPr>
+      </p:pic>
+    </p:spTree>
+    <p:extLst>
+      <p:ext uri="{BB962C8B-B14F-4D97-AF65-F5344CB8AC3E}">
+        <p14:creationId xmlns:p14="http://schemas.microsoft.com/office/powerpoint/2010/main" val="2962975557"/>
+      </p:ext>
+    </p:extLst>
+  </p:cSld>
+  <p:clrMapOvr>
+    <a:masterClrMapping/>
+  </p:clrMapOvr>
+</p:sld>
+</file>
+
+<file path=ppt/slides/slide14.xml><?xml version="1.0" encoding="utf-8"?>
+<p:sld xmlns:a="http://schemas.openxmlformats.org/drawingml/2006/main" xmlns:r="http://schemas.openxmlformats.org/officeDocument/2006/relationships" xmlns:p="http://schemas.openxmlformats.org/presentationml/2006/main">
+  <p:cSld>
+    <p:spTree>
+      <p:nvGrpSpPr>
+        <p:cNvPr id="1" name="">
+          <a:extLst>
+            <a:ext uri="{FF2B5EF4-FFF2-40B4-BE49-F238E27FC236}">
+              <a16:creationId xmlns:a16="http://schemas.microsoft.com/office/drawing/2014/main" id="{8B632E56-0C7B-8C32-143E-6737E52D4EE6}"/>
+            </a:ext>
+          </a:extLst>
+        </p:cNvPr>
+        <p:cNvGrpSpPr/>
+        <p:nvPr/>
+      </p:nvGrpSpPr>
+      <p:grpSpPr>
+        <a:xfrm>
+          <a:off x="0" y="0"/>
+          <a:ext cx="0" cy="0"/>
+          <a:chOff x="0" y="0"/>
+          <a:chExt cx="0" cy="0"/>
+        </a:xfrm>
+      </p:grpSpPr>
+      <p:sp>
+        <p:nvSpPr>
+          <p:cNvPr id="4" name="Title 1">
+            <a:extLst>
+              <a:ext uri="{FF2B5EF4-FFF2-40B4-BE49-F238E27FC236}">
+                <a16:creationId xmlns:a16="http://schemas.microsoft.com/office/drawing/2014/main" id="{F861D297-B638-49B6-B6EB-174BFC38BF69}"/>
+              </a:ext>
+            </a:extLst>
+          </p:cNvPr>
+          <p:cNvSpPr txBox="1">
+            <a:spLocks/>
+          </p:cNvSpPr>
+          <p:nvPr/>
+        </p:nvSpPr>
+        <p:spPr>
+          <a:xfrm>
+            <a:off x="1497166" y="0"/>
+            <a:ext cx="6149667" cy="763897"/>
+          </a:xfrm>
+          <a:prstGeom prst="rect">
+            <a:avLst/>
+          </a:prstGeom>
+        </p:spPr>
+        <p:txBody>
+          <a:bodyPr vert="horz" lIns="91440" tIns="45720" rIns="91440" bIns="45720" rtlCol="0" anchor="ctr">
+            <a:normAutofit/>
+          </a:bodyPr>
+          <a:lstStyle>
+            <a:lvl1pPr algn="ctr" defTabSz="457200" rtl="0" eaLnBrk="1" latinLnBrk="0" hangingPunct="1">
+              <a:spcBef>
+                <a:spcPct val="0"/>
+              </a:spcBef>
+              <a:buNone/>
+              <a:defRPr sz="4400" kern="1200">
+                <a:solidFill>
+                  <a:schemeClr val="tx1"/>
+                </a:solidFill>
+                <a:latin typeface="+mj-lt"/>
+                <a:ea typeface="+mj-ea"/>
+                <a:cs typeface="+mj-cs"/>
+              </a:defRPr>
+            </a:lvl1pPr>
+          </a:lstStyle>
+          <a:p>
+            <a:r>
+              <a:rPr lang="en-US" sz="4000" dirty="0">
+                <a:latin typeface="Rockwell" panose="02060603020205020403" pitchFamily="18" charset="0"/>
+              </a:rPr>
+              <a:t>Related Works</a:t>
+            </a:r>
+          </a:p>
+        </p:txBody>
+      </p:sp>
+      <p:sp>
+        <p:nvSpPr>
+          <p:cNvPr id="2" name="Content Placeholder 2">
+            <a:extLst>
+              <a:ext uri="{FF2B5EF4-FFF2-40B4-BE49-F238E27FC236}">
+                <a16:creationId xmlns:a16="http://schemas.microsoft.com/office/drawing/2014/main" id="{3428DA5C-5C17-4342-54D6-2E6260D216FE}"/>
+              </a:ext>
+            </a:extLst>
+          </p:cNvPr>
+          <p:cNvSpPr txBox="1">
+            <a:spLocks/>
+          </p:cNvSpPr>
+          <p:nvPr/>
+        </p:nvSpPr>
+        <p:spPr>
+          <a:xfrm>
+            <a:off x="190499" y="685800"/>
+            <a:ext cx="8763000" cy="5334000"/>
+          </a:xfrm>
+          <a:prstGeom prst="rect">
+            <a:avLst/>
+          </a:prstGeom>
+        </p:spPr>
+        <p:txBody>
+          <a:bodyPr vert="horz" lIns="91440" tIns="45720" rIns="91440" bIns="45720" rtlCol="0">
+            <a:normAutofit fontScale="77500" lnSpcReduction="20000"/>
+          </a:bodyPr>
+          <a:lstStyle>
+            <a:lvl1pPr marL="342900" indent="-342900" algn="l" defTabSz="457200" rtl="0" eaLnBrk="1" latinLnBrk="0" hangingPunct="1">
+              <a:spcBef>
+                <a:spcPct val="20000"/>
+              </a:spcBef>
+              <a:buFont typeface="Arial"/>
+              <a:buChar char="•"/>
+              <a:defRPr sz="3200" kern="1200">
+                <a:solidFill>
+                  <a:schemeClr val="tx1"/>
+                </a:solidFill>
+                <a:latin typeface="+mn-lt"/>
+                <a:ea typeface="+mn-ea"/>
+                <a:cs typeface="+mn-cs"/>
+              </a:defRPr>
+            </a:lvl1pPr>
+            <a:lvl2pPr marL="742950" indent="-285750" algn="l" defTabSz="457200" rtl="0" eaLnBrk="1" latinLnBrk="0" hangingPunct="1">
+              <a:spcBef>
+                <a:spcPct val="20000"/>
+              </a:spcBef>
+              <a:buFont typeface="Arial"/>
+              <a:buChar char="–"/>
+              <a:defRPr sz="2800" kern="1200">
+                <a:solidFill>
+                  <a:schemeClr val="tx1"/>
+                </a:solidFill>
+                <a:latin typeface="+mn-lt"/>
+                <a:ea typeface="+mn-ea"/>
+                <a:cs typeface="+mn-cs"/>
+              </a:defRPr>
+            </a:lvl2pPr>
+            <a:lvl3pPr marL="1143000" indent="-228600" algn="l" defTabSz="457200" rtl="0" eaLnBrk="1" latinLnBrk="0" hangingPunct="1">
+              <a:spcBef>
+                <a:spcPct val="20000"/>
+              </a:spcBef>
+              <a:buFont typeface="Arial"/>
+              <a:buChar char="•"/>
+              <a:defRPr sz="2400" kern="1200">
+                <a:solidFill>
+                  <a:schemeClr val="tx1"/>
+                </a:solidFill>
+                <a:latin typeface="+mn-lt"/>
+                <a:ea typeface="+mn-ea"/>
+                <a:cs typeface="+mn-cs"/>
+              </a:defRPr>
+            </a:lvl3pPr>
+            <a:lvl4pPr marL="1600200" indent="-228600" algn="l" defTabSz="457200" rtl="0" eaLnBrk="1" latinLnBrk="0" hangingPunct="1">
+              <a:spcBef>
+                <a:spcPct val="20000"/>
+              </a:spcBef>
+              <a:buFont typeface="Arial"/>
+              <a:buChar char="–"/>
+              <a:defRPr sz="2000" kern="1200">
+                <a:solidFill>
+                  <a:schemeClr val="tx1"/>
+                </a:solidFill>
+                <a:latin typeface="+mn-lt"/>
+                <a:ea typeface="+mn-ea"/>
+                <a:cs typeface="+mn-cs"/>
+              </a:defRPr>
+            </a:lvl4pPr>
+            <a:lvl5pPr marL="2057400" indent="-228600" algn="l" defTabSz="457200" rtl="0" eaLnBrk="1" latinLnBrk="0" hangingPunct="1">
+              <a:spcBef>
+                <a:spcPct val="20000"/>
+              </a:spcBef>
+              <a:buFont typeface="Arial"/>
+              <a:buChar char="»"/>
+              <a:defRPr sz="2000" kern="1200">
+                <a:solidFill>
+                  <a:schemeClr val="tx1"/>
+                </a:solidFill>
+                <a:latin typeface="+mn-lt"/>
+                <a:ea typeface="+mn-ea"/>
+                <a:cs typeface="+mn-cs"/>
+              </a:defRPr>
+            </a:lvl5pPr>
+            <a:lvl6pPr marL="2514600" indent="-228600" algn="l" defTabSz="457200" rtl="0" eaLnBrk="1" latinLnBrk="0" hangingPunct="1">
+              <a:spcBef>
+                <a:spcPct val="20000"/>
+              </a:spcBef>
+              <a:buFont typeface="Arial"/>
+              <a:buChar char="•"/>
+              <a:defRPr sz="2000" kern="1200">
+                <a:solidFill>
+                  <a:schemeClr val="tx1"/>
+                </a:solidFill>
+                <a:latin typeface="+mn-lt"/>
+                <a:ea typeface="+mn-ea"/>
+                <a:cs typeface="+mn-cs"/>
+              </a:defRPr>
+            </a:lvl6pPr>
+            <a:lvl7pPr marL="2971800" indent="-228600" algn="l" defTabSz="457200" rtl="0" eaLnBrk="1" latinLnBrk="0" hangingPunct="1">
+              <a:spcBef>
+                <a:spcPct val="20000"/>
+              </a:spcBef>
+              <a:buFont typeface="Arial"/>
+              <a:buChar char="•"/>
+              <a:defRPr sz="2000" kern="1200">
+                <a:solidFill>
+                  <a:schemeClr val="tx1"/>
+                </a:solidFill>
+                <a:latin typeface="+mn-lt"/>
+                <a:ea typeface="+mn-ea"/>
+                <a:cs typeface="+mn-cs"/>
+              </a:defRPr>
+            </a:lvl7pPr>
+            <a:lvl8pPr marL="3429000" indent="-228600" algn="l" defTabSz="457200" rtl="0" eaLnBrk="1" latinLnBrk="0" hangingPunct="1">
+              <a:spcBef>
+                <a:spcPct val="20000"/>
+              </a:spcBef>
+              <a:buFont typeface="Arial"/>
+              <a:buChar char="•"/>
+              <a:defRPr sz="2000" kern="1200">
+                <a:solidFill>
+                  <a:schemeClr val="tx1"/>
+                </a:solidFill>
+                <a:latin typeface="+mn-lt"/>
+                <a:ea typeface="+mn-ea"/>
+                <a:cs typeface="+mn-cs"/>
+              </a:defRPr>
+            </a:lvl8pPr>
+            <a:lvl9pPr marL="3886200" indent="-228600" algn="l" defTabSz="457200" rtl="0" eaLnBrk="1" latinLnBrk="0" hangingPunct="1">
+              <a:spcBef>
+                <a:spcPct val="20000"/>
+              </a:spcBef>
+              <a:buFont typeface="Arial"/>
+              <a:buChar char="•"/>
+              <a:defRPr sz="2000" kern="1200">
+                <a:solidFill>
+                  <a:schemeClr val="tx1"/>
+                </a:solidFill>
+                <a:latin typeface="+mn-lt"/>
+                <a:ea typeface="+mn-ea"/>
+                <a:cs typeface="+mn-cs"/>
+              </a:defRPr>
+            </a:lvl9pPr>
+          </a:lstStyle>
+          <a:p>
+            <a:r>
+              <a:rPr lang="en-US" sz="2800" dirty="0">
+                <a:latin typeface="Bookman Old Style" panose="02050604050505020204" pitchFamily="18" charset="0"/>
+              </a:rPr>
+              <a:t>Before we continue, I’d like to highlight some similar problems to the DSD and existing solutions to them.</a:t>
+            </a:r>
+          </a:p>
+          <a:p>
+            <a:r>
+              <a:rPr lang="en-US" sz="2800" dirty="0">
+                <a:latin typeface="Bookman Old Style" panose="02050604050505020204" pitchFamily="18" charset="0"/>
+              </a:rPr>
+              <a:t>One variation of the DSD is the Densest k-Subgraph problem, where the goal is to find the densest subgraph of size k. One such solution to this approximates this by taking the subgraph of only the top k/2 vertices with the highest degree.</a:t>
+            </a:r>
+          </a:p>
+          <a:p>
+            <a:r>
+              <a:rPr lang="en-US" sz="2800" dirty="0">
+                <a:latin typeface="Bookman Old Style" panose="02050604050505020204" pitchFamily="18" charset="0"/>
+              </a:rPr>
+              <a:t>Another variation of the DSD is for directed graphs, where the density definition is changed to reflect direction from one subgraph to another. An exact solution to this was created by </a:t>
+            </a:r>
+            <a:r>
+              <a:rPr lang="en-US" sz="2800" dirty="0" err="1">
+                <a:latin typeface="Bookman Old Style" panose="02050604050505020204" pitchFamily="18" charset="0"/>
+              </a:rPr>
+              <a:t>Charikar</a:t>
+            </a:r>
+            <a:r>
+              <a:rPr lang="en-US" sz="2800" dirty="0">
+                <a:latin typeface="Bookman Old Style" panose="02050604050505020204" pitchFamily="18" charset="0"/>
+              </a:rPr>
+              <a:t> which finds the optimal solution to a linear programming problem based on the ratio of the sizes of the subgraphs.</a:t>
+            </a:r>
+          </a:p>
+          <a:p>
+            <a:r>
+              <a:rPr lang="en-US" sz="2800" dirty="0">
+                <a:latin typeface="Bookman Old Style" panose="02050604050505020204" pitchFamily="18" charset="0"/>
+              </a:rPr>
+              <a:t>The final variation I’ll mention is the Optimal Quasi-Clique Problem, which uses the edge surplus definition instead of density to favor subgraphs with a shorter diameter. One solution to this is a variation of the greedy peeling algorithm.</a:t>
+            </a:r>
+          </a:p>
+        </p:txBody>
+      </p:sp>
+    </p:spTree>
+    <p:extLst>
+      <p:ext uri="{BB962C8B-B14F-4D97-AF65-F5344CB8AC3E}">
+        <p14:creationId xmlns:p14="http://schemas.microsoft.com/office/powerpoint/2010/main" val="819417265"/>
+      </p:ext>
+    </p:extLst>
+  </p:cSld>
+  <p:clrMapOvr>
+    <a:masterClrMapping/>
+  </p:clrMapOvr>
+</p:sld>
+</file>
+
+<file path=ppt/slides/slide15.xml><?xml version="1.0" encoding="utf-8"?>
+<p:sld xmlns:a="http://schemas.openxmlformats.org/drawingml/2006/main" xmlns:r="http://schemas.openxmlformats.org/officeDocument/2006/relationships" xmlns:p="http://schemas.openxmlformats.org/presentationml/2006/main">
+  <p:cSld>
+    <p:spTree>
+      <p:nvGrpSpPr>
+        <p:cNvPr id="1" name="">
+          <a:extLst>
+            <a:ext uri="{FF2B5EF4-FFF2-40B4-BE49-F238E27FC236}">
+              <a16:creationId xmlns:a16="http://schemas.microsoft.com/office/drawing/2014/main" id="{0BD7BE8E-1F8C-DE47-9F48-53FC00B145A0}"/>
+            </a:ext>
+          </a:extLst>
+        </p:cNvPr>
+        <p:cNvGrpSpPr/>
+        <p:nvPr/>
+      </p:nvGrpSpPr>
+      <p:grpSpPr>
+        <a:xfrm>
+          <a:off x="0" y="0"/>
+          <a:ext cx="0" cy="0"/>
+          <a:chOff x="0" y="0"/>
+          <a:chExt cx="0" cy="0"/>
+        </a:xfrm>
+      </p:grpSpPr>
+      <p:sp>
+        <p:nvSpPr>
+          <p:cNvPr id="4" name="Title 1">
+            <a:extLst>
+              <a:ext uri="{FF2B5EF4-FFF2-40B4-BE49-F238E27FC236}">
+                <a16:creationId xmlns:a16="http://schemas.microsoft.com/office/drawing/2014/main" id="{6262EE7C-6538-8242-6599-FAB96D29AA29}"/>
+              </a:ext>
+            </a:extLst>
+          </p:cNvPr>
+          <p:cNvSpPr txBox="1">
+            <a:spLocks/>
+          </p:cNvSpPr>
+          <p:nvPr/>
+        </p:nvSpPr>
+        <p:spPr>
+          <a:xfrm>
+            <a:off x="1497166" y="114146"/>
+            <a:ext cx="6149667" cy="1320800"/>
+          </a:xfrm>
+          <a:prstGeom prst="rect">
+            <a:avLst/>
+          </a:prstGeom>
+        </p:spPr>
+        <p:txBody>
+          <a:bodyPr vert="horz" lIns="91440" tIns="45720" rIns="91440" bIns="45720" rtlCol="0" anchor="ctr">
+            <a:normAutofit/>
+          </a:bodyPr>
+          <a:lstStyle>
+            <a:lvl1pPr algn="ctr" defTabSz="457200" rtl="0" eaLnBrk="1" latinLnBrk="0" hangingPunct="1">
+              <a:spcBef>
+                <a:spcPct val="0"/>
+              </a:spcBef>
+              <a:buNone/>
+              <a:defRPr sz="4400" kern="1200">
+                <a:solidFill>
+                  <a:schemeClr val="tx1"/>
+                </a:solidFill>
+                <a:latin typeface="+mj-lt"/>
+                <a:ea typeface="+mj-ea"/>
+                <a:cs typeface="+mj-cs"/>
+              </a:defRPr>
+            </a:lvl1pPr>
+          </a:lstStyle>
+          <a:p>
+            <a:r>
+              <a:rPr lang="en-US" sz="4000" dirty="0">
+                <a:latin typeface="Rockwell" panose="02060603020205020403" pitchFamily="18" charset="0"/>
+              </a:rPr>
+              <a:t>CoreExact</a:t>
+            </a:r>
+          </a:p>
+        </p:txBody>
+      </p:sp>
+      <p:sp>
+        <p:nvSpPr>
+          <p:cNvPr id="2" name="Content Placeholder 2">
+            <a:extLst>
+              <a:ext uri="{FF2B5EF4-FFF2-40B4-BE49-F238E27FC236}">
+                <a16:creationId xmlns:a16="http://schemas.microsoft.com/office/drawing/2014/main" id="{EB2BA3A8-1018-AAD1-8B83-591E727EBBF9}"/>
+              </a:ext>
+            </a:extLst>
+          </p:cNvPr>
+          <p:cNvSpPr txBox="1">
+            <a:spLocks/>
+          </p:cNvSpPr>
+          <p:nvPr/>
+        </p:nvSpPr>
+        <p:spPr>
+          <a:xfrm>
+            <a:off x="304800" y="1143000"/>
+            <a:ext cx="8763000" cy="4697411"/>
+          </a:xfrm>
+          <a:prstGeom prst="rect">
+            <a:avLst/>
+          </a:prstGeom>
+        </p:spPr>
+        <p:txBody>
+          <a:bodyPr vert="horz" lIns="91440" tIns="45720" rIns="91440" bIns="45720" rtlCol="0">
+            <a:normAutofit fontScale="92500" lnSpcReduction="10000"/>
+          </a:bodyPr>
+          <a:lstStyle>
+            <a:lvl1pPr marL="342900" indent="-342900" algn="l" defTabSz="457200" rtl="0" eaLnBrk="1" latinLnBrk="0" hangingPunct="1">
+              <a:spcBef>
+                <a:spcPct val="20000"/>
+              </a:spcBef>
+              <a:buFont typeface="Arial"/>
+              <a:buChar char="•"/>
+              <a:defRPr sz="3200" kern="1200">
+                <a:solidFill>
+                  <a:schemeClr val="tx1"/>
+                </a:solidFill>
+                <a:latin typeface="+mn-lt"/>
+                <a:ea typeface="+mn-ea"/>
+                <a:cs typeface="+mn-cs"/>
+              </a:defRPr>
+            </a:lvl1pPr>
+            <a:lvl2pPr marL="742950" indent="-285750" algn="l" defTabSz="457200" rtl="0" eaLnBrk="1" latinLnBrk="0" hangingPunct="1">
+              <a:spcBef>
+                <a:spcPct val="20000"/>
+              </a:spcBef>
+              <a:buFont typeface="Arial"/>
+              <a:buChar char="–"/>
+              <a:defRPr sz="2800" kern="1200">
+                <a:solidFill>
+                  <a:schemeClr val="tx1"/>
+                </a:solidFill>
+                <a:latin typeface="+mn-lt"/>
+                <a:ea typeface="+mn-ea"/>
+                <a:cs typeface="+mn-cs"/>
+              </a:defRPr>
+            </a:lvl2pPr>
+            <a:lvl3pPr marL="1143000" indent="-228600" algn="l" defTabSz="457200" rtl="0" eaLnBrk="1" latinLnBrk="0" hangingPunct="1">
+              <a:spcBef>
+                <a:spcPct val="20000"/>
+              </a:spcBef>
+              <a:buFont typeface="Arial"/>
+              <a:buChar char="•"/>
+              <a:defRPr sz="2400" kern="1200">
+                <a:solidFill>
+                  <a:schemeClr val="tx1"/>
+                </a:solidFill>
+                <a:latin typeface="+mn-lt"/>
+                <a:ea typeface="+mn-ea"/>
+                <a:cs typeface="+mn-cs"/>
+              </a:defRPr>
+            </a:lvl3pPr>
+            <a:lvl4pPr marL="1600200" indent="-228600" algn="l" defTabSz="457200" rtl="0" eaLnBrk="1" latinLnBrk="0" hangingPunct="1">
+              <a:spcBef>
+                <a:spcPct val="20000"/>
+              </a:spcBef>
+              <a:buFont typeface="Arial"/>
+              <a:buChar char="–"/>
+              <a:defRPr sz="2000" kern="1200">
+                <a:solidFill>
+                  <a:schemeClr val="tx1"/>
+                </a:solidFill>
+                <a:latin typeface="+mn-lt"/>
+                <a:ea typeface="+mn-ea"/>
+                <a:cs typeface="+mn-cs"/>
+              </a:defRPr>
+            </a:lvl4pPr>
+            <a:lvl5pPr marL="2057400" indent="-228600" algn="l" defTabSz="457200" rtl="0" eaLnBrk="1" latinLnBrk="0" hangingPunct="1">
+              <a:spcBef>
+                <a:spcPct val="20000"/>
+              </a:spcBef>
+              <a:buFont typeface="Arial"/>
+              <a:buChar char="»"/>
+              <a:defRPr sz="2000" kern="1200">
+                <a:solidFill>
+                  <a:schemeClr val="tx1"/>
+                </a:solidFill>
+                <a:latin typeface="+mn-lt"/>
+                <a:ea typeface="+mn-ea"/>
+                <a:cs typeface="+mn-cs"/>
+              </a:defRPr>
+            </a:lvl5pPr>
+            <a:lvl6pPr marL="2514600" indent="-228600" algn="l" defTabSz="457200" rtl="0" eaLnBrk="1" latinLnBrk="0" hangingPunct="1">
+              <a:spcBef>
+                <a:spcPct val="20000"/>
+              </a:spcBef>
+              <a:buFont typeface="Arial"/>
+              <a:buChar char="•"/>
+              <a:defRPr sz="2000" kern="1200">
+                <a:solidFill>
+                  <a:schemeClr val="tx1"/>
+                </a:solidFill>
+                <a:latin typeface="+mn-lt"/>
+                <a:ea typeface="+mn-ea"/>
+                <a:cs typeface="+mn-cs"/>
+              </a:defRPr>
+            </a:lvl6pPr>
+            <a:lvl7pPr marL="2971800" indent="-228600" algn="l" defTabSz="457200" rtl="0" eaLnBrk="1" latinLnBrk="0" hangingPunct="1">
+              <a:spcBef>
+                <a:spcPct val="20000"/>
+              </a:spcBef>
+              <a:buFont typeface="Arial"/>
+              <a:buChar char="•"/>
+              <a:defRPr sz="2000" kern="1200">
+                <a:solidFill>
+                  <a:schemeClr val="tx1"/>
+                </a:solidFill>
+                <a:latin typeface="+mn-lt"/>
+                <a:ea typeface="+mn-ea"/>
+                <a:cs typeface="+mn-cs"/>
+              </a:defRPr>
+            </a:lvl7pPr>
+            <a:lvl8pPr marL="3429000" indent="-228600" algn="l" defTabSz="457200" rtl="0" eaLnBrk="1" latinLnBrk="0" hangingPunct="1">
+              <a:spcBef>
+                <a:spcPct val="20000"/>
+              </a:spcBef>
+              <a:buFont typeface="Arial"/>
+              <a:buChar char="•"/>
+              <a:defRPr sz="2000" kern="1200">
+                <a:solidFill>
+                  <a:schemeClr val="tx1"/>
+                </a:solidFill>
+                <a:latin typeface="+mn-lt"/>
+                <a:ea typeface="+mn-ea"/>
+                <a:cs typeface="+mn-cs"/>
+              </a:defRPr>
+            </a:lvl8pPr>
+            <a:lvl9pPr marL="3886200" indent="-228600" algn="l" defTabSz="457200" rtl="0" eaLnBrk="1" latinLnBrk="0" hangingPunct="1">
+              <a:spcBef>
+                <a:spcPct val="20000"/>
+              </a:spcBef>
+              <a:buFont typeface="Arial"/>
+              <a:buChar char="•"/>
+              <a:defRPr sz="2000" kern="1200">
+                <a:solidFill>
+                  <a:schemeClr val="tx1"/>
+                </a:solidFill>
+                <a:latin typeface="+mn-lt"/>
+                <a:ea typeface="+mn-ea"/>
+                <a:cs typeface="+mn-cs"/>
+              </a:defRPr>
+            </a:lvl9pPr>
+          </a:lstStyle>
+          <a:p>
+            <a:r>
+              <a:rPr lang="en-US" sz="2800" dirty="0">
+                <a:latin typeface="Bookman Old Style" panose="02050604050505020204" pitchFamily="18" charset="0"/>
+              </a:rPr>
+              <a:t>After deliberating over many of the existing DSD solutions, the one we settled on parallelizing was the CoreExact algorithm from the paper “Efficient Algorithms For Densest Subgraph Discovery”.</a:t>
+            </a:r>
+          </a:p>
+          <a:p>
+            <a:r>
+              <a:rPr lang="en-US" sz="2800" dirty="0">
+                <a:latin typeface="Bookman Old Style" panose="02050604050505020204" pitchFamily="18" charset="0"/>
+              </a:rPr>
+              <a:t>To put it simply, this algorithm uses various methods to trim down the input graph before breaking it into smaller parts and running Goldberg’s exact algorithm on each piece.</a:t>
+            </a:r>
+          </a:p>
+          <a:p>
+            <a:r>
+              <a:rPr lang="en-US" sz="2800" dirty="0">
+                <a:latin typeface="Bookman Old Style" panose="02050604050505020204" pitchFamily="18" charset="0"/>
+              </a:rPr>
+              <a:t>There is a lot to unpack to understand the parallelization of CoreExact, so first we will cover important concepts and parts of how the original CoreExact algorithm works.</a:t>
+            </a:r>
+          </a:p>
+          <a:p>
+            <a:endParaRPr lang="en-US" sz="2800" dirty="0">
+              <a:latin typeface="Bookman Old Style" panose="02050604050505020204" pitchFamily="18" charset="0"/>
+            </a:endParaRPr>
+          </a:p>
+        </p:txBody>
+      </p:sp>
+    </p:spTree>
+    <p:extLst>
+      <p:ext uri="{BB962C8B-B14F-4D97-AF65-F5344CB8AC3E}">
+        <p14:creationId xmlns:p14="http://schemas.microsoft.com/office/powerpoint/2010/main" val="1740317727"/>
+      </p:ext>
+    </p:extLst>
+  </p:cSld>
+  <p:clrMapOvr>
+    <a:masterClrMapping/>
+  </p:clrMapOvr>
+</p:sld>
+</file>
+
+<file path=ppt/slides/slide16.xml><?xml version="1.0" encoding="utf-8"?>
+<p:sld xmlns:a="http://schemas.openxmlformats.org/drawingml/2006/main" xmlns:r="http://schemas.openxmlformats.org/officeDocument/2006/relationships" xmlns:p="http://schemas.openxmlformats.org/presentationml/2006/main">
+  <p:cSld>
+    <p:spTree>
+      <p:nvGrpSpPr>
+        <p:cNvPr id="1" name="">
+          <a:extLst>
+            <a:ext uri="{FF2B5EF4-FFF2-40B4-BE49-F238E27FC236}">
+              <a16:creationId xmlns:a16="http://schemas.microsoft.com/office/drawing/2014/main" id="{B56F4FB6-7334-DC23-1DF0-80C6A108EA38}"/>
+            </a:ext>
+          </a:extLst>
+        </p:cNvPr>
+        <p:cNvGrpSpPr/>
+        <p:nvPr/>
+      </p:nvGrpSpPr>
+      <p:grpSpPr>
+        <a:xfrm>
+          <a:off x="0" y="0"/>
+          <a:ext cx="0" cy="0"/>
+          <a:chOff x="0" y="0"/>
+          <a:chExt cx="0" cy="0"/>
+        </a:xfrm>
+      </p:grpSpPr>
+      <p:sp>
+        <p:nvSpPr>
+          <p:cNvPr id="4" name="Title 1">
+            <a:extLst>
+              <a:ext uri="{FF2B5EF4-FFF2-40B4-BE49-F238E27FC236}">
+                <a16:creationId xmlns:a16="http://schemas.microsoft.com/office/drawing/2014/main" id="{1C8E159A-0E9F-6093-8E0D-BD42791C6E80}"/>
+              </a:ext>
+            </a:extLst>
+          </p:cNvPr>
+          <p:cNvSpPr txBox="1">
+            <a:spLocks/>
+          </p:cNvSpPr>
+          <p:nvPr/>
+        </p:nvSpPr>
+        <p:spPr>
+          <a:xfrm>
+            <a:off x="1497166" y="4354"/>
+            <a:ext cx="6149667" cy="952654"/>
+          </a:xfrm>
+          <a:prstGeom prst="rect">
+            <a:avLst/>
+          </a:prstGeom>
+        </p:spPr>
+        <p:txBody>
+          <a:bodyPr vert="horz" lIns="91440" tIns="45720" rIns="91440" bIns="45720" rtlCol="0" anchor="ctr">
+            <a:normAutofit/>
+          </a:bodyPr>
+          <a:lstStyle>
+            <a:lvl1pPr algn="ctr" defTabSz="457200" rtl="0" eaLnBrk="1" latinLnBrk="0" hangingPunct="1">
+              <a:spcBef>
+                <a:spcPct val="0"/>
+              </a:spcBef>
+              <a:buNone/>
+              <a:defRPr sz="4400" kern="1200">
+                <a:solidFill>
+                  <a:schemeClr val="tx1"/>
+                </a:solidFill>
+                <a:latin typeface="+mj-lt"/>
+                <a:ea typeface="+mj-ea"/>
+                <a:cs typeface="+mj-cs"/>
+              </a:defRPr>
+            </a:lvl1pPr>
+          </a:lstStyle>
+          <a:p>
+            <a:r>
+              <a:rPr lang="en-US" sz="4000" dirty="0">
+                <a:latin typeface="Rockwell" panose="02060603020205020403" pitchFamily="18" charset="0"/>
+              </a:rPr>
+              <a:t>Flow Networks</a:t>
+            </a:r>
+          </a:p>
+        </p:txBody>
+      </p:sp>
+      <p:sp>
+        <p:nvSpPr>
+          <p:cNvPr id="2" name="Content Placeholder 2">
+            <a:extLst>
+              <a:ext uri="{FF2B5EF4-FFF2-40B4-BE49-F238E27FC236}">
+                <a16:creationId xmlns:a16="http://schemas.microsoft.com/office/drawing/2014/main" id="{B4AA095E-4D49-A40B-9DB4-59989F3A4DF0}"/>
+              </a:ext>
+            </a:extLst>
+          </p:cNvPr>
+          <p:cNvSpPr txBox="1">
+            <a:spLocks/>
+          </p:cNvSpPr>
+          <p:nvPr/>
+        </p:nvSpPr>
+        <p:spPr>
+          <a:xfrm>
+            <a:off x="76200" y="914400"/>
+            <a:ext cx="4572000" cy="5257800"/>
+          </a:xfrm>
+          <a:prstGeom prst="rect">
+            <a:avLst/>
+          </a:prstGeom>
+        </p:spPr>
+        <p:txBody>
+          <a:bodyPr vert="horz" lIns="91440" tIns="45720" rIns="91440" bIns="45720" rtlCol="0">
+            <a:normAutofit fontScale="77500" lnSpcReduction="20000"/>
+          </a:bodyPr>
+          <a:lstStyle>
+            <a:lvl1pPr marL="342900" indent="-342900" algn="l" defTabSz="457200" rtl="0" eaLnBrk="1" latinLnBrk="0" hangingPunct="1">
+              <a:spcBef>
+                <a:spcPct val="20000"/>
+              </a:spcBef>
+              <a:buFont typeface="Arial"/>
+              <a:buChar char="•"/>
+              <a:defRPr sz="3200" kern="1200">
+                <a:solidFill>
+                  <a:schemeClr val="tx1"/>
+                </a:solidFill>
+                <a:latin typeface="+mn-lt"/>
+                <a:ea typeface="+mn-ea"/>
+                <a:cs typeface="+mn-cs"/>
+              </a:defRPr>
+            </a:lvl1pPr>
+            <a:lvl2pPr marL="742950" indent="-285750" algn="l" defTabSz="457200" rtl="0" eaLnBrk="1" latinLnBrk="0" hangingPunct="1">
+              <a:spcBef>
+                <a:spcPct val="20000"/>
+              </a:spcBef>
+              <a:buFont typeface="Arial"/>
+              <a:buChar char="–"/>
+              <a:defRPr sz="2800" kern="1200">
+                <a:solidFill>
+                  <a:schemeClr val="tx1"/>
+                </a:solidFill>
+                <a:latin typeface="+mn-lt"/>
+                <a:ea typeface="+mn-ea"/>
+                <a:cs typeface="+mn-cs"/>
+              </a:defRPr>
+            </a:lvl2pPr>
+            <a:lvl3pPr marL="1143000" indent="-228600" algn="l" defTabSz="457200" rtl="0" eaLnBrk="1" latinLnBrk="0" hangingPunct="1">
+              <a:spcBef>
+                <a:spcPct val="20000"/>
+              </a:spcBef>
+              <a:buFont typeface="Arial"/>
+              <a:buChar char="•"/>
+              <a:defRPr sz="2400" kern="1200">
+                <a:solidFill>
+                  <a:schemeClr val="tx1"/>
+                </a:solidFill>
+                <a:latin typeface="+mn-lt"/>
+                <a:ea typeface="+mn-ea"/>
+                <a:cs typeface="+mn-cs"/>
+              </a:defRPr>
+            </a:lvl3pPr>
+            <a:lvl4pPr marL="1600200" indent="-228600" algn="l" defTabSz="457200" rtl="0" eaLnBrk="1" latinLnBrk="0" hangingPunct="1">
+              <a:spcBef>
+                <a:spcPct val="20000"/>
+              </a:spcBef>
+              <a:buFont typeface="Arial"/>
+              <a:buChar char="–"/>
+              <a:defRPr sz="2000" kern="1200">
+                <a:solidFill>
+                  <a:schemeClr val="tx1"/>
+                </a:solidFill>
+                <a:latin typeface="+mn-lt"/>
+                <a:ea typeface="+mn-ea"/>
+                <a:cs typeface="+mn-cs"/>
+              </a:defRPr>
+            </a:lvl4pPr>
+            <a:lvl5pPr marL="2057400" indent="-228600" algn="l" defTabSz="457200" rtl="0" eaLnBrk="1" latinLnBrk="0" hangingPunct="1">
+              <a:spcBef>
+                <a:spcPct val="20000"/>
+              </a:spcBef>
+              <a:buFont typeface="Arial"/>
+              <a:buChar char="»"/>
+              <a:defRPr sz="2000" kern="1200">
+                <a:solidFill>
+                  <a:schemeClr val="tx1"/>
+                </a:solidFill>
+                <a:latin typeface="+mn-lt"/>
+                <a:ea typeface="+mn-ea"/>
+                <a:cs typeface="+mn-cs"/>
+              </a:defRPr>
+            </a:lvl5pPr>
+            <a:lvl6pPr marL="2514600" indent="-228600" algn="l" defTabSz="457200" rtl="0" eaLnBrk="1" latinLnBrk="0" hangingPunct="1">
+              <a:spcBef>
+                <a:spcPct val="20000"/>
+              </a:spcBef>
+              <a:buFont typeface="Arial"/>
+              <a:buChar char="•"/>
+              <a:defRPr sz="2000" kern="1200">
+                <a:solidFill>
+                  <a:schemeClr val="tx1"/>
+                </a:solidFill>
+                <a:latin typeface="+mn-lt"/>
+                <a:ea typeface="+mn-ea"/>
+                <a:cs typeface="+mn-cs"/>
+              </a:defRPr>
+            </a:lvl6pPr>
+            <a:lvl7pPr marL="2971800" indent="-228600" algn="l" defTabSz="457200" rtl="0" eaLnBrk="1" latinLnBrk="0" hangingPunct="1">
+              <a:spcBef>
+                <a:spcPct val="20000"/>
+              </a:spcBef>
+              <a:buFont typeface="Arial"/>
+              <a:buChar char="•"/>
+              <a:defRPr sz="2000" kern="1200">
+                <a:solidFill>
+                  <a:schemeClr val="tx1"/>
+                </a:solidFill>
+                <a:latin typeface="+mn-lt"/>
+                <a:ea typeface="+mn-ea"/>
+                <a:cs typeface="+mn-cs"/>
+              </a:defRPr>
+            </a:lvl7pPr>
+            <a:lvl8pPr marL="3429000" indent="-228600" algn="l" defTabSz="457200" rtl="0" eaLnBrk="1" latinLnBrk="0" hangingPunct="1">
+              <a:spcBef>
+                <a:spcPct val="20000"/>
+              </a:spcBef>
+              <a:buFont typeface="Arial"/>
+              <a:buChar char="•"/>
+              <a:defRPr sz="2000" kern="1200">
+                <a:solidFill>
+                  <a:schemeClr val="tx1"/>
+                </a:solidFill>
+                <a:latin typeface="+mn-lt"/>
+                <a:ea typeface="+mn-ea"/>
+                <a:cs typeface="+mn-cs"/>
+              </a:defRPr>
+            </a:lvl8pPr>
+            <a:lvl9pPr marL="3886200" indent="-228600" algn="l" defTabSz="457200" rtl="0" eaLnBrk="1" latinLnBrk="0" hangingPunct="1">
+              <a:spcBef>
+                <a:spcPct val="20000"/>
+              </a:spcBef>
+              <a:buFont typeface="Arial"/>
+              <a:buChar char="•"/>
+              <a:defRPr sz="2000" kern="1200">
+                <a:solidFill>
+                  <a:schemeClr val="tx1"/>
+                </a:solidFill>
+                <a:latin typeface="+mn-lt"/>
+                <a:ea typeface="+mn-ea"/>
+                <a:cs typeface="+mn-cs"/>
+              </a:defRPr>
+            </a:lvl9pPr>
+          </a:lstStyle>
+          <a:p>
+            <a:r>
+              <a:rPr lang="en-US" sz="2800" dirty="0">
+                <a:latin typeface="Bookman Old Style" panose="02050604050505020204" pitchFamily="18" charset="0"/>
+              </a:rPr>
+              <a:t>To start, we shall cover Goldberg’s exact algorithm. But this requires a few concepts to be covered first. </a:t>
+            </a:r>
+          </a:p>
+          <a:p>
+            <a:r>
+              <a:rPr lang="en-US" sz="2800" dirty="0">
+                <a:latin typeface="Bookman Old Style" panose="02050604050505020204" pitchFamily="18" charset="0"/>
+              </a:rPr>
+              <a:t>Flow networks are a special type of directed graph where edges have flow (some amount of “something” pushed through the edge). Each edge has a capacity (a maximum flow). This is often represented as x/y, where x is flow and y is capacity.</a:t>
+            </a:r>
+          </a:p>
+          <a:p>
+            <a:r>
+              <a:rPr lang="en-US" sz="2800" dirty="0">
+                <a:latin typeface="Bookman Old Style" panose="02050604050505020204" pitchFamily="18" charset="0"/>
+              </a:rPr>
+              <a:t>In a flow network, there are two special nodes called the source and sink. Flow only comes out of the source and only flows into the sink.</a:t>
+            </a:r>
+          </a:p>
+        </p:txBody>
+      </p:sp>
+      <p:pic>
+        <p:nvPicPr>
+          <p:cNvPr id="5" name="Picture 4" descr="A black background with blue circles&#10;&#10;AI-generated content may be incorrect.">
+            <a:extLst>
+              <a:ext uri="{FF2B5EF4-FFF2-40B4-BE49-F238E27FC236}">
+                <a16:creationId xmlns:a16="http://schemas.microsoft.com/office/drawing/2014/main" id="{AA61E2CA-5D8B-7B30-E2EF-577D435A30C8}"/>
+              </a:ext>
+            </a:extLst>
+          </p:cNvPr>
+          <p:cNvPicPr>
+            <a:picLocks noChangeAspect="1"/>
+          </p:cNvPicPr>
+          <p:nvPr/>
+        </p:nvPicPr>
+        <p:blipFill>
+          <a:blip r:embed="rId2">
+            <a:extLst>
+              <a:ext uri="{28A0092B-C50C-407E-A947-70E740481C1C}">
+                <a14:useLocalDpi xmlns:a14="http://schemas.microsoft.com/office/drawing/2010/main" val="0"/>
+              </a:ext>
+            </a:extLst>
+          </a:blip>
+          <a:stretch>
+            <a:fillRect/>
+          </a:stretch>
+        </p:blipFill>
+        <p:spPr>
+          <a:xfrm>
+            <a:off x="3657600" y="1066800"/>
+            <a:ext cx="6224434" cy="4668325"/>
+          </a:xfrm>
+          <a:prstGeom prst="rect">
+            <a:avLst/>
+          </a:prstGeom>
+        </p:spPr>
+      </p:pic>
+    </p:spTree>
+    <p:extLst>
+      <p:ext uri="{BB962C8B-B14F-4D97-AF65-F5344CB8AC3E}">
+        <p14:creationId xmlns:p14="http://schemas.microsoft.com/office/powerpoint/2010/main" val="3239618294"/>
+      </p:ext>
+    </p:extLst>
+  </p:cSld>
+  <p:clrMapOvr>
+    <a:masterClrMapping/>
+  </p:clrMapOvr>
+</p:sld>
+</file>
+
+<file path=ppt/slides/slide17.xml><?xml version="1.0" encoding="utf-8"?>
+<p:sld xmlns:a="http://schemas.openxmlformats.org/drawingml/2006/main" xmlns:r="http://schemas.openxmlformats.org/officeDocument/2006/relationships" xmlns:p="http://schemas.openxmlformats.org/presentationml/2006/main">
+  <p:cSld>
+    <p:spTree>
+      <p:nvGrpSpPr>
+        <p:cNvPr id="1" name="">
+          <a:extLst>
+            <a:ext uri="{FF2B5EF4-FFF2-40B4-BE49-F238E27FC236}">
+              <a16:creationId xmlns:a16="http://schemas.microsoft.com/office/drawing/2014/main" id="{C2733363-FA0C-713E-C232-0E4C8424A926}"/>
+            </a:ext>
+          </a:extLst>
+        </p:cNvPr>
+        <p:cNvGrpSpPr/>
+        <p:nvPr/>
+      </p:nvGrpSpPr>
+      <p:grpSpPr>
+        <a:xfrm>
+          <a:off x="0" y="0"/>
+          <a:ext cx="0" cy="0"/>
+          <a:chOff x="0" y="0"/>
+          <a:chExt cx="0" cy="0"/>
+        </a:xfrm>
+      </p:grpSpPr>
+      <p:sp>
+        <p:nvSpPr>
+          <p:cNvPr id="4" name="Title 1">
+            <a:extLst>
+              <a:ext uri="{FF2B5EF4-FFF2-40B4-BE49-F238E27FC236}">
+                <a16:creationId xmlns:a16="http://schemas.microsoft.com/office/drawing/2014/main" id="{D5E611F0-A1AC-2D02-6EBF-B5D08DD3E0F2}"/>
+              </a:ext>
+            </a:extLst>
+          </p:cNvPr>
+          <p:cNvSpPr txBox="1">
+            <a:spLocks/>
+          </p:cNvSpPr>
+          <p:nvPr/>
+        </p:nvSpPr>
+        <p:spPr>
+          <a:xfrm>
+            <a:off x="1497166" y="4354"/>
+            <a:ext cx="6149667" cy="952654"/>
+          </a:xfrm>
+          <a:prstGeom prst="rect">
+            <a:avLst/>
+          </a:prstGeom>
+        </p:spPr>
+        <p:txBody>
+          <a:bodyPr vert="horz" lIns="91440" tIns="45720" rIns="91440" bIns="45720" rtlCol="0" anchor="ctr">
+            <a:normAutofit/>
+          </a:bodyPr>
+          <a:lstStyle>
+            <a:lvl1pPr algn="ctr" defTabSz="457200" rtl="0" eaLnBrk="1" latinLnBrk="0" hangingPunct="1">
+              <a:spcBef>
+                <a:spcPct val="0"/>
+              </a:spcBef>
+              <a:buNone/>
+              <a:defRPr sz="4400" kern="1200">
+                <a:solidFill>
+                  <a:schemeClr val="tx1"/>
+                </a:solidFill>
+                <a:latin typeface="+mj-lt"/>
+                <a:ea typeface="+mj-ea"/>
+                <a:cs typeface="+mj-cs"/>
+              </a:defRPr>
+            </a:lvl1pPr>
+          </a:lstStyle>
+          <a:p>
+            <a:r>
+              <a:rPr lang="en-US" sz="4000" dirty="0">
+                <a:latin typeface="Rockwell" panose="02060603020205020403" pitchFamily="18" charset="0"/>
+              </a:rPr>
+              <a:t>st-cuts</a:t>
+            </a:r>
+          </a:p>
+        </p:txBody>
+      </p:sp>
+      <p:sp>
+        <p:nvSpPr>
+          <p:cNvPr id="2" name="Content Placeholder 2">
+            <a:extLst>
+              <a:ext uri="{FF2B5EF4-FFF2-40B4-BE49-F238E27FC236}">
+                <a16:creationId xmlns:a16="http://schemas.microsoft.com/office/drawing/2014/main" id="{8BB7FC3A-ED14-1C73-C2B3-852F8F839109}"/>
+              </a:ext>
+            </a:extLst>
+          </p:cNvPr>
+          <p:cNvSpPr txBox="1">
+            <a:spLocks/>
+          </p:cNvSpPr>
+          <p:nvPr/>
+        </p:nvSpPr>
+        <p:spPr>
+          <a:xfrm>
+            <a:off x="76200" y="914400"/>
+            <a:ext cx="4572000" cy="5257800"/>
+          </a:xfrm>
+          <a:prstGeom prst="rect">
+            <a:avLst/>
+          </a:prstGeom>
+        </p:spPr>
+        <p:txBody>
+          <a:bodyPr vert="horz" lIns="91440" tIns="45720" rIns="91440" bIns="45720" rtlCol="0">
+            <a:normAutofit fontScale="85000" lnSpcReduction="10000"/>
+          </a:bodyPr>
+          <a:lstStyle>
+            <a:lvl1pPr marL="342900" indent="-342900" algn="l" defTabSz="457200" rtl="0" eaLnBrk="1" latinLnBrk="0" hangingPunct="1">
+              <a:spcBef>
+                <a:spcPct val="20000"/>
+              </a:spcBef>
+              <a:buFont typeface="Arial"/>
+              <a:buChar char="•"/>
+              <a:defRPr sz="3200" kern="1200">
+                <a:solidFill>
+                  <a:schemeClr val="tx1"/>
+                </a:solidFill>
+                <a:latin typeface="+mn-lt"/>
+                <a:ea typeface="+mn-ea"/>
+                <a:cs typeface="+mn-cs"/>
+              </a:defRPr>
+            </a:lvl1pPr>
+            <a:lvl2pPr marL="742950" indent="-285750" algn="l" defTabSz="457200" rtl="0" eaLnBrk="1" latinLnBrk="0" hangingPunct="1">
+              <a:spcBef>
+                <a:spcPct val="20000"/>
+              </a:spcBef>
+              <a:buFont typeface="Arial"/>
+              <a:buChar char="–"/>
+              <a:defRPr sz="2800" kern="1200">
+                <a:solidFill>
+                  <a:schemeClr val="tx1"/>
+                </a:solidFill>
+                <a:latin typeface="+mn-lt"/>
+                <a:ea typeface="+mn-ea"/>
+                <a:cs typeface="+mn-cs"/>
+              </a:defRPr>
+            </a:lvl2pPr>
+            <a:lvl3pPr marL="1143000" indent="-228600" algn="l" defTabSz="457200" rtl="0" eaLnBrk="1" latinLnBrk="0" hangingPunct="1">
+              <a:spcBef>
+                <a:spcPct val="20000"/>
+              </a:spcBef>
+              <a:buFont typeface="Arial"/>
+              <a:buChar char="•"/>
+              <a:defRPr sz="2400" kern="1200">
+                <a:solidFill>
+                  <a:schemeClr val="tx1"/>
+                </a:solidFill>
+                <a:latin typeface="+mn-lt"/>
+                <a:ea typeface="+mn-ea"/>
+                <a:cs typeface="+mn-cs"/>
+              </a:defRPr>
+            </a:lvl3pPr>
+            <a:lvl4pPr marL="1600200" indent="-228600" algn="l" defTabSz="457200" rtl="0" eaLnBrk="1" latinLnBrk="0" hangingPunct="1">
+              <a:spcBef>
+                <a:spcPct val="20000"/>
+              </a:spcBef>
+              <a:buFont typeface="Arial"/>
+              <a:buChar char="–"/>
+              <a:defRPr sz="2000" kern="1200">
+                <a:solidFill>
+                  <a:schemeClr val="tx1"/>
+                </a:solidFill>
+                <a:latin typeface="+mn-lt"/>
+                <a:ea typeface="+mn-ea"/>
+                <a:cs typeface="+mn-cs"/>
+              </a:defRPr>
+            </a:lvl4pPr>
+            <a:lvl5pPr marL="2057400" indent="-228600" algn="l" defTabSz="457200" rtl="0" eaLnBrk="1" latinLnBrk="0" hangingPunct="1">
+              <a:spcBef>
+                <a:spcPct val="20000"/>
+              </a:spcBef>
+              <a:buFont typeface="Arial"/>
+              <a:buChar char="»"/>
+              <a:defRPr sz="2000" kern="1200">
+                <a:solidFill>
+                  <a:schemeClr val="tx1"/>
+                </a:solidFill>
+                <a:latin typeface="+mn-lt"/>
+                <a:ea typeface="+mn-ea"/>
+                <a:cs typeface="+mn-cs"/>
+              </a:defRPr>
+            </a:lvl5pPr>
+            <a:lvl6pPr marL="2514600" indent="-228600" algn="l" defTabSz="457200" rtl="0" eaLnBrk="1" latinLnBrk="0" hangingPunct="1">
+              <a:spcBef>
+                <a:spcPct val="20000"/>
+              </a:spcBef>
+              <a:buFont typeface="Arial"/>
+              <a:buChar char="•"/>
+              <a:defRPr sz="2000" kern="1200">
+                <a:solidFill>
+                  <a:schemeClr val="tx1"/>
+                </a:solidFill>
+                <a:latin typeface="+mn-lt"/>
+                <a:ea typeface="+mn-ea"/>
+                <a:cs typeface="+mn-cs"/>
+              </a:defRPr>
+            </a:lvl6pPr>
+            <a:lvl7pPr marL="2971800" indent="-228600" algn="l" defTabSz="457200" rtl="0" eaLnBrk="1" latinLnBrk="0" hangingPunct="1">
+              <a:spcBef>
+                <a:spcPct val="20000"/>
+              </a:spcBef>
+              <a:buFont typeface="Arial"/>
+              <a:buChar char="•"/>
+              <a:defRPr sz="2000" kern="1200">
+                <a:solidFill>
+                  <a:schemeClr val="tx1"/>
+                </a:solidFill>
+                <a:latin typeface="+mn-lt"/>
+                <a:ea typeface="+mn-ea"/>
+                <a:cs typeface="+mn-cs"/>
+              </a:defRPr>
+            </a:lvl7pPr>
+            <a:lvl8pPr marL="3429000" indent="-228600" algn="l" defTabSz="457200" rtl="0" eaLnBrk="1" latinLnBrk="0" hangingPunct="1">
+              <a:spcBef>
+                <a:spcPct val="20000"/>
+              </a:spcBef>
+              <a:buFont typeface="Arial"/>
+              <a:buChar char="•"/>
+              <a:defRPr sz="2000" kern="1200">
+                <a:solidFill>
+                  <a:schemeClr val="tx1"/>
+                </a:solidFill>
+                <a:latin typeface="+mn-lt"/>
+                <a:ea typeface="+mn-ea"/>
+                <a:cs typeface="+mn-cs"/>
+              </a:defRPr>
+            </a:lvl8pPr>
+            <a:lvl9pPr marL="3886200" indent="-228600" algn="l" defTabSz="457200" rtl="0" eaLnBrk="1" latinLnBrk="0" hangingPunct="1">
+              <a:spcBef>
+                <a:spcPct val="20000"/>
+              </a:spcBef>
+              <a:buFont typeface="Arial"/>
+              <a:buChar char="•"/>
+              <a:defRPr sz="2000" kern="1200">
+                <a:solidFill>
+                  <a:schemeClr val="tx1"/>
+                </a:solidFill>
+                <a:latin typeface="+mn-lt"/>
+                <a:ea typeface="+mn-ea"/>
+                <a:cs typeface="+mn-cs"/>
+              </a:defRPr>
+            </a:lvl9pPr>
+          </a:lstStyle>
+          <a:p>
+            <a:r>
+              <a:rPr lang="en-US" sz="2800" dirty="0">
+                <a:latin typeface="Bookman Old Style" panose="02050604050505020204" pitchFamily="18" charset="0"/>
+              </a:rPr>
+              <a:t>An st-cut is the division of a flow network into two disjointed subgraphs S and T, where S contains the source and T contains the sink.</a:t>
+            </a:r>
+          </a:p>
+          <a:p>
+            <a:r>
+              <a:rPr lang="en-US" sz="2800" dirty="0">
+                <a:latin typeface="Bookman Old Style" panose="02050604050505020204" pitchFamily="18" charset="0"/>
+              </a:rPr>
+              <a:t>This cut is made by removing edges until no connection between the subgraphs remains.</a:t>
+            </a:r>
+          </a:p>
+          <a:p>
+            <a:r>
+              <a:rPr lang="en-US" sz="2800" dirty="0">
+                <a:latin typeface="Bookman Old Style" panose="02050604050505020204" pitchFamily="18" charset="0"/>
+              </a:rPr>
+              <a:t>The cut capacity of an st-cut is the total sum of the capacities of the cut edges that flowed from S into T.</a:t>
+            </a:r>
+          </a:p>
+        </p:txBody>
+      </p:sp>
+      <p:pic>
+        <p:nvPicPr>
+          <p:cNvPr id="8" name="Picture 7" descr="A blue circles with red line and a red line&#10;&#10;AI-generated content may be incorrect.">
+            <a:extLst>
+              <a:ext uri="{FF2B5EF4-FFF2-40B4-BE49-F238E27FC236}">
+                <a16:creationId xmlns:a16="http://schemas.microsoft.com/office/drawing/2014/main" id="{2E8EE53F-B854-52CA-1638-691EB256D2FE}"/>
+              </a:ext>
+            </a:extLst>
+          </p:cNvPr>
+          <p:cNvPicPr>
+            <a:picLocks noChangeAspect="1"/>
+          </p:cNvPicPr>
+          <p:nvPr/>
+        </p:nvPicPr>
+        <p:blipFill>
+          <a:blip r:embed="rId2">
+            <a:extLst>
+              <a:ext uri="{28A0092B-C50C-407E-A947-70E740481C1C}">
+                <a14:useLocalDpi xmlns:a14="http://schemas.microsoft.com/office/drawing/2010/main" val="0"/>
+              </a:ext>
+            </a:extLst>
+          </a:blip>
+          <a:stretch>
+            <a:fillRect/>
+          </a:stretch>
+        </p:blipFill>
+        <p:spPr>
+          <a:xfrm>
+            <a:off x="3429000" y="838200"/>
+            <a:ext cx="6400800" cy="4800600"/>
+          </a:xfrm>
+          <a:prstGeom prst="rect">
+            <a:avLst/>
+          </a:prstGeom>
+        </p:spPr>
+      </p:pic>
+    </p:spTree>
+    <p:extLst>
+      <p:ext uri="{BB962C8B-B14F-4D97-AF65-F5344CB8AC3E}">
+        <p14:creationId xmlns:p14="http://schemas.microsoft.com/office/powerpoint/2010/main" val="1535889167"/>
+      </p:ext>
+    </p:extLst>
+  </p:cSld>
+  <p:clrMapOvr>
+    <a:masterClrMapping/>
+  </p:clrMapOvr>
+</p:sld>
+</file>
+
+<file path=ppt/slides/slide18.xml><?xml version="1.0" encoding="utf-8"?>
+<p:sld xmlns:a="http://schemas.openxmlformats.org/drawingml/2006/main" xmlns:r="http://schemas.openxmlformats.org/officeDocument/2006/relationships" xmlns:p="http://schemas.openxmlformats.org/presentationml/2006/main">
+  <p:cSld>
+    <p:spTree>
+      <p:nvGrpSpPr>
+        <p:cNvPr id="1" name="">
+          <a:extLst>
+            <a:ext uri="{FF2B5EF4-FFF2-40B4-BE49-F238E27FC236}">
+              <a16:creationId xmlns:a16="http://schemas.microsoft.com/office/drawing/2014/main" id="{5E9659C3-42C7-EC48-4E7C-F15B53F39809}"/>
+            </a:ext>
+          </a:extLst>
+        </p:cNvPr>
+        <p:cNvGrpSpPr/>
+        <p:nvPr/>
+      </p:nvGrpSpPr>
+      <p:grpSpPr>
+        <a:xfrm>
+          <a:off x="0" y="0"/>
+          <a:ext cx="0" cy="0"/>
+          <a:chOff x="0" y="0"/>
+          <a:chExt cx="0" cy="0"/>
+        </a:xfrm>
+      </p:grpSpPr>
+      <p:sp>
+        <p:nvSpPr>
+          <p:cNvPr id="4" name="Title 1">
+            <a:extLst>
+              <a:ext uri="{FF2B5EF4-FFF2-40B4-BE49-F238E27FC236}">
+                <a16:creationId xmlns:a16="http://schemas.microsoft.com/office/drawing/2014/main" id="{2ACE57EB-8F00-D2C3-C68A-BE05B3C6D6E6}"/>
+              </a:ext>
+            </a:extLst>
+          </p:cNvPr>
+          <p:cNvSpPr txBox="1">
+            <a:spLocks/>
+          </p:cNvSpPr>
+          <p:nvPr/>
+        </p:nvSpPr>
+        <p:spPr>
+          <a:xfrm>
+            <a:off x="1497166" y="4354"/>
+            <a:ext cx="6149667" cy="952654"/>
+          </a:xfrm>
+          <a:prstGeom prst="rect">
+            <a:avLst/>
+          </a:prstGeom>
+        </p:spPr>
+        <p:txBody>
+          <a:bodyPr vert="horz" lIns="91440" tIns="45720" rIns="91440" bIns="45720" rtlCol="0" anchor="ctr">
+            <a:normAutofit/>
+          </a:bodyPr>
+          <a:lstStyle>
+            <a:lvl1pPr algn="ctr" defTabSz="457200" rtl="0" eaLnBrk="1" latinLnBrk="0" hangingPunct="1">
+              <a:spcBef>
+                <a:spcPct val="0"/>
+              </a:spcBef>
+              <a:buNone/>
+              <a:defRPr sz="4400" kern="1200">
+                <a:solidFill>
+                  <a:schemeClr val="tx1"/>
+                </a:solidFill>
+                <a:latin typeface="+mj-lt"/>
+                <a:ea typeface="+mj-ea"/>
+                <a:cs typeface="+mj-cs"/>
+              </a:defRPr>
+            </a:lvl1pPr>
+          </a:lstStyle>
+          <a:p>
+            <a:r>
+              <a:rPr lang="en-US" sz="4000" dirty="0">
+                <a:latin typeface="Rockwell" panose="02060603020205020403" pitchFamily="18" charset="0"/>
+              </a:rPr>
+              <a:t>Minimum st-cuts</a:t>
+            </a:r>
+          </a:p>
+        </p:txBody>
+      </p:sp>
+      <p:sp>
+        <p:nvSpPr>
+          <p:cNvPr id="2" name="Content Placeholder 2">
+            <a:extLst>
+              <a:ext uri="{FF2B5EF4-FFF2-40B4-BE49-F238E27FC236}">
+                <a16:creationId xmlns:a16="http://schemas.microsoft.com/office/drawing/2014/main" id="{D455CD91-F6D6-56F4-4714-27AD36F6030B}"/>
+              </a:ext>
+            </a:extLst>
+          </p:cNvPr>
+          <p:cNvSpPr txBox="1">
+            <a:spLocks/>
+          </p:cNvSpPr>
+          <p:nvPr/>
+        </p:nvSpPr>
+        <p:spPr>
+          <a:xfrm>
+            <a:off x="28302" y="926528"/>
+            <a:ext cx="4772297" cy="5486400"/>
+          </a:xfrm>
+          <a:prstGeom prst="rect">
+            <a:avLst/>
+          </a:prstGeom>
+        </p:spPr>
+        <p:txBody>
+          <a:bodyPr vert="horz" lIns="91440" tIns="45720" rIns="91440" bIns="45720" rtlCol="0">
+            <a:normAutofit fontScale="70000" lnSpcReduction="20000"/>
+          </a:bodyPr>
+          <a:lstStyle>
+            <a:lvl1pPr marL="342900" indent="-342900" algn="l" defTabSz="457200" rtl="0" eaLnBrk="1" latinLnBrk="0" hangingPunct="1">
+              <a:spcBef>
+                <a:spcPct val="20000"/>
+              </a:spcBef>
+              <a:buFont typeface="Arial"/>
+              <a:buChar char="•"/>
+              <a:defRPr sz="3200" kern="1200">
+                <a:solidFill>
+                  <a:schemeClr val="tx1"/>
+                </a:solidFill>
+                <a:latin typeface="+mn-lt"/>
+                <a:ea typeface="+mn-ea"/>
+                <a:cs typeface="+mn-cs"/>
+              </a:defRPr>
+            </a:lvl1pPr>
+            <a:lvl2pPr marL="742950" indent="-285750" algn="l" defTabSz="457200" rtl="0" eaLnBrk="1" latinLnBrk="0" hangingPunct="1">
+              <a:spcBef>
+                <a:spcPct val="20000"/>
+              </a:spcBef>
+              <a:buFont typeface="Arial"/>
+              <a:buChar char="–"/>
+              <a:defRPr sz="2800" kern="1200">
+                <a:solidFill>
+                  <a:schemeClr val="tx1"/>
+                </a:solidFill>
+                <a:latin typeface="+mn-lt"/>
+                <a:ea typeface="+mn-ea"/>
+                <a:cs typeface="+mn-cs"/>
+              </a:defRPr>
+            </a:lvl2pPr>
+            <a:lvl3pPr marL="1143000" indent="-228600" algn="l" defTabSz="457200" rtl="0" eaLnBrk="1" latinLnBrk="0" hangingPunct="1">
+              <a:spcBef>
+                <a:spcPct val="20000"/>
+              </a:spcBef>
+              <a:buFont typeface="Arial"/>
+              <a:buChar char="•"/>
+              <a:defRPr sz="2400" kern="1200">
+                <a:solidFill>
+                  <a:schemeClr val="tx1"/>
+                </a:solidFill>
+                <a:latin typeface="+mn-lt"/>
+                <a:ea typeface="+mn-ea"/>
+                <a:cs typeface="+mn-cs"/>
+              </a:defRPr>
+            </a:lvl3pPr>
+            <a:lvl4pPr marL="1600200" indent="-228600" algn="l" defTabSz="457200" rtl="0" eaLnBrk="1" latinLnBrk="0" hangingPunct="1">
+              <a:spcBef>
+                <a:spcPct val="20000"/>
+              </a:spcBef>
+              <a:buFont typeface="Arial"/>
+              <a:buChar char="–"/>
+              <a:defRPr sz="2000" kern="1200">
+                <a:solidFill>
+                  <a:schemeClr val="tx1"/>
+                </a:solidFill>
+                <a:latin typeface="+mn-lt"/>
+                <a:ea typeface="+mn-ea"/>
+                <a:cs typeface="+mn-cs"/>
+              </a:defRPr>
+            </a:lvl4pPr>
+            <a:lvl5pPr marL="2057400" indent="-228600" algn="l" defTabSz="457200" rtl="0" eaLnBrk="1" latinLnBrk="0" hangingPunct="1">
+              <a:spcBef>
+                <a:spcPct val="20000"/>
+              </a:spcBef>
+              <a:buFont typeface="Arial"/>
+              <a:buChar char="»"/>
+              <a:defRPr sz="2000" kern="1200">
+                <a:solidFill>
+                  <a:schemeClr val="tx1"/>
+                </a:solidFill>
+                <a:latin typeface="+mn-lt"/>
+                <a:ea typeface="+mn-ea"/>
+                <a:cs typeface="+mn-cs"/>
+              </a:defRPr>
+            </a:lvl5pPr>
+            <a:lvl6pPr marL="2514600" indent="-228600" algn="l" defTabSz="457200" rtl="0" eaLnBrk="1" latinLnBrk="0" hangingPunct="1">
+              <a:spcBef>
+                <a:spcPct val="20000"/>
+              </a:spcBef>
+              <a:buFont typeface="Arial"/>
+              <a:buChar char="•"/>
+              <a:defRPr sz="2000" kern="1200">
+                <a:solidFill>
+                  <a:schemeClr val="tx1"/>
+                </a:solidFill>
+                <a:latin typeface="+mn-lt"/>
+                <a:ea typeface="+mn-ea"/>
+                <a:cs typeface="+mn-cs"/>
+              </a:defRPr>
+            </a:lvl6pPr>
+            <a:lvl7pPr marL="2971800" indent="-228600" algn="l" defTabSz="457200" rtl="0" eaLnBrk="1" latinLnBrk="0" hangingPunct="1">
+              <a:spcBef>
+                <a:spcPct val="20000"/>
+              </a:spcBef>
+              <a:buFont typeface="Arial"/>
+              <a:buChar char="•"/>
+              <a:defRPr sz="2000" kern="1200">
+                <a:solidFill>
+                  <a:schemeClr val="tx1"/>
+                </a:solidFill>
+                <a:latin typeface="+mn-lt"/>
+                <a:ea typeface="+mn-ea"/>
+                <a:cs typeface="+mn-cs"/>
+              </a:defRPr>
+            </a:lvl7pPr>
+            <a:lvl8pPr marL="3429000" indent="-228600" algn="l" defTabSz="457200" rtl="0" eaLnBrk="1" latinLnBrk="0" hangingPunct="1">
+              <a:spcBef>
+                <a:spcPct val="20000"/>
+              </a:spcBef>
+              <a:buFont typeface="Arial"/>
+              <a:buChar char="•"/>
+              <a:defRPr sz="2000" kern="1200">
+                <a:solidFill>
+                  <a:schemeClr val="tx1"/>
+                </a:solidFill>
+                <a:latin typeface="+mn-lt"/>
+                <a:ea typeface="+mn-ea"/>
+                <a:cs typeface="+mn-cs"/>
+              </a:defRPr>
+            </a:lvl8pPr>
+            <a:lvl9pPr marL="3886200" indent="-228600" algn="l" defTabSz="457200" rtl="0" eaLnBrk="1" latinLnBrk="0" hangingPunct="1">
+              <a:spcBef>
+                <a:spcPct val="20000"/>
+              </a:spcBef>
+              <a:buFont typeface="Arial"/>
+              <a:buChar char="•"/>
+              <a:defRPr sz="2000" kern="1200">
+                <a:solidFill>
+                  <a:schemeClr val="tx1"/>
+                </a:solidFill>
+                <a:latin typeface="+mn-lt"/>
+                <a:ea typeface="+mn-ea"/>
+                <a:cs typeface="+mn-cs"/>
+              </a:defRPr>
+            </a:lvl9pPr>
+          </a:lstStyle>
+          <a:p>
+            <a:r>
+              <a:rPr lang="en-US" sz="2800" dirty="0">
+                <a:latin typeface="Bookman Old Style" panose="02050604050505020204" pitchFamily="18" charset="0"/>
+              </a:rPr>
+              <a:t>The minimum st-cut is the st-cut where the cut capacity is minimized.</a:t>
+            </a:r>
+          </a:p>
+          <a:p>
+            <a:r>
+              <a:rPr lang="en-US" sz="2800" dirty="0">
+                <a:latin typeface="Bookman Old Style" panose="02050604050505020204" pitchFamily="18" charset="0"/>
+              </a:rPr>
+              <a:t>Importantly, it has been proven that the minimum st-cut value is equal to the maximum flow through the flow network. This means finding one value helps find the other.</a:t>
+            </a:r>
+          </a:p>
+          <a:p>
+            <a:r>
+              <a:rPr lang="en-US" sz="2800" dirty="0">
+                <a:latin typeface="Bookman Old Style" panose="02050604050505020204" pitchFamily="18" charset="0"/>
+              </a:rPr>
+              <a:t>In Goldberg’s algorithm, finding the minimum st-cut is an important step, and a Breadth First Search that pushes as much flow down every path possible is used to find the maximum flow. And by taking the st-cut of this max flow graph, the minimum st-cut is found.</a:t>
+            </a:r>
+          </a:p>
+        </p:txBody>
+      </p:sp>
+      <p:pic>
+        <p:nvPicPr>
+          <p:cNvPr id="10" name="Picture 9" descr="A blue circles with red line and white text&#10;&#10;AI-generated content may be incorrect.">
+            <a:extLst>
+              <a:ext uri="{FF2B5EF4-FFF2-40B4-BE49-F238E27FC236}">
+                <a16:creationId xmlns:a16="http://schemas.microsoft.com/office/drawing/2014/main" id="{4307B9C0-1B42-7D96-4001-2FCBDFBD04EF}"/>
+              </a:ext>
+            </a:extLst>
+          </p:cNvPr>
+          <p:cNvPicPr>
+            <a:picLocks noChangeAspect="1"/>
+          </p:cNvPicPr>
+          <p:nvPr/>
+        </p:nvPicPr>
+        <p:blipFill>
+          <a:blip r:embed="rId2">
+            <a:extLst>
+              <a:ext uri="{28A0092B-C50C-407E-A947-70E740481C1C}">
+                <a14:useLocalDpi xmlns:a14="http://schemas.microsoft.com/office/drawing/2010/main" val="0"/>
+              </a:ext>
+            </a:extLst>
+          </a:blip>
+          <a:stretch>
+            <a:fillRect/>
+          </a:stretch>
+        </p:blipFill>
+        <p:spPr>
+          <a:xfrm>
+            <a:off x="3657600" y="838200"/>
+            <a:ext cx="6324600" cy="4743451"/>
+          </a:xfrm>
+          <a:prstGeom prst="rect">
+            <a:avLst/>
+          </a:prstGeom>
+        </p:spPr>
+      </p:pic>
+    </p:spTree>
+    <p:extLst>
+      <p:ext uri="{BB962C8B-B14F-4D97-AF65-F5344CB8AC3E}">
+        <p14:creationId xmlns:p14="http://schemas.microsoft.com/office/powerpoint/2010/main" val="171661472"/>
+      </p:ext>
+    </p:extLst>
+  </p:cSld>
+  <p:clrMapOvr>
+    <a:masterClrMapping/>
+  </p:clrMapOvr>
+</p:sld>
+</file>
+
+<file path=ppt/slides/slide19.xml><?xml version="1.0" encoding="utf-8"?>
+<p:sld xmlns:a="http://schemas.openxmlformats.org/drawingml/2006/main" xmlns:r="http://schemas.openxmlformats.org/officeDocument/2006/relationships" xmlns:p="http://schemas.openxmlformats.org/presentationml/2006/main">
+  <p:cSld>
+    <p:spTree>
+      <p:nvGrpSpPr>
+        <p:cNvPr id="1" name="">
+          <a:extLst>
+            <a:ext uri="{FF2B5EF4-FFF2-40B4-BE49-F238E27FC236}">
+              <a16:creationId xmlns:a16="http://schemas.microsoft.com/office/drawing/2014/main" id="{F57B0E0D-D048-E8B1-8961-D9659DEEFEA1}"/>
+            </a:ext>
+          </a:extLst>
+        </p:cNvPr>
+        <p:cNvGrpSpPr/>
+        <p:nvPr/>
+      </p:nvGrpSpPr>
+      <p:grpSpPr>
+        <a:xfrm>
+          <a:off x="0" y="0"/>
+          <a:ext cx="0" cy="0"/>
+          <a:chOff x="0" y="0"/>
+          <a:chExt cx="0" cy="0"/>
+        </a:xfrm>
+      </p:grpSpPr>
+      <p:sp>
+        <p:nvSpPr>
+          <p:cNvPr id="4" name="Title 1">
+            <a:extLst>
+              <a:ext uri="{FF2B5EF4-FFF2-40B4-BE49-F238E27FC236}">
+                <a16:creationId xmlns:a16="http://schemas.microsoft.com/office/drawing/2014/main" id="{785EFA7A-9CBB-52ED-91BB-17D87942AF6A}"/>
+              </a:ext>
+            </a:extLst>
+          </p:cNvPr>
+          <p:cNvSpPr txBox="1">
+            <a:spLocks/>
+          </p:cNvSpPr>
+          <p:nvPr/>
+        </p:nvSpPr>
+        <p:spPr>
+          <a:xfrm>
+            <a:off x="1497166" y="114146"/>
+            <a:ext cx="6149667" cy="1320800"/>
+          </a:xfrm>
+          <a:prstGeom prst="rect">
+            <a:avLst/>
+          </a:prstGeom>
+        </p:spPr>
+        <p:txBody>
+          <a:bodyPr vert="horz" lIns="91440" tIns="45720" rIns="91440" bIns="45720" rtlCol="0" anchor="ctr">
+            <a:normAutofit/>
+          </a:bodyPr>
+          <a:lstStyle>
+            <a:lvl1pPr algn="ctr" defTabSz="457200" rtl="0" eaLnBrk="1" latinLnBrk="0" hangingPunct="1">
+              <a:spcBef>
+                <a:spcPct val="0"/>
+              </a:spcBef>
+              <a:buNone/>
+              <a:defRPr sz="4400" kern="1200">
+                <a:solidFill>
+                  <a:schemeClr val="tx1"/>
+                </a:solidFill>
+                <a:latin typeface="+mj-lt"/>
+                <a:ea typeface="+mj-ea"/>
+                <a:cs typeface="+mj-cs"/>
+              </a:defRPr>
+            </a:lvl1pPr>
+          </a:lstStyle>
+          <a:p>
+            <a:r>
+              <a:rPr lang="en-US" sz="4000" dirty="0">
+                <a:latin typeface="Rockwell" panose="02060603020205020403" pitchFamily="18" charset="0"/>
+              </a:rPr>
+              <a:t>Goldberg’s </a:t>
+            </a:r>
+            <a:r>
+              <a:rPr lang="en-US" sz="4000">
+                <a:latin typeface="Rockwell" panose="02060603020205020403" pitchFamily="18" charset="0"/>
+              </a:rPr>
+              <a:t>Maximum Flow-Based </a:t>
+            </a:r>
+            <a:r>
+              <a:rPr lang="en-US" sz="4000" dirty="0">
+                <a:latin typeface="Rockwell" panose="02060603020205020403" pitchFamily="18" charset="0"/>
+              </a:rPr>
+              <a:t>Algorithm</a:t>
+            </a:r>
+          </a:p>
+        </p:txBody>
+      </p:sp>
+      <p:sp>
+        <p:nvSpPr>
+          <p:cNvPr id="2" name="Content Placeholder 2">
+            <a:extLst>
+              <a:ext uri="{FF2B5EF4-FFF2-40B4-BE49-F238E27FC236}">
+                <a16:creationId xmlns:a16="http://schemas.microsoft.com/office/drawing/2014/main" id="{244D4B56-ACF7-D4BE-64DD-2989592856BA}"/>
+              </a:ext>
+            </a:extLst>
+          </p:cNvPr>
+          <p:cNvSpPr txBox="1">
+            <a:spLocks/>
+          </p:cNvSpPr>
+          <p:nvPr/>
+        </p:nvSpPr>
+        <p:spPr>
+          <a:xfrm>
+            <a:off x="228600" y="1434946"/>
+            <a:ext cx="5135120" cy="4545011"/>
+          </a:xfrm>
+          <a:prstGeom prst="rect">
+            <a:avLst/>
+          </a:prstGeom>
+        </p:spPr>
+        <p:txBody>
+          <a:bodyPr vert="horz" lIns="91440" tIns="45720" rIns="91440" bIns="45720" rtlCol="0">
+            <a:normAutofit/>
+          </a:bodyPr>
+          <a:lstStyle>
+            <a:lvl1pPr marL="342900" indent="-342900" algn="l" defTabSz="457200" rtl="0" eaLnBrk="1" latinLnBrk="0" hangingPunct="1">
+              <a:spcBef>
+                <a:spcPct val="20000"/>
+              </a:spcBef>
+              <a:buFont typeface="Arial"/>
+              <a:buChar char="•"/>
+              <a:defRPr sz="3200" kern="1200">
+                <a:solidFill>
+                  <a:schemeClr val="tx1"/>
+                </a:solidFill>
+                <a:latin typeface="+mn-lt"/>
+                <a:ea typeface="+mn-ea"/>
+                <a:cs typeface="+mn-cs"/>
+              </a:defRPr>
+            </a:lvl1pPr>
+            <a:lvl2pPr marL="742950" indent="-285750" algn="l" defTabSz="457200" rtl="0" eaLnBrk="1" latinLnBrk="0" hangingPunct="1">
+              <a:spcBef>
+                <a:spcPct val="20000"/>
+              </a:spcBef>
+              <a:buFont typeface="Arial"/>
+              <a:buChar char="–"/>
+              <a:defRPr sz="2800" kern="1200">
+                <a:solidFill>
+                  <a:schemeClr val="tx1"/>
+                </a:solidFill>
+                <a:latin typeface="+mn-lt"/>
+                <a:ea typeface="+mn-ea"/>
+                <a:cs typeface="+mn-cs"/>
+              </a:defRPr>
+            </a:lvl2pPr>
+            <a:lvl3pPr marL="1143000" indent="-228600" algn="l" defTabSz="457200" rtl="0" eaLnBrk="1" latinLnBrk="0" hangingPunct="1">
+              <a:spcBef>
+                <a:spcPct val="20000"/>
+              </a:spcBef>
+              <a:buFont typeface="Arial"/>
+              <a:buChar char="•"/>
+              <a:defRPr sz="2400" kern="1200">
+                <a:solidFill>
+                  <a:schemeClr val="tx1"/>
+                </a:solidFill>
+                <a:latin typeface="+mn-lt"/>
+                <a:ea typeface="+mn-ea"/>
+                <a:cs typeface="+mn-cs"/>
+              </a:defRPr>
+            </a:lvl3pPr>
+            <a:lvl4pPr marL="1600200" indent="-228600" algn="l" defTabSz="457200" rtl="0" eaLnBrk="1" latinLnBrk="0" hangingPunct="1">
+              <a:spcBef>
+                <a:spcPct val="20000"/>
+              </a:spcBef>
+              <a:buFont typeface="Arial"/>
+              <a:buChar char="–"/>
+              <a:defRPr sz="2000" kern="1200">
+                <a:solidFill>
+                  <a:schemeClr val="tx1"/>
+                </a:solidFill>
+                <a:latin typeface="+mn-lt"/>
+                <a:ea typeface="+mn-ea"/>
+                <a:cs typeface="+mn-cs"/>
+              </a:defRPr>
+            </a:lvl4pPr>
+            <a:lvl5pPr marL="2057400" indent="-228600" algn="l" defTabSz="457200" rtl="0" eaLnBrk="1" latinLnBrk="0" hangingPunct="1">
+              <a:spcBef>
+                <a:spcPct val="20000"/>
+              </a:spcBef>
+              <a:buFont typeface="Arial"/>
+              <a:buChar char="»"/>
+              <a:defRPr sz="2000" kern="1200">
+                <a:solidFill>
+                  <a:schemeClr val="tx1"/>
+                </a:solidFill>
+                <a:latin typeface="+mn-lt"/>
+                <a:ea typeface="+mn-ea"/>
+                <a:cs typeface="+mn-cs"/>
+              </a:defRPr>
+            </a:lvl5pPr>
+            <a:lvl6pPr marL="2514600" indent="-228600" algn="l" defTabSz="457200" rtl="0" eaLnBrk="1" latinLnBrk="0" hangingPunct="1">
+              <a:spcBef>
+                <a:spcPct val="20000"/>
+              </a:spcBef>
+              <a:buFont typeface="Arial"/>
+              <a:buChar char="•"/>
+              <a:defRPr sz="2000" kern="1200">
+                <a:solidFill>
+                  <a:schemeClr val="tx1"/>
+                </a:solidFill>
+                <a:latin typeface="+mn-lt"/>
+                <a:ea typeface="+mn-ea"/>
+                <a:cs typeface="+mn-cs"/>
+              </a:defRPr>
+            </a:lvl6pPr>
+            <a:lvl7pPr marL="2971800" indent="-228600" algn="l" defTabSz="457200" rtl="0" eaLnBrk="1" latinLnBrk="0" hangingPunct="1">
+              <a:spcBef>
+                <a:spcPct val="20000"/>
+              </a:spcBef>
+              <a:buFont typeface="Arial"/>
+              <a:buChar char="•"/>
+              <a:defRPr sz="2000" kern="1200">
+                <a:solidFill>
+                  <a:schemeClr val="tx1"/>
+                </a:solidFill>
+                <a:latin typeface="+mn-lt"/>
+                <a:ea typeface="+mn-ea"/>
+                <a:cs typeface="+mn-cs"/>
+              </a:defRPr>
+            </a:lvl7pPr>
+            <a:lvl8pPr marL="3429000" indent="-228600" algn="l" defTabSz="457200" rtl="0" eaLnBrk="1" latinLnBrk="0" hangingPunct="1">
+              <a:spcBef>
+                <a:spcPct val="20000"/>
+              </a:spcBef>
+              <a:buFont typeface="Arial"/>
+              <a:buChar char="•"/>
+              <a:defRPr sz="2000" kern="1200">
+                <a:solidFill>
+                  <a:schemeClr val="tx1"/>
+                </a:solidFill>
+                <a:latin typeface="+mn-lt"/>
+                <a:ea typeface="+mn-ea"/>
+                <a:cs typeface="+mn-cs"/>
+              </a:defRPr>
+            </a:lvl8pPr>
+            <a:lvl9pPr marL="3886200" indent="-228600" algn="l" defTabSz="457200" rtl="0" eaLnBrk="1" latinLnBrk="0" hangingPunct="1">
+              <a:spcBef>
+                <a:spcPct val="20000"/>
+              </a:spcBef>
+              <a:buFont typeface="Arial"/>
+              <a:buChar char="•"/>
+              <a:defRPr sz="2000" kern="1200">
+                <a:solidFill>
+                  <a:schemeClr val="tx1"/>
+                </a:solidFill>
+                <a:latin typeface="+mn-lt"/>
+                <a:ea typeface="+mn-ea"/>
+                <a:cs typeface="+mn-cs"/>
+              </a:defRPr>
+            </a:lvl9pPr>
+          </a:lstStyle>
+          <a:p>
+            <a:r>
+              <a:rPr lang="en-US" sz="2800" dirty="0">
+                <a:latin typeface="Bookman Old Style" panose="02050604050505020204" pitchFamily="18" charset="0"/>
+              </a:rPr>
+              <a:t>text</a:t>
+            </a:r>
+          </a:p>
+        </p:txBody>
+      </p:sp>
+    </p:spTree>
+    <p:extLst>
+      <p:ext uri="{BB962C8B-B14F-4D97-AF65-F5344CB8AC3E}">
+        <p14:creationId xmlns:p14="http://schemas.microsoft.com/office/powerpoint/2010/main" val="2612717184"/>
       </p:ext>
     </p:extLst>
   </p:cSld>
@@ -4672,7 +7364,7 @@
         </p:spPr>
         <p:txBody>
           <a:bodyPr vert="horz" lIns="91440" tIns="45720" rIns="91440" bIns="45720" rtlCol="0">
-            <a:normAutofit fontScale="85000" lnSpcReduction="10000"/>
+            <a:normAutofit fontScale="85000" lnSpcReduction="20000"/>
           </a:bodyPr>
           <a:lstStyle>
             <a:lvl1pPr marL="342900" indent="-342900" algn="l" defTabSz="457200" rtl="0" eaLnBrk="1" latinLnBrk="0" hangingPunct="1">
@@ -4824,7 +7516,7 @@
               <a:rPr lang="en-US" sz="2800" dirty="0">
                 <a:latin typeface="Bookman Old Style" panose="02050604050505020204" pitchFamily="18" charset="0"/>
               </a:rPr>
-              <a:t>They are composed of vertices and edges.</a:t>
+              <a:t>They are composed of vertices and edges. Edges can be directed but we will be using undirected graphs.</a:t>
             </a:r>
           </a:p>
           <a:p>
@@ -4901,7 +7593,1095 @@
 </p:sld>
 </file>
 
+<file path=ppt/slides/slide20.xml><?xml version="1.0" encoding="utf-8"?>
+<p:sld xmlns:a="http://schemas.openxmlformats.org/drawingml/2006/main" xmlns:r="http://schemas.openxmlformats.org/officeDocument/2006/relationships" xmlns:p="http://schemas.openxmlformats.org/presentationml/2006/main">
+  <p:cSld>
+    <p:spTree>
+      <p:nvGrpSpPr>
+        <p:cNvPr id="1" name="">
+          <a:extLst>
+            <a:ext uri="{FF2B5EF4-FFF2-40B4-BE49-F238E27FC236}">
+              <a16:creationId xmlns:a16="http://schemas.microsoft.com/office/drawing/2014/main" id="{DDC01107-C9A6-5E86-C062-4545579A7D83}"/>
+            </a:ext>
+          </a:extLst>
+        </p:cNvPr>
+        <p:cNvGrpSpPr/>
+        <p:nvPr/>
+      </p:nvGrpSpPr>
+      <p:grpSpPr>
+        <a:xfrm>
+          <a:off x="0" y="0"/>
+          <a:ext cx="0" cy="0"/>
+          <a:chOff x="0" y="0"/>
+          <a:chExt cx="0" cy="0"/>
+        </a:xfrm>
+      </p:grpSpPr>
+      <p:sp>
+        <p:nvSpPr>
+          <p:cNvPr id="4" name="Title 1">
+            <a:extLst>
+              <a:ext uri="{FF2B5EF4-FFF2-40B4-BE49-F238E27FC236}">
+                <a16:creationId xmlns:a16="http://schemas.microsoft.com/office/drawing/2014/main" id="{495AA6D8-A317-6011-0863-509F90DC1C2E}"/>
+              </a:ext>
+            </a:extLst>
+          </p:cNvPr>
+          <p:cNvSpPr txBox="1">
+            <a:spLocks/>
+          </p:cNvSpPr>
+          <p:nvPr/>
+        </p:nvSpPr>
+        <p:spPr>
+          <a:xfrm>
+            <a:off x="1497166" y="114146"/>
+            <a:ext cx="6149667" cy="1320800"/>
+          </a:xfrm>
+          <a:prstGeom prst="rect">
+            <a:avLst/>
+          </a:prstGeom>
+        </p:spPr>
+        <p:txBody>
+          <a:bodyPr vert="horz" lIns="91440" tIns="45720" rIns="91440" bIns="45720" rtlCol="0" anchor="ctr">
+            <a:normAutofit/>
+          </a:bodyPr>
+          <a:lstStyle>
+            <a:lvl1pPr algn="ctr" defTabSz="457200" rtl="0" eaLnBrk="1" latinLnBrk="0" hangingPunct="1">
+              <a:spcBef>
+                <a:spcPct val="0"/>
+              </a:spcBef>
+              <a:buNone/>
+              <a:defRPr sz="4400" kern="1200">
+                <a:solidFill>
+                  <a:schemeClr val="tx1"/>
+                </a:solidFill>
+                <a:latin typeface="+mj-lt"/>
+                <a:ea typeface="+mj-ea"/>
+                <a:cs typeface="+mj-cs"/>
+              </a:defRPr>
+            </a:lvl1pPr>
+          </a:lstStyle>
+          <a:p>
+            <a:r>
+              <a:rPr lang="en-US" sz="4000" dirty="0">
+                <a:latin typeface="Rockwell" panose="02060603020205020403" pitchFamily="18" charset="0"/>
+              </a:rPr>
+              <a:t>Text</a:t>
+            </a:r>
+          </a:p>
+        </p:txBody>
+      </p:sp>
+      <p:sp>
+        <p:nvSpPr>
+          <p:cNvPr id="2" name="Content Placeholder 2">
+            <a:extLst>
+              <a:ext uri="{FF2B5EF4-FFF2-40B4-BE49-F238E27FC236}">
+                <a16:creationId xmlns:a16="http://schemas.microsoft.com/office/drawing/2014/main" id="{CACC8463-7C70-01A6-A592-7FCBDB37F67D}"/>
+              </a:ext>
+            </a:extLst>
+          </p:cNvPr>
+          <p:cNvSpPr txBox="1">
+            <a:spLocks/>
+          </p:cNvSpPr>
+          <p:nvPr/>
+        </p:nvSpPr>
+        <p:spPr>
+          <a:xfrm>
+            <a:off x="228600" y="1434946"/>
+            <a:ext cx="5135120" cy="4545011"/>
+          </a:xfrm>
+          <a:prstGeom prst="rect">
+            <a:avLst/>
+          </a:prstGeom>
+        </p:spPr>
+        <p:txBody>
+          <a:bodyPr vert="horz" lIns="91440" tIns="45720" rIns="91440" bIns="45720" rtlCol="0">
+            <a:normAutofit/>
+          </a:bodyPr>
+          <a:lstStyle>
+            <a:lvl1pPr marL="342900" indent="-342900" algn="l" defTabSz="457200" rtl="0" eaLnBrk="1" latinLnBrk="0" hangingPunct="1">
+              <a:spcBef>
+                <a:spcPct val="20000"/>
+              </a:spcBef>
+              <a:buFont typeface="Arial"/>
+              <a:buChar char="•"/>
+              <a:defRPr sz="3200" kern="1200">
+                <a:solidFill>
+                  <a:schemeClr val="tx1"/>
+                </a:solidFill>
+                <a:latin typeface="+mn-lt"/>
+                <a:ea typeface="+mn-ea"/>
+                <a:cs typeface="+mn-cs"/>
+              </a:defRPr>
+            </a:lvl1pPr>
+            <a:lvl2pPr marL="742950" indent="-285750" algn="l" defTabSz="457200" rtl="0" eaLnBrk="1" latinLnBrk="0" hangingPunct="1">
+              <a:spcBef>
+                <a:spcPct val="20000"/>
+              </a:spcBef>
+              <a:buFont typeface="Arial"/>
+              <a:buChar char="–"/>
+              <a:defRPr sz="2800" kern="1200">
+                <a:solidFill>
+                  <a:schemeClr val="tx1"/>
+                </a:solidFill>
+                <a:latin typeface="+mn-lt"/>
+                <a:ea typeface="+mn-ea"/>
+                <a:cs typeface="+mn-cs"/>
+              </a:defRPr>
+            </a:lvl2pPr>
+            <a:lvl3pPr marL="1143000" indent="-228600" algn="l" defTabSz="457200" rtl="0" eaLnBrk="1" latinLnBrk="0" hangingPunct="1">
+              <a:spcBef>
+                <a:spcPct val="20000"/>
+              </a:spcBef>
+              <a:buFont typeface="Arial"/>
+              <a:buChar char="•"/>
+              <a:defRPr sz="2400" kern="1200">
+                <a:solidFill>
+                  <a:schemeClr val="tx1"/>
+                </a:solidFill>
+                <a:latin typeface="+mn-lt"/>
+                <a:ea typeface="+mn-ea"/>
+                <a:cs typeface="+mn-cs"/>
+              </a:defRPr>
+            </a:lvl3pPr>
+            <a:lvl4pPr marL="1600200" indent="-228600" algn="l" defTabSz="457200" rtl="0" eaLnBrk="1" latinLnBrk="0" hangingPunct="1">
+              <a:spcBef>
+                <a:spcPct val="20000"/>
+              </a:spcBef>
+              <a:buFont typeface="Arial"/>
+              <a:buChar char="–"/>
+              <a:defRPr sz="2000" kern="1200">
+                <a:solidFill>
+                  <a:schemeClr val="tx1"/>
+                </a:solidFill>
+                <a:latin typeface="+mn-lt"/>
+                <a:ea typeface="+mn-ea"/>
+                <a:cs typeface="+mn-cs"/>
+              </a:defRPr>
+            </a:lvl4pPr>
+            <a:lvl5pPr marL="2057400" indent="-228600" algn="l" defTabSz="457200" rtl="0" eaLnBrk="1" latinLnBrk="0" hangingPunct="1">
+              <a:spcBef>
+                <a:spcPct val="20000"/>
+              </a:spcBef>
+              <a:buFont typeface="Arial"/>
+              <a:buChar char="»"/>
+              <a:defRPr sz="2000" kern="1200">
+                <a:solidFill>
+                  <a:schemeClr val="tx1"/>
+                </a:solidFill>
+                <a:latin typeface="+mn-lt"/>
+                <a:ea typeface="+mn-ea"/>
+                <a:cs typeface="+mn-cs"/>
+              </a:defRPr>
+            </a:lvl5pPr>
+            <a:lvl6pPr marL="2514600" indent="-228600" algn="l" defTabSz="457200" rtl="0" eaLnBrk="1" latinLnBrk="0" hangingPunct="1">
+              <a:spcBef>
+                <a:spcPct val="20000"/>
+              </a:spcBef>
+              <a:buFont typeface="Arial"/>
+              <a:buChar char="•"/>
+              <a:defRPr sz="2000" kern="1200">
+                <a:solidFill>
+                  <a:schemeClr val="tx1"/>
+                </a:solidFill>
+                <a:latin typeface="+mn-lt"/>
+                <a:ea typeface="+mn-ea"/>
+                <a:cs typeface="+mn-cs"/>
+              </a:defRPr>
+            </a:lvl6pPr>
+            <a:lvl7pPr marL="2971800" indent="-228600" algn="l" defTabSz="457200" rtl="0" eaLnBrk="1" latinLnBrk="0" hangingPunct="1">
+              <a:spcBef>
+                <a:spcPct val="20000"/>
+              </a:spcBef>
+              <a:buFont typeface="Arial"/>
+              <a:buChar char="•"/>
+              <a:defRPr sz="2000" kern="1200">
+                <a:solidFill>
+                  <a:schemeClr val="tx1"/>
+                </a:solidFill>
+                <a:latin typeface="+mn-lt"/>
+                <a:ea typeface="+mn-ea"/>
+                <a:cs typeface="+mn-cs"/>
+              </a:defRPr>
+            </a:lvl7pPr>
+            <a:lvl8pPr marL="3429000" indent="-228600" algn="l" defTabSz="457200" rtl="0" eaLnBrk="1" latinLnBrk="0" hangingPunct="1">
+              <a:spcBef>
+                <a:spcPct val="20000"/>
+              </a:spcBef>
+              <a:buFont typeface="Arial"/>
+              <a:buChar char="•"/>
+              <a:defRPr sz="2000" kern="1200">
+                <a:solidFill>
+                  <a:schemeClr val="tx1"/>
+                </a:solidFill>
+                <a:latin typeface="+mn-lt"/>
+                <a:ea typeface="+mn-ea"/>
+                <a:cs typeface="+mn-cs"/>
+              </a:defRPr>
+            </a:lvl8pPr>
+            <a:lvl9pPr marL="3886200" indent="-228600" algn="l" defTabSz="457200" rtl="0" eaLnBrk="1" latinLnBrk="0" hangingPunct="1">
+              <a:spcBef>
+                <a:spcPct val="20000"/>
+              </a:spcBef>
+              <a:buFont typeface="Arial"/>
+              <a:buChar char="•"/>
+              <a:defRPr sz="2000" kern="1200">
+                <a:solidFill>
+                  <a:schemeClr val="tx1"/>
+                </a:solidFill>
+                <a:latin typeface="+mn-lt"/>
+                <a:ea typeface="+mn-ea"/>
+                <a:cs typeface="+mn-cs"/>
+              </a:defRPr>
+            </a:lvl9pPr>
+          </a:lstStyle>
+          <a:p>
+            <a:r>
+              <a:rPr lang="en-US" sz="2800" dirty="0">
+                <a:latin typeface="Bookman Old Style" panose="02050604050505020204" pitchFamily="18" charset="0"/>
+              </a:rPr>
+              <a:t>text</a:t>
+            </a:r>
+          </a:p>
+        </p:txBody>
+      </p:sp>
+    </p:spTree>
+    <p:extLst>
+      <p:ext uri="{BB962C8B-B14F-4D97-AF65-F5344CB8AC3E}">
+        <p14:creationId xmlns:p14="http://schemas.microsoft.com/office/powerpoint/2010/main" val="3496906452"/>
+      </p:ext>
+    </p:extLst>
+  </p:cSld>
+  <p:clrMapOvr>
+    <a:masterClrMapping/>
+  </p:clrMapOvr>
+</p:sld>
+</file>
+
+<file path=ppt/slides/slide21.xml><?xml version="1.0" encoding="utf-8"?>
+<p:sld xmlns:a="http://schemas.openxmlformats.org/drawingml/2006/main" xmlns:r="http://schemas.openxmlformats.org/officeDocument/2006/relationships" xmlns:p="http://schemas.openxmlformats.org/presentationml/2006/main">
+  <p:cSld>
+    <p:spTree>
+      <p:nvGrpSpPr>
+        <p:cNvPr id="1" name="">
+          <a:extLst>
+            <a:ext uri="{FF2B5EF4-FFF2-40B4-BE49-F238E27FC236}">
+              <a16:creationId xmlns:a16="http://schemas.microsoft.com/office/drawing/2014/main" id="{2067140C-C96E-A9DB-954A-240A9F30CE3A}"/>
+            </a:ext>
+          </a:extLst>
+        </p:cNvPr>
+        <p:cNvGrpSpPr/>
+        <p:nvPr/>
+      </p:nvGrpSpPr>
+      <p:grpSpPr>
+        <a:xfrm>
+          <a:off x="0" y="0"/>
+          <a:ext cx="0" cy="0"/>
+          <a:chOff x="0" y="0"/>
+          <a:chExt cx="0" cy="0"/>
+        </a:xfrm>
+      </p:grpSpPr>
+      <p:sp>
+        <p:nvSpPr>
+          <p:cNvPr id="4" name="Title 1">
+            <a:extLst>
+              <a:ext uri="{FF2B5EF4-FFF2-40B4-BE49-F238E27FC236}">
+                <a16:creationId xmlns:a16="http://schemas.microsoft.com/office/drawing/2014/main" id="{5778558E-10AD-9A2B-585B-B361AC933DE6}"/>
+              </a:ext>
+            </a:extLst>
+          </p:cNvPr>
+          <p:cNvSpPr txBox="1">
+            <a:spLocks/>
+          </p:cNvSpPr>
+          <p:nvPr/>
+        </p:nvSpPr>
+        <p:spPr>
+          <a:xfrm>
+            <a:off x="1497166" y="114146"/>
+            <a:ext cx="6149667" cy="1320800"/>
+          </a:xfrm>
+          <a:prstGeom prst="rect">
+            <a:avLst/>
+          </a:prstGeom>
+        </p:spPr>
+        <p:txBody>
+          <a:bodyPr vert="horz" lIns="91440" tIns="45720" rIns="91440" bIns="45720" rtlCol="0" anchor="ctr">
+            <a:normAutofit/>
+          </a:bodyPr>
+          <a:lstStyle>
+            <a:lvl1pPr algn="ctr" defTabSz="457200" rtl="0" eaLnBrk="1" latinLnBrk="0" hangingPunct="1">
+              <a:spcBef>
+                <a:spcPct val="0"/>
+              </a:spcBef>
+              <a:buNone/>
+              <a:defRPr sz="4400" kern="1200">
+                <a:solidFill>
+                  <a:schemeClr val="tx1"/>
+                </a:solidFill>
+                <a:latin typeface="+mj-lt"/>
+                <a:ea typeface="+mj-ea"/>
+                <a:cs typeface="+mj-cs"/>
+              </a:defRPr>
+            </a:lvl1pPr>
+          </a:lstStyle>
+          <a:p>
+            <a:r>
+              <a:rPr lang="en-US" sz="4000" dirty="0">
+                <a:latin typeface="Rockwell" panose="02060603020205020403" pitchFamily="18" charset="0"/>
+              </a:rPr>
+              <a:t>Text</a:t>
+            </a:r>
+          </a:p>
+        </p:txBody>
+      </p:sp>
+      <p:sp>
+        <p:nvSpPr>
+          <p:cNvPr id="2" name="Content Placeholder 2">
+            <a:extLst>
+              <a:ext uri="{FF2B5EF4-FFF2-40B4-BE49-F238E27FC236}">
+                <a16:creationId xmlns:a16="http://schemas.microsoft.com/office/drawing/2014/main" id="{62EB2C9E-19C2-75F6-A7AF-2E68E36877C1}"/>
+              </a:ext>
+            </a:extLst>
+          </p:cNvPr>
+          <p:cNvSpPr txBox="1">
+            <a:spLocks/>
+          </p:cNvSpPr>
+          <p:nvPr/>
+        </p:nvSpPr>
+        <p:spPr>
+          <a:xfrm>
+            <a:off x="228600" y="1434946"/>
+            <a:ext cx="5135120" cy="4545011"/>
+          </a:xfrm>
+          <a:prstGeom prst="rect">
+            <a:avLst/>
+          </a:prstGeom>
+        </p:spPr>
+        <p:txBody>
+          <a:bodyPr vert="horz" lIns="91440" tIns="45720" rIns="91440" bIns="45720" rtlCol="0">
+            <a:normAutofit/>
+          </a:bodyPr>
+          <a:lstStyle>
+            <a:lvl1pPr marL="342900" indent="-342900" algn="l" defTabSz="457200" rtl="0" eaLnBrk="1" latinLnBrk="0" hangingPunct="1">
+              <a:spcBef>
+                <a:spcPct val="20000"/>
+              </a:spcBef>
+              <a:buFont typeface="Arial"/>
+              <a:buChar char="•"/>
+              <a:defRPr sz="3200" kern="1200">
+                <a:solidFill>
+                  <a:schemeClr val="tx1"/>
+                </a:solidFill>
+                <a:latin typeface="+mn-lt"/>
+                <a:ea typeface="+mn-ea"/>
+                <a:cs typeface="+mn-cs"/>
+              </a:defRPr>
+            </a:lvl1pPr>
+            <a:lvl2pPr marL="742950" indent="-285750" algn="l" defTabSz="457200" rtl="0" eaLnBrk="1" latinLnBrk="0" hangingPunct="1">
+              <a:spcBef>
+                <a:spcPct val="20000"/>
+              </a:spcBef>
+              <a:buFont typeface="Arial"/>
+              <a:buChar char="–"/>
+              <a:defRPr sz="2800" kern="1200">
+                <a:solidFill>
+                  <a:schemeClr val="tx1"/>
+                </a:solidFill>
+                <a:latin typeface="+mn-lt"/>
+                <a:ea typeface="+mn-ea"/>
+                <a:cs typeface="+mn-cs"/>
+              </a:defRPr>
+            </a:lvl2pPr>
+            <a:lvl3pPr marL="1143000" indent="-228600" algn="l" defTabSz="457200" rtl="0" eaLnBrk="1" latinLnBrk="0" hangingPunct="1">
+              <a:spcBef>
+                <a:spcPct val="20000"/>
+              </a:spcBef>
+              <a:buFont typeface="Arial"/>
+              <a:buChar char="•"/>
+              <a:defRPr sz="2400" kern="1200">
+                <a:solidFill>
+                  <a:schemeClr val="tx1"/>
+                </a:solidFill>
+                <a:latin typeface="+mn-lt"/>
+                <a:ea typeface="+mn-ea"/>
+                <a:cs typeface="+mn-cs"/>
+              </a:defRPr>
+            </a:lvl3pPr>
+            <a:lvl4pPr marL="1600200" indent="-228600" algn="l" defTabSz="457200" rtl="0" eaLnBrk="1" latinLnBrk="0" hangingPunct="1">
+              <a:spcBef>
+                <a:spcPct val="20000"/>
+              </a:spcBef>
+              <a:buFont typeface="Arial"/>
+              <a:buChar char="–"/>
+              <a:defRPr sz="2000" kern="1200">
+                <a:solidFill>
+                  <a:schemeClr val="tx1"/>
+                </a:solidFill>
+                <a:latin typeface="+mn-lt"/>
+                <a:ea typeface="+mn-ea"/>
+                <a:cs typeface="+mn-cs"/>
+              </a:defRPr>
+            </a:lvl4pPr>
+            <a:lvl5pPr marL="2057400" indent="-228600" algn="l" defTabSz="457200" rtl="0" eaLnBrk="1" latinLnBrk="0" hangingPunct="1">
+              <a:spcBef>
+                <a:spcPct val="20000"/>
+              </a:spcBef>
+              <a:buFont typeface="Arial"/>
+              <a:buChar char="»"/>
+              <a:defRPr sz="2000" kern="1200">
+                <a:solidFill>
+                  <a:schemeClr val="tx1"/>
+                </a:solidFill>
+                <a:latin typeface="+mn-lt"/>
+                <a:ea typeface="+mn-ea"/>
+                <a:cs typeface="+mn-cs"/>
+              </a:defRPr>
+            </a:lvl5pPr>
+            <a:lvl6pPr marL="2514600" indent="-228600" algn="l" defTabSz="457200" rtl="0" eaLnBrk="1" latinLnBrk="0" hangingPunct="1">
+              <a:spcBef>
+                <a:spcPct val="20000"/>
+              </a:spcBef>
+              <a:buFont typeface="Arial"/>
+              <a:buChar char="•"/>
+              <a:defRPr sz="2000" kern="1200">
+                <a:solidFill>
+                  <a:schemeClr val="tx1"/>
+                </a:solidFill>
+                <a:latin typeface="+mn-lt"/>
+                <a:ea typeface="+mn-ea"/>
+                <a:cs typeface="+mn-cs"/>
+              </a:defRPr>
+            </a:lvl6pPr>
+            <a:lvl7pPr marL="2971800" indent="-228600" algn="l" defTabSz="457200" rtl="0" eaLnBrk="1" latinLnBrk="0" hangingPunct="1">
+              <a:spcBef>
+                <a:spcPct val="20000"/>
+              </a:spcBef>
+              <a:buFont typeface="Arial"/>
+              <a:buChar char="•"/>
+              <a:defRPr sz="2000" kern="1200">
+                <a:solidFill>
+                  <a:schemeClr val="tx1"/>
+                </a:solidFill>
+                <a:latin typeface="+mn-lt"/>
+                <a:ea typeface="+mn-ea"/>
+                <a:cs typeface="+mn-cs"/>
+              </a:defRPr>
+            </a:lvl7pPr>
+            <a:lvl8pPr marL="3429000" indent="-228600" algn="l" defTabSz="457200" rtl="0" eaLnBrk="1" latinLnBrk="0" hangingPunct="1">
+              <a:spcBef>
+                <a:spcPct val="20000"/>
+              </a:spcBef>
+              <a:buFont typeface="Arial"/>
+              <a:buChar char="•"/>
+              <a:defRPr sz="2000" kern="1200">
+                <a:solidFill>
+                  <a:schemeClr val="tx1"/>
+                </a:solidFill>
+                <a:latin typeface="+mn-lt"/>
+                <a:ea typeface="+mn-ea"/>
+                <a:cs typeface="+mn-cs"/>
+              </a:defRPr>
+            </a:lvl8pPr>
+            <a:lvl9pPr marL="3886200" indent="-228600" algn="l" defTabSz="457200" rtl="0" eaLnBrk="1" latinLnBrk="0" hangingPunct="1">
+              <a:spcBef>
+                <a:spcPct val="20000"/>
+              </a:spcBef>
+              <a:buFont typeface="Arial"/>
+              <a:buChar char="•"/>
+              <a:defRPr sz="2000" kern="1200">
+                <a:solidFill>
+                  <a:schemeClr val="tx1"/>
+                </a:solidFill>
+                <a:latin typeface="+mn-lt"/>
+                <a:ea typeface="+mn-ea"/>
+                <a:cs typeface="+mn-cs"/>
+              </a:defRPr>
+            </a:lvl9pPr>
+          </a:lstStyle>
+          <a:p>
+            <a:r>
+              <a:rPr lang="en-US" sz="2800" dirty="0">
+                <a:latin typeface="Bookman Old Style" panose="02050604050505020204" pitchFamily="18" charset="0"/>
+              </a:rPr>
+              <a:t>text</a:t>
+            </a:r>
+          </a:p>
+        </p:txBody>
+      </p:sp>
+    </p:spTree>
+    <p:extLst>
+      <p:ext uri="{BB962C8B-B14F-4D97-AF65-F5344CB8AC3E}">
+        <p14:creationId xmlns:p14="http://schemas.microsoft.com/office/powerpoint/2010/main" val="1390126263"/>
+      </p:ext>
+    </p:extLst>
+  </p:cSld>
+  <p:clrMapOvr>
+    <a:masterClrMapping/>
+  </p:clrMapOvr>
+</p:sld>
+</file>
+
+<file path=ppt/slides/slide22.xml><?xml version="1.0" encoding="utf-8"?>
+<p:sld xmlns:a="http://schemas.openxmlformats.org/drawingml/2006/main" xmlns:r="http://schemas.openxmlformats.org/officeDocument/2006/relationships" xmlns:p="http://schemas.openxmlformats.org/presentationml/2006/main">
+  <p:cSld>
+    <p:spTree>
+      <p:nvGrpSpPr>
+        <p:cNvPr id="1" name="">
+          <a:extLst>
+            <a:ext uri="{FF2B5EF4-FFF2-40B4-BE49-F238E27FC236}">
+              <a16:creationId xmlns:a16="http://schemas.microsoft.com/office/drawing/2014/main" id="{348DD712-A901-A5AB-595A-C2145EF67EB8}"/>
+            </a:ext>
+          </a:extLst>
+        </p:cNvPr>
+        <p:cNvGrpSpPr/>
+        <p:nvPr/>
+      </p:nvGrpSpPr>
+      <p:grpSpPr>
+        <a:xfrm>
+          <a:off x="0" y="0"/>
+          <a:ext cx="0" cy="0"/>
+          <a:chOff x="0" y="0"/>
+          <a:chExt cx="0" cy="0"/>
+        </a:xfrm>
+      </p:grpSpPr>
+      <p:sp>
+        <p:nvSpPr>
+          <p:cNvPr id="4" name="Title 1">
+            <a:extLst>
+              <a:ext uri="{FF2B5EF4-FFF2-40B4-BE49-F238E27FC236}">
+                <a16:creationId xmlns:a16="http://schemas.microsoft.com/office/drawing/2014/main" id="{DCA2B698-13F8-598F-26EA-3B35DBE5A6AC}"/>
+              </a:ext>
+            </a:extLst>
+          </p:cNvPr>
+          <p:cNvSpPr txBox="1">
+            <a:spLocks/>
+          </p:cNvSpPr>
+          <p:nvPr/>
+        </p:nvSpPr>
+        <p:spPr>
+          <a:xfrm>
+            <a:off x="1497166" y="114146"/>
+            <a:ext cx="6149667" cy="1320800"/>
+          </a:xfrm>
+          <a:prstGeom prst="rect">
+            <a:avLst/>
+          </a:prstGeom>
+        </p:spPr>
+        <p:txBody>
+          <a:bodyPr vert="horz" lIns="91440" tIns="45720" rIns="91440" bIns="45720" rtlCol="0" anchor="ctr">
+            <a:normAutofit/>
+          </a:bodyPr>
+          <a:lstStyle>
+            <a:lvl1pPr algn="ctr" defTabSz="457200" rtl="0" eaLnBrk="1" latinLnBrk="0" hangingPunct="1">
+              <a:spcBef>
+                <a:spcPct val="0"/>
+              </a:spcBef>
+              <a:buNone/>
+              <a:defRPr sz="4400" kern="1200">
+                <a:solidFill>
+                  <a:schemeClr val="tx1"/>
+                </a:solidFill>
+                <a:latin typeface="+mj-lt"/>
+                <a:ea typeface="+mj-ea"/>
+                <a:cs typeface="+mj-cs"/>
+              </a:defRPr>
+            </a:lvl1pPr>
+          </a:lstStyle>
+          <a:p>
+            <a:r>
+              <a:rPr lang="en-US" sz="4000" dirty="0">
+                <a:latin typeface="Rockwell" panose="02060603020205020403" pitchFamily="18" charset="0"/>
+              </a:rPr>
+              <a:t>Text</a:t>
+            </a:r>
+          </a:p>
+        </p:txBody>
+      </p:sp>
+      <p:sp>
+        <p:nvSpPr>
+          <p:cNvPr id="2" name="Content Placeholder 2">
+            <a:extLst>
+              <a:ext uri="{FF2B5EF4-FFF2-40B4-BE49-F238E27FC236}">
+                <a16:creationId xmlns:a16="http://schemas.microsoft.com/office/drawing/2014/main" id="{3578A0A7-65F9-3511-4D3E-86D08F8FC8BD}"/>
+              </a:ext>
+            </a:extLst>
+          </p:cNvPr>
+          <p:cNvSpPr txBox="1">
+            <a:spLocks/>
+          </p:cNvSpPr>
+          <p:nvPr/>
+        </p:nvSpPr>
+        <p:spPr>
+          <a:xfrm>
+            <a:off x="228600" y="1434946"/>
+            <a:ext cx="5135120" cy="4545011"/>
+          </a:xfrm>
+          <a:prstGeom prst="rect">
+            <a:avLst/>
+          </a:prstGeom>
+        </p:spPr>
+        <p:txBody>
+          <a:bodyPr vert="horz" lIns="91440" tIns="45720" rIns="91440" bIns="45720" rtlCol="0">
+            <a:normAutofit/>
+          </a:bodyPr>
+          <a:lstStyle>
+            <a:lvl1pPr marL="342900" indent="-342900" algn="l" defTabSz="457200" rtl="0" eaLnBrk="1" latinLnBrk="0" hangingPunct="1">
+              <a:spcBef>
+                <a:spcPct val="20000"/>
+              </a:spcBef>
+              <a:buFont typeface="Arial"/>
+              <a:buChar char="•"/>
+              <a:defRPr sz="3200" kern="1200">
+                <a:solidFill>
+                  <a:schemeClr val="tx1"/>
+                </a:solidFill>
+                <a:latin typeface="+mn-lt"/>
+                <a:ea typeface="+mn-ea"/>
+                <a:cs typeface="+mn-cs"/>
+              </a:defRPr>
+            </a:lvl1pPr>
+            <a:lvl2pPr marL="742950" indent="-285750" algn="l" defTabSz="457200" rtl="0" eaLnBrk="1" latinLnBrk="0" hangingPunct="1">
+              <a:spcBef>
+                <a:spcPct val="20000"/>
+              </a:spcBef>
+              <a:buFont typeface="Arial"/>
+              <a:buChar char="–"/>
+              <a:defRPr sz="2800" kern="1200">
+                <a:solidFill>
+                  <a:schemeClr val="tx1"/>
+                </a:solidFill>
+                <a:latin typeface="+mn-lt"/>
+                <a:ea typeface="+mn-ea"/>
+                <a:cs typeface="+mn-cs"/>
+              </a:defRPr>
+            </a:lvl2pPr>
+            <a:lvl3pPr marL="1143000" indent="-228600" algn="l" defTabSz="457200" rtl="0" eaLnBrk="1" latinLnBrk="0" hangingPunct="1">
+              <a:spcBef>
+                <a:spcPct val="20000"/>
+              </a:spcBef>
+              <a:buFont typeface="Arial"/>
+              <a:buChar char="•"/>
+              <a:defRPr sz="2400" kern="1200">
+                <a:solidFill>
+                  <a:schemeClr val="tx1"/>
+                </a:solidFill>
+                <a:latin typeface="+mn-lt"/>
+                <a:ea typeface="+mn-ea"/>
+                <a:cs typeface="+mn-cs"/>
+              </a:defRPr>
+            </a:lvl3pPr>
+            <a:lvl4pPr marL="1600200" indent="-228600" algn="l" defTabSz="457200" rtl="0" eaLnBrk="1" latinLnBrk="0" hangingPunct="1">
+              <a:spcBef>
+                <a:spcPct val="20000"/>
+              </a:spcBef>
+              <a:buFont typeface="Arial"/>
+              <a:buChar char="–"/>
+              <a:defRPr sz="2000" kern="1200">
+                <a:solidFill>
+                  <a:schemeClr val="tx1"/>
+                </a:solidFill>
+                <a:latin typeface="+mn-lt"/>
+                <a:ea typeface="+mn-ea"/>
+                <a:cs typeface="+mn-cs"/>
+              </a:defRPr>
+            </a:lvl4pPr>
+            <a:lvl5pPr marL="2057400" indent="-228600" algn="l" defTabSz="457200" rtl="0" eaLnBrk="1" latinLnBrk="0" hangingPunct="1">
+              <a:spcBef>
+                <a:spcPct val="20000"/>
+              </a:spcBef>
+              <a:buFont typeface="Arial"/>
+              <a:buChar char="»"/>
+              <a:defRPr sz="2000" kern="1200">
+                <a:solidFill>
+                  <a:schemeClr val="tx1"/>
+                </a:solidFill>
+                <a:latin typeface="+mn-lt"/>
+                <a:ea typeface="+mn-ea"/>
+                <a:cs typeface="+mn-cs"/>
+              </a:defRPr>
+            </a:lvl5pPr>
+            <a:lvl6pPr marL="2514600" indent="-228600" algn="l" defTabSz="457200" rtl="0" eaLnBrk="1" latinLnBrk="0" hangingPunct="1">
+              <a:spcBef>
+                <a:spcPct val="20000"/>
+              </a:spcBef>
+              <a:buFont typeface="Arial"/>
+              <a:buChar char="•"/>
+              <a:defRPr sz="2000" kern="1200">
+                <a:solidFill>
+                  <a:schemeClr val="tx1"/>
+                </a:solidFill>
+                <a:latin typeface="+mn-lt"/>
+                <a:ea typeface="+mn-ea"/>
+                <a:cs typeface="+mn-cs"/>
+              </a:defRPr>
+            </a:lvl6pPr>
+            <a:lvl7pPr marL="2971800" indent="-228600" algn="l" defTabSz="457200" rtl="0" eaLnBrk="1" latinLnBrk="0" hangingPunct="1">
+              <a:spcBef>
+                <a:spcPct val="20000"/>
+              </a:spcBef>
+              <a:buFont typeface="Arial"/>
+              <a:buChar char="•"/>
+              <a:defRPr sz="2000" kern="1200">
+                <a:solidFill>
+                  <a:schemeClr val="tx1"/>
+                </a:solidFill>
+                <a:latin typeface="+mn-lt"/>
+                <a:ea typeface="+mn-ea"/>
+                <a:cs typeface="+mn-cs"/>
+              </a:defRPr>
+            </a:lvl7pPr>
+            <a:lvl8pPr marL="3429000" indent="-228600" algn="l" defTabSz="457200" rtl="0" eaLnBrk="1" latinLnBrk="0" hangingPunct="1">
+              <a:spcBef>
+                <a:spcPct val="20000"/>
+              </a:spcBef>
+              <a:buFont typeface="Arial"/>
+              <a:buChar char="•"/>
+              <a:defRPr sz="2000" kern="1200">
+                <a:solidFill>
+                  <a:schemeClr val="tx1"/>
+                </a:solidFill>
+                <a:latin typeface="+mn-lt"/>
+                <a:ea typeface="+mn-ea"/>
+                <a:cs typeface="+mn-cs"/>
+              </a:defRPr>
+            </a:lvl8pPr>
+            <a:lvl9pPr marL="3886200" indent="-228600" algn="l" defTabSz="457200" rtl="0" eaLnBrk="1" latinLnBrk="0" hangingPunct="1">
+              <a:spcBef>
+                <a:spcPct val="20000"/>
+              </a:spcBef>
+              <a:buFont typeface="Arial"/>
+              <a:buChar char="•"/>
+              <a:defRPr sz="2000" kern="1200">
+                <a:solidFill>
+                  <a:schemeClr val="tx1"/>
+                </a:solidFill>
+                <a:latin typeface="+mn-lt"/>
+                <a:ea typeface="+mn-ea"/>
+                <a:cs typeface="+mn-cs"/>
+              </a:defRPr>
+            </a:lvl9pPr>
+          </a:lstStyle>
+          <a:p>
+            <a:r>
+              <a:rPr lang="en-US" sz="2800" dirty="0">
+                <a:latin typeface="Bookman Old Style" panose="02050604050505020204" pitchFamily="18" charset="0"/>
+              </a:rPr>
+              <a:t>text</a:t>
+            </a:r>
+          </a:p>
+        </p:txBody>
+      </p:sp>
+    </p:spTree>
+    <p:extLst>
+      <p:ext uri="{BB962C8B-B14F-4D97-AF65-F5344CB8AC3E}">
+        <p14:creationId xmlns:p14="http://schemas.microsoft.com/office/powerpoint/2010/main" val="1126826298"/>
+      </p:ext>
+    </p:extLst>
+  </p:cSld>
+  <p:clrMapOvr>
+    <a:masterClrMapping/>
+  </p:clrMapOvr>
+</p:sld>
+</file>
+
 <file path=ppt/slides/slide3.xml><?xml version="1.0" encoding="utf-8"?>
+<p:sld xmlns:a="http://schemas.openxmlformats.org/drawingml/2006/main" xmlns:r="http://schemas.openxmlformats.org/officeDocument/2006/relationships" xmlns:p="http://schemas.openxmlformats.org/presentationml/2006/main">
+  <p:cSld>
+    <p:spTree>
+      <p:nvGrpSpPr>
+        <p:cNvPr id="1" name="">
+          <a:extLst>
+            <a:ext uri="{FF2B5EF4-FFF2-40B4-BE49-F238E27FC236}">
+              <a16:creationId xmlns:a16="http://schemas.microsoft.com/office/drawing/2014/main" id="{131A7FFB-5F75-3248-94EF-96B30AE815D7}"/>
+            </a:ext>
+          </a:extLst>
+        </p:cNvPr>
+        <p:cNvGrpSpPr/>
+        <p:nvPr/>
+      </p:nvGrpSpPr>
+      <p:grpSpPr>
+        <a:xfrm>
+          <a:off x="0" y="0"/>
+          <a:ext cx="0" cy="0"/>
+          <a:chOff x="0" y="0"/>
+          <a:chExt cx="0" cy="0"/>
+        </a:xfrm>
+      </p:grpSpPr>
+      <p:sp>
+        <p:nvSpPr>
+          <p:cNvPr id="4" name="Title 1">
+            <a:extLst>
+              <a:ext uri="{FF2B5EF4-FFF2-40B4-BE49-F238E27FC236}">
+                <a16:creationId xmlns:a16="http://schemas.microsoft.com/office/drawing/2014/main" id="{ADFDB260-8577-C804-29F7-856BED0BC3DE}"/>
+              </a:ext>
+            </a:extLst>
+          </p:cNvPr>
+          <p:cNvSpPr txBox="1">
+            <a:spLocks/>
+          </p:cNvSpPr>
+          <p:nvPr/>
+        </p:nvSpPr>
+        <p:spPr>
+          <a:xfrm>
+            <a:off x="273666" y="0"/>
+            <a:ext cx="8596668" cy="1320800"/>
+          </a:xfrm>
+          <a:prstGeom prst="rect">
+            <a:avLst/>
+          </a:prstGeom>
+        </p:spPr>
+        <p:txBody>
+          <a:bodyPr vert="horz" lIns="91440" tIns="45720" rIns="91440" bIns="45720" rtlCol="0" anchor="ctr">
+            <a:normAutofit/>
+          </a:bodyPr>
+          <a:lstStyle>
+            <a:lvl1pPr algn="ctr" defTabSz="457200" rtl="0" eaLnBrk="1" latinLnBrk="0" hangingPunct="1">
+              <a:spcBef>
+                <a:spcPct val="0"/>
+              </a:spcBef>
+              <a:buNone/>
+              <a:defRPr sz="4400" kern="1200">
+                <a:solidFill>
+                  <a:schemeClr val="tx1"/>
+                </a:solidFill>
+                <a:latin typeface="+mj-lt"/>
+                <a:ea typeface="+mj-ea"/>
+                <a:cs typeface="+mj-cs"/>
+              </a:defRPr>
+            </a:lvl1pPr>
+          </a:lstStyle>
+          <a:p>
+            <a:r>
+              <a:rPr lang="en-US" sz="4000" dirty="0">
+                <a:latin typeface="Rockwell" panose="02060603020205020403" pitchFamily="18" charset="0"/>
+              </a:rPr>
+              <a:t>Graph Example</a:t>
+            </a:r>
+          </a:p>
+        </p:txBody>
+      </p:sp>
+      <p:sp>
+        <p:nvSpPr>
+          <p:cNvPr id="5" name="Content Placeholder 2">
+            <a:extLst>
+              <a:ext uri="{FF2B5EF4-FFF2-40B4-BE49-F238E27FC236}">
+                <a16:creationId xmlns:a16="http://schemas.microsoft.com/office/drawing/2014/main" id="{495CB4B8-B5C5-FDB1-7702-8D7BEA5AA6FB}"/>
+              </a:ext>
+            </a:extLst>
+          </p:cNvPr>
+          <p:cNvSpPr txBox="1">
+            <a:spLocks/>
+          </p:cNvSpPr>
+          <p:nvPr/>
+        </p:nvSpPr>
+        <p:spPr>
+          <a:xfrm>
+            <a:off x="152400" y="1156495"/>
+            <a:ext cx="8839200" cy="1815306"/>
+          </a:xfrm>
+          <a:prstGeom prst="rect">
+            <a:avLst/>
+          </a:prstGeom>
+        </p:spPr>
+        <p:txBody>
+          <a:bodyPr vert="horz" lIns="91440" tIns="45720" rIns="91440" bIns="45720" rtlCol="0">
+            <a:normAutofit fontScale="92500"/>
+          </a:bodyPr>
+          <a:lstStyle>
+            <a:lvl1pPr marL="342900" indent="-342900" algn="l" defTabSz="457200" rtl="0" eaLnBrk="1" latinLnBrk="0" hangingPunct="1">
+              <a:spcBef>
+                <a:spcPct val="20000"/>
+              </a:spcBef>
+              <a:buFont typeface="Arial"/>
+              <a:buChar char="•"/>
+              <a:defRPr sz="3200" kern="1200">
+                <a:solidFill>
+                  <a:schemeClr val="tx1"/>
+                </a:solidFill>
+                <a:latin typeface="+mn-lt"/>
+                <a:ea typeface="+mn-ea"/>
+                <a:cs typeface="+mn-cs"/>
+              </a:defRPr>
+            </a:lvl1pPr>
+            <a:lvl2pPr marL="742950" indent="-285750" algn="l" defTabSz="457200" rtl="0" eaLnBrk="1" latinLnBrk="0" hangingPunct="1">
+              <a:spcBef>
+                <a:spcPct val="20000"/>
+              </a:spcBef>
+              <a:buFont typeface="Arial"/>
+              <a:buChar char="–"/>
+              <a:defRPr sz="2800" kern="1200">
+                <a:solidFill>
+                  <a:schemeClr val="tx1"/>
+                </a:solidFill>
+                <a:latin typeface="+mn-lt"/>
+                <a:ea typeface="+mn-ea"/>
+                <a:cs typeface="+mn-cs"/>
+              </a:defRPr>
+            </a:lvl2pPr>
+            <a:lvl3pPr marL="1143000" indent="-228600" algn="l" defTabSz="457200" rtl="0" eaLnBrk="1" latinLnBrk="0" hangingPunct="1">
+              <a:spcBef>
+                <a:spcPct val="20000"/>
+              </a:spcBef>
+              <a:buFont typeface="Arial"/>
+              <a:buChar char="•"/>
+              <a:defRPr sz="2400" kern="1200">
+                <a:solidFill>
+                  <a:schemeClr val="tx1"/>
+                </a:solidFill>
+                <a:latin typeface="+mn-lt"/>
+                <a:ea typeface="+mn-ea"/>
+                <a:cs typeface="+mn-cs"/>
+              </a:defRPr>
+            </a:lvl3pPr>
+            <a:lvl4pPr marL="1600200" indent="-228600" algn="l" defTabSz="457200" rtl="0" eaLnBrk="1" latinLnBrk="0" hangingPunct="1">
+              <a:spcBef>
+                <a:spcPct val="20000"/>
+              </a:spcBef>
+              <a:buFont typeface="Arial"/>
+              <a:buChar char="–"/>
+              <a:defRPr sz="2000" kern="1200">
+                <a:solidFill>
+                  <a:schemeClr val="tx1"/>
+                </a:solidFill>
+                <a:latin typeface="+mn-lt"/>
+                <a:ea typeface="+mn-ea"/>
+                <a:cs typeface="+mn-cs"/>
+              </a:defRPr>
+            </a:lvl4pPr>
+            <a:lvl5pPr marL="2057400" indent="-228600" algn="l" defTabSz="457200" rtl="0" eaLnBrk="1" latinLnBrk="0" hangingPunct="1">
+              <a:spcBef>
+                <a:spcPct val="20000"/>
+              </a:spcBef>
+              <a:buFont typeface="Arial"/>
+              <a:buChar char="»"/>
+              <a:defRPr sz="2000" kern="1200">
+                <a:solidFill>
+                  <a:schemeClr val="tx1"/>
+                </a:solidFill>
+                <a:latin typeface="+mn-lt"/>
+                <a:ea typeface="+mn-ea"/>
+                <a:cs typeface="+mn-cs"/>
+              </a:defRPr>
+            </a:lvl5pPr>
+            <a:lvl6pPr marL="2514600" indent="-228600" algn="l" defTabSz="457200" rtl="0" eaLnBrk="1" latinLnBrk="0" hangingPunct="1">
+              <a:spcBef>
+                <a:spcPct val="20000"/>
+              </a:spcBef>
+              <a:buFont typeface="Arial"/>
+              <a:buChar char="•"/>
+              <a:defRPr sz="2000" kern="1200">
+                <a:solidFill>
+                  <a:schemeClr val="tx1"/>
+                </a:solidFill>
+                <a:latin typeface="+mn-lt"/>
+                <a:ea typeface="+mn-ea"/>
+                <a:cs typeface="+mn-cs"/>
+              </a:defRPr>
+            </a:lvl6pPr>
+            <a:lvl7pPr marL="2971800" indent="-228600" algn="l" defTabSz="457200" rtl="0" eaLnBrk="1" latinLnBrk="0" hangingPunct="1">
+              <a:spcBef>
+                <a:spcPct val="20000"/>
+              </a:spcBef>
+              <a:buFont typeface="Arial"/>
+              <a:buChar char="•"/>
+              <a:defRPr sz="2000" kern="1200">
+                <a:solidFill>
+                  <a:schemeClr val="tx1"/>
+                </a:solidFill>
+                <a:latin typeface="+mn-lt"/>
+                <a:ea typeface="+mn-ea"/>
+                <a:cs typeface="+mn-cs"/>
+              </a:defRPr>
+            </a:lvl7pPr>
+            <a:lvl8pPr marL="3429000" indent="-228600" algn="l" defTabSz="457200" rtl="0" eaLnBrk="1" latinLnBrk="0" hangingPunct="1">
+              <a:spcBef>
+                <a:spcPct val="20000"/>
+              </a:spcBef>
+              <a:buFont typeface="Arial"/>
+              <a:buChar char="•"/>
+              <a:defRPr sz="2000" kern="1200">
+                <a:solidFill>
+                  <a:schemeClr val="tx1"/>
+                </a:solidFill>
+                <a:latin typeface="+mn-lt"/>
+                <a:ea typeface="+mn-ea"/>
+                <a:cs typeface="+mn-cs"/>
+              </a:defRPr>
+            </a:lvl8pPr>
+            <a:lvl9pPr marL="3886200" indent="-228600" algn="l" defTabSz="457200" rtl="0" eaLnBrk="1" latinLnBrk="0" hangingPunct="1">
+              <a:spcBef>
+                <a:spcPct val="20000"/>
+              </a:spcBef>
+              <a:buFont typeface="Arial"/>
+              <a:buChar char="•"/>
+              <a:defRPr sz="2000" kern="1200">
+                <a:solidFill>
+                  <a:schemeClr val="tx1"/>
+                </a:solidFill>
+                <a:latin typeface="+mn-lt"/>
+                <a:ea typeface="+mn-ea"/>
+                <a:cs typeface="+mn-cs"/>
+              </a:defRPr>
+            </a:lvl9pPr>
+          </a:lstStyle>
+          <a:p>
+            <a:r>
+              <a:rPr lang="en-US" sz="2800" dirty="0">
+                <a:latin typeface="Bookman Old Style" panose="02050604050505020204" pitchFamily="18" charset="0"/>
+              </a:rPr>
+              <a:t>As an example, say this graph is a representation of different Facebook groups, with the vertices being these groups and the edges representing that the two groups share an administrator.</a:t>
+            </a:r>
+          </a:p>
+        </p:txBody>
+      </p:sp>
+      <p:pic>
+        <p:nvPicPr>
+          <p:cNvPr id="10" name="Picture 9" descr="A group of blue circles with letters on a black background&#10;&#10;AI-generated content may be incorrect.">
+            <a:extLst>
+              <a:ext uri="{FF2B5EF4-FFF2-40B4-BE49-F238E27FC236}">
+                <a16:creationId xmlns:a16="http://schemas.microsoft.com/office/drawing/2014/main" id="{79130CAF-D0F9-297C-6164-8C37532D6EAD}"/>
+              </a:ext>
+            </a:extLst>
+          </p:cNvPr>
+          <p:cNvPicPr>
+            <a:picLocks noChangeAspect="1"/>
+          </p:cNvPicPr>
+          <p:nvPr/>
+        </p:nvPicPr>
+        <p:blipFill>
+          <a:blip r:embed="rId2">
+            <a:extLst>
+              <a:ext uri="{28A0092B-C50C-407E-A947-70E740481C1C}">
+                <a14:useLocalDpi xmlns:a14="http://schemas.microsoft.com/office/drawing/2010/main" val="0"/>
+              </a:ext>
+            </a:extLst>
+          </a:blip>
+          <a:stretch>
+            <a:fillRect/>
+          </a:stretch>
+        </p:blipFill>
+        <p:spPr>
+          <a:xfrm>
+            <a:off x="2057400" y="2819400"/>
+            <a:ext cx="5029200" cy="3771900"/>
+          </a:xfrm>
+          <a:prstGeom prst="rect">
+            <a:avLst/>
+          </a:prstGeom>
+        </p:spPr>
+      </p:pic>
+    </p:spTree>
+    <p:extLst>
+      <p:ext uri="{BB962C8B-B14F-4D97-AF65-F5344CB8AC3E}">
+        <p14:creationId xmlns:p14="http://schemas.microsoft.com/office/powerpoint/2010/main" val="393006152"/>
+      </p:ext>
+    </p:extLst>
+  </p:cSld>
+  <p:clrMapOvr>
+    <a:masterClrMapping/>
+  </p:clrMapOvr>
+</p:sld>
+</file>
+
+<file path=ppt/slides/slide4.xml><?xml version="1.0" encoding="utf-8"?>
 <p:sld xmlns:a="http://schemas.openxmlformats.org/drawingml/2006/main" xmlns:r="http://schemas.openxmlformats.org/officeDocument/2006/relationships" xmlns:p="http://schemas.openxmlformats.org/presentationml/2006/main">
   <p:cSld>
     <p:spTree>
@@ -5002,7 +8782,7 @@
         </p:spPr>
         <p:txBody>
           <a:bodyPr vert="horz" lIns="91440" tIns="45720" rIns="91440" bIns="45720" rtlCol="0">
-            <a:normAutofit fontScale="92500" lnSpcReduction="20000"/>
+            <a:normAutofit fontScale="85000" lnSpcReduction="20000"/>
           </a:bodyPr>
           <a:lstStyle>
             <a:lvl1pPr marL="342900" indent="-342900" algn="l" defTabSz="457200" rtl="0" eaLnBrk="1" latinLnBrk="0" hangingPunct="1">
@@ -5170,7 +8950,7 @@
               <a:rPr lang="en-US" sz="2800" dirty="0">
                 <a:latin typeface="Bookman Old Style" panose="02050604050505020204" pitchFamily="18" charset="0"/>
               </a:rPr>
-              <a:t>The densest subgraph is a useful piece of information to have.</a:t>
+              <a:t>Knowing the densest subgraph has various uses depending on what the graph represents.</a:t>
             </a:r>
           </a:p>
         </p:txBody>
@@ -5219,7 +8999,306 @@
 </p:sld>
 </file>
 
-<file path=ppt/slides/slide4.xml><?xml version="1.0" encoding="utf-8"?>
+<file path=ppt/slides/slide5.xml><?xml version="1.0" encoding="utf-8"?>
+<p:sld xmlns:a="http://schemas.openxmlformats.org/drawingml/2006/main" xmlns:r="http://schemas.openxmlformats.org/officeDocument/2006/relationships" xmlns:p="http://schemas.openxmlformats.org/presentationml/2006/main">
+  <p:cSld>
+    <p:spTree>
+      <p:nvGrpSpPr>
+        <p:cNvPr id="1" name="">
+          <a:extLst>
+            <a:ext uri="{FF2B5EF4-FFF2-40B4-BE49-F238E27FC236}">
+              <a16:creationId xmlns:a16="http://schemas.microsoft.com/office/drawing/2014/main" id="{7788F52A-A1DB-DF4B-6609-4BD214C3DC98}"/>
+            </a:ext>
+          </a:extLst>
+        </p:cNvPr>
+        <p:cNvGrpSpPr/>
+        <p:nvPr/>
+      </p:nvGrpSpPr>
+      <p:grpSpPr>
+        <a:xfrm>
+          <a:off x="0" y="0"/>
+          <a:ext cx="0" cy="0"/>
+          <a:chOff x="0" y="0"/>
+          <a:chExt cx="0" cy="0"/>
+        </a:xfrm>
+      </p:grpSpPr>
+      <p:sp>
+        <p:nvSpPr>
+          <p:cNvPr id="4" name="Title 1">
+            <a:extLst>
+              <a:ext uri="{FF2B5EF4-FFF2-40B4-BE49-F238E27FC236}">
+                <a16:creationId xmlns:a16="http://schemas.microsoft.com/office/drawing/2014/main" id="{7A218C54-9631-A7DB-B43F-743795E11C10}"/>
+              </a:ext>
+            </a:extLst>
+          </p:cNvPr>
+          <p:cNvSpPr txBox="1">
+            <a:spLocks/>
+          </p:cNvSpPr>
+          <p:nvPr/>
+        </p:nvSpPr>
+        <p:spPr>
+          <a:xfrm>
+            <a:off x="273666" y="26126"/>
+            <a:ext cx="8596668" cy="1320800"/>
+          </a:xfrm>
+          <a:prstGeom prst="rect">
+            <a:avLst/>
+          </a:prstGeom>
+        </p:spPr>
+        <p:txBody>
+          <a:bodyPr vert="horz" lIns="91440" tIns="45720" rIns="91440" bIns="45720" rtlCol="0" anchor="ctr">
+            <a:normAutofit/>
+          </a:bodyPr>
+          <a:lstStyle>
+            <a:lvl1pPr algn="ctr" defTabSz="457200" rtl="0" eaLnBrk="1" latinLnBrk="0" hangingPunct="1">
+              <a:spcBef>
+                <a:spcPct val="0"/>
+              </a:spcBef>
+              <a:buNone/>
+              <a:defRPr sz="4400" kern="1200">
+                <a:solidFill>
+                  <a:schemeClr val="tx1"/>
+                </a:solidFill>
+                <a:latin typeface="+mj-lt"/>
+                <a:ea typeface="+mj-ea"/>
+                <a:cs typeface="+mj-cs"/>
+              </a:defRPr>
+            </a:lvl1pPr>
+          </a:lstStyle>
+          <a:p>
+            <a:r>
+              <a:rPr lang="en-US" sz="4000" dirty="0">
+                <a:latin typeface="Rockwell" panose="02060603020205020403" pitchFamily="18" charset="0"/>
+              </a:rPr>
+              <a:t>Densest Subgraph Application</a:t>
+            </a:r>
+          </a:p>
+        </p:txBody>
+      </p:sp>
+      <p:sp>
+        <p:nvSpPr>
+          <p:cNvPr id="5" name="Content Placeholder 2">
+            <a:extLst>
+              <a:ext uri="{FF2B5EF4-FFF2-40B4-BE49-F238E27FC236}">
+                <a16:creationId xmlns:a16="http://schemas.microsoft.com/office/drawing/2014/main" id="{6782F03F-32E8-88AC-05C2-9CAC46A37982}"/>
+              </a:ext>
+            </a:extLst>
+          </p:cNvPr>
+          <p:cNvSpPr txBox="1">
+            <a:spLocks/>
+          </p:cNvSpPr>
+          <p:nvPr/>
+        </p:nvSpPr>
+        <p:spPr>
+          <a:xfrm>
+            <a:off x="152400" y="1247594"/>
+            <a:ext cx="8839200" cy="1573211"/>
+          </a:xfrm>
+          <a:prstGeom prst="rect">
+            <a:avLst/>
+          </a:prstGeom>
+        </p:spPr>
+        <p:txBody>
+          <a:bodyPr vert="horz" lIns="91440" tIns="45720" rIns="91440" bIns="45720" rtlCol="0">
+            <a:normAutofit fontScale="92500" lnSpcReduction="10000"/>
+          </a:bodyPr>
+          <a:lstStyle>
+            <a:lvl1pPr marL="342900" indent="-342900" algn="l" defTabSz="457200" rtl="0" eaLnBrk="1" latinLnBrk="0" hangingPunct="1">
+              <a:spcBef>
+                <a:spcPct val="20000"/>
+              </a:spcBef>
+              <a:buFont typeface="Arial"/>
+              <a:buChar char="•"/>
+              <a:defRPr sz="3200" kern="1200">
+                <a:solidFill>
+                  <a:schemeClr val="tx1"/>
+                </a:solidFill>
+                <a:latin typeface="+mn-lt"/>
+                <a:ea typeface="+mn-ea"/>
+                <a:cs typeface="+mn-cs"/>
+              </a:defRPr>
+            </a:lvl1pPr>
+            <a:lvl2pPr marL="742950" indent="-285750" algn="l" defTabSz="457200" rtl="0" eaLnBrk="1" latinLnBrk="0" hangingPunct="1">
+              <a:spcBef>
+                <a:spcPct val="20000"/>
+              </a:spcBef>
+              <a:buFont typeface="Arial"/>
+              <a:buChar char="–"/>
+              <a:defRPr sz="2800" kern="1200">
+                <a:solidFill>
+                  <a:schemeClr val="tx1"/>
+                </a:solidFill>
+                <a:latin typeface="+mn-lt"/>
+                <a:ea typeface="+mn-ea"/>
+                <a:cs typeface="+mn-cs"/>
+              </a:defRPr>
+            </a:lvl2pPr>
+            <a:lvl3pPr marL="1143000" indent="-228600" algn="l" defTabSz="457200" rtl="0" eaLnBrk="1" latinLnBrk="0" hangingPunct="1">
+              <a:spcBef>
+                <a:spcPct val="20000"/>
+              </a:spcBef>
+              <a:buFont typeface="Arial"/>
+              <a:buChar char="•"/>
+              <a:defRPr sz="2400" kern="1200">
+                <a:solidFill>
+                  <a:schemeClr val="tx1"/>
+                </a:solidFill>
+                <a:latin typeface="+mn-lt"/>
+                <a:ea typeface="+mn-ea"/>
+                <a:cs typeface="+mn-cs"/>
+              </a:defRPr>
+            </a:lvl3pPr>
+            <a:lvl4pPr marL="1600200" indent="-228600" algn="l" defTabSz="457200" rtl="0" eaLnBrk="1" latinLnBrk="0" hangingPunct="1">
+              <a:spcBef>
+                <a:spcPct val="20000"/>
+              </a:spcBef>
+              <a:buFont typeface="Arial"/>
+              <a:buChar char="–"/>
+              <a:defRPr sz="2000" kern="1200">
+                <a:solidFill>
+                  <a:schemeClr val="tx1"/>
+                </a:solidFill>
+                <a:latin typeface="+mn-lt"/>
+                <a:ea typeface="+mn-ea"/>
+                <a:cs typeface="+mn-cs"/>
+              </a:defRPr>
+            </a:lvl4pPr>
+            <a:lvl5pPr marL="2057400" indent="-228600" algn="l" defTabSz="457200" rtl="0" eaLnBrk="1" latinLnBrk="0" hangingPunct="1">
+              <a:spcBef>
+                <a:spcPct val="20000"/>
+              </a:spcBef>
+              <a:buFont typeface="Arial"/>
+              <a:buChar char="»"/>
+              <a:defRPr sz="2000" kern="1200">
+                <a:solidFill>
+                  <a:schemeClr val="tx1"/>
+                </a:solidFill>
+                <a:latin typeface="+mn-lt"/>
+                <a:ea typeface="+mn-ea"/>
+                <a:cs typeface="+mn-cs"/>
+              </a:defRPr>
+            </a:lvl5pPr>
+            <a:lvl6pPr marL="2514600" indent="-228600" algn="l" defTabSz="457200" rtl="0" eaLnBrk="1" latinLnBrk="0" hangingPunct="1">
+              <a:spcBef>
+                <a:spcPct val="20000"/>
+              </a:spcBef>
+              <a:buFont typeface="Arial"/>
+              <a:buChar char="•"/>
+              <a:defRPr sz="2000" kern="1200">
+                <a:solidFill>
+                  <a:schemeClr val="tx1"/>
+                </a:solidFill>
+                <a:latin typeface="+mn-lt"/>
+                <a:ea typeface="+mn-ea"/>
+                <a:cs typeface="+mn-cs"/>
+              </a:defRPr>
+            </a:lvl6pPr>
+            <a:lvl7pPr marL="2971800" indent="-228600" algn="l" defTabSz="457200" rtl="0" eaLnBrk="1" latinLnBrk="0" hangingPunct="1">
+              <a:spcBef>
+                <a:spcPct val="20000"/>
+              </a:spcBef>
+              <a:buFont typeface="Arial"/>
+              <a:buChar char="•"/>
+              <a:defRPr sz="2000" kern="1200">
+                <a:solidFill>
+                  <a:schemeClr val="tx1"/>
+                </a:solidFill>
+                <a:latin typeface="+mn-lt"/>
+                <a:ea typeface="+mn-ea"/>
+                <a:cs typeface="+mn-cs"/>
+              </a:defRPr>
+            </a:lvl7pPr>
+            <a:lvl8pPr marL="3429000" indent="-228600" algn="l" defTabSz="457200" rtl="0" eaLnBrk="1" latinLnBrk="0" hangingPunct="1">
+              <a:spcBef>
+                <a:spcPct val="20000"/>
+              </a:spcBef>
+              <a:buFont typeface="Arial"/>
+              <a:buChar char="•"/>
+              <a:defRPr sz="2000" kern="1200">
+                <a:solidFill>
+                  <a:schemeClr val="tx1"/>
+                </a:solidFill>
+                <a:latin typeface="+mn-lt"/>
+                <a:ea typeface="+mn-ea"/>
+                <a:cs typeface="+mn-cs"/>
+              </a:defRPr>
+            </a:lvl8pPr>
+            <a:lvl9pPr marL="3886200" indent="-228600" algn="l" defTabSz="457200" rtl="0" eaLnBrk="1" latinLnBrk="0" hangingPunct="1">
+              <a:spcBef>
+                <a:spcPct val="20000"/>
+              </a:spcBef>
+              <a:buFont typeface="Arial"/>
+              <a:buChar char="•"/>
+              <a:defRPr sz="2000" kern="1200">
+                <a:solidFill>
+                  <a:schemeClr val="tx1"/>
+                </a:solidFill>
+                <a:latin typeface="+mn-lt"/>
+                <a:ea typeface="+mn-ea"/>
+                <a:cs typeface="+mn-cs"/>
+              </a:defRPr>
+            </a:lvl9pPr>
+          </a:lstStyle>
+          <a:p>
+            <a:r>
+              <a:rPr lang="en-US" sz="2800" dirty="0">
+                <a:latin typeface="Bookman Old Style" panose="02050604050505020204" pitchFamily="18" charset="0"/>
+              </a:rPr>
+              <a:t>Returning to our Facebook group graph, an example use of the DSD is that by finding the densest subgraph in this example, we’ve identified a potential echo chamber.</a:t>
+            </a:r>
+          </a:p>
+        </p:txBody>
+      </p:sp>
+      <p:pic>
+        <p:nvPicPr>
+          <p:cNvPr id="3" name="Picture 2" descr="A group of blue and pink circles with letters&#10;&#10;AI-generated content may be incorrect.">
+            <a:extLst>
+              <a:ext uri="{FF2B5EF4-FFF2-40B4-BE49-F238E27FC236}">
+                <a16:creationId xmlns:a16="http://schemas.microsoft.com/office/drawing/2014/main" id="{B550785B-59E0-F229-F8F5-2C8010F875D1}"/>
+              </a:ext>
+            </a:extLst>
+          </p:cNvPr>
+          <p:cNvPicPr>
+            <a:picLocks noChangeAspect="1"/>
+          </p:cNvPicPr>
+          <p:nvPr/>
+        </p:nvPicPr>
+        <p:blipFill>
+          <a:blip r:embed="rId2">
+            <a:extLst>
+              <a:ext uri="{28A0092B-C50C-407E-A947-70E740481C1C}">
+                <a14:useLocalDpi xmlns:a14="http://schemas.microsoft.com/office/drawing/2010/main" val="0"/>
+              </a:ext>
+            </a:extLst>
+          </a:blip>
+          <a:stretch>
+            <a:fillRect/>
+          </a:stretch>
+        </p:blipFill>
+        <p:spPr>
+          <a:xfrm>
+            <a:off x="1676400" y="2607172"/>
+            <a:ext cx="5410200" cy="4057650"/>
+          </a:xfrm>
+          <a:prstGeom prst="rect">
+            <a:avLst/>
+          </a:prstGeom>
+        </p:spPr>
+      </p:pic>
+    </p:spTree>
+    <p:extLst>
+      <p:ext uri="{BB962C8B-B14F-4D97-AF65-F5344CB8AC3E}">
+        <p14:creationId xmlns:p14="http://schemas.microsoft.com/office/powerpoint/2010/main" val="652746614"/>
+      </p:ext>
+    </p:extLst>
+  </p:cSld>
+  <p:clrMapOvr>
+    <a:masterClrMapping/>
+  </p:clrMapOvr>
+</p:sld>
+</file>
+
+<file path=ppt/slides/slide6.xml><?xml version="1.0" encoding="utf-8"?>
 <p:sld xmlns:a="http://schemas.openxmlformats.org/drawingml/2006/main" xmlns:r="http://schemas.openxmlformats.org/officeDocument/2006/relationships" xmlns:p="http://schemas.openxmlformats.org/presentationml/2006/main">
   <p:cSld>
     <p:spTree>
@@ -5529,7 +9608,7 @@
 </p:sld>
 </file>
 
-<file path=ppt/slides/slide5.xml><?xml version="1.0" encoding="utf-8"?>
+<file path=ppt/slides/slide7.xml><?xml version="1.0" encoding="utf-8"?>
 <p:sld xmlns:a="http://schemas.openxmlformats.org/drawingml/2006/main" xmlns:r="http://schemas.openxmlformats.org/officeDocument/2006/relationships" xmlns:p="http://schemas.openxmlformats.org/presentationml/2006/main">
   <p:cSld>
     <p:spTree>
@@ -5808,7 +9887,7 @@
 </p:sld>
 </file>
 
-<file path=ppt/slides/slide6.xml><?xml version="1.0" encoding="utf-8"?>
+<file path=ppt/slides/slide8.xml><?xml version="1.0" encoding="utf-8"?>
 <p:sld xmlns:a="http://schemas.openxmlformats.org/drawingml/2006/main" xmlns:r="http://schemas.openxmlformats.org/officeDocument/2006/relationships" xmlns:p="http://schemas.openxmlformats.org/presentationml/2006/main">
   <p:cSld>
     <p:spTree>
@@ -5875,7 +9954,7 @@
 </p:sld>
 </file>
 
-<file path=ppt/slides/slide7.xml><?xml version="1.0" encoding="utf-8"?>
+<file path=ppt/slides/slide9.xml><?xml version="1.0" encoding="utf-8"?>
 <p:sld xmlns:a="http://schemas.openxmlformats.org/drawingml/2006/main" xmlns:r="http://schemas.openxmlformats.org/officeDocument/2006/relationships" xmlns:p="http://schemas.openxmlformats.org/presentationml/2006/main">
   <p:cSld>
     <p:spTree>
@@ -6205,561 +10284,6 @@
     <p:extLst>
       <p:ext uri="{BB962C8B-B14F-4D97-AF65-F5344CB8AC3E}">
         <p14:creationId xmlns:p14="http://schemas.microsoft.com/office/powerpoint/2010/main" val="3443826298"/>
-      </p:ext>
-    </p:extLst>
-  </p:cSld>
-  <p:clrMapOvr>
-    <a:masterClrMapping/>
-  </p:clrMapOvr>
-</p:sld>
-</file>
-
-<file path=ppt/slides/slide8.xml><?xml version="1.0" encoding="utf-8"?>
-<p:sld xmlns:a="http://schemas.openxmlformats.org/drawingml/2006/main" xmlns:r="http://schemas.openxmlformats.org/officeDocument/2006/relationships" xmlns:p="http://schemas.openxmlformats.org/presentationml/2006/main">
-  <p:cSld>
-    <p:spTree>
-      <p:nvGrpSpPr>
-        <p:cNvPr id="1" name="">
-          <a:extLst>
-            <a:ext uri="{FF2B5EF4-FFF2-40B4-BE49-F238E27FC236}">
-              <a16:creationId xmlns:a16="http://schemas.microsoft.com/office/drawing/2014/main" id="{C285CD39-4CD9-4AC6-54B6-F899C478F672}"/>
-            </a:ext>
-          </a:extLst>
-        </p:cNvPr>
-        <p:cNvGrpSpPr/>
-        <p:nvPr/>
-      </p:nvGrpSpPr>
-      <p:grpSpPr>
-        <a:xfrm>
-          <a:off x="0" y="0"/>
-          <a:ext cx="0" cy="0"/>
-          <a:chOff x="0" y="0"/>
-          <a:chExt cx="0" cy="0"/>
-        </a:xfrm>
-      </p:grpSpPr>
-      <p:sp>
-        <p:nvSpPr>
-          <p:cNvPr id="4" name="Title 1">
-            <a:extLst>
-              <a:ext uri="{FF2B5EF4-FFF2-40B4-BE49-F238E27FC236}">
-                <a16:creationId xmlns:a16="http://schemas.microsoft.com/office/drawing/2014/main" id="{27A3FAE9-F874-D545-BAED-3C6CC46602AF}"/>
-              </a:ext>
-            </a:extLst>
-          </p:cNvPr>
-          <p:cNvSpPr txBox="1">
-            <a:spLocks/>
-          </p:cNvSpPr>
-          <p:nvPr/>
-        </p:nvSpPr>
-        <p:spPr>
-          <a:xfrm>
-            <a:off x="1241733" y="142449"/>
-            <a:ext cx="6660534" cy="1320800"/>
-          </a:xfrm>
-          <a:prstGeom prst="rect">
-            <a:avLst/>
-          </a:prstGeom>
-        </p:spPr>
-        <p:txBody>
-          <a:bodyPr vert="horz" lIns="91440" tIns="45720" rIns="91440" bIns="45720" rtlCol="0" anchor="ctr">
-            <a:normAutofit/>
-          </a:bodyPr>
-          <a:lstStyle>
-            <a:lvl1pPr algn="ctr" defTabSz="457200" rtl="0" eaLnBrk="1" latinLnBrk="0" hangingPunct="1">
-              <a:spcBef>
-                <a:spcPct val="0"/>
-              </a:spcBef>
-              <a:buNone/>
-              <a:defRPr sz="4400" kern="1200">
-                <a:solidFill>
-                  <a:schemeClr val="tx1"/>
-                </a:solidFill>
-                <a:latin typeface="+mj-lt"/>
-                <a:ea typeface="+mj-ea"/>
-                <a:cs typeface="+mj-cs"/>
-              </a:defRPr>
-            </a:lvl1pPr>
-          </a:lstStyle>
-          <a:p>
-            <a:r>
-              <a:rPr lang="en-US" sz="4000" dirty="0">
-                <a:latin typeface="Rockwell" panose="02060603020205020403" pitchFamily="18" charset="0"/>
-              </a:rPr>
-              <a:t>CUDA by NVIDIA</a:t>
-            </a:r>
-          </a:p>
-        </p:txBody>
-      </p:sp>
-      <p:sp>
-        <p:nvSpPr>
-          <p:cNvPr id="2" name="Content Placeholder 2">
-            <a:extLst>
-              <a:ext uri="{FF2B5EF4-FFF2-40B4-BE49-F238E27FC236}">
-                <a16:creationId xmlns:a16="http://schemas.microsoft.com/office/drawing/2014/main" id="{85675CDF-C34E-CC58-7FE2-9E988CDD0AAC}"/>
-              </a:ext>
-            </a:extLst>
-          </p:cNvPr>
-          <p:cNvSpPr txBox="1">
-            <a:spLocks/>
-          </p:cNvSpPr>
-          <p:nvPr/>
-        </p:nvSpPr>
-        <p:spPr>
-          <a:xfrm>
-            <a:off x="76200" y="1219200"/>
-            <a:ext cx="8839200" cy="4545011"/>
-          </a:xfrm>
-          <a:prstGeom prst="rect">
-            <a:avLst/>
-          </a:prstGeom>
-        </p:spPr>
-        <p:txBody>
-          <a:bodyPr vert="horz" lIns="91440" tIns="45720" rIns="91440" bIns="45720" rtlCol="0">
-            <a:normAutofit lnSpcReduction="10000"/>
-          </a:bodyPr>
-          <a:lstStyle>
-            <a:lvl1pPr marL="342900" indent="-342900" algn="l" defTabSz="457200" rtl="0" eaLnBrk="1" latinLnBrk="0" hangingPunct="1">
-              <a:spcBef>
-                <a:spcPct val="20000"/>
-              </a:spcBef>
-              <a:buFont typeface="Arial"/>
-              <a:buChar char="•"/>
-              <a:defRPr sz="3200" kern="1200">
-                <a:solidFill>
-                  <a:schemeClr val="tx1"/>
-                </a:solidFill>
-                <a:latin typeface="+mn-lt"/>
-                <a:ea typeface="+mn-ea"/>
-                <a:cs typeface="+mn-cs"/>
-              </a:defRPr>
-            </a:lvl1pPr>
-            <a:lvl2pPr marL="742950" indent="-285750" algn="l" defTabSz="457200" rtl="0" eaLnBrk="1" latinLnBrk="0" hangingPunct="1">
-              <a:spcBef>
-                <a:spcPct val="20000"/>
-              </a:spcBef>
-              <a:buFont typeface="Arial"/>
-              <a:buChar char="–"/>
-              <a:defRPr sz="2800" kern="1200">
-                <a:solidFill>
-                  <a:schemeClr val="tx1"/>
-                </a:solidFill>
-                <a:latin typeface="+mn-lt"/>
-                <a:ea typeface="+mn-ea"/>
-                <a:cs typeface="+mn-cs"/>
-              </a:defRPr>
-            </a:lvl2pPr>
-            <a:lvl3pPr marL="1143000" indent="-228600" algn="l" defTabSz="457200" rtl="0" eaLnBrk="1" latinLnBrk="0" hangingPunct="1">
-              <a:spcBef>
-                <a:spcPct val="20000"/>
-              </a:spcBef>
-              <a:buFont typeface="Arial"/>
-              <a:buChar char="•"/>
-              <a:defRPr sz="2400" kern="1200">
-                <a:solidFill>
-                  <a:schemeClr val="tx1"/>
-                </a:solidFill>
-                <a:latin typeface="+mn-lt"/>
-                <a:ea typeface="+mn-ea"/>
-                <a:cs typeface="+mn-cs"/>
-              </a:defRPr>
-            </a:lvl3pPr>
-            <a:lvl4pPr marL="1600200" indent="-228600" algn="l" defTabSz="457200" rtl="0" eaLnBrk="1" latinLnBrk="0" hangingPunct="1">
-              <a:spcBef>
-                <a:spcPct val="20000"/>
-              </a:spcBef>
-              <a:buFont typeface="Arial"/>
-              <a:buChar char="–"/>
-              <a:defRPr sz="2000" kern="1200">
-                <a:solidFill>
-                  <a:schemeClr val="tx1"/>
-                </a:solidFill>
-                <a:latin typeface="+mn-lt"/>
-                <a:ea typeface="+mn-ea"/>
-                <a:cs typeface="+mn-cs"/>
-              </a:defRPr>
-            </a:lvl4pPr>
-            <a:lvl5pPr marL="2057400" indent="-228600" algn="l" defTabSz="457200" rtl="0" eaLnBrk="1" latinLnBrk="0" hangingPunct="1">
-              <a:spcBef>
-                <a:spcPct val="20000"/>
-              </a:spcBef>
-              <a:buFont typeface="Arial"/>
-              <a:buChar char="»"/>
-              <a:defRPr sz="2000" kern="1200">
-                <a:solidFill>
-                  <a:schemeClr val="tx1"/>
-                </a:solidFill>
-                <a:latin typeface="+mn-lt"/>
-                <a:ea typeface="+mn-ea"/>
-                <a:cs typeface="+mn-cs"/>
-              </a:defRPr>
-            </a:lvl5pPr>
-            <a:lvl6pPr marL="2514600" indent="-228600" algn="l" defTabSz="457200" rtl="0" eaLnBrk="1" latinLnBrk="0" hangingPunct="1">
-              <a:spcBef>
-                <a:spcPct val="20000"/>
-              </a:spcBef>
-              <a:buFont typeface="Arial"/>
-              <a:buChar char="•"/>
-              <a:defRPr sz="2000" kern="1200">
-                <a:solidFill>
-                  <a:schemeClr val="tx1"/>
-                </a:solidFill>
-                <a:latin typeface="+mn-lt"/>
-                <a:ea typeface="+mn-ea"/>
-                <a:cs typeface="+mn-cs"/>
-              </a:defRPr>
-            </a:lvl6pPr>
-            <a:lvl7pPr marL="2971800" indent="-228600" algn="l" defTabSz="457200" rtl="0" eaLnBrk="1" latinLnBrk="0" hangingPunct="1">
-              <a:spcBef>
-                <a:spcPct val="20000"/>
-              </a:spcBef>
-              <a:buFont typeface="Arial"/>
-              <a:buChar char="•"/>
-              <a:defRPr sz="2000" kern="1200">
-                <a:solidFill>
-                  <a:schemeClr val="tx1"/>
-                </a:solidFill>
-                <a:latin typeface="+mn-lt"/>
-                <a:ea typeface="+mn-ea"/>
-                <a:cs typeface="+mn-cs"/>
-              </a:defRPr>
-            </a:lvl7pPr>
-            <a:lvl8pPr marL="3429000" indent="-228600" algn="l" defTabSz="457200" rtl="0" eaLnBrk="1" latinLnBrk="0" hangingPunct="1">
-              <a:spcBef>
-                <a:spcPct val="20000"/>
-              </a:spcBef>
-              <a:buFont typeface="Arial"/>
-              <a:buChar char="•"/>
-              <a:defRPr sz="2000" kern="1200">
-                <a:solidFill>
-                  <a:schemeClr val="tx1"/>
-                </a:solidFill>
-                <a:latin typeface="+mn-lt"/>
-                <a:ea typeface="+mn-ea"/>
-                <a:cs typeface="+mn-cs"/>
-              </a:defRPr>
-            </a:lvl8pPr>
-            <a:lvl9pPr marL="3886200" indent="-228600" algn="l" defTabSz="457200" rtl="0" eaLnBrk="1" latinLnBrk="0" hangingPunct="1">
-              <a:spcBef>
-                <a:spcPct val="20000"/>
-              </a:spcBef>
-              <a:buFont typeface="Arial"/>
-              <a:buChar char="•"/>
-              <a:defRPr sz="2000" kern="1200">
-                <a:solidFill>
-                  <a:schemeClr val="tx1"/>
-                </a:solidFill>
-                <a:latin typeface="+mn-lt"/>
-                <a:ea typeface="+mn-ea"/>
-                <a:cs typeface="+mn-cs"/>
-              </a:defRPr>
-            </a:lvl9pPr>
-          </a:lstStyle>
-          <a:p>
-            <a:r>
-              <a:rPr lang="en-US" sz="2800" dirty="0">
-                <a:latin typeface="Bookman Old Style" panose="02050604050505020204" pitchFamily="18" charset="0"/>
-              </a:rPr>
-              <a:t>Writing a program entirely in the simple language available to the GPU would be extremely difficult.</a:t>
-            </a:r>
-          </a:p>
-          <a:p>
-            <a:r>
-              <a:rPr lang="en-US" sz="2800" dirty="0">
-                <a:latin typeface="Bookman Old Style" panose="02050604050505020204" pitchFamily="18" charset="0"/>
-              </a:rPr>
-              <a:t>CUDA (Compute Unified Device Architecture) is a tool created by NVIDIA that allows programs written in the serial language C++ to execute kernels on the GPU and access the results of these kernels.</a:t>
-            </a:r>
-          </a:p>
-          <a:p>
-            <a:r>
-              <a:rPr lang="en-US" sz="2800" dirty="0">
-                <a:latin typeface="Bookman Old Style" panose="02050604050505020204" pitchFamily="18" charset="0"/>
-              </a:rPr>
-              <a:t>This effectively allows for more complex programs to switch between the CPU and GPU as needed.</a:t>
-            </a:r>
-          </a:p>
-          <a:p>
-            <a:endParaRPr lang="en-US" sz="2800" dirty="0">
-              <a:latin typeface="Bookman Old Style" panose="02050604050505020204" pitchFamily="18" charset="0"/>
-            </a:endParaRPr>
-          </a:p>
-        </p:txBody>
-      </p:sp>
-    </p:spTree>
-    <p:extLst>
-      <p:ext uri="{BB962C8B-B14F-4D97-AF65-F5344CB8AC3E}">
-        <p14:creationId xmlns:p14="http://schemas.microsoft.com/office/powerpoint/2010/main" val="3948503275"/>
-      </p:ext>
-    </p:extLst>
-  </p:cSld>
-  <p:clrMapOvr>
-    <a:masterClrMapping/>
-  </p:clrMapOvr>
-</p:sld>
-</file>
-
-<file path=ppt/slides/slide9.xml><?xml version="1.0" encoding="utf-8"?>
-<p:sld xmlns:a="http://schemas.openxmlformats.org/drawingml/2006/main" xmlns:r="http://schemas.openxmlformats.org/officeDocument/2006/relationships" xmlns:p="http://schemas.openxmlformats.org/presentationml/2006/main">
-  <p:cSld>
-    <p:spTree>
-      <p:nvGrpSpPr>
-        <p:cNvPr id="1" name="">
-          <a:extLst>
-            <a:ext uri="{FF2B5EF4-FFF2-40B4-BE49-F238E27FC236}">
-              <a16:creationId xmlns:a16="http://schemas.microsoft.com/office/drawing/2014/main" id="{EE2109DD-C75E-91D2-7798-BE9545198BE4}"/>
-            </a:ext>
-          </a:extLst>
-        </p:cNvPr>
-        <p:cNvGrpSpPr/>
-        <p:nvPr/>
-      </p:nvGrpSpPr>
-      <p:grpSpPr>
-        <a:xfrm>
-          <a:off x="0" y="0"/>
-          <a:ext cx="0" cy="0"/>
-          <a:chOff x="0" y="0"/>
-          <a:chExt cx="0" cy="0"/>
-        </a:xfrm>
-      </p:grpSpPr>
-      <p:sp>
-        <p:nvSpPr>
-          <p:cNvPr id="4" name="Title 1">
-            <a:extLst>
-              <a:ext uri="{FF2B5EF4-FFF2-40B4-BE49-F238E27FC236}">
-                <a16:creationId xmlns:a16="http://schemas.microsoft.com/office/drawing/2014/main" id="{E27A9355-C93C-65CC-B154-245B08265494}"/>
-              </a:ext>
-            </a:extLst>
-          </p:cNvPr>
-          <p:cNvSpPr txBox="1">
-            <a:spLocks/>
-          </p:cNvSpPr>
-          <p:nvPr/>
-        </p:nvSpPr>
-        <p:spPr>
-          <a:xfrm>
-            <a:off x="1241733" y="142449"/>
-            <a:ext cx="6660534" cy="1320800"/>
-          </a:xfrm>
-          <a:prstGeom prst="rect">
-            <a:avLst/>
-          </a:prstGeom>
-        </p:spPr>
-        <p:txBody>
-          <a:bodyPr vert="horz" lIns="91440" tIns="45720" rIns="91440" bIns="45720" rtlCol="0" anchor="ctr">
-            <a:normAutofit/>
-          </a:bodyPr>
-          <a:lstStyle>
-            <a:lvl1pPr algn="ctr" defTabSz="457200" rtl="0" eaLnBrk="1" latinLnBrk="0" hangingPunct="1">
-              <a:spcBef>
-                <a:spcPct val="0"/>
-              </a:spcBef>
-              <a:buNone/>
-              <a:defRPr sz="4400" kern="1200">
-                <a:solidFill>
-                  <a:schemeClr val="tx1"/>
-                </a:solidFill>
-                <a:latin typeface="+mj-lt"/>
-                <a:ea typeface="+mj-ea"/>
-                <a:cs typeface="+mj-cs"/>
-              </a:defRPr>
-            </a:lvl1pPr>
-          </a:lstStyle>
-          <a:p>
-            <a:r>
-              <a:rPr lang="en-US" sz="4000" dirty="0">
-                <a:latin typeface="Rockwell" panose="02060603020205020403" pitchFamily="18" charset="0"/>
-              </a:rPr>
-              <a:t>Our Goal</a:t>
-            </a:r>
-          </a:p>
-        </p:txBody>
-      </p:sp>
-      <p:sp>
-        <p:nvSpPr>
-          <p:cNvPr id="2" name="Content Placeholder 2">
-            <a:extLst>
-              <a:ext uri="{FF2B5EF4-FFF2-40B4-BE49-F238E27FC236}">
-                <a16:creationId xmlns:a16="http://schemas.microsoft.com/office/drawing/2014/main" id="{F27EC468-47AA-6404-94CE-EEF33616316C}"/>
-              </a:ext>
-            </a:extLst>
-          </p:cNvPr>
-          <p:cNvSpPr txBox="1">
-            <a:spLocks/>
-          </p:cNvSpPr>
-          <p:nvPr/>
-        </p:nvSpPr>
-        <p:spPr>
-          <a:xfrm>
-            <a:off x="228600" y="1434946"/>
-            <a:ext cx="8686800" cy="4545011"/>
-          </a:xfrm>
-          <a:prstGeom prst="rect">
-            <a:avLst/>
-          </a:prstGeom>
-        </p:spPr>
-        <p:txBody>
-          <a:bodyPr vert="horz" lIns="91440" tIns="45720" rIns="91440" bIns="45720" rtlCol="0">
-            <a:normAutofit/>
-          </a:bodyPr>
-          <a:lstStyle>
-            <a:lvl1pPr marL="342900" indent="-342900" algn="l" defTabSz="457200" rtl="0" eaLnBrk="1" latinLnBrk="0" hangingPunct="1">
-              <a:spcBef>
-                <a:spcPct val="20000"/>
-              </a:spcBef>
-              <a:buFont typeface="Arial"/>
-              <a:buChar char="•"/>
-              <a:defRPr sz="3200" kern="1200">
-                <a:solidFill>
-                  <a:schemeClr val="tx1"/>
-                </a:solidFill>
-                <a:latin typeface="+mn-lt"/>
-                <a:ea typeface="+mn-ea"/>
-                <a:cs typeface="+mn-cs"/>
-              </a:defRPr>
-            </a:lvl1pPr>
-            <a:lvl2pPr marL="742950" indent="-285750" algn="l" defTabSz="457200" rtl="0" eaLnBrk="1" latinLnBrk="0" hangingPunct="1">
-              <a:spcBef>
-                <a:spcPct val="20000"/>
-              </a:spcBef>
-              <a:buFont typeface="Arial"/>
-              <a:buChar char="–"/>
-              <a:defRPr sz="2800" kern="1200">
-                <a:solidFill>
-                  <a:schemeClr val="tx1"/>
-                </a:solidFill>
-                <a:latin typeface="+mn-lt"/>
-                <a:ea typeface="+mn-ea"/>
-                <a:cs typeface="+mn-cs"/>
-              </a:defRPr>
-            </a:lvl2pPr>
-            <a:lvl3pPr marL="1143000" indent="-228600" algn="l" defTabSz="457200" rtl="0" eaLnBrk="1" latinLnBrk="0" hangingPunct="1">
-              <a:spcBef>
-                <a:spcPct val="20000"/>
-              </a:spcBef>
-              <a:buFont typeface="Arial"/>
-              <a:buChar char="•"/>
-              <a:defRPr sz="2400" kern="1200">
-                <a:solidFill>
-                  <a:schemeClr val="tx1"/>
-                </a:solidFill>
-                <a:latin typeface="+mn-lt"/>
-                <a:ea typeface="+mn-ea"/>
-                <a:cs typeface="+mn-cs"/>
-              </a:defRPr>
-            </a:lvl3pPr>
-            <a:lvl4pPr marL="1600200" indent="-228600" algn="l" defTabSz="457200" rtl="0" eaLnBrk="1" latinLnBrk="0" hangingPunct="1">
-              <a:spcBef>
-                <a:spcPct val="20000"/>
-              </a:spcBef>
-              <a:buFont typeface="Arial"/>
-              <a:buChar char="–"/>
-              <a:defRPr sz="2000" kern="1200">
-                <a:solidFill>
-                  <a:schemeClr val="tx1"/>
-                </a:solidFill>
-                <a:latin typeface="+mn-lt"/>
-                <a:ea typeface="+mn-ea"/>
-                <a:cs typeface="+mn-cs"/>
-              </a:defRPr>
-            </a:lvl4pPr>
-            <a:lvl5pPr marL="2057400" indent="-228600" algn="l" defTabSz="457200" rtl="0" eaLnBrk="1" latinLnBrk="0" hangingPunct="1">
-              <a:spcBef>
-                <a:spcPct val="20000"/>
-              </a:spcBef>
-              <a:buFont typeface="Arial"/>
-              <a:buChar char="»"/>
-              <a:defRPr sz="2000" kern="1200">
-                <a:solidFill>
-                  <a:schemeClr val="tx1"/>
-                </a:solidFill>
-                <a:latin typeface="+mn-lt"/>
-                <a:ea typeface="+mn-ea"/>
-                <a:cs typeface="+mn-cs"/>
-              </a:defRPr>
-            </a:lvl5pPr>
-            <a:lvl6pPr marL="2514600" indent="-228600" algn="l" defTabSz="457200" rtl="0" eaLnBrk="1" latinLnBrk="0" hangingPunct="1">
-              <a:spcBef>
-                <a:spcPct val="20000"/>
-              </a:spcBef>
-              <a:buFont typeface="Arial"/>
-              <a:buChar char="•"/>
-              <a:defRPr sz="2000" kern="1200">
-                <a:solidFill>
-                  <a:schemeClr val="tx1"/>
-                </a:solidFill>
-                <a:latin typeface="+mn-lt"/>
-                <a:ea typeface="+mn-ea"/>
-                <a:cs typeface="+mn-cs"/>
-              </a:defRPr>
-            </a:lvl6pPr>
-            <a:lvl7pPr marL="2971800" indent="-228600" algn="l" defTabSz="457200" rtl="0" eaLnBrk="1" latinLnBrk="0" hangingPunct="1">
-              <a:spcBef>
-                <a:spcPct val="20000"/>
-              </a:spcBef>
-              <a:buFont typeface="Arial"/>
-              <a:buChar char="•"/>
-              <a:defRPr sz="2000" kern="1200">
-                <a:solidFill>
-                  <a:schemeClr val="tx1"/>
-                </a:solidFill>
-                <a:latin typeface="+mn-lt"/>
-                <a:ea typeface="+mn-ea"/>
-                <a:cs typeface="+mn-cs"/>
-              </a:defRPr>
-            </a:lvl7pPr>
-            <a:lvl8pPr marL="3429000" indent="-228600" algn="l" defTabSz="457200" rtl="0" eaLnBrk="1" latinLnBrk="0" hangingPunct="1">
-              <a:spcBef>
-                <a:spcPct val="20000"/>
-              </a:spcBef>
-              <a:buFont typeface="Arial"/>
-              <a:buChar char="•"/>
-              <a:defRPr sz="2000" kern="1200">
-                <a:solidFill>
-                  <a:schemeClr val="tx1"/>
-                </a:solidFill>
-                <a:latin typeface="+mn-lt"/>
-                <a:ea typeface="+mn-ea"/>
-                <a:cs typeface="+mn-cs"/>
-              </a:defRPr>
-            </a:lvl8pPr>
-            <a:lvl9pPr marL="3886200" indent="-228600" algn="l" defTabSz="457200" rtl="0" eaLnBrk="1" latinLnBrk="0" hangingPunct="1">
-              <a:spcBef>
-                <a:spcPct val="20000"/>
-              </a:spcBef>
-              <a:buFont typeface="Arial"/>
-              <a:buChar char="•"/>
-              <a:defRPr sz="2000" kern="1200">
-                <a:solidFill>
-                  <a:schemeClr val="tx1"/>
-                </a:solidFill>
-                <a:latin typeface="+mn-lt"/>
-                <a:ea typeface="+mn-ea"/>
-                <a:cs typeface="+mn-cs"/>
-              </a:defRPr>
-            </a:lvl9pPr>
-          </a:lstStyle>
-          <a:p>
-            <a:r>
-              <a:rPr lang="en-US" sz="2800" dirty="0">
-                <a:latin typeface="Bookman Old Style" panose="02050604050505020204" pitchFamily="18" charset="0"/>
-              </a:rPr>
-              <a:t>The goal of this research project was to adapt an algorithm that solves the DSD to a parallel CUDA program.</a:t>
-            </a:r>
-          </a:p>
-          <a:p>
-            <a:r>
-              <a:rPr lang="en-US" sz="2800" dirty="0">
-                <a:latin typeface="Bookman Old Style" panose="02050604050505020204" pitchFamily="18" charset="0"/>
-              </a:rPr>
-              <a:t>This serves two purposes: creating a more efficient solution to the DSD and serving as further research into the efficacy and computational power of parallel programming.</a:t>
-            </a:r>
-          </a:p>
-        </p:txBody>
-      </p:sp>
-    </p:spTree>
-    <p:extLst>
-      <p:ext uri="{BB962C8B-B14F-4D97-AF65-F5344CB8AC3E}">
-        <p14:creationId xmlns:p14="http://schemas.microsoft.com/office/powerpoint/2010/main" val="1231310145"/>
       </p:ext>
     </p:extLst>
   </p:cSld>

--- a/Thesis Defense Presentation.pptx
+++ b/Thesis Defense Presentation.pptx
@@ -5,7 +5,7 @@
     <p:sldMasterId id="2147483660" r:id="rId1"/>
   </p:sldMasterIdLst>
   <p:notesMasterIdLst>
-    <p:notesMasterId r:id="rId24"/>
+    <p:notesMasterId r:id="rId40"/>
   </p:notesMasterIdLst>
   <p:sldIdLst>
     <p:sldId id="299" r:id="rId2"/>
@@ -23,13 +23,29 @@
     <p:sldId id="311" r:id="rId14"/>
     <p:sldId id="312" r:id="rId15"/>
     <p:sldId id="313" r:id="rId16"/>
-    <p:sldId id="315" r:id="rId17"/>
-    <p:sldId id="322" r:id="rId18"/>
-    <p:sldId id="323" r:id="rId19"/>
-    <p:sldId id="318" r:id="rId20"/>
-    <p:sldId id="319" r:id="rId21"/>
-    <p:sldId id="320" r:id="rId22"/>
-    <p:sldId id="321" r:id="rId23"/>
+    <p:sldId id="324" r:id="rId17"/>
+    <p:sldId id="326" r:id="rId18"/>
+    <p:sldId id="332" r:id="rId19"/>
+    <p:sldId id="325" r:id="rId20"/>
+    <p:sldId id="327" r:id="rId21"/>
+    <p:sldId id="333" r:id="rId22"/>
+    <p:sldId id="328" r:id="rId23"/>
+    <p:sldId id="329" r:id="rId24"/>
+    <p:sldId id="330" r:id="rId25"/>
+    <p:sldId id="331" r:id="rId26"/>
+    <p:sldId id="315" r:id="rId27"/>
+    <p:sldId id="322" r:id="rId28"/>
+    <p:sldId id="323" r:id="rId29"/>
+    <p:sldId id="318" r:id="rId30"/>
+    <p:sldId id="319" r:id="rId31"/>
+    <p:sldId id="320" r:id="rId32"/>
+    <p:sldId id="321" r:id="rId33"/>
+    <p:sldId id="334" r:id="rId34"/>
+    <p:sldId id="335" r:id="rId35"/>
+    <p:sldId id="336" r:id="rId36"/>
+    <p:sldId id="337" r:id="rId37"/>
+    <p:sldId id="338" r:id="rId38"/>
+    <p:sldId id="339" r:id="rId39"/>
   </p:sldIdLst>
   <p:sldSz cx="9144000" cy="6858000" type="screen4x3"/>
   <p:notesSz cx="7010400" cy="9296400"/>
@@ -229,7 +245,7 @@
           <a:p>
             <a:fld id="{A0CDD9C9-DEC5-42B6-9F11-0BCA88D4BE4F}" type="datetimeFigureOut">
               <a:rPr lang="en-US" smtClean="0"/>
-              <a:t>8/12/2025</a:t>
+              <a:t>8/13/2025</a:t>
             </a:fld>
             <a:endParaRPr lang="en-US"/>
           </a:p>
@@ -682,7 +698,7 @@
                 </a:solidFill>
               </a:rPr>
               <a:pPr/>
-              <a:t>8/12/2025</a:t>
+              <a:t>8/13/2025</a:t>
             </a:fld>
             <a:endParaRPr lang="en-US">
               <a:solidFill>
@@ -882,7 +898,7 @@
                 </a:solidFill>
               </a:rPr>
               <a:pPr/>
-              <a:t>8/12/2025</a:t>
+              <a:t>8/13/2025</a:t>
             </a:fld>
             <a:endParaRPr lang="en-US">
               <a:solidFill>
@@ -1092,7 +1108,7 @@
                 </a:solidFill>
               </a:rPr>
               <a:pPr/>
-              <a:t>8/12/2025</a:t>
+              <a:t>8/13/2025</a:t>
             </a:fld>
             <a:endParaRPr lang="en-US">
               <a:solidFill>
@@ -1292,7 +1308,7 @@
                 </a:solidFill>
               </a:rPr>
               <a:pPr/>
-              <a:t>8/12/2025</a:t>
+              <a:t>8/13/2025</a:t>
             </a:fld>
             <a:endParaRPr lang="en-US">
               <a:solidFill>
@@ -1569,7 +1585,7 @@
                 </a:solidFill>
               </a:rPr>
               <a:pPr/>
-              <a:t>8/12/2025</a:t>
+              <a:t>8/13/2025</a:t>
             </a:fld>
             <a:endParaRPr lang="en-US">
               <a:solidFill>
@@ -1886,7 +1902,7 @@
                 </a:solidFill>
               </a:rPr>
               <a:pPr/>
-              <a:t>8/12/2025</a:t>
+              <a:t>8/13/2025</a:t>
             </a:fld>
             <a:endParaRPr lang="en-US">
               <a:solidFill>
@@ -2337,7 +2353,7 @@
                 </a:solidFill>
               </a:rPr>
               <a:pPr/>
-              <a:t>8/12/2025</a:t>
+              <a:t>8/13/2025</a:t>
             </a:fld>
             <a:endParaRPr lang="en-US">
               <a:solidFill>
@@ -2486,7 +2502,7 @@
                 </a:solidFill>
               </a:rPr>
               <a:pPr/>
-              <a:t>8/12/2025</a:t>
+              <a:t>8/13/2025</a:t>
             </a:fld>
             <a:endParaRPr lang="en-US">
               <a:solidFill>
@@ -2613,7 +2629,7 @@
                 </a:solidFill>
               </a:rPr>
               <a:pPr/>
-              <a:t>8/12/2025</a:t>
+              <a:t>8/13/2025</a:t>
             </a:fld>
             <a:endParaRPr lang="en-US">
               <a:solidFill>
@@ -2920,7 +2936,7 @@
                 </a:solidFill>
               </a:rPr>
               <a:pPr/>
-              <a:t>8/12/2025</a:t>
+              <a:t>8/13/2025</a:t>
             </a:fld>
             <a:endParaRPr lang="en-US">
               <a:solidFill>
@@ -3204,7 +3220,7 @@
                 </a:solidFill>
               </a:rPr>
               <a:pPr/>
-              <a:t>8/12/2025</a:t>
+              <a:t>8/13/2025</a:t>
             </a:fld>
             <a:endParaRPr lang="en-US">
               <a:solidFill>
@@ -3448,7 +3464,7 @@
                 </a:solidFill>
               </a:rPr>
               <a:pPr defTabSz="457200"/>
-              <a:t>8/12/2025</a:t>
+              <a:t>8/13/2025</a:t>
             </a:fld>
             <a:endParaRPr lang="en-US">
               <a:solidFill>
@@ -6051,7 +6067,7 @@
         <p:cNvPr id="1" name="">
           <a:extLst>
             <a:ext uri="{FF2B5EF4-FFF2-40B4-BE49-F238E27FC236}">
-              <a16:creationId xmlns:a16="http://schemas.microsoft.com/office/drawing/2014/main" id="{B56F4FB6-7334-DC23-1DF0-80C6A108EA38}"/>
+              <a16:creationId xmlns:a16="http://schemas.microsoft.com/office/drawing/2014/main" id="{CFD3E45F-869F-4439-EBBB-9200B3948759}"/>
             </a:ext>
           </a:extLst>
         </p:cNvPr>
@@ -6071,952 +6087,7 @@
           <p:cNvPr id="4" name="Title 1">
             <a:extLst>
               <a:ext uri="{FF2B5EF4-FFF2-40B4-BE49-F238E27FC236}">
-                <a16:creationId xmlns:a16="http://schemas.microsoft.com/office/drawing/2014/main" id="{1C8E159A-0E9F-6093-8E0D-BD42791C6E80}"/>
-              </a:ext>
-            </a:extLst>
-          </p:cNvPr>
-          <p:cNvSpPr txBox="1">
-            <a:spLocks/>
-          </p:cNvSpPr>
-          <p:nvPr/>
-        </p:nvSpPr>
-        <p:spPr>
-          <a:xfrm>
-            <a:off x="1497166" y="4354"/>
-            <a:ext cx="6149667" cy="952654"/>
-          </a:xfrm>
-          <a:prstGeom prst="rect">
-            <a:avLst/>
-          </a:prstGeom>
-        </p:spPr>
-        <p:txBody>
-          <a:bodyPr vert="horz" lIns="91440" tIns="45720" rIns="91440" bIns="45720" rtlCol="0" anchor="ctr">
-            <a:normAutofit/>
-          </a:bodyPr>
-          <a:lstStyle>
-            <a:lvl1pPr algn="ctr" defTabSz="457200" rtl="0" eaLnBrk="1" latinLnBrk="0" hangingPunct="1">
-              <a:spcBef>
-                <a:spcPct val="0"/>
-              </a:spcBef>
-              <a:buNone/>
-              <a:defRPr sz="4400" kern="1200">
-                <a:solidFill>
-                  <a:schemeClr val="tx1"/>
-                </a:solidFill>
-                <a:latin typeface="+mj-lt"/>
-                <a:ea typeface="+mj-ea"/>
-                <a:cs typeface="+mj-cs"/>
-              </a:defRPr>
-            </a:lvl1pPr>
-          </a:lstStyle>
-          <a:p>
-            <a:r>
-              <a:rPr lang="en-US" sz="4000" dirty="0">
-                <a:latin typeface="Rockwell" panose="02060603020205020403" pitchFamily="18" charset="0"/>
-              </a:rPr>
-              <a:t>Flow Networks</a:t>
-            </a:r>
-          </a:p>
-        </p:txBody>
-      </p:sp>
-      <p:sp>
-        <p:nvSpPr>
-          <p:cNvPr id="2" name="Content Placeholder 2">
-            <a:extLst>
-              <a:ext uri="{FF2B5EF4-FFF2-40B4-BE49-F238E27FC236}">
-                <a16:creationId xmlns:a16="http://schemas.microsoft.com/office/drawing/2014/main" id="{B4AA095E-4D49-A40B-9DB4-59989F3A4DF0}"/>
-              </a:ext>
-            </a:extLst>
-          </p:cNvPr>
-          <p:cNvSpPr txBox="1">
-            <a:spLocks/>
-          </p:cNvSpPr>
-          <p:nvPr/>
-        </p:nvSpPr>
-        <p:spPr>
-          <a:xfrm>
-            <a:off x="76200" y="914400"/>
-            <a:ext cx="4572000" cy="5257800"/>
-          </a:xfrm>
-          <a:prstGeom prst="rect">
-            <a:avLst/>
-          </a:prstGeom>
-        </p:spPr>
-        <p:txBody>
-          <a:bodyPr vert="horz" lIns="91440" tIns="45720" rIns="91440" bIns="45720" rtlCol="0">
-            <a:normAutofit fontScale="77500" lnSpcReduction="20000"/>
-          </a:bodyPr>
-          <a:lstStyle>
-            <a:lvl1pPr marL="342900" indent="-342900" algn="l" defTabSz="457200" rtl="0" eaLnBrk="1" latinLnBrk="0" hangingPunct="1">
-              <a:spcBef>
-                <a:spcPct val="20000"/>
-              </a:spcBef>
-              <a:buFont typeface="Arial"/>
-              <a:buChar char="•"/>
-              <a:defRPr sz="3200" kern="1200">
-                <a:solidFill>
-                  <a:schemeClr val="tx1"/>
-                </a:solidFill>
-                <a:latin typeface="+mn-lt"/>
-                <a:ea typeface="+mn-ea"/>
-                <a:cs typeface="+mn-cs"/>
-              </a:defRPr>
-            </a:lvl1pPr>
-            <a:lvl2pPr marL="742950" indent="-285750" algn="l" defTabSz="457200" rtl="0" eaLnBrk="1" latinLnBrk="0" hangingPunct="1">
-              <a:spcBef>
-                <a:spcPct val="20000"/>
-              </a:spcBef>
-              <a:buFont typeface="Arial"/>
-              <a:buChar char="–"/>
-              <a:defRPr sz="2800" kern="1200">
-                <a:solidFill>
-                  <a:schemeClr val="tx1"/>
-                </a:solidFill>
-                <a:latin typeface="+mn-lt"/>
-                <a:ea typeface="+mn-ea"/>
-                <a:cs typeface="+mn-cs"/>
-              </a:defRPr>
-            </a:lvl2pPr>
-            <a:lvl3pPr marL="1143000" indent="-228600" algn="l" defTabSz="457200" rtl="0" eaLnBrk="1" latinLnBrk="0" hangingPunct="1">
-              <a:spcBef>
-                <a:spcPct val="20000"/>
-              </a:spcBef>
-              <a:buFont typeface="Arial"/>
-              <a:buChar char="•"/>
-              <a:defRPr sz="2400" kern="1200">
-                <a:solidFill>
-                  <a:schemeClr val="tx1"/>
-                </a:solidFill>
-                <a:latin typeface="+mn-lt"/>
-                <a:ea typeface="+mn-ea"/>
-                <a:cs typeface="+mn-cs"/>
-              </a:defRPr>
-            </a:lvl3pPr>
-            <a:lvl4pPr marL="1600200" indent="-228600" algn="l" defTabSz="457200" rtl="0" eaLnBrk="1" latinLnBrk="0" hangingPunct="1">
-              <a:spcBef>
-                <a:spcPct val="20000"/>
-              </a:spcBef>
-              <a:buFont typeface="Arial"/>
-              <a:buChar char="–"/>
-              <a:defRPr sz="2000" kern="1200">
-                <a:solidFill>
-                  <a:schemeClr val="tx1"/>
-                </a:solidFill>
-                <a:latin typeface="+mn-lt"/>
-                <a:ea typeface="+mn-ea"/>
-                <a:cs typeface="+mn-cs"/>
-              </a:defRPr>
-            </a:lvl4pPr>
-            <a:lvl5pPr marL="2057400" indent="-228600" algn="l" defTabSz="457200" rtl="0" eaLnBrk="1" latinLnBrk="0" hangingPunct="1">
-              <a:spcBef>
-                <a:spcPct val="20000"/>
-              </a:spcBef>
-              <a:buFont typeface="Arial"/>
-              <a:buChar char="»"/>
-              <a:defRPr sz="2000" kern="1200">
-                <a:solidFill>
-                  <a:schemeClr val="tx1"/>
-                </a:solidFill>
-                <a:latin typeface="+mn-lt"/>
-                <a:ea typeface="+mn-ea"/>
-                <a:cs typeface="+mn-cs"/>
-              </a:defRPr>
-            </a:lvl5pPr>
-            <a:lvl6pPr marL="2514600" indent="-228600" algn="l" defTabSz="457200" rtl="0" eaLnBrk="1" latinLnBrk="0" hangingPunct="1">
-              <a:spcBef>
-                <a:spcPct val="20000"/>
-              </a:spcBef>
-              <a:buFont typeface="Arial"/>
-              <a:buChar char="•"/>
-              <a:defRPr sz="2000" kern="1200">
-                <a:solidFill>
-                  <a:schemeClr val="tx1"/>
-                </a:solidFill>
-                <a:latin typeface="+mn-lt"/>
-                <a:ea typeface="+mn-ea"/>
-                <a:cs typeface="+mn-cs"/>
-              </a:defRPr>
-            </a:lvl6pPr>
-            <a:lvl7pPr marL="2971800" indent="-228600" algn="l" defTabSz="457200" rtl="0" eaLnBrk="1" latinLnBrk="0" hangingPunct="1">
-              <a:spcBef>
-                <a:spcPct val="20000"/>
-              </a:spcBef>
-              <a:buFont typeface="Arial"/>
-              <a:buChar char="•"/>
-              <a:defRPr sz="2000" kern="1200">
-                <a:solidFill>
-                  <a:schemeClr val="tx1"/>
-                </a:solidFill>
-                <a:latin typeface="+mn-lt"/>
-                <a:ea typeface="+mn-ea"/>
-                <a:cs typeface="+mn-cs"/>
-              </a:defRPr>
-            </a:lvl7pPr>
-            <a:lvl8pPr marL="3429000" indent="-228600" algn="l" defTabSz="457200" rtl="0" eaLnBrk="1" latinLnBrk="0" hangingPunct="1">
-              <a:spcBef>
-                <a:spcPct val="20000"/>
-              </a:spcBef>
-              <a:buFont typeface="Arial"/>
-              <a:buChar char="•"/>
-              <a:defRPr sz="2000" kern="1200">
-                <a:solidFill>
-                  <a:schemeClr val="tx1"/>
-                </a:solidFill>
-                <a:latin typeface="+mn-lt"/>
-                <a:ea typeface="+mn-ea"/>
-                <a:cs typeface="+mn-cs"/>
-              </a:defRPr>
-            </a:lvl8pPr>
-            <a:lvl9pPr marL="3886200" indent="-228600" algn="l" defTabSz="457200" rtl="0" eaLnBrk="1" latinLnBrk="0" hangingPunct="1">
-              <a:spcBef>
-                <a:spcPct val="20000"/>
-              </a:spcBef>
-              <a:buFont typeface="Arial"/>
-              <a:buChar char="•"/>
-              <a:defRPr sz="2000" kern="1200">
-                <a:solidFill>
-                  <a:schemeClr val="tx1"/>
-                </a:solidFill>
-                <a:latin typeface="+mn-lt"/>
-                <a:ea typeface="+mn-ea"/>
-                <a:cs typeface="+mn-cs"/>
-              </a:defRPr>
-            </a:lvl9pPr>
-          </a:lstStyle>
-          <a:p>
-            <a:r>
-              <a:rPr lang="en-US" sz="2800" dirty="0">
-                <a:latin typeface="Bookman Old Style" panose="02050604050505020204" pitchFamily="18" charset="0"/>
-              </a:rPr>
-              <a:t>To start, we shall cover Goldberg’s exact algorithm. But this requires a few concepts to be covered first. </a:t>
-            </a:r>
-          </a:p>
-          <a:p>
-            <a:r>
-              <a:rPr lang="en-US" sz="2800" dirty="0">
-                <a:latin typeface="Bookman Old Style" panose="02050604050505020204" pitchFamily="18" charset="0"/>
-              </a:rPr>
-              <a:t>Flow networks are a special type of directed graph where edges have flow (some amount of “something” pushed through the edge). Each edge has a capacity (a maximum flow). This is often represented as x/y, where x is flow and y is capacity.</a:t>
-            </a:r>
-          </a:p>
-          <a:p>
-            <a:r>
-              <a:rPr lang="en-US" sz="2800" dirty="0">
-                <a:latin typeface="Bookman Old Style" panose="02050604050505020204" pitchFamily="18" charset="0"/>
-              </a:rPr>
-              <a:t>In a flow network, there are two special nodes called the source and sink. Flow only comes out of the source and only flows into the sink.</a:t>
-            </a:r>
-          </a:p>
-        </p:txBody>
-      </p:sp>
-      <p:pic>
-        <p:nvPicPr>
-          <p:cNvPr id="5" name="Picture 4" descr="A black background with blue circles&#10;&#10;AI-generated content may be incorrect.">
-            <a:extLst>
-              <a:ext uri="{FF2B5EF4-FFF2-40B4-BE49-F238E27FC236}">
-                <a16:creationId xmlns:a16="http://schemas.microsoft.com/office/drawing/2014/main" id="{AA61E2CA-5D8B-7B30-E2EF-577D435A30C8}"/>
-              </a:ext>
-            </a:extLst>
-          </p:cNvPr>
-          <p:cNvPicPr>
-            <a:picLocks noChangeAspect="1"/>
-          </p:cNvPicPr>
-          <p:nvPr/>
-        </p:nvPicPr>
-        <p:blipFill>
-          <a:blip r:embed="rId2">
-            <a:extLst>
-              <a:ext uri="{28A0092B-C50C-407E-A947-70E740481C1C}">
-                <a14:useLocalDpi xmlns:a14="http://schemas.microsoft.com/office/drawing/2010/main" val="0"/>
-              </a:ext>
-            </a:extLst>
-          </a:blip>
-          <a:stretch>
-            <a:fillRect/>
-          </a:stretch>
-        </p:blipFill>
-        <p:spPr>
-          <a:xfrm>
-            <a:off x="3657600" y="1066800"/>
-            <a:ext cx="6224434" cy="4668325"/>
-          </a:xfrm>
-          <a:prstGeom prst="rect">
-            <a:avLst/>
-          </a:prstGeom>
-        </p:spPr>
-      </p:pic>
-    </p:spTree>
-    <p:extLst>
-      <p:ext uri="{BB962C8B-B14F-4D97-AF65-F5344CB8AC3E}">
-        <p14:creationId xmlns:p14="http://schemas.microsoft.com/office/powerpoint/2010/main" val="3239618294"/>
-      </p:ext>
-    </p:extLst>
-  </p:cSld>
-  <p:clrMapOvr>
-    <a:masterClrMapping/>
-  </p:clrMapOvr>
-</p:sld>
-</file>
-
-<file path=ppt/slides/slide17.xml><?xml version="1.0" encoding="utf-8"?>
-<p:sld xmlns:a="http://schemas.openxmlformats.org/drawingml/2006/main" xmlns:r="http://schemas.openxmlformats.org/officeDocument/2006/relationships" xmlns:p="http://schemas.openxmlformats.org/presentationml/2006/main">
-  <p:cSld>
-    <p:spTree>
-      <p:nvGrpSpPr>
-        <p:cNvPr id="1" name="">
-          <a:extLst>
-            <a:ext uri="{FF2B5EF4-FFF2-40B4-BE49-F238E27FC236}">
-              <a16:creationId xmlns:a16="http://schemas.microsoft.com/office/drawing/2014/main" id="{C2733363-FA0C-713E-C232-0E4C8424A926}"/>
-            </a:ext>
-          </a:extLst>
-        </p:cNvPr>
-        <p:cNvGrpSpPr/>
-        <p:nvPr/>
-      </p:nvGrpSpPr>
-      <p:grpSpPr>
-        <a:xfrm>
-          <a:off x="0" y="0"/>
-          <a:ext cx="0" cy="0"/>
-          <a:chOff x="0" y="0"/>
-          <a:chExt cx="0" cy="0"/>
-        </a:xfrm>
-      </p:grpSpPr>
-      <p:sp>
-        <p:nvSpPr>
-          <p:cNvPr id="4" name="Title 1">
-            <a:extLst>
-              <a:ext uri="{FF2B5EF4-FFF2-40B4-BE49-F238E27FC236}">
-                <a16:creationId xmlns:a16="http://schemas.microsoft.com/office/drawing/2014/main" id="{D5E611F0-A1AC-2D02-6EBF-B5D08DD3E0F2}"/>
-              </a:ext>
-            </a:extLst>
-          </p:cNvPr>
-          <p:cNvSpPr txBox="1">
-            <a:spLocks/>
-          </p:cNvSpPr>
-          <p:nvPr/>
-        </p:nvSpPr>
-        <p:spPr>
-          <a:xfrm>
-            <a:off x="1497166" y="4354"/>
-            <a:ext cx="6149667" cy="952654"/>
-          </a:xfrm>
-          <a:prstGeom prst="rect">
-            <a:avLst/>
-          </a:prstGeom>
-        </p:spPr>
-        <p:txBody>
-          <a:bodyPr vert="horz" lIns="91440" tIns="45720" rIns="91440" bIns="45720" rtlCol="0" anchor="ctr">
-            <a:normAutofit/>
-          </a:bodyPr>
-          <a:lstStyle>
-            <a:lvl1pPr algn="ctr" defTabSz="457200" rtl="0" eaLnBrk="1" latinLnBrk="0" hangingPunct="1">
-              <a:spcBef>
-                <a:spcPct val="0"/>
-              </a:spcBef>
-              <a:buNone/>
-              <a:defRPr sz="4400" kern="1200">
-                <a:solidFill>
-                  <a:schemeClr val="tx1"/>
-                </a:solidFill>
-                <a:latin typeface="+mj-lt"/>
-                <a:ea typeface="+mj-ea"/>
-                <a:cs typeface="+mj-cs"/>
-              </a:defRPr>
-            </a:lvl1pPr>
-          </a:lstStyle>
-          <a:p>
-            <a:r>
-              <a:rPr lang="en-US" sz="4000" dirty="0">
-                <a:latin typeface="Rockwell" panose="02060603020205020403" pitchFamily="18" charset="0"/>
-              </a:rPr>
-              <a:t>st-cuts</a:t>
-            </a:r>
-          </a:p>
-        </p:txBody>
-      </p:sp>
-      <p:sp>
-        <p:nvSpPr>
-          <p:cNvPr id="2" name="Content Placeholder 2">
-            <a:extLst>
-              <a:ext uri="{FF2B5EF4-FFF2-40B4-BE49-F238E27FC236}">
-                <a16:creationId xmlns:a16="http://schemas.microsoft.com/office/drawing/2014/main" id="{8BB7FC3A-ED14-1C73-C2B3-852F8F839109}"/>
-              </a:ext>
-            </a:extLst>
-          </p:cNvPr>
-          <p:cNvSpPr txBox="1">
-            <a:spLocks/>
-          </p:cNvSpPr>
-          <p:nvPr/>
-        </p:nvSpPr>
-        <p:spPr>
-          <a:xfrm>
-            <a:off x="76200" y="914400"/>
-            <a:ext cx="4572000" cy="5257800"/>
-          </a:xfrm>
-          <a:prstGeom prst="rect">
-            <a:avLst/>
-          </a:prstGeom>
-        </p:spPr>
-        <p:txBody>
-          <a:bodyPr vert="horz" lIns="91440" tIns="45720" rIns="91440" bIns="45720" rtlCol="0">
-            <a:normAutofit fontScale="85000" lnSpcReduction="10000"/>
-          </a:bodyPr>
-          <a:lstStyle>
-            <a:lvl1pPr marL="342900" indent="-342900" algn="l" defTabSz="457200" rtl="0" eaLnBrk="1" latinLnBrk="0" hangingPunct="1">
-              <a:spcBef>
-                <a:spcPct val="20000"/>
-              </a:spcBef>
-              <a:buFont typeface="Arial"/>
-              <a:buChar char="•"/>
-              <a:defRPr sz="3200" kern="1200">
-                <a:solidFill>
-                  <a:schemeClr val="tx1"/>
-                </a:solidFill>
-                <a:latin typeface="+mn-lt"/>
-                <a:ea typeface="+mn-ea"/>
-                <a:cs typeface="+mn-cs"/>
-              </a:defRPr>
-            </a:lvl1pPr>
-            <a:lvl2pPr marL="742950" indent="-285750" algn="l" defTabSz="457200" rtl="0" eaLnBrk="1" latinLnBrk="0" hangingPunct="1">
-              <a:spcBef>
-                <a:spcPct val="20000"/>
-              </a:spcBef>
-              <a:buFont typeface="Arial"/>
-              <a:buChar char="–"/>
-              <a:defRPr sz="2800" kern="1200">
-                <a:solidFill>
-                  <a:schemeClr val="tx1"/>
-                </a:solidFill>
-                <a:latin typeface="+mn-lt"/>
-                <a:ea typeface="+mn-ea"/>
-                <a:cs typeface="+mn-cs"/>
-              </a:defRPr>
-            </a:lvl2pPr>
-            <a:lvl3pPr marL="1143000" indent="-228600" algn="l" defTabSz="457200" rtl="0" eaLnBrk="1" latinLnBrk="0" hangingPunct="1">
-              <a:spcBef>
-                <a:spcPct val="20000"/>
-              </a:spcBef>
-              <a:buFont typeface="Arial"/>
-              <a:buChar char="•"/>
-              <a:defRPr sz="2400" kern="1200">
-                <a:solidFill>
-                  <a:schemeClr val="tx1"/>
-                </a:solidFill>
-                <a:latin typeface="+mn-lt"/>
-                <a:ea typeface="+mn-ea"/>
-                <a:cs typeface="+mn-cs"/>
-              </a:defRPr>
-            </a:lvl3pPr>
-            <a:lvl4pPr marL="1600200" indent="-228600" algn="l" defTabSz="457200" rtl="0" eaLnBrk="1" latinLnBrk="0" hangingPunct="1">
-              <a:spcBef>
-                <a:spcPct val="20000"/>
-              </a:spcBef>
-              <a:buFont typeface="Arial"/>
-              <a:buChar char="–"/>
-              <a:defRPr sz="2000" kern="1200">
-                <a:solidFill>
-                  <a:schemeClr val="tx1"/>
-                </a:solidFill>
-                <a:latin typeface="+mn-lt"/>
-                <a:ea typeface="+mn-ea"/>
-                <a:cs typeface="+mn-cs"/>
-              </a:defRPr>
-            </a:lvl4pPr>
-            <a:lvl5pPr marL="2057400" indent="-228600" algn="l" defTabSz="457200" rtl="0" eaLnBrk="1" latinLnBrk="0" hangingPunct="1">
-              <a:spcBef>
-                <a:spcPct val="20000"/>
-              </a:spcBef>
-              <a:buFont typeface="Arial"/>
-              <a:buChar char="»"/>
-              <a:defRPr sz="2000" kern="1200">
-                <a:solidFill>
-                  <a:schemeClr val="tx1"/>
-                </a:solidFill>
-                <a:latin typeface="+mn-lt"/>
-                <a:ea typeface="+mn-ea"/>
-                <a:cs typeface="+mn-cs"/>
-              </a:defRPr>
-            </a:lvl5pPr>
-            <a:lvl6pPr marL="2514600" indent="-228600" algn="l" defTabSz="457200" rtl="0" eaLnBrk="1" latinLnBrk="0" hangingPunct="1">
-              <a:spcBef>
-                <a:spcPct val="20000"/>
-              </a:spcBef>
-              <a:buFont typeface="Arial"/>
-              <a:buChar char="•"/>
-              <a:defRPr sz="2000" kern="1200">
-                <a:solidFill>
-                  <a:schemeClr val="tx1"/>
-                </a:solidFill>
-                <a:latin typeface="+mn-lt"/>
-                <a:ea typeface="+mn-ea"/>
-                <a:cs typeface="+mn-cs"/>
-              </a:defRPr>
-            </a:lvl6pPr>
-            <a:lvl7pPr marL="2971800" indent="-228600" algn="l" defTabSz="457200" rtl="0" eaLnBrk="1" latinLnBrk="0" hangingPunct="1">
-              <a:spcBef>
-                <a:spcPct val="20000"/>
-              </a:spcBef>
-              <a:buFont typeface="Arial"/>
-              <a:buChar char="•"/>
-              <a:defRPr sz="2000" kern="1200">
-                <a:solidFill>
-                  <a:schemeClr val="tx1"/>
-                </a:solidFill>
-                <a:latin typeface="+mn-lt"/>
-                <a:ea typeface="+mn-ea"/>
-                <a:cs typeface="+mn-cs"/>
-              </a:defRPr>
-            </a:lvl7pPr>
-            <a:lvl8pPr marL="3429000" indent="-228600" algn="l" defTabSz="457200" rtl="0" eaLnBrk="1" latinLnBrk="0" hangingPunct="1">
-              <a:spcBef>
-                <a:spcPct val="20000"/>
-              </a:spcBef>
-              <a:buFont typeface="Arial"/>
-              <a:buChar char="•"/>
-              <a:defRPr sz="2000" kern="1200">
-                <a:solidFill>
-                  <a:schemeClr val="tx1"/>
-                </a:solidFill>
-                <a:latin typeface="+mn-lt"/>
-                <a:ea typeface="+mn-ea"/>
-                <a:cs typeface="+mn-cs"/>
-              </a:defRPr>
-            </a:lvl8pPr>
-            <a:lvl9pPr marL="3886200" indent="-228600" algn="l" defTabSz="457200" rtl="0" eaLnBrk="1" latinLnBrk="0" hangingPunct="1">
-              <a:spcBef>
-                <a:spcPct val="20000"/>
-              </a:spcBef>
-              <a:buFont typeface="Arial"/>
-              <a:buChar char="•"/>
-              <a:defRPr sz="2000" kern="1200">
-                <a:solidFill>
-                  <a:schemeClr val="tx1"/>
-                </a:solidFill>
-                <a:latin typeface="+mn-lt"/>
-                <a:ea typeface="+mn-ea"/>
-                <a:cs typeface="+mn-cs"/>
-              </a:defRPr>
-            </a:lvl9pPr>
-          </a:lstStyle>
-          <a:p>
-            <a:r>
-              <a:rPr lang="en-US" sz="2800" dirty="0">
-                <a:latin typeface="Bookman Old Style" panose="02050604050505020204" pitchFamily="18" charset="0"/>
-              </a:rPr>
-              <a:t>An st-cut is the division of a flow network into two disjointed subgraphs S and T, where S contains the source and T contains the sink.</a:t>
-            </a:r>
-          </a:p>
-          <a:p>
-            <a:r>
-              <a:rPr lang="en-US" sz="2800" dirty="0">
-                <a:latin typeface="Bookman Old Style" panose="02050604050505020204" pitchFamily="18" charset="0"/>
-              </a:rPr>
-              <a:t>This cut is made by removing edges until no connection between the subgraphs remains.</a:t>
-            </a:r>
-          </a:p>
-          <a:p>
-            <a:r>
-              <a:rPr lang="en-US" sz="2800" dirty="0">
-                <a:latin typeface="Bookman Old Style" panose="02050604050505020204" pitchFamily="18" charset="0"/>
-              </a:rPr>
-              <a:t>The cut capacity of an st-cut is the total sum of the capacities of the cut edges that flowed from S into T.</a:t>
-            </a:r>
-          </a:p>
-        </p:txBody>
-      </p:sp>
-      <p:pic>
-        <p:nvPicPr>
-          <p:cNvPr id="8" name="Picture 7" descr="A blue circles with red line and a red line&#10;&#10;AI-generated content may be incorrect.">
-            <a:extLst>
-              <a:ext uri="{FF2B5EF4-FFF2-40B4-BE49-F238E27FC236}">
-                <a16:creationId xmlns:a16="http://schemas.microsoft.com/office/drawing/2014/main" id="{2E8EE53F-B854-52CA-1638-691EB256D2FE}"/>
-              </a:ext>
-            </a:extLst>
-          </p:cNvPr>
-          <p:cNvPicPr>
-            <a:picLocks noChangeAspect="1"/>
-          </p:cNvPicPr>
-          <p:nvPr/>
-        </p:nvPicPr>
-        <p:blipFill>
-          <a:blip r:embed="rId2">
-            <a:extLst>
-              <a:ext uri="{28A0092B-C50C-407E-A947-70E740481C1C}">
-                <a14:useLocalDpi xmlns:a14="http://schemas.microsoft.com/office/drawing/2010/main" val="0"/>
-              </a:ext>
-            </a:extLst>
-          </a:blip>
-          <a:stretch>
-            <a:fillRect/>
-          </a:stretch>
-        </p:blipFill>
-        <p:spPr>
-          <a:xfrm>
-            <a:off x="3429000" y="838200"/>
-            <a:ext cx="6400800" cy="4800600"/>
-          </a:xfrm>
-          <a:prstGeom prst="rect">
-            <a:avLst/>
-          </a:prstGeom>
-        </p:spPr>
-      </p:pic>
-    </p:spTree>
-    <p:extLst>
-      <p:ext uri="{BB962C8B-B14F-4D97-AF65-F5344CB8AC3E}">
-        <p14:creationId xmlns:p14="http://schemas.microsoft.com/office/powerpoint/2010/main" val="1535889167"/>
-      </p:ext>
-    </p:extLst>
-  </p:cSld>
-  <p:clrMapOvr>
-    <a:masterClrMapping/>
-  </p:clrMapOvr>
-</p:sld>
-</file>
-
-<file path=ppt/slides/slide18.xml><?xml version="1.0" encoding="utf-8"?>
-<p:sld xmlns:a="http://schemas.openxmlformats.org/drawingml/2006/main" xmlns:r="http://schemas.openxmlformats.org/officeDocument/2006/relationships" xmlns:p="http://schemas.openxmlformats.org/presentationml/2006/main">
-  <p:cSld>
-    <p:spTree>
-      <p:nvGrpSpPr>
-        <p:cNvPr id="1" name="">
-          <a:extLst>
-            <a:ext uri="{FF2B5EF4-FFF2-40B4-BE49-F238E27FC236}">
-              <a16:creationId xmlns:a16="http://schemas.microsoft.com/office/drawing/2014/main" id="{5E9659C3-42C7-EC48-4E7C-F15B53F39809}"/>
-            </a:ext>
-          </a:extLst>
-        </p:cNvPr>
-        <p:cNvGrpSpPr/>
-        <p:nvPr/>
-      </p:nvGrpSpPr>
-      <p:grpSpPr>
-        <a:xfrm>
-          <a:off x="0" y="0"/>
-          <a:ext cx="0" cy="0"/>
-          <a:chOff x="0" y="0"/>
-          <a:chExt cx="0" cy="0"/>
-        </a:xfrm>
-      </p:grpSpPr>
-      <p:sp>
-        <p:nvSpPr>
-          <p:cNvPr id="4" name="Title 1">
-            <a:extLst>
-              <a:ext uri="{FF2B5EF4-FFF2-40B4-BE49-F238E27FC236}">
-                <a16:creationId xmlns:a16="http://schemas.microsoft.com/office/drawing/2014/main" id="{2ACE57EB-8F00-D2C3-C68A-BE05B3C6D6E6}"/>
-              </a:ext>
-            </a:extLst>
-          </p:cNvPr>
-          <p:cNvSpPr txBox="1">
-            <a:spLocks/>
-          </p:cNvSpPr>
-          <p:nvPr/>
-        </p:nvSpPr>
-        <p:spPr>
-          <a:xfrm>
-            <a:off x="1497166" y="4354"/>
-            <a:ext cx="6149667" cy="952654"/>
-          </a:xfrm>
-          <a:prstGeom prst="rect">
-            <a:avLst/>
-          </a:prstGeom>
-        </p:spPr>
-        <p:txBody>
-          <a:bodyPr vert="horz" lIns="91440" tIns="45720" rIns="91440" bIns="45720" rtlCol="0" anchor="ctr">
-            <a:normAutofit/>
-          </a:bodyPr>
-          <a:lstStyle>
-            <a:lvl1pPr algn="ctr" defTabSz="457200" rtl="0" eaLnBrk="1" latinLnBrk="0" hangingPunct="1">
-              <a:spcBef>
-                <a:spcPct val="0"/>
-              </a:spcBef>
-              <a:buNone/>
-              <a:defRPr sz="4400" kern="1200">
-                <a:solidFill>
-                  <a:schemeClr val="tx1"/>
-                </a:solidFill>
-                <a:latin typeface="+mj-lt"/>
-                <a:ea typeface="+mj-ea"/>
-                <a:cs typeface="+mj-cs"/>
-              </a:defRPr>
-            </a:lvl1pPr>
-          </a:lstStyle>
-          <a:p>
-            <a:r>
-              <a:rPr lang="en-US" sz="4000" dirty="0">
-                <a:latin typeface="Rockwell" panose="02060603020205020403" pitchFamily="18" charset="0"/>
-              </a:rPr>
-              <a:t>Minimum st-cuts</a:t>
-            </a:r>
-          </a:p>
-        </p:txBody>
-      </p:sp>
-      <p:sp>
-        <p:nvSpPr>
-          <p:cNvPr id="2" name="Content Placeholder 2">
-            <a:extLst>
-              <a:ext uri="{FF2B5EF4-FFF2-40B4-BE49-F238E27FC236}">
-                <a16:creationId xmlns:a16="http://schemas.microsoft.com/office/drawing/2014/main" id="{D455CD91-F6D6-56F4-4714-27AD36F6030B}"/>
-              </a:ext>
-            </a:extLst>
-          </p:cNvPr>
-          <p:cNvSpPr txBox="1">
-            <a:spLocks/>
-          </p:cNvSpPr>
-          <p:nvPr/>
-        </p:nvSpPr>
-        <p:spPr>
-          <a:xfrm>
-            <a:off x="28302" y="926528"/>
-            <a:ext cx="4772297" cy="5486400"/>
-          </a:xfrm>
-          <a:prstGeom prst="rect">
-            <a:avLst/>
-          </a:prstGeom>
-        </p:spPr>
-        <p:txBody>
-          <a:bodyPr vert="horz" lIns="91440" tIns="45720" rIns="91440" bIns="45720" rtlCol="0">
-            <a:normAutofit fontScale="70000" lnSpcReduction="20000"/>
-          </a:bodyPr>
-          <a:lstStyle>
-            <a:lvl1pPr marL="342900" indent="-342900" algn="l" defTabSz="457200" rtl="0" eaLnBrk="1" latinLnBrk="0" hangingPunct="1">
-              <a:spcBef>
-                <a:spcPct val="20000"/>
-              </a:spcBef>
-              <a:buFont typeface="Arial"/>
-              <a:buChar char="•"/>
-              <a:defRPr sz="3200" kern="1200">
-                <a:solidFill>
-                  <a:schemeClr val="tx1"/>
-                </a:solidFill>
-                <a:latin typeface="+mn-lt"/>
-                <a:ea typeface="+mn-ea"/>
-                <a:cs typeface="+mn-cs"/>
-              </a:defRPr>
-            </a:lvl1pPr>
-            <a:lvl2pPr marL="742950" indent="-285750" algn="l" defTabSz="457200" rtl="0" eaLnBrk="1" latinLnBrk="0" hangingPunct="1">
-              <a:spcBef>
-                <a:spcPct val="20000"/>
-              </a:spcBef>
-              <a:buFont typeface="Arial"/>
-              <a:buChar char="–"/>
-              <a:defRPr sz="2800" kern="1200">
-                <a:solidFill>
-                  <a:schemeClr val="tx1"/>
-                </a:solidFill>
-                <a:latin typeface="+mn-lt"/>
-                <a:ea typeface="+mn-ea"/>
-                <a:cs typeface="+mn-cs"/>
-              </a:defRPr>
-            </a:lvl2pPr>
-            <a:lvl3pPr marL="1143000" indent="-228600" algn="l" defTabSz="457200" rtl="0" eaLnBrk="1" latinLnBrk="0" hangingPunct="1">
-              <a:spcBef>
-                <a:spcPct val="20000"/>
-              </a:spcBef>
-              <a:buFont typeface="Arial"/>
-              <a:buChar char="•"/>
-              <a:defRPr sz="2400" kern="1200">
-                <a:solidFill>
-                  <a:schemeClr val="tx1"/>
-                </a:solidFill>
-                <a:latin typeface="+mn-lt"/>
-                <a:ea typeface="+mn-ea"/>
-                <a:cs typeface="+mn-cs"/>
-              </a:defRPr>
-            </a:lvl3pPr>
-            <a:lvl4pPr marL="1600200" indent="-228600" algn="l" defTabSz="457200" rtl="0" eaLnBrk="1" latinLnBrk="0" hangingPunct="1">
-              <a:spcBef>
-                <a:spcPct val="20000"/>
-              </a:spcBef>
-              <a:buFont typeface="Arial"/>
-              <a:buChar char="–"/>
-              <a:defRPr sz="2000" kern="1200">
-                <a:solidFill>
-                  <a:schemeClr val="tx1"/>
-                </a:solidFill>
-                <a:latin typeface="+mn-lt"/>
-                <a:ea typeface="+mn-ea"/>
-                <a:cs typeface="+mn-cs"/>
-              </a:defRPr>
-            </a:lvl4pPr>
-            <a:lvl5pPr marL="2057400" indent="-228600" algn="l" defTabSz="457200" rtl="0" eaLnBrk="1" latinLnBrk="0" hangingPunct="1">
-              <a:spcBef>
-                <a:spcPct val="20000"/>
-              </a:spcBef>
-              <a:buFont typeface="Arial"/>
-              <a:buChar char="»"/>
-              <a:defRPr sz="2000" kern="1200">
-                <a:solidFill>
-                  <a:schemeClr val="tx1"/>
-                </a:solidFill>
-                <a:latin typeface="+mn-lt"/>
-                <a:ea typeface="+mn-ea"/>
-                <a:cs typeface="+mn-cs"/>
-              </a:defRPr>
-            </a:lvl5pPr>
-            <a:lvl6pPr marL="2514600" indent="-228600" algn="l" defTabSz="457200" rtl="0" eaLnBrk="1" latinLnBrk="0" hangingPunct="1">
-              <a:spcBef>
-                <a:spcPct val="20000"/>
-              </a:spcBef>
-              <a:buFont typeface="Arial"/>
-              <a:buChar char="•"/>
-              <a:defRPr sz="2000" kern="1200">
-                <a:solidFill>
-                  <a:schemeClr val="tx1"/>
-                </a:solidFill>
-                <a:latin typeface="+mn-lt"/>
-                <a:ea typeface="+mn-ea"/>
-                <a:cs typeface="+mn-cs"/>
-              </a:defRPr>
-            </a:lvl6pPr>
-            <a:lvl7pPr marL="2971800" indent="-228600" algn="l" defTabSz="457200" rtl="0" eaLnBrk="1" latinLnBrk="0" hangingPunct="1">
-              <a:spcBef>
-                <a:spcPct val="20000"/>
-              </a:spcBef>
-              <a:buFont typeface="Arial"/>
-              <a:buChar char="•"/>
-              <a:defRPr sz="2000" kern="1200">
-                <a:solidFill>
-                  <a:schemeClr val="tx1"/>
-                </a:solidFill>
-                <a:latin typeface="+mn-lt"/>
-                <a:ea typeface="+mn-ea"/>
-                <a:cs typeface="+mn-cs"/>
-              </a:defRPr>
-            </a:lvl7pPr>
-            <a:lvl8pPr marL="3429000" indent="-228600" algn="l" defTabSz="457200" rtl="0" eaLnBrk="1" latinLnBrk="0" hangingPunct="1">
-              <a:spcBef>
-                <a:spcPct val="20000"/>
-              </a:spcBef>
-              <a:buFont typeface="Arial"/>
-              <a:buChar char="•"/>
-              <a:defRPr sz="2000" kern="1200">
-                <a:solidFill>
-                  <a:schemeClr val="tx1"/>
-                </a:solidFill>
-                <a:latin typeface="+mn-lt"/>
-                <a:ea typeface="+mn-ea"/>
-                <a:cs typeface="+mn-cs"/>
-              </a:defRPr>
-            </a:lvl8pPr>
-            <a:lvl9pPr marL="3886200" indent="-228600" algn="l" defTabSz="457200" rtl="0" eaLnBrk="1" latinLnBrk="0" hangingPunct="1">
-              <a:spcBef>
-                <a:spcPct val="20000"/>
-              </a:spcBef>
-              <a:buFont typeface="Arial"/>
-              <a:buChar char="•"/>
-              <a:defRPr sz="2000" kern="1200">
-                <a:solidFill>
-                  <a:schemeClr val="tx1"/>
-                </a:solidFill>
-                <a:latin typeface="+mn-lt"/>
-                <a:ea typeface="+mn-ea"/>
-                <a:cs typeface="+mn-cs"/>
-              </a:defRPr>
-            </a:lvl9pPr>
-          </a:lstStyle>
-          <a:p>
-            <a:r>
-              <a:rPr lang="en-US" sz="2800" dirty="0">
-                <a:latin typeface="Bookman Old Style" panose="02050604050505020204" pitchFamily="18" charset="0"/>
-              </a:rPr>
-              <a:t>The minimum st-cut is the st-cut where the cut capacity is minimized.</a:t>
-            </a:r>
-          </a:p>
-          <a:p>
-            <a:r>
-              <a:rPr lang="en-US" sz="2800" dirty="0">
-                <a:latin typeface="Bookman Old Style" panose="02050604050505020204" pitchFamily="18" charset="0"/>
-              </a:rPr>
-              <a:t>Importantly, it has been proven that the minimum st-cut value is equal to the maximum flow through the flow network. This means finding one value helps find the other.</a:t>
-            </a:r>
-          </a:p>
-          <a:p>
-            <a:r>
-              <a:rPr lang="en-US" sz="2800" dirty="0">
-                <a:latin typeface="Bookman Old Style" panose="02050604050505020204" pitchFamily="18" charset="0"/>
-              </a:rPr>
-              <a:t>In Goldberg’s algorithm, finding the minimum st-cut is an important step, and a Breadth First Search that pushes as much flow down every path possible is used to find the maximum flow. And by taking the st-cut of this max flow graph, the minimum st-cut is found.</a:t>
-            </a:r>
-          </a:p>
-        </p:txBody>
-      </p:sp>
-      <p:pic>
-        <p:nvPicPr>
-          <p:cNvPr id="10" name="Picture 9" descr="A blue circles with red line and white text&#10;&#10;AI-generated content may be incorrect.">
-            <a:extLst>
-              <a:ext uri="{FF2B5EF4-FFF2-40B4-BE49-F238E27FC236}">
-                <a16:creationId xmlns:a16="http://schemas.microsoft.com/office/drawing/2014/main" id="{4307B9C0-1B42-7D96-4001-2FCBDFBD04EF}"/>
-              </a:ext>
-            </a:extLst>
-          </p:cNvPr>
-          <p:cNvPicPr>
-            <a:picLocks noChangeAspect="1"/>
-          </p:cNvPicPr>
-          <p:nvPr/>
-        </p:nvPicPr>
-        <p:blipFill>
-          <a:blip r:embed="rId2">
-            <a:extLst>
-              <a:ext uri="{28A0092B-C50C-407E-A947-70E740481C1C}">
-                <a14:useLocalDpi xmlns:a14="http://schemas.microsoft.com/office/drawing/2010/main" val="0"/>
-              </a:ext>
-            </a:extLst>
-          </a:blip>
-          <a:stretch>
-            <a:fillRect/>
-          </a:stretch>
-        </p:blipFill>
-        <p:spPr>
-          <a:xfrm>
-            <a:off x="3657600" y="838200"/>
-            <a:ext cx="6324600" cy="4743451"/>
-          </a:xfrm>
-          <a:prstGeom prst="rect">
-            <a:avLst/>
-          </a:prstGeom>
-        </p:spPr>
-      </p:pic>
-    </p:spTree>
-    <p:extLst>
-      <p:ext uri="{BB962C8B-B14F-4D97-AF65-F5344CB8AC3E}">
-        <p14:creationId xmlns:p14="http://schemas.microsoft.com/office/powerpoint/2010/main" val="171661472"/>
-      </p:ext>
-    </p:extLst>
-  </p:cSld>
-  <p:clrMapOvr>
-    <a:masterClrMapping/>
-  </p:clrMapOvr>
-</p:sld>
-</file>
-
-<file path=ppt/slides/slide19.xml><?xml version="1.0" encoding="utf-8"?>
-<p:sld xmlns:a="http://schemas.openxmlformats.org/drawingml/2006/main" xmlns:r="http://schemas.openxmlformats.org/officeDocument/2006/relationships" xmlns:p="http://schemas.openxmlformats.org/presentationml/2006/main">
-  <p:cSld>
-    <p:spTree>
-      <p:nvGrpSpPr>
-        <p:cNvPr id="1" name="">
-          <a:extLst>
-            <a:ext uri="{FF2B5EF4-FFF2-40B4-BE49-F238E27FC236}">
-              <a16:creationId xmlns:a16="http://schemas.microsoft.com/office/drawing/2014/main" id="{F57B0E0D-D048-E8B1-8961-D9659DEEFEA1}"/>
-            </a:ext>
-          </a:extLst>
-        </p:cNvPr>
-        <p:cNvGrpSpPr/>
-        <p:nvPr/>
-      </p:nvGrpSpPr>
-      <p:grpSpPr>
-        <a:xfrm>
-          <a:off x="0" y="0"/>
-          <a:ext cx="0" cy="0"/>
-          <a:chOff x="0" y="0"/>
-          <a:chExt cx="0" cy="0"/>
-        </a:xfrm>
-      </p:grpSpPr>
-      <p:sp>
-        <p:nvSpPr>
-          <p:cNvPr id="4" name="Title 1">
-            <a:extLst>
-              <a:ext uri="{FF2B5EF4-FFF2-40B4-BE49-F238E27FC236}">
-                <a16:creationId xmlns:a16="http://schemas.microsoft.com/office/drawing/2014/main" id="{785EFA7A-9CBB-52ED-91BB-17D87942AF6A}"/>
+                <a16:creationId xmlns:a16="http://schemas.microsoft.com/office/drawing/2014/main" id="{0CAFA64A-E586-AF29-8125-6E51106686E7}"/>
               </a:ext>
             </a:extLst>
           </p:cNvPr>
@@ -7059,19 +6130,7 @@
               <a:rPr lang="en-US" sz="4000" dirty="0">
                 <a:latin typeface="Rockwell" panose="02060603020205020403" pitchFamily="18" charset="0"/>
               </a:rPr>
-              <a:t>Goldberg’s </a:t>
-            </a:r>
-            <a:r>
-              <a:rPr lang="en-US" sz="4000">
-                <a:latin typeface="Rockwell" panose="02060603020205020403" pitchFamily="18" charset="0"/>
-              </a:rPr>
-              <a:t>Maximum Flow-Based </a:t>
-            </a:r>
-            <a:r>
-              <a:rPr lang="en-US" sz="4000" dirty="0">
-                <a:latin typeface="Rockwell" panose="02060603020205020403" pitchFamily="18" charset="0"/>
-              </a:rPr>
-              <a:t>Algorithm</a:t>
+              <a:t>Pruning and Decomposition</a:t>
             </a:r>
           </a:p>
         </p:txBody>
@@ -7081,7 +6140,7 @@
           <p:cNvPr id="2" name="Content Placeholder 2">
             <a:extLst>
               <a:ext uri="{FF2B5EF4-FFF2-40B4-BE49-F238E27FC236}">
-                <a16:creationId xmlns:a16="http://schemas.microsoft.com/office/drawing/2014/main" id="{244D4B56-ACF7-D4BE-64DD-2989592856BA}"/>
+                <a16:creationId xmlns:a16="http://schemas.microsoft.com/office/drawing/2014/main" id="{7D339860-5462-C269-1B51-1090B6AD9766}"/>
               </a:ext>
             </a:extLst>
           </p:cNvPr>
@@ -7093,7 +6152,7 @@
         <p:spPr>
           <a:xfrm>
             <a:off x="228600" y="1434946"/>
-            <a:ext cx="5135120" cy="4545011"/>
+            <a:ext cx="8686800" cy="4545011"/>
           </a:xfrm>
           <a:prstGeom prst="rect">
             <a:avLst/>
@@ -7245,15 +6304,1164 @@
               <a:rPr lang="en-US" sz="2800" dirty="0">
                 <a:latin typeface="Bookman Old Style" panose="02050604050505020204" pitchFamily="18" charset="0"/>
               </a:rPr>
-              <a:t>text</a:t>
-            </a:r>
+              <a:t>The first major step of CoreExact is pruning down the input graph. Smaller graphs are processed more quickly, so reducing the input graph to a smaller graph (or graphs) will make the search for the densest subgraph quicker.</a:t>
+            </a:r>
+          </a:p>
+          <a:p>
+            <a:r>
+              <a:rPr lang="en-US" sz="2800" dirty="0">
+                <a:latin typeface="Bookman Old Style" panose="02050604050505020204" pitchFamily="18" charset="0"/>
+              </a:rPr>
+              <a:t>This is done in two main steps, finding the densest k-core and breaking that down into connected components.</a:t>
+            </a:r>
+          </a:p>
+          <a:p>
+            <a:endParaRPr lang="en-US" sz="2800" dirty="0">
+              <a:latin typeface="Bookman Old Style" panose="02050604050505020204" pitchFamily="18" charset="0"/>
+            </a:endParaRPr>
+          </a:p>
+          <a:p>
+            <a:endParaRPr lang="en-US" sz="2800" dirty="0">
+              <a:latin typeface="Bookman Old Style" panose="02050604050505020204" pitchFamily="18" charset="0"/>
+            </a:endParaRPr>
           </a:p>
         </p:txBody>
       </p:sp>
     </p:spTree>
     <p:extLst>
       <p:ext uri="{BB962C8B-B14F-4D97-AF65-F5344CB8AC3E}">
-        <p14:creationId xmlns:p14="http://schemas.microsoft.com/office/powerpoint/2010/main" val="2612717184"/>
+        <p14:creationId xmlns:p14="http://schemas.microsoft.com/office/powerpoint/2010/main" val="1966751944"/>
+      </p:ext>
+    </p:extLst>
+  </p:cSld>
+  <p:clrMapOvr>
+    <a:masterClrMapping/>
+  </p:clrMapOvr>
+</p:sld>
+</file>
+
+<file path=ppt/slides/slide17.xml><?xml version="1.0" encoding="utf-8"?>
+<p:sld xmlns:a="http://schemas.openxmlformats.org/drawingml/2006/main" xmlns:r="http://schemas.openxmlformats.org/officeDocument/2006/relationships" xmlns:p="http://schemas.openxmlformats.org/presentationml/2006/main">
+  <p:cSld>
+    <p:spTree>
+      <p:nvGrpSpPr>
+        <p:cNvPr id="1" name="">
+          <a:extLst>
+            <a:ext uri="{FF2B5EF4-FFF2-40B4-BE49-F238E27FC236}">
+              <a16:creationId xmlns:a16="http://schemas.microsoft.com/office/drawing/2014/main" id="{141DF175-149F-A2E1-71B8-2063395BCA90}"/>
+            </a:ext>
+          </a:extLst>
+        </p:cNvPr>
+        <p:cNvGrpSpPr/>
+        <p:nvPr/>
+      </p:nvGrpSpPr>
+      <p:grpSpPr>
+        <a:xfrm>
+          <a:off x="0" y="0"/>
+          <a:ext cx="0" cy="0"/>
+          <a:chOff x="0" y="0"/>
+          <a:chExt cx="0" cy="0"/>
+        </a:xfrm>
+      </p:grpSpPr>
+      <p:sp>
+        <p:nvSpPr>
+          <p:cNvPr id="4" name="Title 1">
+            <a:extLst>
+              <a:ext uri="{FF2B5EF4-FFF2-40B4-BE49-F238E27FC236}">
+                <a16:creationId xmlns:a16="http://schemas.microsoft.com/office/drawing/2014/main" id="{0A372C7B-E00D-434A-5A90-69E90139386D}"/>
+              </a:ext>
+            </a:extLst>
+          </p:cNvPr>
+          <p:cNvSpPr txBox="1">
+            <a:spLocks/>
+          </p:cNvSpPr>
+          <p:nvPr/>
+        </p:nvSpPr>
+        <p:spPr>
+          <a:xfrm>
+            <a:off x="1497166" y="114146"/>
+            <a:ext cx="6149667" cy="1320800"/>
+          </a:xfrm>
+          <a:prstGeom prst="rect">
+            <a:avLst/>
+          </a:prstGeom>
+        </p:spPr>
+        <p:txBody>
+          <a:bodyPr vert="horz" lIns="91440" tIns="45720" rIns="91440" bIns="45720" rtlCol="0" anchor="ctr">
+            <a:normAutofit/>
+          </a:bodyPr>
+          <a:lstStyle>
+            <a:lvl1pPr algn="ctr" defTabSz="457200" rtl="0" eaLnBrk="1" latinLnBrk="0" hangingPunct="1">
+              <a:spcBef>
+                <a:spcPct val="0"/>
+              </a:spcBef>
+              <a:buNone/>
+              <a:defRPr sz="4400" kern="1200">
+                <a:solidFill>
+                  <a:schemeClr val="tx1"/>
+                </a:solidFill>
+                <a:latin typeface="+mj-lt"/>
+                <a:ea typeface="+mj-ea"/>
+                <a:cs typeface="+mj-cs"/>
+              </a:defRPr>
+            </a:lvl1pPr>
+          </a:lstStyle>
+          <a:p>
+            <a:r>
+              <a:rPr lang="en-US" sz="4000" dirty="0">
+                <a:latin typeface="Rockwell" panose="02060603020205020403" pitchFamily="18" charset="0"/>
+              </a:rPr>
+              <a:t>DAG (Directed Acyclic Graph) Generation</a:t>
+            </a:r>
+          </a:p>
+        </p:txBody>
+      </p:sp>
+      <p:sp>
+        <p:nvSpPr>
+          <p:cNvPr id="2" name="Content Placeholder 2">
+            <a:extLst>
+              <a:ext uri="{FF2B5EF4-FFF2-40B4-BE49-F238E27FC236}">
+                <a16:creationId xmlns:a16="http://schemas.microsoft.com/office/drawing/2014/main" id="{EB89149A-7258-174E-2FC6-B27C28049C1A}"/>
+              </a:ext>
+            </a:extLst>
+          </p:cNvPr>
+          <p:cNvSpPr txBox="1">
+            <a:spLocks/>
+          </p:cNvSpPr>
+          <p:nvPr/>
+        </p:nvSpPr>
+        <p:spPr>
+          <a:xfrm>
+            <a:off x="0" y="1434946"/>
+            <a:ext cx="5334000" cy="4889654"/>
+          </a:xfrm>
+          <a:prstGeom prst="rect">
+            <a:avLst/>
+          </a:prstGeom>
+        </p:spPr>
+        <p:txBody>
+          <a:bodyPr vert="horz" lIns="91440" tIns="45720" rIns="91440" bIns="45720" rtlCol="0">
+            <a:normAutofit fontScale="70000" lnSpcReduction="20000"/>
+          </a:bodyPr>
+          <a:lstStyle>
+            <a:lvl1pPr marL="342900" indent="-342900" algn="l" defTabSz="457200" rtl="0" eaLnBrk="1" latinLnBrk="0" hangingPunct="1">
+              <a:spcBef>
+                <a:spcPct val="20000"/>
+              </a:spcBef>
+              <a:buFont typeface="Arial"/>
+              <a:buChar char="•"/>
+              <a:defRPr sz="3200" kern="1200">
+                <a:solidFill>
+                  <a:schemeClr val="tx1"/>
+                </a:solidFill>
+                <a:latin typeface="+mn-lt"/>
+                <a:ea typeface="+mn-ea"/>
+                <a:cs typeface="+mn-cs"/>
+              </a:defRPr>
+            </a:lvl1pPr>
+            <a:lvl2pPr marL="742950" indent="-285750" algn="l" defTabSz="457200" rtl="0" eaLnBrk="1" latinLnBrk="0" hangingPunct="1">
+              <a:spcBef>
+                <a:spcPct val="20000"/>
+              </a:spcBef>
+              <a:buFont typeface="Arial"/>
+              <a:buChar char="–"/>
+              <a:defRPr sz="2800" kern="1200">
+                <a:solidFill>
+                  <a:schemeClr val="tx1"/>
+                </a:solidFill>
+                <a:latin typeface="+mn-lt"/>
+                <a:ea typeface="+mn-ea"/>
+                <a:cs typeface="+mn-cs"/>
+              </a:defRPr>
+            </a:lvl2pPr>
+            <a:lvl3pPr marL="1143000" indent="-228600" algn="l" defTabSz="457200" rtl="0" eaLnBrk="1" latinLnBrk="0" hangingPunct="1">
+              <a:spcBef>
+                <a:spcPct val="20000"/>
+              </a:spcBef>
+              <a:buFont typeface="Arial"/>
+              <a:buChar char="•"/>
+              <a:defRPr sz="2400" kern="1200">
+                <a:solidFill>
+                  <a:schemeClr val="tx1"/>
+                </a:solidFill>
+                <a:latin typeface="+mn-lt"/>
+                <a:ea typeface="+mn-ea"/>
+                <a:cs typeface="+mn-cs"/>
+              </a:defRPr>
+            </a:lvl3pPr>
+            <a:lvl4pPr marL="1600200" indent="-228600" algn="l" defTabSz="457200" rtl="0" eaLnBrk="1" latinLnBrk="0" hangingPunct="1">
+              <a:spcBef>
+                <a:spcPct val="20000"/>
+              </a:spcBef>
+              <a:buFont typeface="Arial"/>
+              <a:buChar char="–"/>
+              <a:defRPr sz="2000" kern="1200">
+                <a:solidFill>
+                  <a:schemeClr val="tx1"/>
+                </a:solidFill>
+                <a:latin typeface="+mn-lt"/>
+                <a:ea typeface="+mn-ea"/>
+                <a:cs typeface="+mn-cs"/>
+              </a:defRPr>
+            </a:lvl4pPr>
+            <a:lvl5pPr marL="2057400" indent="-228600" algn="l" defTabSz="457200" rtl="0" eaLnBrk="1" latinLnBrk="0" hangingPunct="1">
+              <a:spcBef>
+                <a:spcPct val="20000"/>
+              </a:spcBef>
+              <a:buFont typeface="Arial"/>
+              <a:buChar char="»"/>
+              <a:defRPr sz="2000" kern="1200">
+                <a:solidFill>
+                  <a:schemeClr val="tx1"/>
+                </a:solidFill>
+                <a:latin typeface="+mn-lt"/>
+                <a:ea typeface="+mn-ea"/>
+                <a:cs typeface="+mn-cs"/>
+              </a:defRPr>
+            </a:lvl5pPr>
+            <a:lvl6pPr marL="2514600" indent="-228600" algn="l" defTabSz="457200" rtl="0" eaLnBrk="1" latinLnBrk="0" hangingPunct="1">
+              <a:spcBef>
+                <a:spcPct val="20000"/>
+              </a:spcBef>
+              <a:buFont typeface="Arial"/>
+              <a:buChar char="•"/>
+              <a:defRPr sz="2000" kern="1200">
+                <a:solidFill>
+                  <a:schemeClr val="tx1"/>
+                </a:solidFill>
+                <a:latin typeface="+mn-lt"/>
+                <a:ea typeface="+mn-ea"/>
+                <a:cs typeface="+mn-cs"/>
+              </a:defRPr>
+            </a:lvl6pPr>
+            <a:lvl7pPr marL="2971800" indent="-228600" algn="l" defTabSz="457200" rtl="0" eaLnBrk="1" latinLnBrk="0" hangingPunct="1">
+              <a:spcBef>
+                <a:spcPct val="20000"/>
+              </a:spcBef>
+              <a:buFont typeface="Arial"/>
+              <a:buChar char="•"/>
+              <a:defRPr sz="2000" kern="1200">
+                <a:solidFill>
+                  <a:schemeClr val="tx1"/>
+                </a:solidFill>
+                <a:latin typeface="+mn-lt"/>
+                <a:ea typeface="+mn-ea"/>
+                <a:cs typeface="+mn-cs"/>
+              </a:defRPr>
+            </a:lvl7pPr>
+            <a:lvl8pPr marL="3429000" indent="-228600" algn="l" defTabSz="457200" rtl="0" eaLnBrk="1" latinLnBrk="0" hangingPunct="1">
+              <a:spcBef>
+                <a:spcPct val="20000"/>
+              </a:spcBef>
+              <a:buFont typeface="Arial"/>
+              <a:buChar char="•"/>
+              <a:defRPr sz="2000" kern="1200">
+                <a:solidFill>
+                  <a:schemeClr val="tx1"/>
+                </a:solidFill>
+                <a:latin typeface="+mn-lt"/>
+                <a:ea typeface="+mn-ea"/>
+                <a:cs typeface="+mn-cs"/>
+              </a:defRPr>
+            </a:lvl8pPr>
+            <a:lvl9pPr marL="3886200" indent="-228600" algn="l" defTabSz="457200" rtl="0" eaLnBrk="1" latinLnBrk="0" hangingPunct="1">
+              <a:spcBef>
+                <a:spcPct val="20000"/>
+              </a:spcBef>
+              <a:buFont typeface="Arial"/>
+              <a:buChar char="•"/>
+              <a:defRPr sz="2000" kern="1200">
+                <a:solidFill>
+                  <a:schemeClr val="tx1"/>
+                </a:solidFill>
+                <a:latin typeface="+mn-lt"/>
+                <a:ea typeface="+mn-ea"/>
+                <a:cs typeface="+mn-cs"/>
+              </a:defRPr>
+            </a:lvl9pPr>
+          </a:lstStyle>
+          <a:p>
+            <a:r>
+              <a:rPr lang="en-US" sz="2800" dirty="0">
+                <a:latin typeface="Bookman Old Style" panose="02050604050505020204" pitchFamily="18" charset="0"/>
+              </a:rPr>
+              <a:t>Before the algorithm can start, every motif/clique instance must be found. Finding edge-based degrees of all vertices is also necessary, but the runtime is negligible.</a:t>
+            </a:r>
+          </a:p>
+          <a:p>
+            <a:r>
+              <a:rPr lang="en-US" sz="2800" dirty="0">
+                <a:latin typeface="Bookman Old Style" panose="02050604050505020204" pitchFamily="18" charset="0"/>
+              </a:rPr>
+              <a:t>To do so, a DAG (directed acyclic graph) must be constructed. Finding motifs requires branching down all possible paths, meaning loops would cause issues. But DAGs are designed to have no loops.</a:t>
+            </a:r>
+          </a:p>
+          <a:p>
+            <a:r>
+              <a:rPr lang="en-US" sz="2800" dirty="0">
+                <a:latin typeface="Bookman Old Style" panose="02050604050505020204" pitchFamily="18" charset="0"/>
+              </a:rPr>
+              <a:t>In CoreExact, the DAG design is such that all edges are now directed from higher core value to lower core value (with those of the same core value being determined by the order they were removed during edge decomposition).</a:t>
+            </a:r>
+          </a:p>
+        </p:txBody>
+      </p:sp>
+      <p:pic>
+        <p:nvPicPr>
+          <p:cNvPr id="5" name="Picture 4" descr="A group of blue circles with letters on a black background&#10;&#10;AI-generated content may be incorrect.">
+            <a:extLst>
+              <a:ext uri="{FF2B5EF4-FFF2-40B4-BE49-F238E27FC236}">
+                <a16:creationId xmlns:a16="http://schemas.microsoft.com/office/drawing/2014/main" id="{284F5536-C6CA-548A-13BC-AB26F9A1C64F}"/>
+              </a:ext>
+            </a:extLst>
+          </p:cNvPr>
+          <p:cNvPicPr>
+            <a:picLocks noChangeAspect="1"/>
+          </p:cNvPicPr>
+          <p:nvPr/>
+        </p:nvPicPr>
+        <p:blipFill>
+          <a:blip r:embed="rId2">
+            <a:extLst>
+              <a:ext uri="{28A0092B-C50C-407E-A947-70E740481C1C}">
+                <a14:useLocalDpi xmlns:a14="http://schemas.microsoft.com/office/drawing/2010/main" val="0"/>
+              </a:ext>
+            </a:extLst>
+          </a:blip>
+          <a:srcRect l="31818" r="7955" b="25545"/>
+          <a:stretch>
+            <a:fillRect/>
+          </a:stretch>
+        </p:blipFill>
+        <p:spPr>
+          <a:xfrm>
+            <a:off x="5023214" y="1437123"/>
+            <a:ext cx="4120786" cy="3820677"/>
+          </a:xfrm>
+          <a:prstGeom prst="rect">
+            <a:avLst/>
+          </a:prstGeom>
+        </p:spPr>
+      </p:pic>
+    </p:spTree>
+    <p:extLst>
+      <p:ext uri="{BB962C8B-B14F-4D97-AF65-F5344CB8AC3E}">
+        <p14:creationId xmlns:p14="http://schemas.microsoft.com/office/powerpoint/2010/main" val="1068772312"/>
+      </p:ext>
+    </p:extLst>
+  </p:cSld>
+  <p:clrMapOvr>
+    <a:masterClrMapping/>
+  </p:clrMapOvr>
+</p:sld>
+</file>
+
+<file path=ppt/slides/slide18.xml><?xml version="1.0" encoding="utf-8"?>
+<p:sld xmlns:a="http://schemas.openxmlformats.org/drawingml/2006/main" xmlns:r="http://schemas.openxmlformats.org/officeDocument/2006/relationships" xmlns:p="http://schemas.openxmlformats.org/presentationml/2006/main">
+  <p:cSld>
+    <p:spTree>
+      <p:nvGrpSpPr>
+        <p:cNvPr id="1" name="">
+          <a:extLst>
+            <a:ext uri="{FF2B5EF4-FFF2-40B4-BE49-F238E27FC236}">
+              <a16:creationId xmlns:a16="http://schemas.microsoft.com/office/drawing/2014/main" id="{5AC0D603-703B-78FA-F7CC-13D0AF95B6FC}"/>
+            </a:ext>
+          </a:extLst>
+        </p:cNvPr>
+        <p:cNvGrpSpPr/>
+        <p:nvPr/>
+      </p:nvGrpSpPr>
+      <p:grpSpPr>
+        <a:xfrm>
+          <a:off x="0" y="0"/>
+          <a:ext cx="0" cy="0"/>
+          <a:chOff x="0" y="0"/>
+          <a:chExt cx="0" cy="0"/>
+        </a:xfrm>
+      </p:grpSpPr>
+      <p:sp>
+        <p:nvSpPr>
+          <p:cNvPr id="4" name="Title 1">
+            <a:extLst>
+              <a:ext uri="{FF2B5EF4-FFF2-40B4-BE49-F238E27FC236}">
+                <a16:creationId xmlns:a16="http://schemas.microsoft.com/office/drawing/2014/main" id="{1E9797FF-41CB-CBFD-0047-F0597C937D13}"/>
+              </a:ext>
+            </a:extLst>
+          </p:cNvPr>
+          <p:cNvSpPr txBox="1">
+            <a:spLocks/>
+          </p:cNvSpPr>
+          <p:nvPr/>
+        </p:nvSpPr>
+        <p:spPr>
+          <a:xfrm>
+            <a:off x="786683" y="0"/>
+            <a:ext cx="7570633" cy="952654"/>
+          </a:xfrm>
+          <a:prstGeom prst="rect">
+            <a:avLst/>
+          </a:prstGeom>
+        </p:spPr>
+        <p:txBody>
+          <a:bodyPr vert="horz" lIns="91440" tIns="45720" rIns="91440" bIns="45720" rtlCol="0" anchor="ctr">
+            <a:normAutofit/>
+          </a:bodyPr>
+          <a:lstStyle>
+            <a:lvl1pPr algn="ctr" defTabSz="457200" rtl="0" eaLnBrk="1" latinLnBrk="0" hangingPunct="1">
+              <a:spcBef>
+                <a:spcPct val="0"/>
+              </a:spcBef>
+              <a:buNone/>
+              <a:defRPr sz="4400" kern="1200">
+                <a:solidFill>
+                  <a:schemeClr val="tx1"/>
+                </a:solidFill>
+                <a:latin typeface="+mj-lt"/>
+                <a:ea typeface="+mj-ea"/>
+                <a:cs typeface="+mj-cs"/>
+              </a:defRPr>
+            </a:lvl1pPr>
+          </a:lstStyle>
+          <a:p>
+            <a:r>
+              <a:rPr lang="en-US" sz="4000" dirty="0">
+                <a:latin typeface="Rockwell" panose="02060603020205020403" pitchFamily="18" charset="0"/>
+              </a:rPr>
+              <a:t>Finding All Motifs in the Graph</a:t>
+            </a:r>
+          </a:p>
+        </p:txBody>
+      </p:sp>
+      <p:sp>
+        <p:nvSpPr>
+          <p:cNvPr id="2" name="Content Placeholder 2">
+            <a:extLst>
+              <a:ext uri="{FF2B5EF4-FFF2-40B4-BE49-F238E27FC236}">
+                <a16:creationId xmlns:a16="http://schemas.microsoft.com/office/drawing/2014/main" id="{4ED9D10E-AB5A-FC3F-768F-7DC1467CDFE6}"/>
+              </a:ext>
+            </a:extLst>
+          </p:cNvPr>
+          <p:cNvSpPr txBox="1">
+            <a:spLocks/>
+          </p:cNvSpPr>
+          <p:nvPr/>
+        </p:nvSpPr>
+        <p:spPr>
+          <a:xfrm>
+            <a:off x="228600" y="838200"/>
+            <a:ext cx="8305800" cy="4990946"/>
+          </a:xfrm>
+          <a:prstGeom prst="rect">
+            <a:avLst/>
+          </a:prstGeom>
+        </p:spPr>
+        <p:txBody>
+          <a:bodyPr vert="horz" lIns="91440" tIns="45720" rIns="91440" bIns="45720" rtlCol="0">
+            <a:normAutofit fontScale="92500" lnSpcReduction="10000"/>
+          </a:bodyPr>
+          <a:lstStyle>
+            <a:lvl1pPr marL="342900" indent="-342900" algn="l" defTabSz="457200" rtl="0" eaLnBrk="1" latinLnBrk="0" hangingPunct="1">
+              <a:spcBef>
+                <a:spcPct val="20000"/>
+              </a:spcBef>
+              <a:buFont typeface="Arial"/>
+              <a:buChar char="•"/>
+              <a:defRPr sz="3200" kern="1200">
+                <a:solidFill>
+                  <a:schemeClr val="tx1"/>
+                </a:solidFill>
+                <a:latin typeface="+mn-lt"/>
+                <a:ea typeface="+mn-ea"/>
+                <a:cs typeface="+mn-cs"/>
+              </a:defRPr>
+            </a:lvl1pPr>
+            <a:lvl2pPr marL="742950" indent="-285750" algn="l" defTabSz="457200" rtl="0" eaLnBrk="1" latinLnBrk="0" hangingPunct="1">
+              <a:spcBef>
+                <a:spcPct val="20000"/>
+              </a:spcBef>
+              <a:buFont typeface="Arial"/>
+              <a:buChar char="–"/>
+              <a:defRPr sz="2800" kern="1200">
+                <a:solidFill>
+                  <a:schemeClr val="tx1"/>
+                </a:solidFill>
+                <a:latin typeface="+mn-lt"/>
+                <a:ea typeface="+mn-ea"/>
+                <a:cs typeface="+mn-cs"/>
+              </a:defRPr>
+            </a:lvl2pPr>
+            <a:lvl3pPr marL="1143000" indent="-228600" algn="l" defTabSz="457200" rtl="0" eaLnBrk="1" latinLnBrk="0" hangingPunct="1">
+              <a:spcBef>
+                <a:spcPct val="20000"/>
+              </a:spcBef>
+              <a:buFont typeface="Arial"/>
+              <a:buChar char="•"/>
+              <a:defRPr sz="2400" kern="1200">
+                <a:solidFill>
+                  <a:schemeClr val="tx1"/>
+                </a:solidFill>
+                <a:latin typeface="+mn-lt"/>
+                <a:ea typeface="+mn-ea"/>
+                <a:cs typeface="+mn-cs"/>
+              </a:defRPr>
+            </a:lvl3pPr>
+            <a:lvl4pPr marL="1600200" indent="-228600" algn="l" defTabSz="457200" rtl="0" eaLnBrk="1" latinLnBrk="0" hangingPunct="1">
+              <a:spcBef>
+                <a:spcPct val="20000"/>
+              </a:spcBef>
+              <a:buFont typeface="Arial"/>
+              <a:buChar char="–"/>
+              <a:defRPr sz="2000" kern="1200">
+                <a:solidFill>
+                  <a:schemeClr val="tx1"/>
+                </a:solidFill>
+                <a:latin typeface="+mn-lt"/>
+                <a:ea typeface="+mn-ea"/>
+                <a:cs typeface="+mn-cs"/>
+              </a:defRPr>
+            </a:lvl4pPr>
+            <a:lvl5pPr marL="2057400" indent="-228600" algn="l" defTabSz="457200" rtl="0" eaLnBrk="1" latinLnBrk="0" hangingPunct="1">
+              <a:spcBef>
+                <a:spcPct val="20000"/>
+              </a:spcBef>
+              <a:buFont typeface="Arial"/>
+              <a:buChar char="»"/>
+              <a:defRPr sz="2000" kern="1200">
+                <a:solidFill>
+                  <a:schemeClr val="tx1"/>
+                </a:solidFill>
+                <a:latin typeface="+mn-lt"/>
+                <a:ea typeface="+mn-ea"/>
+                <a:cs typeface="+mn-cs"/>
+              </a:defRPr>
+            </a:lvl5pPr>
+            <a:lvl6pPr marL="2514600" indent="-228600" algn="l" defTabSz="457200" rtl="0" eaLnBrk="1" latinLnBrk="0" hangingPunct="1">
+              <a:spcBef>
+                <a:spcPct val="20000"/>
+              </a:spcBef>
+              <a:buFont typeface="Arial"/>
+              <a:buChar char="•"/>
+              <a:defRPr sz="2000" kern="1200">
+                <a:solidFill>
+                  <a:schemeClr val="tx1"/>
+                </a:solidFill>
+                <a:latin typeface="+mn-lt"/>
+                <a:ea typeface="+mn-ea"/>
+                <a:cs typeface="+mn-cs"/>
+              </a:defRPr>
+            </a:lvl6pPr>
+            <a:lvl7pPr marL="2971800" indent="-228600" algn="l" defTabSz="457200" rtl="0" eaLnBrk="1" latinLnBrk="0" hangingPunct="1">
+              <a:spcBef>
+                <a:spcPct val="20000"/>
+              </a:spcBef>
+              <a:buFont typeface="Arial"/>
+              <a:buChar char="•"/>
+              <a:defRPr sz="2000" kern="1200">
+                <a:solidFill>
+                  <a:schemeClr val="tx1"/>
+                </a:solidFill>
+                <a:latin typeface="+mn-lt"/>
+                <a:ea typeface="+mn-ea"/>
+                <a:cs typeface="+mn-cs"/>
+              </a:defRPr>
+            </a:lvl7pPr>
+            <a:lvl8pPr marL="3429000" indent="-228600" algn="l" defTabSz="457200" rtl="0" eaLnBrk="1" latinLnBrk="0" hangingPunct="1">
+              <a:spcBef>
+                <a:spcPct val="20000"/>
+              </a:spcBef>
+              <a:buFont typeface="Arial"/>
+              <a:buChar char="•"/>
+              <a:defRPr sz="2000" kern="1200">
+                <a:solidFill>
+                  <a:schemeClr val="tx1"/>
+                </a:solidFill>
+                <a:latin typeface="+mn-lt"/>
+                <a:ea typeface="+mn-ea"/>
+                <a:cs typeface="+mn-cs"/>
+              </a:defRPr>
+            </a:lvl8pPr>
+            <a:lvl9pPr marL="3886200" indent="-228600" algn="l" defTabSz="457200" rtl="0" eaLnBrk="1" latinLnBrk="0" hangingPunct="1">
+              <a:spcBef>
+                <a:spcPct val="20000"/>
+              </a:spcBef>
+              <a:buFont typeface="Arial"/>
+              <a:buChar char="•"/>
+              <a:defRPr sz="2000" kern="1200">
+                <a:solidFill>
+                  <a:schemeClr val="tx1"/>
+                </a:solidFill>
+                <a:latin typeface="+mn-lt"/>
+                <a:ea typeface="+mn-ea"/>
+                <a:cs typeface="+mn-cs"/>
+              </a:defRPr>
+            </a:lvl9pPr>
+          </a:lstStyle>
+          <a:p>
+            <a:r>
+              <a:rPr lang="en-US" sz="2800" dirty="0">
+                <a:latin typeface="Bookman Old Style" panose="02050604050505020204" pitchFamily="18" charset="0"/>
+              </a:rPr>
+              <a:t>The process for finding motif/clique instances is done recursively.</a:t>
+            </a:r>
+          </a:p>
+          <a:p>
+            <a:r>
+              <a:rPr lang="en-US" sz="2800" dirty="0">
+                <a:latin typeface="Bookman Old Style" panose="02050604050505020204" pitchFamily="18" charset="0"/>
+              </a:rPr>
+              <a:t>All paths of size k (where k is the size of the motif/clique) are checked, storing path information down each iteration until k = 2.</a:t>
+            </a:r>
+          </a:p>
+          <a:p>
+            <a:r>
+              <a:rPr lang="en-US" sz="2800" dirty="0">
+                <a:latin typeface="Bookman Old Style" panose="02050604050505020204" pitchFamily="18" charset="0"/>
+              </a:rPr>
+              <a:t>At that point, every neighbor is checked to see if they complete the motif/clique, and if they do, that information is updated (it’s added to the list, the number of motifs/cliques is updated, the motif/clique degree of each vertex is updated, etc.).</a:t>
+            </a:r>
+          </a:p>
+          <a:p>
+            <a:r>
+              <a:rPr lang="en-US" sz="2800" dirty="0">
+                <a:latin typeface="Bookman Old Style" panose="02050604050505020204" pitchFamily="18" charset="0"/>
+              </a:rPr>
+              <a:t>With this information, we can find the densest k-core.</a:t>
+            </a:r>
+          </a:p>
+        </p:txBody>
+      </p:sp>
+    </p:spTree>
+    <p:extLst>
+      <p:ext uri="{BB962C8B-B14F-4D97-AF65-F5344CB8AC3E}">
+        <p14:creationId xmlns:p14="http://schemas.microsoft.com/office/powerpoint/2010/main" val="2692192835"/>
+      </p:ext>
+    </p:extLst>
+  </p:cSld>
+  <p:clrMapOvr>
+    <a:masterClrMapping/>
+  </p:clrMapOvr>
+</p:sld>
+</file>
+
+<file path=ppt/slides/slide19.xml><?xml version="1.0" encoding="utf-8"?>
+<p:sld xmlns:a="http://schemas.openxmlformats.org/drawingml/2006/main" xmlns:r="http://schemas.openxmlformats.org/officeDocument/2006/relationships" xmlns:p="http://schemas.openxmlformats.org/presentationml/2006/main">
+  <p:cSld>
+    <p:spTree>
+      <p:nvGrpSpPr>
+        <p:cNvPr id="1" name="">
+          <a:extLst>
+            <a:ext uri="{FF2B5EF4-FFF2-40B4-BE49-F238E27FC236}">
+              <a16:creationId xmlns:a16="http://schemas.microsoft.com/office/drawing/2014/main" id="{5F95A565-4F05-778B-6435-47E9DE158DE1}"/>
+            </a:ext>
+          </a:extLst>
+        </p:cNvPr>
+        <p:cNvGrpSpPr/>
+        <p:nvPr/>
+      </p:nvGrpSpPr>
+      <p:grpSpPr>
+        <a:xfrm>
+          <a:off x="0" y="0"/>
+          <a:ext cx="0" cy="0"/>
+          <a:chOff x="0" y="0"/>
+          <a:chExt cx="0" cy="0"/>
+        </a:xfrm>
+      </p:grpSpPr>
+      <p:sp>
+        <p:nvSpPr>
+          <p:cNvPr id="4" name="Title 1">
+            <a:extLst>
+              <a:ext uri="{FF2B5EF4-FFF2-40B4-BE49-F238E27FC236}">
+                <a16:creationId xmlns:a16="http://schemas.microsoft.com/office/drawing/2014/main" id="{FA6A14D5-7D87-27FC-A48E-52AC25B8D8EC}"/>
+              </a:ext>
+            </a:extLst>
+          </p:cNvPr>
+          <p:cNvSpPr txBox="1">
+            <a:spLocks/>
+          </p:cNvSpPr>
+          <p:nvPr/>
+        </p:nvSpPr>
+        <p:spPr>
+          <a:xfrm>
+            <a:off x="1497166" y="-152400"/>
+            <a:ext cx="6149667" cy="1320800"/>
+          </a:xfrm>
+          <a:prstGeom prst="rect">
+            <a:avLst/>
+          </a:prstGeom>
+        </p:spPr>
+        <p:txBody>
+          <a:bodyPr vert="horz" lIns="91440" tIns="45720" rIns="91440" bIns="45720" rtlCol="0" anchor="ctr">
+            <a:normAutofit/>
+          </a:bodyPr>
+          <a:lstStyle>
+            <a:lvl1pPr algn="ctr" defTabSz="457200" rtl="0" eaLnBrk="1" latinLnBrk="0" hangingPunct="1">
+              <a:spcBef>
+                <a:spcPct val="0"/>
+              </a:spcBef>
+              <a:buNone/>
+              <a:defRPr sz="4400" kern="1200">
+                <a:solidFill>
+                  <a:schemeClr val="tx1"/>
+                </a:solidFill>
+                <a:latin typeface="+mj-lt"/>
+                <a:ea typeface="+mj-ea"/>
+                <a:cs typeface="+mj-cs"/>
+              </a:defRPr>
+            </a:lvl1pPr>
+          </a:lstStyle>
+          <a:p>
+            <a:r>
+              <a:rPr lang="en-US" sz="4000" dirty="0">
+                <a:latin typeface="Rockwell" panose="02060603020205020403" pitchFamily="18" charset="0"/>
+              </a:rPr>
+              <a:t>k-cores</a:t>
+            </a:r>
+          </a:p>
+        </p:txBody>
+      </p:sp>
+      <p:sp>
+        <p:nvSpPr>
+          <p:cNvPr id="2" name="Content Placeholder 2">
+            <a:extLst>
+              <a:ext uri="{FF2B5EF4-FFF2-40B4-BE49-F238E27FC236}">
+                <a16:creationId xmlns:a16="http://schemas.microsoft.com/office/drawing/2014/main" id="{DF2F61BA-5156-DDFF-9CDC-7BAF537606A4}"/>
+              </a:ext>
+            </a:extLst>
+          </p:cNvPr>
+          <p:cNvSpPr txBox="1">
+            <a:spLocks/>
+          </p:cNvSpPr>
+          <p:nvPr/>
+        </p:nvSpPr>
+        <p:spPr>
+          <a:xfrm>
+            <a:off x="228600" y="914400"/>
+            <a:ext cx="4648200" cy="5486400"/>
+          </a:xfrm>
+          <a:prstGeom prst="rect">
+            <a:avLst/>
+          </a:prstGeom>
+        </p:spPr>
+        <p:txBody>
+          <a:bodyPr vert="horz" lIns="91440" tIns="45720" rIns="91440" bIns="45720" rtlCol="0">
+            <a:normAutofit fontScale="77500" lnSpcReduction="20000"/>
+          </a:bodyPr>
+          <a:lstStyle>
+            <a:lvl1pPr marL="342900" indent="-342900" algn="l" defTabSz="457200" rtl="0" eaLnBrk="1" latinLnBrk="0" hangingPunct="1">
+              <a:spcBef>
+                <a:spcPct val="20000"/>
+              </a:spcBef>
+              <a:buFont typeface="Arial"/>
+              <a:buChar char="•"/>
+              <a:defRPr sz="3200" kern="1200">
+                <a:solidFill>
+                  <a:schemeClr val="tx1"/>
+                </a:solidFill>
+                <a:latin typeface="+mn-lt"/>
+                <a:ea typeface="+mn-ea"/>
+                <a:cs typeface="+mn-cs"/>
+              </a:defRPr>
+            </a:lvl1pPr>
+            <a:lvl2pPr marL="742950" indent="-285750" algn="l" defTabSz="457200" rtl="0" eaLnBrk="1" latinLnBrk="0" hangingPunct="1">
+              <a:spcBef>
+                <a:spcPct val="20000"/>
+              </a:spcBef>
+              <a:buFont typeface="Arial"/>
+              <a:buChar char="–"/>
+              <a:defRPr sz="2800" kern="1200">
+                <a:solidFill>
+                  <a:schemeClr val="tx1"/>
+                </a:solidFill>
+                <a:latin typeface="+mn-lt"/>
+                <a:ea typeface="+mn-ea"/>
+                <a:cs typeface="+mn-cs"/>
+              </a:defRPr>
+            </a:lvl2pPr>
+            <a:lvl3pPr marL="1143000" indent="-228600" algn="l" defTabSz="457200" rtl="0" eaLnBrk="1" latinLnBrk="0" hangingPunct="1">
+              <a:spcBef>
+                <a:spcPct val="20000"/>
+              </a:spcBef>
+              <a:buFont typeface="Arial"/>
+              <a:buChar char="•"/>
+              <a:defRPr sz="2400" kern="1200">
+                <a:solidFill>
+                  <a:schemeClr val="tx1"/>
+                </a:solidFill>
+                <a:latin typeface="+mn-lt"/>
+                <a:ea typeface="+mn-ea"/>
+                <a:cs typeface="+mn-cs"/>
+              </a:defRPr>
+            </a:lvl3pPr>
+            <a:lvl4pPr marL="1600200" indent="-228600" algn="l" defTabSz="457200" rtl="0" eaLnBrk="1" latinLnBrk="0" hangingPunct="1">
+              <a:spcBef>
+                <a:spcPct val="20000"/>
+              </a:spcBef>
+              <a:buFont typeface="Arial"/>
+              <a:buChar char="–"/>
+              <a:defRPr sz="2000" kern="1200">
+                <a:solidFill>
+                  <a:schemeClr val="tx1"/>
+                </a:solidFill>
+                <a:latin typeface="+mn-lt"/>
+                <a:ea typeface="+mn-ea"/>
+                <a:cs typeface="+mn-cs"/>
+              </a:defRPr>
+            </a:lvl4pPr>
+            <a:lvl5pPr marL="2057400" indent="-228600" algn="l" defTabSz="457200" rtl="0" eaLnBrk="1" latinLnBrk="0" hangingPunct="1">
+              <a:spcBef>
+                <a:spcPct val="20000"/>
+              </a:spcBef>
+              <a:buFont typeface="Arial"/>
+              <a:buChar char="»"/>
+              <a:defRPr sz="2000" kern="1200">
+                <a:solidFill>
+                  <a:schemeClr val="tx1"/>
+                </a:solidFill>
+                <a:latin typeface="+mn-lt"/>
+                <a:ea typeface="+mn-ea"/>
+                <a:cs typeface="+mn-cs"/>
+              </a:defRPr>
+            </a:lvl5pPr>
+            <a:lvl6pPr marL="2514600" indent="-228600" algn="l" defTabSz="457200" rtl="0" eaLnBrk="1" latinLnBrk="0" hangingPunct="1">
+              <a:spcBef>
+                <a:spcPct val="20000"/>
+              </a:spcBef>
+              <a:buFont typeface="Arial"/>
+              <a:buChar char="•"/>
+              <a:defRPr sz="2000" kern="1200">
+                <a:solidFill>
+                  <a:schemeClr val="tx1"/>
+                </a:solidFill>
+                <a:latin typeface="+mn-lt"/>
+                <a:ea typeface="+mn-ea"/>
+                <a:cs typeface="+mn-cs"/>
+              </a:defRPr>
+            </a:lvl6pPr>
+            <a:lvl7pPr marL="2971800" indent="-228600" algn="l" defTabSz="457200" rtl="0" eaLnBrk="1" latinLnBrk="0" hangingPunct="1">
+              <a:spcBef>
+                <a:spcPct val="20000"/>
+              </a:spcBef>
+              <a:buFont typeface="Arial"/>
+              <a:buChar char="•"/>
+              <a:defRPr sz="2000" kern="1200">
+                <a:solidFill>
+                  <a:schemeClr val="tx1"/>
+                </a:solidFill>
+                <a:latin typeface="+mn-lt"/>
+                <a:ea typeface="+mn-ea"/>
+                <a:cs typeface="+mn-cs"/>
+              </a:defRPr>
+            </a:lvl7pPr>
+            <a:lvl8pPr marL="3429000" indent="-228600" algn="l" defTabSz="457200" rtl="0" eaLnBrk="1" latinLnBrk="0" hangingPunct="1">
+              <a:spcBef>
+                <a:spcPct val="20000"/>
+              </a:spcBef>
+              <a:buFont typeface="Arial"/>
+              <a:buChar char="•"/>
+              <a:defRPr sz="2000" kern="1200">
+                <a:solidFill>
+                  <a:schemeClr val="tx1"/>
+                </a:solidFill>
+                <a:latin typeface="+mn-lt"/>
+                <a:ea typeface="+mn-ea"/>
+                <a:cs typeface="+mn-cs"/>
+              </a:defRPr>
+            </a:lvl8pPr>
+            <a:lvl9pPr marL="3886200" indent="-228600" algn="l" defTabSz="457200" rtl="0" eaLnBrk="1" latinLnBrk="0" hangingPunct="1">
+              <a:spcBef>
+                <a:spcPct val="20000"/>
+              </a:spcBef>
+              <a:buFont typeface="Arial"/>
+              <a:buChar char="•"/>
+              <a:defRPr sz="2000" kern="1200">
+                <a:solidFill>
+                  <a:schemeClr val="tx1"/>
+                </a:solidFill>
+                <a:latin typeface="+mn-lt"/>
+                <a:ea typeface="+mn-ea"/>
+                <a:cs typeface="+mn-cs"/>
+              </a:defRPr>
+            </a:lvl9pPr>
+          </a:lstStyle>
+          <a:p>
+            <a:r>
+              <a:rPr lang="en-US" sz="2800" dirty="0">
+                <a:latin typeface="Bookman Old Style" panose="02050604050505020204" pitchFamily="18" charset="0"/>
+              </a:rPr>
+              <a:t>A k-core is a graph where every vertex has a degree of at least k (is connected to at least k other vertices).</a:t>
+            </a:r>
+          </a:p>
+          <a:p>
+            <a:r>
+              <a:rPr lang="en-US" sz="2800" dirty="0">
+                <a:latin typeface="Bookman Old Style" panose="02050604050505020204" pitchFamily="18" charset="0"/>
+              </a:rPr>
+              <a:t>Subgraphs within a given graph can be of a higher k value. The core value of a vertex is the highest-level k-core they are part of in a graph.</a:t>
+            </a:r>
+          </a:p>
+          <a:p>
+            <a:r>
+              <a:rPr lang="en-US" sz="2800" dirty="0">
+                <a:latin typeface="Bookman Old Style" panose="02050604050505020204" pitchFamily="18" charset="0"/>
+              </a:rPr>
+              <a:t>Core values and every level k-core can be found by pruning a graph one vertex at a time, removing the vertex of lowest degree each iteration.</a:t>
+            </a:r>
+          </a:p>
+          <a:p>
+            <a:r>
+              <a:rPr lang="en-US" sz="2800" dirty="0">
+                <a:latin typeface="Bookman Old Style" panose="02050604050505020204" pitchFamily="18" charset="0"/>
+              </a:rPr>
+              <a:t>The example on the right uses edge degree.</a:t>
+            </a:r>
+          </a:p>
+          <a:p>
+            <a:endParaRPr lang="en-US" sz="2800" dirty="0">
+              <a:latin typeface="Bookman Old Style" panose="02050604050505020204" pitchFamily="18" charset="0"/>
+            </a:endParaRPr>
+          </a:p>
+        </p:txBody>
+      </p:sp>
+      <p:pic>
+        <p:nvPicPr>
+          <p:cNvPr id="5" name="Picture 4" descr="A group of circles with letters and numbers&#10;&#10;AI-generated content may be incorrect.">
+            <a:extLst>
+              <a:ext uri="{FF2B5EF4-FFF2-40B4-BE49-F238E27FC236}">
+                <a16:creationId xmlns:a16="http://schemas.microsoft.com/office/drawing/2014/main" id="{154BFC8D-974F-A02F-3558-EF80602D7756}"/>
+              </a:ext>
+            </a:extLst>
+          </p:cNvPr>
+          <p:cNvPicPr>
+            <a:picLocks noChangeAspect="1"/>
+          </p:cNvPicPr>
+          <p:nvPr/>
+        </p:nvPicPr>
+        <p:blipFill>
+          <a:blip r:embed="rId2">
+            <a:extLst>
+              <a:ext uri="{28A0092B-C50C-407E-A947-70E740481C1C}">
+                <a14:useLocalDpi xmlns:a14="http://schemas.microsoft.com/office/drawing/2010/main" val="0"/>
+              </a:ext>
+            </a:extLst>
+          </a:blip>
+          <a:srcRect l="27711" r="6024" b="27310"/>
+          <a:stretch>
+            <a:fillRect/>
+          </a:stretch>
+        </p:blipFill>
+        <p:spPr>
+          <a:xfrm>
+            <a:off x="4724400" y="762000"/>
+            <a:ext cx="4548051" cy="3741806"/>
+          </a:xfrm>
+          <a:prstGeom prst="rect">
+            <a:avLst/>
+          </a:prstGeom>
+        </p:spPr>
+      </p:pic>
+      <p:sp>
+        <p:nvSpPr>
+          <p:cNvPr id="6" name="Content Placeholder 2">
+            <a:extLst>
+              <a:ext uri="{FF2B5EF4-FFF2-40B4-BE49-F238E27FC236}">
+                <a16:creationId xmlns:a16="http://schemas.microsoft.com/office/drawing/2014/main" id="{7EF4387F-8D19-A994-2AEF-17AEC4104837}"/>
+              </a:ext>
+            </a:extLst>
+          </p:cNvPr>
+          <p:cNvSpPr txBox="1">
+            <a:spLocks/>
+          </p:cNvSpPr>
+          <p:nvPr/>
+        </p:nvSpPr>
+        <p:spPr>
+          <a:xfrm>
+            <a:off x="5029200" y="4343400"/>
+            <a:ext cx="3657600" cy="1108904"/>
+          </a:xfrm>
+          <a:prstGeom prst="rect">
+            <a:avLst/>
+          </a:prstGeom>
+        </p:spPr>
+        <p:txBody>
+          <a:bodyPr vert="horz" lIns="91440" tIns="45720" rIns="91440" bIns="45720" rtlCol="0">
+            <a:normAutofit fontScale="70000" lnSpcReduction="20000"/>
+          </a:bodyPr>
+          <a:lstStyle>
+            <a:lvl1pPr marL="342900" indent="-342900" algn="l" defTabSz="457200" rtl="0" eaLnBrk="1" latinLnBrk="0" hangingPunct="1">
+              <a:spcBef>
+                <a:spcPct val="20000"/>
+              </a:spcBef>
+              <a:buFont typeface="Arial"/>
+              <a:buChar char="•"/>
+              <a:defRPr sz="3200" kern="1200">
+                <a:solidFill>
+                  <a:schemeClr val="tx1"/>
+                </a:solidFill>
+                <a:latin typeface="+mn-lt"/>
+                <a:ea typeface="+mn-ea"/>
+                <a:cs typeface="+mn-cs"/>
+              </a:defRPr>
+            </a:lvl1pPr>
+            <a:lvl2pPr marL="742950" indent="-285750" algn="l" defTabSz="457200" rtl="0" eaLnBrk="1" latinLnBrk="0" hangingPunct="1">
+              <a:spcBef>
+                <a:spcPct val="20000"/>
+              </a:spcBef>
+              <a:buFont typeface="Arial"/>
+              <a:buChar char="–"/>
+              <a:defRPr sz="2800" kern="1200">
+                <a:solidFill>
+                  <a:schemeClr val="tx1"/>
+                </a:solidFill>
+                <a:latin typeface="+mn-lt"/>
+                <a:ea typeface="+mn-ea"/>
+                <a:cs typeface="+mn-cs"/>
+              </a:defRPr>
+            </a:lvl2pPr>
+            <a:lvl3pPr marL="1143000" indent="-228600" algn="l" defTabSz="457200" rtl="0" eaLnBrk="1" latinLnBrk="0" hangingPunct="1">
+              <a:spcBef>
+                <a:spcPct val="20000"/>
+              </a:spcBef>
+              <a:buFont typeface="Arial"/>
+              <a:buChar char="•"/>
+              <a:defRPr sz="2400" kern="1200">
+                <a:solidFill>
+                  <a:schemeClr val="tx1"/>
+                </a:solidFill>
+                <a:latin typeface="+mn-lt"/>
+                <a:ea typeface="+mn-ea"/>
+                <a:cs typeface="+mn-cs"/>
+              </a:defRPr>
+            </a:lvl3pPr>
+            <a:lvl4pPr marL="1600200" indent="-228600" algn="l" defTabSz="457200" rtl="0" eaLnBrk="1" latinLnBrk="0" hangingPunct="1">
+              <a:spcBef>
+                <a:spcPct val="20000"/>
+              </a:spcBef>
+              <a:buFont typeface="Arial"/>
+              <a:buChar char="–"/>
+              <a:defRPr sz="2000" kern="1200">
+                <a:solidFill>
+                  <a:schemeClr val="tx1"/>
+                </a:solidFill>
+                <a:latin typeface="+mn-lt"/>
+                <a:ea typeface="+mn-ea"/>
+                <a:cs typeface="+mn-cs"/>
+              </a:defRPr>
+            </a:lvl4pPr>
+            <a:lvl5pPr marL="2057400" indent="-228600" algn="l" defTabSz="457200" rtl="0" eaLnBrk="1" latinLnBrk="0" hangingPunct="1">
+              <a:spcBef>
+                <a:spcPct val="20000"/>
+              </a:spcBef>
+              <a:buFont typeface="Arial"/>
+              <a:buChar char="»"/>
+              <a:defRPr sz="2000" kern="1200">
+                <a:solidFill>
+                  <a:schemeClr val="tx1"/>
+                </a:solidFill>
+                <a:latin typeface="+mn-lt"/>
+                <a:ea typeface="+mn-ea"/>
+                <a:cs typeface="+mn-cs"/>
+              </a:defRPr>
+            </a:lvl5pPr>
+            <a:lvl6pPr marL="2514600" indent="-228600" algn="l" defTabSz="457200" rtl="0" eaLnBrk="1" latinLnBrk="0" hangingPunct="1">
+              <a:spcBef>
+                <a:spcPct val="20000"/>
+              </a:spcBef>
+              <a:buFont typeface="Arial"/>
+              <a:buChar char="•"/>
+              <a:defRPr sz="2000" kern="1200">
+                <a:solidFill>
+                  <a:schemeClr val="tx1"/>
+                </a:solidFill>
+                <a:latin typeface="+mn-lt"/>
+                <a:ea typeface="+mn-ea"/>
+                <a:cs typeface="+mn-cs"/>
+              </a:defRPr>
+            </a:lvl6pPr>
+            <a:lvl7pPr marL="2971800" indent="-228600" algn="l" defTabSz="457200" rtl="0" eaLnBrk="1" latinLnBrk="0" hangingPunct="1">
+              <a:spcBef>
+                <a:spcPct val="20000"/>
+              </a:spcBef>
+              <a:buFont typeface="Arial"/>
+              <a:buChar char="•"/>
+              <a:defRPr sz="2000" kern="1200">
+                <a:solidFill>
+                  <a:schemeClr val="tx1"/>
+                </a:solidFill>
+                <a:latin typeface="+mn-lt"/>
+                <a:ea typeface="+mn-ea"/>
+                <a:cs typeface="+mn-cs"/>
+              </a:defRPr>
+            </a:lvl7pPr>
+            <a:lvl8pPr marL="3429000" indent="-228600" algn="l" defTabSz="457200" rtl="0" eaLnBrk="1" latinLnBrk="0" hangingPunct="1">
+              <a:spcBef>
+                <a:spcPct val="20000"/>
+              </a:spcBef>
+              <a:buFont typeface="Arial"/>
+              <a:buChar char="•"/>
+              <a:defRPr sz="2000" kern="1200">
+                <a:solidFill>
+                  <a:schemeClr val="tx1"/>
+                </a:solidFill>
+                <a:latin typeface="+mn-lt"/>
+                <a:ea typeface="+mn-ea"/>
+                <a:cs typeface="+mn-cs"/>
+              </a:defRPr>
+            </a:lvl8pPr>
+            <a:lvl9pPr marL="3886200" indent="-228600" algn="l" defTabSz="457200" rtl="0" eaLnBrk="1" latinLnBrk="0" hangingPunct="1">
+              <a:spcBef>
+                <a:spcPct val="20000"/>
+              </a:spcBef>
+              <a:buFont typeface="Arial"/>
+              <a:buChar char="•"/>
+              <a:defRPr sz="2000" kern="1200">
+                <a:solidFill>
+                  <a:schemeClr val="tx1"/>
+                </a:solidFill>
+                <a:latin typeface="+mn-lt"/>
+                <a:ea typeface="+mn-ea"/>
+                <a:cs typeface="+mn-cs"/>
+              </a:defRPr>
+            </a:lvl9pPr>
+          </a:lstStyle>
+          <a:p>
+            <a:pPr marL="0" indent="0">
+              <a:buNone/>
+            </a:pPr>
+            <a:r>
+              <a:rPr lang="en-US" sz="2800" b="1" dirty="0">
+                <a:latin typeface="Bookman Old Style" panose="02050604050505020204" pitchFamily="18" charset="0"/>
+              </a:rPr>
+              <a:t>Yellow = 1-core</a:t>
+            </a:r>
+          </a:p>
+          <a:p>
+            <a:pPr marL="0" indent="0">
+              <a:buNone/>
+            </a:pPr>
+            <a:r>
+              <a:rPr lang="en-US" sz="2800" b="1" dirty="0">
+                <a:latin typeface="Bookman Old Style" panose="02050604050505020204" pitchFamily="18" charset="0"/>
+              </a:rPr>
+              <a:t>Orange = 2-core and lower</a:t>
+            </a:r>
+          </a:p>
+          <a:p>
+            <a:pPr marL="0" indent="0">
+              <a:buNone/>
+            </a:pPr>
+            <a:r>
+              <a:rPr lang="en-US" sz="2800" b="1" dirty="0">
+                <a:latin typeface="Bookman Old Style" panose="02050604050505020204" pitchFamily="18" charset="0"/>
+              </a:rPr>
+              <a:t>Red = 3-core and lower</a:t>
+            </a:r>
+          </a:p>
+        </p:txBody>
+      </p:sp>
+    </p:spTree>
+    <p:extLst>
+      <p:ext uri="{BB962C8B-B14F-4D97-AF65-F5344CB8AC3E}">
+        <p14:creationId xmlns:p14="http://schemas.microsoft.com/office/powerpoint/2010/main" val="2213114394"/>
       </p:ext>
     </p:extLst>
   </p:cSld>
@@ -7601,7 +7809,7 @@
         <p:cNvPr id="1" name="">
           <a:extLst>
             <a:ext uri="{FF2B5EF4-FFF2-40B4-BE49-F238E27FC236}">
-              <a16:creationId xmlns:a16="http://schemas.microsoft.com/office/drawing/2014/main" id="{DDC01107-C9A6-5E86-C062-4545579A7D83}"/>
+              <a16:creationId xmlns:a16="http://schemas.microsoft.com/office/drawing/2014/main" id="{0E11B92A-4056-ED1C-685A-D5070B3BD457}"/>
             </a:ext>
           </a:extLst>
         </p:cNvPr>
@@ -7621,7 +7829,1045 @@
           <p:cNvPr id="4" name="Title 1">
             <a:extLst>
               <a:ext uri="{FF2B5EF4-FFF2-40B4-BE49-F238E27FC236}">
-                <a16:creationId xmlns:a16="http://schemas.microsoft.com/office/drawing/2014/main" id="{495AA6D8-A317-6011-0863-509F90DC1C2E}"/>
+                <a16:creationId xmlns:a16="http://schemas.microsoft.com/office/drawing/2014/main" id="{995DFB5A-BE3E-5610-21F4-5ADFC8D02361}"/>
+              </a:ext>
+            </a:extLst>
+          </p:cNvPr>
+          <p:cNvSpPr txBox="1">
+            <a:spLocks/>
+          </p:cNvSpPr>
+          <p:nvPr/>
+        </p:nvSpPr>
+        <p:spPr>
+          <a:xfrm>
+            <a:off x="1497166" y="-152400"/>
+            <a:ext cx="6149667" cy="1320800"/>
+          </a:xfrm>
+          <a:prstGeom prst="rect">
+            <a:avLst/>
+          </a:prstGeom>
+        </p:spPr>
+        <p:txBody>
+          <a:bodyPr vert="horz" lIns="91440" tIns="45720" rIns="91440" bIns="45720" rtlCol="0" anchor="ctr">
+            <a:normAutofit/>
+          </a:bodyPr>
+          <a:lstStyle>
+            <a:lvl1pPr algn="ctr" defTabSz="457200" rtl="0" eaLnBrk="1" latinLnBrk="0" hangingPunct="1">
+              <a:spcBef>
+                <a:spcPct val="0"/>
+              </a:spcBef>
+              <a:buNone/>
+              <a:defRPr sz="4400" kern="1200">
+                <a:solidFill>
+                  <a:schemeClr val="tx1"/>
+                </a:solidFill>
+                <a:latin typeface="+mj-lt"/>
+                <a:ea typeface="+mj-ea"/>
+                <a:cs typeface="+mj-cs"/>
+              </a:defRPr>
+            </a:lvl1pPr>
+          </a:lstStyle>
+          <a:p>
+            <a:r>
+              <a:rPr lang="en-US" sz="4000" dirty="0">
+                <a:latin typeface="Rockwell" panose="02060603020205020403" pitchFamily="18" charset="0"/>
+              </a:rPr>
+              <a:t>k-cores</a:t>
+            </a:r>
+          </a:p>
+        </p:txBody>
+      </p:sp>
+      <p:sp>
+        <p:nvSpPr>
+          <p:cNvPr id="2" name="Content Placeholder 2">
+            <a:extLst>
+              <a:ext uri="{FF2B5EF4-FFF2-40B4-BE49-F238E27FC236}">
+                <a16:creationId xmlns:a16="http://schemas.microsoft.com/office/drawing/2014/main" id="{B26CE6F1-17C8-8AC7-772A-E91017128D34}"/>
+              </a:ext>
+            </a:extLst>
+          </p:cNvPr>
+          <p:cNvSpPr txBox="1">
+            <a:spLocks/>
+          </p:cNvSpPr>
+          <p:nvPr/>
+        </p:nvSpPr>
+        <p:spPr>
+          <a:xfrm>
+            <a:off x="228600" y="914400"/>
+            <a:ext cx="4648200" cy="5065557"/>
+          </a:xfrm>
+          <a:prstGeom prst="rect">
+            <a:avLst/>
+          </a:prstGeom>
+        </p:spPr>
+        <p:txBody>
+          <a:bodyPr vert="horz" lIns="91440" tIns="45720" rIns="91440" bIns="45720" rtlCol="0">
+            <a:normAutofit fontScale="92500" lnSpcReduction="20000"/>
+          </a:bodyPr>
+          <a:lstStyle>
+            <a:lvl1pPr marL="342900" indent="-342900" algn="l" defTabSz="457200" rtl="0" eaLnBrk="1" latinLnBrk="0" hangingPunct="1">
+              <a:spcBef>
+                <a:spcPct val="20000"/>
+              </a:spcBef>
+              <a:buFont typeface="Arial"/>
+              <a:buChar char="•"/>
+              <a:defRPr sz="3200" kern="1200">
+                <a:solidFill>
+                  <a:schemeClr val="tx1"/>
+                </a:solidFill>
+                <a:latin typeface="+mn-lt"/>
+                <a:ea typeface="+mn-ea"/>
+                <a:cs typeface="+mn-cs"/>
+              </a:defRPr>
+            </a:lvl1pPr>
+            <a:lvl2pPr marL="742950" indent="-285750" algn="l" defTabSz="457200" rtl="0" eaLnBrk="1" latinLnBrk="0" hangingPunct="1">
+              <a:spcBef>
+                <a:spcPct val="20000"/>
+              </a:spcBef>
+              <a:buFont typeface="Arial"/>
+              <a:buChar char="–"/>
+              <a:defRPr sz="2800" kern="1200">
+                <a:solidFill>
+                  <a:schemeClr val="tx1"/>
+                </a:solidFill>
+                <a:latin typeface="+mn-lt"/>
+                <a:ea typeface="+mn-ea"/>
+                <a:cs typeface="+mn-cs"/>
+              </a:defRPr>
+            </a:lvl2pPr>
+            <a:lvl3pPr marL="1143000" indent="-228600" algn="l" defTabSz="457200" rtl="0" eaLnBrk="1" latinLnBrk="0" hangingPunct="1">
+              <a:spcBef>
+                <a:spcPct val="20000"/>
+              </a:spcBef>
+              <a:buFont typeface="Arial"/>
+              <a:buChar char="•"/>
+              <a:defRPr sz="2400" kern="1200">
+                <a:solidFill>
+                  <a:schemeClr val="tx1"/>
+                </a:solidFill>
+                <a:latin typeface="+mn-lt"/>
+                <a:ea typeface="+mn-ea"/>
+                <a:cs typeface="+mn-cs"/>
+              </a:defRPr>
+            </a:lvl3pPr>
+            <a:lvl4pPr marL="1600200" indent="-228600" algn="l" defTabSz="457200" rtl="0" eaLnBrk="1" latinLnBrk="0" hangingPunct="1">
+              <a:spcBef>
+                <a:spcPct val="20000"/>
+              </a:spcBef>
+              <a:buFont typeface="Arial"/>
+              <a:buChar char="–"/>
+              <a:defRPr sz="2000" kern="1200">
+                <a:solidFill>
+                  <a:schemeClr val="tx1"/>
+                </a:solidFill>
+                <a:latin typeface="+mn-lt"/>
+                <a:ea typeface="+mn-ea"/>
+                <a:cs typeface="+mn-cs"/>
+              </a:defRPr>
+            </a:lvl4pPr>
+            <a:lvl5pPr marL="2057400" indent="-228600" algn="l" defTabSz="457200" rtl="0" eaLnBrk="1" latinLnBrk="0" hangingPunct="1">
+              <a:spcBef>
+                <a:spcPct val="20000"/>
+              </a:spcBef>
+              <a:buFont typeface="Arial"/>
+              <a:buChar char="»"/>
+              <a:defRPr sz="2000" kern="1200">
+                <a:solidFill>
+                  <a:schemeClr val="tx1"/>
+                </a:solidFill>
+                <a:latin typeface="+mn-lt"/>
+                <a:ea typeface="+mn-ea"/>
+                <a:cs typeface="+mn-cs"/>
+              </a:defRPr>
+            </a:lvl5pPr>
+            <a:lvl6pPr marL="2514600" indent="-228600" algn="l" defTabSz="457200" rtl="0" eaLnBrk="1" latinLnBrk="0" hangingPunct="1">
+              <a:spcBef>
+                <a:spcPct val="20000"/>
+              </a:spcBef>
+              <a:buFont typeface="Arial"/>
+              <a:buChar char="•"/>
+              <a:defRPr sz="2000" kern="1200">
+                <a:solidFill>
+                  <a:schemeClr val="tx1"/>
+                </a:solidFill>
+                <a:latin typeface="+mn-lt"/>
+                <a:ea typeface="+mn-ea"/>
+                <a:cs typeface="+mn-cs"/>
+              </a:defRPr>
+            </a:lvl6pPr>
+            <a:lvl7pPr marL="2971800" indent="-228600" algn="l" defTabSz="457200" rtl="0" eaLnBrk="1" latinLnBrk="0" hangingPunct="1">
+              <a:spcBef>
+                <a:spcPct val="20000"/>
+              </a:spcBef>
+              <a:buFont typeface="Arial"/>
+              <a:buChar char="•"/>
+              <a:defRPr sz="2000" kern="1200">
+                <a:solidFill>
+                  <a:schemeClr val="tx1"/>
+                </a:solidFill>
+                <a:latin typeface="+mn-lt"/>
+                <a:ea typeface="+mn-ea"/>
+                <a:cs typeface="+mn-cs"/>
+              </a:defRPr>
+            </a:lvl7pPr>
+            <a:lvl8pPr marL="3429000" indent="-228600" algn="l" defTabSz="457200" rtl="0" eaLnBrk="1" latinLnBrk="0" hangingPunct="1">
+              <a:spcBef>
+                <a:spcPct val="20000"/>
+              </a:spcBef>
+              <a:buFont typeface="Arial"/>
+              <a:buChar char="•"/>
+              <a:defRPr sz="2000" kern="1200">
+                <a:solidFill>
+                  <a:schemeClr val="tx1"/>
+                </a:solidFill>
+                <a:latin typeface="+mn-lt"/>
+                <a:ea typeface="+mn-ea"/>
+                <a:cs typeface="+mn-cs"/>
+              </a:defRPr>
+            </a:lvl8pPr>
+            <a:lvl9pPr marL="3886200" indent="-228600" algn="l" defTabSz="457200" rtl="0" eaLnBrk="1" latinLnBrk="0" hangingPunct="1">
+              <a:spcBef>
+                <a:spcPct val="20000"/>
+              </a:spcBef>
+              <a:buFont typeface="Arial"/>
+              <a:buChar char="•"/>
+              <a:defRPr sz="2000" kern="1200">
+                <a:solidFill>
+                  <a:schemeClr val="tx1"/>
+                </a:solidFill>
+                <a:latin typeface="+mn-lt"/>
+                <a:ea typeface="+mn-ea"/>
+                <a:cs typeface="+mn-cs"/>
+              </a:defRPr>
+            </a:lvl9pPr>
+          </a:lstStyle>
+          <a:p>
+            <a:r>
+              <a:rPr lang="en-US" sz="2800" dirty="0">
+                <a:latin typeface="Bookman Old Style" panose="02050604050505020204" pitchFamily="18" charset="0"/>
+              </a:rPr>
+              <a:t>Degree (and thus k-cores) is also used for motifs/cliques. So, the amount of motif instances a vertex is a part of is the degree of that vertex.</a:t>
+            </a:r>
+          </a:p>
+          <a:p>
+            <a:r>
+              <a:rPr lang="en-US" sz="2800" dirty="0">
+                <a:latin typeface="Bookman Old Style" panose="02050604050505020204" pitchFamily="18" charset="0"/>
+              </a:rPr>
+              <a:t>As an example, 3-clique (or triangle) degree is how many 3-cliques a vertex is a part of.</a:t>
+            </a:r>
+          </a:p>
+          <a:p>
+            <a:r>
+              <a:rPr lang="en-US" sz="2800" dirty="0">
+                <a:latin typeface="Bookman Old Style" panose="02050604050505020204" pitchFamily="18" charset="0"/>
+              </a:rPr>
+              <a:t>The example on the right uses 3-cliques for determining k-cores.</a:t>
+            </a:r>
+          </a:p>
+        </p:txBody>
+      </p:sp>
+      <p:pic>
+        <p:nvPicPr>
+          <p:cNvPr id="3" name="Picture 2" descr="A group of circles with letters and numbers&#10;&#10;AI-generated content may be incorrect.">
+            <a:extLst>
+              <a:ext uri="{FF2B5EF4-FFF2-40B4-BE49-F238E27FC236}">
+                <a16:creationId xmlns:a16="http://schemas.microsoft.com/office/drawing/2014/main" id="{C4BFBA8D-0FDC-E504-E032-2AA42F39F2BA}"/>
+              </a:ext>
+            </a:extLst>
+          </p:cNvPr>
+          <p:cNvPicPr>
+            <a:picLocks noChangeAspect="1"/>
+          </p:cNvPicPr>
+          <p:nvPr/>
+        </p:nvPicPr>
+        <p:blipFill>
+          <a:blip r:embed="rId2">
+            <a:extLst>
+              <a:ext uri="{28A0092B-C50C-407E-A947-70E740481C1C}">
+                <a14:useLocalDpi xmlns:a14="http://schemas.microsoft.com/office/drawing/2010/main" val="0"/>
+              </a:ext>
+            </a:extLst>
+          </a:blip>
+          <a:srcRect l="27711" r="6024" b="27310"/>
+          <a:stretch>
+            <a:fillRect/>
+          </a:stretch>
+        </p:blipFill>
+        <p:spPr>
+          <a:xfrm>
+            <a:off x="4724400" y="762000"/>
+            <a:ext cx="4548051" cy="3741806"/>
+          </a:xfrm>
+          <a:prstGeom prst="rect">
+            <a:avLst/>
+          </a:prstGeom>
+        </p:spPr>
+      </p:pic>
+      <p:sp>
+        <p:nvSpPr>
+          <p:cNvPr id="7" name="Content Placeholder 2">
+            <a:extLst>
+              <a:ext uri="{FF2B5EF4-FFF2-40B4-BE49-F238E27FC236}">
+                <a16:creationId xmlns:a16="http://schemas.microsoft.com/office/drawing/2014/main" id="{7BB56234-74D1-9CA0-D39C-2EE356C39EF4}"/>
+              </a:ext>
+            </a:extLst>
+          </p:cNvPr>
+          <p:cNvSpPr txBox="1">
+            <a:spLocks/>
+          </p:cNvSpPr>
+          <p:nvPr/>
+        </p:nvSpPr>
+        <p:spPr>
+          <a:xfrm>
+            <a:off x="4913811" y="4419600"/>
+            <a:ext cx="3657600" cy="1108904"/>
+          </a:xfrm>
+          <a:prstGeom prst="rect">
+            <a:avLst/>
+          </a:prstGeom>
+        </p:spPr>
+        <p:txBody>
+          <a:bodyPr vert="horz" lIns="91440" tIns="45720" rIns="91440" bIns="45720" rtlCol="0">
+            <a:normAutofit fontScale="70000" lnSpcReduction="20000"/>
+          </a:bodyPr>
+          <a:lstStyle>
+            <a:lvl1pPr marL="342900" indent="-342900" algn="l" defTabSz="457200" rtl="0" eaLnBrk="1" latinLnBrk="0" hangingPunct="1">
+              <a:spcBef>
+                <a:spcPct val="20000"/>
+              </a:spcBef>
+              <a:buFont typeface="Arial"/>
+              <a:buChar char="•"/>
+              <a:defRPr sz="3200" kern="1200">
+                <a:solidFill>
+                  <a:schemeClr val="tx1"/>
+                </a:solidFill>
+                <a:latin typeface="+mn-lt"/>
+                <a:ea typeface="+mn-ea"/>
+                <a:cs typeface="+mn-cs"/>
+              </a:defRPr>
+            </a:lvl1pPr>
+            <a:lvl2pPr marL="742950" indent="-285750" algn="l" defTabSz="457200" rtl="0" eaLnBrk="1" latinLnBrk="0" hangingPunct="1">
+              <a:spcBef>
+                <a:spcPct val="20000"/>
+              </a:spcBef>
+              <a:buFont typeface="Arial"/>
+              <a:buChar char="–"/>
+              <a:defRPr sz="2800" kern="1200">
+                <a:solidFill>
+                  <a:schemeClr val="tx1"/>
+                </a:solidFill>
+                <a:latin typeface="+mn-lt"/>
+                <a:ea typeface="+mn-ea"/>
+                <a:cs typeface="+mn-cs"/>
+              </a:defRPr>
+            </a:lvl2pPr>
+            <a:lvl3pPr marL="1143000" indent="-228600" algn="l" defTabSz="457200" rtl="0" eaLnBrk="1" latinLnBrk="0" hangingPunct="1">
+              <a:spcBef>
+                <a:spcPct val="20000"/>
+              </a:spcBef>
+              <a:buFont typeface="Arial"/>
+              <a:buChar char="•"/>
+              <a:defRPr sz="2400" kern="1200">
+                <a:solidFill>
+                  <a:schemeClr val="tx1"/>
+                </a:solidFill>
+                <a:latin typeface="+mn-lt"/>
+                <a:ea typeface="+mn-ea"/>
+                <a:cs typeface="+mn-cs"/>
+              </a:defRPr>
+            </a:lvl3pPr>
+            <a:lvl4pPr marL="1600200" indent="-228600" algn="l" defTabSz="457200" rtl="0" eaLnBrk="1" latinLnBrk="0" hangingPunct="1">
+              <a:spcBef>
+                <a:spcPct val="20000"/>
+              </a:spcBef>
+              <a:buFont typeface="Arial"/>
+              <a:buChar char="–"/>
+              <a:defRPr sz="2000" kern="1200">
+                <a:solidFill>
+                  <a:schemeClr val="tx1"/>
+                </a:solidFill>
+                <a:latin typeface="+mn-lt"/>
+                <a:ea typeface="+mn-ea"/>
+                <a:cs typeface="+mn-cs"/>
+              </a:defRPr>
+            </a:lvl4pPr>
+            <a:lvl5pPr marL="2057400" indent="-228600" algn="l" defTabSz="457200" rtl="0" eaLnBrk="1" latinLnBrk="0" hangingPunct="1">
+              <a:spcBef>
+                <a:spcPct val="20000"/>
+              </a:spcBef>
+              <a:buFont typeface="Arial"/>
+              <a:buChar char="»"/>
+              <a:defRPr sz="2000" kern="1200">
+                <a:solidFill>
+                  <a:schemeClr val="tx1"/>
+                </a:solidFill>
+                <a:latin typeface="+mn-lt"/>
+                <a:ea typeface="+mn-ea"/>
+                <a:cs typeface="+mn-cs"/>
+              </a:defRPr>
+            </a:lvl5pPr>
+            <a:lvl6pPr marL="2514600" indent="-228600" algn="l" defTabSz="457200" rtl="0" eaLnBrk="1" latinLnBrk="0" hangingPunct="1">
+              <a:spcBef>
+                <a:spcPct val="20000"/>
+              </a:spcBef>
+              <a:buFont typeface="Arial"/>
+              <a:buChar char="•"/>
+              <a:defRPr sz="2000" kern="1200">
+                <a:solidFill>
+                  <a:schemeClr val="tx1"/>
+                </a:solidFill>
+                <a:latin typeface="+mn-lt"/>
+                <a:ea typeface="+mn-ea"/>
+                <a:cs typeface="+mn-cs"/>
+              </a:defRPr>
+            </a:lvl6pPr>
+            <a:lvl7pPr marL="2971800" indent="-228600" algn="l" defTabSz="457200" rtl="0" eaLnBrk="1" latinLnBrk="0" hangingPunct="1">
+              <a:spcBef>
+                <a:spcPct val="20000"/>
+              </a:spcBef>
+              <a:buFont typeface="Arial"/>
+              <a:buChar char="•"/>
+              <a:defRPr sz="2000" kern="1200">
+                <a:solidFill>
+                  <a:schemeClr val="tx1"/>
+                </a:solidFill>
+                <a:latin typeface="+mn-lt"/>
+                <a:ea typeface="+mn-ea"/>
+                <a:cs typeface="+mn-cs"/>
+              </a:defRPr>
+            </a:lvl7pPr>
+            <a:lvl8pPr marL="3429000" indent="-228600" algn="l" defTabSz="457200" rtl="0" eaLnBrk="1" latinLnBrk="0" hangingPunct="1">
+              <a:spcBef>
+                <a:spcPct val="20000"/>
+              </a:spcBef>
+              <a:buFont typeface="Arial"/>
+              <a:buChar char="•"/>
+              <a:defRPr sz="2000" kern="1200">
+                <a:solidFill>
+                  <a:schemeClr val="tx1"/>
+                </a:solidFill>
+                <a:latin typeface="+mn-lt"/>
+                <a:ea typeface="+mn-ea"/>
+                <a:cs typeface="+mn-cs"/>
+              </a:defRPr>
+            </a:lvl8pPr>
+            <a:lvl9pPr marL="3886200" indent="-228600" algn="l" defTabSz="457200" rtl="0" eaLnBrk="1" latinLnBrk="0" hangingPunct="1">
+              <a:spcBef>
+                <a:spcPct val="20000"/>
+              </a:spcBef>
+              <a:buFont typeface="Arial"/>
+              <a:buChar char="•"/>
+              <a:defRPr sz="2000" kern="1200">
+                <a:solidFill>
+                  <a:schemeClr val="tx1"/>
+                </a:solidFill>
+                <a:latin typeface="+mn-lt"/>
+                <a:ea typeface="+mn-ea"/>
+                <a:cs typeface="+mn-cs"/>
+              </a:defRPr>
+            </a:lvl9pPr>
+          </a:lstStyle>
+          <a:p>
+            <a:pPr marL="0" indent="0">
+              <a:buNone/>
+            </a:pPr>
+            <a:r>
+              <a:rPr lang="en-US" sz="2800" b="1" dirty="0">
+                <a:latin typeface="Bookman Old Style" panose="02050604050505020204" pitchFamily="18" charset="0"/>
+              </a:rPr>
+              <a:t>Yellow = 0-core</a:t>
+            </a:r>
+          </a:p>
+          <a:p>
+            <a:pPr marL="0" indent="0">
+              <a:buNone/>
+            </a:pPr>
+            <a:r>
+              <a:rPr lang="en-US" sz="2800" b="1" dirty="0">
+                <a:latin typeface="Bookman Old Style" panose="02050604050505020204" pitchFamily="18" charset="0"/>
+              </a:rPr>
+              <a:t>Orange = 1-core and lower</a:t>
+            </a:r>
+          </a:p>
+          <a:p>
+            <a:pPr marL="0" indent="0">
+              <a:buNone/>
+            </a:pPr>
+            <a:r>
+              <a:rPr lang="en-US" sz="2800" b="1" dirty="0">
+                <a:latin typeface="Bookman Old Style" panose="02050604050505020204" pitchFamily="18" charset="0"/>
+              </a:rPr>
+              <a:t>Red = 3-core and lower</a:t>
+            </a:r>
+          </a:p>
+        </p:txBody>
+      </p:sp>
+    </p:spTree>
+    <p:extLst>
+      <p:ext uri="{BB962C8B-B14F-4D97-AF65-F5344CB8AC3E}">
+        <p14:creationId xmlns:p14="http://schemas.microsoft.com/office/powerpoint/2010/main" val="3764201899"/>
+      </p:ext>
+    </p:extLst>
+  </p:cSld>
+  <p:clrMapOvr>
+    <a:masterClrMapping/>
+  </p:clrMapOvr>
+</p:sld>
+</file>
+
+<file path=ppt/slides/slide21.xml><?xml version="1.0" encoding="utf-8"?>
+<p:sld xmlns:a="http://schemas.openxmlformats.org/drawingml/2006/main" xmlns:r="http://schemas.openxmlformats.org/officeDocument/2006/relationships" xmlns:p="http://schemas.openxmlformats.org/presentationml/2006/main">
+  <p:cSld>
+    <p:spTree>
+      <p:nvGrpSpPr>
+        <p:cNvPr id="1" name="">
+          <a:extLst>
+            <a:ext uri="{FF2B5EF4-FFF2-40B4-BE49-F238E27FC236}">
+              <a16:creationId xmlns:a16="http://schemas.microsoft.com/office/drawing/2014/main" id="{F5DB6A75-C0D4-2DD0-CF22-918DAEC17678}"/>
+            </a:ext>
+          </a:extLst>
+        </p:cNvPr>
+        <p:cNvGrpSpPr/>
+        <p:nvPr/>
+      </p:nvGrpSpPr>
+      <p:grpSpPr>
+        <a:xfrm>
+          <a:off x="0" y="0"/>
+          <a:ext cx="0" cy="0"/>
+          <a:chOff x="0" y="0"/>
+          <a:chExt cx="0" cy="0"/>
+        </a:xfrm>
+      </p:grpSpPr>
+      <p:sp>
+        <p:nvSpPr>
+          <p:cNvPr id="4" name="Title 1">
+            <a:extLst>
+              <a:ext uri="{FF2B5EF4-FFF2-40B4-BE49-F238E27FC236}">
+                <a16:creationId xmlns:a16="http://schemas.microsoft.com/office/drawing/2014/main" id="{B204C9AC-0AF0-161E-C02B-2038B0332267}"/>
+              </a:ext>
+            </a:extLst>
+          </p:cNvPr>
+          <p:cNvSpPr txBox="1">
+            <a:spLocks/>
+          </p:cNvSpPr>
+          <p:nvPr/>
+        </p:nvSpPr>
+        <p:spPr>
+          <a:xfrm>
+            <a:off x="1497166" y="13063"/>
+            <a:ext cx="6149667" cy="1320800"/>
+          </a:xfrm>
+          <a:prstGeom prst="rect">
+            <a:avLst/>
+          </a:prstGeom>
+        </p:spPr>
+        <p:txBody>
+          <a:bodyPr vert="horz" lIns="91440" tIns="45720" rIns="91440" bIns="45720" rtlCol="0" anchor="ctr">
+            <a:normAutofit/>
+          </a:bodyPr>
+          <a:lstStyle>
+            <a:lvl1pPr algn="ctr" defTabSz="457200" rtl="0" eaLnBrk="1" latinLnBrk="0" hangingPunct="1">
+              <a:spcBef>
+                <a:spcPct val="0"/>
+              </a:spcBef>
+              <a:buNone/>
+              <a:defRPr sz="4400" kern="1200">
+                <a:solidFill>
+                  <a:schemeClr val="tx1"/>
+                </a:solidFill>
+                <a:latin typeface="+mj-lt"/>
+                <a:ea typeface="+mj-ea"/>
+                <a:cs typeface="+mj-cs"/>
+              </a:defRPr>
+            </a:lvl1pPr>
+          </a:lstStyle>
+          <a:p>
+            <a:r>
+              <a:rPr lang="en-US" sz="4000" dirty="0">
+                <a:latin typeface="Rockwell" panose="02060603020205020403" pitchFamily="18" charset="0"/>
+              </a:rPr>
+              <a:t>Motif/Clique Decomposition</a:t>
+            </a:r>
+          </a:p>
+        </p:txBody>
+      </p:sp>
+      <p:sp>
+        <p:nvSpPr>
+          <p:cNvPr id="2" name="Content Placeholder 2">
+            <a:extLst>
+              <a:ext uri="{FF2B5EF4-FFF2-40B4-BE49-F238E27FC236}">
+                <a16:creationId xmlns:a16="http://schemas.microsoft.com/office/drawing/2014/main" id="{A885085B-A547-8212-C631-CD983BF5F4D1}"/>
+              </a:ext>
+            </a:extLst>
+          </p:cNvPr>
+          <p:cNvSpPr txBox="1">
+            <a:spLocks/>
+          </p:cNvSpPr>
+          <p:nvPr/>
+        </p:nvSpPr>
+        <p:spPr>
+          <a:xfrm>
+            <a:off x="26126" y="1295400"/>
+            <a:ext cx="5155474" cy="5042054"/>
+          </a:xfrm>
+          <a:prstGeom prst="rect">
+            <a:avLst/>
+          </a:prstGeom>
+        </p:spPr>
+        <p:txBody>
+          <a:bodyPr vert="horz" lIns="91440" tIns="45720" rIns="91440" bIns="45720" rtlCol="0">
+            <a:normAutofit fontScale="77500" lnSpcReduction="20000"/>
+          </a:bodyPr>
+          <a:lstStyle>
+            <a:lvl1pPr marL="342900" indent="-342900" algn="l" defTabSz="457200" rtl="0" eaLnBrk="1" latinLnBrk="0" hangingPunct="1">
+              <a:spcBef>
+                <a:spcPct val="20000"/>
+              </a:spcBef>
+              <a:buFont typeface="Arial"/>
+              <a:buChar char="•"/>
+              <a:defRPr sz="3200" kern="1200">
+                <a:solidFill>
+                  <a:schemeClr val="tx1"/>
+                </a:solidFill>
+                <a:latin typeface="+mn-lt"/>
+                <a:ea typeface="+mn-ea"/>
+                <a:cs typeface="+mn-cs"/>
+              </a:defRPr>
+            </a:lvl1pPr>
+            <a:lvl2pPr marL="742950" indent="-285750" algn="l" defTabSz="457200" rtl="0" eaLnBrk="1" latinLnBrk="0" hangingPunct="1">
+              <a:spcBef>
+                <a:spcPct val="20000"/>
+              </a:spcBef>
+              <a:buFont typeface="Arial"/>
+              <a:buChar char="–"/>
+              <a:defRPr sz="2800" kern="1200">
+                <a:solidFill>
+                  <a:schemeClr val="tx1"/>
+                </a:solidFill>
+                <a:latin typeface="+mn-lt"/>
+                <a:ea typeface="+mn-ea"/>
+                <a:cs typeface="+mn-cs"/>
+              </a:defRPr>
+            </a:lvl2pPr>
+            <a:lvl3pPr marL="1143000" indent="-228600" algn="l" defTabSz="457200" rtl="0" eaLnBrk="1" latinLnBrk="0" hangingPunct="1">
+              <a:spcBef>
+                <a:spcPct val="20000"/>
+              </a:spcBef>
+              <a:buFont typeface="Arial"/>
+              <a:buChar char="•"/>
+              <a:defRPr sz="2400" kern="1200">
+                <a:solidFill>
+                  <a:schemeClr val="tx1"/>
+                </a:solidFill>
+                <a:latin typeface="+mn-lt"/>
+                <a:ea typeface="+mn-ea"/>
+                <a:cs typeface="+mn-cs"/>
+              </a:defRPr>
+            </a:lvl3pPr>
+            <a:lvl4pPr marL="1600200" indent="-228600" algn="l" defTabSz="457200" rtl="0" eaLnBrk="1" latinLnBrk="0" hangingPunct="1">
+              <a:spcBef>
+                <a:spcPct val="20000"/>
+              </a:spcBef>
+              <a:buFont typeface="Arial"/>
+              <a:buChar char="–"/>
+              <a:defRPr sz="2000" kern="1200">
+                <a:solidFill>
+                  <a:schemeClr val="tx1"/>
+                </a:solidFill>
+                <a:latin typeface="+mn-lt"/>
+                <a:ea typeface="+mn-ea"/>
+                <a:cs typeface="+mn-cs"/>
+              </a:defRPr>
+            </a:lvl4pPr>
+            <a:lvl5pPr marL="2057400" indent="-228600" algn="l" defTabSz="457200" rtl="0" eaLnBrk="1" latinLnBrk="0" hangingPunct="1">
+              <a:spcBef>
+                <a:spcPct val="20000"/>
+              </a:spcBef>
+              <a:buFont typeface="Arial"/>
+              <a:buChar char="»"/>
+              <a:defRPr sz="2000" kern="1200">
+                <a:solidFill>
+                  <a:schemeClr val="tx1"/>
+                </a:solidFill>
+                <a:latin typeface="+mn-lt"/>
+                <a:ea typeface="+mn-ea"/>
+                <a:cs typeface="+mn-cs"/>
+              </a:defRPr>
+            </a:lvl5pPr>
+            <a:lvl6pPr marL="2514600" indent="-228600" algn="l" defTabSz="457200" rtl="0" eaLnBrk="1" latinLnBrk="0" hangingPunct="1">
+              <a:spcBef>
+                <a:spcPct val="20000"/>
+              </a:spcBef>
+              <a:buFont typeface="Arial"/>
+              <a:buChar char="•"/>
+              <a:defRPr sz="2000" kern="1200">
+                <a:solidFill>
+                  <a:schemeClr val="tx1"/>
+                </a:solidFill>
+                <a:latin typeface="+mn-lt"/>
+                <a:ea typeface="+mn-ea"/>
+                <a:cs typeface="+mn-cs"/>
+              </a:defRPr>
+            </a:lvl6pPr>
+            <a:lvl7pPr marL="2971800" indent="-228600" algn="l" defTabSz="457200" rtl="0" eaLnBrk="1" latinLnBrk="0" hangingPunct="1">
+              <a:spcBef>
+                <a:spcPct val="20000"/>
+              </a:spcBef>
+              <a:buFont typeface="Arial"/>
+              <a:buChar char="•"/>
+              <a:defRPr sz="2000" kern="1200">
+                <a:solidFill>
+                  <a:schemeClr val="tx1"/>
+                </a:solidFill>
+                <a:latin typeface="+mn-lt"/>
+                <a:ea typeface="+mn-ea"/>
+                <a:cs typeface="+mn-cs"/>
+              </a:defRPr>
+            </a:lvl7pPr>
+            <a:lvl8pPr marL="3429000" indent="-228600" algn="l" defTabSz="457200" rtl="0" eaLnBrk="1" latinLnBrk="0" hangingPunct="1">
+              <a:spcBef>
+                <a:spcPct val="20000"/>
+              </a:spcBef>
+              <a:buFont typeface="Arial"/>
+              <a:buChar char="•"/>
+              <a:defRPr sz="2000" kern="1200">
+                <a:solidFill>
+                  <a:schemeClr val="tx1"/>
+                </a:solidFill>
+                <a:latin typeface="+mn-lt"/>
+                <a:ea typeface="+mn-ea"/>
+                <a:cs typeface="+mn-cs"/>
+              </a:defRPr>
+            </a:lvl8pPr>
+            <a:lvl9pPr marL="3886200" indent="-228600" algn="l" defTabSz="457200" rtl="0" eaLnBrk="1" latinLnBrk="0" hangingPunct="1">
+              <a:spcBef>
+                <a:spcPct val="20000"/>
+              </a:spcBef>
+              <a:buFont typeface="Arial"/>
+              <a:buChar char="•"/>
+              <a:defRPr sz="2000" kern="1200">
+                <a:solidFill>
+                  <a:schemeClr val="tx1"/>
+                </a:solidFill>
+                <a:latin typeface="+mn-lt"/>
+                <a:ea typeface="+mn-ea"/>
+                <a:cs typeface="+mn-cs"/>
+              </a:defRPr>
+            </a:lvl9pPr>
+          </a:lstStyle>
+          <a:p>
+            <a:r>
+              <a:rPr lang="en-US" sz="2800" dirty="0">
+                <a:latin typeface="Bookman Old Style" panose="02050604050505020204" pitchFamily="18" charset="0"/>
+              </a:rPr>
+              <a:t>The process for motif/clique core decomposition is basically the same as the greedy peeling algorithm, just using motif/clique-based degrees.</a:t>
+            </a:r>
+          </a:p>
+          <a:p>
+            <a:r>
+              <a:rPr lang="en-US" sz="2800" dirty="0">
+                <a:latin typeface="Bookman Old Style" panose="02050604050505020204" pitchFamily="18" charset="0"/>
+              </a:rPr>
+              <a:t>At each step, the vertex of lowest motif/clique degree is identified, then removed from the graph.</a:t>
+            </a:r>
+          </a:p>
+          <a:p>
+            <a:r>
+              <a:rPr lang="en-US" sz="2800" dirty="0">
+                <a:latin typeface="Bookman Old Style" panose="02050604050505020204" pitchFamily="18" charset="0"/>
+              </a:rPr>
+              <a:t>With each removal, the core value of that vertex is stored.</a:t>
+            </a:r>
+          </a:p>
+          <a:p>
+            <a:r>
+              <a:rPr lang="en-US" sz="2800" dirty="0">
+                <a:latin typeface="Bookman Old Style" panose="02050604050505020204" pitchFamily="18" charset="0"/>
+              </a:rPr>
+              <a:t>A running “densest k-core” is also stored and updated when the level of the k-core increases (e.g. going from 1-core to 2-core) and that k-core has a higher density.</a:t>
+            </a:r>
+          </a:p>
+        </p:txBody>
+      </p:sp>
+      <p:pic>
+        <p:nvPicPr>
+          <p:cNvPr id="3" name="Picture 2" descr="A group of circles with letters and numbers&#10;&#10;AI-generated content may be incorrect.">
+            <a:extLst>
+              <a:ext uri="{FF2B5EF4-FFF2-40B4-BE49-F238E27FC236}">
+                <a16:creationId xmlns:a16="http://schemas.microsoft.com/office/drawing/2014/main" id="{C5C96647-3034-1175-0F04-4A5DC5C25F80}"/>
+              </a:ext>
+            </a:extLst>
+          </p:cNvPr>
+          <p:cNvPicPr>
+            <a:picLocks noChangeAspect="1"/>
+          </p:cNvPicPr>
+          <p:nvPr/>
+        </p:nvPicPr>
+        <p:blipFill>
+          <a:blip r:embed="rId2">
+            <a:extLst>
+              <a:ext uri="{28A0092B-C50C-407E-A947-70E740481C1C}">
+                <a14:useLocalDpi xmlns:a14="http://schemas.microsoft.com/office/drawing/2010/main" val="0"/>
+              </a:ext>
+            </a:extLst>
+          </a:blip>
+          <a:srcRect l="27711" r="6024" b="27310"/>
+          <a:stretch>
+            <a:fillRect/>
+          </a:stretch>
+        </p:blipFill>
+        <p:spPr>
+          <a:xfrm>
+            <a:off x="4741437" y="1225715"/>
+            <a:ext cx="4548051" cy="3741806"/>
+          </a:xfrm>
+          <a:prstGeom prst="rect">
+            <a:avLst/>
+          </a:prstGeom>
+        </p:spPr>
+      </p:pic>
+      <p:sp>
+        <p:nvSpPr>
+          <p:cNvPr id="5" name="Content Placeholder 2">
+            <a:extLst>
+              <a:ext uri="{FF2B5EF4-FFF2-40B4-BE49-F238E27FC236}">
+                <a16:creationId xmlns:a16="http://schemas.microsoft.com/office/drawing/2014/main" id="{B8891FF4-CCDC-01EA-FC8B-1DC5DC69D93F}"/>
+              </a:ext>
+            </a:extLst>
+          </p:cNvPr>
+          <p:cNvSpPr txBox="1">
+            <a:spLocks/>
+          </p:cNvSpPr>
+          <p:nvPr/>
+        </p:nvSpPr>
+        <p:spPr>
+          <a:xfrm>
+            <a:off x="5389846" y="4648200"/>
+            <a:ext cx="2915954" cy="914400"/>
+          </a:xfrm>
+          <a:prstGeom prst="rect">
+            <a:avLst/>
+          </a:prstGeom>
+        </p:spPr>
+        <p:txBody>
+          <a:bodyPr vert="horz" lIns="91440" tIns="45720" rIns="91440" bIns="45720" rtlCol="0">
+            <a:normAutofit fontScale="55000" lnSpcReduction="20000"/>
+          </a:bodyPr>
+          <a:lstStyle>
+            <a:lvl1pPr marL="342900" indent="-342900" algn="l" defTabSz="457200" rtl="0" eaLnBrk="1" latinLnBrk="0" hangingPunct="1">
+              <a:spcBef>
+                <a:spcPct val="20000"/>
+              </a:spcBef>
+              <a:buFont typeface="Arial"/>
+              <a:buChar char="•"/>
+              <a:defRPr sz="3200" kern="1200">
+                <a:solidFill>
+                  <a:schemeClr val="tx1"/>
+                </a:solidFill>
+                <a:latin typeface="+mn-lt"/>
+                <a:ea typeface="+mn-ea"/>
+                <a:cs typeface="+mn-cs"/>
+              </a:defRPr>
+            </a:lvl1pPr>
+            <a:lvl2pPr marL="742950" indent="-285750" algn="l" defTabSz="457200" rtl="0" eaLnBrk="1" latinLnBrk="0" hangingPunct="1">
+              <a:spcBef>
+                <a:spcPct val="20000"/>
+              </a:spcBef>
+              <a:buFont typeface="Arial"/>
+              <a:buChar char="–"/>
+              <a:defRPr sz="2800" kern="1200">
+                <a:solidFill>
+                  <a:schemeClr val="tx1"/>
+                </a:solidFill>
+                <a:latin typeface="+mn-lt"/>
+                <a:ea typeface="+mn-ea"/>
+                <a:cs typeface="+mn-cs"/>
+              </a:defRPr>
+            </a:lvl2pPr>
+            <a:lvl3pPr marL="1143000" indent="-228600" algn="l" defTabSz="457200" rtl="0" eaLnBrk="1" latinLnBrk="0" hangingPunct="1">
+              <a:spcBef>
+                <a:spcPct val="20000"/>
+              </a:spcBef>
+              <a:buFont typeface="Arial"/>
+              <a:buChar char="•"/>
+              <a:defRPr sz="2400" kern="1200">
+                <a:solidFill>
+                  <a:schemeClr val="tx1"/>
+                </a:solidFill>
+                <a:latin typeface="+mn-lt"/>
+                <a:ea typeface="+mn-ea"/>
+                <a:cs typeface="+mn-cs"/>
+              </a:defRPr>
+            </a:lvl3pPr>
+            <a:lvl4pPr marL="1600200" indent="-228600" algn="l" defTabSz="457200" rtl="0" eaLnBrk="1" latinLnBrk="0" hangingPunct="1">
+              <a:spcBef>
+                <a:spcPct val="20000"/>
+              </a:spcBef>
+              <a:buFont typeface="Arial"/>
+              <a:buChar char="–"/>
+              <a:defRPr sz="2000" kern="1200">
+                <a:solidFill>
+                  <a:schemeClr val="tx1"/>
+                </a:solidFill>
+                <a:latin typeface="+mn-lt"/>
+                <a:ea typeface="+mn-ea"/>
+                <a:cs typeface="+mn-cs"/>
+              </a:defRPr>
+            </a:lvl4pPr>
+            <a:lvl5pPr marL="2057400" indent="-228600" algn="l" defTabSz="457200" rtl="0" eaLnBrk="1" latinLnBrk="0" hangingPunct="1">
+              <a:spcBef>
+                <a:spcPct val="20000"/>
+              </a:spcBef>
+              <a:buFont typeface="Arial"/>
+              <a:buChar char="»"/>
+              <a:defRPr sz="2000" kern="1200">
+                <a:solidFill>
+                  <a:schemeClr val="tx1"/>
+                </a:solidFill>
+                <a:latin typeface="+mn-lt"/>
+                <a:ea typeface="+mn-ea"/>
+                <a:cs typeface="+mn-cs"/>
+              </a:defRPr>
+            </a:lvl5pPr>
+            <a:lvl6pPr marL="2514600" indent="-228600" algn="l" defTabSz="457200" rtl="0" eaLnBrk="1" latinLnBrk="0" hangingPunct="1">
+              <a:spcBef>
+                <a:spcPct val="20000"/>
+              </a:spcBef>
+              <a:buFont typeface="Arial"/>
+              <a:buChar char="•"/>
+              <a:defRPr sz="2000" kern="1200">
+                <a:solidFill>
+                  <a:schemeClr val="tx1"/>
+                </a:solidFill>
+                <a:latin typeface="+mn-lt"/>
+                <a:ea typeface="+mn-ea"/>
+                <a:cs typeface="+mn-cs"/>
+              </a:defRPr>
+            </a:lvl6pPr>
+            <a:lvl7pPr marL="2971800" indent="-228600" algn="l" defTabSz="457200" rtl="0" eaLnBrk="1" latinLnBrk="0" hangingPunct="1">
+              <a:spcBef>
+                <a:spcPct val="20000"/>
+              </a:spcBef>
+              <a:buFont typeface="Arial"/>
+              <a:buChar char="•"/>
+              <a:defRPr sz="2000" kern="1200">
+                <a:solidFill>
+                  <a:schemeClr val="tx1"/>
+                </a:solidFill>
+                <a:latin typeface="+mn-lt"/>
+                <a:ea typeface="+mn-ea"/>
+                <a:cs typeface="+mn-cs"/>
+              </a:defRPr>
+            </a:lvl7pPr>
+            <a:lvl8pPr marL="3429000" indent="-228600" algn="l" defTabSz="457200" rtl="0" eaLnBrk="1" latinLnBrk="0" hangingPunct="1">
+              <a:spcBef>
+                <a:spcPct val="20000"/>
+              </a:spcBef>
+              <a:buFont typeface="Arial"/>
+              <a:buChar char="•"/>
+              <a:defRPr sz="2000" kern="1200">
+                <a:solidFill>
+                  <a:schemeClr val="tx1"/>
+                </a:solidFill>
+                <a:latin typeface="+mn-lt"/>
+                <a:ea typeface="+mn-ea"/>
+                <a:cs typeface="+mn-cs"/>
+              </a:defRPr>
+            </a:lvl8pPr>
+            <a:lvl9pPr marL="3886200" indent="-228600" algn="l" defTabSz="457200" rtl="0" eaLnBrk="1" latinLnBrk="0" hangingPunct="1">
+              <a:spcBef>
+                <a:spcPct val="20000"/>
+              </a:spcBef>
+              <a:buFont typeface="Arial"/>
+              <a:buChar char="•"/>
+              <a:defRPr sz="2000" kern="1200">
+                <a:solidFill>
+                  <a:schemeClr val="tx1"/>
+                </a:solidFill>
+                <a:latin typeface="+mn-lt"/>
+                <a:ea typeface="+mn-ea"/>
+                <a:cs typeface="+mn-cs"/>
+              </a:defRPr>
+            </a:lvl9pPr>
+          </a:lstStyle>
+          <a:p>
+            <a:pPr marL="0" indent="0">
+              <a:buNone/>
+            </a:pPr>
+            <a:r>
+              <a:rPr lang="en-US" sz="2800" b="1" dirty="0">
+                <a:latin typeface="Bookman Old Style" panose="02050604050505020204" pitchFamily="18" charset="0"/>
+              </a:rPr>
+              <a:t>Yellow = 0-core</a:t>
+            </a:r>
+          </a:p>
+          <a:p>
+            <a:pPr marL="0" indent="0">
+              <a:buNone/>
+            </a:pPr>
+            <a:r>
+              <a:rPr lang="en-US" sz="2800" b="1" dirty="0">
+                <a:latin typeface="Bookman Old Style" panose="02050604050505020204" pitchFamily="18" charset="0"/>
+              </a:rPr>
+              <a:t>Orange = 1-core and lower</a:t>
+            </a:r>
+          </a:p>
+          <a:p>
+            <a:pPr marL="0" indent="0">
+              <a:buNone/>
+            </a:pPr>
+            <a:r>
+              <a:rPr lang="en-US" sz="2800" b="1" dirty="0">
+                <a:latin typeface="Bookman Old Style" panose="02050604050505020204" pitchFamily="18" charset="0"/>
+              </a:rPr>
+              <a:t>Red = 3-core and lower</a:t>
+            </a:r>
+          </a:p>
+        </p:txBody>
+      </p:sp>
+    </p:spTree>
+    <p:extLst>
+      <p:ext uri="{BB962C8B-B14F-4D97-AF65-F5344CB8AC3E}">
+        <p14:creationId xmlns:p14="http://schemas.microsoft.com/office/powerpoint/2010/main" val="3007092260"/>
+      </p:ext>
+    </p:extLst>
+  </p:cSld>
+  <p:clrMapOvr>
+    <a:masterClrMapping/>
+  </p:clrMapOvr>
+</p:sld>
+</file>
+
+<file path=ppt/slides/slide22.xml><?xml version="1.0" encoding="utf-8"?>
+<p:sld xmlns:a="http://schemas.openxmlformats.org/drawingml/2006/main" xmlns:r="http://schemas.openxmlformats.org/officeDocument/2006/relationships" xmlns:p="http://schemas.openxmlformats.org/presentationml/2006/main">
+  <p:cSld>
+    <p:spTree>
+      <p:nvGrpSpPr>
+        <p:cNvPr id="1" name="">
+          <a:extLst>
+            <a:ext uri="{FF2B5EF4-FFF2-40B4-BE49-F238E27FC236}">
+              <a16:creationId xmlns:a16="http://schemas.microsoft.com/office/drawing/2014/main" id="{7184D828-AD09-6C1E-6093-FC17D0BB7D04}"/>
+            </a:ext>
+          </a:extLst>
+        </p:cNvPr>
+        <p:cNvGrpSpPr/>
+        <p:nvPr/>
+      </p:nvGrpSpPr>
+      <p:grpSpPr>
+        <a:xfrm>
+          <a:off x="0" y="0"/>
+          <a:ext cx="0" cy="0"/>
+          <a:chOff x="0" y="0"/>
+          <a:chExt cx="0" cy="0"/>
+        </a:xfrm>
+      </p:grpSpPr>
+      <p:sp>
+        <p:nvSpPr>
+          <p:cNvPr id="4" name="Title 1">
+            <a:extLst>
+              <a:ext uri="{FF2B5EF4-FFF2-40B4-BE49-F238E27FC236}">
+                <a16:creationId xmlns:a16="http://schemas.microsoft.com/office/drawing/2014/main" id="{AC4EA7EB-5B17-017F-A931-0D22227A2338}"/>
               </a:ext>
             </a:extLst>
           </p:cNvPr>
@@ -7664,7 +8910,7 @@
               <a:rPr lang="en-US" sz="4000" dirty="0">
                 <a:latin typeface="Rockwell" panose="02060603020205020403" pitchFamily="18" charset="0"/>
               </a:rPr>
-              <a:t>Text</a:t>
+              <a:t>Why The Densest k-core?</a:t>
             </a:r>
           </a:p>
         </p:txBody>
@@ -7674,7 +8920,7 @@
           <p:cNvPr id="2" name="Content Placeholder 2">
             <a:extLst>
               <a:ext uri="{FF2B5EF4-FFF2-40B4-BE49-F238E27FC236}">
-                <a16:creationId xmlns:a16="http://schemas.microsoft.com/office/drawing/2014/main" id="{CACC8463-7C70-01A6-A592-7FCBDB37F67D}"/>
+                <a16:creationId xmlns:a16="http://schemas.microsoft.com/office/drawing/2014/main" id="{C56B07FE-1859-3882-849D-208327E1646F}"/>
               </a:ext>
             </a:extLst>
           </p:cNvPr>
@@ -7686,7 +8932,7 @@
         <p:spPr>
           <a:xfrm>
             <a:off x="228600" y="1434946"/>
-            <a:ext cx="5135120" cy="4545011"/>
+            <a:ext cx="8686800" cy="4545011"/>
           </a:xfrm>
           <a:prstGeom prst="rect">
             <a:avLst/>
@@ -7694,7 +8940,7 @@
         </p:spPr>
         <p:txBody>
           <a:bodyPr vert="horz" lIns="91440" tIns="45720" rIns="91440" bIns="45720" rtlCol="0">
-            <a:normAutofit/>
+            <a:normAutofit fontScale="77500" lnSpcReduction="20000"/>
           </a:bodyPr>
           <a:lstStyle>
             <a:lvl1pPr marL="342900" indent="-342900" algn="l" defTabSz="457200" rtl="0" eaLnBrk="1" latinLnBrk="0" hangingPunct="1">
@@ -7838,7 +9084,103 @@
               <a:rPr lang="en-US" sz="2800" dirty="0">
                 <a:latin typeface="Bookman Old Style" panose="02050604050505020204" pitchFamily="18" charset="0"/>
               </a:rPr>
-              <a:t>text</a:t>
+              <a:t>The reason we find the densest k-core is that it was proven that it contains the densest subgraph (of the input graph).</a:t>
+            </a:r>
+          </a:p>
+          <a:p>
+            <a:r>
+              <a:rPr lang="en-US" sz="2800" dirty="0">
+                <a:latin typeface="Bookman Old Style" panose="02050604050505020204" pitchFamily="18" charset="0"/>
+              </a:rPr>
+              <a:t>A lemma states that from the densest subgraph with density </a:t>
+            </a:r>
+            <a:r>
+              <a:rPr lang="en-US" sz="2800" i="1" dirty="0">
+                <a:latin typeface="Bookman Old Style" panose="02050604050505020204" pitchFamily="18" charset="0"/>
+              </a:rPr>
+              <a:t>p</a:t>
+            </a:r>
+            <a:r>
+              <a:rPr lang="en-US" sz="2800" dirty="0">
+                <a:latin typeface="Bookman Old Style" panose="02050604050505020204" pitchFamily="18" charset="0"/>
+              </a:rPr>
+              <a:t>, removing a vertex will result in at least ⌈</a:t>
+            </a:r>
+            <a:r>
+              <a:rPr lang="en-US" sz="2800" i="1" dirty="0">
+                <a:latin typeface="Bookman Old Style" panose="02050604050505020204" pitchFamily="18" charset="0"/>
+              </a:rPr>
+              <a:t>p</a:t>
+            </a:r>
+            <a:r>
+              <a:rPr lang="en-US" sz="2800" dirty="0">
+                <a:latin typeface="Bookman Old Style" panose="02050604050505020204" pitchFamily="18" charset="0"/>
+              </a:rPr>
+              <a:t>⌉ motifs/cliques being removed from the subgraph. This was proven by contradiction, since if it was less than ⌈</a:t>
+            </a:r>
+            <a:r>
+              <a:rPr lang="en-US" sz="2800" i="1" dirty="0">
+                <a:latin typeface="Bookman Old Style" panose="02050604050505020204" pitchFamily="18" charset="0"/>
+              </a:rPr>
+              <a:t>p</a:t>
+            </a:r>
+            <a:r>
+              <a:rPr lang="en-US" sz="2800" dirty="0">
+                <a:latin typeface="Bookman Old Style" panose="02050604050505020204" pitchFamily="18" charset="0"/>
+              </a:rPr>
+              <a:t>⌉ motifs/cliques, the density after removal would be higher.</a:t>
+            </a:r>
+          </a:p>
+          <a:p>
+            <a:r>
+              <a:rPr lang="en-US" sz="2800" dirty="0">
+                <a:latin typeface="Bookman Old Style" panose="02050604050505020204" pitchFamily="18" charset="0"/>
+              </a:rPr>
+              <a:t>Intuitively, this means that any vertex in the densest subgraph has a degree of at least ⌈</a:t>
+            </a:r>
+            <a:r>
+              <a:rPr lang="en-US" sz="2800" i="1" dirty="0">
+                <a:latin typeface="Bookman Old Style" panose="02050604050505020204" pitchFamily="18" charset="0"/>
+              </a:rPr>
+              <a:t>p</a:t>
+            </a:r>
+            <a:r>
+              <a:rPr lang="en-US" sz="2800" dirty="0">
+                <a:latin typeface="Bookman Old Style" panose="02050604050505020204" pitchFamily="18" charset="0"/>
+              </a:rPr>
+              <a:t>⌉ (is in at least ⌈</a:t>
+            </a:r>
+            <a:r>
+              <a:rPr lang="en-US" sz="2800" i="1" dirty="0">
+                <a:latin typeface="Bookman Old Style" panose="02050604050505020204" pitchFamily="18" charset="0"/>
+              </a:rPr>
+              <a:t>p</a:t>
+            </a:r>
+            <a:r>
+              <a:rPr lang="en-US" sz="2800" dirty="0">
+                <a:latin typeface="Bookman Old Style" panose="02050604050505020204" pitchFamily="18" charset="0"/>
+              </a:rPr>
+              <a:t>⌉ motifs/cliques).</a:t>
+            </a:r>
+          </a:p>
+          <a:p>
+            <a:r>
+              <a:rPr lang="en-US" sz="2800" dirty="0">
+                <a:latin typeface="Bookman Old Style" panose="02050604050505020204" pitchFamily="18" charset="0"/>
+              </a:rPr>
+              <a:t>This definition matches a k-core, where any vertex in the k-core has a degree of at least k. Therefore, we can conclude that the densest subgraph is in the k-core where k = ⌈</a:t>
+            </a:r>
+            <a:r>
+              <a:rPr lang="en-US" sz="2800" i="1" dirty="0">
+                <a:latin typeface="Bookman Old Style" panose="02050604050505020204" pitchFamily="18" charset="0"/>
+              </a:rPr>
+              <a:t>p</a:t>
+            </a:r>
+            <a:r>
+              <a:rPr lang="en-US" sz="2800" dirty="0">
+                <a:latin typeface="Bookman Old Style" panose="02050604050505020204" pitchFamily="18" charset="0"/>
+              </a:rPr>
+              <a:t>⌉.</a:t>
             </a:r>
           </a:p>
         </p:txBody>
@@ -7846,7 +9188,7 @@
     </p:spTree>
     <p:extLst>
       <p:ext uri="{BB962C8B-B14F-4D97-AF65-F5344CB8AC3E}">
-        <p14:creationId xmlns:p14="http://schemas.microsoft.com/office/powerpoint/2010/main" val="3496906452"/>
+        <p14:creationId xmlns:p14="http://schemas.microsoft.com/office/powerpoint/2010/main" val="3875726646"/>
       </p:ext>
     </p:extLst>
   </p:cSld>
@@ -7856,7 +9198,7 @@
 </p:sld>
 </file>
 
-<file path=ppt/slides/slide21.xml><?xml version="1.0" encoding="utf-8"?>
+<file path=ppt/slides/slide23.xml><?xml version="1.0" encoding="utf-8"?>
 <p:sld xmlns:a="http://schemas.openxmlformats.org/drawingml/2006/main" xmlns:r="http://schemas.openxmlformats.org/officeDocument/2006/relationships" xmlns:p="http://schemas.openxmlformats.org/presentationml/2006/main">
   <p:cSld>
     <p:spTree>
@@ -7864,7 +9206,7 @@
         <p:cNvPr id="1" name="">
           <a:extLst>
             <a:ext uri="{FF2B5EF4-FFF2-40B4-BE49-F238E27FC236}">
-              <a16:creationId xmlns:a16="http://schemas.microsoft.com/office/drawing/2014/main" id="{2067140C-C96E-A9DB-954A-240A9F30CE3A}"/>
+              <a16:creationId xmlns:a16="http://schemas.microsoft.com/office/drawing/2014/main" id="{EEA2AC22-A761-F1DC-0E9D-1DF3DA471D99}"/>
             </a:ext>
           </a:extLst>
         </p:cNvPr>
@@ -7884,7 +9226,826 @@
           <p:cNvPr id="4" name="Title 1">
             <a:extLst>
               <a:ext uri="{FF2B5EF4-FFF2-40B4-BE49-F238E27FC236}">
-                <a16:creationId xmlns:a16="http://schemas.microsoft.com/office/drawing/2014/main" id="{5778558E-10AD-9A2B-585B-B361AC933DE6}"/>
+                <a16:creationId xmlns:a16="http://schemas.microsoft.com/office/drawing/2014/main" id="{EED83F65-52CA-706E-CF49-DCD257FCF869}"/>
+              </a:ext>
+            </a:extLst>
+          </p:cNvPr>
+          <p:cNvSpPr txBox="1">
+            <a:spLocks/>
+          </p:cNvSpPr>
+          <p:nvPr/>
+        </p:nvSpPr>
+        <p:spPr>
+          <a:xfrm>
+            <a:off x="1497166" y="-94853"/>
+            <a:ext cx="6149667" cy="1320800"/>
+          </a:xfrm>
+          <a:prstGeom prst="rect">
+            <a:avLst/>
+          </a:prstGeom>
+        </p:spPr>
+        <p:txBody>
+          <a:bodyPr vert="horz" lIns="91440" tIns="45720" rIns="91440" bIns="45720" rtlCol="0" anchor="ctr">
+            <a:normAutofit/>
+          </a:bodyPr>
+          <a:lstStyle>
+            <a:lvl1pPr algn="ctr" defTabSz="457200" rtl="0" eaLnBrk="1" latinLnBrk="0" hangingPunct="1">
+              <a:spcBef>
+                <a:spcPct val="0"/>
+              </a:spcBef>
+              <a:buNone/>
+              <a:defRPr sz="4400" kern="1200">
+                <a:solidFill>
+                  <a:schemeClr val="tx1"/>
+                </a:solidFill>
+                <a:latin typeface="+mj-lt"/>
+                <a:ea typeface="+mj-ea"/>
+                <a:cs typeface="+mj-cs"/>
+              </a:defRPr>
+            </a:lvl1pPr>
+          </a:lstStyle>
+          <a:p>
+            <a:r>
+              <a:rPr lang="en-US" sz="4000" dirty="0">
+                <a:latin typeface="Rockwell" panose="02060603020205020403" pitchFamily="18" charset="0"/>
+              </a:rPr>
+              <a:t>Connected Components</a:t>
+            </a:r>
+          </a:p>
+        </p:txBody>
+      </p:sp>
+      <p:sp>
+        <p:nvSpPr>
+          <p:cNvPr id="2" name="Content Placeholder 2">
+            <a:extLst>
+              <a:ext uri="{FF2B5EF4-FFF2-40B4-BE49-F238E27FC236}">
+                <a16:creationId xmlns:a16="http://schemas.microsoft.com/office/drawing/2014/main" id="{A7A01F4C-C799-B1E3-83FD-E03CD830EB95}"/>
+              </a:ext>
+            </a:extLst>
+          </p:cNvPr>
+          <p:cNvSpPr txBox="1">
+            <a:spLocks/>
+          </p:cNvSpPr>
+          <p:nvPr/>
+        </p:nvSpPr>
+        <p:spPr>
+          <a:xfrm>
+            <a:off x="23949" y="990600"/>
+            <a:ext cx="4800600" cy="4545011"/>
+          </a:xfrm>
+          <a:prstGeom prst="rect">
+            <a:avLst/>
+          </a:prstGeom>
+        </p:spPr>
+        <p:txBody>
+          <a:bodyPr vert="horz" lIns="91440" tIns="45720" rIns="91440" bIns="45720" rtlCol="0">
+            <a:normAutofit fontScale="77500" lnSpcReduction="20000"/>
+          </a:bodyPr>
+          <a:lstStyle>
+            <a:lvl1pPr marL="342900" indent="-342900" algn="l" defTabSz="457200" rtl="0" eaLnBrk="1" latinLnBrk="0" hangingPunct="1">
+              <a:spcBef>
+                <a:spcPct val="20000"/>
+              </a:spcBef>
+              <a:buFont typeface="Arial"/>
+              <a:buChar char="•"/>
+              <a:defRPr sz="3200" kern="1200">
+                <a:solidFill>
+                  <a:schemeClr val="tx1"/>
+                </a:solidFill>
+                <a:latin typeface="+mn-lt"/>
+                <a:ea typeface="+mn-ea"/>
+                <a:cs typeface="+mn-cs"/>
+              </a:defRPr>
+            </a:lvl1pPr>
+            <a:lvl2pPr marL="742950" indent="-285750" algn="l" defTabSz="457200" rtl="0" eaLnBrk="1" latinLnBrk="0" hangingPunct="1">
+              <a:spcBef>
+                <a:spcPct val="20000"/>
+              </a:spcBef>
+              <a:buFont typeface="Arial"/>
+              <a:buChar char="–"/>
+              <a:defRPr sz="2800" kern="1200">
+                <a:solidFill>
+                  <a:schemeClr val="tx1"/>
+                </a:solidFill>
+                <a:latin typeface="+mn-lt"/>
+                <a:ea typeface="+mn-ea"/>
+                <a:cs typeface="+mn-cs"/>
+              </a:defRPr>
+            </a:lvl2pPr>
+            <a:lvl3pPr marL="1143000" indent="-228600" algn="l" defTabSz="457200" rtl="0" eaLnBrk="1" latinLnBrk="0" hangingPunct="1">
+              <a:spcBef>
+                <a:spcPct val="20000"/>
+              </a:spcBef>
+              <a:buFont typeface="Arial"/>
+              <a:buChar char="•"/>
+              <a:defRPr sz="2400" kern="1200">
+                <a:solidFill>
+                  <a:schemeClr val="tx1"/>
+                </a:solidFill>
+                <a:latin typeface="+mn-lt"/>
+                <a:ea typeface="+mn-ea"/>
+                <a:cs typeface="+mn-cs"/>
+              </a:defRPr>
+            </a:lvl3pPr>
+            <a:lvl4pPr marL="1600200" indent="-228600" algn="l" defTabSz="457200" rtl="0" eaLnBrk="1" latinLnBrk="0" hangingPunct="1">
+              <a:spcBef>
+                <a:spcPct val="20000"/>
+              </a:spcBef>
+              <a:buFont typeface="Arial"/>
+              <a:buChar char="–"/>
+              <a:defRPr sz="2000" kern="1200">
+                <a:solidFill>
+                  <a:schemeClr val="tx1"/>
+                </a:solidFill>
+                <a:latin typeface="+mn-lt"/>
+                <a:ea typeface="+mn-ea"/>
+                <a:cs typeface="+mn-cs"/>
+              </a:defRPr>
+            </a:lvl4pPr>
+            <a:lvl5pPr marL="2057400" indent="-228600" algn="l" defTabSz="457200" rtl="0" eaLnBrk="1" latinLnBrk="0" hangingPunct="1">
+              <a:spcBef>
+                <a:spcPct val="20000"/>
+              </a:spcBef>
+              <a:buFont typeface="Arial"/>
+              <a:buChar char="»"/>
+              <a:defRPr sz="2000" kern="1200">
+                <a:solidFill>
+                  <a:schemeClr val="tx1"/>
+                </a:solidFill>
+                <a:latin typeface="+mn-lt"/>
+                <a:ea typeface="+mn-ea"/>
+                <a:cs typeface="+mn-cs"/>
+              </a:defRPr>
+            </a:lvl5pPr>
+            <a:lvl6pPr marL="2514600" indent="-228600" algn="l" defTabSz="457200" rtl="0" eaLnBrk="1" latinLnBrk="0" hangingPunct="1">
+              <a:spcBef>
+                <a:spcPct val="20000"/>
+              </a:spcBef>
+              <a:buFont typeface="Arial"/>
+              <a:buChar char="•"/>
+              <a:defRPr sz="2000" kern="1200">
+                <a:solidFill>
+                  <a:schemeClr val="tx1"/>
+                </a:solidFill>
+                <a:latin typeface="+mn-lt"/>
+                <a:ea typeface="+mn-ea"/>
+                <a:cs typeface="+mn-cs"/>
+              </a:defRPr>
+            </a:lvl6pPr>
+            <a:lvl7pPr marL="2971800" indent="-228600" algn="l" defTabSz="457200" rtl="0" eaLnBrk="1" latinLnBrk="0" hangingPunct="1">
+              <a:spcBef>
+                <a:spcPct val="20000"/>
+              </a:spcBef>
+              <a:buFont typeface="Arial"/>
+              <a:buChar char="•"/>
+              <a:defRPr sz="2000" kern="1200">
+                <a:solidFill>
+                  <a:schemeClr val="tx1"/>
+                </a:solidFill>
+                <a:latin typeface="+mn-lt"/>
+                <a:ea typeface="+mn-ea"/>
+                <a:cs typeface="+mn-cs"/>
+              </a:defRPr>
+            </a:lvl7pPr>
+            <a:lvl8pPr marL="3429000" indent="-228600" algn="l" defTabSz="457200" rtl="0" eaLnBrk="1" latinLnBrk="0" hangingPunct="1">
+              <a:spcBef>
+                <a:spcPct val="20000"/>
+              </a:spcBef>
+              <a:buFont typeface="Arial"/>
+              <a:buChar char="•"/>
+              <a:defRPr sz="2000" kern="1200">
+                <a:solidFill>
+                  <a:schemeClr val="tx1"/>
+                </a:solidFill>
+                <a:latin typeface="+mn-lt"/>
+                <a:ea typeface="+mn-ea"/>
+                <a:cs typeface="+mn-cs"/>
+              </a:defRPr>
+            </a:lvl8pPr>
+            <a:lvl9pPr marL="3886200" indent="-228600" algn="l" defTabSz="457200" rtl="0" eaLnBrk="1" latinLnBrk="0" hangingPunct="1">
+              <a:spcBef>
+                <a:spcPct val="20000"/>
+              </a:spcBef>
+              <a:buFont typeface="Arial"/>
+              <a:buChar char="•"/>
+              <a:defRPr sz="2000" kern="1200">
+                <a:solidFill>
+                  <a:schemeClr val="tx1"/>
+                </a:solidFill>
+                <a:latin typeface="+mn-lt"/>
+                <a:ea typeface="+mn-ea"/>
+                <a:cs typeface="+mn-cs"/>
+              </a:defRPr>
+            </a:lvl9pPr>
+          </a:lstStyle>
+          <a:p>
+            <a:r>
+              <a:rPr lang="en-US" sz="2800" dirty="0">
+                <a:latin typeface="Bookman Old Style" panose="02050604050505020204" pitchFamily="18" charset="0"/>
+              </a:rPr>
+              <a:t>To take the decomposition even further, we then break the densest k-core into its connected components.</a:t>
+            </a:r>
+          </a:p>
+          <a:p>
+            <a:r>
+              <a:rPr lang="en-US" sz="2800" dirty="0">
+                <a:latin typeface="Bookman Old Style" panose="02050604050505020204" pitchFamily="18" charset="0"/>
+              </a:rPr>
+              <a:t>Connected components are disjointed subgraphs of a larger graph, where each subgraph is only of vertices that are connected by some path through the graph.</a:t>
+            </a:r>
+          </a:p>
+          <a:p>
+            <a:r>
+              <a:rPr lang="en-US" sz="2800" dirty="0">
+                <a:latin typeface="Bookman Old Style" panose="02050604050505020204" pitchFamily="18" charset="0"/>
+              </a:rPr>
+              <a:t>This is done because connected components will be denser apart than together considering the many vertices that aren’t connected to each other.</a:t>
+            </a:r>
+          </a:p>
+        </p:txBody>
+      </p:sp>
+      <p:pic>
+        <p:nvPicPr>
+          <p:cNvPr id="5" name="Picture 4" descr="A group of blue circles with letters on a black background&#10;&#10;AI-generated content may be incorrect.">
+            <a:extLst>
+              <a:ext uri="{FF2B5EF4-FFF2-40B4-BE49-F238E27FC236}">
+                <a16:creationId xmlns:a16="http://schemas.microsoft.com/office/drawing/2014/main" id="{EDB145F0-FD83-27EC-880C-41D17E566A96}"/>
+              </a:ext>
+            </a:extLst>
+          </p:cNvPr>
+          <p:cNvPicPr>
+            <a:picLocks noChangeAspect="1"/>
+          </p:cNvPicPr>
+          <p:nvPr/>
+        </p:nvPicPr>
+        <p:blipFill>
+          <a:blip r:embed="rId2">
+            <a:extLst>
+              <a:ext uri="{28A0092B-C50C-407E-A947-70E740481C1C}">
+                <a14:useLocalDpi xmlns:a14="http://schemas.microsoft.com/office/drawing/2010/main" val="0"/>
+              </a:ext>
+            </a:extLst>
+          </a:blip>
+          <a:srcRect l="35833"/>
+          <a:stretch>
+            <a:fillRect/>
+          </a:stretch>
+        </p:blipFill>
+        <p:spPr>
+          <a:xfrm>
+            <a:off x="4724400" y="838200"/>
+            <a:ext cx="3650827" cy="4267200"/>
+          </a:xfrm>
+          <a:prstGeom prst="rect">
+            <a:avLst/>
+          </a:prstGeom>
+        </p:spPr>
+      </p:pic>
+      <p:sp>
+        <p:nvSpPr>
+          <p:cNvPr id="6" name="Content Placeholder 2">
+            <a:extLst>
+              <a:ext uri="{FF2B5EF4-FFF2-40B4-BE49-F238E27FC236}">
+                <a16:creationId xmlns:a16="http://schemas.microsoft.com/office/drawing/2014/main" id="{21488658-00E3-EFC7-B509-C70C3AD66D64}"/>
+              </a:ext>
+            </a:extLst>
+          </p:cNvPr>
+          <p:cNvSpPr txBox="1">
+            <a:spLocks/>
+          </p:cNvSpPr>
+          <p:nvPr/>
+        </p:nvSpPr>
+        <p:spPr>
+          <a:xfrm>
+            <a:off x="4647465" y="4637785"/>
+            <a:ext cx="3159034" cy="935230"/>
+          </a:xfrm>
+          <a:prstGeom prst="rect">
+            <a:avLst/>
+          </a:prstGeom>
+        </p:spPr>
+        <p:txBody>
+          <a:bodyPr vert="horz" lIns="91440" tIns="45720" rIns="91440" bIns="45720" rtlCol="0">
+            <a:normAutofit fontScale="70000" lnSpcReduction="20000"/>
+          </a:bodyPr>
+          <a:lstStyle>
+            <a:lvl1pPr marL="342900" indent="-342900" algn="l" defTabSz="457200" rtl="0" eaLnBrk="1" latinLnBrk="0" hangingPunct="1">
+              <a:spcBef>
+                <a:spcPct val="20000"/>
+              </a:spcBef>
+              <a:buFont typeface="Arial"/>
+              <a:buChar char="•"/>
+              <a:defRPr sz="3200" kern="1200">
+                <a:solidFill>
+                  <a:schemeClr val="tx1"/>
+                </a:solidFill>
+                <a:latin typeface="+mn-lt"/>
+                <a:ea typeface="+mn-ea"/>
+                <a:cs typeface="+mn-cs"/>
+              </a:defRPr>
+            </a:lvl1pPr>
+            <a:lvl2pPr marL="742950" indent="-285750" algn="l" defTabSz="457200" rtl="0" eaLnBrk="1" latinLnBrk="0" hangingPunct="1">
+              <a:spcBef>
+                <a:spcPct val="20000"/>
+              </a:spcBef>
+              <a:buFont typeface="Arial"/>
+              <a:buChar char="–"/>
+              <a:defRPr sz="2800" kern="1200">
+                <a:solidFill>
+                  <a:schemeClr val="tx1"/>
+                </a:solidFill>
+                <a:latin typeface="+mn-lt"/>
+                <a:ea typeface="+mn-ea"/>
+                <a:cs typeface="+mn-cs"/>
+              </a:defRPr>
+            </a:lvl2pPr>
+            <a:lvl3pPr marL="1143000" indent="-228600" algn="l" defTabSz="457200" rtl="0" eaLnBrk="1" latinLnBrk="0" hangingPunct="1">
+              <a:spcBef>
+                <a:spcPct val="20000"/>
+              </a:spcBef>
+              <a:buFont typeface="Arial"/>
+              <a:buChar char="•"/>
+              <a:defRPr sz="2400" kern="1200">
+                <a:solidFill>
+                  <a:schemeClr val="tx1"/>
+                </a:solidFill>
+                <a:latin typeface="+mn-lt"/>
+                <a:ea typeface="+mn-ea"/>
+                <a:cs typeface="+mn-cs"/>
+              </a:defRPr>
+            </a:lvl3pPr>
+            <a:lvl4pPr marL="1600200" indent="-228600" algn="l" defTabSz="457200" rtl="0" eaLnBrk="1" latinLnBrk="0" hangingPunct="1">
+              <a:spcBef>
+                <a:spcPct val="20000"/>
+              </a:spcBef>
+              <a:buFont typeface="Arial"/>
+              <a:buChar char="–"/>
+              <a:defRPr sz="2000" kern="1200">
+                <a:solidFill>
+                  <a:schemeClr val="tx1"/>
+                </a:solidFill>
+                <a:latin typeface="+mn-lt"/>
+                <a:ea typeface="+mn-ea"/>
+                <a:cs typeface="+mn-cs"/>
+              </a:defRPr>
+            </a:lvl4pPr>
+            <a:lvl5pPr marL="2057400" indent="-228600" algn="l" defTabSz="457200" rtl="0" eaLnBrk="1" latinLnBrk="0" hangingPunct="1">
+              <a:spcBef>
+                <a:spcPct val="20000"/>
+              </a:spcBef>
+              <a:buFont typeface="Arial"/>
+              <a:buChar char="»"/>
+              <a:defRPr sz="2000" kern="1200">
+                <a:solidFill>
+                  <a:schemeClr val="tx1"/>
+                </a:solidFill>
+                <a:latin typeface="+mn-lt"/>
+                <a:ea typeface="+mn-ea"/>
+                <a:cs typeface="+mn-cs"/>
+              </a:defRPr>
+            </a:lvl5pPr>
+            <a:lvl6pPr marL="2514600" indent="-228600" algn="l" defTabSz="457200" rtl="0" eaLnBrk="1" latinLnBrk="0" hangingPunct="1">
+              <a:spcBef>
+                <a:spcPct val="20000"/>
+              </a:spcBef>
+              <a:buFont typeface="Arial"/>
+              <a:buChar char="•"/>
+              <a:defRPr sz="2000" kern="1200">
+                <a:solidFill>
+                  <a:schemeClr val="tx1"/>
+                </a:solidFill>
+                <a:latin typeface="+mn-lt"/>
+                <a:ea typeface="+mn-ea"/>
+                <a:cs typeface="+mn-cs"/>
+              </a:defRPr>
+            </a:lvl6pPr>
+            <a:lvl7pPr marL="2971800" indent="-228600" algn="l" defTabSz="457200" rtl="0" eaLnBrk="1" latinLnBrk="0" hangingPunct="1">
+              <a:spcBef>
+                <a:spcPct val="20000"/>
+              </a:spcBef>
+              <a:buFont typeface="Arial"/>
+              <a:buChar char="•"/>
+              <a:defRPr sz="2000" kern="1200">
+                <a:solidFill>
+                  <a:schemeClr val="tx1"/>
+                </a:solidFill>
+                <a:latin typeface="+mn-lt"/>
+                <a:ea typeface="+mn-ea"/>
+                <a:cs typeface="+mn-cs"/>
+              </a:defRPr>
+            </a:lvl7pPr>
+            <a:lvl8pPr marL="3429000" indent="-228600" algn="l" defTabSz="457200" rtl="0" eaLnBrk="1" latinLnBrk="0" hangingPunct="1">
+              <a:spcBef>
+                <a:spcPct val="20000"/>
+              </a:spcBef>
+              <a:buFont typeface="Arial"/>
+              <a:buChar char="•"/>
+              <a:defRPr sz="2000" kern="1200">
+                <a:solidFill>
+                  <a:schemeClr val="tx1"/>
+                </a:solidFill>
+                <a:latin typeface="+mn-lt"/>
+                <a:ea typeface="+mn-ea"/>
+                <a:cs typeface="+mn-cs"/>
+              </a:defRPr>
+            </a:lvl8pPr>
+            <a:lvl9pPr marL="3886200" indent="-228600" algn="l" defTabSz="457200" rtl="0" eaLnBrk="1" latinLnBrk="0" hangingPunct="1">
+              <a:spcBef>
+                <a:spcPct val="20000"/>
+              </a:spcBef>
+              <a:buFont typeface="Arial"/>
+              <a:buChar char="•"/>
+              <a:defRPr sz="2000" kern="1200">
+                <a:solidFill>
+                  <a:schemeClr val="tx1"/>
+                </a:solidFill>
+                <a:latin typeface="+mn-lt"/>
+                <a:ea typeface="+mn-ea"/>
+                <a:cs typeface="+mn-cs"/>
+              </a:defRPr>
+            </a:lvl9pPr>
+          </a:lstStyle>
+          <a:p>
+            <a:pPr marL="0" indent="0">
+              <a:buNone/>
+            </a:pPr>
+            <a:r>
+              <a:rPr lang="en-US" sz="2800" b="1" dirty="0">
+                <a:latin typeface="Bookman Old Style" panose="02050604050505020204" pitchFamily="18" charset="0"/>
+              </a:rPr>
+              <a:t>Connected Components: {A, B}, {C, D, E, F, G}, {H, I, J}</a:t>
+            </a:r>
+          </a:p>
+        </p:txBody>
+      </p:sp>
+    </p:spTree>
+    <p:extLst>
+      <p:ext uri="{BB962C8B-B14F-4D97-AF65-F5344CB8AC3E}">
+        <p14:creationId xmlns:p14="http://schemas.microsoft.com/office/powerpoint/2010/main" val="895029034"/>
+      </p:ext>
+    </p:extLst>
+  </p:cSld>
+  <p:clrMapOvr>
+    <a:masterClrMapping/>
+  </p:clrMapOvr>
+</p:sld>
+</file>
+
+<file path=ppt/slides/slide24.xml><?xml version="1.0" encoding="utf-8"?>
+<p:sld xmlns:a="http://schemas.openxmlformats.org/drawingml/2006/main" xmlns:r="http://schemas.openxmlformats.org/officeDocument/2006/relationships" xmlns:p="http://schemas.openxmlformats.org/presentationml/2006/main">
+  <p:cSld>
+    <p:spTree>
+      <p:nvGrpSpPr>
+        <p:cNvPr id="1" name="">
+          <a:extLst>
+            <a:ext uri="{FF2B5EF4-FFF2-40B4-BE49-F238E27FC236}">
+              <a16:creationId xmlns:a16="http://schemas.microsoft.com/office/drawing/2014/main" id="{D8CA0AAA-DFA9-33F6-8B02-3840A9ACE29E}"/>
+            </a:ext>
+          </a:extLst>
+        </p:cNvPr>
+        <p:cNvGrpSpPr/>
+        <p:nvPr/>
+      </p:nvGrpSpPr>
+      <p:grpSpPr>
+        <a:xfrm>
+          <a:off x="0" y="0"/>
+          <a:ext cx="0" cy="0"/>
+          <a:chOff x="0" y="0"/>
+          <a:chExt cx="0" cy="0"/>
+        </a:xfrm>
+      </p:grpSpPr>
+      <p:sp>
+        <p:nvSpPr>
+          <p:cNvPr id="4" name="Title 1">
+            <a:extLst>
+              <a:ext uri="{FF2B5EF4-FFF2-40B4-BE49-F238E27FC236}">
+                <a16:creationId xmlns:a16="http://schemas.microsoft.com/office/drawing/2014/main" id="{A2F8C945-3F14-1101-52AC-3C2D405D520B}"/>
+              </a:ext>
+            </a:extLst>
+          </p:cNvPr>
+          <p:cNvSpPr txBox="1">
+            <a:spLocks/>
+          </p:cNvSpPr>
+          <p:nvPr/>
+        </p:nvSpPr>
+        <p:spPr>
+          <a:xfrm>
+            <a:off x="748583" y="118500"/>
+            <a:ext cx="7646834" cy="1320800"/>
+          </a:xfrm>
+          <a:prstGeom prst="rect">
+            <a:avLst/>
+          </a:prstGeom>
+        </p:spPr>
+        <p:txBody>
+          <a:bodyPr vert="horz" lIns="91440" tIns="45720" rIns="91440" bIns="45720" rtlCol="0" anchor="ctr">
+            <a:normAutofit/>
+          </a:bodyPr>
+          <a:lstStyle>
+            <a:lvl1pPr algn="ctr" defTabSz="457200" rtl="0" eaLnBrk="1" latinLnBrk="0" hangingPunct="1">
+              <a:spcBef>
+                <a:spcPct val="0"/>
+              </a:spcBef>
+              <a:buNone/>
+              <a:defRPr sz="4400" kern="1200">
+                <a:solidFill>
+                  <a:schemeClr val="tx1"/>
+                </a:solidFill>
+                <a:latin typeface="+mj-lt"/>
+                <a:ea typeface="+mj-ea"/>
+                <a:cs typeface="+mj-cs"/>
+              </a:defRPr>
+            </a:lvl1pPr>
+          </a:lstStyle>
+          <a:p>
+            <a:r>
+              <a:rPr lang="en-US" sz="4000" dirty="0">
+                <a:latin typeface="Rockwell" panose="02060603020205020403" pitchFamily="18" charset="0"/>
+              </a:rPr>
+              <a:t>Summary of the Pruning and Decomposition of CoreExact</a:t>
+            </a:r>
+          </a:p>
+        </p:txBody>
+      </p:sp>
+      <p:sp>
+        <p:nvSpPr>
+          <p:cNvPr id="2" name="Content Placeholder 2">
+            <a:extLst>
+              <a:ext uri="{FF2B5EF4-FFF2-40B4-BE49-F238E27FC236}">
+                <a16:creationId xmlns:a16="http://schemas.microsoft.com/office/drawing/2014/main" id="{A65461CE-E6D5-C866-10F1-7DA9882B77BC}"/>
+              </a:ext>
+            </a:extLst>
+          </p:cNvPr>
+          <p:cNvSpPr txBox="1">
+            <a:spLocks/>
+          </p:cNvSpPr>
+          <p:nvPr/>
+        </p:nvSpPr>
+        <p:spPr>
+          <a:xfrm>
+            <a:off x="228600" y="1434946"/>
+            <a:ext cx="8382000" cy="4545011"/>
+          </a:xfrm>
+          <a:prstGeom prst="rect">
+            <a:avLst/>
+          </a:prstGeom>
+        </p:spPr>
+        <p:txBody>
+          <a:bodyPr vert="horz" lIns="91440" tIns="45720" rIns="91440" bIns="45720" rtlCol="0">
+            <a:normAutofit lnSpcReduction="10000"/>
+          </a:bodyPr>
+          <a:lstStyle>
+            <a:lvl1pPr marL="342900" indent="-342900" algn="l" defTabSz="457200" rtl="0" eaLnBrk="1" latinLnBrk="0" hangingPunct="1">
+              <a:spcBef>
+                <a:spcPct val="20000"/>
+              </a:spcBef>
+              <a:buFont typeface="Arial"/>
+              <a:buChar char="•"/>
+              <a:defRPr sz="3200" kern="1200">
+                <a:solidFill>
+                  <a:schemeClr val="tx1"/>
+                </a:solidFill>
+                <a:latin typeface="+mn-lt"/>
+                <a:ea typeface="+mn-ea"/>
+                <a:cs typeface="+mn-cs"/>
+              </a:defRPr>
+            </a:lvl1pPr>
+            <a:lvl2pPr marL="742950" indent="-285750" algn="l" defTabSz="457200" rtl="0" eaLnBrk="1" latinLnBrk="0" hangingPunct="1">
+              <a:spcBef>
+                <a:spcPct val="20000"/>
+              </a:spcBef>
+              <a:buFont typeface="Arial"/>
+              <a:buChar char="–"/>
+              <a:defRPr sz="2800" kern="1200">
+                <a:solidFill>
+                  <a:schemeClr val="tx1"/>
+                </a:solidFill>
+                <a:latin typeface="+mn-lt"/>
+                <a:ea typeface="+mn-ea"/>
+                <a:cs typeface="+mn-cs"/>
+              </a:defRPr>
+            </a:lvl2pPr>
+            <a:lvl3pPr marL="1143000" indent="-228600" algn="l" defTabSz="457200" rtl="0" eaLnBrk="1" latinLnBrk="0" hangingPunct="1">
+              <a:spcBef>
+                <a:spcPct val="20000"/>
+              </a:spcBef>
+              <a:buFont typeface="Arial"/>
+              <a:buChar char="•"/>
+              <a:defRPr sz="2400" kern="1200">
+                <a:solidFill>
+                  <a:schemeClr val="tx1"/>
+                </a:solidFill>
+                <a:latin typeface="+mn-lt"/>
+                <a:ea typeface="+mn-ea"/>
+                <a:cs typeface="+mn-cs"/>
+              </a:defRPr>
+            </a:lvl3pPr>
+            <a:lvl4pPr marL="1600200" indent="-228600" algn="l" defTabSz="457200" rtl="0" eaLnBrk="1" latinLnBrk="0" hangingPunct="1">
+              <a:spcBef>
+                <a:spcPct val="20000"/>
+              </a:spcBef>
+              <a:buFont typeface="Arial"/>
+              <a:buChar char="–"/>
+              <a:defRPr sz="2000" kern="1200">
+                <a:solidFill>
+                  <a:schemeClr val="tx1"/>
+                </a:solidFill>
+                <a:latin typeface="+mn-lt"/>
+                <a:ea typeface="+mn-ea"/>
+                <a:cs typeface="+mn-cs"/>
+              </a:defRPr>
+            </a:lvl4pPr>
+            <a:lvl5pPr marL="2057400" indent="-228600" algn="l" defTabSz="457200" rtl="0" eaLnBrk="1" latinLnBrk="0" hangingPunct="1">
+              <a:spcBef>
+                <a:spcPct val="20000"/>
+              </a:spcBef>
+              <a:buFont typeface="Arial"/>
+              <a:buChar char="»"/>
+              <a:defRPr sz="2000" kern="1200">
+                <a:solidFill>
+                  <a:schemeClr val="tx1"/>
+                </a:solidFill>
+                <a:latin typeface="+mn-lt"/>
+                <a:ea typeface="+mn-ea"/>
+                <a:cs typeface="+mn-cs"/>
+              </a:defRPr>
+            </a:lvl5pPr>
+            <a:lvl6pPr marL="2514600" indent="-228600" algn="l" defTabSz="457200" rtl="0" eaLnBrk="1" latinLnBrk="0" hangingPunct="1">
+              <a:spcBef>
+                <a:spcPct val="20000"/>
+              </a:spcBef>
+              <a:buFont typeface="Arial"/>
+              <a:buChar char="•"/>
+              <a:defRPr sz="2000" kern="1200">
+                <a:solidFill>
+                  <a:schemeClr val="tx1"/>
+                </a:solidFill>
+                <a:latin typeface="+mn-lt"/>
+                <a:ea typeface="+mn-ea"/>
+                <a:cs typeface="+mn-cs"/>
+              </a:defRPr>
+            </a:lvl6pPr>
+            <a:lvl7pPr marL="2971800" indent="-228600" algn="l" defTabSz="457200" rtl="0" eaLnBrk="1" latinLnBrk="0" hangingPunct="1">
+              <a:spcBef>
+                <a:spcPct val="20000"/>
+              </a:spcBef>
+              <a:buFont typeface="Arial"/>
+              <a:buChar char="•"/>
+              <a:defRPr sz="2000" kern="1200">
+                <a:solidFill>
+                  <a:schemeClr val="tx1"/>
+                </a:solidFill>
+                <a:latin typeface="+mn-lt"/>
+                <a:ea typeface="+mn-ea"/>
+                <a:cs typeface="+mn-cs"/>
+              </a:defRPr>
+            </a:lvl7pPr>
+            <a:lvl8pPr marL="3429000" indent="-228600" algn="l" defTabSz="457200" rtl="0" eaLnBrk="1" latinLnBrk="0" hangingPunct="1">
+              <a:spcBef>
+                <a:spcPct val="20000"/>
+              </a:spcBef>
+              <a:buFont typeface="Arial"/>
+              <a:buChar char="•"/>
+              <a:defRPr sz="2000" kern="1200">
+                <a:solidFill>
+                  <a:schemeClr val="tx1"/>
+                </a:solidFill>
+                <a:latin typeface="+mn-lt"/>
+                <a:ea typeface="+mn-ea"/>
+                <a:cs typeface="+mn-cs"/>
+              </a:defRPr>
+            </a:lvl8pPr>
+            <a:lvl9pPr marL="3886200" indent="-228600" algn="l" defTabSz="457200" rtl="0" eaLnBrk="1" latinLnBrk="0" hangingPunct="1">
+              <a:spcBef>
+                <a:spcPct val="20000"/>
+              </a:spcBef>
+              <a:buFont typeface="Arial"/>
+              <a:buChar char="•"/>
+              <a:defRPr sz="2000" kern="1200">
+                <a:solidFill>
+                  <a:schemeClr val="tx1"/>
+                </a:solidFill>
+                <a:latin typeface="+mn-lt"/>
+                <a:ea typeface="+mn-ea"/>
+                <a:cs typeface="+mn-cs"/>
+              </a:defRPr>
+            </a:lvl9pPr>
+          </a:lstStyle>
+          <a:p>
+            <a:pPr marL="0" indent="0">
+              <a:buNone/>
+            </a:pPr>
+            <a:r>
+              <a:rPr lang="en-US" sz="2800" dirty="0">
+                <a:latin typeface="Bookman Old Style" panose="02050604050505020204" pitchFamily="18" charset="0"/>
+              </a:rPr>
+              <a:t>The big steps of CoreExact so far are:</a:t>
+            </a:r>
+          </a:p>
+          <a:p>
+            <a:pPr marL="0" indent="0">
+              <a:buNone/>
+            </a:pPr>
+            <a:r>
+              <a:rPr lang="en-US" sz="2800" dirty="0">
+                <a:latin typeface="Bookman Old Style" panose="02050604050505020204" pitchFamily="18" charset="0"/>
+              </a:rPr>
+              <a:t>1. Finding edge-based degree of all vertices (negligible runtime).</a:t>
+            </a:r>
+          </a:p>
+          <a:p>
+            <a:pPr marL="0" indent="0">
+              <a:buNone/>
+            </a:pPr>
+            <a:r>
+              <a:rPr lang="en-US" sz="2800" dirty="0">
+                <a:latin typeface="Bookman Old Style" panose="02050604050505020204" pitchFamily="18" charset="0"/>
+              </a:rPr>
+              <a:t>2. Generating the DAG.</a:t>
+            </a:r>
+          </a:p>
+          <a:p>
+            <a:pPr marL="0" indent="0">
+              <a:buNone/>
+            </a:pPr>
+            <a:r>
+              <a:rPr lang="en-US" sz="2800" dirty="0">
+                <a:latin typeface="Bookman Old Style" panose="02050604050505020204" pitchFamily="18" charset="0"/>
+              </a:rPr>
+              <a:t>3. Finding all motif/clique instances and the degree of every vertex.</a:t>
+            </a:r>
+          </a:p>
+          <a:p>
+            <a:pPr marL="0" indent="0">
+              <a:buNone/>
+            </a:pPr>
+            <a:r>
+              <a:rPr lang="en-US" sz="2800" dirty="0">
+                <a:latin typeface="Bookman Old Style" panose="02050604050505020204" pitchFamily="18" charset="0"/>
+              </a:rPr>
+              <a:t>4. Motif/clique core decomposition to find the densest k-core.</a:t>
+            </a:r>
+          </a:p>
+          <a:p>
+            <a:pPr marL="0" indent="0">
+              <a:buNone/>
+            </a:pPr>
+            <a:r>
+              <a:rPr lang="en-US" sz="2800" dirty="0">
+                <a:latin typeface="Bookman Old Style" panose="02050604050505020204" pitchFamily="18" charset="0"/>
+              </a:rPr>
+              <a:t>5. Splitting the densest k-core into its connected components.</a:t>
+            </a:r>
+          </a:p>
+          <a:p>
+            <a:endParaRPr lang="en-US" sz="2800" dirty="0">
+              <a:latin typeface="Bookman Old Style" panose="02050604050505020204" pitchFamily="18" charset="0"/>
+            </a:endParaRPr>
+          </a:p>
+        </p:txBody>
+      </p:sp>
+    </p:spTree>
+    <p:extLst>
+      <p:ext uri="{BB962C8B-B14F-4D97-AF65-F5344CB8AC3E}">
+        <p14:creationId xmlns:p14="http://schemas.microsoft.com/office/powerpoint/2010/main" val="4080972070"/>
+      </p:ext>
+    </p:extLst>
+  </p:cSld>
+  <p:clrMapOvr>
+    <a:masterClrMapping/>
+  </p:clrMapOvr>
+</p:sld>
+</file>
+
+<file path=ppt/slides/slide25.xml><?xml version="1.0" encoding="utf-8"?>
+<p:sld xmlns:a="http://schemas.openxmlformats.org/drawingml/2006/main" xmlns:r="http://schemas.openxmlformats.org/officeDocument/2006/relationships" xmlns:p="http://schemas.openxmlformats.org/presentationml/2006/main">
+  <p:cSld>
+    <p:spTree>
+      <p:nvGrpSpPr>
+        <p:cNvPr id="1" name="">
+          <a:extLst>
+            <a:ext uri="{FF2B5EF4-FFF2-40B4-BE49-F238E27FC236}">
+              <a16:creationId xmlns:a16="http://schemas.microsoft.com/office/drawing/2014/main" id="{7FD700EA-7C87-717D-B1EB-016DF7BD242D}"/>
+            </a:ext>
+          </a:extLst>
+        </p:cNvPr>
+        <p:cNvGrpSpPr/>
+        <p:nvPr/>
+      </p:nvGrpSpPr>
+      <p:grpSpPr>
+        <a:xfrm>
+          <a:off x="0" y="0"/>
+          <a:ext cx="0" cy="0"/>
+          <a:chOff x="0" y="0"/>
+          <a:chExt cx="0" cy="0"/>
+        </a:xfrm>
+      </p:grpSpPr>
+      <p:sp>
+        <p:nvSpPr>
+          <p:cNvPr id="4" name="Title 1">
+            <a:extLst>
+              <a:ext uri="{FF2B5EF4-FFF2-40B4-BE49-F238E27FC236}">
+                <a16:creationId xmlns:a16="http://schemas.microsoft.com/office/drawing/2014/main" id="{3AC91F83-54E5-6630-7A98-4FAF6FA5CAC5}"/>
               </a:ext>
             </a:extLst>
           </p:cNvPr>
@@ -7927,7 +10088,7 @@
               <a:rPr lang="en-US" sz="4000" dirty="0">
                 <a:latin typeface="Rockwell" panose="02060603020205020403" pitchFamily="18" charset="0"/>
               </a:rPr>
-              <a:t>Text</a:t>
+              <a:t>Finding the Densest Subgraph</a:t>
             </a:r>
           </a:p>
         </p:txBody>
@@ -7937,7 +10098,7 @@
           <p:cNvPr id="2" name="Content Placeholder 2">
             <a:extLst>
               <a:ext uri="{FF2B5EF4-FFF2-40B4-BE49-F238E27FC236}">
-                <a16:creationId xmlns:a16="http://schemas.microsoft.com/office/drawing/2014/main" id="{62EB2C9E-19C2-75F6-A7AF-2E68E36877C1}"/>
+                <a16:creationId xmlns:a16="http://schemas.microsoft.com/office/drawing/2014/main" id="{8562DEFB-D056-9B8B-41BD-AC50018BD098}"/>
               </a:ext>
             </a:extLst>
           </p:cNvPr>
@@ -7949,7 +10110,7 @@
         <p:spPr>
           <a:xfrm>
             <a:off x="228600" y="1434946"/>
-            <a:ext cx="5135120" cy="4545011"/>
+            <a:ext cx="8610600" cy="4545011"/>
           </a:xfrm>
           <a:prstGeom prst="rect">
             <a:avLst/>
@@ -8101,7 +10262,15 @@
               <a:rPr lang="en-US" sz="2800" dirty="0">
                 <a:latin typeface="Bookman Old Style" panose="02050604050505020204" pitchFamily="18" charset="0"/>
               </a:rPr>
-              <a:t>text</a:t>
+              <a:t>To find the densest subgraph, CoreExact runs Goldberg’s algorithm on each connected component, keeping track of the densest subgraph found (with the starting densest subgraph being set as the densest k-core).</a:t>
+            </a:r>
+          </a:p>
+          <a:p>
+            <a:r>
+              <a:rPr lang="en-US" sz="2800" dirty="0">
+                <a:latin typeface="Bookman Old Style" panose="02050604050505020204" pitchFamily="18" charset="0"/>
+              </a:rPr>
+              <a:t>So now, we must cover how Goldberg’s algorithm works to understand the parts that were parallelized.</a:t>
             </a:r>
           </a:p>
         </p:txBody>
@@ -8109,7 +10278,7 @@
     </p:spTree>
     <p:extLst>
       <p:ext uri="{BB962C8B-B14F-4D97-AF65-F5344CB8AC3E}">
-        <p14:creationId xmlns:p14="http://schemas.microsoft.com/office/powerpoint/2010/main" val="1390126263"/>
+        <p14:creationId xmlns:p14="http://schemas.microsoft.com/office/powerpoint/2010/main" val="2554596435"/>
       </p:ext>
     </p:extLst>
   </p:cSld>
@@ -8119,7 +10288,7 @@
 </p:sld>
 </file>
 
-<file path=ppt/slides/slide22.xml><?xml version="1.0" encoding="utf-8"?>
+<file path=ppt/slides/slide26.xml><?xml version="1.0" encoding="utf-8"?>
 <p:sld xmlns:a="http://schemas.openxmlformats.org/drawingml/2006/main" xmlns:r="http://schemas.openxmlformats.org/officeDocument/2006/relationships" xmlns:p="http://schemas.openxmlformats.org/presentationml/2006/main">
   <p:cSld>
     <p:spTree>
@@ -8127,7 +10296,7 @@
         <p:cNvPr id="1" name="">
           <a:extLst>
             <a:ext uri="{FF2B5EF4-FFF2-40B4-BE49-F238E27FC236}">
-              <a16:creationId xmlns:a16="http://schemas.microsoft.com/office/drawing/2014/main" id="{348DD712-A901-A5AB-595A-C2145EF67EB8}"/>
+              <a16:creationId xmlns:a16="http://schemas.microsoft.com/office/drawing/2014/main" id="{B56F4FB6-7334-DC23-1DF0-80C6A108EA38}"/>
             </a:ext>
           </a:extLst>
         </p:cNvPr>
@@ -8147,7 +10316,952 @@
           <p:cNvPr id="4" name="Title 1">
             <a:extLst>
               <a:ext uri="{FF2B5EF4-FFF2-40B4-BE49-F238E27FC236}">
-                <a16:creationId xmlns:a16="http://schemas.microsoft.com/office/drawing/2014/main" id="{DCA2B698-13F8-598F-26EA-3B35DBE5A6AC}"/>
+                <a16:creationId xmlns:a16="http://schemas.microsoft.com/office/drawing/2014/main" id="{1C8E159A-0E9F-6093-8E0D-BD42791C6E80}"/>
+              </a:ext>
+            </a:extLst>
+          </p:cNvPr>
+          <p:cNvSpPr txBox="1">
+            <a:spLocks/>
+          </p:cNvSpPr>
+          <p:nvPr/>
+        </p:nvSpPr>
+        <p:spPr>
+          <a:xfrm>
+            <a:off x="1497166" y="4354"/>
+            <a:ext cx="6149667" cy="952654"/>
+          </a:xfrm>
+          <a:prstGeom prst="rect">
+            <a:avLst/>
+          </a:prstGeom>
+        </p:spPr>
+        <p:txBody>
+          <a:bodyPr vert="horz" lIns="91440" tIns="45720" rIns="91440" bIns="45720" rtlCol="0" anchor="ctr">
+            <a:normAutofit/>
+          </a:bodyPr>
+          <a:lstStyle>
+            <a:lvl1pPr algn="ctr" defTabSz="457200" rtl="0" eaLnBrk="1" latinLnBrk="0" hangingPunct="1">
+              <a:spcBef>
+                <a:spcPct val="0"/>
+              </a:spcBef>
+              <a:buNone/>
+              <a:defRPr sz="4400" kern="1200">
+                <a:solidFill>
+                  <a:schemeClr val="tx1"/>
+                </a:solidFill>
+                <a:latin typeface="+mj-lt"/>
+                <a:ea typeface="+mj-ea"/>
+                <a:cs typeface="+mj-cs"/>
+              </a:defRPr>
+            </a:lvl1pPr>
+          </a:lstStyle>
+          <a:p>
+            <a:r>
+              <a:rPr lang="en-US" sz="4000" dirty="0">
+                <a:latin typeface="Rockwell" panose="02060603020205020403" pitchFamily="18" charset="0"/>
+              </a:rPr>
+              <a:t>Flow Networks</a:t>
+            </a:r>
+          </a:p>
+        </p:txBody>
+      </p:sp>
+      <p:sp>
+        <p:nvSpPr>
+          <p:cNvPr id="2" name="Content Placeholder 2">
+            <a:extLst>
+              <a:ext uri="{FF2B5EF4-FFF2-40B4-BE49-F238E27FC236}">
+                <a16:creationId xmlns:a16="http://schemas.microsoft.com/office/drawing/2014/main" id="{B4AA095E-4D49-A40B-9DB4-59989F3A4DF0}"/>
+              </a:ext>
+            </a:extLst>
+          </p:cNvPr>
+          <p:cNvSpPr txBox="1">
+            <a:spLocks/>
+          </p:cNvSpPr>
+          <p:nvPr/>
+        </p:nvSpPr>
+        <p:spPr>
+          <a:xfrm>
+            <a:off x="76200" y="914400"/>
+            <a:ext cx="4572000" cy="5257800"/>
+          </a:xfrm>
+          <a:prstGeom prst="rect">
+            <a:avLst/>
+          </a:prstGeom>
+        </p:spPr>
+        <p:txBody>
+          <a:bodyPr vert="horz" lIns="91440" tIns="45720" rIns="91440" bIns="45720" rtlCol="0">
+            <a:normAutofit fontScale="77500" lnSpcReduction="20000"/>
+          </a:bodyPr>
+          <a:lstStyle>
+            <a:lvl1pPr marL="342900" indent="-342900" algn="l" defTabSz="457200" rtl="0" eaLnBrk="1" latinLnBrk="0" hangingPunct="1">
+              <a:spcBef>
+                <a:spcPct val="20000"/>
+              </a:spcBef>
+              <a:buFont typeface="Arial"/>
+              <a:buChar char="•"/>
+              <a:defRPr sz="3200" kern="1200">
+                <a:solidFill>
+                  <a:schemeClr val="tx1"/>
+                </a:solidFill>
+                <a:latin typeface="+mn-lt"/>
+                <a:ea typeface="+mn-ea"/>
+                <a:cs typeface="+mn-cs"/>
+              </a:defRPr>
+            </a:lvl1pPr>
+            <a:lvl2pPr marL="742950" indent="-285750" algn="l" defTabSz="457200" rtl="0" eaLnBrk="1" latinLnBrk="0" hangingPunct="1">
+              <a:spcBef>
+                <a:spcPct val="20000"/>
+              </a:spcBef>
+              <a:buFont typeface="Arial"/>
+              <a:buChar char="–"/>
+              <a:defRPr sz="2800" kern="1200">
+                <a:solidFill>
+                  <a:schemeClr val="tx1"/>
+                </a:solidFill>
+                <a:latin typeface="+mn-lt"/>
+                <a:ea typeface="+mn-ea"/>
+                <a:cs typeface="+mn-cs"/>
+              </a:defRPr>
+            </a:lvl2pPr>
+            <a:lvl3pPr marL="1143000" indent="-228600" algn="l" defTabSz="457200" rtl="0" eaLnBrk="1" latinLnBrk="0" hangingPunct="1">
+              <a:spcBef>
+                <a:spcPct val="20000"/>
+              </a:spcBef>
+              <a:buFont typeface="Arial"/>
+              <a:buChar char="•"/>
+              <a:defRPr sz="2400" kern="1200">
+                <a:solidFill>
+                  <a:schemeClr val="tx1"/>
+                </a:solidFill>
+                <a:latin typeface="+mn-lt"/>
+                <a:ea typeface="+mn-ea"/>
+                <a:cs typeface="+mn-cs"/>
+              </a:defRPr>
+            </a:lvl3pPr>
+            <a:lvl4pPr marL="1600200" indent="-228600" algn="l" defTabSz="457200" rtl="0" eaLnBrk="1" latinLnBrk="0" hangingPunct="1">
+              <a:spcBef>
+                <a:spcPct val="20000"/>
+              </a:spcBef>
+              <a:buFont typeface="Arial"/>
+              <a:buChar char="–"/>
+              <a:defRPr sz="2000" kern="1200">
+                <a:solidFill>
+                  <a:schemeClr val="tx1"/>
+                </a:solidFill>
+                <a:latin typeface="+mn-lt"/>
+                <a:ea typeface="+mn-ea"/>
+                <a:cs typeface="+mn-cs"/>
+              </a:defRPr>
+            </a:lvl4pPr>
+            <a:lvl5pPr marL="2057400" indent="-228600" algn="l" defTabSz="457200" rtl="0" eaLnBrk="1" latinLnBrk="0" hangingPunct="1">
+              <a:spcBef>
+                <a:spcPct val="20000"/>
+              </a:spcBef>
+              <a:buFont typeface="Arial"/>
+              <a:buChar char="»"/>
+              <a:defRPr sz="2000" kern="1200">
+                <a:solidFill>
+                  <a:schemeClr val="tx1"/>
+                </a:solidFill>
+                <a:latin typeface="+mn-lt"/>
+                <a:ea typeface="+mn-ea"/>
+                <a:cs typeface="+mn-cs"/>
+              </a:defRPr>
+            </a:lvl5pPr>
+            <a:lvl6pPr marL="2514600" indent="-228600" algn="l" defTabSz="457200" rtl="0" eaLnBrk="1" latinLnBrk="0" hangingPunct="1">
+              <a:spcBef>
+                <a:spcPct val="20000"/>
+              </a:spcBef>
+              <a:buFont typeface="Arial"/>
+              <a:buChar char="•"/>
+              <a:defRPr sz="2000" kern="1200">
+                <a:solidFill>
+                  <a:schemeClr val="tx1"/>
+                </a:solidFill>
+                <a:latin typeface="+mn-lt"/>
+                <a:ea typeface="+mn-ea"/>
+                <a:cs typeface="+mn-cs"/>
+              </a:defRPr>
+            </a:lvl6pPr>
+            <a:lvl7pPr marL="2971800" indent="-228600" algn="l" defTabSz="457200" rtl="0" eaLnBrk="1" latinLnBrk="0" hangingPunct="1">
+              <a:spcBef>
+                <a:spcPct val="20000"/>
+              </a:spcBef>
+              <a:buFont typeface="Arial"/>
+              <a:buChar char="•"/>
+              <a:defRPr sz="2000" kern="1200">
+                <a:solidFill>
+                  <a:schemeClr val="tx1"/>
+                </a:solidFill>
+                <a:latin typeface="+mn-lt"/>
+                <a:ea typeface="+mn-ea"/>
+                <a:cs typeface="+mn-cs"/>
+              </a:defRPr>
+            </a:lvl7pPr>
+            <a:lvl8pPr marL="3429000" indent="-228600" algn="l" defTabSz="457200" rtl="0" eaLnBrk="1" latinLnBrk="0" hangingPunct="1">
+              <a:spcBef>
+                <a:spcPct val="20000"/>
+              </a:spcBef>
+              <a:buFont typeface="Arial"/>
+              <a:buChar char="•"/>
+              <a:defRPr sz="2000" kern="1200">
+                <a:solidFill>
+                  <a:schemeClr val="tx1"/>
+                </a:solidFill>
+                <a:latin typeface="+mn-lt"/>
+                <a:ea typeface="+mn-ea"/>
+                <a:cs typeface="+mn-cs"/>
+              </a:defRPr>
+            </a:lvl8pPr>
+            <a:lvl9pPr marL="3886200" indent="-228600" algn="l" defTabSz="457200" rtl="0" eaLnBrk="1" latinLnBrk="0" hangingPunct="1">
+              <a:spcBef>
+                <a:spcPct val="20000"/>
+              </a:spcBef>
+              <a:buFont typeface="Arial"/>
+              <a:buChar char="•"/>
+              <a:defRPr sz="2000" kern="1200">
+                <a:solidFill>
+                  <a:schemeClr val="tx1"/>
+                </a:solidFill>
+                <a:latin typeface="+mn-lt"/>
+                <a:ea typeface="+mn-ea"/>
+                <a:cs typeface="+mn-cs"/>
+              </a:defRPr>
+            </a:lvl9pPr>
+          </a:lstStyle>
+          <a:p>
+            <a:r>
+              <a:rPr lang="en-US" sz="2800" dirty="0">
+                <a:latin typeface="Bookman Old Style" panose="02050604050505020204" pitchFamily="18" charset="0"/>
+              </a:rPr>
+              <a:t>To understand Goldberg’s exact algorithm, a few concepts need to be covered first. </a:t>
+            </a:r>
+          </a:p>
+          <a:p>
+            <a:r>
+              <a:rPr lang="en-US" sz="2800" dirty="0">
+                <a:latin typeface="Bookman Old Style" panose="02050604050505020204" pitchFamily="18" charset="0"/>
+              </a:rPr>
+              <a:t>Flow networks are a special type of directed graph where edges have flow (some amount of “something” pushed through the edge). Each edge has a capacity (a maximum flow). This is often represented as x/y, where x is flow and y is capacity.</a:t>
+            </a:r>
+          </a:p>
+          <a:p>
+            <a:r>
+              <a:rPr lang="en-US" sz="2800" dirty="0">
+                <a:latin typeface="Bookman Old Style" panose="02050604050505020204" pitchFamily="18" charset="0"/>
+              </a:rPr>
+              <a:t>In a flow network, there are two special nodes called the source and sink. Flow only comes out of the source and only flows into the sink.</a:t>
+            </a:r>
+          </a:p>
+        </p:txBody>
+      </p:sp>
+      <p:pic>
+        <p:nvPicPr>
+          <p:cNvPr id="5" name="Picture 4" descr="A black background with blue circles&#10;&#10;AI-generated content may be incorrect.">
+            <a:extLst>
+              <a:ext uri="{FF2B5EF4-FFF2-40B4-BE49-F238E27FC236}">
+                <a16:creationId xmlns:a16="http://schemas.microsoft.com/office/drawing/2014/main" id="{AA61E2CA-5D8B-7B30-E2EF-577D435A30C8}"/>
+              </a:ext>
+            </a:extLst>
+          </p:cNvPr>
+          <p:cNvPicPr>
+            <a:picLocks noChangeAspect="1"/>
+          </p:cNvPicPr>
+          <p:nvPr/>
+        </p:nvPicPr>
+        <p:blipFill>
+          <a:blip r:embed="rId2">
+            <a:extLst>
+              <a:ext uri="{28A0092B-C50C-407E-A947-70E740481C1C}">
+                <a14:useLocalDpi xmlns:a14="http://schemas.microsoft.com/office/drawing/2010/main" val="0"/>
+              </a:ext>
+            </a:extLst>
+          </a:blip>
+          <a:stretch>
+            <a:fillRect/>
+          </a:stretch>
+        </p:blipFill>
+        <p:spPr>
+          <a:xfrm>
+            <a:off x="3657600" y="1066800"/>
+            <a:ext cx="6224434" cy="4668325"/>
+          </a:xfrm>
+          <a:prstGeom prst="rect">
+            <a:avLst/>
+          </a:prstGeom>
+        </p:spPr>
+      </p:pic>
+    </p:spTree>
+    <p:extLst>
+      <p:ext uri="{BB962C8B-B14F-4D97-AF65-F5344CB8AC3E}">
+        <p14:creationId xmlns:p14="http://schemas.microsoft.com/office/powerpoint/2010/main" val="3239618294"/>
+      </p:ext>
+    </p:extLst>
+  </p:cSld>
+  <p:clrMapOvr>
+    <a:masterClrMapping/>
+  </p:clrMapOvr>
+</p:sld>
+</file>
+
+<file path=ppt/slides/slide27.xml><?xml version="1.0" encoding="utf-8"?>
+<p:sld xmlns:a="http://schemas.openxmlformats.org/drawingml/2006/main" xmlns:r="http://schemas.openxmlformats.org/officeDocument/2006/relationships" xmlns:p="http://schemas.openxmlformats.org/presentationml/2006/main">
+  <p:cSld>
+    <p:spTree>
+      <p:nvGrpSpPr>
+        <p:cNvPr id="1" name="">
+          <a:extLst>
+            <a:ext uri="{FF2B5EF4-FFF2-40B4-BE49-F238E27FC236}">
+              <a16:creationId xmlns:a16="http://schemas.microsoft.com/office/drawing/2014/main" id="{C2733363-FA0C-713E-C232-0E4C8424A926}"/>
+            </a:ext>
+          </a:extLst>
+        </p:cNvPr>
+        <p:cNvGrpSpPr/>
+        <p:nvPr/>
+      </p:nvGrpSpPr>
+      <p:grpSpPr>
+        <a:xfrm>
+          <a:off x="0" y="0"/>
+          <a:ext cx="0" cy="0"/>
+          <a:chOff x="0" y="0"/>
+          <a:chExt cx="0" cy="0"/>
+        </a:xfrm>
+      </p:grpSpPr>
+      <p:sp>
+        <p:nvSpPr>
+          <p:cNvPr id="4" name="Title 1">
+            <a:extLst>
+              <a:ext uri="{FF2B5EF4-FFF2-40B4-BE49-F238E27FC236}">
+                <a16:creationId xmlns:a16="http://schemas.microsoft.com/office/drawing/2014/main" id="{D5E611F0-A1AC-2D02-6EBF-B5D08DD3E0F2}"/>
+              </a:ext>
+            </a:extLst>
+          </p:cNvPr>
+          <p:cNvSpPr txBox="1">
+            <a:spLocks/>
+          </p:cNvSpPr>
+          <p:nvPr/>
+        </p:nvSpPr>
+        <p:spPr>
+          <a:xfrm>
+            <a:off x="1497166" y="4354"/>
+            <a:ext cx="6149667" cy="952654"/>
+          </a:xfrm>
+          <a:prstGeom prst="rect">
+            <a:avLst/>
+          </a:prstGeom>
+        </p:spPr>
+        <p:txBody>
+          <a:bodyPr vert="horz" lIns="91440" tIns="45720" rIns="91440" bIns="45720" rtlCol="0" anchor="ctr">
+            <a:normAutofit/>
+          </a:bodyPr>
+          <a:lstStyle>
+            <a:lvl1pPr algn="ctr" defTabSz="457200" rtl="0" eaLnBrk="1" latinLnBrk="0" hangingPunct="1">
+              <a:spcBef>
+                <a:spcPct val="0"/>
+              </a:spcBef>
+              <a:buNone/>
+              <a:defRPr sz="4400" kern="1200">
+                <a:solidFill>
+                  <a:schemeClr val="tx1"/>
+                </a:solidFill>
+                <a:latin typeface="+mj-lt"/>
+                <a:ea typeface="+mj-ea"/>
+                <a:cs typeface="+mj-cs"/>
+              </a:defRPr>
+            </a:lvl1pPr>
+          </a:lstStyle>
+          <a:p>
+            <a:r>
+              <a:rPr lang="en-US" sz="4000" dirty="0">
+                <a:latin typeface="Rockwell" panose="02060603020205020403" pitchFamily="18" charset="0"/>
+              </a:rPr>
+              <a:t>st-cuts</a:t>
+            </a:r>
+          </a:p>
+        </p:txBody>
+      </p:sp>
+      <p:sp>
+        <p:nvSpPr>
+          <p:cNvPr id="2" name="Content Placeholder 2">
+            <a:extLst>
+              <a:ext uri="{FF2B5EF4-FFF2-40B4-BE49-F238E27FC236}">
+                <a16:creationId xmlns:a16="http://schemas.microsoft.com/office/drawing/2014/main" id="{8BB7FC3A-ED14-1C73-C2B3-852F8F839109}"/>
+              </a:ext>
+            </a:extLst>
+          </p:cNvPr>
+          <p:cNvSpPr txBox="1">
+            <a:spLocks/>
+          </p:cNvSpPr>
+          <p:nvPr/>
+        </p:nvSpPr>
+        <p:spPr>
+          <a:xfrm>
+            <a:off x="76200" y="914400"/>
+            <a:ext cx="4572000" cy="5257800"/>
+          </a:xfrm>
+          <a:prstGeom prst="rect">
+            <a:avLst/>
+          </a:prstGeom>
+        </p:spPr>
+        <p:txBody>
+          <a:bodyPr vert="horz" lIns="91440" tIns="45720" rIns="91440" bIns="45720" rtlCol="0">
+            <a:normAutofit fontScale="85000" lnSpcReduction="10000"/>
+          </a:bodyPr>
+          <a:lstStyle>
+            <a:lvl1pPr marL="342900" indent="-342900" algn="l" defTabSz="457200" rtl="0" eaLnBrk="1" latinLnBrk="0" hangingPunct="1">
+              <a:spcBef>
+                <a:spcPct val="20000"/>
+              </a:spcBef>
+              <a:buFont typeface="Arial"/>
+              <a:buChar char="•"/>
+              <a:defRPr sz="3200" kern="1200">
+                <a:solidFill>
+                  <a:schemeClr val="tx1"/>
+                </a:solidFill>
+                <a:latin typeface="+mn-lt"/>
+                <a:ea typeface="+mn-ea"/>
+                <a:cs typeface="+mn-cs"/>
+              </a:defRPr>
+            </a:lvl1pPr>
+            <a:lvl2pPr marL="742950" indent="-285750" algn="l" defTabSz="457200" rtl="0" eaLnBrk="1" latinLnBrk="0" hangingPunct="1">
+              <a:spcBef>
+                <a:spcPct val="20000"/>
+              </a:spcBef>
+              <a:buFont typeface="Arial"/>
+              <a:buChar char="–"/>
+              <a:defRPr sz="2800" kern="1200">
+                <a:solidFill>
+                  <a:schemeClr val="tx1"/>
+                </a:solidFill>
+                <a:latin typeface="+mn-lt"/>
+                <a:ea typeface="+mn-ea"/>
+                <a:cs typeface="+mn-cs"/>
+              </a:defRPr>
+            </a:lvl2pPr>
+            <a:lvl3pPr marL="1143000" indent="-228600" algn="l" defTabSz="457200" rtl="0" eaLnBrk="1" latinLnBrk="0" hangingPunct="1">
+              <a:spcBef>
+                <a:spcPct val="20000"/>
+              </a:spcBef>
+              <a:buFont typeface="Arial"/>
+              <a:buChar char="•"/>
+              <a:defRPr sz="2400" kern="1200">
+                <a:solidFill>
+                  <a:schemeClr val="tx1"/>
+                </a:solidFill>
+                <a:latin typeface="+mn-lt"/>
+                <a:ea typeface="+mn-ea"/>
+                <a:cs typeface="+mn-cs"/>
+              </a:defRPr>
+            </a:lvl3pPr>
+            <a:lvl4pPr marL="1600200" indent="-228600" algn="l" defTabSz="457200" rtl="0" eaLnBrk="1" latinLnBrk="0" hangingPunct="1">
+              <a:spcBef>
+                <a:spcPct val="20000"/>
+              </a:spcBef>
+              <a:buFont typeface="Arial"/>
+              <a:buChar char="–"/>
+              <a:defRPr sz="2000" kern="1200">
+                <a:solidFill>
+                  <a:schemeClr val="tx1"/>
+                </a:solidFill>
+                <a:latin typeface="+mn-lt"/>
+                <a:ea typeface="+mn-ea"/>
+                <a:cs typeface="+mn-cs"/>
+              </a:defRPr>
+            </a:lvl4pPr>
+            <a:lvl5pPr marL="2057400" indent="-228600" algn="l" defTabSz="457200" rtl="0" eaLnBrk="1" latinLnBrk="0" hangingPunct="1">
+              <a:spcBef>
+                <a:spcPct val="20000"/>
+              </a:spcBef>
+              <a:buFont typeface="Arial"/>
+              <a:buChar char="»"/>
+              <a:defRPr sz="2000" kern="1200">
+                <a:solidFill>
+                  <a:schemeClr val="tx1"/>
+                </a:solidFill>
+                <a:latin typeface="+mn-lt"/>
+                <a:ea typeface="+mn-ea"/>
+                <a:cs typeface="+mn-cs"/>
+              </a:defRPr>
+            </a:lvl5pPr>
+            <a:lvl6pPr marL="2514600" indent="-228600" algn="l" defTabSz="457200" rtl="0" eaLnBrk="1" latinLnBrk="0" hangingPunct="1">
+              <a:spcBef>
+                <a:spcPct val="20000"/>
+              </a:spcBef>
+              <a:buFont typeface="Arial"/>
+              <a:buChar char="•"/>
+              <a:defRPr sz="2000" kern="1200">
+                <a:solidFill>
+                  <a:schemeClr val="tx1"/>
+                </a:solidFill>
+                <a:latin typeface="+mn-lt"/>
+                <a:ea typeface="+mn-ea"/>
+                <a:cs typeface="+mn-cs"/>
+              </a:defRPr>
+            </a:lvl6pPr>
+            <a:lvl7pPr marL="2971800" indent="-228600" algn="l" defTabSz="457200" rtl="0" eaLnBrk="1" latinLnBrk="0" hangingPunct="1">
+              <a:spcBef>
+                <a:spcPct val="20000"/>
+              </a:spcBef>
+              <a:buFont typeface="Arial"/>
+              <a:buChar char="•"/>
+              <a:defRPr sz="2000" kern="1200">
+                <a:solidFill>
+                  <a:schemeClr val="tx1"/>
+                </a:solidFill>
+                <a:latin typeface="+mn-lt"/>
+                <a:ea typeface="+mn-ea"/>
+                <a:cs typeface="+mn-cs"/>
+              </a:defRPr>
+            </a:lvl7pPr>
+            <a:lvl8pPr marL="3429000" indent="-228600" algn="l" defTabSz="457200" rtl="0" eaLnBrk="1" latinLnBrk="0" hangingPunct="1">
+              <a:spcBef>
+                <a:spcPct val="20000"/>
+              </a:spcBef>
+              <a:buFont typeface="Arial"/>
+              <a:buChar char="•"/>
+              <a:defRPr sz="2000" kern="1200">
+                <a:solidFill>
+                  <a:schemeClr val="tx1"/>
+                </a:solidFill>
+                <a:latin typeface="+mn-lt"/>
+                <a:ea typeface="+mn-ea"/>
+                <a:cs typeface="+mn-cs"/>
+              </a:defRPr>
+            </a:lvl8pPr>
+            <a:lvl9pPr marL="3886200" indent="-228600" algn="l" defTabSz="457200" rtl="0" eaLnBrk="1" latinLnBrk="0" hangingPunct="1">
+              <a:spcBef>
+                <a:spcPct val="20000"/>
+              </a:spcBef>
+              <a:buFont typeface="Arial"/>
+              <a:buChar char="•"/>
+              <a:defRPr sz="2000" kern="1200">
+                <a:solidFill>
+                  <a:schemeClr val="tx1"/>
+                </a:solidFill>
+                <a:latin typeface="+mn-lt"/>
+                <a:ea typeface="+mn-ea"/>
+                <a:cs typeface="+mn-cs"/>
+              </a:defRPr>
+            </a:lvl9pPr>
+          </a:lstStyle>
+          <a:p>
+            <a:r>
+              <a:rPr lang="en-US" sz="2800" dirty="0">
+                <a:latin typeface="Bookman Old Style" panose="02050604050505020204" pitchFamily="18" charset="0"/>
+              </a:rPr>
+              <a:t>An st-cut is the division of a flow network into two disjointed subgraphs S and T, where S contains the source and T contains the sink.</a:t>
+            </a:r>
+          </a:p>
+          <a:p>
+            <a:r>
+              <a:rPr lang="en-US" sz="2800" dirty="0">
+                <a:latin typeface="Bookman Old Style" panose="02050604050505020204" pitchFamily="18" charset="0"/>
+              </a:rPr>
+              <a:t>This cut is made by removing edges until no connection between the subgraphs remains.</a:t>
+            </a:r>
+          </a:p>
+          <a:p>
+            <a:r>
+              <a:rPr lang="en-US" sz="2800" dirty="0">
+                <a:latin typeface="Bookman Old Style" panose="02050604050505020204" pitchFamily="18" charset="0"/>
+              </a:rPr>
+              <a:t>The cut capacity of an st-cut is the total sum of the capacities of the cut edges that flowed from S into T.</a:t>
+            </a:r>
+          </a:p>
+        </p:txBody>
+      </p:sp>
+      <p:pic>
+        <p:nvPicPr>
+          <p:cNvPr id="8" name="Picture 7" descr="A blue circles with red line and a red line&#10;&#10;AI-generated content may be incorrect.">
+            <a:extLst>
+              <a:ext uri="{FF2B5EF4-FFF2-40B4-BE49-F238E27FC236}">
+                <a16:creationId xmlns:a16="http://schemas.microsoft.com/office/drawing/2014/main" id="{2E8EE53F-B854-52CA-1638-691EB256D2FE}"/>
+              </a:ext>
+            </a:extLst>
+          </p:cNvPr>
+          <p:cNvPicPr>
+            <a:picLocks noChangeAspect="1"/>
+          </p:cNvPicPr>
+          <p:nvPr/>
+        </p:nvPicPr>
+        <p:blipFill>
+          <a:blip r:embed="rId2">
+            <a:extLst>
+              <a:ext uri="{28A0092B-C50C-407E-A947-70E740481C1C}">
+                <a14:useLocalDpi xmlns:a14="http://schemas.microsoft.com/office/drawing/2010/main" val="0"/>
+              </a:ext>
+            </a:extLst>
+          </a:blip>
+          <a:stretch>
+            <a:fillRect/>
+          </a:stretch>
+        </p:blipFill>
+        <p:spPr>
+          <a:xfrm>
+            <a:off x="3429000" y="838200"/>
+            <a:ext cx="6400800" cy="4800600"/>
+          </a:xfrm>
+          <a:prstGeom prst="rect">
+            <a:avLst/>
+          </a:prstGeom>
+        </p:spPr>
+      </p:pic>
+    </p:spTree>
+    <p:extLst>
+      <p:ext uri="{BB962C8B-B14F-4D97-AF65-F5344CB8AC3E}">
+        <p14:creationId xmlns:p14="http://schemas.microsoft.com/office/powerpoint/2010/main" val="1535889167"/>
+      </p:ext>
+    </p:extLst>
+  </p:cSld>
+  <p:clrMapOvr>
+    <a:masterClrMapping/>
+  </p:clrMapOvr>
+</p:sld>
+</file>
+
+<file path=ppt/slides/slide28.xml><?xml version="1.0" encoding="utf-8"?>
+<p:sld xmlns:a="http://schemas.openxmlformats.org/drawingml/2006/main" xmlns:r="http://schemas.openxmlformats.org/officeDocument/2006/relationships" xmlns:p="http://schemas.openxmlformats.org/presentationml/2006/main">
+  <p:cSld>
+    <p:spTree>
+      <p:nvGrpSpPr>
+        <p:cNvPr id="1" name="">
+          <a:extLst>
+            <a:ext uri="{FF2B5EF4-FFF2-40B4-BE49-F238E27FC236}">
+              <a16:creationId xmlns:a16="http://schemas.microsoft.com/office/drawing/2014/main" id="{5E9659C3-42C7-EC48-4E7C-F15B53F39809}"/>
+            </a:ext>
+          </a:extLst>
+        </p:cNvPr>
+        <p:cNvGrpSpPr/>
+        <p:nvPr/>
+      </p:nvGrpSpPr>
+      <p:grpSpPr>
+        <a:xfrm>
+          <a:off x="0" y="0"/>
+          <a:ext cx="0" cy="0"/>
+          <a:chOff x="0" y="0"/>
+          <a:chExt cx="0" cy="0"/>
+        </a:xfrm>
+      </p:grpSpPr>
+      <p:sp>
+        <p:nvSpPr>
+          <p:cNvPr id="4" name="Title 1">
+            <a:extLst>
+              <a:ext uri="{FF2B5EF4-FFF2-40B4-BE49-F238E27FC236}">
+                <a16:creationId xmlns:a16="http://schemas.microsoft.com/office/drawing/2014/main" id="{2ACE57EB-8F00-D2C3-C68A-BE05B3C6D6E6}"/>
+              </a:ext>
+            </a:extLst>
+          </p:cNvPr>
+          <p:cNvSpPr txBox="1">
+            <a:spLocks/>
+          </p:cNvSpPr>
+          <p:nvPr/>
+        </p:nvSpPr>
+        <p:spPr>
+          <a:xfrm>
+            <a:off x="1497166" y="4354"/>
+            <a:ext cx="6149667" cy="952654"/>
+          </a:xfrm>
+          <a:prstGeom prst="rect">
+            <a:avLst/>
+          </a:prstGeom>
+        </p:spPr>
+        <p:txBody>
+          <a:bodyPr vert="horz" lIns="91440" tIns="45720" rIns="91440" bIns="45720" rtlCol="0" anchor="ctr">
+            <a:normAutofit/>
+          </a:bodyPr>
+          <a:lstStyle>
+            <a:lvl1pPr algn="ctr" defTabSz="457200" rtl="0" eaLnBrk="1" latinLnBrk="0" hangingPunct="1">
+              <a:spcBef>
+                <a:spcPct val="0"/>
+              </a:spcBef>
+              <a:buNone/>
+              <a:defRPr sz="4400" kern="1200">
+                <a:solidFill>
+                  <a:schemeClr val="tx1"/>
+                </a:solidFill>
+                <a:latin typeface="+mj-lt"/>
+                <a:ea typeface="+mj-ea"/>
+                <a:cs typeface="+mj-cs"/>
+              </a:defRPr>
+            </a:lvl1pPr>
+          </a:lstStyle>
+          <a:p>
+            <a:r>
+              <a:rPr lang="en-US" sz="4000" dirty="0">
+                <a:latin typeface="Rockwell" panose="02060603020205020403" pitchFamily="18" charset="0"/>
+              </a:rPr>
+              <a:t>Minimum st-cuts</a:t>
+            </a:r>
+          </a:p>
+        </p:txBody>
+      </p:sp>
+      <p:sp>
+        <p:nvSpPr>
+          <p:cNvPr id="2" name="Content Placeholder 2">
+            <a:extLst>
+              <a:ext uri="{FF2B5EF4-FFF2-40B4-BE49-F238E27FC236}">
+                <a16:creationId xmlns:a16="http://schemas.microsoft.com/office/drawing/2014/main" id="{D455CD91-F6D6-56F4-4714-27AD36F6030B}"/>
+              </a:ext>
+            </a:extLst>
+          </p:cNvPr>
+          <p:cNvSpPr txBox="1">
+            <a:spLocks/>
+          </p:cNvSpPr>
+          <p:nvPr/>
+        </p:nvSpPr>
+        <p:spPr>
+          <a:xfrm>
+            <a:off x="28302" y="926528"/>
+            <a:ext cx="4772297" cy="5486400"/>
+          </a:xfrm>
+          <a:prstGeom prst="rect">
+            <a:avLst/>
+          </a:prstGeom>
+        </p:spPr>
+        <p:txBody>
+          <a:bodyPr vert="horz" lIns="91440" tIns="45720" rIns="91440" bIns="45720" rtlCol="0">
+            <a:normAutofit fontScale="70000" lnSpcReduction="20000"/>
+          </a:bodyPr>
+          <a:lstStyle>
+            <a:lvl1pPr marL="342900" indent="-342900" algn="l" defTabSz="457200" rtl="0" eaLnBrk="1" latinLnBrk="0" hangingPunct="1">
+              <a:spcBef>
+                <a:spcPct val="20000"/>
+              </a:spcBef>
+              <a:buFont typeface="Arial"/>
+              <a:buChar char="•"/>
+              <a:defRPr sz="3200" kern="1200">
+                <a:solidFill>
+                  <a:schemeClr val="tx1"/>
+                </a:solidFill>
+                <a:latin typeface="+mn-lt"/>
+                <a:ea typeface="+mn-ea"/>
+                <a:cs typeface="+mn-cs"/>
+              </a:defRPr>
+            </a:lvl1pPr>
+            <a:lvl2pPr marL="742950" indent="-285750" algn="l" defTabSz="457200" rtl="0" eaLnBrk="1" latinLnBrk="0" hangingPunct="1">
+              <a:spcBef>
+                <a:spcPct val="20000"/>
+              </a:spcBef>
+              <a:buFont typeface="Arial"/>
+              <a:buChar char="–"/>
+              <a:defRPr sz="2800" kern="1200">
+                <a:solidFill>
+                  <a:schemeClr val="tx1"/>
+                </a:solidFill>
+                <a:latin typeface="+mn-lt"/>
+                <a:ea typeface="+mn-ea"/>
+                <a:cs typeface="+mn-cs"/>
+              </a:defRPr>
+            </a:lvl2pPr>
+            <a:lvl3pPr marL="1143000" indent="-228600" algn="l" defTabSz="457200" rtl="0" eaLnBrk="1" latinLnBrk="0" hangingPunct="1">
+              <a:spcBef>
+                <a:spcPct val="20000"/>
+              </a:spcBef>
+              <a:buFont typeface="Arial"/>
+              <a:buChar char="•"/>
+              <a:defRPr sz="2400" kern="1200">
+                <a:solidFill>
+                  <a:schemeClr val="tx1"/>
+                </a:solidFill>
+                <a:latin typeface="+mn-lt"/>
+                <a:ea typeface="+mn-ea"/>
+                <a:cs typeface="+mn-cs"/>
+              </a:defRPr>
+            </a:lvl3pPr>
+            <a:lvl4pPr marL="1600200" indent="-228600" algn="l" defTabSz="457200" rtl="0" eaLnBrk="1" latinLnBrk="0" hangingPunct="1">
+              <a:spcBef>
+                <a:spcPct val="20000"/>
+              </a:spcBef>
+              <a:buFont typeface="Arial"/>
+              <a:buChar char="–"/>
+              <a:defRPr sz="2000" kern="1200">
+                <a:solidFill>
+                  <a:schemeClr val="tx1"/>
+                </a:solidFill>
+                <a:latin typeface="+mn-lt"/>
+                <a:ea typeface="+mn-ea"/>
+                <a:cs typeface="+mn-cs"/>
+              </a:defRPr>
+            </a:lvl4pPr>
+            <a:lvl5pPr marL="2057400" indent="-228600" algn="l" defTabSz="457200" rtl="0" eaLnBrk="1" latinLnBrk="0" hangingPunct="1">
+              <a:spcBef>
+                <a:spcPct val="20000"/>
+              </a:spcBef>
+              <a:buFont typeface="Arial"/>
+              <a:buChar char="»"/>
+              <a:defRPr sz="2000" kern="1200">
+                <a:solidFill>
+                  <a:schemeClr val="tx1"/>
+                </a:solidFill>
+                <a:latin typeface="+mn-lt"/>
+                <a:ea typeface="+mn-ea"/>
+                <a:cs typeface="+mn-cs"/>
+              </a:defRPr>
+            </a:lvl5pPr>
+            <a:lvl6pPr marL="2514600" indent="-228600" algn="l" defTabSz="457200" rtl="0" eaLnBrk="1" latinLnBrk="0" hangingPunct="1">
+              <a:spcBef>
+                <a:spcPct val="20000"/>
+              </a:spcBef>
+              <a:buFont typeface="Arial"/>
+              <a:buChar char="•"/>
+              <a:defRPr sz="2000" kern="1200">
+                <a:solidFill>
+                  <a:schemeClr val="tx1"/>
+                </a:solidFill>
+                <a:latin typeface="+mn-lt"/>
+                <a:ea typeface="+mn-ea"/>
+                <a:cs typeface="+mn-cs"/>
+              </a:defRPr>
+            </a:lvl6pPr>
+            <a:lvl7pPr marL="2971800" indent="-228600" algn="l" defTabSz="457200" rtl="0" eaLnBrk="1" latinLnBrk="0" hangingPunct="1">
+              <a:spcBef>
+                <a:spcPct val="20000"/>
+              </a:spcBef>
+              <a:buFont typeface="Arial"/>
+              <a:buChar char="•"/>
+              <a:defRPr sz="2000" kern="1200">
+                <a:solidFill>
+                  <a:schemeClr val="tx1"/>
+                </a:solidFill>
+                <a:latin typeface="+mn-lt"/>
+                <a:ea typeface="+mn-ea"/>
+                <a:cs typeface="+mn-cs"/>
+              </a:defRPr>
+            </a:lvl7pPr>
+            <a:lvl8pPr marL="3429000" indent="-228600" algn="l" defTabSz="457200" rtl="0" eaLnBrk="1" latinLnBrk="0" hangingPunct="1">
+              <a:spcBef>
+                <a:spcPct val="20000"/>
+              </a:spcBef>
+              <a:buFont typeface="Arial"/>
+              <a:buChar char="•"/>
+              <a:defRPr sz="2000" kern="1200">
+                <a:solidFill>
+                  <a:schemeClr val="tx1"/>
+                </a:solidFill>
+                <a:latin typeface="+mn-lt"/>
+                <a:ea typeface="+mn-ea"/>
+                <a:cs typeface="+mn-cs"/>
+              </a:defRPr>
+            </a:lvl8pPr>
+            <a:lvl9pPr marL="3886200" indent="-228600" algn="l" defTabSz="457200" rtl="0" eaLnBrk="1" latinLnBrk="0" hangingPunct="1">
+              <a:spcBef>
+                <a:spcPct val="20000"/>
+              </a:spcBef>
+              <a:buFont typeface="Arial"/>
+              <a:buChar char="•"/>
+              <a:defRPr sz="2000" kern="1200">
+                <a:solidFill>
+                  <a:schemeClr val="tx1"/>
+                </a:solidFill>
+                <a:latin typeface="+mn-lt"/>
+                <a:ea typeface="+mn-ea"/>
+                <a:cs typeface="+mn-cs"/>
+              </a:defRPr>
+            </a:lvl9pPr>
+          </a:lstStyle>
+          <a:p>
+            <a:r>
+              <a:rPr lang="en-US" sz="2800" dirty="0">
+                <a:latin typeface="Bookman Old Style" panose="02050604050505020204" pitchFamily="18" charset="0"/>
+              </a:rPr>
+              <a:t>The minimum st-cut is the st-cut where the cut capacity is minimized.</a:t>
+            </a:r>
+          </a:p>
+          <a:p>
+            <a:r>
+              <a:rPr lang="en-US" sz="2800" dirty="0">
+                <a:latin typeface="Bookman Old Style" panose="02050604050505020204" pitchFamily="18" charset="0"/>
+              </a:rPr>
+              <a:t>Importantly, it has been proven that the minimum st-cut value is equal to the maximum flow through the flow network. This means finding one value helps find the other.</a:t>
+            </a:r>
+          </a:p>
+          <a:p>
+            <a:r>
+              <a:rPr lang="en-US" sz="2800" dirty="0">
+                <a:latin typeface="Bookman Old Style" panose="02050604050505020204" pitchFamily="18" charset="0"/>
+              </a:rPr>
+              <a:t>In Goldberg’s algorithm, finding the minimum st-cut is an important step, and a Breadth First Search that pushes as much flow down every path possible is used to find the maximum flow. And by taking the st-cut of this max flow graph, the minimum st-cut is found.</a:t>
+            </a:r>
+          </a:p>
+        </p:txBody>
+      </p:sp>
+      <p:pic>
+        <p:nvPicPr>
+          <p:cNvPr id="10" name="Picture 9" descr="A blue circles with red line and white text&#10;&#10;AI-generated content may be incorrect.">
+            <a:extLst>
+              <a:ext uri="{FF2B5EF4-FFF2-40B4-BE49-F238E27FC236}">
+                <a16:creationId xmlns:a16="http://schemas.microsoft.com/office/drawing/2014/main" id="{4307B9C0-1B42-7D96-4001-2FCBDFBD04EF}"/>
+              </a:ext>
+            </a:extLst>
+          </p:cNvPr>
+          <p:cNvPicPr>
+            <a:picLocks noChangeAspect="1"/>
+          </p:cNvPicPr>
+          <p:nvPr/>
+        </p:nvPicPr>
+        <p:blipFill>
+          <a:blip r:embed="rId2">
+            <a:extLst>
+              <a:ext uri="{28A0092B-C50C-407E-A947-70E740481C1C}">
+                <a14:useLocalDpi xmlns:a14="http://schemas.microsoft.com/office/drawing/2010/main" val="0"/>
+              </a:ext>
+            </a:extLst>
+          </a:blip>
+          <a:stretch>
+            <a:fillRect/>
+          </a:stretch>
+        </p:blipFill>
+        <p:spPr>
+          <a:xfrm>
+            <a:off x="3657600" y="838200"/>
+            <a:ext cx="6324600" cy="4743451"/>
+          </a:xfrm>
+          <a:prstGeom prst="rect">
+            <a:avLst/>
+          </a:prstGeom>
+        </p:spPr>
+      </p:pic>
+    </p:spTree>
+    <p:extLst>
+      <p:ext uri="{BB962C8B-B14F-4D97-AF65-F5344CB8AC3E}">
+        <p14:creationId xmlns:p14="http://schemas.microsoft.com/office/powerpoint/2010/main" val="171661472"/>
+      </p:ext>
+    </p:extLst>
+  </p:cSld>
+  <p:clrMapOvr>
+    <a:masterClrMapping/>
+  </p:clrMapOvr>
+</p:sld>
+</file>
+
+<file path=ppt/slides/slide29.xml><?xml version="1.0" encoding="utf-8"?>
+<p:sld xmlns:a="http://schemas.openxmlformats.org/drawingml/2006/main" xmlns:r="http://schemas.openxmlformats.org/officeDocument/2006/relationships" xmlns:p="http://schemas.openxmlformats.org/presentationml/2006/main">
+  <p:cSld>
+    <p:spTree>
+      <p:nvGrpSpPr>
+        <p:cNvPr id="1" name="">
+          <a:extLst>
+            <a:ext uri="{FF2B5EF4-FFF2-40B4-BE49-F238E27FC236}">
+              <a16:creationId xmlns:a16="http://schemas.microsoft.com/office/drawing/2014/main" id="{F57B0E0D-D048-E8B1-8961-D9659DEEFEA1}"/>
+            </a:ext>
+          </a:extLst>
+        </p:cNvPr>
+        <p:cNvGrpSpPr/>
+        <p:nvPr/>
+      </p:nvGrpSpPr>
+      <p:grpSpPr>
+        <a:xfrm>
+          <a:off x="0" y="0"/>
+          <a:ext cx="0" cy="0"/>
+          <a:chOff x="0" y="0"/>
+          <a:chExt cx="0" cy="0"/>
+        </a:xfrm>
+      </p:grpSpPr>
+      <p:sp>
+        <p:nvSpPr>
+          <p:cNvPr id="4" name="Title 1">
+            <a:extLst>
+              <a:ext uri="{FF2B5EF4-FFF2-40B4-BE49-F238E27FC236}">
+                <a16:creationId xmlns:a16="http://schemas.microsoft.com/office/drawing/2014/main" id="{785EFA7A-9CBB-52ED-91BB-17D87942AF6A}"/>
               </a:ext>
             </a:extLst>
           </p:cNvPr>
@@ -8190,189 +11304,817 @@
               <a:rPr lang="en-US" sz="4000" dirty="0">
                 <a:latin typeface="Rockwell" panose="02060603020205020403" pitchFamily="18" charset="0"/>
               </a:rPr>
-              <a:t>Text</a:t>
+              <a:t>Goldberg’s Maximum Flow-Based Algorithm</a:t>
             </a:r>
           </a:p>
         </p:txBody>
       </p:sp>
-      <p:sp>
-        <p:nvSpPr>
-          <p:cNvPr id="2" name="Content Placeholder 2">
-            <a:extLst>
-              <a:ext uri="{FF2B5EF4-FFF2-40B4-BE49-F238E27FC236}">
-                <a16:creationId xmlns:a16="http://schemas.microsoft.com/office/drawing/2014/main" id="{3578A0A7-65F9-3511-4D3E-86D08F8FC8BD}"/>
-              </a:ext>
-            </a:extLst>
-          </p:cNvPr>
-          <p:cNvSpPr txBox="1">
-            <a:spLocks/>
-          </p:cNvSpPr>
-          <p:nvPr/>
-        </p:nvSpPr>
-        <p:spPr>
-          <a:xfrm>
-            <a:off x="228600" y="1434946"/>
-            <a:ext cx="5135120" cy="4545011"/>
-          </a:xfrm>
-          <a:prstGeom prst="rect">
-            <a:avLst/>
-          </a:prstGeom>
-        </p:spPr>
-        <p:txBody>
-          <a:bodyPr vert="horz" lIns="91440" tIns="45720" rIns="91440" bIns="45720" rtlCol="0">
-            <a:normAutofit/>
-          </a:bodyPr>
-          <a:lstStyle>
-            <a:lvl1pPr marL="342900" indent="-342900" algn="l" defTabSz="457200" rtl="0" eaLnBrk="1" latinLnBrk="0" hangingPunct="1">
-              <a:spcBef>
-                <a:spcPct val="20000"/>
-              </a:spcBef>
-              <a:buFont typeface="Arial"/>
-              <a:buChar char="•"/>
-              <a:defRPr sz="3200" kern="1200">
-                <a:solidFill>
-                  <a:schemeClr val="tx1"/>
-                </a:solidFill>
-                <a:latin typeface="+mn-lt"/>
-                <a:ea typeface="+mn-ea"/>
-                <a:cs typeface="+mn-cs"/>
-              </a:defRPr>
-            </a:lvl1pPr>
-            <a:lvl2pPr marL="742950" indent="-285750" algn="l" defTabSz="457200" rtl="0" eaLnBrk="1" latinLnBrk="0" hangingPunct="1">
-              <a:spcBef>
-                <a:spcPct val="20000"/>
-              </a:spcBef>
-              <a:buFont typeface="Arial"/>
-              <a:buChar char="–"/>
-              <a:defRPr sz="2800" kern="1200">
-                <a:solidFill>
-                  <a:schemeClr val="tx1"/>
-                </a:solidFill>
-                <a:latin typeface="+mn-lt"/>
-                <a:ea typeface="+mn-ea"/>
-                <a:cs typeface="+mn-cs"/>
-              </a:defRPr>
-            </a:lvl2pPr>
-            <a:lvl3pPr marL="1143000" indent="-228600" algn="l" defTabSz="457200" rtl="0" eaLnBrk="1" latinLnBrk="0" hangingPunct="1">
-              <a:spcBef>
-                <a:spcPct val="20000"/>
-              </a:spcBef>
-              <a:buFont typeface="Arial"/>
-              <a:buChar char="•"/>
-              <a:defRPr sz="2400" kern="1200">
-                <a:solidFill>
-                  <a:schemeClr val="tx1"/>
-                </a:solidFill>
-                <a:latin typeface="+mn-lt"/>
-                <a:ea typeface="+mn-ea"/>
-                <a:cs typeface="+mn-cs"/>
-              </a:defRPr>
-            </a:lvl3pPr>
-            <a:lvl4pPr marL="1600200" indent="-228600" algn="l" defTabSz="457200" rtl="0" eaLnBrk="1" latinLnBrk="0" hangingPunct="1">
-              <a:spcBef>
-                <a:spcPct val="20000"/>
-              </a:spcBef>
-              <a:buFont typeface="Arial"/>
-              <a:buChar char="–"/>
-              <a:defRPr sz="2000" kern="1200">
-                <a:solidFill>
-                  <a:schemeClr val="tx1"/>
-                </a:solidFill>
-                <a:latin typeface="+mn-lt"/>
-                <a:ea typeface="+mn-ea"/>
-                <a:cs typeface="+mn-cs"/>
-              </a:defRPr>
-            </a:lvl4pPr>
-            <a:lvl5pPr marL="2057400" indent="-228600" algn="l" defTabSz="457200" rtl="0" eaLnBrk="1" latinLnBrk="0" hangingPunct="1">
-              <a:spcBef>
-                <a:spcPct val="20000"/>
-              </a:spcBef>
-              <a:buFont typeface="Arial"/>
-              <a:buChar char="»"/>
-              <a:defRPr sz="2000" kern="1200">
-                <a:solidFill>
-                  <a:schemeClr val="tx1"/>
-                </a:solidFill>
-                <a:latin typeface="+mn-lt"/>
-                <a:ea typeface="+mn-ea"/>
-                <a:cs typeface="+mn-cs"/>
-              </a:defRPr>
-            </a:lvl5pPr>
-            <a:lvl6pPr marL="2514600" indent="-228600" algn="l" defTabSz="457200" rtl="0" eaLnBrk="1" latinLnBrk="0" hangingPunct="1">
-              <a:spcBef>
-                <a:spcPct val="20000"/>
-              </a:spcBef>
-              <a:buFont typeface="Arial"/>
-              <a:buChar char="•"/>
-              <a:defRPr sz="2000" kern="1200">
-                <a:solidFill>
-                  <a:schemeClr val="tx1"/>
-                </a:solidFill>
-                <a:latin typeface="+mn-lt"/>
-                <a:ea typeface="+mn-ea"/>
-                <a:cs typeface="+mn-cs"/>
-              </a:defRPr>
-            </a:lvl6pPr>
-            <a:lvl7pPr marL="2971800" indent="-228600" algn="l" defTabSz="457200" rtl="0" eaLnBrk="1" latinLnBrk="0" hangingPunct="1">
-              <a:spcBef>
-                <a:spcPct val="20000"/>
-              </a:spcBef>
-              <a:buFont typeface="Arial"/>
-              <a:buChar char="•"/>
-              <a:defRPr sz="2000" kern="1200">
-                <a:solidFill>
-                  <a:schemeClr val="tx1"/>
-                </a:solidFill>
-                <a:latin typeface="+mn-lt"/>
-                <a:ea typeface="+mn-ea"/>
-                <a:cs typeface="+mn-cs"/>
-              </a:defRPr>
-            </a:lvl7pPr>
-            <a:lvl8pPr marL="3429000" indent="-228600" algn="l" defTabSz="457200" rtl="0" eaLnBrk="1" latinLnBrk="0" hangingPunct="1">
-              <a:spcBef>
-                <a:spcPct val="20000"/>
-              </a:spcBef>
-              <a:buFont typeface="Arial"/>
-              <a:buChar char="•"/>
-              <a:defRPr sz="2000" kern="1200">
-                <a:solidFill>
-                  <a:schemeClr val="tx1"/>
-                </a:solidFill>
-                <a:latin typeface="+mn-lt"/>
-                <a:ea typeface="+mn-ea"/>
-                <a:cs typeface="+mn-cs"/>
-              </a:defRPr>
-            </a:lvl8pPr>
-            <a:lvl9pPr marL="3886200" indent="-228600" algn="l" defTabSz="457200" rtl="0" eaLnBrk="1" latinLnBrk="0" hangingPunct="1">
-              <a:spcBef>
-                <a:spcPct val="20000"/>
-              </a:spcBef>
-              <a:buFont typeface="Arial"/>
-              <a:buChar char="•"/>
-              <a:defRPr sz="2000" kern="1200">
-                <a:solidFill>
-                  <a:schemeClr val="tx1"/>
-                </a:solidFill>
-                <a:latin typeface="+mn-lt"/>
-                <a:ea typeface="+mn-ea"/>
-                <a:cs typeface="+mn-cs"/>
-              </a:defRPr>
-            </a:lvl9pPr>
-          </a:lstStyle>
-          <a:p>
-            <a:r>
-              <a:rPr lang="en-US" sz="2800" dirty="0">
-                <a:latin typeface="Bookman Old Style" panose="02050604050505020204" pitchFamily="18" charset="0"/>
-              </a:rPr>
-              <a:t>text</a:t>
-            </a:r>
-          </a:p>
-        </p:txBody>
-      </p:sp>
+      <mc:AlternateContent xmlns:mc="http://schemas.openxmlformats.org/markup-compatibility/2006">
+        <mc:Choice xmlns:a14="http://schemas.microsoft.com/office/drawing/2010/main" Requires="a14">
+          <p:sp>
+            <p:nvSpPr>
+              <p:cNvPr id="2" name="Content Placeholder 2">
+                <a:extLst>
+                  <a:ext uri="{FF2B5EF4-FFF2-40B4-BE49-F238E27FC236}">
+                    <a16:creationId xmlns:a16="http://schemas.microsoft.com/office/drawing/2014/main" id="{244D4B56-ACF7-D4BE-64DD-2989592856BA}"/>
+                  </a:ext>
+                </a:extLst>
+              </p:cNvPr>
+              <p:cNvSpPr txBox="1">
+                <a:spLocks/>
+              </p:cNvSpPr>
+              <p:nvPr/>
+            </p:nvSpPr>
+            <p:spPr>
+              <a:xfrm>
+                <a:off x="0" y="1434946"/>
+                <a:ext cx="8686800" cy="4965854"/>
+              </a:xfrm>
+              <a:prstGeom prst="rect">
+                <a:avLst/>
+              </a:prstGeom>
+            </p:spPr>
+            <p:txBody>
+              <a:bodyPr vert="horz" lIns="91440" tIns="45720" rIns="91440" bIns="45720" rtlCol="0">
+                <a:normAutofit fontScale="77500" lnSpcReduction="20000"/>
+              </a:bodyPr>
+              <a:lstStyle>
+                <a:lvl1pPr marL="342900" indent="-342900" algn="l" defTabSz="457200" rtl="0" eaLnBrk="1" latinLnBrk="0" hangingPunct="1">
+                  <a:spcBef>
+                    <a:spcPct val="20000"/>
+                  </a:spcBef>
+                  <a:buFont typeface="Arial"/>
+                  <a:buChar char="•"/>
+                  <a:defRPr sz="3200" kern="1200">
+                    <a:solidFill>
+                      <a:schemeClr val="tx1"/>
+                    </a:solidFill>
+                    <a:latin typeface="+mn-lt"/>
+                    <a:ea typeface="+mn-ea"/>
+                    <a:cs typeface="+mn-cs"/>
+                  </a:defRPr>
+                </a:lvl1pPr>
+                <a:lvl2pPr marL="742950" indent="-285750" algn="l" defTabSz="457200" rtl="0" eaLnBrk="1" latinLnBrk="0" hangingPunct="1">
+                  <a:spcBef>
+                    <a:spcPct val="20000"/>
+                  </a:spcBef>
+                  <a:buFont typeface="Arial"/>
+                  <a:buChar char="–"/>
+                  <a:defRPr sz="2800" kern="1200">
+                    <a:solidFill>
+                      <a:schemeClr val="tx1"/>
+                    </a:solidFill>
+                    <a:latin typeface="+mn-lt"/>
+                    <a:ea typeface="+mn-ea"/>
+                    <a:cs typeface="+mn-cs"/>
+                  </a:defRPr>
+                </a:lvl2pPr>
+                <a:lvl3pPr marL="1143000" indent="-228600" algn="l" defTabSz="457200" rtl="0" eaLnBrk="1" latinLnBrk="0" hangingPunct="1">
+                  <a:spcBef>
+                    <a:spcPct val="20000"/>
+                  </a:spcBef>
+                  <a:buFont typeface="Arial"/>
+                  <a:buChar char="•"/>
+                  <a:defRPr sz="2400" kern="1200">
+                    <a:solidFill>
+                      <a:schemeClr val="tx1"/>
+                    </a:solidFill>
+                    <a:latin typeface="+mn-lt"/>
+                    <a:ea typeface="+mn-ea"/>
+                    <a:cs typeface="+mn-cs"/>
+                  </a:defRPr>
+                </a:lvl3pPr>
+                <a:lvl4pPr marL="1600200" indent="-228600" algn="l" defTabSz="457200" rtl="0" eaLnBrk="1" latinLnBrk="0" hangingPunct="1">
+                  <a:spcBef>
+                    <a:spcPct val="20000"/>
+                  </a:spcBef>
+                  <a:buFont typeface="Arial"/>
+                  <a:buChar char="–"/>
+                  <a:defRPr sz="2000" kern="1200">
+                    <a:solidFill>
+                      <a:schemeClr val="tx1"/>
+                    </a:solidFill>
+                    <a:latin typeface="+mn-lt"/>
+                    <a:ea typeface="+mn-ea"/>
+                    <a:cs typeface="+mn-cs"/>
+                  </a:defRPr>
+                </a:lvl4pPr>
+                <a:lvl5pPr marL="2057400" indent="-228600" algn="l" defTabSz="457200" rtl="0" eaLnBrk="1" latinLnBrk="0" hangingPunct="1">
+                  <a:spcBef>
+                    <a:spcPct val="20000"/>
+                  </a:spcBef>
+                  <a:buFont typeface="Arial"/>
+                  <a:buChar char="»"/>
+                  <a:defRPr sz="2000" kern="1200">
+                    <a:solidFill>
+                      <a:schemeClr val="tx1"/>
+                    </a:solidFill>
+                    <a:latin typeface="+mn-lt"/>
+                    <a:ea typeface="+mn-ea"/>
+                    <a:cs typeface="+mn-cs"/>
+                  </a:defRPr>
+                </a:lvl5pPr>
+                <a:lvl6pPr marL="2514600" indent="-228600" algn="l" defTabSz="457200" rtl="0" eaLnBrk="1" latinLnBrk="0" hangingPunct="1">
+                  <a:spcBef>
+                    <a:spcPct val="20000"/>
+                  </a:spcBef>
+                  <a:buFont typeface="Arial"/>
+                  <a:buChar char="•"/>
+                  <a:defRPr sz="2000" kern="1200">
+                    <a:solidFill>
+                      <a:schemeClr val="tx1"/>
+                    </a:solidFill>
+                    <a:latin typeface="+mn-lt"/>
+                    <a:ea typeface="+mn-ea"/>
+                    <a:cs typeface="+mn-cs"/>
+                  </a:defRPr>
+                </a:lvl6pPr>
+                <a:lvl7pPr marL="2971800" indent="-228600" algn="l" defTabSz="457200" rtl="0" eaLnBrk="1" latinLnBrk="0" hangingPunct="1">
+                  <a:spcBef>
+                    <a:spcPct val="20000"/>
+                  </a:spcBef>
+                  <a:buFont typeface="Arial"/>
+                  <a:buChar char="•"/>
+                  <a:defRPr sz="2000" kern="1200">
+                    <a:solidFill>
+                      <a:schemeClr val="tx1"/>
+                    </a:solidFill>
+                    <a:latin typeface="+mn-lt"/>
+                    <a:ea typeface="+mn-ea"/>
+                    <a:cs typeface="+mn-cs"/>
+                  </a:defRPr>
+                </a:lvl7pPr>
+                <a:lvl8pPr marL="3429000" indent="-228600" algn="l" defTabSz="457200" rtl="0" eaLnBrk="1" latinLnBrk="0" hangingPunct="1">
+                  <a:spcBef>
+                    <a:spcPct val="20000"/>
+                  </a:spcBef>
+                  <a:buFont typeface="Arial"/>
+                  <a:buChar char="•"/>
+                  <a:defRPr sz="2000" kern="1200">
+                    <a:solidFill>
+                      <a:schemeClr val="tx1"/>
+                    </a:solidFill>
+                    <a:latin typeface="+mn-lt"/>
+                    <a:ea typeface="+mn-ea"/>
+                    <a:cs typeface="+mn-cs"/>
+                  </a:defRPr>
+                </a:lvl8pPr>
+                <a:lvl9pPr marL="3886200" indent="-228600" algn="l" defTabSz="457200" rtl="0" eaLnBrk="1" latinLnBrk="0" hangingPunct="1">
+                  <a:spcBef>
+                    <a:spcPct val="20000"/>
+                  </a:spcBef>
+                  <a:buFont typeface="Arial"/>
+                  <a:buChar char="•"/>
+                  <a:defRPr sz="2000" kern="1200">
+                    <a:solidFill>
+                      <a:schemeClr val="tx1"/>
+                    </a:solidFill>
+                    <a:latin typeface="+mn-lt"/>
+                    <a:ea typeface="+mn-ea"/>
+                    <a:cs typeface="+mn-cs"/>
+                  </a:defRPr>
+                </a:lvl9pPr>
+              </a:lstStyle>
+              <a:p>
+                <a:r>
+                  <a:rPr lang="en-US" sz="2800" dirty="0">
+                    <a:latin typeface="Bookman Old Style" panose="02050604050505020204" pitchFamily="18" charset="0"/>
+                  </a:rPr>
+                  <a:t>Goldberg’s exact algorithm relies on an upper and lower bound for the density of the input graph, with each iteration checking for a dense subgraph then tightening the bounds each iteration.</a:t>
+                </a:r>
+              </a:p>
+              <a:p>
+                <a:r>
+                  <a:rPr lang="en-US" sz="2800" dirty="0">
+                    <a:latin typeface="Bookman Old Style" panose="02050604050505020204" pitchFamily="18" charset="0"/>
+                  </a:rPr>
+                  <a:t>The upper bound (</a:t>
+                </a:r>
+                <a:r>
+                  <a:rPr lang="en-US" sz="2800" i="1" dirty="0">
+                    <a:latin typeface="Bookman Old Style" panose="02050604050505020204" pitchFamily="18" charset="0"/>
+                  </a:rPr>
+                  <a:t>u</a:t>
+                </a:r>
+                <a:r>
+                  <a:rPr lang="en-US" sz="2800" dirty="0">
+                    <a:latin typeface="Bookman Old Style" panose="02050604050505020204" pitchFamily="18" charset="0"/>
+                  </a:rPr>
+                  <a:t>) is initially set as the k value of the densest k-core, and the lower bound (</a:t>
+                </a:r>
+                <a:r>
+                  <a:rPr lang="en-US" sz="2800" i="1" dirty="0">
+                    <a:latin typeface="Bookman Old Style" panose="02050604050505020204" pitchFamily="18" charset="0"/>
+                  </a:rPr>
+                  <a:t>l</a:t>
+                </a:r>
+                <a:r>
+                  <a:rPr lang="en-US" sz="2800" dirty="0">
+                    <a:latin typeface="Bookman Old Style" panose="02050604050505020204" pitchFamily="18" charset="0"/>
+                  </a:rPr>
+                  <a:t>) is set as the density of the k-core. This covers the range between the density of the k-core and its optimal density.</a:t>
+                </a:r>
+              </a:p>
+              <a:p>
+                <a:r>
+                  <a:rPr lang="en-US" sz="2800" dirty="0">
+                    <a:latin typeface="Bookman Old Style" panose="02050604050505020204" pitchFamily="18" charset="0"/>
+                  </a:rPr>
+                  <a:t>The iterations end when </a:t>
+                </a:r>
+                <a14:m>
+                  <m:oMath xmlns:m="http://schemas.openxmlformats.org/officeDocument/2006/math">
+                    <m:r>
+                      <a:rPr lang="en-US" sz="2800" i="1"/>
+                      <m:t>𝑢</m:t>
+                    </m:r>
+                    <m:r>
+                      <a:rPr lang="en-US" sz="2800" i="1"/>
+                      <m:t>−</m:t>
+                    </m:r>
+                    <m:r>
+                      <a:rPr lang="en-US" sz="2800" i="1"/>
+                      <m:t>𝑙</m:t>
+                    </m:r>
+                    <m:r>
+                      <a:rPr lang="en-US" sz="2800" i="1"/>
+                      <m:t>≥</m:t>
+                    </m:r>
+                    <m:f>
+                      <m:fPr>
+                        <m:ctrlPr>
+                          <a:rPr lang="en-US" sz="2800" i="1"/>
+                        </m:ctrlPr>
+                      </m:fPr>
+                      <m:num>
+                        <m:r>
+                          <a:rPr lang="en-US" sz="2800" i="1"/>
+                          <m:t>1</m:t>
+                        </m:r>
+                      </m:num>
+                      <m:den>
+                        <m:r>
+                          <a:rPr lang="en-US" sz="2800" i="1"/>
+                          <m:t>𝑣</m:t>
+                        </m:r>
+                        <m:r>
+                          <a:rPr lang="en-US" sz="2800" i="1"/>
+                          <m:t>(</m:t>
+                        </m:r>
+                        <m:r>
+                          <a:rPr lang="en-US" sz="2800" i="1"/>
+                          <m:t>𝑣</m:t>
+                        </m:r>
+                        <m:r>
+                          <a:rPr lang="en-US" sz="2800" i="1"/>
+                          <m:t>−1)</m:t>
+                        </m:r>
+                      </m:den>
+                    </m:f>
+                  </m:oMath>
+                </a14:m>
+                <a:r>
+                  <a:rPr lang="en-US" sz="2800" dirty="0">
+                    <a:latin typeface="Bookman Old Style" panose="02050604050505020204" pitchFamily="18" charset="0"/>
+                  </a:rPr>
+                  <a:t> (where </a:t>
+                </a:r>
+                <a:r>
+                  <a:rPr lang="en-US" sz="2800" i="1" dirty="0">
+                    <a:latin typeface="Bookman Old Style" panose="02050604050505020204" pitchFamily="18" charset="0"/>
+                  </a:rPr>
+                  <a:t>v</a:t>
+                </a:r>
+                <a:r>
+                  <a:rPr lang="en-US" sz="2800" dirty="0">
+                    <a:latin typeface="Bookman Old Style" panose="02050604050505020204" pitchFamily="18" charset="0"/>
+                  </a:rPr>
+                  <a:t> is the number of vertices). </a:t>
+                </a:r>
+                <a14:m>
+                  <m:oMath xmlns:m="http://schemas.openxmlformats.org/officeDocument/2006/math">
+                    <m:f>
+                      <m:fPr>
+                        <m:ctrlPr>
+                          <a:rPr lang="en-US" sz="2800" i="1">
+                            <a:latin typeface="Cambria Math" panose="02040503050406030204" pitchFamily="18" charset="0"/>
+                          </a:rPr>
+                        </m:ctrlPr>
+                      </m:fPr>
+                      <m:num>
+                        <m:r>
+                          <a:rPr lang="en-US" sz="2800" i="1">
+                            <a:latin typeface="Cambria Math" panose="02040503050406030204" pitchFamily="18" charset="0"/>
+                          </a:rPr>
+                          <m:t>1</m:t>
+                        </m:r>
+                      </m:num>
+                      <m:den>
+                        <m:r>
+                          <a:rPr lang="en-US" sz="2800" i="1">
+                            <a:latin typeface="Cambria Math" panose="02040503050406030204" pitchFamily="18" charset="0"/>
+                          </a:rPr>
+                          <m:t>𝑣</m:t>
+                        </m:r>
+                        <m:r>
+                          <a:rPr lang="en-US" sz="2800" i="1">
+                            <a:latin typeface="Cambria Math" panose="02040503050406030204" pitchFamily="18" charset="0"/>
+                          </a:rPr>
+                          <m:t>(</m:t>
+                        </m:r>
+                        <m:r>
+                          <a:rPr lang="en-US" sz="2800" i="1">
+                            <a:latin typeface="Cambria Math" panose="02040503050406030204" pitchFamily="18" charset="0"/>
+                          </a:rPr>
+                          <m:t>𝑣</m:t>
+                        </m:r>
+                        <m:r>
+                          <a:rPr lang="en-US" sz="2800" i="1">
+                            <a:latin typeface="Cambria Math" panose="02040503050406030204" pitchFamily="18" charset="0"/>
+                          </a:rPr>
+                          <m:t>−1)</m:t>
+                        </m:r>
+                      </m:den>
+                    </m:f>
+                  </m:oMath>
+                </a14:m>
+                <a:r>
+                  <a:rPr lang="en-US" sz="2800" dirty="0">
+                    <a:latin typeface="Bookman Old Style" panose="02050604050505020204" pitchFamily="18" charset="0"/>
+                  </a:rPr>
+                  <a:t> is the smallest possible difference between two densities </a:t>
+                </a:r>
+                <a14:m>
+                  <m:oMath xmlns:m="http://schemas.openxmlformats.org/officeDocument/2006/math">
+                    <m:r>
+                      <a:rPr lang="en-US" sz="2800" i="1">
+                        <a:latin typeface="Cambria Math" panose="02040503050406030204" pitchFamily="18" charset="0"/>
+                      </a:rPr>
+                      <m:t>𝑢</m:t>
+                    </m:r>
+                    <m:r>
+                      <a:rPr lang="en-US" sz="2800" i="1">
+                        <a:latin typeface="Cambria Math" panose="02040503050406030204" pitchFamily="18" charset="0"/>
+                      </a:rPr>
+                      <m:t>−</m:t>
+                    </m:r>
+                    <m:r>
+                      <a:rPr lang="en-US" sz="2800" i="1">
+                        <a:latin typeface="Cambria Math" panose="02040503050406030204" pitchFamily="18" charset="0"/>
+                      </a:rPr>
+                      <m:t>𝑙</m:t>
+                    </m:r>
+                    <m:r>
+                      <a:rPr lang="en-US" sz="2800" b="0" i="1" smtClean="0">
+                        <a:latin typeface="Cambria Math" panose="02040503050406030204" pitchFamily="18" charset="0"/>
+                      </a:rPr>
+                      <m:t>=</m:t>
+                    </m:r>
+                  </m:oMath>
+                </a14:m>
+                <a:r>
+                  <a:rPr lang="en-US" sz="2800" dirty="0">
+                    <a:latin typeface="Bookman Old Style" panose="02050604050505020204" pitchFamily="18" charset="0"/>
+                  </a:rPr>
+                  <a:t> </a:t>
+                </a:r>
+                <a14:m>
+                  <m:oMath xmlns:m="http://schemas.openxmlformats.org/officeDocument/2006/math">
+                    <m:f>
+                      <m:fPr>
+                        <m:ctrlPr>
+                          <a:rPr lang="en-US" sz="2800" i="1"/>
+                        </m:ctrlPr>
+                      </m:fPr>
+                      <m:num>
+                        <m:sSub>
+                          <m:sSubPr>
+                            <m:ctrlPr>
+                              <a:rPr lang="en-US" sz="2800" i="1"/>
+                            </m:ctrlPr>
+                          </m:sSubPr>
+                          <m:e>
+                            <m:r>
+                              <a:rPr lang="en-US" sz="2800" i="1"/>
+                              <m:t>𝑒</m:t>
+                            </m:r>
+                          </m:e>
+                          <m:sub>
+                            <m:r>
+                              <a:rPr lang="en-US" sz="2800" i="1"/>
+                              <m:t>1</m:t>
+                            </m:r>
+                          </m:sub>
+                        </m:sSub>
+                      </m:num>
+                      <m:den>
+                        <m:sSub>
+                          <m:sSubPr>
+                            <m:ctrlPr>
+                              <a:rPr lang="en-US" sz="2800" i="1"/>
+                            </m:ctrlPr>
+                          </m:sSubPr>
+                          <m:e>
+                            <m:r>
+                              <a:rPr lang="en-US" sz="2800" i="1"/>
+                              <m:t>𝑣</m:t>
+                            </m:r>
+                          </m:e>
+                          <m:sub>
+                            <m:r>
+                              <a:rPr lang="en-US" sz="2800" i="1"/>
+                              <m:t>1</m:t>
+                            </m:r>
+                          </m:sub>
+                        </m:sSub>
+                      </m:den>
+                    </m:f>
+                    <m:r>
+                      <a:rPr lang="en-US" sz="2800" i="1"/>
+                      <m:t>−</m:t>
+                    </m:r>
+                    <m:f>
+                      <m:fPr>
+                        <m:ctrlPr>
+                          <a:rPr lang="en-US" sz="2800" i="1"/>
+                        </m:ctrlPr>
+                      </m:fPr>
+                      <m:num>
+                        <m:sSub>
+                          <m:sSubPr>
+                            <m:ctrlPr>
+                              <a:rPr lang="en-US" sz="2800" i="1"/>
+                            </m:ctrlPr>
+                          </m:sSubPr>
+                          <m:e>
+                            <m:r>
+                              <a:rPr lang="en-US" sz="2800" i="1"/>
+                              <m:t>𝑒</m:t>
+                            </m:r>
+                          </m:e>
+                          <m:sub>
+                            <m:r>
+                              <a:rPr lang="en-US" sz="2800" i="1"/>
+                              <m:t>2</m:t>
+                            </m:r>
+                          </m:sub>
+                        </m:sSub>
+                      </m:num>
+                      <m:den>
+                        <m:sSub>
+                          <m:sSubPr>
+                            <m:ctrlPr>
+                              <a:rPr lang="en-US" sz="2800" i="1"/>
+                            </m:ctrlPr>
+                          </m:sSubPr>
+                          <m:e>
+                            <m:r>
+                              <a:rPr lang="en-US" sz="2800" i="1"/>
+                              <m:t>𝑣</m:t>
+                            </m:r>
+                          </m:e>
+                          <m:sub>
+                            <m:r>
+                              <a:rPr lang="en-US" sz="2800" i="1"/>
+                              <m:t>2</m:t>
+                            </m:r>
+                          </m:sub>
+                        </m:sSub>
+                      </m:den>
+                    </m:f>
+                    <m:r>
+                      <a:rPr lang="en-US" sz="2800" i="1"/>
+                      <m:t>=</m:t>
+                    </m:r>
+                    <m:f>
+                      <m:fPr>
+                        <m:ctrlPr>
+                          <a:rPr lang="en-US" sz="2800" i="1"/>
+                        </m:ctrlPr>
+                      </m:fPr>
+                      <m:num>
+                        <m:sSub>
+                          <m:sSubPr>
+                            <m:ctrlPr>
+                              <a:rPr lang="en-US" sz="2800" i="1"/>
+                            </m:ctrlPr>
+                          </m:sSubPr>
+                          <m:e>
+                            <m:r>
+                              <a:rPr lang="en-US" sz="2800" i="1"/>
+                              <m:t>𝑒</m:t>
+                            </m:r>
+                          </m:e>
+                          <m:sub>
+                            <m:r>
+                              <a:rPr lang="en-US" sz="2800" i="1"/>
+                              <m:t>1</m:t>
+                            </m:r>
+                          </m:sub>
+                        </m:sSub>
+                        <m:sSub>
+                          <m:sSubPr>
+                            <m:ctrlPr>
+                              <a:rPr lang="en-US" sz="2800" i="1"/>
+                            </m:ctrlPr>
+                          </m:sSubPr>
+                          <m:e>
+                            <m:r>
+                              <a:rPr lang="en-US" sz="2800" i="1"/>
+                              <m:t>𝑣</m:t>
+                            </m:r>
+                          </m:e>
+                          <m:sub>
+                            <m:r>
+                              <a:rPr lang="en-US" sz="2800" i="1"/>
+                              <m:t>2</m:t>
+                            </m:r>
+                          </m:sub>
+                        </m:sSub>
+                        <m:r>
+                          <a:rPr lang="en-US" sz="2800" i="1"/>
+                          <m:t>−</m:t>
+                        </m:r>
+                        <m:sSub>
+                          <m:sSubPr>
+                            <m:ctrlPr>
+                              <a:rPr lang="en-US" sz="2800" i="1"/>
+                            </m:ctrlPr>
+                          </m:sSubPr>
+                          <m:e>
+                            <m:r>
+                              <a:rPr lang="en-US" sz="2800" i="1"/>
+                              <m:t>𝑒</m:t>
+                            </m:r>
+                          </m:e>
+                          <m:sub>
+                            <m:r>
+                              <a:rPr lang="en-US" sz="2800" i="1"/>
+                              <m:t>2</m:t>
+                            </m:r>
+                          </m:sub>
+                        </m:sSub>
+                        <m:sSub>
+                          <m:sSubPr>
+                            <m:ctrlPr>
+                              <a:rPr lang="en-US" sz="2800" i="1"/>
+                            </m:ctrlPr>
+                          </m:sSubPr>
+                          <m:e>
+                            <m:r>
+                              <a:rPr lang="en-US" sz="2800" i="1"/>
+                              <m:t>𝑣</m:t>
+                            </m:r>
+                          </m:e>
+                          <m:sub>
+                            <m:r>
+                              <a:rPr lang="en-US" sz="2800" i="1"/>
+                              <m:t>1</m:t>
+                            </m:r>
+                          </m:sub>
+                        </m:sSub>
+                      </m:num>
+                      <m:den>
+                        <m:sSub>
+                          <m:sSubPr>
+                            <m:ctrlPr>
+                              <a:rPr lang="en-US" sz="2800" i="1"/>
+                            </m:ctrlPr>
+                          </m:sSubPr>
+                          <m:e>
+                            <m:r>
+                              <a:rPr lang="en-US" sz="2800" i="1"/>
+                              <m:t>𝑣</m:t>
+                            </m:r>
+                          </m:e>
+                          <m:sub>
+                            <m:r>
+                              <a:rPr lang="en-US" sz="2800" i="1"/>
+                              <m:t>1</m:t>
+                            </m:r>
+                          </m:sub>
+                        </m:sSub>
+                        <m:sSub>
+                          <m:sSubPr>
+                            <m:ctrlPr>
+                              <a:rPr lang="en-US" sz="2800" i="1"/>
+                            </m:ctrlPr>
+                          </m:sSubPr>
+                          <m:e>
+                            <m:r>
+                              <a:rPr lang="en-US" sz="2800" i="1"/>
+                              <m:t>𝑣</m:t>
+                            </m:r>
+                          </m:e>
+                          <m:sub>
+                            <m:r>
+                              <a:rPr lang="en-US" sz="2800" i="1"/>
+                              <m:t>2</m:t>
+                            </m:r>
+                          </m:sub>
+                        </m:sSub>
+                      </m:den>
+                    </m:f>
+                  </m:oMath>
+                </a14:m>
+                <a:r>
+                  <a:rPr lang="en-US" sz="2800" dirty="0">
+                    <a:latin typeface="Bookman Old Style" panose="02050604050505020204" pitchFamily="18" charset="0"/>
+                  </a:rPr>
+                  <a:t>, and since the smallest possible difference between </a:t>
+                </a:r>
+                <a14:m>
+                  <m:oMath xmlns:m="http://schemas.openxmlformats.org/officeDocument/2006/math">
+                    <m:sSub>
+                      <m:sSubPr>
+                        <m:ctrlPr>
+                          <a:rPr lang="en-US" sz="2800" i="1">
+                            <a:latin typeface="Cambria Math" panose="02040503050406030204" pitchFamily="18" charset="0"/>
+                          </a:rPr>
+                        </m:ctrlPr>
+                      </m:sSubPr>
+                      <m:e>
+                        <m:r>
+                          <a:rPr lang="en-US" sz="2800" i="1">
+                            <a:latin typeface="Cambria Math" panose="02040503050406030204" pitchFamily="18" charset="0"/>
+                          </a:rPr>
+                          <m:t>𝑣</m:t>
+                        </m:r>
+                      </m:e>
+                      <m:sub>
+                        <m:r>
+                          <a:rPr lang="en-US" sz="2800" i="1">
+                            <a:latin typeface="Cambria Math" panose="02040503050406030204" pitchFamily="18" charset="0"/>
+                          </a:rPr>
+                          <m:t>1</m:t>
+                        </m:r>
+                      </m:sub>
+                    </m:sSub>
+                    <m:r>
+                      <a:rPr lang="en-US" sz="2800" b="0" i="1" smtClean="0">
+                        <a:latin typeface="Cambria Math" panose="02040503050406030204" pitchFamily="18" charset="0"/>
+                      </a:rPr>
+                      <m:t> </m:t>
+                    </m:r>
+                    <m:r>
+                      <m:rPr>
+                        <m:sty m:val="p"/>
+                      </m:rPr>
+                      <a:rPr lang="en-US" sz="2800" b="0" i="0" smtClean="0">
+                        <a:latin typeface="Cambria Math" panose="02040503050406030204" pitchFamily="18" charset="0"/>
+                      </a:rPr>
+                      <m:t>and</m:t>
+                    </m:r>
+                    <m:r>
+                      <a:rPr lang="en-US" sz="2800" b="0" i="1" smtClean="0">
+                        <a:latin typeface="Cambria Math" panose="02040503050406030204" pitchFamily="18" charset="0"/>
+                      </a:rPr>
+                      <m:t> </m:t>
+                    </m:r>
+                    <m:sSub>
+                      <m:sSubPr>
+                        <m:ctrlPr>
+                          <a:rPr lang="en-US" sz="2800" i="1">
+                            <a:latin typeface="Cambria Math" panose="02040503050406030204" pitchFamily="18" charset="0"/>
+                          </a:rPr>
+                        </m:ctrlPr>
+                      </m:sSubPr>
+                      <m:e>
+                        <m:r>
+                          <a:rPr lang="en-US" sz="2800" i="1">
+                            <a:latin typeface="Cambria Math" panose="02040503050406030204" pitchFamily="18" charset="0"/>
+                          </a:rPr>
+                          <m:t>𝑣</m:t>
+                        </m:r>
+                      </m:e>
+                      <m:sub>
+                        <m:r>
+                          <a:rPr lang="en-US" sz="2800" i="1">
+                            <a:latin typeface="Cambria Math" panose="02040503050406030204" pitchFamily="18" charset="0"/>
+                          </a:rPr>
+                          <m:t>2</m:t>
+                        </m:r>
+                      </m:sub>
+                    </m:sSub>
+                  </m:oMath>
+                </a14:m>
+                <a:r>
+                  <a:rPr lang="en-US" sz="2800" dirty="0">
+                    <a:latin typeface="Bookman Old Style" panose="02050604050505020204" pitchFamily="18" charset="0"/>
+                  </a:rPr>
+                  <a:t> is 1, we get </a:t>
+                </a:r>
+                <a14:m>
+                  <m:oMath xmlns:m="http://schemas.openxmlformats.org/officeDocument/2006/math">
+                    <m:f>
+                      <m:fPr>
+                        <m:ctrlPr>
+                          <a:rPr lang="en-US" sz="2800" i="1">
+                            <a:latin typeface="Cambria Math" panose="02040503050406030204" pitchFamily="18" charset="0"/>
+                          </a:rPr>
+                        </m:ctrlPr>
+                      </m:fPr>
+                      <m:num>
+                        <m:r>
+                          <a:rPr lang="en-US" sz="2800" i="1">
+                            <a:latin typeface="Cambria Math" panose="02040503050406030204" pitchFamily="18" charset="0"/>
+                          </a:rPr>
+                          <m:t>1</m:t>
+                        </m:r>
+                      </m:num>
+                      <m:den>
+                        <m:r>
+                          <a:rPr lang="en-US" sz="2800" i="1">
+                            <a:latin typeface="Cambria Math" panose="02040503050406030204" pitchFamily="18" charset="0"/>
+                          </a:rPr>
+                          <m:t>𝑣</m:t>
+                        </m:r>
+                        <m:r>
+                          <a:rPr lang="en-US" sz="2800" i="1">
+                            <a:latin typeface="Cambria Math" panose="02040503050406030204" pitchFamily="18" charset="0"/>
+                          </a:rPr>
+                          <m:t>(</m:t>
+                        </m:r>
+                        <m:r>
+                          <a:rPr lang="en-US" sz="2800" i="1">
+                            <a:latin typeface="Cambria Math" panose="02040503050406030204" pitchFamily="18" charset="0"/>
+                          </a:rPr>
+                          <m:t>𝑣</m:t>
+                        </m:r>
+                        <m:r>
+                          <a:rPr lang="en-US" sz="2800" i="1">
+                            <a:latin typeface="Cambria Math" panose="02040503050406030204" pitchFamily="18" charset="0"/>
+                          </a:rPr>
+                          <m:t>−1)</m:t>
+                        </m:r>
+                      </m:den>
+                    </m:f>
+                  </m:oMath>
+                </a14:m>
+                <a:r>
+                  <a:rPr lang="en-US" sz="2800" dirty="0">
+                    <a:latin typeface="Bookman Old Style" panose="02050604050505020204" pitchFamily="18" charset="0"/>
+                  </a:rPr>
+                  <a:t>. </a:t>
+                </a:r>
+              </a:p>
+              <a:p>
+                <a:endParaRPr lang="en-US" sz="2800" dirty="0">
+                  <a:latin typeface="Bookman Old Style" panose="02050604050505020204" pitchFamily="18" charset="0"/>
+                </a:endParaRPr>
+              </a:p>
+            </p:txBody>
+          </p:sp>
+        </mc:Choice>
+        <mc:Fallback>
+          <p:sp>
+            <p:nvSpPr>
+              <p:cNvPr id="2" name="Content Placeholder 2">
+                <a:extLst>
+                  <a:ext uri="{FF2B5EF4-FFF2-40B4-BE49-F238E27FC236}">
+                    <a16:creationId xmlns:a16="http://schemas.microsoft.com/office/drawing/2014/main" id="{244D4B56-ACF7-D4BE-64DD-2989592856BA}"/>
+                  </a:ext>
+                </a:extLst>
+              </p:cNvPr>
+              <p:cNvSpPr txBox="1">
+                <a:spLocks noRot="1" noChangeAspect="1" noMove="1" noResize="1" noEditPoints="1" noAdjustHandles="1" noChangeArrowheads="1" noChangeShapeType="1" noTextEdit="1"/>
+              </p:cNvSpPr>
+              <p:nvPr/>
+            </p:nvSpPr>
+            <p:spPr>
+              <a:xfrm>
+                <a:off x="0" y="1434946"/>
+                <a:ext cx="8686800" cy="4965854"/>
+              </a:xfrm>
+              <a:prstGeom prst="rect">
+                <a:avLst/>
+              </a:prstGeom>
+              <a:blipFill>
+                <a:blip r:embed="rId2"/>
+                <a:stretch>
+                  <a:fillRect l="-772" t="-1963" r="-1684"/>
+                </a:stretch>
+              </a:blipFill>
+            </p:spPr>
+            <p:txBody>
+              <a:bodyPr/>
+              <a:lstStyle/>
+              <a:p>
+                <a:r>
+                  <a:rPr lang="en-US">
+                    <a:noFill/>
+                  </a:rPr>
+                  <a:t> </a:t>
+                </a:r>
+              </a:p>
+            </p:txBody>
+          </p:sp>
+        </mc:Fallback>
+      </mc:AlternateContent>
     </p:spTree>
     <p:extLst>
       <p:ext uri="{BB962C8B-B14F-4D97-AF65-F5344CB8AC3E}">
-        <p14:creationId xmlns:p14="http://schemas.microsoft.com/office/powerpoint/2010/main" val="1126826298"/>
+        <p14:creationId xmlns:p14="http://schemas.microsoft.com/office/powerpoint/2010/main" val="2612717184"/>
       </p:ext>
     </p:extLst>
   </p:cSld>
@@ -8672,6 +12414,2765 @@
     <p:extLst>
       <p:ext uri="{BB962C8B-B14F-4D97-AF65-F5344CB8AC3E}">
         <p14:creationId xmlns:p14="http://schemas.microsoft.com/office/powerpoint/2010/main" val="393006152"/>
+      </p:ext>
+    </p:extLst>
+  </p:cSld>
+  <p:clrMapOvr>
+    <a:masterClrMapping/>
+  </p:clrMapOvr>
+</p:sld>
+</file>
+
+<file path=ppt/slides/slide30.xml><?xml version="1.0" encoding="utf-8"?>
+<p:sld xmlns:a="http://schemas.openxmlformats.org/drawingml/2006/main" xmlns:r="http://schemas.openxmlformats.org/officeDocument/2006/relationships" xmlns:p="http://schemas.openxmlformats.org/presentationml/2006/main">
+  <p:cSld>
+    <p:spTree>
+      <p:nvGrpSpPr>
+        <p:cNvPr id="1" name="">
+          <a:extLst>
+            <a:ext uri="{FF2B5EF4-FFF2-40B4-BE49-F238E27FC236}">
+              <a16:creationId xmlns:a16="http://schemas.microsoft.com/office/drawing/2014/main" id="{DDC01107-C9A6-5E86-C062-4545579A7D83}"/>
+            </a:ext>
+          </a:extLst>
+        </p:cNvPr>
+        <p:cNvGrpSpPr/>
+        <p:nvPr/>
+      </p:nvGrpSpPr>
+      <p:grpSpPr>
+        <a:xfrm>
+          <a:off x="0" y="0"/>
+          <a:ext cx="0" cy="0"/>
+          <a:chOff x="0" y="0"/>
+          <a:chExt cx="0" cy="0"/>
+        </a:xfrm>
+      </p:grpSpPr>
+      <p:sp>
+        <p:nvSpPr>
+          <p:cNvPr id="4" name="Title 1">
+            <a:extLst>
+              <a:ext uri="{FF2B5EF4-FFF2-40B4-BE49-F238E27FC236}">
+                <a16:creationId xmlns:a16="http://schemas.microsoft.com/office/drawing/2014/main" id="{495AA6D8-A317-6011-0863-509F90DC1C2E}"/>
+              </a:ext>
+            </a:extLst>
+          </p:cNvPr>
+          <p:cNvSpPr txBox="1">
+            <a:spLocks/>
+          </p:cNvSpPr>
+          <p:nvPr/>
+        </p:nvSpPr>
+        <p:spPr>
+          <a:xfrm>
+            <a:off x="824783" y="114146"/>
+            <a:ext cx="7494434" cy="1320800"/>
+          </a:xfrm>
+          <a:prstGeom prst="rect">
+            <a:avLst/>
+          </a:prstGeom>
+        </p:spPr>
+        <p:txBody>
+          <a:bodyPr vert="horz" lIns="91440" tIns="45720" rIns="91440" bIns="45720" rtlCol="0" anchor="ctr">
+            <a:normAutofit/>
+          </a:bodyPr>
+          <a:lstStyle>
+            <a:lvl1pPr algn="ctr" defTabSz="457200" rtl="0" eaLnBrk="1" latinLnBrk="0" hangingPunct="1">
+              <a:spcBef>
+                <a:spcPct val="0"/>
+              </a:spcBef>
+              <a:buNone/>
+              <a:defRPr sz="4400" kern="1200">
+                <a:solidFill>
+                  <a:schemeClr val="tx1"/>
+                </a:solidFill>
+                <a:latin typeface="+mj-lt"/>
+                <a:ea typeface="+mj-ea"/>
+                <a:cs typeface="+mj-cs"/>
+              </a:defRPr>
+            </a:lvl1pPr>
+          </a:lstStyle>
+          <a:p>
+            <a:r>
+              <a:rPr lang="en-US" sz="4000" dirty="0">
+                <a:latin typeface="Rockwell" panose="02060603020205020403" pitchFamily="18" charset="0"/>
+              </a:rPr>
+              <a:t>Goldberg’s Maximum Flow-Based Algorithm (continued)</a:t>
+            </a:r>
+          </a:p>
+        </p:txBody>
+      </p:sp>
+      <p:sp>
+        <p:nvSpPr>
+          <p:cNvPr id="2" name="Content Placeholder 2">
+            <a:extLst>
+              <a:ext uri="{FF2B5EF4-FFF2-40B4-BE49-F238E27FC236}">
+                <a16:creationId xmlns:a16="http://schemas.microsoft.com/office/drawing/2014/main" id="{CACC8463-7C70-01A6-A592-7FCBDB37F67D}"/>
+              </a:ext>
+            </a:extLst>
+          </p:cNvPr>
+          <p:cNvSpPr txBox="1">
+            <a:spLocks/>
+          </p:cNvSpPr>
+          <p:nvPr/>
+        </p:nvSpPr>
+        <p:spPr>
+          <a:xfrm>
+            <a:off x="-76200" y="1434946"/>
+            <a:ext cx="4114800" cy="4545011"/>
+          </a:xfrm>
+          <a:prstGeom prst="rect">
+            <a:avLst/>
+          </a:prstGeom>
+        </p:spPr>
+        <p:txBody>
+          <a:bodyPr vert="horz" lIns="91440" tIns="45720" rIns="91440" bIns="45720" rtlCol="0">
+            <a:normAutofit fontScale="70000" lnSpcReduction="20000"/>
+          </a:bodyPr>
+          <a:lstStyle>
+            <a:lvl1pPr marL="342900" indent="-342900" algn="l" defTabSz="457200" rtl="0" eaLnBrk="1" latinLnBrk="0" hangingPunct="1">
+              <a:spcBef>
+                <a:spcPct val="20000"/>
+              </a:spcBef>
+              <a:buFont typeface="Arial"/>
+              <a:buChar char="•"/>
+              <a:defRPr sz="3200" kern="1200">
+                <a:solidFill>
+                  <a:schemeClr val="tx1"/>
+                </a:solidFill>
+                <a:latin typeface="+mn-lt"/>
+                <a:ea typeface="+mn-ea"/>
+                <a:cs typeface="+mn-cs"/>
+              </a:defRPr>
+            </a:lvl1pPr>
+            <a:lvl2pPr marL="742950" indent="-285750" algn="l" defTabSz="457200" rtl="0" eaLnBrk="1" latinLnBrk="0" hangingPunct="1">
+              <a:spcBef>
+                <a:spcPct val="20000"/>
+              </a:spcBef>
+              <a:buFont typeface="Arial"/>
+              <a:buChar char="–"/>
+              <a:defRPr sz="2800" kern="1200">
+                <a:solidFill>
+                  <a:schemeClr val="tx1"/>
+                </a:solidFill>
+                <a:latin typeface="+mn-lt"/>
+                <a:ea typeface="+mn-ea"/>
+                <a:cs typeface="+mn-cs"/>
+              </a:defRPr>
+            </a:lvl2pPr>
+            <a:lvl3pPr marL="1143000" indent="-228600" algn="l" defTabSz="457200" rtl="0" eaLnBrk="1" latinLnBrk="0" hangingPunct="1">
+              <a:spcBef>
+                <a:spcPct val="20000"/>
+              </a:spcBef>
+              <a:buFont typeface="Arial"/>
+              <a:buChar char="•"/>
+              <a:defRPr sz="2400" kern="1200">
+                <a:solidFill>
+                  <a:schemeClr val="tx1"/>
+                </a:solidFill>
+                <a:latin typeface="+mn-lt"/>
+                <a:ea typeface="+mn-ea"/>
+                <a:cs typeface="+mn-cs"/>
+              </a:defRPr>
+            </a:lvl3pPr>
+            <a:lvl4pPr marL="1600200" indent="-228600" algn="l" defTabSz="457200" rtl="0" eaLnBrk="1" latinLnBrk="0" hangingPunct="1">
+              <a:spcBef>
+                <a:spcPct val="20000"/>
+              </a:spcBef>
+              <a:buFont typeface="Arial"/>
+              <a:buChar char="–"/>
+              <a:defRPr sz="2000" kern="1200">
+                <a:solidFill>
+                  <a:schemeClr val="tx1"/>
+                </a:solidFill>
+                <a:latin typeface="+mn-lt"/>
+                <a:ea typeface="+mn-ea"/>
+                <a:cs typeface="+mn-cs"/>
+              </a:defRPr>
+            </a:lvl4pPr>
+            <a:lvl5pPr marL="2057400" indent="-228600" algn="l" defTabSz="457200" rtl="0" eaLnBrk="1" latinLnBrk="0" hangingPunct="1">
+              <a:spcBef>
+                <a:spcPct val="20000"/>
+              </a:spcBef>
+              <a:buFont typeface="Arial"/>
+              <a:buChar char="»"/>
+              <a:defRPr sz="2000" kern="1200">
+                <a:solidFill>
+                  <a:schemeClr val="tx1"/>
+                </a:solidFill>
+                <a:latin typeface="+mn-lt"/>
+                <a:ea typeface="+mn-ea"/>
+                <a:cs typeface="+mn-cs"/>
+              </a:defRPr>
+            </a:lvl5pPr>
+            <a:lvl6pPr marL="2514600" indent="-228600" algn="l" defTabSz="457200" rtl="0" eaLnBrk="1" latinLnBrk="0" hangingPunct="1">
+              <a:spcBef>
+                <a:spcPct val="20000"/>
+              </a:spcBef>
+              <a:buFont typeface="Arial"/>
+              <a:buChar char="•"/>
+              <a:defRPr sz="2000" kern="1200">
+                <a:solidFill>
+                  <a:schemeClr val="tx1"/>
+                </a:solidFill>
+                <a:latin typeface="+mn-lt"/>
+                <a:ea typeface="+mn-ea"/>
+                <a:cs typeface="+mn-cs"/>
+              </a:defRPr>
+            </a:lvl6pPr>
+            <a:lvl7pPr marL="2971800" indent="-228600" algn="l" defTabSz="457200" rtl="0" eaLnBrk="1" latinLnBrk="0" hangingPunct="1">
+              <a:spcBef>
+                <a:spcPct val="20000"/>
+              </a:spcBef>
+              <a:buFont typeface="Arial"/>
+              <a:buChar char="•"/>
+              <a:defRPr sz="2000" kern="1200">
+                <a:solidFill>
+                  <a:schemeClr val="tx1"/>
+                </a:solidFill>
+                <a:latin typeface="+mn-lt"/>
+                <a:ea typeface="+mn-ea"/>
+                <a:cs typeface="+mn-cs"/>
+              </a:defRPr>
+            </a:lvl7pPr>
+            <a:lvl8pPr marL="3429000" indent="-228600" algn="l" defTabSz="457200" rtl="0" eaLnBrk="1" latinLnBrk="0" hangingPunct="1">
+              <a:spcBef>
+                <a:spcPct val="20000"/>
+              </a:spcBef>
+              <a:buFont typeface="Arial"/>
+              <a:buChar char="•"/>
+              <a:defRPr sz="2000" kern="1200">
+                <a:solidFill>
+                  <a:schemeClr val="tx1"/>
+                </a:solidFill>
+                <a:latin typeface="+mn-lt"/>
+                <a:ea typeface="+mn-ea"/>
+                <a:cs typeface="+mn-cs"/>
+              </a:defRPr>
+            </a:lvl8pPr>
+            <a:lvl9pPr marL="3886200" indent="-228600" algn="l" defTabSz="457200" rtl="0" eaLnBrk="1" latinLnBrk="0" hangingPunct="1">
+              <a:spcBef>
+                <a:spcPct val="20000"/>
+              </a:spcBef>
+              <a:buFont typeface="Arial"/>
+              <a:buChar char="•"/>
+              <a:defRPr sz="2000" kern="1200">
+                <a:solidFill>
+                  <a:schemeClr val="tx1"/>
+                </a:solidFill>
+                <a:latin typeface="+mn-lt"/>
+                <a:ea typeface="+mn-ea"/>
+                <a:cs typeface="+mn-cs"/>
+              </a:defRPr>
+            </a:lvl9pPr>
+          </a:lstStyle>
+          <a:p>
+            <a:r>
+              <a:rPr lang="en-US" sz="2800" dirty="0">
+                <a:latin typeface="Bookman Old Style" panose="02050604050505020204" pitchFamily="18" charset="0"/>
+              </a:rPr>
+              <a:t>As stated, bounding aside each iteration of the algorithm checks for a dense subgraph. The density check for is the average of </a:t>
+            </a:r>
+            <a:r>
+              <a:rPr lang="en-US" sz="2800" i="1" dirty="0">
+                <a:latin typeface="Bookman Old Style" panose="02050604050505020204" pitchFamily="18" charset="0"/>
+              </a:rPr>
+              <a:t>u</a:t>
+            </a:r>
+            <a:r>
+              <a:rPr lang="en-US" sz="2800" dirty="0">
+                <a:latin typeface="Bookman Old Style" panose="02050604050505020204" pitchFamily="18" charset="0"/>
+              </a:rPr>
+              <a:t> and </a:t>
+            </a:r>
+            <a:r>
+              <a:rPr lang="en-US" sz="2800" i="1" dirty="0">
+                <a:latin typeface="Bookman Old Style" panose="02050604050505020204" pitchFamily="18" charset="0"/>
+              </a:rPr>
+              <a:t>l</a:t>
+            </a:r>
+            <a:r>
+              <a:rPr lang="en-US" sz="2800" dirty="0">
+                <a:latin typeface="Bookman Old Style" panose="02050604050505020204" pitchFamily="18" charset="0"/>
+              </a:rPr>
+              <a:t>, represented as α.</a:t>
+            </a:r>
+          </a:p>
+          <a:p>
+            <a:r>
+              <a:rPr lang="en-US" sz="2800" dirty="0">
+                <a:latin typeface="Bookman Old Style" panose="02050604050505020204" pitchFamily="18" charset="0"/>
+              </a:rPr>
+              <a:t>To try and find a subgraph of density α, a particular flow network is constructed, as seen on the right.</a:t>
+            </a:r>
+          </a:p>
+          <a:p>
+            <a:r>
+              <a:rPr lang="en-US" sz="2800" dirty="0">
+                <a:latin typeface="Bookman Old Style" panose="02050604050505020204" pitchFamily="18" charset="0"/>
+              </a:rPr>
+              <a:t>Of note, while not depicted, the edges connecting the original vertices (0 -&gt; x) are replaced by directed edges going both ways with a capacity of 1 each.</a:t>
+            </a:r>
+          </a:p>
+        </p:txBody>
+      </p:sp>
+      <p:pic>
+        <p:nvPicPr>
+          <p:cNvPr id="6" name="Picture 5" descr="A black background with blue circles&#10;&#10;AI-generated content may be incorrect.">
+            <a:extLst>
+              <a:ext uri="{FF2B5EF4-FFF2-40B4-BE49-F238E27FC236}">
+                <a16:creationId xmlns:a16="http://schemas.microsoft.com/office/drawing/2014/main" id="{374DBDBF-498B-6647-97D1-EBBBAA63448A}"/>
+              </a:ext>
+            </a:extLst>
+          </p:cNvPr>
+          <p:cNvPicPr>
+            <a:picLocks noChangeAspect="1"/>
+          </p:cNvPicPr>
+          <p:nvPr/>
+        </p:nvPicPr>
+        <p:blipFill>
+          <a:blip r:embed="rId2">
+            <a:extLst>
+              <a:ext uri="{28A0092B-C50C-407E-A947-70E740481C1C}">
+                <a14:useLocalDpi xmlns:a14="http://schemas.microsoft.com/office/drawing/2010/main" val="0"/>
+              </a:ext>
+            </a:extLst>
+          </a:blip>
+          <a:stretch>
+            <a:fillRect/>
+          </a:stretch>
+        </p:blipFill>
+        <p:spPr>
+          <a:xfrm>
+            <a:off x="3048000" y="1135701"/>
+            <a:ext cx="6858000" cy="5143500"/>
+          </a:xfrm>
+          <a:prstGeom prst="rect">
+            <a:avLst/>
+          </a:prstGeom>
+        </p:spPr>
+      </p:pic>
+    </p:spTree>
+    <p:extLst>
+      <p:ext uri="{BB962C8B-B14F-4D97-AF65-F5344CB8AC3E}">
+        <p14:creationId xmlns:p14="http://schemas.microsoft.com/office/powerpoint/2010/main" val="3496906452"/>
+      </p:ext>
+    </p:extLst>
+  </p:cSld>
+  <p:clrMapOvr>
+    <a:masterClrMapping/>
+  </p:clrMapOvr>
+</p:sld>
+</file>
+
+<file path=ppt/slides/slide31.xml><?xml version="1.0" encoding="utf-8"?>
+<p:sld xmlns:a="http://schemas.openxmlformats.org/drawingml/2006/main" xmlns:r="http://schemas.openxmlformats.org/officeDocument/2006/relationships" xmlns:p="http://schemas.openxmlformats.org/presentationml/2006/main">
+  <p:cSld>
+    <p:spTree>
+      <p:nvGrpSpPr>
+        <p:cNvPr id="1" name="">
+          <a:extLst>
+            <a:ext uri="{FF2B5EF4-FFF2-40B4-BE49-F238E27FC236}">
+              <a16:creationId xmlns:a16="http://schemas.microsoft.com/office/drawing/2014/main" id="{2067140C-C96E-A9DB-954A-240A9F30CE3A}"/>
+            </a:ext>
+          </a:extLst>
+        </p:cNvPr>
+        <p:cNvGrpSpPr/>
+        <p:nvPr/>
+      </p:nvGrpSpPr>
+      <p:grpSpPr>
+        <a:xfrm>
+          <a:off x="0" y="0"/>
+          <a:ext cx="0" cy="0"/>
+          <a:chOff x="0" y="0"/>
+          <a:chExt cx="0" cy="0"/>
+        </a:xfrm>
+      </p:grpSpPr>
+      <p:sp>
+        <p:nvSpPr>
+          <p:cNvPr id="4" name="Title 1">
+            <a:extLst>
+              <a:ext uri="{FF2B5EF4-FFF2-40B4-BE49-F238E27FC236}">
+                <a16:creationId xmlns:a16="http://schemas.microsoft.com/office/drawing/2014/main" id="{5778558E-10AD-9A2B-585B-B361AC933DE6}"/>
+              </a:ext>
+            </a:extLst>
+          </p:cNvPr>
+          <p:cNvSpPr txBox="1">
+            <a:spLocks/>
+          </p:cNvSpPr>
+          <p:nvPr/>
+        </p:nvSpPr>
+        <p:spPr>
+          <a:xfrm>
+            <a:off x="1497166" y="114146"/>
+            <a:ext cx="6149667" cy="1320800"/>
+          </a:xfrm>
+          <a:prstGeom prst="rect">
+            <a:avLst/>
+          </a:prstGeom>
+        </p:spPr>
+        <p:txBody>
+          <a:bodyPr vert="horz" lIns="91440" tIns="45720" rIns="91440" bIns="45720" rtlCol="0" anchor="ctr">
+            <a:normAutofit fontScale="85000" lnSpcReduction="10000"/>
+          </a:bodyPr>
+          <a:lstStyle>
+            <a:lvl1pPr algn="ctr" defTabSz="457200" rtl="0" eaLnBrk="1" latinLnBrk="0" hangingPunct="1">
+              <a:spcBef>
+                <a:spcPct val="0"/>
+              </a:spcBef>
+              <a:buNone/>
+              <a:defRPr sz="4400" kern="1200">
+                <a:solidFill>
+                  <a:schemeClr val="tx1"/>
+                </a:solidFill>
+                <a:latin typeface="+mj-lt"/>
+                <a:ea typeface="+mj-ea"/>
+                <a:cs typeface="+mj-cs"/>
+              </a:defRPr>
+            </a:lvl1pPr>
+          </a:lstStyle>
+          <a:p>
+            <a:r>
+              <a:rPr lang="en-US" sz="4000" dirty="0">
+                <a:latin typeface="Rockwell" panose="02060603020205020403" pitchFamily="18" charset="0"/>
+              </a:rPr>
+              <a:t>Goldberg’s Maximum Flow-Based Algorithm (continued)</a:t>
+            </a:r>
+          </a:p>
+        </p:txBody>
+      </p:sp>
+      <p:sp>
+        <p:nvSpPr>
+          <p:cNvPr id="2" name="Content Placeholder 2">
+            <a:extLst>
+              <a:ext uri="{FF2B5EF4-FFF2-40B4-BE49-F238E27FC236}">
+                <a16:creationId xmlns:a16="http://schemas.microsoft.com/office/drawing/2014/main" id="{62EB2C9E-19C2-75F6-A7AF-2E68E36877C1}"/>
+              </a:ext>
+            </a:extLst>
+          </p:cNvPr>
+          <p:cNvSpPr txBox="1">
+            <a:spLocks/>
+          </p:cNvSpPr>
+          <p:nvPr/>
+        </p:nvSpPr>
+        <p:spPr>
+          <a:xfrm>
+            <a:off x="228600" y="1434946"/>
+            <a:ext cx="8686800" cy="4545011"/>
+          </a:xfrm>
+          <a:prstGeom prst="rect">
+            <a:avLst/>
+          </a:prstGeom>
+        </p:spPr>
+        <p:txBody>
+          <a:bodyPr vert="horz" lIns="91440" tIns="45720" rIns="91440" bIns="45720" rtlCol="0">
+            <a:normAutofit fontScale="92500" lnSpcReduction="10000"/>
+          </a:bodyPr>
+          <a:lstStyle>
+            <a:lvl1pPr marL="342900" indent="-342900" algn="l" defTabSz="457200" rtl="0" eaLnBrk="1" latinLnBrk="0" hangingPunct="1">
+              <a:spcBef>
+                <a:spcPct val="20000"/>
+              </a:spcBef>
+              <a:buFont typeface="Arial"/>
+              <a:buChar char="•"/>
+              <a:defRPr sz="3200" kern="1200">
+                <a:solidFill>
+                  <a:schemeClr val="tx1"/>
+                </a:solidFill>
+                <a:latin typeface="+mn-lt"/>
+                <a:ea typeface="+mn-ea"/>
+                <a:cs typeface="+mn-cs"/>
+              </a:defRPr>
+            </a:lvl1pPr>
+            <a:lvl2pPr marL="742950" indent="-285750" algn="l" defTabSz="457200" rtl="0" eaLnBrk="1" latinLnBrk="0" hangingPunct="1">
+              <a:spcBef>
+                <a:spcPct val="20000"/>
+              </a:spcBef>
+              <a:buFont typeface="Arial"/>
+              <a:buChar char="–"/>
+              <a:defRPr sz="2800" kern="1200">
+                <a:solidFill>
+                  <a:schemeClr val="tx1"/>
+                </a:solidFill>
+                <a:latin typeface="+mn-lt"/>
+                <a:ea typeface="+mn-ea"/>
+                <a:cs typeface="+mn-cs"/>
+              </a:defRPr>
+            </a:lvl2pPr>
+            <a:lvl3pPr marL="1143000" indent="-228600" algn="l" defTabSz="457200" rtl="0" eaLnBrk="1" latinLnBrk="0" hangingPunct="1">
+              <a:spcBef>
+                <a:spcPct val="20000"/>
+              </a:spcBef>
+              <a:buFont typeface="Arial"/>
+              <a:buChar char="•"/>
+              <a:defRPr sz="2400" kern="1200">
+                <a:solidFill>
+                  <a:schemeClr val="tx1"/>
+                </a:solidFill>
+                <a:latin typeface="+mn-lt"/>
+                <a:ea typeface="+mn-ea"/>
+                <a:cs typeface="+mn-cs"/>
+              </a:defRPr>
+            </a:lvl3pPr>
+            <a:lvl4pPr marL="1600200" indent="-228600" algn="l" defTabSz="457200" rtl="0" eaLnBrk="1" latinLnBrk="0" hangingPunct="1">
+              <a:spcBef>
+                <a:spcPct val="20000"/>
+              </a:spcBef>
+              <a:buFont typeface="Arial"/>
+              <a:buChar char="–"/>
+              <a:defRPr sz="2000" kern="1200">
+                <a:solidFill>
+                  <a:schemeClr val="tx1"/>
+                </a:solidFill>
+                <a:latin typeface="+mn-lt"/>
+                <a:ea typeface="+mn-ea"/>
+                <a:cs typeface="+mn-cs"/>
+              </a:defRPr>
+            </a:lvl4pPr>
+            <a:lvl5pPr marL="2057400" indent="-228600" algn="l" defTabSz="457200" rtl="0" eaLnBrk="1" latinLnBrk="0" hangingPunct="1">
+              <a:spcBef>
+                <a:spcPct val="20000"/>
+              </a:spcBef>
+              <a:buFont typeface="Arial"/>
+              <a:buChar char="»"/>
+              <a:defRPr sz="2000" kern="1200">
+                <a:solidFill>
+                  <a:schemeClr val="tx1"/>
+                </a:solidFill>
+                <a:latin typeface="+mn-lt"/>
+                <a:ea typeface="+mn-ea"/>
+                <a:cs typeface="+mn-cs"/>
+              </a:defRPr>
+            </a:lvl5pPr>
+            <a:lvl6pPr marL="2514600" indent="-228600" algn="l" defTabSz="457200" rtl="0" eaLnBrk="1" latinLnBrk="0" hangingPunct="1">
+              <a:spcBef>
+                <a:spcPct val="20000"/>
+              </a:spcBef>
+              <a:buFont typeface="Arial"/>
+              <a:buChar char="•"/>
+              <a:defRPr sz="2000" kern="1200">
+                <a:solidFill>
+                  <a:schemeClr val="tx1"/>
+                </a:solidFill>
+                <a:latin typeface="+mn-lt"/>
+                <a:ea typeface="+mn-ea"/>
+                <a:cs typeface="+mn-cs"/>
+              </a:defRPr>
+            </a:lvl6pPr>
+            <a:lvl7pPr marL="2971800" indent="-228600" algn="l" defTabSz="457200" rtl="0" eaLnBrk="1" latinLnBrk="0" hangingPunct="1">
+              <a:spcBef>
+                <a:spcPct val="20000"/>
+              </a:spcBef>
+              <a:buFont typeface="Arial"/>
+              <a:buChar char="•"/>
+              <a:defRPr sz="2000" kern="1200">
+                <a:solidFill>
+                  <a:schemeClr val="tx1"/>
+                </a:solidFill>
+                <a:latin typeface="+mn-lt"/>
+                <a:ea typeface="+mn-ea"/>
+                <a:cs typeface="+mn-cs"/>
+              </a:defRPr>
+            </a:lvl7pPr>
+            <a:lvl8pPr marL="3429000" indent="-228600" algn="l" defTabSz="457200" rtl="0" eaLnBrk="1" latinLnBrk="0" hangingPunct="1">
+              <a:spcBef>
+                <a:spcPct val="20000"/>
+              </a:spcBef>
+              <a:buFont typeface="Arial"/>
+              <a:buChar char="•"/>
+              <a:defRPr sz="2000" kern="1200">
+                <a:solidFill>
+                  <a:schemeClr val="tx1"/>
+                </a:solidFill>
+                <a:latin typeface="+mn-lt"/>
+                <a:ea typeface="+mn-ea"/>
+                <a:cs typeface="+mn-cs"/>
+              </a:defRPr>
+            </a:lvl8pPr>
+            <a:lvl9pPr marL="3886200" indent="-228600" algn="l" defTabSz="457200" rtl="0" eaLnBrk="1" latinLnBrk="0" hangingPunct="1">
+              <a:spcBef>
+                <a:spcPct val="20000"/>
+              </a:spcBef>
+              <a:buFont typeface="Arial"/>
+              <a:buChar char="•"/>
+              <a:defRPr sz="2000" kern="1200">
+                <a:solidFill>
+                  <a:schemeClr val="tx1"/>
+                </a:solidFill>
+                <a:latin typeface="+mn-lt"/>
+                <a:ea typeface="+mn-ea"/>
+                <a:cs typeface="+mn-cs"/>
+              </a:defRPr>
+            </a:lvl9pPr>
+          </a:lstStyle>
+          <a:p>
+            <a:r>
+              <a:rPr lang="en-US" sz="2800" dirty="0">
+                <a:latin typeface="Bookman Old Style" panose="02050604050505020204" pitchFamily="18" charset="0"/>
+              </a:rPr>
+              <a:t>With this flow network, Goldberg proved that if you take the minimum st-cut and look at the subgraph S / {s} (all vertices in S but the source), this subgraph will be of density α or higher (but if the subgraph is empty no such subgraph exists).</a:t>
+            </a:r>
+          </a:p>
+          <a:p>
+            <a:r>
+              <a:rPr lang="en-US" sz="2800" dirty="0">
+                <a:latin typeface="Bookman Old Style" panose="02050604050505020204" pitchFamily="18" charset="0"/>
+              </a:rPr>
+              <a:t>So, with each iteration, there are two cases. If a denser subgraph is found (α or higher), the lower bound is set to α. If not, the upper bound is set to α.</a:t>
+            </a:r>
+          </a:p>
+          <a:p>
+            <a:r>
+              <a:rPr lang="en-US" sz="2800" dirty="0">
+                <a:latin typeface="Bookman Old Style" panose="02050604050505020204" pitchFamily="18" charset="0"/>
+              </a:rPr>
+              <a:t>Additionally, the flow network is updated to adjust for the new α value.</a:t>
+            </a:r>
+          </a:p>
+        </p:txBody>
+      </p:sp>
+    </p:spTree>
+    <p:extLst>
+      <p:ext uri="{BB962C8B-B14F-4D97-AF65-F5344CB8AC3E}">
+        <p14:creationId xmlns:p14="http://schemas.microsoft.com/office/powerpoint/2010/main" val="1390126263"/>
+      </p:ext>
+    </p:extLst>
+  </p:cSld>
+  <p:clrMapOvr>
+    <a:masterClrMapping/>
+  </p:clrMapOvr>
+</p:sld>
+</file>
+
+<file path=ppt/slides/slide32.xml><?xml version="1.0" encoding="utf-8"?>
+<p:sld xmlns:a="http://schemas.openxmlformats.org/drawingml/2006/main" xmlns:r="http://schemas.openxmlformats.org/officeDocument/2006/relationships" xmlns:p="http://schemas.openxmlformats.org/presentationml/2006/main">
+  <p:cSld>
+    <p:spTree>
+      <p:nvGrpSpPr>
+        <p:cNvPr id="1" name="">
+          <a:extLst>
+            <a:ext uri="{FF2B5EF4-FFF2-40B4-BE49-F238E27FC236}">
+              <a16:creationId xmlns:a16="http://schemas.microsoft.com/office/drawing/2014/main" id="{348DD712-A901-A5AB-595A-C2145EF67EB8}"/>
+            </a:ext>
+          </a:extLst>
+        </p:cNvPr>
+        <p:cNvGrpSpPr/>
+        <p:nvPr/>
+      </p:nvGrpSpPr>
+      <p:grpSpPr>
+        <a:xfrm>
+          <a:off x="0" y="0"/>
+          <a:ext cx="0" cy="0"/>
+          <a:chOff x="0" y="0"/>
+          <a:chExt cx="0" cy="0"/>
+        </a:xfrm>
+      </p:grpSpPr>
+      <p:sp>
+        <p:nvSpPr>
+          <p:cNvPr id="4" name="Title 1">
+            <a:extLst>
+              <a:ext uri="{FF2B5EF4-FFF2-40B4-BE49-F238E27FC236}">
+                <a16:creationId xmlns:a16="http://schemas.microsoft.com/office/drawing/2014/main" id="{DCA2B698-13F8-598F-26EA-3B35DBE5A6AC}"/>
+              </a:ext>
+            </a:extLst>
+          </p:cNvPr>
+          <p:cNvSpPr txBox="1">
+            <a:spLocks/>
+          </p:cNvSpPr>
+          <p:nvPr/>
+        </p:nvSpPr>
+        <p:spPr>
+          <a:xfrm>
+            <a:off x="862883" y="114146"/>
+            <a:ext cx="7418233" cy="1320800"/>
+          </a:xfrm>
+          <a:prstGeom prst="rect">
+            <a:avLst/>
+          </a:prstGeom>
+        </p:spPr>
+        <p:txBody>
+          <a:bodyPr vert="horz" lIns="91440" tIns="45720" rIns="91440" bIns="45720" rtlCol="0" anchor="ctr">
+            <a:normAutofit/>
+          </a:bodyPr>
+          <a:lstStyle>
+            <a:lvl1pPr algn="ctr" defTabSz="457200" rtl="0" eaLnBrk="1" latinLnBrk="0" hangingPunct="1">
+              <a:spcBef>
+                <a:spcPct val="0"/>
+              </a:spcBef>
+              <a:buNone/>
+              <a:defRPr sz="4400" kern="1200">
+                <a:solidFill>
+                  <a:schemeClr val="tx1"/>
+                </a:solidFill>
+                <a:latin typeface="+mj-lt"/>
+                <a:ea typeface="+mj-ea"/>
+                <a:cs typeface="+mj-cs"/>
+              </a:defRPr>
+            </a:lvl1pPr>
+          </a:lstStyle>
+          <a:p>
+            <a:r>
+              <a:rPr lang="en-US" sz="4000" dirty="0">
+                <a:latin typeface="Rockwell" panose="02060603020205020403" pitchFamily="18" charset="0"/>
+              </a:rPr>
+              <a:t>Goldberg’s Maximum Flow-Based Algorithm In Summary</a:t>
+            </a:r>
+          </a:p>
+        </p:txBody>
+      </p:sp>
+      <mc:AlternateContent xmlns:mc="http://schemas.openxmlformats.org/markup-compatibility/2006">
+        <mc:Choice xmlns:a14="http://schemas.microsoft.com/office/drawing/2010/main" Requires="a14">
+          <p:sp>
+            <p:nvSpPr>
+              <p:cNvPr id="2" name="Content Placeholder 2">
+                <a:extLst>
+                  <a:ext uri="{FF2B5EF4-FFF2-40B4-BE49-F238E27FC236}">
+                    <a16:creationId xmlns:a16="http://schemas.microsoft.com/office/drawing/2014/main" id="{3578A0A7-65F9-3511-4D3E-86D08F8FC8BD}"/>
+                  </a:ext>
+                </a:extLst>
+              </p:cNvPr>
+              <p:cNvSpPr txBox="1">
+                <a:spLocks/>
+              </p:cNvSpPr>
+              <p:nvPr/>
+            </p:nvSpPr>
+            <p:spPr>
+              <a:xfrm>
+                <a:off x="228600" y="1434947"/>
+                <a:ext cx="8763000" cy="4280054"/>
+              </a:xfrm>
+              <a:prstGeom prst="rect">
+                <a:avLst/>
+              </a:prstGeom>
+            </p:spPr>
+            <p:txBody>
+              <a:bodyPr vert="horz" lIns="91440" tIns="45720" rIns="91440" bIns="45720" rtlCol="0">
+                <a:normAutofit fontScale="92500" lnSpcReduction="10000"/>
+              </a:bodyPr>
+              <a:lstStyle>
+                <a:lvl1pPr marL="342900" indent="-342900" algn="l" defTabSz="457200" rtl="0" eaLnBrk="1" latinLnBrk="0" hangingPunct="1">
+                  <a:spcBef>
+                    <a:spcPct val="20000"/>
+                  </a:spcBef>
+                  <a:buFont typeface="Arial"/>
+                  <a:buChar char="•"/>
+                  <a:defRPr sz="3200" kern="1200">
+                    <a:solidFill>
+                      <a:schemeClr val="tx1"/>
+                    </a:solidFill>
+                    <a:latin typeface="+mn-lt"/>
+                    <a:ea typeface="+mn-ea"/>
+                    <a:cs typeface="+mn-cs"/>
+                  </a:defRPr>
+                </a:lvl1pPr>
+                <a:lvl2pPr marL="742950" indent="-285750" algn="l" defTabSz="457200" rtl="0" eaLnBrk="1" latinLnBrk="0" hangingPunct="1">
+                  <a:spcBef>
+                    <a:spcPct val="20000"/>
+                  </a:spcBef>
+                  <a:buFont typeface="Arial"/>
+                  <a:buChar char="–"/>
+                  <a:defRPr sz="2800" kern="1200">
+                    <a:solidFill>
+                      <a:schemeClr val="tx1"/>
+                    </a:solidFill>
+                    <a:latin typeface="+mn-lt"/>
+                    <a:ea typeface="+mn-ea"/>
+                    <a:cs typeface="+mn-cs"/>
+                  </a:defRPr>
+                </a:lvl2pPr>
+                <a:lvl3pPr marL="1143000" indent="-228600" algn="l" defTabSz="457200" rtl="0" eaLnBrk="1" latinLnBrk="0" hangingPunct="1">
+                  <a:spcBef>
+                    <a:spcPct val="20000"/>
+                  </a:spcBef>
+                  <a:buFont typeface="Arial"/>
+                  <a:buChar char="•"/>
+                  <a:defRPr sz="2400" kern="1200">
+                    <a:solidFill>
+                      <a:schemeClr val="tx1"/>
+                    </a:solidFill>
+                    <a:latin typeface="+mn-lt"/>
+                    <a:ea typeface="+mn-ea"/>
+                    <a:cs typeface="+mn-cs"/>
+                  </a:defRPr>
+                </a:lvl3pPr>
+                <a:lvl4pPr marL="1600200" indent="-228600" algn="l" defTabSz="457200" rtl="0" eaLnBrk="1" latinLnBrk="0" hangingPunct="1">
+                  <a:spcBef>
+                    <a:spcPct val="20000"/>
+                  </a:spcBef>
+                  <a:buFont typeface="Arial"/>
+                  <a:buChar char="–"/>
+                  <a:defRPr sz="2000" kern="1200">
+                    <a:solidFill>
+                      <a:schemeClr val="tx1"/>
+                    </a:solidFill>
+                    <a:latin typeface="+mn-lt"/>
+                    <a:ea typeface="+mn-ea"/>
+                    <a:cs typeface="+mn-cs"/>
+                  </a:defRPr>
+                </a:lvl4pPr>
+                <a:lvl5pPr marL="2057400" indent="-228600" algn="l" defTabSz="457200" rtl="0" eaLnBrk="1" latinLnBrk="0" hangingPunct="1">
+                  <a:spcBef>
+                    <a:spcPct val="20000"/>
+                  </a:spcBef>
+                  <a:buFont typeface="Arial"/>
+                  <a:buChar char="»"/>
+                  <a:defRPr sz="2000" kern="1200">
+                    <a:solidFill>
+                      <a:schemeClr val="tx1"/>
+                    </a:solidFill>
+                    <a:latin typeface="+mn-lt"/>
+                    <a:ea typeface="+mn-ea"/>
+                    <a:cs typeface="+mn-cs"/>
+                  </a:defRPr>
+                </a:lvl5pPr>
+                <a:lvl6pPr marL="2514600" indent="-228600" algn="l" defTabSz="457200" rtl="0" eaLnBrk="1" latinLnBrk="0" hangingPunct="1">
+                  <a:spcBef>
+                    <a:spcPct val="20000"/>
+                  </a:spcBef>
+                  <a:buFont typeface="Arial"/>
+                  <a:buChar char="•"/>
+                  <a:defRPr sz="2000" kern="1200">
+                    <a:solidFill>
+                      <a:schemeClr val="tx1"/>
+                    </a:solidFill>
+                    <a:latin typeface="+mn-lt"/>
+                    <a:ea typeface="+mn-ea"/>
+                    <a:cs typeface="+mn-cs"/>
+                  </a:defRPr>
+                </a:lvl6pPr>
+                <a:lvl7pPr marL="2971800" indent="-228600" algn="l" defTabSz="457200" rtl="0" eaLnBrk="1" latinLnBrk="0" hangingPunct="1">
+                  <a:spcBef>
+                    <a:spcPct val="20000"/>
+                  </a:spcBef>
+                  <a:buFont typeface="Arial"/>
+                  <a:buChar char="•"/>
+                  <a:defRPr sz="2000" kern="1200">
+                    <a:solidFill>
+                      <a:schemeClr val="tx1"/>
+                    </a:solidFill>
+                    <a:latin typeface="+mn-lt"/>
+                    <a:ea typeface="+mn-ea"/>
+                    <a:cs typeface="+mn-cs"/>
+                  </a:defRPr>
+                </a:lvl7pPr>
+                <a:lvl8pPr marL="3429000" indent="-228600" algn="l" defTabSz="457200" rtl="0" eaLnBrk="1" latinLnBrk="0" hangingPunct="1">
+                  <a:spcBef>
+                    <a:spcPct val="20000"/>
+                  </a:spcBef>
+                  <a:buFont typeface="Arial"/>
+                  <a:buChar char="•"/>
+                  <a:defRPr sz="2000" kern="1200">
+                    <a:solidFill>
+                      <a:schemeClr val="tx1"/>
+                    </a:solidFill>
+                    <a:latin typeface="+mn-lt"/>
+                    <a:ea typeface="+mn-ea"/>
+                    <a:cs typeface="+mn-cs"/>
+                  </a:defRPr>
+                </a:lvl8pPr>
+                <a:lvl9pPr marL="3886200" indent="-228600" algn="l" defTabSz="457200" rtl="0" eaLnBrk="1" latinLnBrk="0" hangingPunct="1">
+                  <a:spcBef>
+                    <a:spcPct val="20000"/>
+                  </a:spcBef>
+                  <a:buFont typeface="Arial"/>
+                  <a:buChar char="•"/>
+                  <a:defRPr sz="2000" kern="1200">
+                    <a:solidFill>
+                      <a:schemeClr val="tx1"/>
+                    </a:solidFill>
+                    <a:latin typeface="+mn-lt"/>
+                    <a:ea typeface="+mn-ea"/>
+                    <a:cs typeface="+mn-cs"/>
+                  </a:defRPr>
+                </a:lvl9pPr>
+              </a:lstStyle>
+              <a:p>
+                <a:pPr marL="0" indent="0">
+                  <a:buNone/>
+                </a:pPr>
+                <a:r>
+                  <a:rPr lang="en-US" sz="2800" dirty="0">
+                    <a:latin typeface="Bookman Old Style" panose="02050604050505020204" pitchFamily="18" charset="0"/>
+                  </a:rPr>
+                  <a:t>So, the steps of Goldberg’s algorithm are:</a:t>
+                </a:r>
+              </a:p>
+              <a:p>
+                <a:pPr marL="0" indent="0">
+                  <a:buNone/>
+                </a:pPr>
+                <a:r>
+                  <a:rPr lang="en-US" sz="2800" dirty="0">
+                    <a:latin typeface="Bookman Old Style" panose="02050604050505020204" pitchFamily="18" charset="0"/>
+                  </a:rPr>
+                  <a:t>1. The upper and lower bound are set from the densest k-core, and α is set as their average.</a:t>
+                </a:r>
+              </a:p>
+              <a:p>
+                <a:pPr marL="0" indent="0">
+                  <a:buNone/>
+                </a:pPr>
+                <a:r>
+                  <a:rPr lang="en-US" sz="2800" dirty="0">
+                    <a:latin typeface="Bookman Old Style" panose="02050604050505020204" pitchFamily="18" charset="0"/>
+                  </a:rPr>
+                  <a:t>2. The flow network is constructed.</a:t>
+                </a:r>
+              </a:p>
+              <a:p>
+                <a:pPr marL="0" indent="0">
+                  <a:buNone/>
+                </a:pPr>
+                <a:r>
+                  <a:rPr lang="en-US" sz="2800" dirty="0">
+                    <a:latin typeface="Bookman Old Style" panose="02050604050505020204" pitchFamily="18" charset="0"/>
+                  </a:rPr>
+                  <a:t>3. The minimum st-cut is taken.</a:t>
+                </a:r>
+              </a:p>
+              <a:p>
+                <a:pPr marL="0" indent="0">
+                  <a:buNone/>
+                </a:pPr>
+                <a:r>
+                  <a:rPr lang="en-US" sz="2800" dirty="0">
+                    <a:latin typeface="Bookman Old Style" panose="02050604050505020204" pitchFamily="18" charset="0"/>
+                  </a:rPr>
+                  <a:t>4. Densest subgraph information, upper or lower bound, and the flow network are updated.</a:t>
+                </a:r>
+              </a:p>
+              <a:p>
+                <a:pPr marL="0" indent="0">
+                  <a:buNone/>
+                </a:pPr>
+                <a:r>
+                  <a:rPr lang="en-US" sz="2800" dirty="0">
+                    <a:latin typeface="Bookman Old Style" panose="02050604050505020204" pitchFamily="18" charset="0"/>
+                  </a:rPr>
+                  <a:t>5. Repeat steps 3 and 4 until </a:t>
+                </a:r>
+                <a14:m>
+                  <m:oMath xmlns:m="http://schemas.openxmlformats.org/officeDocument/2006/math">
+                    <m:r>
+                      <a:rPr lang="en-US" sz="2800" i="1">
+                        <a:latin typeface="Cambria Math" panose="02040503050406030204" pitchFamily="18" charset="0"/>
+                      </a:rPr>
+                      <m:t>𝑢</m:t>
+                    </m:r>
+                    <m:r>
+                      <a:rPr lang="en-US" sz="2800" i="1">
+                        <a:latin typeface="Cambria Math" panose="02040503050406030204" pitchFamily="18" charset="0"/>
+                      </a:rPr>
+                      <m:t>−</m:t>
+                    </m:r>
+                    <m:r>
+                      <a:rPr lang="en-US" sz="2800" i="1">
+                        <a:latin typeface="Cambria Math" panose="02040503050406030204" pitchFamily="18" charset="0"/>
+                      </a:rPr>
+                      <m:t>𝑙</m:t>
+                    </m:r>
+                    <m:r>
+                      <a:rPr lang="en-US" sz="2800" i="1">
+                        <a:latin typeface="Cambria Math" panose="02040503050406030204" pitchFamily="18" charset="0"/>
+                      </a:rPr>
+                      <m:t>≥</m:t>
+                    </m:r>
+                    <m:f>
+                      <m:fPr>
+                        <m:ctrlPr>
+                          <a:rPr lang="en-US" sz="2800" i="1">
+                            <a:latin typeface="Cambria Math" panose="02040503050406030204" pitchFamily="18" charset="0"/>
+                          </a:rPr>
+                        </m:ctrlPr>
+                      </m:fPr>
+                      <m:num>
+                        <m:r>
+                          <a:rPr lang="en-US" sz="2800" i="1">
+                            <a:latin typeface="Cambria Math" panose="02040503050406030204" pitchFamily="18" charset="0"/>
+                          </a:rPr>
+                          <m:t>1</m:t>
+                        </m:r>
+                      </m:num>
+                      <m:den>
+                        <m:r>
+                          <a:rPr lang="en-US" sz="2800" i="1">
+                            <a:latin typeface="Cambria Math" panose="02040503050406030204" pitchFamily="18" charset="0"/>
+                          </a:rPr>
+                          <m:t>𝑣</m:t>
+                        </m:r>
+                        <m:d>
+                          <m:dPr>
+                            <m:ctrlPr>
+                              <a:rPr lang="en-US" sz="2800" i="1">
+                                <a:latin typeface="Cambria Math" panose="02040503050406030204" pitchFamily="18" charset="0"/>
+                              </a:rPr>
+                            </m:ctrlPr>
+                          </m:dPr>
+                          <m:e>
+                            <m:r>
+                              <a:rPr lang="en-US" sz="2800" i="1">
+                                <a:latin typeface="Cambria Math" panose="02040503050406030204" pitchFamily="18" charset="0"/>
+                              </a:rPr>
+                              <m:t>𝑣</m:t>
+                            </m:r>
+                            <m:r>
+                              <a:rPr lang="en-US" sz="2800" i="1">
+                                <a:latin typeface="Cambria Math" panose="02040503050406030204" pitchFamily="18" charset="0"/>
+                              </a:rPr>
+                              <m:t>−1</m:t>
+                            </m:r>
+                          </m:e>
+                        </m:d>
+                      </m:den>
+                    </m:f>
+                    <m:r>
+                      <a:rPr lang="en-US" sz="2800" b="0" i="1" smtClean="0">
+                        <a:latin typeface="Cambria Math" panose="02040503050406030204" pitchFamily="18" charset="0"/>
+                      </a:rPr>
+                      <m:t>.</m:t>
+                    </m:r>
+                  </m:oMath>
+                </a14:m>
+                <a:endParaRPr lang="en-US" sz="2800" b="0" dirty="0">
+                  <a:latin typeface="Bookman Old Style" panose="02050604050505020204" pitchFamily="18" charset="0"/>
+                </a:endParaRPr>
+              </a:p>
+              <a:p>
+                <a:pPr marL="0" indent="0">
+                  <a:buNone/>
+                </a:pPr>
+                <a:r>
+                  <a:rPr lang="en-US" sz="2800" dirty="0">
+                    <a:latin typeface="Bookman Old Style" panose="02050604050505020204" pitchFamily="18" charset="0"/>
+                  </a:rPr>
+                  <a:t>6. The densest subgraph found is the output.</a:t>
+                </a:r>
+                <a:endParaRPr lang="en-US" sz="2800" b="0" dirty="0">
+                  <a:latin typeface="Bookman Old Style" panose="02050604050505020204" pitchFamily="18" charset="0"/>
+                </a:endParaRPr>
+              </a:p>
+              <a:p>
+                <a:pPr marL="0" indent="0">
+                  <a:buNone/>
+                </a:pPr>
+                <a:endParaRPr lang="en-US" sz="2800" dirty="0">
+                  <a:latin typeface="Bookman Old Style" panose="02050604050505020204" pitchFamily="18" charset="0"/>
+                </a:endParaRPr>
+              </a:p>
+              <a:p>
+                <a:endParaRPr lang="en-US" sz="2800" dirty="0">
+                  <a:latin typeface="Bookman Old Style" panose="02050604050505020204" pitchFamily="18" charset="0"/>
+                </a:endParaRPr>
+              </a:p>
+              <a:p>
+                <a:endParaRPr lang="en-US" sz="2800" dirty="0">
+                  <a:latin typeface="Bookman Old Style" panose="02050604050505020204" pitchFamily="18" charset="0"/>
+                </a:endParaRPr>
+              </a:p>
+            </p:txBody>
+          </p:sp>
+        </mc:Choice>
+        <mc:Fallback>
+          <p:sp>
+            <p:nvSpPr>
+              <p:cNvPr id="2" name="Content Placeholder 2">
+                <a:extLst>
+                  <a:ext uri="{FF2B5EF4-FFF2-40B4-BE49-F238E27FC236}">
+                    <a16:creationId xmlns:a16="http://schemas.microsoft.com/office/drawing/2014/main" id="{3578A0A7-65F9-3511-4D3E-86D08F8FC8BD}"/>
+                  </a:ext>
+                </a:extLst>
+              </p:cNvPr>
+              <p:cNvSpPr txBox="1">
+                <a:spLocks noRot="1" noChangeAspect="1" noMove="1" noResize="1" noEditPoints="1" noAdjustHandles="1" noChangeArrowheads="1" noChangeShapeType="1" noTextEdit="1"/>
+              </p:cNvSpPr>
+              <p:nvPr/>
+            </p:nvSpPr>
+            <p:spPr>
+              <a:xfrm>
+                <a:off x="228600" y="1434947"/>
+                <a:ext cx="8763000" cy="4280054"/>
+              </a:xfrm>
+              <a:prstGeom prst="rect">
+                <a:avLst/>
+              </a:prstGeom>
+              <a:blipFill>
+                <a:blip r:embed="rId2"/>
+                <a:stretch>
+                  <a:fillRect l="-1253" t="-2276"/>
+                </a:stretch>
+              </a:blipFill>
+            </p:spPr>
+            <p:txBody>
+              <a:bodyPr/>
+              <a:lstStyle/>
+              <a:p>
+                <a:r>
+                  <a:rPr lang="en-US">
+                    <a:noFill/>
+                  </a:rPr>
+                  <a:t> </a:t>
+                </a:r>
+              </a:p>
+            </p:txBody>
+          </p:sp>
+        </mc:Fallback>
+      </mc:AlternateContent>
+    </p:spTree>
+    <p:extLst>
+      <p:ext uri="{BB962C8B-B14F-4D97-AF65-F5344CB8AC3E}">
+        <p14:creationId xmlns:p14="http://schemas.microsoft.com/office/powerpoint/2010/main" val="1126826298"/>
+      </p:ext>
+    </p:extLst>
+  </p:cSld>
+  <p:clrMapOvr>
+    <a:masterClrMapping/>
+  </p:clrMapOvr>
+</p:sld>
+</file>
+
+<file path=ppt/slides/slide33.xml><?xml version="1.0" encoding="utf-8"?>
+<p:sld xmlns:a="http://schemas.openxmlformats.org/drawingml/2006/main" xmlns:r="http://schemas.openxmlformats.org/officeDocument/2006/relationships" xmlns:p="http://schemas.openxmlformats.org/presentationml/2006/main">
+  <p:cSld>
+    <p:spTree>
+      <p:nvGrpSpPr>
+        <p:cNvPr id="1" name="">
+          <a:extLst>
+            <a:ext uri="{FF2B5EF4-FFF2-40B4-BE49-F238E27FC236}">
+              <a16:creationId xmlns:a16="http://schemas.microsoft.com/office/drawing/2014/main" id="{E2D3F4A7-227B-8719-49EA-28B775EC673C}"/>
+            </a:ext>
+          </a:extLst>
+        </p:cNvPr>
+        <p:cNvGrpSpPr/>
+        <p:nvPr/>
+      </p:nvGrpSpPr>
+      <p:grpSpPr>
+        <a:xfrm>
+          <a:off x="0" y="0"/>
+          <a:ext cx="0" cy="0"/>
+          <a:chOff x="0" y="0"/>
+          <a:chExt cx="0" cy="0"/>
+        </a:xfrm>
+      </p:grpSpPr>
+      <p:sp>
+        <p:nvSpPr>
+          <p:cNvPr id="4" name="Title 1">
+            <a:extLst>
+              <a:ext uri="{FF2B5EF4-FFF2-40B4-BE49-F238E27FC236}">
+                <a16:creationId xmlns:a16="http://schemas.microsoft.com/office/drawing/2014/main" id="{4C081FD5-52D8-4FA4-FD95-631087AB8027}"/>
+              </a:ext>
+            </a:extLst>
+          </p:cNvPr>
+          <p:cNvSpPr txBox="1">
+            <a:spLocks/>
+          </p:cNvSpPr>
+          <p:nvPr/>
+        </p:nvSpPr>
+        <p:spPr>
+          <a:xfrm>
+            <a:off x="1497166" y="-152400"/>
+            <a:ext cx="6149667" cy="1320800"/>
+          </a:xfrm>
+          <a:prstGeom prst="rect">
+            <a:avLst/>
+          </a:prstGeom>
+        </p:spPr>
+        <p:txBody>
+          <a:bodyPr vert="horz" lIns="91440" tIns="45720" rIns="91440" bIns="45720" rtlCol="0" anchor="ctr">
+            <a:normAutofit/>
+          </a:bodyPr>
+          <a:lstStyle>
+            <a:lvl1pPr algn="ctr" defTabSz="457200" rtl="0" eaLnBrk="1" latinLnBrk="0" hangingPunct="1">
+              <a:spcBef>
+                <a:spcPct val="0"/>
+              </a:spcBef>
+              <a:buNone/>
+              <a:defRPr sz="4400" kern="1200">
+                <a:solidFill>
+                  <a:schemeClr val="tx1"/>
+                </a:solidFill>
+                <a:latin typeface="+mj-lt"/>
+                <a:ea typeface="+mj-ea"/>
+                <a:cs typeface="+mj-cs"/>
+              </a:defRPr>
+            </a:lvl1pPr>
+          </a:lstStyle>
+          <a:p>
+            <a:r>
+              <a:rPr lang="en-US" sz="4000" dirty="0">
+                <a:latin typeface="Rockwell" panose="02060603020205020403" pitchFamily="18" charset="0"/>
+              </a:rPr>
+              <a:t>CoreExact in Summary</a:t>
+            </a:r>
+          </a:p>
+        </p:txBody>
+      </p:sp>
+      <p:sp>
+        <p:nvSpPr>
+          <p:cNvPr id="2" name="Content Placeholder 2">
+            <a:extLst>
+              <a:ext uri="{FF2B5EF4-FFF2-40B4-BE49-F238E27FC236}">
+                <a16:creationId xmlns:a16="http://schemas.microsoft.com/office/drawing/2014/main" id="{5A364040-E809-7A53-ED93-504859708919}"/>
+              </a:ext>
+            </a:extLst>
+          </p:cNvPr>
+          <p:cNvSpPr txBox="1">
+            <a:spLocks/>
+          </p:cNvSpPr>
+          <p:nvPr/>
+        </p:nvSpPr>
+        <p:spPr>
+          <a:xfrm>
+            <a:off x="228600" y="914400"/>
+            <a:ext cx="8686800" cy="4545011"/>
+          </a:xfrm>
+          <a:prstGeom prst="rect">
+            <a:avLst/>
+          </a:prstGeom>
+        </p:spPr>
+        <p:txBody>
+          <a:bodyPr vert="horz" lIns="91440" tIns="45720" rIns="91440" bIns="45720" rtlCol="0">
+            <a:normAutofit/>
+          </a:bodyPr>
+          <a:lstStyle>
+            <a:lvl1pPr marL="342900" indent="-342900" algn="l" defTabSz="457200" rtl="0" eaLnBrk="1" latinLnBrk="0" hangingPunct="1">
+              <a:spcBef>
+                <a:spcPct val="20000"/>
+              </a:spcBef>
+              <a:buFont typeface="Arial"/>
+              <a:buChar char="•"/>
+              <a:defRPr sz="3200" kern="1200">
+                <a:solidFill>
+                  <a:schemeClr val="tx1"/>
+                </a:solidFill>
+                <a:latin typeface="+mn-lt"/>
+                <a:ea typeface="+mn-ea"/>
+                <a:cs typeface="+mn-cs"/>
+              </a:defRPr>
+            </a:lvl1pPr>
+            <a:lvl2pPr marL="742950" indent="-285750" algn="l" defTabSz="457200" rtl="0" eaLnBrk="1" latinLnBrk="0" hangingPunct="1">
+              <a:spcBef>
+                <a:spcPct val="20000"/>
+              </a:spcBef>
+              <a:buFont typeface="Arial"/>
+              <a:buChar char="–"/>
+              <a:defRPr sz="2800" kern="1200">
+                <a:solidFill>
+                  <a:schemeClr val="tx1"/>
+                </a:solidFill>
+                <a:latin typeface="+mn-lt"/>
+                <a:ea typeface="+mn-ea"/>
+                <a:cs typeface="+mn-cs"/>
+              </a:defRPr>
+            </a:lvl2pPr>
+            <a:lvl3pPr marL="1143000" indent="-228600" algn="l" defTabSz="457200" rtl="0" eaLnBrk="1" latinLnBrk="0" hangingPunct="1">
+              <a:spcBef>
+                <a:spcPct val="20000"/>
+              </a:spcBef>
+              <a:buFont typeface="Arial"/>
+              <a:buChar char="•"/>
+              <a:defRPr sz="2400" kern="1200">
+                <a:solidFill>
+                  <a:schemeClr val="tx1"/>
+                </a:solidFill>
+                <a:latin typeface="+mn-lt"/>
+                <a:ea typeface="+mn-ea"/>
+                <a:cs typeface="+mn-cs"/>
+              </a:defRPr>
+            </a:lvl3pPr>
+            <a:lvl4pPr marL="1600200" indent="-228600" algn="l" defTabSz="457200" rtl="0" eaLnBrk="1" latinLnBrk="0" hangingPunct="1">
+              <a:spcBef>
+                <a:spcPct val="20000"/>
+              </a:spcBef>
+              <a:buFont typeface="Arial"/>
+              <a:buChar char="–"/>
+              <a:defRPr sz="2000" kern="1200">
+                <a:solidFill>
+                  <a:schemeClr val="tx1"/>
+                </a:solidFill>
+                <a:latin typeface="+mn-lt"/>
+                <a:ea typeface="+mn-ea"/>
+                <a:cs typeface="+mn-cs"/>
+              </a:defRPr>
+            </a:lvl4pPr>
+            <a:lvl5pPr marL="2057400" indent="-228600" algn="l" defTabSz="457200" rtl="0" eaLnBrk="1" latinLnBrk="0" hangingPunct="1">
+              <a:spcBef>
+                <a:spcPct val="20000"/>
+              </a:spcBef>
+              <a:buFont typeface="Arial"/>
+              <a:buChar char="»"/>
+              <a:defRPr sz="2000" kern="1200">
+                <a:solidFill>
+                  <a:schemeClr val="tx1"/>
+                </a:solidFill>
+                <a:latin typeface="+mn-lt"/>
+                <a:ea typeface="+mn-ea"/>
+                <a:cs typeface="+mn-cs"/>
+              </a:defRPr>
+            </a:lvl5pPr>
+            <a:lvl6pPr marL="2514600" indent="-228600" algn="l" defTabSz="457200" rtl="0" eaLnBrk="1" latinLnBrk="0" hangingPunct="1">
+              <a:spcBef>
+                <a:spcPct val="20000"/>
+              </a:spcBef>
+              <a:buFont typeface="Arial"/>
+              <a:buChar char="•"/>
+              <a:defRPr sz="2000" kern="1200">
+                <a:solidFill>
+                  <a:schemeClr val="tx1"/>
+                </a:solidFill>
+                <a:latin typeface="+mn-lt"/>
+                <a:ea typeface="+mn-ea"/>
+                <a:cs typeface="+mn-cs"/>
+              </a:defRPr>
+            </a:lvl6pPr>
+            <a:lvl7pPr marL="2971800" indent="-228600" algn="l" defTabSz="457200" rtl="0" eaLnBrk="1" latinLnBrk="0" hangingPunct="1">
+              <a:spcBef>
+                <a:spcPct val="20000"/>
+              </a:spcBef>
+              <a:buFont typeface="Arial"/>
+              <a:buChar char="•"/>
+              <a:defRPr sz="2000" kern="1200">
+                <a:solidFill>
+                  <a:schemeClr val="tx1"/>
+                </a:solidFill>
+                <a:latin typeface="+mn-lt"/>
+                <a:ea typeface="+mn-ea"/>
+                <a:cs typeface="+mn-cs"/>
+              </a:defRPr>
+            </a:lvl7pPr>
+            <a:lvl8pPr marL="3429000" indent="-228600" algn="l" defTabSz="457200" rtl="0" eaLnBrk="1" latinLnBrk="0" hangingPunct="1">
+              <a:spcBef>
+                <a:spcPct val="20000"/>
+              </a:spcBef>
+              <a:buFont typeface="Arial"/>
+              <a:buChar char="•"/>
+              <a:defRPr sz="2000" kern="1200">
+                <a:solidFill>
+                  <a:schemeClr val="tx1"/>
+                </a:solidFill>
+                <a:latin typeface="+mn-lt"/>
+                <a:ea typeface="+mn-ea"/>
+                <a:cs typeface="+mn-cs"/>
+              </a:defRPr>
+            </a:lvl8pPr>
+            <a:lvl9pPr marL="3886200" indent="-228600" algn="l" defTabSz="457200" rtl="0" eaLnBrk="1" latinLnBrk="0" hangingPunct="1">
+              <a:spcBef>
+                <a:spcPct val="20000"/>
+              </a:spcBef>
+              <a:buFont typeface="Arial"/>
+              <a:buChar char="•"/>
+              <a:defRPr sz="2000" kern="1200">
+                <a:solidFill>
+                  <a:schemeClr val="tx1"/>
+                </a:solidFill>
+                <a:latin typeface="+mn-lt"/>
+                <a:ea typeface="+mn-ea"/>
+                <a:cs typeface="+mn-cs"/>
+              </a:defRPr>
+            </a:lvl9pPr>
+          </a:lstStyle>
+          <a:p>
+            <a:pPr marL="0" indent="0">
+              <a:buNone/>
+            </a:pPr>
+            <a:r>
+              <a:rPr lang="en-US" sz="2800" dirty="0">
+                <a:latin typeface="Bookman Old Style" panose="02050604050505020204" pitchFamily="18" charset="0"/>
+              </a:rPr>
+              <a:t>The major steps of the CoreExact algorithm are:</a:t>
+            </a:r>
+          </a:p>
+          <a:p>
+            <a:pPr marL="0" indent="0">
+              <a:buNone/>
+            </a:pPr>
+            <a:r>
+              <a:rPr lang="en-US" sz="2800" dirty="0">
+                <a:latin typeface="Bookman Old Style" panose="02050604050505020204" pitchFamily="18" charset="0"/>
+              </a:rPr>
+              <a:t>1. Running motif/clique-based decomposition on the input graph to find the densest k-core.</a:t>
+            </a:r>
+          </a:p>
+          <a:p>
+            <a:pPr marL="0" indent="0">
+              <a:buNone/>
+            </a:pPr>
+            <a:r>
+              <a:rPr lang="en-US" sz="2800" dirty="0">
+                <a:latin typeface="Bookman Old Style" panose="02050604050505020204" pitchFamily="18" charset="0"/>
+              </a:rPr>
+              <a:t>2. Splitting the k-core into its connected components.</a:t>
+            </a:r>
+          </a:p>
+          <a:p>
+            <a:pPr marL="0" indent="0">
+              <a:buNone/>
+            </a:pPr>
+            <a:r>
+              <a:rPr lang="en-US" sz="2800" dirty="0">
+                <a:latin typeface="Bookman Old Style" panose="02050604050505020204" pitchFamily="18" charset="0"/>
+              </a:rPr>
+              <a:t>3. Running Goldberg’s algorithm on each component.</a:t>
+            </a:r>
+          </a:p>
+          <a:p>
+            <a:pPr marL="0" indent="0">
+              <a:buNone/>
+            </a:pPr>
+            <a:r>
+              <a:rPr lang="en-US" sz="2800" dirty="0">
+                <a:latin typeface="Bookman Old Style" panose="02050604050505020204" pitchFamily="18" charset="0"/>
+              </a:rPr>
+              <a:t>All the while the information on the densest subgraph is kept track of between iterations.</a:t>
+            </a:r>
+          </a:p>
+        </p:txBody>
+      </p:sp>
+    </p:spTree>
+    <p:extLst>
+      <p:ext uri="{BB962C8B-B14F-4D97-AF65-F5344CB8AC3E}">
+        <p14:creationId xmlns:p14="http://schemas.microsoft.com/office/powerpoint/2010/main" val="188733486"/>
+      </p:ext>
+    </p:extLst>
+  </p:cSld>
+  <p:clrMapOvr>
+    <a:masterClrMapping/>
+  </p:clrMapOvr>
+</p:sld>
+</file>
+
+<file path=ppt/slides/slide34.xml><?xml version="1.0" encoding="utf-8"?>
+<p:sld xmlns:a="http://schemas.openxmlformats.org/drawingml/2006/main" xmlns:r="http://schemas.openxmlformats.org/officeDocument/2006/relationships" xmlns:p="http://schemas.openxmlformats.org/presentationml/2006/main">
+  <p:cSld>
+    <p:spTree>
+      <p:nvGrpSpPr>
+        <p:cNvPr id="1" name="">
+          <a:extLst>
+            <a:ext uri="{FF2B5EF4-FFF2-40B4-BE49-F238E27FC236}">
+              <a16:creationId xmlns:a16="http://schemas.microsoft.com/office/drawing/2014/main" id="{8E304E35-8B38-A56E-E0DB-F01DDF8AAE05}"/>
+            </a:ext>
+          </a:extLst>
+        </p:cNvPr>
+        <p:cNvGrpSpPr/>
+        <p:nvPr/>
+      </p:nvGrpSpPr>
+      <p:grpSpPr>
+        <a:xfrm>
+          <a:off x="0" y="0"/>
+          <a:ext cx="0" cy="0"/>
+          <a:chOff x="0" y="0"/>
+          <a:chExt cx="0" cy="0"/>
+        </a:xfrm>
+      </p:grpSpPr>
+      <p:sp>
+        <p:nvSpPr>
+          <p:cNvPr id="4" name="Title 1">
+            <a:extLst>
+              <a:ext uri="{FF2B5EF4-FFF2-40B4-BE49-F238E27FC236}">
+                <a16:creationId xmlns:a16="http://schemas.microsoft.com/office/drawing/2014/main" id="{199689C7-46F2-5812-3E11-094BBAE05927}"/>
+              </a:ext>
+            </a:extLst>
+          </p:cNvPr>
+          <p:cNvSpPr txBox="1">
+            <a:spLocks/>
+          </p:cNvSpPr>
+          <p:nvPr/>
+        </p:nvSpPr>
+        <p:spPr>
+          <a:xfrm>
+            <a:off x="1497165" y="-164306"/>
+            <a:ext cx="6149667" cy="1320800"/>
+          </a:xfrm>
+          <a:prstGeom prst="rect">
+            <a:avLst/>
+          </a:prstGeom>
+        </p:spPr>
+        <p:txBody>
+          <a:bodyPr vert="horz" lIns="91440" tIns="45720" rIns="91440" bIns="45720" rtlCol="0" anchor="ctr">
+            <a:normAutofit/>
+          </a:bodyPr>
+          <a:lstStyle>
+            <a:lvl1pPr algn="ctr" defTabSz="457200" rtl="0" eaLnBrk="1" latinLnBrk="0" hangingPunct="1">
+              <a:spcBef>
+                <a:spcPct val="0"/>
+              </a:spcBef>
+              <a:buNone/>
+              <a:defRPr sz="4400" kern="1200">
+                <a:solidFill>
+                  <a:schemeClr val="tx1"/>
+                </a:solidFill>
+                <a:latin typeface="+mj-lt"/>
+                <a:ea typeface="+mj-ea"/>
+                <a:cs typeface="+mj-cs"/>
+              </a:defRPr>
+            </a:lvl1pPr>
+          </a:lstStyle>
+          <a:p>
+            <a:r>
+              <a:rPr lang="en-US" sz="4000" dirty="0">
+                <a:latin typeface="Rockwell" panose="02060603020205020403" pitchFamily="18" charset="0"/>
+              </a:rPr>
+              <a:t>Parallelization</a:t>
+            </a:r>
+          </a:p>
+        </p:txBody>
+      </p:sp>
+      <p:sp>
+        <p:nvSpPr>
+          <p:cNvPr id="2" name="Content Placeholder 2">
+            <a:extLst>
+              <a:ext uri="{FF2B5EF4-FFF2-40B4-BE49-F238E27FC236}">
+                <a16:creationId xmlns:a16="http://schemas.microsoft.com/office/drawing/2014/main" id="{6E4551A0-756D-297D-7CBB-E0503B03680D}"/>
+              </a:ext>
+            </a:extLst>
+          </p:cNvPr>
+          <p:cNvSpPr txBox="1">
+            <a:spLocks/>
+          </p:cNvSpPr>
+          <p:nvPr/>
+        </p:nvSpPr>
+        <p:spPr>
+          <a:xfrm>
+            <a:off x="228598" y="990600"/>
+            <a:ext cx="8686800" cy="4545011"/>
+          </a:xfrm>
+          <a:prstGeom prst="rect">
+            <a:avLst/>
+          </a:prstGeom>
+        </p:spPr>
+        <p:txBody>
+          <a:bodyPr vert="horz" lIns="91440" tIns="45720" rIns="91440" bIns="45720" rtlCol="0">
+            <a:normAutofit lnSpcReduction="10000"/>
+          </a:bodyPr>
+          <a:lstStyle>
+            <a:lvl1pPr marL="342900" indent="-342900" algn="l" defTabSz="457200" rtl="0" eaLnBrk="1" latinLnBrk="0" hangingPunct="1">
+              <a:spcBef>
+                <a:spcPct val="20000"/>
+              </a:spcBef>
+              <a:buFont typeface="Arial"/>
+              <a:buChar char="•"/>
+              <a:defRPr sz="3200" kern="1200">
+                <a:solidFill>
+                  <a:schemeClr val="tx1"/>
+                </a:solidFill>
+                <a:latin typeface="+mn-lt"/>
+                <a:ea typeface="+mn-ea"/>
+                <a:cs typeface="+mn-cs"/>
+              </a:defRPr>
+            </a:lvl1pPr>
+            <a:lvl2pPr marL="742950" indent="-285750" algn="l" defTabSz="457200" rtl="0" eaLnBrk="1" latinLnBrk="0" hangingPunct="1">
+              <a:spcBef>
+                <a:spcPct val="20000"/>
+              </a:spcBef>
+              <a:buFont typeface="Arial"/>
+              <a:buChar char="–"/>
+              <a:defRPr sz="2800" kern="1200">
+                <a:solidFill>
+                  <a:schemeClr val="tx1"/>
+                </a:solidFill>
+                <a:latin typeface="+mn-lt"/>
+                <a:ea typeface="+mn-ea"/>
+                <a:cs typeface="+mn-cs"/>
+              </a:defRPr>
+            </a:lvl2pPr>
+            <a:lvl3pPr marL="1143000" indent="-228600" algn="l" defTabSz="457200" rtl="0" eaLnBrk="1" latinLnBrk="0" hangingPunct="1">
+              <a:spcBef>
+                <a:spcPct val="20000"/>
+              </a:spcBef>
+              <a:buFont typeface="Arial"/>
+              <a:buChar char="•"/>
+              <a:defRPr sz="2400" kern="1200">
+                <a:solidFill>
+                  <a:schemeClr val="tx1"/>
+                </a:solidFill>
+                <a:latin typeface="+mn-lt"/>
+                <a:ea typeface="+mn-ea"/>
+                <a:cs typeface="+mn-cs"/>
+              </a:defRPr>
+            </a:lvl3pPr>
+            <a:lvl4pPr marL="1600200" indent="-228600" algn="l" defTabSz="457200" rtl="0" eaLnBrk="1" latinLnBrk="0" hangingPunct="1">
+              <a:spcBef>
+                <a:spcPct val="20000"/>
+              </a:spcBef>
+              <a:buFont typeface="Arial"/>
+              <a:buChar char="–"/>
+              <a:defRPr sz="2000" kern="1200">
+                <a:solidFill>
+                  <a:schemeClr val="tx1"/>
+                </a:solidFill>
+                <a:latin typeface="+mn-lt"/>
+                <a:ea typeface="+mn-ea"/>
+                <a:cs typeface="+mn-cs"/>
+              </a:defRPr>
+            </a:lvl4pPr>
+            <a:lvl5pPr marL="2057400" indent="-228600" algn="l" defTabSz="457200" rtl="0" eaLnBrk="1" latinLnBrk="0" hangingPunct="1">
+              <a:spcBef>
+                <a:spcPct val="20000"/>
+              </a:spcBef>
+              <a:buFont typeface="Arial"/>
+              <a:buChar char="»"/>
+              <a:defRPr sz="2000" kern="1200">
+                <a:solidFill>
+                  <a:schemeClr val="tx1"/>
+                </a:solidFill>
+                <a:latin typeface="+mn-lt"/>
+                <a:ea typeface="+mn-ea"/>
+                <a:cs typeface="+mn-cs"/>
+              </a:defRPr>
+            </a:lvl5pPr>
+            <a:lvl6pPr marL="2514600" indent="-228600" algn="l" defTabSz="457200" rtl="0" eaLnBrk="1" latinLnBrk="0" hangingPunct="1">
+              <a:spcBef>
+                <a:spcPct val="20000"/>
+              </a:spcBef>
+              <a:buFont typeface="Arial"/>
+              <a:buChar char="•"/>
+              <a:defRPr sz="2000" kern="1200">
+                <a:solidFill>
+                  <a:schemeClr val="tx1"/>
+                </a:solidFill>
+                <a:latin typeface="+mn-lt"/>
+                <a:ea typeface="+mn-ea"/>
+                <a:cs typeface="+mn-cs"/>
+              </a:defRPr>
+            </a:lvl6pPr>
+            <a:lvl7pPr marL="2971800" indent="-228600" algn="l" defTabSz="457200" rtl="0" eaLnBrk="1" latinLnBrk="0" hangingPunct="1">
+              <a:spcBef>
+                <a:spcPct val="20000"/>
+              </a:spcBef>
+              <a:buFont typeface="Arial"/>
+              <a:buChar char="•"/>
+              <a:defRPr sz="2000" kern="1200">
+                <a:solidFill>
+                  <a:schemeClr val="tx1"/>
+                </a:solidFill>
+                <a:latin typeface="+mn-lt"/>
+                <a:ea typeface="+mn-ea"/>
+                <a:cs typeface="+mn-cs"/>
+              </a:defRPr>
+            </a:lvl7pPr>
+            <a:lvl8pPr marL="3429000" indent="-228600" algn="l" defTabSz="457200" rtl="0" eaLnBrk="1" latinLnBrk="0" hangingPunct="1">
+              <a:spcBef>
+                <a:spcPct val="20000"/>
+              </a:spcBef>
+              <a:buFont typeface="Arial"/>
+              <a:buChar char="•"/>
+              <a:defRPr sz="2000" kern="1200">
+                <a:solidFill>
+                  <a:schemeClr val="tx1"/>
+                </a:solidFill>
+                <a:latin typeface="+mn-lt"/>
+                <a:ea typeface="+mn-ea"/>
+                <a:cs typeface="+mn-cs"/>
+              </a:defRPr>
+            </a:lvl8pPr>
+            <a:lvl9pPr marL="3886200" indent="-228600" algn="l" defTabSz="457200" rtl="0" eaLnBrk="1" latinLnBrk="0" hangingPunct="1">
+              <a:spcBef>
+                <a:spcPct val="20000"/>
+              </a:spcBef>
+              <a:buFont typeface="Arial"/>
+              <a:buChar char="•"/>
+              <a:defRPr sz="2000" kern="1200">
+                <a:solidFill>
+                  <a:schemeClr val="tx1"/>
+                </a:solidFill>
+                <a:latin typeface="+mn-lt"/>
+                <a:ea typeface="+mn-ea"/>
+                <a:cs typeface="+mn-cs"/>
+              </a:defRPr>
+            </a:lvl9pPr>
+          </a:lstStyle>
+          <a:p>
+            <a:r>
+              <a:rPr lang="en-US" sz="2800" dirty="0">
+                <a:latin typeface="Bookman Old Style" panose="02050604050505020204" pitchFamily="18" charset="0"/>
+              </a:rPr>
+              <a:t>With CoreExact covered, we can explain how it was parallelized.</a:t>
+            </a:r>
+          </a:p>
+          <a:p>
+            <a:r>
+              <a:rPr lang="en-US" sz="2800" dirty="0">
+                <a:latin typeface="Bookman Old Style" panose="02050604050505020204" pitchFamily="18" charset="0"/>
+              </a:rPr>
+              <a:t>Of note, not all of it was parallelized. This was due to either time constraints or sections of the code not being able to work in parallel (such as minimum st-cuts being too reliant on consecutive dependencies).</a:t>
+            </a:r>
+          </a:p>
+          <a:p>
+            <a:r>
+              <a:rPr lang="en-US" sz="2800" dirty="0">
+                <a:latin typeface="Bookman Old Style" panose="02050604050505020204" pitchFamily="18" charset="0"/>
+              </a:rPr>
+              <a:t>Additionally, while CoreExact worked for all motif types, not every motif type could be checked in parallel, so our solution is limited to </a:t>
+            </a:r>
+            <a:r>
+              <a:rPr lang="en-US" sz="2800">
+                <a:latin typeface="Bookman Old Style" panose="02050604050505020204" pitchFamily="18" charset="0"/>
+              </a:rPr>
+              <a:t>clique density.</a:t>
+            </a:r>
+            <a:endParaRPr lang="en-US" sz="2800" dirty="0">
+              <a:latin typeface="Bookman Old Style" panose="02050604050505020204" pitchFamily="18" charset="0"/>
+            </a:endParaRPr>
+          </a:p>
+          <a:p>
+            <a:endParaRPr lang="en-US" sz="2800" dirty="0">
+              <a:latin typeface="Bookman Old Style" panose="02050604050505020204" pitchFamily="18" charset="0"/>
+            </a:endParaRPr>
+          </a:p>
+        </p:txBody>
+      </p:sp>
+    </p:spTree>
+    <p:extLst>
+      <p:ext uri="{BB962C8B-B14F-4D97-AF65-F5344CB8AC3E}">
+        <p14:creationId xmlns:p14="http://schemas.microsoft.com/office/powerpoint/2010/main" val="482812977"/>
+      </p:ext>
+    </p:extLst>
+  </p:cSld>
+  <p:clrMapOvr>
+    <a:masterClrMapping/>
+  </p:clrMapOvr>
+</p:sld>
+</file>
+
+<file path=ppt/slides/slide35.xml><?xml version="1.0" encoding="utf-8"?>
+<p:sld xmlns:a="http://schemas.openxmlformats.org/drawingml/2006/main" xmlns:r="http://schemas.openxmlformats.org/officeDocument/2006/relationships" xmlns:p="http://schemas.openxmlformats.org/presentationml/2006/main">
+  <p:cSld>
+    <p:spTree>
+      <p:nvGrpSpPr>
+        <p:cNvPr id="1" name="">
+          <a:extLst>
+            <a:ext uri="{FF2B5EF4-FFF2-40B4-BE49-F238E27FC236}">
+              <a16:creationId xmlns:a16="http://schemas.microsoft.com/office/drawing/2014/main" id="{8DF9B1F4-4E3E-3F61-DAAE-60F6E51E543A}"/>
+            </a:ext>
+          </a:extLst>
+        </p:cNvPr>
+        <p:cNvGrpSpPr/>
+        <p:nvPr/>
+      </p:nvGrpSpPr>
+      <p:grpSpPr>
+        <a:xfrm>
+          <a:off x="0" y="0"/>
+          <a:ext cx="0" cy="0"/>
+          <a:chOff x="0" y="0"/>
+          <a:chExt cx="0" cy="0"/>
+        </a:xfrm>
+      </p:grpSpPr>
+      <p:sp>
+        <p:nvSpPr>
+          <p:cNvPr id="4" name="Title 1">
+            <a:extLst>
+              <a:ext uri="{FF2B5EF4-FFF2-40B4-BE49-F238E27FC236}">
+                <a16:creationId xmlns:a16="http://schemas.microsoft.com/office/drawing/2014/main" id="{DCD97772-9FD7-588F-7E8F-98B9C8C3D05A}"/>
+              </a:ext>
+            </a:extLst>
+          </p:cNvPr>
+          <p:cNvSpPr txBox="1">
+            <a:spLocks/>
+          </p:cNvSpPr>
+          <p:nvPr/>
+        </p:nvSpPr>
+        <p:spPr>
+          <a:xfrm>
+            <a:off x="1497166" y="114146"/>
+            <a:ext cx="6149667" cy="1320800"/>
+          </a:xfrm>
+          <a:prstGeom prst="rect">
+            <a:avLst/>
+          </a:prstGeom>
+        </p:spPr>
+        <p:txBody>
+          <a:bodyPr vert="horz" lIns="91440" tIns="45720" rIns="91440" bIns="45720" rtlCol="0" anchor="ctr">
+            <a:normAutofit/>
+          </a:bodyPr>
+          <a:lstStyle>
+            <a:lvl1pPr algn="ctr" defTabSz="457200" rtl="0" eaLnBrk="1" latinLnBrk="0" hangingPunct="1">
+              <a:spcBef>
+                <a:spcPct val="0"/>
+              </a:spcBef>
+              <a:buNone/>
+              <a:defRPr sz="4400" kern="1200">
+                <a:solidFill>
+                  <a:schemeClr val="tx1"/>
+                </a:solidFill>
+                <a:latin typeface="+mj-lt"/>
+                <a:ea typeface="+mj-ea"/>
+                <a:cs typeface="+mj-cs"/>
+              </a:defRPr>
+            </a:lvl1pPr>
+          </a:lstStyle>
+          <a:p>
+            <a:r>
+              <a:rPr lang="en-US" sz="4000" dirty="0">
+                <a:latin typeface="Rockwell" panose="02060603020205020403" pitchFamily="18" charset="0"/>
+              </a:rPr>
+              <a:t>Text</a:t>
+            </a:r>
+          </a:p>
+        </p:txBody>
+      </p:sp>
+      <p:sp>
+        <p:nvSpPr>
+          <p:cNvPr id="2" name="Content Placeholder 2">
+            <a:extLst>
+              <a:ext uri="{FF2B5EF4-FFF2-40B4-BE49-F238E27FC236}">
+                <a16:creationId xmlns:a16="http://schemas.microsoft.com/office/drawing/2014/main" id="{5BF598FD-A02C-5CD8-DF2C-870A484A5E16}"/>
+              </a:ext>
+            </a:extLst>
+          </p:cNvPr>
+          <p:cNvSpPr txBox="1">
+            <a:spLocks/>
+          </p:cNvSpPr>
+          <p:nvPr/>
+        </p:nvSpPr>
+        <p:spPr>
+          <a:xfrm>
+            <a:off x="228600" y="1434946"/>
+            <a:ext cx="5135120" cy="4545011"/>
+          </a:xfrm>
+          <a:prstGeom prst="rect">
+            <a:avLst/>
+          </a:prstGeom>
+        </p:spPr>
+        <p:txBody>
+          <a:bodyPr vert="horz" lIns="91440" tIns="45720" rIns="91440" bIns="45720" rtlCol="0">
+            <a:normAutofit/>
+          </a:bodyPr>
+          <a:lstStyle>
+            <a:lvl1pPr marL="342900" indent="-342900" algn="l" defTabSz="457200" rtl="0" eaLnBrk="1" latinLnBrk="0" hangingPunct="1">
+              <a:spcBef>
+                <a:spcPct val="20000"/>
+              </a:spcBef>
+              <a:buFont typeface="Arial"/>
+              <a:buChar char="•"/>
+              <a:defRPr sz="3200" kern="1200">
+                <a:solidFill>
+                  <a:schemeClr val="tx1"/>
+                </a:solidFill>
+                <a:latin typeface="+mn-lt"/>
+                <a:ea typeface="+mn-ea"/>
+                <a:cs typeface="+mn-cs"/>
+              </a:defRPr>
+            </a:lvl1pPr>
+            <a:lvl2pPr marL="742950" indent="-285750" algn="l" defTabSz="457200" rtl="0" eaLnBrk="1" latinLnBrk="0" hangingPunct="1">
+              <a:spcBef>
+                <a:spcPct val="20000"/>
+              </a:spcBef>
+              <a:buFont typeface="Arial"/>
+              <a:buChar char="–"/>
+              <a:defRPr sz="2800" kern="1200">
+                <a:solidFill>
+                  <a:schemeClr val="tx1"/>
+                </a:solidFill>
+                <a:latin typeface="+mn-lt"/>
+                <a:ea typeface="+mn-ea"/>
+                <a:cs typeface="+mn-cs"/>
+              </a:defRPr>
+            </a:lvl2pPr>
+            <a:lvl3pPr marL="1143000" indent="-228600" algn="l" defTabSz="457200" rtl="0" eaLnBrk="1" latinLnBrk="0" hangingPunct="1">
+              <a:spcBef>
+                <a:spcPct val="20000"/>
+              </a:spcBef>
+              <a:buFont typeface="Arial"/>
+              <a:buChar char="•"/>
+              <a:defRPr sz="2400" kern="1200">
+                <a:solidFill>
+                  <a:schemeClr val="tx1"/>
+                </a:solidFill>
+                <a:latin typeface="+mn-lt"/>
+                <a:ea typeface="+mn-ea"/>
+                <a:cs typeface="+mn-cs"/>
+              </a:defRPr>
+            </a:lvl3pPr>
+            <a:lvl4pPr marL="1600200" indent="-228600" algn="l" defTabSz="457200" rtl="0" eaLnBrk="1" latinLnBrk="0" hangingPunct="1">
+              <a:spcBef>
+                <a:spcPct val="20000"/>
+              </a:spcBef>
+              <a:buFont typeface="Arial"/>
+              <a:buChar char="–"/>
+              <a:defRPr sz="2000" kern="1200">
+                <a:solidFill>
+                  <a:schemeClr val="tx1"/>
+                </a:solidFill>
+                <a:latin typeface="+mn-lt"/>
+                <a:ea typeface="+mn-ea"/>
+                <a:cs typeface="+mn-cs"/>
+              </a:defRPr>
+            </a:lvl4pPr>
+            <a:lvl5pPr marL="2057400" indent="-228600" algn="l" defTabSz="457200" rtl="0" eaLnBrk="1" latinLnBrk="0" hangingPunct="1">
+              <a:spcBef>
+                <a:spcPct val="20000"/>
+              </a:spcBef>
+              <a:buFont typeface="Arial"/>
+              <a:buChar char="»"/>
+              <a:defRPr sz="2000" kern="1200">
+                <a:solidFill>
+                  <a:schemeClr val="tx1"/>
+                </a:solidFill>
+                <a:latin typeface="+mn-lt"/>
+                <a:ea typeface="+mn-ea"/>
+                <a:cs typeface="+mn-cs"/>
+              </a:defRPr>
+            </a:lvl5pPr>
+            <a:lvl6pPr marL="2514600" indent="-228600" algn="l" defTabSz="457200" rtl="0" eaLnBrk="1" latinLnBrk="0" hangingPunct="1">
+              <a:spcBef>
+                <a:spcPct val="20000"/>
+              </a:spcBef>
+              <a:buFont typeface="Arial"/>
+              <a:buChar char="•"/>
+              <a:defRPr sz="2000" kern="1200">
+                <a:solidFill>
+                  <a:schemeClr val="tx1"/>
+                </a:solidFill>
+                <a:latin typeface="+mn-lt"/>
+                <a:ea typeface="+mn-ea"/>
+                <a:cs typeface="+mn-cs"/>
+              </a:defRPr>
+            </a:lvl6pPr>
+            <a:lvl7pPr marL="2971800" indent="-228600" algn="l" defTabSz="457200" rtl="0" eaLnBrk="1" latinLnBrk="0" hangingPunct="1">
+              <a:spcBef>
+                <a:spcPct val="20000"/>
+              </a:spcBef>
+              <a:buFont typeface="Arial"/>
+              <a:buChar char="•"/>
+              <a:defRPr sz="2000" kern="1200">
+                <a:solidFill>
+                  <a:schemeClr val="tx1"/>
+                </a:solidFill>
+                <a:latin typeface="+mn-lt"/>
+                <a:ea typeface="+mn-ea"/>
+                <a:cs typeface="+mn-cs"/>
+              </a:defRPr>
+            </a:lvl7pPr>
+            <a:lvl8pPr marL="3429000" indent="-228600" algn="l" defTabSz="457200" rtl="0" eaLnBrk="1" latinLnBrk="0" hangingPunct="1">
+              <a:spcBef>
+                <a:spcPct val="20000"/>
+              </a:spcBef>
+              <a:buFont typeface="Arial"/>
+              <a:buChar char="•"/>
+              <a:defRPr sz="2000" kern="1200">
+                <a:solidFill>
+                  <a:schemeClr val="tx1"/>
+                </a:solidFill>
+                <a:latin typeface="+mn-lt"/>
+                <a:ea typeface="+mn-ea"/>
+                <a:cs typeface="+mn-cs"/>
+              </a:defRPr>
+            </a:lvl8pPr>
+            <a:lvl9pPr marL="3886200" indent="-228600" algn="l" defTabSz="457200" rtl="0" eaLnBrk="1" latinLnBrk="0" hangingPunct="1">
+              <a:spcBef>
+                <a:spcPct val="20000"/>
+              </a:spcBef>
+              <a:buFont typeface="Arial"/>
+              <a:buChar char="•"/>
+              <a:defRPr sz="2000" kern="1200">
+                <a:solidFill>
+                  <a:schemeClr val="tx1"/>
+                </a:solidFill>
+                <a:latin typeface="+mn-lt"/>
+                <a:ea typeface="+mn-ea"/>
+                <a:cs typeface="+mn-cs"/>
+              </a:defRPr>
+            </a:lvl9pPr>
+          </a:lstStyle>
+          <a:p>
+            <a:r>
+              <a:rPr lang="en-US" sz="2800" dirty="0">
+                <a:latin typeface="Bookman Old Style" panose="02050604050505020204" pitchFamily="18" charset="0"/>
+              </a:rPr>
+              <a:t>text</a:t>
+            </a:r>
+          </a:p>
+        </p:txBody>
+      </p:sp>
+    </p:spTree>
+    <p:extLst>
+      <p:ext uri="{BB962C8B-B14F-4D97-AF65-F5344CB8AC3E}">
+        <p14:creationId xmlns:p14="http://schemas.microsoft.com/office/powerpoint/2010/main" val="3726284365"/>
+      </p:ext>
+    </p:extLst>
+  </p:cSld>
+  <p:clrMapOvr>
+    <a:masterClrMapping/>
+  </p:clrMapOvr>
+</p:sld>
+</file>
+
+<file path=ppt/slides/slide36.xml><?xml version="1.0" encoding="utf-8"?>
+<p:sld xmlns:a="http://schemas.openxmlformats.org/drawingml/2006/main" xmlns:r="http://schemas.openxmlformats.org/officeDocument/2006/relationships" xmlns:p="http://schemas.openxmlformats.org/presentationml/2006/main">
+  <p:cSld>
+    <p:spTree>
+      <p:nvGrpSpPr>
+        <p:cNvPr id="1" name="">
+          <a:extLst>
+            <a:ext uri="{FF2B5EF4-FFF2-40B4-BE49-F238E27FC236}">
+              <a16:creationId xmlns:a16="http://schemas.microsoft.com/office/drawing/2014/main" id="{86370218-07E2-8456-A490-EDCF6F2B72A5}"/>
+            </a:ext>
+          </a:extLst>
+        </p:cNvPr>
+        <p:cNvGrpSpPr/>
+        <p:nvPr/>
+      </p:nvGrpSpPr>
+      <p:grpSpPr>
+        <a:xfrm>
+          <a:off x="0" y="0"/>
+          <a:ext cx="0" cy="0"/>
+          <a:chOff x="0" y="0"/>
+          <a:chExt cx="0" cy="0"/>
+        </a:xfrm>
+      </p:grpSpPr>
+      <p:sp>
+        <p:nvSpPr>
+          <p:cNvPr id="4" name="Title 1">
+            <a:extLst>
+              <a:ext uri="{FF2B5EF4-FFF2-40B4-BE49-F238E27FC236}">
+                <a16:creationId xmlns:a16="http://schemas.microsoft.com/office/drawing/2014/main" id="{B6AFEA88-4EEA-8C45-0F0B-52882CCAC359}"/>
+              </a:ext>
+            </a:extLst>
+          </p:cNvPr>
+          <p:cNvSpPr txBox="1">
+            <a:spLocks/>
+          </p:cNvSpPr>
+          <p:nvPr/>
+        </p:nvSpPr>
+        <p:spPr>
+          <a:xfrm>
+            <a:off x="1497166" y="114146"/>
+            <a:ext cx="6149667" cy="1320800"/>
+          </a:xfrm>
+          <a:prstGeom prst="rect">
+            <a:avLst/>
+          </a:prstGeom>
+        </p:spPr>
+        <p:txBody>
+          <a:bodyPr vert="horz" lIns="91440" tIns="45720" rIns="91440" bIns="45720" rtlCol="0" anchor="ctr">
+            <a:normAutofit/>
+          </a:bodyPr>
+          <a:lstStyle>
+            <a:lvl1pPr algn="ctr" defTabSz="457200" rtl="0" eaLnBrk="1" latinLnBrk="0" hangingPunct="1">
+              <a:spcBef>
+                <a:spcPct val="0"/>
+              </a:spcBef>
+              <a:buNone/>
+              <a:defRPr sz="4400" kern="1200">
+                <a:solidFill>
+                  <a:schemeClr val="tx1"/>
+                </a:solidFill>
+                <a:latin typeface="+mj-lt"/>
+                <a:ea typeface="+mj-ea"/>
+                <a:cs typeface="+mj-cs"/>
+              </a:defRPr>
+            </a:lvl1pPr>
+          </a:lstStyle>
+          <a:p>
+            <a:r>
+              <a:rPr lang="en-US" sz="4000" dirty="0">
+                <a:latin typeface="Rockwell" panose="02060603020205020403" pitchFamily="18" charset="0"/>
+              </a:rPr>
+              <a:t>Text</a:t>
+            </a:r>
+          </a:p>
+        </p:txBody>
+      </p:sp>
+      <p:sp>
+        <p:nvSpPr>
+          <p:cNvPr id="2" name="Content Placeholder 2">
+            <a:extLst>
+              <a:ext uri="{FF2B5EF4-FFF2-40B4-BE49-F238E27FC236}">
+                <a16:creationId xmlns:a16="http://schemas.microsoft.com/office/drawing/2014/main" id="{DAAF54DA-2BF9-0615-1591-D82AAB041D16}"/>
+              </a:ext>
+            </a:extLst>
+          </p:cNvPr>
+          <p:cNvSpPr txBox="1">
+            <a:spLocks/>
+          </p:cNvSpPr>
+          <p:nvPr/>
+        </p:nvSpPr>
+        <p:spPr>
+          <a:xfrm>
+            <a:off x="228600" y="1434946"/>
+            <a:ext cx="5135120" cy="4545011"/>
+          </a:xfrm>
+          <a:prstGeom prst="rect">
+            <a:avLst/>
+          </a:prstGeom>
+        </p:spPr>
+        <p:txBody>
+          <a:bodyPr vert="horz" lIns="91440" tIns="45720" rIns="91440" bIns="45720" rtlCol="0">
+            <a:normAutofit/>
+          </a:bodyPr>
+          <a:lstStyle>
+            <a:lvl1pPr marL="342900" indent="-342900" algn="l" defTabSz="457200" rtl="0" eaLnBrk="1" latinLnBrk="0" hangingPunct="1">
+              <a:spcBef>
+                <a:spcPct val="20000"/>
+              </a:spcBef>
+              <a:buFont typeface="Arial"/>
+              <a:buChar char="•"/>
+              <a:defRPr sz="3200" kern="1200">
+                <a:solidFill>
+                  <a:schemeClr val="tx1"/>
+                </a:solidFill>
+                <a:latin typeface="+mn-lt"/>
+                <a:ea typeface="+mn-ea"/>
+                <a:cs typeface="+mn-cs"/>
+              </a:defRPr>
+            </a:lvl1pPr>
+            <a:lvl2pPr marL="742950" indent="-285750" algn="l" defTabSz="457200" rtl="0" eaLnBrk="1" latinLnBrk="0" hangingPunct="1">
+              <a:spcBef>
+                <a:spcPct val="20000"/>
+              </a:spcBef>
+              <a:buFont typeface="Arial"/>
+              <a:buChar char="–"/>
+              <a:defRPr sz="2800" kern="1200">
+                <a:solidFill>
+                  <a:schemeClr val="tx1"/>
+                </a:solidFill>
+                <a:latin typeface="+mn-lt"/>
+                <a:ea typeface="+mn-ea"/>
+                <a:cs typeface="+mn-cs"/>
+              </a:defRPr>
+            </a:lvl2pPr>
+            <a:lvl3pPr marL="1143000" indent="-228600" algn="l" defTabSz="457200" rtl="0" eaLnBrk="1" latinLnBrk="0" hangingPunct="1">
+              <a:spcBef>
+                <a:spcPct val="20000"/>
+              </a:spcBef>
+              <a:buFont typeface="Arial"/>
+              <a:buChar char="•"/>
+              <a:defRPr sz="2400" kern="1200">
+                <a:solidFill>
+                  <a:schemeClr val="tx1"/>
+                </a:solidFill>
+                <a:latin typeface="+mn-lt"/>
+                <a:ea typeface="+mn-ea"/>
+                <a:cs typeface="+mn-cs"/>
+              </a:defRPr>
+            </a:lvl3pPr>
+            <a:lvl4pPr marL="1600200" indent="-228600" algn="l" defTabSz="457200" rtl="0" eaLnBrk="1" latinLnBrk="0" hangingPunct="1">
+              <a:spcBef>
+                <a:spcPct val="20000"/>
+              </a:spcBef>
+              <a:buFont typeface="Arial"/>
+              <a:buChar char="–"/>
+              <a:defRPr sz="2000" kern="1200">
+                <a:solidFill>
+                  <a:schemeClr val="tx1"/>
+                </a:solidFill>
+                <a:latin typeface="+mn-lt"/>
+                <a:ea typeface="+mn-ea"/>
+                <a:cs typeface="+mn-cs"/>
+              </a:defRPr>
+            </a:lvl4pPr>
+            <a:lvl5pPr marL="2057400" indent="-228600" algn="l" defTabSz="457200" rtl="0" eaLnBrk="1" latinLnBrk="0" hangingPunct="1">
+              <a:spcBef>
+                <a:spcPct val="20000"/>
+              </a:spcBef>
+              <a:buFont typeface="Arial"/>
+              <a:buChar char="»"/>
+              <a:defRPr sz="2000" kern="1200">
+                <a:solidFill>
+                  <a:schemeClr val="tx1"/>
+                </a:solidFill>
+                <a:latin typeface="+mn-lt"/>
+                <a:ea typeface="+mn-ea"/>
+                <a:cs typeface="+mn-cs"/>
+              </a:defRPr>
+            </a:lvl5pPr>
+            <a:lvl6pPr marL="2514600" indent="-228600" algn="l" defTabSz="457200" rtl="0" eaLnBrk="1" latinLnBrk="0" hangingPunct="1">
+              <a:spcBef>
+                <a:spcPct val="20000"/>
+              </a:spcBef>
+              <a:buFont typeface="Arial"/>
+              <a:buChar char="•"/>
+              <a:defRPr sz="2000" kern="1200">
+                <a:solidFill>
+                  <a:schemeClr val="tx1"/>
+                </a:solidFill>
+                <a:latin typeface="+mn-lt"/>
+                <a:ea typeface="+mn-ea"/>
+                <a:cs typeface="+mn-cs"/>
+              </a:defRPr>
+            </a:lvl6pPr>
+            <a:lvl7pPr marL="2971800" indent="-228600" algn="l" defTabSz="457200" rtl="0" eaLnBrk="1" latinLnBrk="0" hangingPunct="1">
+              <a:spcBef>
+                <a:spcPct val="20000"/>
+              </a:spcBef>
+              <a:buFont typeface="Arial"/>
+              <a:buChar char="•"/>
+              <a:defRPr sz="2000" kern="1200">
+                <a:solidFill>
+                  <a:schemeClr val="tx1"/>
+                </a:solidFill>
+                <a:latin typeface="+mn-lt"/>
+                <a:ea typeface="+mn-ea"/>
+                <a:cs typeface="+mn-cs"/>
+              </a:defRPr>
+            </a:lvl7pPr>
+            <a:lvl8pPr marL="3429000" indent="-228600" algn="l" defTabSz="457200" rtl="0" eaLnBrk="1" latinLnBrk="0" hangingPunct="1">
+              <a:spcBef>
+                <a:spcPct val="20000"/>
+              </a:spcBef>
+              <a:buFont typeface="Arial"/>
+              <a:buChar char="•"/>
+              <a:defRPr sz="2000" kern="1200">
+                <a:solidFill>
+                  <a:schemeClr val="tx1"/>
+                </a:solidFill>
+                <a:latin typeface="+mn-lt"/>
+                <a:ea typeface="+mn-ea"/>
+                <a:cs typeface="+mn-cs"/>
+              </a:defRPr>
+            </a:lvl8pPr>
+            <a:lvl9pPr marL="3886200" indent="-228600" algn="l" defTabSz="457200" rtl="0" eaLnBrk="1" latinLnBrk="0" hangingPunct="1">
+              <a:spcBef>
+                <a:spcPct val="20000"/>
+              </a:spcBef>
+              <a:buFont typeface="Arial"/>
+              <a:buChar char="•"/>
+              <a:defRPr sz="2000" kern="1200">
+                <a:solidFill>
+                  <a:schemeClr val="tx1"/>
+                </a:solidFill>
+                <a:latin typeface="+mn-lt"/>
+                <a:ea typeface="+mn-ea"/>
+                <a:cs typeface="+mn-cs"/>
+              </a:defRPr>
+            </a:lvl9pPr>
+          </a:lstStyle>
+          <a:p>
+            <a:r>
+              <a:rPr lang="en-US" sz="2800" dirty="0">
+                <a:latin typeface="Bookman Old Style" panose="02050604050505020204" pitchFamily="18" charset="0"/>
+              </a:rPr>
+              <a:t>text</a:t>
+            </a:r>
+          </a:p>
+        </p:txBody>
+      </p:sp>
+    </p:spTree>
+    <p:extLst>
+      <p:ext uri="{BB962C8B-B14F-4D97-AF65-F5344CB8AC3E}">
+        <p14:creationId xmlns:p14="http://schemas.microsoft.com/office/powerpoint/2010/main" val="2448911287"/>
+      </p:ext>
+    </p:extLst>
+  </p:cSld>
+  <p:clrMapOvr>
+    <a:masterClrMapping/>
+  </p:clrMapOvr>
+</p:sld>
+</file>
+
+<file path=ppt/slides/slide37.xml><?xml version="1.0" encoding="utf-8"?>
+<p:sld xmlns:a="http://schemas.openxmlformats.org/drawingml/2006/main" xmlns:r="http://schemas.openxmlformats.org/officeDocument/2006/relationships" xmlns:p="http://schemas.openxmlformats.org/presentationml/2006/main">
+  <p:cSld>
+    <p:spTree>
+      <p:nvGrpSpPr>
+        <p:cNvPr id="1" name="">
+          <a:extLst>
+            <a:ext uri="{FF2B5EF4-FFF2-40B4-BE49-F238E27FC236}">
+              <a16:creationId xmlns:a16="http://schemas.microsoft.com/office/drawing/2014/main" id="{C33B3285-C80E-CC9C-08BC-1D6E6A668782}"/>
+            </a:ext>
+          </a:extLst>
+        </p:cNvPr>
+        <p:cNvGrpSpPr/>
+        <p:nvPr/>
+      </p:nvGrpSpPr>
+      <p:grpSpPr>
+        <a:xfrm>
+          <a:off x="0" y="0"/>
+          <a:ext cx="0" cy="0"/>
+          <a:chOff x="0" y="0"/>
+          <a:chExt cx="0" cy="0"/>
+        </a:xfrm>
+      </p:grpSpPr>
+      <p:sp>
+        <p:nvSpPr>
+          <p:cNvPr id="4" name="Title 1">
+            <a:extLst>
+              <a:ext uri="{FF2B5EF4-FFF2-40B4-BE49-F238E27FC236}">
+                <a16:creationId xmlns:a16="http://schemas.microsoft.com/office/drawing/2014/main" id="{75168C1D-34B0-F08A-8A43-E21094144E05}"/>
+              </a:ext>
+            </a:extLst>
+          </p:cNvPr>
+          <p:cNvSpPr txBox="1">
+            <a:spLocks/>
+          </p:cNvSpPr>
+          <p:nvPr/>
+        </p:nvSpPr>
+        <p:spPr>
+          <a:xfrm>
+            <a:off x="1497166" y="114146"/>
+            <a:ext cx="6149667" cy="1320800"/>
+          </a:xfrm>
+          <a:prstGeom prst="rect">
+            <a:avLst/>
+          </a:prstGeom>
+        </p:spPr>
+        <p:txBody>
+          <a:bodyPr vert="horz" lIns="91440" tIns="45720" rIns="91440" bIns="45720" rtlCol="0" anchor="ctr">
+            <a:normAutofit/>
+          </a:bodyPr>
+          <a:lstStyle>
+            <a:lvl1pPr algn="ctr" defTabSz="457200" rtl="0" eaLnBrk="1" latinLnBrk="0" hangingPunct="1">
+              <a:spcBef>
+                <a:spcPct val="0"/>
+              </a:spcBef>
+              <a:buNone/>
+              <a:defRPr sz="4400" kern="1200">
+                <a:solidFill>
+                  <a:schemeClr val="tx1"/>
+                </a:solidFill>
+                <a:latin typeface="+mj-lt"/>
+                <a:ea typeface="+mj-ea"/>
+                <a:cs typeface="+mj-cs"/>
+              </a:defRPr>
+            </a:lvl1pPr>
+          </a:lstStyle>
+          <a:p>
+            <a:r>
+              <a:rPr lang="en-US" sz="4000" dirty="0">
+                <a:latin typeface="Rockwell" panose="02060603020205020403" pitchFamily="18" charset="0"/>
+              </a:rPr>
+              <a:t>Text</a:t>
+            </a:r>
+          </a:p>
+        </p:txBody>
+      </p:sp>
+      <p:sp>
+        <p:nvSpPr>
+          <p:cNvPr id="2" name="Content Placeholder 2">
+            <a:extLst>
+              <a:ext uri="{FF2B5EF4-FFF2-40B4-BE49-F238E27FC236}">
+                <a16:creationId xmlns:a16="http://schemas.microsoft.com/office/drawing/2014/main" id="{24EB9014-BD1B-D400-25C4-B33FA11F4E40}"/>
+              </a:ext>
+            </a:extLst>
+          </p:cNvPr>
+          <p:cNvSpPr txBox="1">
+            <a:spLocks/>
+          </p:cNvSpPr>
+          <p:nvPr/>
+        </p:nvSpPr>
+        <p:spPr>
+          <a:xfrm>
+            <a:off x="228600" y="1434946"/>
+            <a:ext cx="5135120" cy="4545011"/>
+          </a:xfrm>
+          <a:prstGeom prst="rect">
+            <a:avLst/>
+          </a:prstGeom>
+        </p:spPr>
+        <p:txBody>
+          <a:bodyPr vert="horz" lIns="91440" tIns="45720" rIns="91440" bIns="45720" rtlCol="0">
+            <a:normAutofit/>
+          </a:bodyPr>
+          <a:lstStyle>
+            <a:lvl1pPr marL="342900" indent="-342900" algn="l" defTabSz="457200" rtl="0" eaLnBrk="1" latinLnBrk="0" hangingPunct="1">
+              <a:spcBef>
+                <a:spcPct val="20000"/>
+              </a:spcBef>
+              <a:buFont typeface="Arial"/>
+              <a:buChar char="•"/>
+              <a:defRPr sz="3200" kern="1200">
+                <a:solidFill>
+                  <a:schemeClr val="tx1"/>
+                </a:solidFill>
+                <a:latin typeface="+mn-lt"/>
+                <a:ea typeface="+mn-ea"/>
+                <a:cs typeface="+mn-cs"/>
+              </a:defRPr>
+            </a:lvl1pPr>
+            <a:lvl2pPr marL="742950" indent="-285750" algn="l" defTabSz="457200" rtl="0" eaLnBrk="1" latinLnBrk="0" hangingPunct="1">
+              <a:spcBef>
+                <a:spcPct val="20000"/>
+              </a:spcBef>
+              <a:buFont typeface="Arial"/>
+              <a:buChar char="–"/>
+              <a:defRPr sz="2800" kern="1200">
+                <a:solidFill>
+                  <a:schemeClr val="tx1"/>
+                </a:solidFill>
+                <a:latin typeface="+mn-lt"/>
+                <a:ea typeface="+mn-ea"/>
+                <a:cs typeface="+mn-cs"/>
+              </a:defRPr>
+            </a:lvl2pPr>
+            <a:lvl3pPr marL="1143000" indent="-228600" algn="l" defTabSz="457200" rtl="0" eaLnBrk="1" latinLnBrk="0" hangingPunct="1">
+              <a:spcBef>
+                <a:spcPct val="20000"/>
+              </a:spcBef>
+              <a:buFont typeface="Arial"/>
+              <a:buChar char="•"/>
+              <a:defRPr sz="2400" kern="1200">
+                <a:solidFill>
+                  <a:schemeClr val="tx1"/>
+                </a:solidFill>
+                <a:latin typeface="+mn-lt"/>
+                <a:ea typeface="+mn-ea"/>
+                <a:cs typeface="+mn-cs"/>
+              </a:defRPr>
+            </a:lvl3pPr>
+            <a:lvl4pPr marL="1600200" indent="-228600" algn="l" defTabSz="457200" rtl="0" eaLnBrk="1" latinLnBrk="0" hangingPunct="1">
+              <a:spcBef>
+                <a:spcPct val="20000"/>
+              </a:spcBef>
+              <a:buFont typeface="Arial"/>
+              <a:buChar char="–"/>
+              <a:defRPr sz="2000" kern="1200">
+                <a:solidFill>
+                  <a:schemeClr val="tx1"/>
+                </a:solidFill>
+                <a:latin typeface="+mn-lt"/>
+                <a:ea typeface="+mn-ea"/>
+                <a:cs typeface="+mn-cs"/>
+              </a:defRPr>
+            </a:lvl4pPr>
+            <a:lvl5pPr marL="2057400" indent="-228600" algn="l" defTabSz="457200" rtl="0" eaLnBrk="1" latinLnBrk="0" hangingPunct="1">
+              <a:spcBef>
+                <a:spcPct val="20000"/>
+              </a:spcBef>
+              <a:buFont typeface="Arial"/>
+              <a:buChar char="»"/>
+              <a:defRPr sz="2000" kern="1200">
+                <a:solidFill>
+                  <a:schemeClr val="tx1"/>
+                </a:solidFill>
+                <a:latin typeface="+mn-lt"/>
+                <a:ea typeface="+mn-ea"/>
+                <a:cs typeface="+mn-cs"/>
+              </a:defRPr>
+            </a:lvl5pPr>
+            <a:lvl6pPr marL="2514600" indent="-228600" algn="l" defTabSz="457200" rtl="0" eaLnBrk="1" latinLnBrk="0" hangingPunct="1">
+              <a:spcBef>
+                <a:spcPct val="20000"/>
+              </a:spcBef>
+              <a:buFont typeface="Arial"/>
+              <a:buChar char="•"/>
+              <a:defRPr sz="2000" kern="1200">
+                <a:solidFill>
+                  <a:schemeClr val="tx1"/>
+                </a:solidFill>
+                <a:latin typeface="+mn-lt"/>
+                <a:ea typeface="+mn-ea"/>
+                <a:cs typeface="+mn-cs"/>
+              </a:defRPr>
+            </a:lvl6pPr>
+            <a:lvl7pPr marL="2971800" indent="-228600" algn="l" defTabSz="457200" rtl="0" eaLnBrk="1" latinLnBrk="0" hangingPunct="1">
+              <a:spcBef>
+                <a:spcPct val="20000"/>
+              </a:spcBef>
+              <a:buFont typeface="Arial"/>
+              <a:buChar char="•"/>
+              <a:defRPr sz="2000" kern="1200">
+                <a:solidFill>
+                  <a:schemeClr val="tx1"/>
+                </a:solidFill>
+                <a:latin typeface="+mn-lt"/>
+                <a:ea typeface="+mn-ea"/>
+                <a:cs typeface="+mn-cs"/>
+              </a:defRPr>
+            </a:lvl7pPr>
+            <a:lvl8pPr marL="3429000" indent="-228600" algn="l" defTabSz="457200" rtl="0" eaLnBrk="1" latinLnBrk="0" hangingPunct="1">
+              <a:spcBef>
+                <a:spcPct val="20000"/>
+              </a:spcBef>
+              <a:buFont typeface="Arial"/>
+              <a:buChar char="•"/>
+              <a:defRPr sz="2000" kern="1200">
+                <a:solidFill>
+                  <a:schemeClr val="tx1"/>
+                </a:solidFill>
+                <a:latin typeface="+mn-lt"/>
+                <a:ea typeface="+mn-ea"/>
+                <a:cs typeface="+mn-cs"/>
+              </a:defRPr>
+            </a:lvl8pPr>
+            <a:lvl9pPr marL="3886200" indent="-228600" algn="l" defTabSz="457200" rtl="0" eaLnBrk="1" latinLnBrk="0" hangingPunct="1">
+              <a:spcBef>
+                <a:spcPct val="20000"/>
+              </a:spcBef>
+              <a:buFont typeface="Arial"/>
+              <a:buChar char="•"/>
+              <a:defRPr sz="2000" kern="1200">
+                <a:solidFill>
+                  <a:schemeClr val="tx1"/>
+                </a:solidFill>
+                <a:latin typeface="+mn-lt"/>
+                <a:ea typeface="+mn-ea"/>
+                <a:cs typeface="+mn-cs"/>
+              </a:defRPr>
+            </a:lvl9pPr>
+          </a:lstStyle>
+          <a:p>
+            <a:r>
+              <a:rPr lang="en-US" sz="2800" dirty="0">
+                <a:latin typeface="Bookman Old Style" panose="02050604050505020204" pitchFamily="18" charset="0"/>
+              </a:rPr>
+              <a:t>text</a:t>
+            </a:r>
+          </a:p>
+        </p:txBody>
+      </p:sp>
+    </p:spTree>
+    <p:extLst>
+      <p:ext uri="{BB962C8B-B14F-4D97-AF65-F5344CB8AC3E}">
+        <p14:creationId xmlns:p14="http://schemas.microsoft.com/office/powerpoint/2010/main" val="424774985"/>
+      </p:ext>
+    </p:extLst>
+  </p:cSld>
+  <p:clrMapOvr>
+    <a:masterClrMapping/>
+  </p:clrMapOvr>
+</p:sld>
+</file>
+
+<file path=ppt/slides/slide38.xml><?xml version="1.0" encoding="utf-8"?>
+<p:sld xmlns:a="http://schemas.openxmlformats.org/drawingml/2006/main" xmlns:r="http://schemas.openxmlformats.org/officeDocument/2006/relationships" xmlns:p="http://schemas.openxmlformats.org/presentationml/2006/main">
+  <p:cSld>
+    <p:spTree>
+      <p:nvGrpSpPr>
+        <p:cNvPr id="1" name="">
+          <a:extLst>
+            <a:ext uri="{FF2B5EF4-FFF2-40B4-BE49-F238E27FC236}">
+              <a16:creationId xmlns:a16="http://schemas.microsoft.com/office/drawing/2014/main" id="{4057EEEB-F055-5FB7-9173-9B2F5C19366D}"/>
+            </a:ext>
+          </a:extLst>
+        </p:cNvPr>
+        <p:cNvGrpSpPr/>
+        <p:nvPr/>
+      </p:nvGrpSpPr>
+      <p:grpSpPr>
+        <a:xfrm>
+          <a:off x="0" y="0"/>
+          <a:ext cx="0" cy="0"/>
+          <a:chOff x="0" y="0"/>
+          <a:chExt cx="0" cy="0"/>
+        </a:xfrm>
+      </p:grpSpPr>
+      <p:sp>
+        <p:nvSpPr>
+          <p:cNvPr id="4" name="Title 1">
+            <a:extLst>
+              <a:ext uri="{FF2B5EF4-FFF2-40B4-BE49-F238E27FC236}">
+                <a16:creationId xmlns:a16="http://schemas.microsoft.com/office/drawing/2014/main" id="{51A173DA-16DD-E319-F3A5-40C16D1C8A68}"/>
+              </a:ext>
+            </a:extLst>
+          </p:cNvPr>
+          <p:cNvSpPr txBox="1">
+            <a:spLocks/>
+          </p:cNvSpPr>
+          <p:nvPr/>
+        </p:nvSpPr>
+        <p:spPr>
+          <a:xfrm>
+            <a:off x="1497166" y="114146"/>
+            <a:ext cx="6149667" cy="1320800"/>
+          </a:xfrm>
+          <a:prstGeom prst="rect">
+            <a:avLst/>
+          </a:prstGeom>
+        </p:spPr>
+        <p:txBody>
+          <a:bodyPr vert="horz" lIns="91440" tIns="45720" rIns="91440" bIns="45720" rtlCol="0" anchor="ctr">
+            <a:normAutofit/>
+          </a:bodyPr>
+          <a:lstStyle>
+            <a:lvl1pPr algn="ctr" defTabSz="457200" rtl="0" eaLnBrk="1" latinLnBrk="0" hangingPunct="1">
+              <a:spcBef>
+                <a:spcPct val="0"/>
+              </a:spcBef>
+              <a:buNone/>
+              <a:defRPr sz="4400" kern="1200">
+                <a:solidFill>
+                  <a:schemeClr val="tx1"/>
+                </a:solidFill>
+                <a:latin typeface="+mj-lt"/>
+                <a:ea typeface="+mj-ea"/>
+                <a:cs typeface="+mj-cs"/>
+              </a:defRPr>
+            </a:lvl1pPr>
+          </a:lstStyle>
+          <a:p>
+            <a:r>
+              <a:rPr lang="en-US" sz="4000" dirty="0">
+                <a:latin typeface="Rockwell" panose="02060603020205020403" pitchFamily="18" charset="0"/>
+              </a:rPr>
+              <a:t>Text</a:t>
+            </a:r>
+          </a:p>
+        </p:txBody>
+      </p:sp>
+      <p:sp>
+        <p:nvSpPr>
+          <p:cNvPr id="2" name="Content Placeholder 2">
+            <a:extLst>
+              <a:ext uri="{FF2B5EF4-FFF2-40B4-BE49-F238E27FC236}">
+                <a16:creationId xmlns:a16="http://schemas.microsoft.com/office/drawing/2014/main" id="{2E7FD52A-FADB-F050-A9D4-0387F30D5CE2}"/>
+              </a:ext>
+            </a:extLst>
+          </p:cNvPr>
+          <p:cNvSpPr txBox="1">
+            <a:spLocks/>
+          </p:cNvSpPr>
+          <p:nvPr/>
+        </p:nvSpPr>
+        <p:spPr>
+          <a:xfrm>
+            <a:off x="228600" y="1434946"/>
+            <a:ext cx="5135120" cy="4545011"/>
+          </a:xfrm>
+          <a:prstGeom prst="rect">
+            <a:avLst/>
+          </a:prstGeom>
+        </p:spPr>
+        <p:txBody>
+          <a:bodyPr vert="horz" lIns="91440" tIns="45720" rIns="91440" bIns="45720" rtlCol="0">
+            <a:normAutofit/>
+          </a:bodyPr>
+          <a:lstStyle>
+            <a:lvl1pPr marL="342900" indent="-342900" algn="l" defTabSz="457200" rtl="0" eaLnBrk="1" latinLnBrk="0" hangingPunct="1">
+              <a:spcBef>
+                <a:spcPct val="20000"/>
+              </a:spcBef>
+              <a:buFont typeface="Arial"/>
+              <a:buChar char="•"/>
+              <a:defRPr sz="3200" kern="1200">
+                <a:solidFill>
+                  <a:schemeClr val="tx1"/>
+                </a:solidFill>
+                <a:latin typeface="+mn-lt"/>
+                <a:ea typeface="+mn-ea"/>
+                <a:cs typeface="+mn-cs"/>
+              </a:defRPr>
+            </a:lvl1pPr>
+            <a:lvl2pPr marL="742950" indent="-285750" algn="l" defTabSz="457200" rtl="0" eaLnBrk="1" latinLnBrk="0" hangingPunct="1">
+              <a:spcBef>
+                <a:spcPct val="20000"/>
+              </a:spcBef>
+              <a:buFont typeface="Arial"/>
+              <a:buChar char="–"/>
+              <a:defRPr sz="2800" kern="1200">
+                <a:solidFill>
+                  <a:schemeClr val="tx1"/>
+                </a:solidFill>
+                <a:latin typeface="+mn-lt"/>
+                <a:ea typeface="+mn-ea"/>
+                <a:cs typeface="+mn-cs"/>
+              </a:defRPr>
+            </a:lvl2pPr>
+            <a:lvl3pPr marL="1143000" indent="-228600" algn="l" defTabSz="457200" rtl="0" eaLnBrk="1" latinLnBrk="0" hangingPunct="1">
+              <a:spcBef>
+                <a:spcPct val="20000"/>
+              </a:spcBef>
+              <a:buFont typeface="Arial"/>
+              <a:buChar char="•"/>
+              <a:defRPr sz="2400" kern="1200">
+                <a:solidFill>
+                  <a:schemeClr val="tx1"/>
+                </a:solidFill>
+                <a:latin typeface="+mn-lt"/>
+                <a:ea typeface="+mn-ea"/>
+                <a:cs typeface="+mn-cs"/>
+              </a:defRPr>
+            </a:lvl3pPr>
+            <a:lvl4pPr marL="1600200" indent="-228600" algn="l" defTabSz="457200" rtl="0" eaLnBrk="1" latinLnBrk="0" hangingPunct="1">
+              <a:spcBef>
+                <a:spcPct val="20000"/>
+              </a:spcBef>
+              <a:buFont typeface="Arial"/>
+              <a:buChar char="–"/>
+              <a:defRPr sz="2000" kern="1200">
+                <a:solidFill>
+                  <a:schemeClr val="tx1"/>
+                </a:solidFill>
+                <a:latin typeface="+mn-lt"/>
+                <a:ea typeface="+mn-ea"/>
+                <a:cs typeface="+mn-cs"/>
+              </a:defRPr>
+            </a:lvl4pPr>
+            <a:lvl5pPr marL="2057400" indent="-228600" algn="l" defTabSz="457200" rtl="0" eaLnBrk="1" latinLnBrk="0" hangingPunct="1">
+              <a:spcBef>
+                <a:spcPct val="20000"/>
+              </a:spcBef>
+              <a:buFont typeface="Arial"/>
+              <a:buChar char="»"/>
+              <a:defRPr sz="2000" kern="1200">
+                <a:solidFill>
+                  <a:schemeClr val="tx1"/>
+                </a:solidFill>
+                <a:latin typeface="+mn-lt"/>
+                <a:ea typeface="+mn-ea"/>
+                <a:cs typeface="+mn-cs"/>
+              </a:defRPr>
+            </a:lvl5pPr>
+            <a:lvl6pPr marL="2514600" indent="-228600" algn="l" defTabSz="457200" rtl="0" eaLnBrk="1" latinLnBrk="0" hangingPunct="1">
+              <a:spcBef>
+                <a:spcPct val="20000"/>
+              </a:spcBef>
+              <a:buFont typeface="Arial"/>
+              <a:buChar char="•"/>
+              <a:defRPr sz="2000" kern="1200">
+                <a:solidFill>
+                  <a:schemeClr val="tx1"/>
+                </a:solidFill>
+                <a:latin typeface="+mn-lt"/>
+                <a:ea typeface="+mn-ea"/>
+                <a:cs typeface="+mn-cs"/>
+              </a:defRPr>
+            </a:lvl6pPr>
+            <a:lvl7pPr marL="2971800" indent="-228600" algn="l" defTabSz="457200" rtl="0" eaLnBrk="1" latinLnBrk="0" hangingPunct="1">
+              <a:spcBef>
+                <a:spcPct val="20000"/>
+              </a:spcBef>
+              <a:buFont typeface="Arial"/>
+              <a:buChar char="•"/>
+              <a:defRPr sz="2000" kern="1200">
+                <a:solidFill>
+                  <a:schemeClr val="tx1"/>
+                </a:solidFill>
+                <a:latin typeface="+mn-lt"/>
+                <a:ea typeface="+mn-ea"/>
+                <a:cs typeface="+mn-cs"/>
+              </a:defRPr>
+            </a:lvl7pPr>
+            <a:lvl8pPr marL="3429000" indent="-228600" algn="l" defTabSz="457200" rtl="0" eaLnBrk="1" latinLnBrk="0" hangingPunct="1">
+              <a:spcBef>
+                <a:spcPct val="20000"/>
+              </a:spcBef>
+              <a:buFont typeface="Arial"/>
+              <a:buChar char="•"/>
+              <a:defRPr sz="2000" kern="1200">
+                <a:solidFill>
+                  <a:schemeClr val="tx1"/>
+                </a:solidFill>
+                <a:latin typeface="+mn-lt"/>
+                <a:ea typeface="+mn-ea"/>
+                <a:cs typeface="+mn-cs"/>
+              </a:defRPr>
+            </a:lvl8pPr>
+            <a:lvl9pPr marL="3886200" indent="-228600" algn="l" defTabSz="457200" rtl="0" eaLnBrk="1" latinLnBrk="0" hangingPunct="1">
+              <a:spcBef>
+                <a:spcPct val="20000"/>
+              </a:spcBef>
+              <a:buFont typeface="Arial"/>
+              <a:buChar char="•"/>
+              <a:defRPr sz="2000" kern="1200">
+                <a:solidFill>
+                  <a:schemeClr val="tx1"/>
+                </a:solidFill>
+                <a:latin typeface="+mn-lt"/>
+                <a:ea typeface="+mn-ea"/>
+                <a:cs typeface="+mn-cs"/>
+              </a:defRPr>
+            </a:lvl9pPr>
+          </a:lstStyle>
+          <a:p>
+            <a:r>
+              <a:rPr lang="en-US" sz="2800" dirty="0">
+                <a:latin typeface="Bookman Old Style" panose="02050604050505020204" pitchFamily="18" charset="0"/>
+              </a:rPr>
+              <a:t>text</a:t>
+            </a:r>
+          </a:p>
+        </p:txBody>
+      </p:sp>
+    </p:spTree>
+    <p:extLst>
+      <p:ext uri="{BB962C8B-B14F-4D97-AF65-F5344CB8AC3E}">
+        <p14:creationId xmlns:p14="http://schemas.microsoft.com/office/powerpoint/2010/main" val="1373028033"/>
       </p:ext>
     </p:extLst>
   </p:cSld>
@@ -9390,8 +15891,8 @@
         </p:nvSpPr>
         <p:spPr>
           <a:xfrm>
-            <a:off x="228600" y="1434946"/>
-            <a:ext cx="5135120" cy="4545011"/>
+            <a:off x="76200" y="1434946"/>
+            <a:ext cx="5287520" cy="4584854"/>
           </a:xfrm>
           <a:prstGeom prst="rect">
             <a:avLst/>
@@ -9399,7 +15900,7 @@
         </p:spPr>
         <p:txBody>
           <a:bodyPr vert="horz" lIns="91440" tIns="45720" rIns="91440" bIns="45720" rtlCol="0">
-            <a:normAutofit fontScale="85000" lnSpcReduction="20000"/>
+            <a:normAutofit fontScale="70000" lnSpcReduction="20000"/>
           </a:bodyPr>
           <a:lstStyle>
             <a:lvl1pPr marL="342900" indent="-342900" algn="l" defTabSz="457200" rtl="0" eaLnBrk="1" latinLnBrk="0" hangingPunct="1">
@@ -9560,6 +16061,14 @@
                 <a:latin typeface="Bookman Old Style" panose="02050604050505020204" pitchFamily="18" charset="0"/>
               </a:rPr>
               <a:t>Motif/Clique density is the ratio of motif or clique instances to the number of vertices in a subgraph.</a:t>
+            </a:r>
+          </a:p>
+          <a:p>
+            <a:r>
+              <a:rPr lang="en-US" sz="2800" dirty="0">
+                <a:latin typeface="Bookman Old Style" panose="02050604050505020204" pitchFamily="18" charset="0"/>
+              </a:rPr>
+              <a:t>Because edges are covered under motif/cliques (as 2-cliques), we will be using motif/clique density for our purposes.</a:t>
             </a:r>
           </a:p>
         </p:txBody>

--- a/Thesis Defense Presentation.pptx
+++ b/Thesis Defense Presentation.pptx
@@ -5,7 +5,7 @@
     <p:sldMasterId id="2147483660" r:id="rId1"/>
   </p:sldMasterIdLst>
   <p:notesMasterIdLst>
-    <p:notesMasterId r:id="rId40"/>
+    <p:notesMasterId r:id="rId49"/>
   </p:notesMasterIdLst>
   <p:sldIdLst>
     <p:sldId id="299" r:id="rId2"/>
@@ -42,10 +42,19 @@
     <p:sldId id="321" r:id="rId33"/>
     <p:sldId id="334" r:id="rId34"/>
     <p:sldId id="335" r:id="rId35"/>
-    <p:sldId id="336" r:id="rId36"/>
-    <p:sldId id="337" r:id="rId37"/>
-    <p:sldId id="338" r:id="rId38"/>
-    <p:sldId id="339" r:id="rId39"/>
+    <p:sldId id="340" r:id="rId36"/>
+    <p:sldId id="336" r:id="rId37"/>
+    <p:sldId id="341" r:id="rId38"/>
+    <p:sldId id="337" r:id="rId39"/>
+    <p:sldId id="338" r:id="rId40"/>
+    <p:sldId id="339" r:id="rId41"/>
+    <p:sldId id="342" r:id="rId42"/>
+    <p:sldId id="343" r:id="rId43"/>
+    <p:sldId id="344" r:id="rId44"/>
+    <p:sldId id="345" r:id="rId45"/>
+    <p:sldId id="346" r:id="rId46"/>
+    <p:sldId id="347" r:id="rId47"/>
+    <p:sldId id="348" r:id="rId48"/>
   </p:sldIdLst>
   <p:sldSz cx="9144000" cy="6858000" type="screen4x3"/>
   <p:notesSz cx="7010400" cy="9296400"/>
@@ -245,7 +254,7 @@
           <a:p>
             <a:fld id="{A0CDD9C9-DEC5-42B6-9F11-0BCA88D4BE4F}" type="datetimeFigureOut">
               <a:rPr lang="en-US" smtClean="0"/>
-              <a:t>8/13/2025</a:t>
+              <a:t>8/14/2025</a:t>
             </a:fld>
             <a:endParaRPr lang="en-US"/>
           </a:p>
@@ -698,7 +707,7 @@
                 </a:solidFill>
               </a:rPr>
               <a:pPr/>
-              <a:t>8/13/2025</a:t>
+              <a:t>8/14/2025</a:t>
             </a:fld>
             <a:endParaRPr lang="en-US">
               <a:solidFill>
@@ -898,7 +907,7 @@
                 </a:solidFill>
               </a:rPr>
               <a:pPr/>
-              <a:t>8/13/2025</a:t>
+              <a:t>8/14/2025</a:t>
             </a:fld>
             <a:endParaRPr lang="en-US">
               <a:solidFill>
@@ -1108,7 +1117,7 @@
                 </a:solidFill>
               </a:rPr>
               <a:pPr/>
-              <a:t>8/13/2025</a:t>
+              <a:t>8/14/2025</a:t>
             </a:fld>
             <a:endParaRPr lang="en-US">
               <a:solidFill>
@@ -1308,7 +1317,7 @@
                 </a:solidFill>
               </a:rPr>
               <a:pPr/>
-              <a:t>8/13/2025</a:t>
+              <a:t>8/14/2025</a:t>
             </a:fld>
             <a:endParaRPr lang="en-US">
               <a:solidFill>
@@ -1585,7 +1594,7 @@
                 </a:solidFill>
               </a:rPr>
               <a:pPr/>
-              <a:t>8/13/2025</a:t>
+              <a:t>8/14/2025</a:t>
             </a:fld>
             <a:endParaRPr lang="en-US">
               <a:solidFill>
@@ -1902,7 +1911,7 @@
                 </a:solidFill>
               </a:rPr>
               <a:pPr/>
-              <a:t>8/13/2025</a:t>
+              <a:t>8/14/2025</a:t>
             </a:fld>
             <a:endParaRPr lang="en-US">
               <a:solidFill>
@@ -2353,7 +2362,7 @@
                 </a:solidFill>
               </a:rPr>
               <a:pPr/>
-              <a:t>8/13/2025</a:t>
+              <a:t>8/14/2025</a:t>
             </a:fld>
             <a:endParaRPr lang="en-US">
               <a:solidFill>
@@ -2502,7 +2511,7 @@
                 </a:solidFill>
               </a:rPr>
               <a:pPr/>
-              <a:t>8/13/2025</a:t>
+              <a:t>8/14/2025</a:t>
             </a:fld>
             <a:endParaRPr lang="en-US">
               <a:solidFill>
@@ -2629,7 +2638,7 @@
                 </a:solidFill>
               </a:rPr>
               <a:pPr/>
-              <a:t>8/13/2025</a:t>
+              <a:t>8/14/2025</a:t>
             </a:fld>
             <a:endParaRPr lang="en-US">
               <a:solidFill>
@@ -2936,7 +2945,7 @@
                 </a:solidFill>
               </a:rPr>
               <a:pPr/>
-              <a:t>8/13/2025</a:t>
+              <a:t>8/14/2025</a:t>
             </a:fld>
             <a:endParaRPr lang="en-US">
               <a:solidFill>
@@ -3220,7 +3229,7 @@
                 </a:solidFill>
               </a:rPr>
               <a:pPr/>
-              <a:t>8/13/2025</a:t>
+              <a:t>8/14/2025</a:t>
             </a:fld>
             <a:endParaRPr lang="en-US">
               <a:solidFill>
@@ -3464,7 +3473,7 @@
                 </a:solidFill>
               </a:rPr>
               <a:pPr defTabSz="457200"/>
-              <a:t>8/13/2025</a:t>
+              <a:t>8/14/2025</a:t>
             </a:fld>
             <a:endParaRPr lang="en-US">
               <a:solidFill>
@@ -11309,8 +11318,8 @@
           </a:p>
         </p:txBody>
       </p:sp>
-      <mc:AlternateContent xmlns:mc="http://schemas.openxmlformats.org/markup-compatibility/2006">
-        <mc:Choice xmlns:a14="http://schemas.microsoft.com/office/drawing/2010/main" Requires="a14">
+      <mc:AlternateContent xmlns:mc="http://schemas.openxmlformats.org/markup-compatibility/2006" xmlns:a14="http://schemas.microsoft.com/office/drawing/2010/main">
+        <mc:Choice Requires="a14">
           <p:sp>
             <p:nvSpPr>
               <p:cNvPr id="2" name="Content Placeholder 2">
@@ -11525,48 +11534,68 @@
                 <a14:m>
                   <m:oMath xmlns:m="http://schemas.openxmlformats.org/officeDocument/2006/math">
                     <m:r>
-                      <a:rPr lang="en-US" sz="2800" i="1"/>
+                      <a:rPr lang="en-US" sz="2800" i="1">
+                        <a:latin typeface="Cambria Math" panose="02040503050406030204" pitchFamily="18" charset="0"/>
+                      </a:rPr>
                       <m:t>𝑢</m:t>
                     </m:r>
                     <m:r>
-                      <a:rPr lang="en-US" sz="2800" i="1"/>
+                      <a:rPr lang="en-US" sz="2800" i="1">
+                        <a:latin typeface="Cambria Math" panose="02040503050406030204" pitchFamily="18" charset="0"/>
+                      </a:rPr>
                       <m:t>−</m:t>
                     </m:r>
                     <m:r>
-                      <a:rPr lang="en-US" sz="2800" i="1"/>
+                      <a:rPr lang="en-US" sz="2800" i="1">
+                        <a:latin typeface="Cambria Math" panose="02040503050406030204" pitchFamily="18" charset="0"/>
+                      </a:rPr>
                       <m:t>𝑙</m:t>
                     </m:r>
                     <m:r>
-                      <a:rPr lang="en-US" sz="2800" i="1"/>
+                      <a:rPr lang="en-US" sz="2800" i="1">
+                        <a:latin typeface="Cambria Math" panose="02040503050406030204" pitchFamily="18" charset="0"/>
+                      </a:rPr>
                       <m:t>≥</m:t>
                     </m:r>
                     <m:f>
                       <m:fPr>
                         <m:ctrlPr>
-                          <a:rPr lang="en-US" sz="2800" i="1"/>
+                          <a:rPr lang="en-US" sz="2800" i="1">
+                            <a:latin typeface="Cambria Math" panose="02040503050406030204" pitchFamily="18" charset="0"/>
+                          </a:rPr>
                         </m:ctrlPr>
                       </m:fPr>
                       <m:num>
                         <m:r>
-                          <a:rPr lang="en-US" sz="2800" i="1"/>
+                          <a:rPr lang="en-US" sz="2800" i="1">
+                            <a:latin typeface="Cambria Math" panose="02040503050406030204" pitchFamily="18" charset="0"/>
+                          </a:rPr>
                           <m:t>1</m:t>
                         </m:r>
                       </m:num>
                       <m:den>
                         <m:r>
-                          <a:rPr lang="en-US" sz="2800" i="1"/>
+                          <a:rPr lang="en-US" sz="2800" i="1">
+                            <a:latin typeface="Cambria Math" panose="02040503050406030204" pitchFamily="18" charset="0"/>
+                          </a:rPr>
                           <m:t>𝑣</m:t>
                         </m:r>
                         <m:r>
-                          <a:rPr lang="en-US" sz="2800" i="1"/>
+                          <a:rPr lang="en-US" sz="2800" i="1">
+                            <a:latin typeface="Cambria Math" panose="02040503050406030204" pitchFamily="18" charset="0"/>
+                          </a:rPr>
                           <m:t>(</m:t>
                         </m:r>
                         <m:r>
-                          <a:rPr lang="en-US" sz="2800" i="1"/>
+                          <a:rPr lang="en-US" sz="2800" i="1">
+                            <a:latin typeface="Cambria Math" panose="02040503050406030204" pitchFamily="18" charset="0"/>
+                          </a:rPr>
                           <m:t>𝑣</m:t>
                         </m:r>
                         <m:r>
-                          <a:rPr lang="en-US" sz="2800" i="1"/>
+                          <a:rPr lang="en-US" sz="2800" i="1">
+                            <a:latin typeface="Cambria Math" panose="02040503050406030204" pitchFamily="18" charset="0"/>
+                          </a:rPr>
                           <m:t>−1)</m:t>
                         </m:r>
                       </m:den>
@@ -11683,25 +11712,33 @@
                     <m:f>
                       <m:fPr>
                         <m:ctrlPr>
-                          <a:rPr lang="en-US" sz="2800" i="1"/>
+                          <a:rPr lang="en-US" sz="2800" i="1">
+                            <a:latin typeface="Cambria Math" panose="02040503050406030204" pitchFamily="18" charset="0"/>
+                          </a:rPr>
                         </m:ctrlPr>
                       </m:fPr>
                       <m:num>
                         <m:sSub>
                           <m:sSubPr>
                             <m:ctrlPr>
-                              <a:rPr lang="en-US" sz="2800" i="1"/>
+                              <a:rPr lang="en-US" sz="2800" i="1">
+                                <a:latin typeface="Cambria Math" panose="02040503050406030204" pitchFamily="18" charset="0"/>
+                              </a:rPr>
                             </m:ctrlPr>
                           </m:sSubPr>
                           <m:e>
                             <m:r>
-                              <a:rPr lang="en-US" sz="2800" i="1"/>
+                              <a:rPr lang="en-US" sz="2800" i="1">
+                                <a:latin typeface="Cambria Math" panose="02040503050406030204" pitchFamily="18" charset="0"/>
+                              </a:rPr>
                               <m:t>𝑒</m:t>
                             </m:r>
                           </m:e>
                           <m:sub>
                             <m:r>
-                              <a:rPr lang="en-US" sz="2800" i="1"/>
+                              <a:rPr lang="en-US" sz="2800" i="1">
+                                <a:latin typeface="Cambria Math" panose="02040503050406030204" pitchFamily="18" charset="0"/>
+                              </a:rPr>
                               <m:t>1</m:t>
                             </m:r>
                           </m:sub>
@@ -11711,18 +11748,24 @@
                         <m:sSub>
                           <m:sSubPr>
                             <m:ctrlPr>
-                              <a:rPr lang="en-US" sz="2800" i="1"/>
+                              <a:rPr lang="en-US" sz="2800" i="1">
+                                <a:latin typeface="Cambria Math" panose="02040503050406030204" pitchFamily="18" charset="0"/>
+                              </a:rPr>
                             </m:ctrlPr>
                           </m:sSubPr>
                           <m:e>
                             <m:r>
-                              <a:rPr lang="en-US" sz="2800" i="1"/>
+                              <a:rPr lang="en-US" sz="2800" i="1">
+                                <a:latin typeface="Cambria Math" panose="02040503050406030204" pitchFamily="18" charset="0"/>
+                              </a:rPr>
                               <m:t>𝑣</m:t>
                             </m:r>
                           </m:e>
                           <m:sub>
                             <m:r>
-                              <a:rPr lang="en-US" sz="2800" i="1"/>
+                              <a:rPr lang="en-US" sz="2800" i="1">
+                                <a:latin typeface="Cambria Math" panose="02040503050406030204" pitchFamily="18" charset="0"/>
+                              </a:rPr>
                               <m:t>1</m:t>
                             </m:r>
                           </m:sub>
@@ -11730,31 +11773,41 @@
                       </m:den>
                     </m:f>
                     <m:r>
-                      <a:rPr lang="en-US" sz="2800" i="1"/>
+                      <a:rPr lang="en-US" sz="2800" i="1">
+                        <a:latin typeface="Cambria Math" panose="02040503050406030204" pitchFamily="18" charset="0"/>
+                      </a:rPr>
                       <m:t>−</m:t>
                     </m:r>
                     <m:f>
                       <m:fPr>
                         <m:ctrlPr>
-                          <a:rPr lang="en-US" sz="2800" i="1"/>
+                          <a:rPr lang="en-US" sz="2800" i="1">
+                            <a:latin typeface="Cambria Math" panose="02040503050406030204" pitchFamily="18" charset="0"/>
+                          </a:rPr>
                         </m:ctrlPr>
                       </m:fPr>
                       <m:num>
                         <m:sSub>
                           <m:sSubPr>
                             <m:ctrlPr>
-                              <a:rPr lang="en-US" sz="2800" i="1"/>
+                              <a:rPr lang="en-US" sz="2800" i="1">
+                                <a:latin typeface="Cambria Math" panose="02040503050406030204" pitchFamily="18" charset="0"/>
+                              </a:rPr>
                             </m:ctrlPr>
                           </m:sSubPr>
                           <m:e>
                             <m:r>
-                              <a:rPr lang="en-US" sz="2800" i="1"/>
+                              <a:rPr lang="en-US" sz="2800" i="1">
+                                <a:latin typeface="Cambria Math" panose="02040503050406030204" pitchFamily="18" charset="0"/>
+                              </a:rPr>
                               <m:t>𝑒</m:t>
                             </m:r>
                           </m:e>
                           <m:sub>
                             <m:r>
-                              <a:rPr lang="en-US" sz="2800" i="1"/>
+                              <a:rPr lang="en-US" sz="2800" i="1">
+                                <a:latin typeface="Cambria Math" panose="02040503050406030204" pitchFamily="18" charset="0"/>
+                              </a:rPr>
                               <m:t>2</m:t>
                             </m:r>
                           </m:sub>
@@ -11764,18 +11817,24 @@
                         <m:sSub>
                           <m:sSubPr>
                             <m:ctrlPr>
-                              <a:rPr lang="en-US" sz="2800" i="1"/>
+                              <a:rPr lang="en-US" sz="2800" i="1">
+                                <a:latin typeface="Cambria Math" panose="02040503050406030204" pitchFamily="18" charset="0"/>
+                              </a:rPr>
                             </m:ctrlPr>
                           </m:sSubPr>
                           <m:e>
                             <m:r>
-                              <a:rPr lang="en-US" sz="2800" i="1"/>
+                              <a:rPr lang="en-US" sz="2800" i="1">
+                                <a:latin typeface="Cambria Math" panose="02040503050406030204" pitchFamily="18" charset="0"/>
+                              </a:rPr>
                               <m:t>𝑣</m:t>
                             </m:r>
                           </m:e>
                           <m:sub>
                             <m:r>
-                              <a:rPr lang="en-US" sz="2800" i="1"/>
+                              <a:rPr lang="en-US" sz="2800" i="1">
+                                <a:latin typeface="Cambria Math" panose="02040503050406030204" pitchFamily="18" charset="0"/>
+                              </a:rPr>
                               <m:t>2</m:t>
                             </m:r>
                           </m:sub>
@@ -11783,31 +11842,41 @@
                       </m:den>
                     </m:f>
                     <m:r>
-                      <a:rPr lang="en-US" sz="2800" i="1"/>
+                      <a:rPr lang="en-US" sz="2800" i="1">
+                        <a:latin typeface="Cambria Math" panose="02040503050406030204" pitchFamily="18" charset="0"/>
+                      </a:rPr>
                       <m:t>=</m:t>
                     </m:r>
                     <m:f>
                       <m:fPr>
                         <m:ctrlPr>
-                          <a:rPr lang="en-US" sz="2800" i="1"/>
+                          <a:rPr lang="en-US" sz="2800" i="1">
+                            <a:latin typeface="Cambria Math" panose="02040503050406030204" pitchFamily="18" charset="0"/>
+                          </a:rPr>
                         </m:ctrlPr>
                       </m:fPr>
                       <m:num>
                         <m:sSub>
                           <m:sSubPr>
                             <m:ctrlPr>
-                              <a:rPr lang="en-US" sz="2800" i="1"/>
+                              <a:rPr lang="en-US" sz="2800" i="1">
+                                <a:latin typeface="Cambria Math" panose="02040503050406030204" pitchFamily="18" charset="0"/>
+                              </a:rPr>
                             </m:ctrlPr>
                           </m:sSubPr>
                           <m:e>
                             <m:r>
-                              <a:rPr lang="en-US" sz="2800" i="1"/>
+                              <a:rPr lang="en-US" sz="2800" i="1">
+                                <a:latin typeface="Cambria Math" panose="02040503050406030204" pitchFamily="18" charset="0"/>
+                              </a:rPr>
                               <m:t>𝑒</m:t>
                             </m:r>
                           </m:e>
                           <m:sub>
                             <m:r>
-                              <a:rPr lang="en-US" sz="2800" i="1"/>
+                              <a:rPr lang="en-US" sz="2800" i="1">
+                                <a:latin typeface="Cambria Math" panose="02040503050406030204" pitchFamily="18" charset="0"/>
+                              </a:rPr>
                               <m:t>1</m:t>
                             </m:r>
                           </m:sub>
@@ -11815,41 +11884,55 @@
                         <m:sSub>
                           <m:sSubPr>
                             <m:ctrlPr>
-                              <a:rPr lang="en-US" sz="2800" i="1"/>
+                              <a:rPr lang="en-US" sz="2800" i="1">
+                                <a:latin typeface="Cambria Math" panose="02040503050406030204" pitchFamily="18" charset="0"/>
+                              </a:rPr>
                             </m:ctrlPr>
                           </m:sSubPr>
                           <m:e>
                             <m:r>
-                              <a:rPr lang="en-US" sz="2800" i="1"/>
+                              <a:rPr lang="en-US" sz="2800" i="1">
+                                <a:latin typeface="Cambria Math" panose="02040503050406030204" pitchFamily="18" charset="0"/>
+                              </a:rPr>
                               <m:t>𝑣</m:t>
                             </m:r>
                           </m:e>
                           <m:sub>
                             <m:r>
-                              <a:rPr lang="en-US" sz="2800" i="1"/>
+                              <a:rPr lang="en-US" sz="2800" i="1">
+                                <a:latin typeface="Cambria Math" panose="02040503050406030204" pitchFamily="18" charset="0"/>
+                              </a:rPr>
                               <m:t>2</m:t>
                             </m:r>
                           </m:sub>
                         </m:sSub>
                         <m:r>
-                          <a:rPr lang="en-US" sz="2800" i="1"/>
+                          <a:rPr lang="en-US" sz="2800" i="1">
+                            <a:latin typeface="Cambria Math" panose="02040503050406030204" pitchFamily="18" charset="0"/>
+                          </a:rPr>
                           <m:t>−</m:t>
                         </m:r>
                         <m:sSub>
                           <m:sSubPr>
                             <m:ctrlPr>
-                              <a:rPr lang="en-US" sz="2800" i="1"/>
+                              <a:rPr lang="en-US" sz="2800" i="1">
+                                <a:latin typeface="Cambria Math" panose="02040503050406030204" pitchFamily="18" charset="0"/>
+                              </a:rPr>
                             </m:ctrlPr>
                           </m:sSubPr>
                           <m:e>
                             <m:r>
-                              <a:rPr lang="en-US" sz="2800" i="1"/>
+                              <a:rPr lang="en-US" sz="2800" i="1">
+                                <a:latin typeface="Cambria Math" panose="02040503050406030204" pitchFamily="18" charset="0"/>
+                              </a:rPr>
                               <m:t>𝑒</m:t>
                             </m:r>
                           </m:e>
                           <m:sub>
                             <m:r>
-                              <a:rPr lang="en-US" sz="2800" i="1"/>
+                              <a:rPr lang="en-US" sz="2800" i="1">
+                                <a:latin typeface="Cambria Math" panose="02040503050406030204" pitchFamily="18" charset="0"/>
+                              </a:rPr>
                               <m:t>2</m:t>
                             </m:r>
                           </m:sub>
@@ -11857,18 +11940,24 @@
                         <m:sSub>
                           <m:sSubPr>
                             <m:ctrlPr>
-                              <a:rPr lang="en-US" sz="2800" i="1"/>
+                              <a:rPr lang="en-US" sz="2800" i="1">
+                                <a:latin typeface="Cambria Math" panose="02040503050406030204" pitchFamily="18" charset="0"/>
+                              </a:rPr>
                             </m:ctrlPr>
                           </m:sSubPr>
                           <m:e>
                             <m:r>
-                              <a:rPr lang="en-US" sz="2800" i="1"/>
+                              <a:rPr lang="en-US" sz="2800" i="1">
+                                <a:latin typeface="Cambria Math" panose="02040503050406030204" pitchFamily="18" charset="0"/>
+                              </a:rPr>
                               <m:t>𝑣</m:t>
                             </m:r>
                           </m:e>
                           <m:sub>
                             <m:r>
-                              <a:rPr lang="en-US" sz="2800" i="1"/>
+                              <a:rPr lang="en-US" sz="2800" i="1">
+                                <a:latin typeface="Cambria Math" panose="02040503050406030204" pitchFamily="18" charset="0"/>
+                              </a:rPr>
                               <m:t>1</m:t>
                             </m:r>
                           </m:sub>
@@ -11878,18 +11967,24 @@
                         <m:sSub>
                           <m:sSubPr>
                             <m:ctrlPr>
-                              <a:rPr lang="en-US" sz="2800" i="1"/>
+                              <a:rPr lang="en-US" sz="2800" i="1">
+                                <a:latin typeface="Cambria Math" panose="02040503050406030204" pitchFamily="18" charset="0"/>
+                              </a:rPr>
                             </m:ctrlPr>
                           </m:sSubPr>
                           <m:e>
                             <m:r>
-                              <a:rPr lang="en-US" sz="2800" i="1"/>
+                              <a:rPr lang="en-US" sz="2800" i="1">
+                                <a:latin typeface="Cambria Math" panose="02040503050406030204" pitchFamily="18" charset="0"/>
+                              </a:rPr>
                               <m:t>𝑣</m:t>
                             </m:r>
                           </m:e>
                           <m:sub>
                             <m:r>
-                              <a:rPr lang="en-US" sz="2800" i="1"/>
+                              <a:rPr lang="en-US" sz="2800" i="1">
+                                <a:latin typeface="Cambria Math" panose="02040503050406030204" pitchFamily="18" charset="0"/>
+                              </a:rPr>
                               <m:t>1</m:t>
                             </m:r>
                           </m:sub>
@@ -11897,18 +11992,24 @@
                         <m:sSub>
                           <m:sSubPr>
                             <m:ctrlPr>
-                              <a:rPr lang="en-US" sz="2800" i="1"/>
+                              <a:rPr lang="en-US" sz="2800" i="1">
+                                <a:latin typeface="Cambria Math" panose="02040503050406030204" pitchFamily="18" charset="0"/>
+                              </a:rPr>
                             </m:ctrlPr>
                           </m:sSubPr>
                           <m:e>
                             <m:r>
-                              <a:rPr lang="en-US" sz="2800" i="1"/>
+                              <a:rPr lang="en-US" sz="2800" i="1">
+                                <a:latin typeface="Cambria Math" panose="02040503050406030204" pitchFamily="18" charset="0"/>
+                              </a:rPr>
                               <m:t>𝑣</m:t>
                             </m:r>
                           </m:e>
                           <m:sub>
                             <m:r>
-                              <a:rPr lang="en-US" sz="2800" i="1"/>
+                              <a:rPr lang="en-US" sz="2800" i="1">
+                                <a:latin typeface="Cambria Math" panose="02040503050406030204" pitchFamily="18" charset="0"/>
+                              </a:rPr>
                               <m:t>2</m:t>
                             </m:r>
                           </m:sub>
@@ -12066,7 +12167,7 @@
             </p:txBody>
           </p:sp>
         </mc:Choice>
-        <mc:Fallback>
+        <mc:Fallback xmlns="">
           <p:sp>
             <p:nvSpPr>
               <p:cNvPr id="2" name="Content Placeholder 2">
@@ -13117,8 +13218,8 @@
           </a:p>
         </p:txBody>
       </p:sp>
-      <mc:AlternateContent xmlns:mc="http://schemas.openxmlformats.org/markup-compatibility/2006">
-        <mc:Choice xmlns:a14="http://schemas.microsoft.com/office/drawing/2010/main" Requires="a14">
+      <mc:AlternateContent xmlns:mc="http://schemas.openxmlformats.org/markup-compatibility/2006" xmlns:a14="http://schemas.microsoft.com/office/drawing/2010/main">
+        <mc:Choice Requires="a14">
           <p:sp>
             <p:nvSpPr>
               <p:cNvPr id="2" name="Content Placeholder 2">
@@ -13469,7 +13570,7 @@
             </p:txBody>
           </p:sp>
         </mc:Choice>
-        <mc:Fallback>
+        <mc:Fallback xmlns="">
           <p:sp>
             <p:nvSpPr>
               <p:cNvPr id="2" name="Content Placeholder 2">
@@ -14138,6 +14239,337 @@
         <p:cNvPr id="1" name="">
           <a:extLst>
             <a:ext uri="{FF2B5EF4-FFF2-40B4-BE49-F238E27FC236}">
+              <a16:creationId xmlns:a16="http://schemas.microsoft.com/office/drawing/2014/main" id="{BE602D11-258B-3063-EF78-1F02917206E3}"/>
+            </a:ext>
+          </a:extLst>
+        </p:cNvPr>
+        <p:cNvGrpSpPr/>
+        <p:nvPr/>
+      </p:nvGrpSpPr>
+      <p:grpSpPr>
+        <a:xfrm>
+          <a:off x="0" y="0"/>
+          <a:ext cx="0" cy="0"/>
+          <a:chOff x="0" y="0"/>
+          <a:chExt cx="0" cy="0"/>
+        </a:xfrm>
+      </p:grpSpPr>
+      <p:sp>
+        <p:nvSpPr>
+          <p:cNvPr id="4" name="Title 1">
+            <a:extLst>
+              <a:ext uri="{FF2B5EF4-FFF2-40B4-BE49-F238E27FC236}">
+                <a16:creationId xmlns:a16="http://schemas.microsoft.com/office/drawing/2014/main" id="{51F94F62-06D2-A0F7-F71B-861577396499}"/>
+              </a:ext>
+            </a:extLst>
+          </p:cNvPr>
+          <p:cNvSpPr txBox="1">
+            <a:spLocks/>
+          </p:cNvSpPr>
+          <p:nvPr/>
+        </p:nvSpPr>
+        <p:spPr>
+          <a:xfrm>
+            <a:off x="0" y="114146"/>
+            <a:ext cx="9144000" cy="952654"/>
+          </a:xfrm>
+          <a:prstGeom prst="rect">
+            <a:avLst/>
+          </a:prstGeom>
+        </p:spPr>
+        <p:txBody>
+          <a:bodyPr vert="horz" lIns="91440" tIns="45720" rIns="91440" bIns="45720" rtlCol="0" anchor="ctr">
+            <a:normAutofit fontScale="92500"/>
+          </a:bodyPr>
+          <a:lstStyle>
+            <a:lvl1pPr algn="ctr" defTabSz="457200" rtl="0" eaLnBrk="1" latinLnBrk="0" hangingPunct="1">
+              <a:spcBef>
+                <a:spcPct val="0"/>
+              </a:spcBef>
+              <a:buNone/>
+              <a:defRPr sz="4400" kern="1200">
+                <a:solidFill>
+                  <a:schemeClr val="tx1"/>
+                </a:solidFill>
+                <a:latin typeface="+mj-lt"/>
+                <a:ea typeface="+mj-ea"/>
+                <a:cs typeface="+mj-cs"/>
+              </a:defRPr>
+            </a:lvl1pPr>
+          </a:lstStyle>
+          <a:p>
+            <a:r>
+              <a:rPr lang="en-US" sz="4000" dirty="0">
+                <a:latin typeface="Rockwell" panose="02060603020205020403" pitchFamily="18" charset="0"/>
+              </a:rPr>
+              <a:t>A Reminder of Hierarchal GPU Structure</a:t>
+            </a:r>
+          </a:p>
+        </p:txBody>
+      </p:sp>
+      <p:sp>
+        <p:nvSpPr>
+          <p:cNvPr id="2" name="Content Placeholder 2">
+            <a:extLst>
+              <a:ext uri="{FF2B5EF4-FFF2-40B4-BE49-F238E27FC236}">
+                <a16:creationId xmlns:a16="http://schemas.microsoft.com/office/drawing/2014/main" id="{7300998A-055B-63A0-D201-069994E128C2}"/>
+              </a:ext>
+            </a:extLst>
+          </p:cNvPr>
+          <p:cNvSpPr txBox="1">
+            <a:spLocks/>
+          </p:cNvSpPr>
+          <p:nvPr/>
+        </p:nvSpPr>
+        <p:spPr>
+          <a:xfrm>
+            <a:off x="152400" y="1066800"/>
+            <a:ext cx="4796246" cy="5105400"/>
+          </a:xfrm>
+          <a:prstGeom prst="rect">
+            <a:avLst/>
+          </a:prstGeom>
+        </p:spPr>
+        <p:txBody>
+          <a:bodyPr vert="horz" lIns="91440" tIns="45720" rIns="91440" bIns="45720" rtlCol="0">
+            <a:normAutofit fontScale="92500"/>
+          </a:bodyPr>
+          <a:lstStyle>
+            <a:lvl1pPr marL="342900" indent="-342900" algn="l" defTabSz="457200" rtl="0" eaLnBrk="1" latinLnBrk="0" hangingPunct="1">
+              <a:spcBef>
+                <a:spcPct val="20000"/>
+              </a:spcBef>
+              <a:buFont typeface="Arial"/>
+              <a:buChar char="•"/>
+              <a:defRPr sz="3200" kern="1200">
+                <a:solidFill>
+                  <a:schemeClr val="tx1"/>
+                </a:solidFill>
+                <a:latin typeface="+mn-lt"/>
+                <a:ea typeface="+mn-ea"/>
+                <a:cs typeface="+mn-cs"/>
+              </a:defRPr>
+            </a:lvl1pPr>
+            <a:lvl2pPr marL="742950" indent="-285750" algn="l" defTabSz="457200" rtl="0" eaLnBrk="1" latinLnBrk="0" hangingPunct="1">
+              <a:spcBef>
+                <a:spcPct val="20000"/>
+              </a:spcBef>
+              <a:buFont typeface="Arial"/>
+              <a:buChar char="–"/>
+              <a:defRPr sz="2800" kern="1200">
+                <a:solidFill>
+                  <a:schemeClr val="tx1"/>
+                </a:solidFill>
+                <a:latin typeface="+mn-lt"/>
+                <a:ea typeface="+mn-ea"/>
+                <a:cs typeface="+mn-cs"/>
+              </a:defRPr>
+            </a:lvl2pPr>
+            <a:lvl3pPr marL="1143000" indent="-228600" algn="l" defTabSz="457200" rtl="0" eaLnBrk="1" latinLnBrk="0" hangingPunct="1">
+              <a:spcBef>
+                <a:spcPct val="20000"/>
+              </a:spcBef>
+              <a:buFont typeface="Arial"/>
+              <a:buChar char="•"/>
+              <a:defRPr sz="2400" kern="1200">
+                <a:solidFill>
+                  <a:schemeClr val="tx1"/>
+                </a:solidFill>
+                <a:latin typeface="+mn-lt"/>
+                <a:ea typeface="+mn-ea"/>
+                <a:cs typeface="+mn-cs"/>
+              </a:defRPr>
+            </a:lvl3pPr>
+            <a:lvl4pPr marL="1600200" indent="-228600" algn="l" defTabSz="457200" rtl="0" eaLnBrk="1" latinLnBrk="0" hangingPunct="1">
+              <a:spcBef>
+                <a:spcPct val="20000"/>
+              </a:spcBef>
+              <a:buFont typeface="Arial"/>
+              <a:buChar char="–"/>
+              <a:defRPr sz="2000" kern="1200">
+                <a:solidFill>
+                  <a:schemeClr val="tx1"/>
+                </a:solidFill>
+                <a:latin typeface="+mn-lt"/>
+                <a:ea typeface="+mn-ea"/>
+                <a:cs typeface="+mn-cs"/>
+              </a:defRPr>
+            </a:lvl4pPr>
+            <a:lvl5pPr marL="2057400" indent="-228600" algn="l" defTabSz="457200" rtl="0" eaLnBrk="1" latinLnBrk="0" hangingPunct="1">
+              <a:spcBef>
+                <a:spcPct val="20000"/>
+              </a:spcBef>
+              <a:buFont typeface="Arial"/>
+              <a:buChar char="»"/>
+              <a:defRPr sz="2000" kern="1200">
+                <a:solidFill>
+                  <a:schemeClr val="tx1"/>
+                </a:solidFill>
+                <a:latin typeface="+mn-lt"/>
+                <a:ea typeface="+mn-ea"/>
+                <a:cs typeface="+mn-cs"/>
+              </a:defRPr>
+            </a:lvl5pPr>
+            <a:lvl6pPr marL="2514600" indent="-228600" algn="l" defTabSz="457200" rtl="0" eaLnBrk="1" latinLnBrk="0" hangingPunct="1">
+              <a:spcBef>
+                <a:spcPct val="20000"/>
+              </a:spcBef>
+              <a:buFont typeface="Arial"/>
+              <a:buChar char="•"/>
+              <a:defRPr sz="2000" kern="1200">
+                <a:solidFill>
+                  <a:schemeClr val="tx1"/>
+                </a:solidFill>
+                <a:latin typeface="+mn-lt"/>
+                <a:ea typeface="+mn-ea"/>
+                <a:cs typeface="+mn-cs"/>
+              </a:defRPr>
+            </a:lvl6pPr>
+            <a:lvl7pPr marL="2971800" indent="-228600" algn="l" defTabSz="457200" rtl="0" eaLnBrk="1" latinLnBrk="0" hangingPunct="1">
+              <a:spcBef>
+                <a:spcPct val="20000"/>
+              </a:spcBef>
+              <a:buFont typeface="Arial"/>
+              <a:buChar char="•"/>
+              <a:defRPr sz="2000" kern="1200">
+                <a:solidFill>
+                  <a:schemeClr val="tx1"/>
+                </a:solidFill>
+                <a:latin typeface="+mn-lt"/>
+                <a:ea typeface="+mn-ea"/>
+                <a:cs typeface="+mn-cs"/>
+              </a:defRPr>
+            </a:lvl7pPr>
+            <a:lvl8pPr marL="3429000" indent="-228600" algn="l" defTabSz="457200" rtl="0" eaLnBrk="1" latinLnBrk="0" hangingPunct="1">
+              <a:spcBef>
+                <a:spcPct val="20000"/>
+              </a:spcBef>
+              <a:buFont typeface="Arial"/>
+              <a:buChar char="•"/>
+              <a:defRPr sz="2000" kern="1200">
+                <a:solidFill>
+                  <a:schemeClr val="tx1"/>
+                </a:solidFill>
+                <a:latin typeface="+mn-lt"/>
+                <a:ea typeface="+mn-ea"/>
+                <a:cs typeface="+mn-cs"/>
+              </a:defRPr>
+            </a:lvl8pPr>
+            <a:lvl9pPr marL="3886200" indent="-228600" algn="l" defTabSz="457200" rtl="0" eaLnBrk="1" latinLnBrk="0" hangingPunct="1">
+              <a:spcBef>
+                <a:spcPct val="20000"/>
+              </a:spcBef>
+              <a:buFont typeface="Arial"/>
+              <a:buChar char="•"/>
+              <a:defRPr sz="2000" kern="1200">
+                <a:solidFill>
+                  <a:schemeClr val="tx1"/>
+                </a:solidFill>
+                <a:latin typeface="+mn-lt"/>
+                <a:ea typeface="+mn-ea"/>
+                <a:cs typeface="+mn-cs"/>
+              </a:defRPr>
+            </a:lvl9pPr>
+          </a:lstStyle>
+          <a:p>
+            <a:r>
+              <a:rPr lang="en-US" sz="2800" dirty="0">
+                <a:latin typeface="Bookman Old Style" panose="02050604050505020204" pitchFamily="18" charset="0"/>
+              </a:rPr>
+              <a:t>Threads make up warps.</a:t>
+            </a:r>
+          </a:p>
+          <a:p>
+            <a:r>
+              <a:rPr lang="en-US" sz="2800" dirty="0">
+                <a:latin typeface="Bookman Old Style" panose="02050604050505020204" pitchFamily="18" charset="0"/>
+              </a:rPr>
+              <a:t>Warps make up blocks.</a:t>
+            </a:r>
+          </a:p>
+          <a:p>
+            <a:r>
+              <a:rPr lang="en-US" sz="2800" dirty="0">
+                <a:latin typeface="Bookman Old Style" panose="02050604050505020204" pitchFamily="18" charset="0"/>
+              </a:rPr>
+              <a:t>Blocks make up grid.</a:t>
+            </a:r>
+          </a:p>
+          <a:p>
+            <a:r>
+              <a:rPr lang="en-US" sz="2800" dirty="0">
+                <a:latin typeface="Bookman Old Style" panose="02050604050505020204" pitchFamily="18" charset="0"/>
+              </a:rPr>
+              <a:t>This grants versatility in how parallelization occurs (can be multilayered).</a:t>
+            </a:r>
+          </a:p>
+          <a:p>
+            <a:r>
+              <a:rPr lang="en-US" sz="2800" dirty="0">
+                <a:latin typeface="Bookman Old Style" panose="02050604050505020204" pitchFamily="18" charset="0"/>
+              </a:rPr>
+              <a:t>Sticking to lower levels of the hierarchy (threads &lt; warps &lt; blocks) in parallelization makes data transfers less costly.</a:t>
+            </a:r>
+          </a:p>
+        </p:txBody>
+      </p:sp>
+      <p:pic>
+        <p:nvPicPr>
+          <p:cNvPr id="3" name="Picture 2" descr="A diagram of a computer code&#10;&#10;AI-generated content may be incorrect.">
+            <a:extLst>
+              <a:ext uri="{FF2B5EF4-FFF2-40B4-BE49-F238E27FC236}">
+                <a16:creationId xmlns:a16="http://schemas.microsoft.com/office/drawing/2014/main" id="{4D6FDCB6-9679-9F43-B00C-46DE779EBDB5}"/>
+              </a:ext>
+            </a:extLst>
+          </p:cNvPr>
+          <p:cNvPicPr>
+            <a:picLocks noChangeAspect="1"/>
+          </p:cNvPicPr>
+          <p:nvPr/>
+        </p:nvPicPr>
+        <p:blipFill>
+          <a:blip r:embed="rId2">
+            <a:extLst>
+              <a:ext uri="{28A0092B-C50C-407E-A947-70E740481C1C}">
+                <a14:useLocalDpi xmlns:a14="http://schemas.microsoft.com/office/drawing/2010/main" val="0"/>
+              </a:ext>
+            </a:extLst>
+          </a:blip>
+          <a:stretch>
+            <a:fillRect/>
+          </a:stretch>
+        </p:blipFill>
+        <p:spPr>
+          <a:xfrm>
+            <a:off x="4950823" y="1066800"/>
+            <a:ext cx="4191000" cy="4524100"/>
+          </a:xfrm>
+          <a:prstGeom prst="rect">
+            <a:avLst/>
+          </a:prstGeom>
+        </p:spPr>
+      </p:pic>
+    </p:spTree>
+    <p:extLst>
+      <p:ext uri="{BB962C8B-B14F-4D97-AF65-F5344CB8AC3E}">
+        <p14:creationId xmlns:p14="http://schemas.microsoft.com/office/powerpoint/2010/main" val="3125349058"/>
+      </p:ext>
+    </p:extLst>
+  </p:cSld>
+  <p:clrMapOvr>
+    <a:masterClrMapping/>
+  </p:clrMapOvr>
+</p:sld>
+</file>
+
+<file path=ppt/slides/slide36.xml><?xml version="1.0" encoding="utf-8"?>
+<p:sld xmlns:a="http://schemas.openxmlformats.org/drawingml/2006/main" xmlns:r="http://schemas.openxmlformats.org/officeDocument/2006/relationships" xmlns:p="http://schemas.openxmlformats.org/presentationml/2006/main">
+  <p:cSld>
+    <p:spTree>
+      <p:nvGrpSpPr>
+        <p:cNvPr id="1" name="">
+          <a:extLst>
+            <a:ext uri="{FF2B5EF4-FFF2-40B4-BE49-F238E27FC236}">
               <a16:creationId xmlns:a16="http://schemas.microsoft.com/office/drawing/2014/main" id="{8DF9B1F4-4E3E-3F61-DAAE-60F6E51E543A}"/>
             </a:ext>
           </a:extLst>
@@ -14169,8 +14601,8 @@
         </p:nvSpPr>
         <p:spPr>
           <a:xfrm>
-            <a:off x="1497166" y="114146"/>
-            <a:ext cx="6149667" cy="1320800"/>
+            <a:off x="1497166" y="-30480"/>
+            <a:ext cx="6149667" cy="952654"/>
           </a:xfrm>
           <a:prstGeom prst="rect">
             <a:avLst/>
@@ -14201,7 +14633,7 @@
               <a:rPr lang="en-US" sz="4000" dirty="0">
                 <a:latin typeface="Rockwell" panose="02060603020205020403" pitchFamily="18" charset="0"/>
               </a:rPr>
-              <a:t>Text</a:t>
+              <a:t>DAG Generation</a:t>
             </a:r>
           </a:p>
         </p:txBody>
@@ -14222,8 +14654,8 @@
         </p:nvSpPr>
         <p:spPr>
           <a:xfrm>
-            <a:off x="228600" y="1434946"/>
-            <a:ext cx="5135120" cy="4545011"/>
+            <a:off x="0" y="876300"/>
+            <a:ext cx="4975760" cy="5105400"/>
           </a:xfrm>
           <a:prstGeom prst="rect">
             <a:avLst/>
@@ -14231,7 +14663,7 @@
         </p:spPr>
         <p:txBody>
           <a:bodyPr vert="horz" lIns="91440" tIns="45720" rIns="91440" bIns="45720" rtlCol="0">
-            <a:normAutofit/>
+            <a:normAutofit fontScale="77500" lnSpcReduction="20000"/>
           </a:bodyPr>
           <a:lstStyle>
             <a:lvl1pPr marL="342900" indent="-342900" algn="l" defTabSz="457200" rtl="0" eaLnBrk="1" latinLnBrk="0" hangingPunct="1">
@@ -14375,11 +14807,63 @@
               <a:rPr lang="en-US" sz="2800" dirty="0">
                 <a:latin typeface="Bookman Old Style" panose="02050604050505020204" pitchFamily="18" charset="0"/>
               </a:rPr>
-              <a:t>text</a:t>
+              <a:t>Edge based decomposition is negligible and done before this.</a:t>
+            </a:r>
+          </a:p>
+          <a:p>
+            <a:r>
+              <a:rPr lang="en-US" sz="2800" dirty="0">
+                <a:latin typeface="Bookman Old Style" panose="02050604050505020204" pitchFamily="18" charset="0"/>
+              </a:rPr>
+              <a:t>Step one is generating new DAG degrees, which only account for the neighbors a vertex points to (higher core to lower core). The vertices are all handled by warp, with each thread of the warp processing the neighbors of the vertex.</a:t>
+            </a:r>
+          </a:p>
+          <a:p>
+            <a:r>
+              <a:rPr lang="en-US" sz="2800" dirty="0">
+                <a:latin typeface="Bookman Old Style" panose="02050604050505020204" pitchFamily="18" charset="0"/>
+              </a:rPr>
+              <a:t>Step two is creating an adjacency list to represent the graph. This follows the same parallel structure as step one, with each thread processing a neighbor and adding it to the warp vertex’s array if the neighbor has a lower degree.</a:t>
             </a:r>
           </a:p>
         </p:txBody>
       </p:sp>
+      <p:pic>
+        <p:nvPicPr>
+          <p:cNvPr id="3" name="Picture 2" descr="A diagram of a machine&#10;&#10;AI-generated content may be incorrect.">
+            <a:extLst>
+              <a:ext uri="{FF2B5EF4-FFF2-40B4-BE49-F238E27FC236}">
+                <a16:creationId xmlns:a16="http://schemas.microsoft.com/office/drawing/2014/main" id="{861C3351-7737-C9B9-3E27-CD69C85EFBCA}"/>
+              </a:ext>
+            </a:extLst>
+          </p:cNvPr>
+          <p:cNvPicPr>
+            <a:picLocks noChangeAspect="1"/>
+          </p:cNvPicPr>
+          <p:nvPr/>
+        </p:nvPicPr>
+        <p:blipFill>
+          <a:blip r:embed="rId2">
+            <a:extLst>
+              <a:ext uri="{28A0092B-C50C-407E-A947-70E740481C1C}">
+                <a14:useLocalDpi xmlns:a14="http://schemas.microsoft.com/office/drawing/2010/main" val="0"/>
+              </a:ext>
+            </a:extLst>
+          </a:blip>
+          <a:stretch>
+            <a:fillRect/>
+          </a:stretch>
+        </p:blipFill>
+        <p:spPr>
+          <a:xfrm>
+            <a:off x="4975760" y="1676400"/>
+            <a:ext cx="4168239" cy="2743200"/>
+          </a:xfrm>
+          <a:prstGeom prst="rect">
+            <a:avLst/>
+          </a:prstGeom>
+        </p:spPr>
+      </p:pic>
     </p:spTree>
     <p:extLst>
       <p:ext uri="{BB962C8B-B14F-4D97-AF65-F5344CB8AC3E}">
@@ -14393,7 +14877,335 @@
 </p:sld>
 </file>
 
-<file path=ppt/slides/slide36.xml><?xml version="1.0" encoding="utf-8"?>
+<file path=ppt/slides/slide37.xml><?xml version="1.0" encoding="utf-8"?>
+<p:sld xmlns:a="http://schemas.openxmlformats.org/drawingml/2006/main" xmlns:r="http://schemas.openxmlformats.org/officeDocument/2006/relationships" xmlns:p="http://schemas.openxmlformats.org/presentationml/2006/main">
+  <p:cSld>
+    <p:spTree>
+      <p:nvGrpSpPr>
+        <p:cNvPr id="1" name="">
+          <a:extLst>
+            <a:ext uri="{FF2B5EF4-FFF2-40B4-BE49-F238E27FC236}">
+              <a16:creationId xmlns:a16="http://schemas.microsoft.com/office/drawing/2014/main" id="{517E1B8E-EB47-7BB3-32E6-050408BD6EDE}"/>
+            </a:ext>
+          </a:extLst>
+        </p:cNvPr>
+        <p:cNvGrpSpPr/>
+        <p:nvPr/>
+      </p:nvGrpSpPr>
+      <p:grpSpPr>
+        <a:xfrm>
+          <a:off x="0" y="0"/>
+          <a:ext cx="0" cy="0"/>
+          <a:chOff x="0" y="0"/>
+          <a:chExt cx="0" cy="0"/>
+        </a:xfrm>
+      </p:grpSpPr>
+      <p:sp>
+        <p:nvSpPr>
+          <p:cNvPr id="4" name="Title 1">
+            <a:extLst>
+              <a:ext uri="{FF2B5EF4-FFF2-40B4-BE49-F238E27FC236}">
+                <a16:creationId xmlns:a16="http://schemas.microsoft.com/office/drawing/2014/main" id="{D2F20963-EE21-A69D-E0B5-E673A15B3132}"/>
+              </a:ext>
+            </a:extLst>
+          </p:cNvPr>
+          <p:cNvSpPr txBox="1">
+            <a:spLocks/>
+          </p:cNvSpPr>
+          <p:nvPr/>
+        </p:nvSpPr>
+        <p:spPr>
+          <a:xfrm>
+            <a:off x="1497166" y="-76354"/>
+            <a:ext cx="6149667" cy="952654"/>
+          </a:xfrm>
+          <a:prstGeom prst="rect">
+            <a:avLst/>
+          </a:prstGeom>
+        </p:spPr>
+        <p:txBody>
+          <a:bodyPr vert="horz" lIns="91440" tIns="45720" rIns="91440" bIns="45720" rtlCol="0" anchor="ctr">
+            <a:normAutofit/>
+          </a:bodyPr>
+          <a:lstStyle>
+            <a:lvl1pPr algn="ctr" defTabSz="457200" rtl="0" eaLnBrk="1" latinLnBrk="0" hangingPunct="1">
+              <a:spcBef>
+                <a:spcPct val="0"/>
+              </a:spcBef>
+              <a:buNone/>
+              <a:defRPr sz="4400" kern="1200">
+                <a:solidFill>
+                  <a:schemeClr val="tx1"/>
+                </a:solidFill>
+                <a:latin typeface="+mj-lt"/>
+                <a:ea typeface="+mj-ea"/>
+                <a:cs typeface="+mj-cs"/>
+              </a:defRPr>
+            </a:lvl1pPr>
+          </a:lstStyle>
+          <a:p>
+            <a:r>
+              <a:rPr lang="en-US" sz="4000" dirty="0">
+                <a:latin typeface="Rockwell" panose="02060603020205020403" pitchFamily="18" charset="0"/>
+              </a:rPr>
+              <a:t>Listing All Cliques</a:t>
+            </a:r>
+          </a:p>
+        </p:txBody>
+      </p:sp>
+      <p:sp>
+        <p:nvSpPr>
+          <p:cNvPr id="2" name="Content Placeholder 2">
+            <a:extLst>
+              <a:ext uri="{FF2B5EF4-FFF2-40B4-BE49-F238E27FC236}">
+                <a16:creationId xmlns:a16="http://schemas.microsoft.com/office/drawing/2014/main" id="{B6A83368-386B-7C2B-DA98-BF6B3D49E7B2}"/>
+              </a:ext>
+            </a:extLst>
+          </p:cNvPr>
+          <p:cNvSpPr txBox="1">
+            <a:spLocks/>
+          </p:cNvSpPr>
+          <p:nvPr/>
+        </p:nvSpPr>
+        <p:spPr>
+          <a:xfrm>
+            <a:off x="0" y="762000"/>
+            <a:ext cx="4975760" cy="5638800"/>
+          </a:xfrm>
+          <a:prstGeom prst="rect">
+            <a:avLst/>
+          </a:prstGeom>
+        </p:spPr>
+        <p:txBody>
+          <a:bodyPr vert="horz" lIns="91440" tIns="45720" rIns="91440" bIns="45720" rtlCol="0">
+            <a:normAutofit fontScale="62500" lnSpcReduction="20000"/>
+          </a:bodyPr>
+          <a:lstStyle>
+            <a:lvl1pPr marL="342900" indent="-342900" algn="l" defTabSz="457200" rtl="0" eaLnBrk="1" latinLnBrk="0" hangingPunct="1">
+              <a:spcBef>
+                <a:spcPct val="20000"/>
+              </a:spcBef>
+              <a:buFont typeface="Arial"/>
+              <a:buChar char="•"/>
+              <a:defRPr sz="3200" kern="1200">
+                <a:solidFill>
+                  <a:schemeClr val="tx1"/>
+                </a:solidFill>
+                <a:latin typeface="+mn-lt"/>
+                <a:ea typeface="+mn-ea"/>
+                <a:cs typeface="+mn-cs"/>
+              </a:defRPr>
+            </a:lvl1pPr>
+            <a:lvl2pPr marL="742950" indent="-285750" algn="l" defTabSz="457200" rtl="0" eaLnBrk="1" latinLnBrk="0" hangingPunct="1">
+              <a:spcBef>
+                <a:spcPct val="20000"/>
+              </a:spcBef>
+              <a:buFont typeface="Arial"/>
+              <a:buChar char="–"/>
+              <a:defRPr sz="2800" kern="1200">
+                <a:solidFill>
+                  <a:schemeClr val="tx1"/>
+                </a:solidFill>
+                <a:latin typeface="+mn-lt"/>
+                <a:ea typeface="+mn-ea"/>
+                <a:cs typeface="+mn-cs"/>
+              </a:defRPr>
+            </a:lvl2pPr>
+            <a:lvl3pPr marL="1143000" indent="-228600" algn="l" defTabSz="457200" rtl="0" eaLnBrk="1" latinLnBrk="0" hangingPunct="1">
+              <a:spcBef>
+                <a:spcPct val="20000"/>
+              </a:spcBef>
+              <a:buFont typeface="Arial"/>
+              <a:buChar char="•"/>
+              <a:defRPr sz="2400" kern="1200">
+                <a:solidFill>
+                  <a:schemeClr val="tx1"/>
+                </a:solidFill>
+                <a:latin typeface="+mn-lt"/>
+                <a:ea typeface="+mn-ea"/>
+                <a:cs typeface="+mn-cs"/>
+              </a:defRPr>
+            </a:lvl3pPr>
+            <a:lvl4pPr marL="1600200" indent="-228600" algn="l" defTabSz="457200" rtl="0" eaLnBrk="1" latinLnBrk="0" hangingPunct="1">
+              <a:spcBef>
+                <a:spcPct val="20000"/>
+              </a:spcBef>
+              <a:buFont typeface="Arial"/>
+              <a:buChar char="–"/>
+              <a:defRPr sz="2000" kern="1200">
+                <a:solidFill>
+                  <a:schemeClr val="tx1"/>
+                </a:solidFill>
+                <a:latin typeface="+mn-lt"/>
+                <a:ea typeface="+mn-ea"/>
+                <a:cs typeface="+mn-cs"/>
+              </a:defRPr>
+            </a:lvl4pPr>
+            <a:lvl5pPr marL="2057400" indent="-228600" algn="l" defTabSz="457200" rtl="0" eaLnBrk="1" latinLnBrk="0" hangingPunct="1">
+              <a:spcBef>
+                <a:spcPct val="20000"/>
+              </a:spcBef>
+              <a:buFont typeface="Arial"/>
+              <a:buChar char="»"/>
+              <a:defRPr sz="2000" kern="1200">
+                <a:solidFill>
+                  <a:schemeClr val="tx1"/>
+                </a:solidFill>
+                <a:latin typeface="+mn-lt"/>
+                <a:ea typeface="+mn-ea"/>
+                <a:cs typeface="+mn-cs"/>
+              </a:defRPr>
+            </a:lvl5pPr>
+            <a:lvl6pPr marL="2514600" indent="-228600" algn="l" defTabSz="457200" rtl="0" eaLnBrk="1" latinLnBrk="0" hangingPunct="1">
+              <a:spcBef>
+                <a:spcPct val="20000"/>
+              </a:spcBef>
+              <a:buFont typeface="Arial"/>
+              <a:buChar char="•"/>
+              <a:defRPr sz="2000" kern="1200">
+                <a:solidFill>
+                  <a:schemeClr val="tx1"/>
+                </a:solidFill>
+                <a:latin typeface="+mn-lt"/>
+                <a:ea typeface="+mn-ea"/>
+                <a:cs typeface="+mn-cs"/>
+              </a:defRPr>
+            </a:lvl6pPr>
+            <a:lvl7pPr marL="2971800" indent="-228600" algn="l" defTabSz="457200" rtl="0" eaLnBrk="1" latinLnBrk="0" hangingPunct="1">
+              <a:spcBef>
+                <a:spcPct val="20000"/>
+              </a:spcBef>
+              <a:buFont typeface="Arial"/>
+              <a:buChar char="•"/>
+              <a:defRPr sz="2000" kern="1200">
+                <a:solidFill>
+                  <a:schemeClr val="tx1"/>
+                </a:solidFill>
+                <a:latin typeface="+mn-lt"/>
+                <a:ea typeface="+mn-ea"/>
+                <a:cs typeface="+mn-cs"/>
+              </a:defRPr>
+            </a:lvl7pPr>
+            <a:lvl8pPr marL="3429000" indent="-228600" algn="l" defTabSz="457200" rtl="0" eaLnBrk="1" latinLnBrk="0" hangingPunct="1">
+              <a:spcBef>
+                <a:spcPct val="20000"/>
+              </a:spcBef>
+              <a:buFont typeface="Arial"/>
+              <a:buChar char="•"/>
+              <a:defRPr sz="2000" kern="1200">
+                <a:solidFill>
+                  <a:schemeClr val="tx1"/>
+                </a:solidFill>
+                <a:latin typeface="+mn-lt"/>
+                <a:ea typeface="+mn-ea"/>
+                <a:cs typeface="+mn-cs"/>
+              </a:defRPr>
+            </a:lvl8pPr>
+            <a:lvl9pPr marL="3886200" indent="-228600" algn="l" defTabSz="457200" rtl="0" eaLnBrk="1" latinLnBrk="0" hangingPunct="1">
+              <a:spcBef>
+                <a:spcPct val="20000"/>
+              </a:spcBef>
+              <a:buFont typeface="Arial"/>
+              <a:buChar char="•"/>
+              <a:defRPr sz="2000" kern="1200">
+                <a:solidFill>
+                  <a:schemeClr val="tx1"/>
+                </a:solidFill>
+                <a:latin typeface="+mn-lt"/>
+                <a:ea typeface="+mn-ea"/>
+                <a:cs typeface="+mn-cs"/>
+              </a:defRPr>
+            </a:lvl9pPr>
+          </a:lstStyle>
+          <a:p>
+            <a:r>
+              <a:rPr lang="en-US" sz="2800" dirty="0">
+                <a:latin typeface="Bookman Old Style" panose="02050604050505020204" pitchFamily="18" charset="0"/>
+              </a:rPr>
+              <a:t>The first step here is finding all pairs of vertices that are could be part of a k-clique. This handles vertices by warp and their neighbors by thread. For each pair, if both have a degree of at least k the pair is added to the list of clique candidates.</a:t>
+            </a:r>
+          </a:p>
+          <a:p>
+            <a:r>
+              <a:rPr lang="en-US" sz="2800" dirty="0">
+                <a:latin typeface="Bookman Old Style" panose="02050604050505020204" pitchFamily="18" charset="0"/>
+              </a:rPr>
+              <a:t>Once the candidates are determined, a loop iterates down each k level (k-1 each iteration) until k=2.</a:t>
+            </a:r>
+          </a:p>
+          <a:p>
+            <a:r>
+              <a:rPr lang="en-US" sz="2800" dirty="0">
+                <a:latin typeface="Bookman Old Style" panose="02050604050505020204" pitchFamily="18" charset="0"/>
+              </a:rPr>
+              <a:t>During each iteration, the candidates are handled by warp. Each thread checks a neighbor, and if it has at least k neighbors with the other vertices in the clique candidate, the original candidate plus that vertex are added as a new candidate.</a:t>
+            </a:r>
+          </a:p>
+          <a:p>
+            <a:r>
+              <a:rPr lang="en-US" sz="2800" dirty="0">
+                <a:latin typeface="Bookman Old Style" panose="02050604050505020204" pitchFamily="18" charset="0"/>
+              </a:rPr>
+              <a:t>The final step handles the candidates by warp and the neighbors by thread again. For every neighbor that is connected to each vertex in the candidate, a complete clique is found and stored.</a:t>
+            </a:r>
+          </a:p>
+          <a:p>
+            <a:endParaRPr lang="en-US" sz="2800" dirty="0">
+              <a:latin typeface="Bookman Old Style" panose="02050604050505020204" pitchFamily="18" charset="0"/>
+            </a:endParaRPr>
+          </a:p>
+        </p:txBody>
+      </p:sp>
+      <p:pic>
+        <p:nvPicPr>
+          <p:cNvPr id="3" name="Picture 2" descr="A diagram of a machine&#10;&#10;AI-generated content may be incorrect.">
+            <a:extLst>
+              <a:ext uri="{FF2B5EF4-FFF2-40B4-BE49-F238E27FC236}">
+                <a16:creationId xmlns:a16="http://schemas.microsoft.com/office/drawing/2014/main" id="{2F9F8B19-406A-2DBE-3F64-9F451BE6E187}"/>
+              </a:ext>
+            </a:extLst>
+          </p:cNvPr>
+          <p:cNvPicPr>
+            <a:picLocks noChangeAspect="1"/>
+          </p:cNvPicPr>
+          <p:nvPr/>
+        </p:nvPicPr>
+        <p:blipFill>
+          <a:blip r:embed="rId2">
+            <a:extLst>
+              <a:ext uri="{28A0092B-C50C-407E-A947-70E740481C1C}">
+                <a14:useLocalDpi xmlns:a14="http://schemas.microsoft.com/office/drawing/2010/main" val="0"/>
+              </a:ext>
+            </a:extLst>
+          </a:blip>
+          <a:stretch>
+            <a:fillRect/>
+          </a:stretch>
+        </p:blipFill>
+        <p:spPr>
+          <a:xfrm>
+            <a:off x="4859976" y="1600200"/>
+            <a:ext cx="4284023" cy="2819400"/>
+          </a:xfrm>
+          <a:prstGeom prst="rect">
+            <a:avLst/>
+          </a:prstGeom>
+        </p:spPr>
+      </p:pic>
+    </p:spTree>
+    <p:extLst>
+      <p:ext uri="{BB962C8B-B14F-4D97-AF65-F5344CB8AC3E}">
+        <p14:creationId xmlns:p14="http://schemas.microsoft.com/office/powerpoint/2010/main" val="1510487764"/>
+      </p:ext>
+    </p:extLst>
+  </p:cSld>
+  <p:clrMapOvr>
+    <a:masterClrMapping/>
+  </p:clrMapOvr>
+</p:sld>
+</file>
+
+<file path=ppt/slides/slide38.xml><?xml version="1.0" encoding="utf-8"?>
 <p:sld xmlns:a="http://schemas.openxmlformats.org/drawingml/2006/main" xmlns:r="http://schemas.openxmlformats.org/officeDocument/2006/relationships" xmlns:p="http://schemas.openxmlformats.org/presentationml/2006/main">
   <p:cSld>
     <p:spTree>
@@ -14432,8 +15244,8 @@
         </p:nvSpPr>
         <p:spPr>
           <a:xfrm>
-            <a:off x="1497166" y="114146"/>
-            <a:ext cx="6149667" cy="1320800"/>
+            <a:off x="228600" y="0"/>
+            <a:ext cx="8686800" cy="1320800"/>
           </a:xfrm>
           <a:prstGeom prst="rect">
             <a:avLst/>
@@ -14464,7 +15276,7 @@
               <a:rPr lang="en-US" sz="4000" dirty="0">
                 <a:latin typeface="Rockwell" panose="02060603020205020403" pitchFamily="18" charset="0"/>
               </a:rPr>
-              <a:t>Text</a:t>
+              <a:t>Clique-Based Core Decomposition</a:t>
             </a:r>
           </a:p>
         </p:txBody>
@@ -14485,8 +15297,8 @@
         </p:nvSpPr>
         <p:spPr>
           <a:xfrm>
-            <a:off x="228600" y="1434946"/>
-            <a:ext cx="5135120" cy="4545011"/>
+            <a:off x="0" y="1066801"/>
+            <a:ext cx="9144000" cy="4952999"/>
           </a:xfrm>
           <a:prstGeom prst="rect">
             <a:avLst/>
@@ -14494,7 +15306,7 @@
         </p:spPr>
         <p:txBody>
           <a:bodyPr vert="horz" lIns="91440" tIns="45720" rIns="91440" bIns="45720" rtlCol="0">
-            <a:normAutofit/>
+            <a:normAutofit fontScale="62500" lnSpcReduction="20000"/>
           </a:bodyPr>
           <a:lstStyle>
             <a:lvl1pPr marL="342900" indent="-342900" algn="l" defTabSz="457200" rtl="0" eaLnBrk="1" latinLnBrk="0" hangingPunct="1">
@@ -14638,11 +15450,95 @@
               <a:rPr lang="en-US" sz="2800" dirty="0">
                 <a:latin typeface="Bookman Old Style" panose="02050604050505020204" pitchFamily="18" charset="0"/>
               </a:rPr>
-              <a:t>text</a:t>
+              <a:t>The parallelization of this occurs in a serial loop, which checks each k-core level (0-core, 1-core, etc.) until all vertices have been peeled.</a:t>
+            </a:r>
+          </a:p>
+          <a:p>
+            <a:r>
+              <a:rPr lang="en-US" sz="2800" dirty="0">
+                <a:latin typeface="Bookman Old Style" panose="02050604050505020204" pitchFamily="18" charset="0"/>
+              </a:rPr>
+              <a:t>The first parallelized part is identifying all vertices are only part of the current k-core. This handles all vertices by thread. For each thread, if the degree of the vertex equals k, it is added to the buffer of vertices to be peeled.</a:t>
+            </a:r>
+          </a:p>
+          <a:p>
+            <a:endParaRPr lang="en-US" sz="2800" dirty="0">
+              <a:latin typeface="Bookman Old Style" panose="02050604050505020204" pitchFamily="18" charset="0"/>
+            </a:endParaRPr>
+          </a:p>
+          <a:p>
+            <a:endParaRPr lang="en-US" sz="2800" dirty="0">
+              <a:latin typeface="Bookman Old Style" panose="02050604050505020204" pitchFamily="18" charset="0"/>
+            </a:endParaRPr>
+          </a:p>
+          <a:p>
+            <a:endParaRPr lang="en-US" sz="2800" dirty="0">
+              <a:latin typeface="Bookman Old Style" panose="02050604050505020204" pitchFamily="18" charset="0"/>
+            </a:endParaRPr>
+          </a:p>
+          <a:p>
+            <a:endParaRPr lang="en-US" sz="2800" dirty="0">
+              <a:latin typeface="Bookman Old Style" panose="02050604050505020204" pitchFamily="18" charset="0"/>
+            </a:endParaRPr>
+          </a:p>
+          <a:p>
+            <a:endParaRPr lang="en-US" sz="2800" dirty="0">
+              <a:latin typeface="Bookman Old Style" panose="02050604050505020204" pitchFamily="18" charset="0"/>
+            </a:endParaRPr>
+          </a:p>
+          <a:p>
+            <a:r>
+              <a:rPr lang="en-US" sz="2800" dirty="0">
+                <a:latin typeface="Bookman Old Style" panose="02050604050505020204" pitchFamily="18" charset="0"/>
+              </a:rPr>
+              <a:t>The second step handles every vertex in the removal buffer by warp. Each clique of the vertex is checked, handling the neighbors of the vertex in that clique by thread, decreasing the clique degree of that neighbor by 1. If the degree is decreased to the current k level, that neighbor is added to the removal buffer for next iteration. If the degree goes below the k level, it is incremented by 1 so that the list of degrees holds core values by the end. This process runs until all vertices in the removal buffer are peeled.</a:t>
             </a:r>
           </a:p>
         </p:txBody>
       </p:sp>
+      <p:pic>
+        <p:nvPicPr>
+          <p:cNvPr id="3" name="Picture 2" descr="A line with black text&#10;&#10;AI-generated content may be incorrect.">
+            <a:extLst>
+              <a:ext uri="{FF2B5EF4-FFF2-40B4-BE49-F238E27FC236}">
+                <a16:creationId xmlns:a16="http://schemas.microsoft.com/office/drawing/2014/main" id="{EE8F8F81-88D0-E740-7990-572A2C15928D}"/>
+              </a:ext>
+            </a:extLst>
+          </p:cNvPr>
+          <p:cNvPicPr>
+            <a:picLocks noChangeAspect="1"/>
+          </p:cNvPicPr>
+          <p:nvPr/>
+        </p:nvPicPr>
+        <p:blipFill rotWithShape="1">
+          <a:blip r:embed="rId2">
+            <a:extLst>
+              <a:ext uri="{28A0092B-C50C-407E-A947-70E740481C1C}">
+                <a14:useLocalDpi xmlns:a14="http://schemas.microsoft.com/office/drawing/2010/main" val="0"/>
+              </a:ext>
+            </a:extLst>
+          </a:blip>
+          <a:srcRect l="701"/>
+          <a:stretch/>
+        </p:blipFill>
+        <p:spPr bwMode="auto">
+          <a:xfrm>
+            <a:off x="1905000" y="2336597"/>
+            <a:ext cx="4953000" cy="1516154"/>
+          </a:xfrm>
+          <a:prstGeom prst="rect">
+            <a:avLst/>
+          </a:prstGeom>
+          <a:ln>
+            <a:noFill/>
+          </a:ln>
+          <a:extLst>
+            <a:ext uri="{53640926-AAD7-44D8-BBD7-CCE9431645EC}">
+              <a14:shadowObscured xmlns:a14="http://schemas.microsoft.com/office/drawing/2010/main"/>
+            </a:ext>
+          </a:extLst>
+        </p:spPr>
+      </p:pic>
     </p:spTree>
     <p:extLst>
       <p:ext uri="{BB962C8B-B14F-4D97-AF65-F5344CB8AC3E}">
@@ -14656,7 +15552,7 @@
 </p:sld>
 </file>
 
-<file path=ppt/slides/slide37.xml><?xml version="1.0" encoding="utf-8"?>
+<file path=ppt/slides/slide39.xml><?xml version="1.0" encoding="utf-8"?>
 <p:sld xmlns:a="http://schemas.openxmlformats.org/drawingml/2006/main" xmlns:r="http://schemas.openxmlformats.org/officeDocument/2006/relationships" xmlns:p="http://schemas.openxmlformats.org/presentationml/2006/main">
   <p:cSld>
     <p:spTree>
@@ -14695,8 +15591,8 @@
         </p:nvSpPr>
         <p:spPr>
           <a:xfrm>
-            <a:off x="1497166" y="114146"/>
-            <a:ext cx="6149667" cy="1320800"/>
+            <a:off x="1205783" y="0"/>
+            <a:ext cx="6732433" cy="1320800"/>
           </a:xfrm>
           <a:prstGeom prst="rect">
             <a:avLst/>
@@ -14727,7 +15623,7 @@
               <a:rPr lang="en-US" sz="4000" dirty="0">
                 <a:latin typeface="Rockwell" panose="02060603020205020403" pitchFamily="18" charset="0"/>
               </a:rPr>
-              <a:t>Text</a:t>
+              <a:t>Component Decomposition</a:t>
             </a:r>
           </a:p>
         </p:txBody>
@@ -14748,8 +15644,8 @@
         </p:nvSpPr>
         <p:spPr>
           <a:xfrm>
-            <a:off x="228600" y="1434946"/>
-            <a:ext cx="5135120" cy="4545011"/>
+            <a:off x="0" y="1156494"/>
+            <a:ext cx="4724400" cy="4939506"/>
           </a:xfrm>
           <a:prstGeom prst="rect">
             <a:avLst/>
@@ -14757,7 +15653,7 @@
         </p:spPr>
         <p:txBody>
           <a:bodyPr vert="horz" lIns="91440" tIns="45720" rIns="91440" bIns="45720" rtlCol="0">
-            <a:normAutofit/>
+            <a:normAutofit fontScale="85000" lnSpcReduction="20000"/>
           </a:bodyPr>
           <a:lstStyle>
             <a:lvl1pPr marL="342900" indent="-342900" algn="l" defTabSz="457200" rtl="0" eaLnBrk="1" latinLnBrk="0" hangingPunct="1">
@@ -14901,278 +15797,59 @@
               <a:rPr lang="en-US" sz="2800" dirty="0">
                 <a:latin typeface="Bookman Old Style" panose="02050604050505020204" pitchFamily="18" charset="0"/>
               </a:rPr>
-              <a:t>text</a:t>
+              <a:t>For finding connected components, the vertex numbers are copied and used to be component ids. The goal is to find the minimum id each vertex is connected to via some path through the graph.</a:t>
+            </a:r>
+          </a:p>
+          <a:p>
+            <a:r>
+              <a:rPr lang="en-US" sz="2800" dirty="0">
+                <a:latin typeface="Bookman Old Style" panose="02050604050505020204" pitchFamily="18" charset="0"/>
+              </a:rPr>
+              <a:t>This is done in parallel by handling vertices by warp, and their neighbors by thread. Each thread checks if the vertex has a neighbor with lower component id, and if it does, the vertex id is updated to that.</a:t>
             </a:r>
           </a:p>
         </p:txBody>
       </p:sp>
-    </p:spTree>
-    <p:extLst>
-      <p:ext uri="{BB962C8B-B14F-4D97-AF65-F5344CB8AC3E}">
-        <p14:creationId xmlns:p14="http://schemas.microsoft.com/office/powerpoint/2010/main" val="424774985"/>
-      </p:ext>
-    </p:extLst>
-  </p:cSld>
-  <p:clrMapOvr>
-    <a:masterClrMapping/>
-  </p:clrMapOvr>
-</p:sld>
-</file>
-
-<file path=ppt/slides/slide38.xml><?xml version="1.0" encoding="utf-8"?>
-<p:sld xmlns:a="http://schemas.openxmlformats.org/drawingml/2006/main" xmlns:r="http://schemas.openxmlformats.org/officeDocument/2006/relationships" xmlns:p="http://schemas.openxmlformats.org/presentationml/2006/main">
-  <p:cSld>
-    <p:spTree>
-      <p:nvGrpSpPr>
-        <p:cNvPr id="1" name="">
-          <a:extLst>
-            <a:ext uri="{FF2B5EF4-FFF2-40B4-BE49-F238E27FC236}">
-              <a16:creationId xmlns:a16="http://schemas.microsoft.com/office/drawing/2014/main" id="{4057EEEB-F055-5FB7-9173-9B2F5C19366D}"/>
-            </a:ext>
-          </a:extLst>
-        </p:cNvPr>
-        <p:cNvGrpSpPr/>
-        <p:nvPr/>
-      </p:nvGrpSpPr>
-      <p:grpSpPr>
-        <a:xfrm>
-          <a:off x="0" y="0"/>
-          <a:ext cx="0" cy="0"/>
-          <a:chOff x="0" y="0"/>
-          <a:chExt cx="0" cy="0"/>
-        </a:xfrm>
-      </p:grpSpPr>
-      <p:sp>
-        <p:nvSpPr>
-          <p:cNvPr id="4" name="Title 1">
+      <p:pic>
+        <p:nvPicPr>
+          <p:cNvPr id="3" name="Picture 2" descr="A diagram of a machine&#10;&#10;AI-generated content may be incorrect.">
             <a:extLst>
               <a:ext uri="{FF2B5EF4-FFF2-40B4-BE49-F238E27FC236}">
-                <a16:creationId xmlns:a16="http://schemas.microsoft.com/office/drawing/2014/main" id="{51A173DA-16DD-E319-F3A5-40C16D1C8A68}"/>
+                <a16:creationId xmlns:a16="http://schemas.microsoft.com/office/drawing/2014/main" id="{36491462-D331-3DA9-E8F7-85DACE7E069A}"/>
               </a:ext>
             </a:extLst>
           </p:cNvPr>
-          <p:cNvSpPr txBox="1">
-            <a:spLocks/>
-          </p:cNvSpPr>
+          <p:cNvPicPr>
+            <a:picLocks noChangeAspect="1"/>
+          </p:cNvPicPr>
           <p:nvPr/>
-        </p:nvSpPr>
+        </p:nvPicPr>
+        <p:blipFill>
+          <a:blip r:embed="rId2">
+            <a:extLst>
+              <a:ext uri="{28A0092B-C50C-407E-A947-70E740481C1C}">
+                <a14:useLocalDpi xmlns:a14="http://schemas.microsoft.com/office/drawing/2010/main" val="0"/>
+              </a:ext>
+            </a:extLst>
+          </a:blip>
+          <a:stretch>
+            <a:fillRect/>
+          </a:stretch>
+        </p:blipFill>
         <p:spPr>
           <a:xfrm>
-            <a:off x="1497166" y="114146"/>
-            <a:ext cx="6149667" cy="1320800"/>
+            <a:off x="4628408" y="1600200"/>
+            <a:ext cx="4515592" cy="2971800"/>
           </a:xfrm>
           <a:prstGeom prst="rect">
             <a:avLst/>
           </a:prstGeom>
         </p:spPr>
-        <p:txBody>
-          <a:bodyPr vert="horz" lIns="91440" tIns="45720" rIns="91440" bIns="45720" rtlCol="0" anchor="ctr">
-            <a:normAutofit/>
-          </a:bodyPr>
-          <a:lstStyle>
-            <a:lvl1pPr algn="ctr" defTabSz="457200" rtl="0" eaLnBrk="1" latinLnBrk="0" hangingPunct="1">
-              <a:spcBef>
-                <a:spcPct val="0"/>
-              </a:spcBef>
-              <a:buNone/>
-              <a:defRPr sz="4400" kern="1200">
-                <a:solidFill>
-                  <a:schemeClr val="tx1"/>
-                </a:solidFill>
-                <a:latin typeface="+mj-lt"/>
-                <a:ea typeface="+mj-ea"/>
-                <a:cs typeface="+mj-cs"/>
-              </a:defRPr>
-            </a:lvl1pPr>
-          </a:lstStyle>
-          <a:p>
-            <a:r>
-              <a:rPr lang="en-US" sz="4000" dirty="0">
-                <a:latin typeface="Rockwell" panose="02060603020205020403" pitchFamily="18" charset="0"/>
-              </a:rPr>
-              <a:t>Text</a:t>
-            </a:r>
-          </a:p>
-        </p:txBody>
-      </p:sp>
-      <p:sp>
-        <p:nvSpPr>
-          <p:cNvPr id="2" name="Content Placeholder 2">
-            <a:extLst>
-              <a:ext uri="{FF2B5EF4-FFF2-40B4-BE49-F238E27FC236}">
-                <a16:creationId xmlns:a16="http://schemas.microsoft.com/office/drawing/2014/main" id="{2E7FD52A-FADB-F050-A9D4-0387F30D5CE2}"/>
-              </a:ext>
-            </a:extLst>
-          </p:cNvPr>
-          <p:cNvSpPr txBox="1">
-            <a:spLocks/>
-          </p:cNvSpPr>
-          <p:nvPr/>
-        </p:nvSpPr>
-        <p:spPr>
-          <a:xfrm>
-            <a:off x="228600" y="1434946"/>
-            <a:ext cx="5135120" cy="4545011"/>
-          </a:xfrm>
-          <a:prstGeom prst="rect">
-            <a:avLst/>
-          </a:prstGeom>
-        </p:spPr>
-        <p:txBody>
-          <a:bodyPr vert="horz" lIns="91440" tIns="45720" rIns="91440" bIns="45720" rtlCol="0">
-            <a:normAutofit/>
-          </a:bodyPr>
-          <a:lstStyle>
-            <a:lvl1pPr marL="342900" indent="-342900" algn="l" defTabSz="457200" rtl="0" eaLnBrk="1" latinLnBrk="0" hangingPunct="1">
-              <a:spcBef>
-                <a:spcPct val="20000"/>
-              </a:spcBef>
-              <a:buFont typeface="Arial"/>
-              <a:buChar char="•"/>
-              <a:defRPr sz="3200" kern="1200">
-                <a:solidFill>
-                  <a:schemeClr val="tx1"/>
-                </a:solidFill>
-                <a:latin typeface="+mn-lt"/>
-                <a:ea typeface="+mn-ea"/>
-                <a:cs typeface="+mn-cs"/>
-              </a:defRPr>
-            </a:lvl1pPr>
-            <a:lvl2pPr marL="742950" indent="-285750" algn="l" defTabSz="457200" rtl="0" eaLnBrk="1" latinLnBrk="0" hangingPunct="1">
-              <a:spcBef>
-                <a:spcPct val="20000"/>
-              </a:spcBef>
-              <a:buFont typeface="Arial"/>
-              <a:buChar char="–"/>
-              <a:defRPr sz="2800" kern="1200">
-                <a:solidFill>
-                  <a:schemeClr val="tx1"/>
-                </a:solidFill>
-                <a:latin typeface="+mn-lt"/>
-                <a:ea typeface="+mn-ea"/>
-                <a:cs typeface="+mn-cs"/>
-              </a:defRPr>
-            </a:lvl2pPr>
-            <a:lvl3pPr marL="1143000" indent="-228600" algn="l" defTabSz="457200" rtl="0" eaLnBrk="1" latinLnBrk="0" hangingPunct="1">
-              <a:spcBef>
-                <a:spcPct val="20000"/>
-              </a:spcBef>
-              <a:buFont typeface="Arial"/>
-              <a:buChar char="•"/>
-              <a:defRPr sz="2400" kern="1200">
-                <a:solidFill>
-                  <a:schemeClr val="tx1"/>
-                </a:solidFill>
-                <a:latin typeface="+mn-lt"/>
-                <a:ea typeface="+mn-ea"/>
-                <a:cs typeface="+mn-cs"/>
-              </a:defRPr>
-            </a:lvl3pPr>
-            <a:lvl4pPr marL="1600200" indent="-228600" algn="l" defTabSz="457200" rtl="0" eaLnBrk="1" latinLnBrk="0" hangingPunct="1">
-              <a:spcBef>
-                <a:spcPct val="20000"/>
-              </a:spcBef>
-              <a:buFont typeface="Arial"/>
-              <a:buChar char="–"/>
-              <a:defRPr sz="2000" kern="1200">
-                <a:solidFill>
-                  <a:schemeClr val="tx1"/>
-                </a:solidFill>
-                <a:latin typeface="+mn-lt"/>
-                <a:ea typeface="+mn-ea"/>
-                <a:cs typeface="+mn-cs"/>
-              </a:defRPr>
-            </a:lvl4pPr>
-            <a:lvl5pPr marL="2057400" indent="-228600" algn="l" defTabSz="457200" rtl="0" eaLnBrk="1" latinLnBrk="0" hangingPunct="1">
-              <a:spcBef>
-                <a:spcPct val="20000"/>
-              </a:spcBef>
-              <a:buFont typeface="Arial"/>
-              <a:buChar char="»"/>
-              <a:defRPr sz="2000" kern="1200">
-                <a:solidFill>
-                  <a:schemeClr val="tx1"/>
-                </a:solidFill>
-                <a:latin typeface="+mn-lt"/>
-                <a:ea typeface="+mn-ea"/>
-                <a:cs typeface="+mn-cs"/>
-              </a:defRPr>
-            </a:lvl5pPr>
-            <a:lvl6pPr marL="2514600" indent="-228600" algn="l" defTabSz="457200" rtl="0" eaLnBrk="1" latinLnBrk="0" hangingPunct="1">
-              <a:spcBef>
-                <a:spcPct val="20000"/>
-              </a:spcBef>
-              <a:buFont typeface="Arial"/>
-              <a:buChar char="•"/>
-              <a:defRPr sz="2000" kern="1200">
-                <a:solidFill>
-                  <a:schemeClr val="tx1"/>
-                </a:solidFill>
-                <a:latin typeface="+mn-lt"/>
-                <a:ea typeface="+mn-ea"/>
-                <a:cs typeface="+mn-cs"/>
-              </a:defRPr>
-            </a:lvl6pPr>
-            <a:lvl7pPr marL="2971800" indent="-228600" algn="l" defTabSz="457200" rtl="0" eaLnBrk="1" latinLnBrk="0" hangingPunct="1">
-              <a:spcBef>
-                <a:spcPct val="20000"/>
-              </a:spcBef>
-              <a:buFont typeface="Arial"/>
-              <a:buChar char="•"/>
-              <a:defRPr sz="2000" kern="1200">
-                <a:solidFill>
-                  <a:schemeClr val="tx1"/>
-                </a:solidFill>
-                <a:latin typeface="+mn-lt"/>
-                <a:ea typeface="+mn-ea"/>
-                <a:cs typeface="+mn-cs"/>
-              </a:defRPr>
-            </a:lvl7pPr>
-            <a:lvl8pPr marL="3429000" indent="-228600" algn="l" defTabSz="457200" rtl="0" eaLnBrk="1" latinLnBrk="0" hangingPunct="1">
-              <a:spcBef>
-                <a:spcPct val="20000"/>
-              </a:spcBef>
-              <a:buFont typeface="Arial"/>
-              <a:buChar char="•"/>
-              <a:defRPr sz="2000" kern="1200">
-                <a:solidFill>
-                  <a:schemeClr val="tx1"/>
-                </a:solidFill>
-                <a:latin typeface="+mn-lt"/>
-                <a:ea typeface="+mn-ea"/>
-                <a:cs typeface="+mn-cs"/>
-              </a:defRPr>
-            </a:lvl8pPr>
-            <a:lvl9pPr marL="3886200" indent="-228600" algn="l" defTabSz="457200" rtl="0" eaLnBrk="1" latinLnBrk="0" hangingPunct="1">
-              <a:spcBef>
-                <a:spcPct val="20000"/>
-              </a:spcBef>
-              <a:buFont typeface="Arial"/>
-              <a:buChar char="•"/>
-              <a:defRPr sz="2000" kern="1200">
-                <a:solidFill>
-                  <a:schemeClr val="tx1"/>
-                </a:solidFill>
-                <a:latin typeface="+mn-lt"/>
-                <a:ea typeface="+mn-ea"/>
-                <a:cs typeface="+mn-cs"/>
-              </a:defRPr>
-            </a:lvl9pPr>
-          </a:lstStyle>
-          <a:p>
-            <a:r>
-              <a:rPr lang="en-US" sz="2800" dirty="0">
-                <a:latin typeface="Bookman Old Style" panose="02050604050505020204" pitchFamily="18" charset="0"/>
-              </a:rPr>
-              <a:t>text</a:t>
-            </a:r>
-          </a:p>
-        </p:txBody>
-      </p:sp>
+      </p:pic>
     </p:spTree>
     <p:extLst>
       <p:ext uri="{BB962C8B-B14F-4D97-AF65-F5344CB8AC3E}">
-        <p14:creationId xmlns:p14="http://schemas.microsoft.com/office/powerpoint/2010/main" val="1373028033"/>
+        <p14:creationId xmlns:p14="http://schemas.microsoft.com/office/powerpoint/2010/main" val="424774985"/>
       </p:ext>
     </p:extLst>
   </p:cSld>
@@ -15491,6 +16168,7703 @@
     <p:extLst>
       <p:ext uri="{BB962C8B-B14F-4D97-AF65-F5344CB8AC3E}">
         <p14:creationId xmlns:p14="http://schemas.microsoft.com/office/powerpoint/2010/main" val="1584950404"/>
+      </p:ext>
+    </p:extLst>
+  </p:cSld>
+  <p:clrMapOvr>
+    <a:masterClrMapping/>
+  </p:clrMapOvr>
+</p:sld>
+</file>
+
+<file path=ppt/slides/slide40.xml><?xml version="1.0" encoding="utf-8"?>
+<p:sld xmlns:a="http://schemas.openxmlformats.org/drawingml/2006/main" xmlns:r="http://schemas.openxmlformats.org/officeDocument/2006/relationships" xmlns:p="http://schemas.openxmlformats.org/presentationml/2006/main">
+  <p:cSld>
+    <p:spTree>
+      <p:nvGrpSpPr>
+        <p:cNvPr id="1" name="">
+          <a:extLst>
+            <a:ext uri="{FF2B5EF4-FFF2-40B4-BE49-F238E27FC236}">
+              <a16:creationId xmlns:a16="http://schemas.microsoft.com/office/drawing/2014/main" id="{4057EEEB-F055-5FB7-9173-9B2F5C19366D}"/>
+            </a:ext>
+          </a:extLst>
+        </p:cNvPr>
+        <p:cNvGrpSpPr/>
+        <p:nvPr/>
+      </p:nvGrpSpPr>
+      <p:grpSpPr>
+        <a:xfrm>
+          <a:off x="0" y="0"/>
+          <a:ext cx="0" cy="0"/>
+          <a:chOff x="0" y="0"/>
+          <a:chExt cx="0" cy="0"/>
+        </a:xfrm>
+      </p:grpSpPr>
+      <p:sp>
+        <p:nvSpPr>
+          <p:cNvPr id="4" name="Title 1">
+            <a:extLst>
+              <a:ext uri="{FF2B5EF4-FFF2-40B4-BE49-F238E27FC236}">
+                <a16:creationId xmlns:a16="http://schemas.microsoft.com/office/drawing/2014/main" id="{51A173DA-16DD-E319-F3A5-40C16D1C8A68}"/>
+              </a:ext>
+            </a:extLst>
+          </p:cNvPr>
+          <p:cNvSpPr txBox="1">
+            <a:spLocks/>
+          </p:cNvSpPr>
+          <p:nvPr/>
+        </p:nvSpPr>
+        <p:spPr>
+          <a:xfrm>
+            <a:off x="1497166" y="-76200"/>
+            <a:ext cx="6149667" cy="1320800"/>
+          </a:xfrm>
+          <a:prstGeom prst="rect">
+            <a:avLst/>
+          </a:prstGeom>
+        </p:spPr>
+        <p:txBody>
+          <a:bodyPr vert="horz" lIns="91440" tIns="45720" rIns="91440" bIns="45720" rtlCol="0" anchor="ctr">
+            <a:normAutofit/>
+          </a:bodyPr>
+          <a:lstStyle>
+            <a:lvl1pPr algn="ctr" defTabSz="457200" rtl="0" eaLnBrk="1" latinLnBrk="0" hangingPunct="1">
+              <a:spcBef>
+                <a:spcPct val="0"/>
+              </a:spcBef>
+              <a:buNone/>
+              <a:defRPr sz="4400" kern="1200">
+                <a:solidFill>
+                  <a:schemeClr val="tx1"/>
+                </a:solidFill>
+                <a:latin typeface="+mj-lt"/>
+                <a:ea typeface="+mj-ea"/>
+                <a:cs typeface="+mj-cs"/>
+              </a:defRPr>
+            </a:lvl1pPr>
+          </a:lstStyle>
+          <a:p>
+            <a:r>
+              <a:rPr lang="en-US" sz="4000" dirty="0">
+                <a:latin typeface="Rockwell" panose="02060603020205020403" pitchFamily="18" charset="0"/>
+              </a:rPr>
+              <a:t>Bound Generation</a:t>
+            </a:r>
+          </a:p>
+        </p:txBody>
+      </p:sp>
+      <p:sp>
+        <p:nvSpPr>
+          <p:cNvPr id="2" name="Content Placeholder 2">
+            <a:extLst>
+              <a:ext uri="{FF2B5EF4-FFF2-40B4-BE49-F238E27FC236}">
+                <a16:creationId xmlns:a16="http://schemas.microsoft.com/office/drawing/2014/main" id="{2E7FD52A-FADB-F050-A9D4-0387F30D5CE2}"/>
+              </a:ext>
+            </a:extLst>
+          </p:cNvPr>
+          <p:cNvSpPr txBox="1">
+            <a:spLocks/>
+          </p:cNvSpPr>
+          <p:nvPr/>
+        </p:nvSpPr>
+        <p:spPr>
+          <a:xfrm>
+            <a:off x="0" y="1066800"/>
+            <a:ext cx="9144000" cy="3122411"/>
+          </a:xfrm>
+          <a:prstGeom prst="rect">
+            <a:avLst/>
+          </a:prstGeom>
+        </p:spPr>
+        <p:txBody>
+          <a:bodyPr vert="horz" lIns="91440" tIns="45720" rIns="91440" bIns="45720" rtlCol="0">
+            <a:normAutofit fontScale="85000" lnSpcReduction="20000"/>
+          </a:bodyPr>
+          <a:lstStyle>
+            <a:lvl1pPr marL="342900" indent="-342900" algn="l" defTabSz="457200" rtl="0" eaLnBrk="1" latinLnBrk="0" hangingPunct="1">
+              <a:spcBef>
+                <a:spcPct val="20000"/>
+              </a:spcBef>
+              <a:buFont typeface="Arial"/>
+              <a:buChar char="•"/>
+              <a:defRPr sz="3200" kern="1200">
+                <a:solidFill>
+                  <a:schemeClr val="tx1"/>
+                </a:solidFill>
+                <a:latin typeface="+mn-lt"/>
+                <a:ea typeface="+mn-ea"/>
+                <a:cs typeface="+mn-cs"/>
+              </a:defRPr>
+            </a:lvl1pPr>
+            <a:lvl2pPr marL="742950" indent="-285750" algn="l" defTabSz="457200" rtl="0" eaLnBrk="1" latinLnBrk="0" hangingPunct="1">
+              <a:spcBef>
+                <a:spcPct val="20000"/>
+              </a:spcBef>
+              <a:buFont typeface="Arial"/>
+              <a:buChar char="–"/>
+              <a:defRPr sz="2800" kern="1200">
+                <a:solidFill>
+                  <a:schemeClr val="tx1"/>
+                </a:solidFill>
+                <a:latin typeface="+mn-lt"/>
+                <a:ea typeface="+mn-ea"/>
+                <a:cs typeface="+mn-cs"/>
+              </a:defRPr>
+            </a:lvl2pPr>
+            <a:lvl3pPr marL="1143000" indent="-228600" algn="l" defTabSz="457200" rtl="0" eaLnBrk="1" latinLnBrk="0" hangingPunct="1">
+              <a:spcBef>
+                <a:spcPct val="20000"/>
+              </a:spcBef>
+              <a:buFont typeface="Arial"/>
+              <a:buChar char="•"/>
+              <a:defRPr sz="2400" kern="1200">
+                <a:solidFill>
+                  <a:schemeClr val="tx1"/>
+                </a:solidFill>
+                <a:latin typeface="+mn-lt"/>
+                <a:ea typeface="+mn-ea"/>
+                <a:cs typeface="+mn-cs"/>
+              </a:defRPr>
+            </a:lvl3pPr>
+            <a:lvl4pPr marL="1600200" indent="-228600" algn="l" defTabSz="457200" rtl="0" eaLnBrk="1" latinLnBrk="0" hangingPunct="1">
+              <a:spcBef>
+                <a:spcPct val="20000"/>
+              </a:spcBef>
+              <a:buFont typeface="Arial"/>
+              <a:buChar char="–"/>
+              <a:defRPr sz="2000" kern="1200">
+                <a:solidFill>
+                  <a:schemeClr val="tx1"/>
+                </a:solidFill>
+                <a:latin typeface="+mn-lt"/>
+                <a:ea typeface="+mn-ea"/>
+                <a:cs typeface="+mn-cs"/>
+              </a:defRPr>
+            </a:lvl4pPr>
+            <a:lvl5pPr marL="2057400" indent="-228600" algn="l" defTabSz="457200" rtl="0" eaLnBrk="1" latinLnBrk="0" hangingPunct="1">
+              <a:spcBef>
+                <a:spcPct val="20000"/>
+              </a:spcBef>
+              <a:buFont typeface="Arial"/>
+              <a:buChar char="»"/>
+              <a:defRPr sz="2000" kern="1200">
+                <a:solidFill>
+                  <a:schemeClr val="tx1"/>
+                </a:solidFill>
+                <a:latin typeface="+mn-lt"/>
+                <a:ea typeface="+mn-ea"/>
+                <a:cs typeface="+mn-cs"/>
+              </a:defRPr>
+            </a:lvl5pPr>
+            <a:lvl6pPr marL="2514600" indent="-228600" algn="l" defTabSz="457200" rtl="0" eaLnBrk="1" latinLnBrk="0" hangingPunct="1">
+              <a:spcBef>
+                <a:spcPct val="20000"/>
+              </a:spcBef>
+              <a:buFont typeface="Arial"/>
+              <a:buChar char="•"/>
+              <a:defRPr sz="2000" kern="1200">
+                <a:solidFill>
+                  <a:schemeClr val="tx1"/>
+                </a:solidFill>
+                <a:latin typeface="+mn-lt"/>
+                <a:ea typeface="+mn-ea"/>
+                <a:cs typeface="+mn-cs"/>
+              </a:defRPr>
+            </a:lvl6pPr>
+            <a:lvl7pPr marL="2971800" indent="-228600" algn="l" defTabSz="457200" rtl="0" eaLnBrk="1" latinLnBrk="0" hangingPunct="1">
+              <a:spcBef>
+                <a:spcPct val="20000"/>
+              </a:spcBef>
+              <a:buFont typeface="Arial"/>
+              <a:buChar char="•"/>
+              <a:defRPr sz="2000" kern="1200">
+                <a:solidFill>
+                  <a:schemeClr val="tx1"/>
+                </a:solidFill>
+                <a:latin typeface="+mn-lt"/>
+                <a:ea typeface="+mn-ea"/>
+                <a:cs typeface="+mn-cs"/>
+              </a:defRPr>
+            </a:lvl7pPr>
+            <a:lvl8pPr marL="3429000" indent="-228600" algn="l" defTabSz="457200" rtl="0" eaLnBrk="1" latinLnBrk="0" hangingPunct="1">
+              <a:spcBef>
+                <a:spcPct val="20000"/>
+              </a:spcBef>
+              <a:buFont typeface="Arial"/>
+              <a:buChar char="•"/>
+              <a:defRPr sz="2000" kern="1200">
+                <a:solidFill>
+                  <a:schemeClr val="tx1"/>
+                </a:solidFill>
+                <a:latin typeface="+mn-lt"/>
+                <a:ea typeface="+mn-ea"/>
+                <a:cs typeface="+mn-cs"/>
+              </a:defRPr>
+            </a:lvl8pPr>
+            <a:lvl9pPr marL="3886200" indent="-228600" algn="l" defTabSz="457200" rtl="0" eaLnBrk="1" latinLnBrk="0" hangingPunct="1">
+              <a:spcBef>
+                <a:spcPct val="20000"/>
+              </a:spcBef>
+              <a:buFont typeface="Arial"/>
+              <a:buChar char="•"/>
+              <a:defRPr sz="2000" kern="1200">
+                <a:solidFill>
+                  <a:schemeClr val="tx1"/>
+                </a:solidFill>
+                <a:latin typeface="+mn-lt"/>
+                <a:ea typeface="+mn-ea"/>
+                <a:cs typeface="+mn-cs"/>
+              </a:defRPr>
+            </a:lvl9pPr>
+          </a:lstStyle>
+          <a:p>
+            <a:r>
+              <a:rPr lang="en-US" sz="2800" dirty="0">
+                <a:latin typeface="Bookman Old Style" panose="02050604050505020204" pitchFamily="18" charset="0"/>
+              </a:rPr>
+              <a:t>While Goldberg’s exact algorithm wasn’t fully parallelized, two big parts of it were.</a:t>
+            </a:r>
+          </a:p>
+          <a:p>
+            <a:r>
+              <a:rPr lang="en-US" sz="2800" dirty="0">
+                <a:latin typeface="Bookman Old Style" panose="02050604050505020204" pitchFamily="18" charset="0"/>
+              </a:rPr>
+              <a:t>First is generation of the upper and lower bounds. This will be different for each component, and the data will be stored in an array.</a:t>
+            </a:r>
+          </a:p>
+          <a:p>
+            <a:r>
+              <a:rPr lang="en-US" sz="2800" dirty="0">
+                <a:latin typeface="Bookman Old Style" panose="02050604050505020204" pitchFamily="18" charset="0"/>
+              </a:rPr>
+              <a:t>Each component is handled by a separate thread. The lower bound is set as the component’s density. The upper bound is set as whatever is lower between the densest k-core level and the optimal density of that component.</a:t>
+            </a:r>
+          </a:p>
+        </p:txBody>
+      </p:sp>
+      <p:pic>
+        <p:nvPicPr>
+          <p:cNvPr id="3" name="Picture 2" descr="A diagram of a line with letters and numbers&#10;&#10;AI-generated content may be incorrect.">
+            <a:extLst>
+              <a:ext uri="{FF2B5EF4-FFF2-40B4-BE49-F238E27FC236}">
+                <a16:creationId xmlns:a16="http://schemas.microsoft.com/office/drawing/2014/main" id="{EC1A47D5-0335-893B-BC71-C10067FBE69D}"/>
+              </a:ext>
+            </a:extLst>
+          </p:cNvPr>
+          <p:cNvPicPr>
+            <a:picLocks noChangeAspect="1"/>
+          </p:cNvPicPr>
+          <p:nvPr/>
+        </p:nvPicPr>
+        <p:blipFill>
+          <a:blip r:embed="rId2">
+            <a:extLst>
+              <a:ext uri="{28A0092B-C50C-407E-A947-70E740481C1C}">
+                <a14:useLocalDpi xmlns:a14="http://schemas.microsoft.com/office/drawing/2010/main" val="0"/>
+              </a:ext>
+            </a:extLst>
+          </a:blip>
+          <a:stretch>
+            <a:fillRect/>
+          </a:stretch>
+        </p:blipFill>
+        <p:spPr>
+          <a:xfrm>
+            <a:off x="228600" y="3962400"/>
+            <a:ext cx="5137178" cy="1752600"/>
+          </a:xfrm>
+          <a:prstGeom prst="rect">
+            <a:avLst/>
+          </a:prstGeom>
+        </p:spPr>
+      </p:pic>
+    </p:spTree>
+    <p:extLst>
+      <p:ext uri="{BB962C8B-B14F-4D97-AF65-F5344CB8AC3E}">
+        <p14:creationId xmlns:p14="http://schemas.microsoft.com/office/powerpoint/2010/main" val="1373028033"/>
+      </p:ext>
+    </p:extLst>
+  </p:cSld>
+  <p:clrMapOvr>
+    <a:masterClrMapping/>
+  </p:clrMapOvr>
+</p:sld>
+</file>
+
+<file path=ppt/slides/slide41.xml><?xml version="1.0" encoding="utf-8"?>
+<p:sld xmlns:a="http://schemas.openxmlformats.org/drawingml/2006/main" xmlns:r="http://schemas.openxmlformats.org/officeDocument/2006/relationships" xmlns:p="http://schemas.openxmlformats.org/presentationml/2006/main">
+  <p:cSld>
+    <p:spTree>
+      <p:nvGrpSpPr>
+        <p:cNvPr id="1" name="">
+          <a:extLst>
+            <a:ext uri="{FF2B5EF4-FFF2-40B4-BE49-F238E27FC236}">
+              <a16:creationId xmlns:a16="http://schemas.microsoft.com/office/drawing/2014/main" id="{C37B0AC7-BF59-3AE8-F9C1-8E33B1861D3A}"/>
+            </a:ext>
+          </a:extLst>
+        </p:cNvPr>
+        <p:cNvGrpSpPr/>
+        <p:nvPr/>
+      </p:nvGrpSpPr>
+      <p:grpSpPr>
+        <a:xfrm>
+          <a:off x="0" y="0"/>
+          <a:ext cx="0" cy="0"/>
+          <a:chOff x="0" y="0"/>
+          <a:chExt cx="0" cy="0"/>
+        </a:xfrm>
+      </p:grpSpPr>
+      <p:sp>
+        <p:nvSpPr>
+          <p:cNvPr id="4" name="Title 1">
+            <a:extLst>
+              <a:ext uri="{FF2B5EF4-FFF2-40B4-BE49-F238E27FC236}">
+                <a16:creationId xmlns:a16="http://schemas.microsoft.com/office/drawing/2014/main" id="{3D8C532C-3941-5886-B505-E0DF216B6249}"/>
+              </a:ext>
+            </a:extLst>
+          </p:cNvPr>
+          <p:cNvSpPr txBox="1">
+            <a:spLocks/>
+          </p:cNvSpPr>
+          <p:nvPr/>
+        </p:nvSpPr>
+        <p:spPr>
+          <a:xfrm>
+            <a:off x="1497166" y="-152400"/>
+            <a:ext cx="6149667" cy="1320800"/>
+          </a:xfrm>
+          <a:prstGeom prst="rect">
+            <a:avLst/>
+          </a:prstGeom>
+        </p:spPr>
+        <p:txBody>
+          <a:bodyPr vert="horz" lIns="91440" tIns="45720" rIns="91440" bIns="45720" rtlCol="0" anchor="ctr">
+            <a:normAutofit/>
+          </a:bodyPr>
+          <a:lstStyle>
+            <a:lvl1pPr algn="ctr" defTabSz="457200" rtl="0" eaLnBrk="1" latinLnBrk="0" hangingPunct="1">
+              <a:spcBef>
+                <a:spcPct val="0"/>
+              </a:spcBef>
+              <a:buNone/>
+              <a:defRPr sz="4400" kern="1200">
+                <a:solidFill>
+                  <a:schemeClr val="tx1"/>
+                </a:solidFill>
+                <a:latin typeface="+mj-lt"/>
+                <a:ea typeface="+mj-ea"/>
+                <a:cs typeface="+mj-cs"/>
+              </a:defRPr>
+            </a:lvl1pPr>
+          </a:lstStyle>
+          <a:p>
+            <a:r>
+              <a:rPr lang="en-US" sz="4000" dirty="0">
+                <a:latin typeface="Rockwell" panose="02060603020205020403" pitchFamily="18" charset="0"/>
+              </a:rPr>
+              <a:t>Flow Network Creation</a:t>
+            </a:r>
+          </a:p>
+        </p:txBody>
+      </p:sp>
+      <p:sp>
+        <p:nvSpPr>
+          <p:cNvPr id="2" name="Content Placeholder 2">
+            <a:extLst>
+              <a:ext uri="{FF2B5EF4-FFF2-40B4-BE49-F238E27FC236}">
+                <a16:creationId xmlns:a16="http://schemas.microsoft.com/office/drawing/2014/main" id="{D216BB2E-01D8-8F9F-FAB5-FF02A41BA5EF}"/>
+              </a:ext>
+            </a:extLst>
+          </p:cNvPr>
+          <p:cNvSpPr txBox="1">
+            <a:spLocks/>
+          </p:cNvSpPr>
+          <p:nvPr/>
+        </p:nvSpPr>
+        <p:spPr>
+          <a:xfrm>
+            <a:off x="0" y="914400"/>
+            <a:ext cx="4521200" cy="5029200"/>
+          </a:xfrm>
+          <a:prstGeom prst="rect">
+            <a:avLst/>
+          </a:prstGeom>
+        </p:spPr>
+        <p:txBody>
+          <a:bodyPr vert="horz" lIns="91440" tIns="45720" rIns="91440" bIns="45720" rtlCol="0">
+            <a:normAutofit fontScale="70000" lnSpcReduction="20000"/>
+          </a:bodyPr>
+          <a:lstStyle>
+            <a:lvl1pPr marL="342900" indent="-342900" algn="l" defTabSz="457200" rtl="0" eaLnBrk="1" latinLnBrk="0" hangingPunct="1">
+              <a:spcBef>
+                <a:spcPct val="20000"/>
+              </a:spcBef>
+              <a:buFont typeface="Arial"/>
+              <a:buChar char="•"/>
+              <a:defRPr sz="3200" kern="1200">
+                <a:solidFill>
+                  <a:schemeClr val="tx1"/>
+                </a:solidFill>
+                <a:latin typeface="+mn-lt"/>
+                <a:ea typeface="+mn-ea"/>
+                <a:cs typeface="+mn-cs"/>
+              </a:defRPr>
+            </a:lvl1pPr>
+            <a:lvl2pPr marL="742950" indent="-285750" algn="l" defTabSz="457200" rtl="0" eaLnBrk="1" latinLnBrk="0" hangingPunct="1">
+              <a:spcBef>
+                <a:spcPct val="20000"/>
+              </a:spcBef>
+              <a:buFont typeface="Arial"/>
+              <a:buChar char="–"/>
+              <a:defRPr sz="2800" kern="1200">
+                <a:solidFill>
+                  <a:schemeClr val="tx1"/>
+                </a:solidFill>
+                <a:latin typeface="+mn-lt"/>
+                <a:ea typeface="+mn-ea"/>
+                <a:cs typeface="+mn-cs"/>
+              </a:defRPr>
+            </a:lvl2pPr>
+            <a:lvl3pPr marL="1143000" indent="-228600" algn="l" defTabSz="457200" rtl="0" eaLnBrk="1" latinLnBrk="0" hangingPunct="1">
+              <a:spcBef>
+                <a:spcPct val="20000"/>
+              </a:spcBef>
+              <a:buFont typeface="Arial"/>
+              <a:buChar char="•"/>
+              <a:defRPr sz="2400" kern="1200">
+                <a:solidFill>
+                  <a:schemeClr val="tx1"/>
+                </a:solidFill>
+                <a:latin typeface="+mn-lt"/>
+                <a:ea typeface="+mn-ea"/>
+                <a:cs typeface="+mn-cs"/>
+              </a:defRPr>
+            </a:lvl3pPr>
+            <a:lvl4pPr marL="1600200" indent="-228600" algn="l" defTabSz="457200" rtl="0" eaLnBrk="1" latinLnBrk="0" hangingPunct="1">
+              <a:spcBef>
+                <a:spcPct val="20000"/>
+              </a:spcBef>
+              <a:buFont typeface="Arial"/>
+              <a:buChar char="–"/>
+              <a:defRPr sz="2000" kern="1200">
+                <a:solidFill>
+                  <a:schemeClr val="tx1"/>
+                </a:solidFill>
+                <a:latin typeface="+mn-lt"/>
+                <a:ea typeface="+mn-ea"/>
+                <a:cs typeface="+mn-cs"/>
+              </a:defRPr>
+            </a:lvl4pPr>
+            <a:lvl5pPr marL="2057400" indent="-228600" algn="l" defTabSz="457200" rtl="0" eaLnBrk="1" latinLnBrk="0" hangingPunct="1">
+              <a:spcBef>
+                <a:spcPct val="20000"/>
+              </a:spcBef>
+              <a:buFont typeface="Arial"/>
+              <a:buChar char="»"/>
+              <a:defRPr sz="2000" kern="1200">
+                <a:solidFill>
+                  <a:schemeClr val="tx1"/>
+                </a:solidFill>
+                <a:latin typeface="+mn-lt"/>
+                <a:ea typeface="+mn-ea"/>
+                <a:cs typeface="+mn-cs"/>
+              </a:defRPr>
+            </a:lvl5pPr>
+            <a:lvl6pPr marL="2514600" indent="-228600" algn="l" defTabSz="457200" rtl="0" eaLnBrk="1" latinLnBrk="0" hangingPunct="1">
+              <a:spcBef>
+                <a:spcPct val="20000"/>
+              </a:spcBef>
+              <a:buFont typeface="Arial"/>
+              <a:buChar char="•"/>
+              <a:defRPr sz="2000" kern="1200">
+                <a:solidFill>
+                  <a:schemeClr val="tx1"/>
+                </a:solidFill>
+                <a:latin typeface="+mn-lt"/>
+                <a:ea typeface="+mn-ea"/>
+                <a:cs typeface="+mn-cs"/>
+              </a:defRPr>
+            </a:lvl6pPr>
+            <a:lvl7pPr marL="2971800" indent="-228600" algn="l" defTabSz="457200" rtl="0" eaLnBrk="1" latinLnBrk="0" hangingPunct="1">
+              <a:spcBef>
+                <a:spcPct val="20000"/>
+              </a:spcBef>
+              <a:buFont typeface="Arial"/>
+              <a:buChar char="•"/>
+              <a:defRPr sz="2000" kern="1200">
+                <a:solidFill>
+                  <a:schemeClr val="tx1"/>
+                </a:solidFill>
+                <a:latin typeface="+mn-lt"/>
+                <a:ea typeface="+mn-ea"/>
+                <a:cs typeface="+mn-cs"/>
+              </a:defRPr>
+            </a:lvl7pPr>
+            <a:lvl8pPr marL="3429000" indent="-228600" algn="l" defTabSz="457200" rtl="0" eaLnBrk="1" latinLnBrk="0" hangingPunct="1">
+              <a:spcBef>
+                <a:spcPct val="20000"/>
+              </a:spcBef>
+              <a:buFont typeface="Arial"/>
+              <a:buChar char="•"/>
+              <a:defRPr sz="2000" kern="1200">
+                <a:solidFill>
+                  <a:schemeClr val="tx1"/>
+                </a:solidFill>
+                <a:latin typeface="+mn-lt"/>
+                <a:ea typeface="+mn-ea"/>
+                <a:cs typeface="+mn-cs"/>
+              </a:defRPr>
+            </a:lvl8pPr>
+            <a:lvl9pPr marL="3886200" indent="-228600" algn="l" defTabSz="457200" rtl="0" eaLnBrk="1" latinLnBrk="0" hangingPunct="1">
+              <a:spcBef>
+                <a:spcPct val="20000"/>
+              </a:spcBef>
+              <a:buFont typeface="Arial"/>
+              <a:buChar char="•"/>
+              <a:defRPr sz="2000" kern="1200">
+                <a:solidFill>
+                  <a:schemeClr val="tx1"/>
+                </a:solidFill>
+                <a:latin typeface="+mn-lt"/>
+                <a:ea typeface="+mn-ea"/>
+                <a:cs typeface="+mn-cs"/>
+              </a:defRPr>
+            </a:lvl9pPr>
+          </a:lstStyle>
+          <a:p>
+            <a:r>
+              <a:rPr lang="en-US" sz="2800" dirty="0">
+                <a:latin typeface="Bookman Old Style" panose="02050604050505020204" pitchFamily="18" charset="0"/>
+              </a:rPr>
+              <a:t>The final part parallelized is creation of the flow networks for Goldberg’s algorithm.</a:t>
+            </a:r>
+          </a:p>
+          <a:p>
+            <a:r>
+              <a:rPr lang="en-US" sz="2800" dirty="0">
+                <a:latin typeface="Bookman Old Style" panose="02050604050505020204" pitchFamily="18" charset="0"/>
+              </a:rPr>
+              <a:t>The components are handled by warp and its vertices are handled by thread.</a:t>
+            </a:r>
+          </a:p>
+          <a:p>
+            <a:r>
+              <a:rPr lang="en-US" sz="2800" dirty="0">
+                <a:latin typeface="Bookman Old Style" panose="02050604050505020204" pitchFamily="18" charset="0"/>
+              </a:rPr>
+              <a:t>The flow network is stored as two linked arrays, one that stores the edges and one that stores the capacities of those edges.</a:t>
+            </a:r>
+          </a:p>
+          <a:p>
+            <a:r>
+              <a:rPr lang="en-US" sz="2800" dirty="0">
+                <a:latin typeface="Bookman Old Style" panose="02050604050505020204" pitchFamily="18" charset="0"/>
+              </a:rPr>
+              <a:t>For each thread, an edge from the source to the vertex is created and given capacity equal to the vertex’s degree, and an edge from each vertex to the sink is created with capacity equal to α times clique size.</a:t>
+            </a:r>
+          </a:p>
+        </p:txBody>
+      </p:sp>
+      <p:pic>
+        <p:nvPicPr>
+          <p:cNvPr id="3" name="Picture 2" descr="A diagram of a diagram&#10;&#10;AI-generated content may be incorrect.">
+            <a:extLst>
+              <a:ext uri="{FF2B5EF4-FFF2-40B4-BE49-F238E27FC236}">
+                <a16:creationId xmlns:a16="http://schemas.microsoft.com/office/drawing/2014/main" id="{21BDA1A1-31A2-DE63-0E73-5578FE2BA825}"/>
+              </a:ext>
+            </a:extLst>
+          </p:cNvPr>
+          <p:cNvPicPr>
+            <a:picLocks noChangeAspect="1"/>
+          </p:cNvPicPr>
+          <p:nvPr/>
+        </p:nvPicPr>
+        <p:blipFill>
+          <a:blip r:embed="rId2">
+            <a:extLst>
+              <a:ext uri="{28A0092B-C50C-407E-A947-70E740481C1C}">
+                <a14:useLocalDpi xmlns:a14="http://schemas.microsoft.com/office/drawing/2010/main" val="0"/>
+              </a:ext>
+            </a:extLst>
+          </a:blip>
+          <a:stretch>
+            <a:fillRect/>
+          </a:stretch>
+        </p:blipFill>
+        <p:spPr>
+          <a:xfrm>
+            <a:off x="4474755" y="1973140"/>
+            <a:ext cx="4669245" cy="2911720"/>
+          </a:xfrm>
+          <a:prstGeom prst="rect">
+            <a:avLst/>
+          </a:prstGeom>
+        </p:spPr>
+      </p:pic>
+    </p:spTree>
+    <p:extLst>
+      <p:ext uri="{BB962C8B-B14F-4D97-AF65-F5344CB8AC3E}">
+        <p14:creationId xmlns:p14="http://schemas.microsoft.com/office/powerpoint/2010/main" val="2366633515"/>
+      </p:ext>
+    </p:extLst>
+  </p:cSld>
+  <p:clrMapOvr>
+    <a:masterClrMapping/>
+  </p:clrMapOvr>
+</p:sld>
+</file>
+
+<file path=ppt/slides/slide42.xml><?xml version="1.0" encoding="utf-8"?>
+<p:sld xmlns:a="http://schemas.openxmlformats.org/drawingml/2006/main" xmlns:r="http://schemas.openxmlformats.org/officeDocument/2006/relationships" xmlns:p="http://schemas.openxmlformats.org/presentationml/2006/main">
+  <p:cSld>
+    <p:spTree>
+      <p:nvGrpSpPr>
+        <p:cNvPr id="1" name="">
+          <a:extLst>
+            <a:ext uri="{FF2B5EF4-FFF2-40B4-BE49-F238E27FC236}">
+              <a16:creationId xmlns:a16="http://schemas.microsoft.com/office/drawing/2014/main" id="{676141C3-91D0-7D72-06F4-DA82DF451F3B}"/>
+            </a:ext>
+          </a:extLst>
+        </p:cNvPr>
+        <p:cNvGrpSpPr/>
+        <p:nvPr/>
+      </p:nvGrpSpPr>
+      <p:grpSpPr>
+        <a:xfrm>
+          <a:off x="0" y="0"/>
+          <a:ext cx="0" cy="0"/>
+          <a:chOff x="0" y="0"/>
+          <a:chExt cx="0" cy="0"/>
+        </a:xfrm>
+      </p:grpSpPr>
+      <p:sp>
+        <p:nvSpPr>
+          <p:cNvPr id="4" name="Title 1">
+            <a:extLst>
+              <a:ext uri="{FF2B5EF4-FFF2-40B4-BE49-F238E27FC236}">
+                <a16:creationId xmlns:a16="http://schemas.microsoft.com/office/drawing/2014/main" id="{5E176F97-3819-3A0D-705A-B4004523EB3C}"/>
+              </a:ext>
+            </a:extLst>
+          </p:cNvPr>
+          <p:cNvSpPr txBox="1">
+            <a:spLocks/>
+          </p:cNvSpPr>
+          <p:nvPr/>
+        </p:nvSpPr>
+        <p:spPr>
+          <a:xfrm>
+            <a:off x="1497166" y="114146"/>
+            <a:ext cx="6149667" cy="1320800"/>
+          </a:xfrm>
+          <a:prstGeom prst="rect">
+            <a:avLst/>
+          </a:prstGeom>
+        </p:spPr>
+        <p:txBody>
+          <a:bodyPr vert="horz" lIns="91440" tIns="45720" rIns="91440" bIns="45720" rtlCol="0" anchor="ctr">
+            <a:normAutofit/>
+          </a:bodyPr>
+          <a:lstStyle>
+            <a:lvl1pPr algn="ctr" defTabSz="457200" rtl="0" eaLnBrk="1" latinLnBrk="0" hangingPunct="1">
+              <a:spcBef>
+                <a:spcPct val="0"/>
+              </a:spcBef>
+              <a:buNone/>
+              <a:defRPr sz="4400" kern="1200">
+                <a:solidFill>
+                  <a:schemeClr val="tx1"/>
+                </a:solidFill>
+                <a:latin typeface="+mj-lt"/>
+                <a:ea typeface="+mj-ea"/>
+                <a:cs typeface="+mj-cs"/>
+              </a:defRPr>
+            </a:lvl1pPr>
+          </a:lstStyle>
+          <a:p>
+            <a:r>
+              <a:rPr lang="en-US" sz="4000" dirty="0">
+                <a:latin typeface="Rockwell" panose="02060603020205020403" pitchFamily="18" charset="0"/>
+              </a:rPr>
+              <a:t>Parallelization Summary</a:t>
+            </a:r>
+          </a:p>
+        </p:txBody>
+      </p:sp>
+      <p:sp>
+        <p:nvSpPr>
+          <p:cNvPr id="2" name="Content Placeholder 2">
+            <a:extLst>
+              <a:ext uri="{FF2B5EF4-FFF2-40B4-BE49-F238E27FC236}">
+                <a16:creationId xmlns:a16="http://schemas.microsoft.com/office/drawing/2014/main" id="{820384E2-6C89-5992-DC6E-939F1F858385}"/>
+              </a:ext>
+            </a:extLst>
+          </p:cNvPr>
+          <p:cNvSpPr txBox="1">
+            <a:spLocks/>
+          </p:cNvSpPr>
+          <p:nvPr/>
+        </p:nvSpPr>
+        <p:spPr>
+          <a:xfrm>
+            <a:off x="228600" y="1434946"/>
+            <a:ext cx="8686800" cy="4545011"/>
+          </a:xfrm>
+          <a:prstGeom prst="rect">
+            <a:avLst/>
+          </a:prstGeom>
+        </p:spPr>
+        <p:txBody>
+          <a:bodyPr vert="horz" lIns="91440" tIns="45720" rIns="91440" bIns="45720" rtlCol="0">
+            <a:normAutofit/>
+          </a:bodyPr>
+          <a:lstStyle>
+            <a:lvl1pPr marL="342900" indent="-342900" algn="l" defTabSz="457200" rtl="0" eaLnBrk="1" latinLnBrk="0" hangingPunct="1">
+              <a:spcBef>
+                <a:spcPct val="20000"/>
+              </a:spcBef>
+              <a:buFont typeface="Arial"/>
+              <a:buChar char="•"/>
+              <a:defRPr sz="3200" kern="1200">
+                <a:solidFill>
+                  <a:schemeClr val="tx1"/>
+                </a:solidFill>
+                <a:latin typeface="+mn-lt"/>
+                <a:ea typeface="+mn-ea"/>
+                <a:cs typeface="+mn-cs"/>
+              </a:defRPr>
+            </a:lvl1pPr>
+            <a:lvl2pPr marL="742950" indent="-285750" algn="l" defTabSz="457200" rtl="0" eaLnBrk="1" latinLnBrk="0" hangingPunct="1">
+              <a:spcBef>
+                <a:spcPct val="20000"/>
+              </a:spcBef>
+              <a:buFont typeface="Arial"/>
+              <a:buChar char="–"/>
+              <a:defRPr sz="2800" kern="1200">
+                <a:solidFill>
+                  <a:schemeClr val="tx1"/>
+                </a:solidFill>
+                <a:latin typeface="+mn-lt"/>
+                <a:ea typeface="+mn-ea"/>
+                <a:cs typeface="+mn-cs"/>
+              </a:defRPr>
+            </a:lvl2pPr>
+            <a:lvl3pPr marL="1143000" indent="-228600" algn="l" defTabSz="457200" rtl="0" eaLnBrk="1" latinLnBrk="0" hangingPunct="1">
+              <a:spcBef>
+                <a:spcPct val="20000"/>
+              </a:spcBef>
+              <a:buFont typeface="Arial"/>
+              <a:buChar char="•"/>
+              <a:defRPr sz="2400" kern="1200">
+                <a:solidFill>
+                  <a:schemeClr val="tx1"/>
+                </a:solidFill>
+                <a:latin typeface="+mn-lt"/>
+                <a:ea typeface="+mn-ea"/>
+                <a:cs typeface="+mn-cs"/>
+              </a:defRPr>
+            </a:lvl3pPr>
+            <a:lvl4pPr marL="1600200" indent="-228600" algn="l" defTabSz="457200" rtl="0" eaLnBrk="1" latinLnBrk="0" hangingPunct="1">
+              <a:spcBef>
+                <a:spcPct val="20000"/>
+              </a:spcBef>
+              <a:buFont typeface="Arial"/>
+              <a:buChar char="–"/>
+              <a:defRPr sz="2000" kern="1200">
+                <a:solidFill>
+                  <a:schemeClr val="tx1"/>
+                </a:solidFill>
+                <a:latin typeface="+mn-lt"/>
+                <a:ea typeface="+mn-ea"/>
+                <a:cs typeface="+mn-cs"/>
+              </a:defRPr>
+            </a:lvl4pPr>
+            <a:lvl5pPr marL="2057400" indent="-228600" algn="l" defTabSz="457200" rtl="0" eaLnBrk="1" latinLnBrk="0" hangingPunct="1">
+              <a:spcBef>
+                <a:spcPct val="20000"/>
+              </a:spcBef>
+              <a:buFont typeface="Arial"/>
+              <a:buChar char="»"/>
+              <a:defRPr sz="2000" kern="1200">
+                <a:solidFill>
+                  <a:schemeClr val="tx1"/>
+                </a:solidFill>
+                <a:latin typeface="+mn-lt"/>
+                <a:ea typeface="+mn-ea"/>
+                <a:cs typeface="+mn-cs"/>
+              </a:defRPr>
+            </a:lvl5pPr>
+            <a:lvl6pPr marL="2514600" indent="-228600" algn="l" defTabSz="457200" rtl="0" eaLnBrk="1" latinLnBrk="0" hangingPunct="1">
+              <a:spcBef>
+                <a:spcPct val="20000"/>
+              </a:spcBef>
+              <a:buFont typeface="Arial"/>
+              <a:buChar char="•"/>
+              <a:defRPr sz="2000" kern="1200">
+                <a:solidFill>
+                  <a:schemeClr val="tx1"/>
+                </a:solidFill>
+                <a:latin typeface="+mn-lt"/>
+                <a:ea typeface="+mn-ea"/>
+                <a:cs typeface="+mn-cs"/>
+              </a:defRPr>
+            </a:lvl6pPr>
+            <a:lvl7pPr marL="2971800" indent="-228600" algn="l" defTabSz="457200" rtl="0" eaLnBrk="1" latinLnBrk="0" hangingPunct="1">
+              <a:spcBef>
+                <a:spcPct val="20000"/>
+              </a:spcBef>
+              <a:buFont typeface="Arial"/>
+              <a:buChar char="•"/>
+              <a:defRPr sz="2000" kern="1200">
+                <a:solidFill>
+                  <a:schemeClr val="tx1"/>
+                </a:solidFill>
+                <a:latin typeface="+mn-lt"/>
+                <a:ea typeface="+mn-ea"/>
+                <a:cs typeface="+mn-cs"/>
+              </a:defRPr>
+            </a:lvl7pPr>
+            <a:lvl8pPr marL="3429000" indent="-228600" algn="l" defTabSz="457200" rtl="0" eaLnBrk="1" latinLnBrk="0" hangingPunct="1">
+              <a:spcBef>
+                <a:spcPct val="20000"/>
+              </a:spcBef>
+              <a:buFont typeface="Arial"/>
+              <a:buChar char="•"/>
+              <a:defRPr sz="2000" kern="1200">
+                <a:solidFill>
+                  <a:schemeClr val="tx1"/>
+                </a:solidFill>
+                <a:latin typeface="+mn-lt"/>
+                <a:ea typeface="+mn-ea"/>
+                <a:cs typeface="+mn-cs"/>
+              </a:defRPr>
+            </a:lvl8pPr>
+            <a:lvl9pPr marL="3886200" indent="-228600" algn="l" defTabSz="457200" rtl="0" eaLnBrk="1" latinLnBrk="0" hangingPunct="1">
+              <a:spcBef>
+                <a:spcPct val="20000"/>
+              </a:spcBef>
+              <a:buFont typeface="Arial"/>
+              <a:buChar char="•"/>
+              <a:defRPr sz="2000" kern="1200">
+                <a:solidFill>
+                  <a:schemeClr val="tx1"/>
+                </a:solidFill>
+                <a:latin typeface="+mn-lt"/>
+                <a:ea typeface="+mn-ea"/>
+                <a:cs typeface="+mn-cs"/>
+              </a:defRPr>
+            </a:lvl9pPr>
+          </a:lstStyle>
+          <a:p>
+            <a:pPr marL="0" indent="0">
+              <a:buNone/>
+            </a:pPr>
+            <a:r>
+              <a:rPr lang="en-US" sz="2800" dirty="0">
+                <a:latin typeface="Bookman Old Style" panose="02050604050505020204" pitchFamily="18" charset="0"/>
+              </a:rPr>
+              <a:t>So, the main parts of CoreExact that were parallelized include:</a:t>
+            </a:r>
+          </a:p>
+          <a:p>
+            <a:r>
+              <a:rPr lang="en-US" sz="2800" dirty="0">
+                <a:latin typeface="Bookman Old Style" panose="02050604050505020204" pitchFamily="18" charset="0"/>
+              </a:rPr>
+              <a:t>DAG generation.</a:t>
+            </a:r>
+          </a:p>
+          <a:p>
+            <a:r>
+              <a:rPr lang="en-US" sz="2800" dirty="0">
+                <a:latin typeface="Bookman Old Style" panose="02050604050505020204" pitchFamily="18" charset="0"/>
+              </a:rPr>
+              <a:t>Listing all k-clique instances.</a:t>
+            </a:r>
+          </a:p>
+          <a:p>
+            <a:r>
+              <a:rPr lang="en-US" sz="2800" dirty="0">
+                <a:latin typeface="Bookman Old Style" panose="02050604050505020204" pitchFamily="18" charset="0"/>
+              </a:rPr>
+              <a:t>Clique-based core decomposition.</a:t>
+            </a:r>
+          </a:p>
+          <a:p>
+            <a:r>
+              <a:rPr lang="en-US" sz="2800" dirty="0">
+                <a:latin typeface="Bookman Old Style" panose="02050604050505020204" pitchFamily="18" charset="0"/>
+              </a:rPr>
+              <a:t>Component decomposition.</a:t>
+            </a:r>
+          </a:p>
+          <a:p>
+            <a:r>
+              <a:rPr lang="en-US" sz="2800" dirty="0">
+                <a:latin typeface="Bookman Old Style" panose="02050604050505020204" pitchFamily="18" charset="0"/>
+              </a:rPr>
+              <a:t>Bound generation.</a:t>
+            </a:r>
+          </a:p>
+          <a:p>
+            <a:r>
+              <a:rPr lang="en-US" sz="2800" dirty="0">
+                <a:latin typeface="Bookman Old Style" panose="02050604050505020204" pitchFamily="18" charset="0"/>
+              </a:rPr>
+              <a:t>Flow network creation.</a:t>
+            </a:r>
+          </a:p>
+          <a:p>
+            <a:endParaRPr lang="en-US" sz="2800" dirty="0">
+              <a:latin typeface="Bookman Old Style" panose="02050604050505020204" pitchFamily="18" charset="0"/>
+            </a:endParaRPr>
+          </a:p>
+        </p:txBody>
+      </p:sp>
+    </p:spTree>
+    <p:extLst>
+      <p:ext uri="{BB962C8B-B14F-4D97-AF65-F5344CB8AC3E}">
+        <p14:creationId xmlns:p14="http://schemas.microsoft.com/office/powerpoint/2010/main" val="1787875238"/>
+      </p:ext>
+    </p:extLst>
+  </p:cSld>
+  <p:clrMapOvr>
+    <a:masterClrMapping/>
+  </p:clrMapOvr>
+</p:sld>
+</file>
+
+<file path=ppt/slides/slide43.xml><?xml version="1.0" encoding="utf-8"?>
+<p:sld xmlns:a="http://schemas.openxmlformats.org/drawingml/2006/main" xmlns:r="http://schemas.openxmlformats.org/officeDocument/2006/relationships" xmlns:p="http://schemas.openxmlformats.org/presentationml/2006/main">
+  <p:cSld>
+    <p:spTree>
+      <p:nvGrpSpPr>
+        <p:cNvPr id="1" name="">
+          <a:extLst>
+            <a:ext uri="{FF2B5EF4-FFF2-40B4-BE49-F238E27FC236}">
+              <a16:creationId xmlns:a16="http://schemas.microsoft.com/office/drawing/2014/main" id="{45C21CC5-2700-4FE7-FA1B-296CB9FF9720}"/>
+            </a:ext>
+          </a:extLst>
+        </p:cNvPr>
+        <p:cNvGrpSpPr/>
+        <p:nvPr/>
+      </p:nvGrpSpPr>
+      <p:grpSpPr>
+        <a:xfrm>
+          <a:off x="0" y="0"/>
+          <a:ext cx="0" cy="0"/>
+          <a:chOff x="0" y="0"/>
+          <a:chExt cx="0" cy="0"/>
+        </a:xfrm>
+      </p:grpSpPr>
+      <p:sp>
+        <p:nvSpPr>
+          <p:cNvPr id="4" name="Title 1">
+            <a:extLst>
+              <a:ext uri="{FF2B5EF4-FFF2-40B4-BE49-F238E27FC236}">
+                <a16:creationId xmlns:a16="http://schemas.microsoft.com/office/drawing/2014/main" id="{650BCB05-0405-FAC9-8F1A-35236CBBFE8F}"/>
+              </a:ext>
+            </a:extLst>
+          </p:cNvPr>
+          <p:cNvSpPr txBox="1">
+            <a:spLocks/>
+          </p:cNvSpPr>
+          <p:nvPr/>
+        </p:nvSpPr>
+        <p:spPr>
+          <a:xfrm>
+            <a:off x="1497166" y="114146"/>
+            <a:ext cx="6149667" cy="1320800"/>
+          </a:xfrm>
+          <a:prstGeom prst="rect">
+            <a:avLst/>
+          </a:prstGeom>
+        </p:spPr>
+        <p:txBody>
+          <a:bodyPr vert="horz" lIns="91440" tIns="45720" rIns="91440" bIns="45720" rtlCol="0" anchor="ctr">
+            <a:normAutofit/>
+          </a:bodyPr>
+          <a:lstStyle>
+            <a:lvl1pPr algn="ctr" defTabSz="457200" rtl="0" eaLnBrk="1" latinLnBrk="0" hangingPunct="1">
+              <a:spcBef>
+                <a:spcPct val="0"/>
+              </a:spcBef>
+              <a:buNone/>
+              <a:defRPr sz="4400" kern="1200">
+                <a:solidFill>
+                  <a:schemeClr val="tx1"/>
+                </a:solidFill>
+                <a:latin typeface="+mj-lt"/>
+                <a:ea typeface="+mj-ea"/>
+                <a:cs typeface="+mj-cs"/>
+              </a:defRPr>
+            </a:lvl1pPr>
+          </a:lstStyle>
+          <a:p>
+            <a:r>
+              <a:rPr lang="en-US" sz="4000" dirty="0">
+                <a:latin typeface="Rockwell" panose="02060603020205020403" pitchFamily="18" charset="0"/>
+              </a:rPr>
+              <a:t>Testing The Program</a:t>
+            </a:r>
+          </a:p>
+        </p:txBody>
+      </p:sp>
+      <p:sp>
+        <p:nvSpPr>
+          <p:cNvPr id="2" name="Content Placeholder 2">
+            <a:extLst>
+              <a:ext uri="{FF2B5EF4-FFF2-40B4-BE49-F238E27FC236}">
+                <a16:creationId xmlns:a16="http://schemas.microsoft.com/office/drawing/2014/main" id="{6FCBB0DB-EAE2-3C61-EC7C-E4A36CCDDF20}"/>
+              </a:ext>
+            </a:extLst>
+          </p:cNvPr>
+          <p:cNvSpPr txBox="1">
+            <a:spLocks/>
+          </p:cNvSpPr>
+          <p:nvPr/>
+        </p:nvSpPr>
+        <p:spPr>
+          <a:xfrm>
+            <a:off x="228600" y="1434946"/>
+            <a:ext cx="8686800" cy="4545011"/>
+          </a:xfrm>
+          <a:prstGeom prst="rect">
+            <a:avLst/>
+          </a:prstGeom>
+        </p:spPr>
+        <p:txBody>
+          <a:bodyPr vert="horz" lIns="91440" tIns="45720" rIns="91440" bIns="45720" rtlCol="0">
+            <a:normAutofit/>
+          </a:bodyPr>
+          <a:lstStyle>
+            <a:lvl1pPr marL="342900" indent="-342900" algn="l" defTabSz="457200" rtl="0" eaLnBrk="1" latinLnBrk="0" hangingPunct="1">
+              <a:spcBef>
+                <a:spcPct val="20000"/>
+              </a:spcBef>
+              <a:buFont typeface="Arial"/>
+              <a:buChar char="•"/>
+              <a:defRPr sz="3200" kern="1200">
+                <a:solidFill>
+                  <a:schemeClr val="tx1"/>
+                </a:solidFill>
+                <a:latin typeface="+mn-lt"/>
+                <a:ea typeface="+mn-ea"/>
+                <a:cs typeface="+mn-cs"/>
+              </a:defRPr>
+            </a:lvl1pPr>
+            <a:lvl2pPr marL="742950" indent="-285750" algn="l" defTabSz="457200" rtl="0" eaLnBrk="1" latinLnBrk="0" hangingPunct="1">
+              <a:spcBef>
+                <a:spcPct val="20000"/>
+              </a:spcBef>
+              <a:buFont typeface="Arial"/>
+              <a:buChar char="–"/>
+              <a:defRPr sz="2800" kern="1200">
+                <a:solidFill>
+                  <a:schemeClr val="tx1"/>
+                </a:solidFill>
+                <a:latin typeface="+mn-lt"/>
+                <a:ea typeface="+mn-ea"/>
+                <a:cs typeface="+mn-cs"/>
+              </a:defRPr>
+            </a:lvl2pPr>
+            <a:lvl3pPr marL="1143000" indent="-228600" algn="l" defTabSz="457200" rtl="0" eaLnBrk="1" latinLnBrk="0" hangingPunct="1">
+              <a:spcBef>
+                <a:spcPct val="20000"/>
+              </a:spcBef>
+              <a:buFont typeface="Arial"/>
+              <a:buChar char="•"/>
+              <a:defRPr sz="2400" kern="1200">
+                <a:solidFill>
+                  <a:schemeClr val="tx1"/>
+                </a:solidFill>
+                <a:latin typeface="+mn-lt"/>
+                <a:ea typeface="+mn-ea"/>
+                <a:cs typeface="+mn-cs"/>
+              </a:defRPr>
+            </a:lvl3pPr>
+            <a:lvl4pPr marL="1600200" indent="-228600" algn="l" defTabSz="457200" rtl="0" eaLnBrk="1" latinLnBrk="0" hangingPunct="1">
+              <a:spcBef>
+                <a:spcPct val="20000"/>
+              </a:spcBef>
+              <a:buFont typeface="Arial"/>
+              <a:buChar char="–"/>
+              <a:defRPr sz="2000" kern="1200">
+                <a:solidFill>
+                  <a:schemeClr val="tx1"/>
+                </a:solidFill>
+                <a:latin typeface="+mn-lt"/>
+                <a:ea typeface="+mn-ea"/>
+                <a:cs typeface="+mn-cs"/>
+              </a:defRPr>
+            </a:lvl4pPr>
+            <a:lvl5pPr marL="2057400" indent="-228600" algn="l" defTabSz="457200" rtl="0" eaLnBrk="1" latinLnBrk="0" hangingPunct="1">
+              <a:spcBef>
+                <a:spcPct val="20000"/>
+              </a:spcBef>
+              <a:buFont typeface="Arial"/>
+              <a:buChar char="»"/>
+              <a:defRPr sz="2000" kern="1200">
+                <a:solidFill>
+                  <a:schemeClr val="tx1"/>
+                </a:solidFill>
+                <a:latin typeface="+mn-lt"/>
+                <a:ea typeface="+mn-ea"/>
+                <a:cs typeface="+mn-cs"/>
+              </a:defRPr>
+            </a:lvl5pPr>
+            <a:lvl6pPr marL="2514600" indent="-228600" algn="l" defTabSz="457200" rtl="0" eaLnBrk="1" latinLnBrk="0" hangingPunct="1">
+              <a:spcBef>
+                <a:spcPct val="20000"/>
+              </a:spcBef>
+              <a:buFont typeface="Arial"/>
+              <a:buChar char="•"/>
+              <a:defRPr sz="2000" kern="1200">
+                <a:solidFill>
+                  <a:schemeClr val="tx1"/>
+                </a:solidFill>
+                <a:latin typeface="+mn-lt"/>
+                <a:ea typeface="+mn-ea"/>
+                <a:cs typeface="+mn-cs"/>
+              </a:defRPr>
+            </a:lvl6pPr>
+            <a:lvl7pPr marL="2971800" indent="-228600" algn="l" defTabSz="457200" rtl="0" eaLnBrk="1" latinLnBrk="0" hangingPunct="1">
+              <a:spcBef>
+                <a:spcPct val="20000"/>
+              </a:spcBef>
+              <a:buFont typeface="Arial"/>
+              <a:buChar char="•"/>
+              <a:defRPr sz="2000" kern="1200">
+                <a:solidFill>
+                  <a:schemeClr val="tx1"/>
+                </a:solidFill>
+                <a:latin typeface="+mn-lt"/>
+                <a:ea typeface="+mn-ea"/>
+                <a:cs typeface="+mn-cs"/>
+              </a:defRPr>
+            </a:lvl7pPr>
+            <a:lvl8pPr marL="3429000" indent="-228600" algn="l" defTabSz="457200" rtl="0" eaLnBrk="1" latinLnBrk="0" hangingPunct="1">
+              <a:spcBef>
+                <a:spcPct val="20000"/>
+              </a:spcBef>
+              <a:buFont typeface="Arial"/>
+              <a:buChar char="•"/>
+              <a:defRPr sz="2000" kern="1200">
+                <a:solidFill>
+                  <a:schemeClr val="tx1"/>
+                </a:solidFill>
+                <a:latin typeface="+mn-lt"/>
+                <a:ea typeface="+mn-ea"/>
+                <a:cs typeface="+mn-cs"/>
+              </a:defRPr>
+            </a:lvl8pPr>
+            <a:lvl9pPr marL="3886200" indent="-228600" algn="l" defTabSz="457200" rtl="0" eaLnBrk="1" latinLnBrk="0" hangingPunct="1">
+              <a:spcBef>
+                <a:spcPct val="20000"/>
+              </a:spcBef>
+              <a:buFont typeface="Arial"/>
+              <a:buChar char="•"/>
+              <a:defRPr sz="2000" kern="1200">
+                <a:solidFill>
+                  <a:schemeClr val="tx1"/>
+                </a:solidFill>
+                <a:latin typeface="+mn-lt"/>
+                <a:ea typeface="+mn-ea"/>
+                <a:cs typeface="+mn-cs"/>
+              </a:defRPr>
+            </a:lvl9pPr>
+          </a:lstStyle>
+          <a:p>
+            <a:r>
+              <a:rPr lang="en-US" sz="2800" dirty="0">
+                <a:latin typeface="Bookman Old Style" panose="02050604050505020204" pitchFamily="18" charset="0"/>
+              </a:rPr>
+              <a:t>With the program created, testing the parallelized solution was the final step.</a:t>
+            </a:r>
+          </a:p>
+          <a:p>
+            <a:r>
+              <a:rPr lang="en-US" sz="2800" dirty="0">
+                <a:latin typeface="Bookman Old Style" panose="02050604050505020204" pitchFamily="18" charset="0"/>
+              </a:rPr>
+              <a:t>To check its efficiency, we ran it against the original CoreExact algorithm (written in Java).</a:t>
+            </a:r>
+          </a:p>
+          <a:p>
+            <a:r>
+              <a:rPr lang="en-US" sz="2800" dirty="0">
+                <a:latin typeface="Bookman Old Style" panose="02050604050505020204" pitchFamily="18" charset="0"/>
+              </a:rPr>
+              <a:t>In theory, the CUDA program should handle large graphs and graphs with more connected components more efficiently due to vertices and components being handled across threads and warps.</a:t>
+            </a:r>
+          </a:p>
+        </p:txBody>
+      </p:sp>
+    </p:spTree>
+    <p:extLst>
+      <p:ext uri="{BB962C8B-B14F-4D97-AF65-F5344CB8AC3E}">
+        <p14:creationId xmlns:p14="http://schemas.microsoft.com/office/powerpoint/2010/main" val="3065277351"/>
+      </p:ext>
+    </p:extLst>
+  </p:cSld>
+  <p:clrMapOvr>
+    <a:masterClrMapping/>
+  </p:clrMapOvr>
+</p:sld>
+</file>
+
+<file path=ppt/slides/slide44.xml><?xml version="1.0" encoding="utf-8"?>
+<p:sld xmlns:a="http://schemas.openxmlformats.org/drawingml/2006/main" xmlns:r="http://schemas.openxmlformats.org/officeDocument/2006/relationships" xmlns:p="http://schemas.openxmlformats.org/presentationml/2006/main">
+  <p:cSld>
+    <p:spTree>
+      <p:nvGrpSpPr>
+        <p:cNvPr id="1" name="">
+          <a:extLst>
+            <a:ext uri="{FF2B5EF4-FFF2-40B4-BE49-F238E27FC236}">
+              <a16:creationId xmlns:a16="http://schemas.microsoft.com/office/drawing/2014/main" id="{39EFEDCD-2C01-0323-EDFD-D5727306C416}"/>
+            </a:ext>
+          </a:extLst>
+        </p:cNvPr>
+        <p:cNvGrpSpPr/>
+        <p:nvPr/>
+      </p:nvGrpSpPr>
+      <p:grpSpPr>
+        <a:xfrm>
+          <a:off x="0" y="0"/>
+          <a:ext cx="0" cy="0"/>
+          <a:chOff x="0" y="0"/>
+          <a:chExt cx="0" cy="0"/>
+        </a:xfrm>
+      </p:grpSpPr>
+      <p:sp>
+        <p:nvSpPr>
+          <p:cNvPr id="4" name="Title 1">
+            <a:extLst>
+              <a:ext uri="{FF2B5EF4-FFF2-40B4-BE49-F238E27FC236}">
+                <a16:creationId xmlns:a16="http://schemas.microsoft.com/office/drawing/2014/main" id="{49EBD9B9-02AD-E614-4133-9B6AD3129931}"/>
+              </a:ext>
+            </a:extLst>
+          </p:cNvPr>
+          <p:cNvSpPr txBox="1">
+            <a:spLocks/>
+          </p:cNvSpPr>
+          <p:nvPr/>
+        </p:nvSpPr>
+        <p:spPr>
+          <a:xfrm>
+            <a:off x="1497166" y="0"/>
+            <a:ext cx="6149667" cy="1143000"/>
+          </a:xfrm>
+          <a:prstGeom prst="rect">
+            <a:avLst/>
+          </a:prstGeom>
+        </p:spPr>
+        <p:txBody>
+          <a:bodyPr vert="horz" lIns="91440" tIns="45720" rIns="91440" bIns="45720" rtlCol="0" anchor="ctr">
+            <a:normAutofit/>
+          </a:bodyPr>
+          <a:lstStyle>
+            <a:lvl1pPr algn="ctr" defTabSz="457200" rtl="0" eaLnBrk="1" latinLnBrk="0" hangingPunct="1">
+              <a:spcBef>
+                <a:spcPct val="0"/>
+              </a:spcBef>
+              <a:buNone/>
+              <a:defRPr sz="4400" kern="1200">
+                <a:solidFill>
+                  <a:schemeClr val="tx1"/>
+                </a:solidFill>
+                <a:latin typeface="+mj-lt"/>
+                <a:ea typeface="+mj-ea"/>
+                <a:cs typeface="+mj-cs"/>
+              </a:defRPr>
+            </a:lvl1pPr>
+          </a:lstStyle>
+          <a:p>
+            <a:r>
+              <a:rPr lang="en-US" sz="4000" dirty="0">
+                <a:latin typeface="Rockwell" panose="02060603020205020403" pitchFamily="18" charset="0"/>
+              </a:rPr>
+              <a:t>Test Data</a:t>
+            </a:r>
+          </a:p>
+        </p:txBody>
+      </p:sp>
+      <p:sp>
+        <p:nvSpPr>
+          <p:cNvPr id="2" name="Content Placeholder 2">
+            <a:extLst>
+              <a:ext uri="{FF2B5EF4-FFF2-40B4-BE49-F238E27FC236}">
+                <a16:creationId xmlns:a16="http://schemas.microsoft.com/office/drawing/2014/main" id="{A105C466-D5BD-72E2-F2C7-2AFE74404675}"/>
+              </a:ext>
+            </a:extLst>
+          </p:cNvPr>
+          <p:cNvSpPr txBox="1">
+            <a:spLocks/>
+          </p:cNvSpPr>
+          <p:nvPr/>
+        </p:nvSpPr>
+        <p:spPr>
+          <a:xfrm>
+            <a:off x="228600" y="990600"/>
+            <a:ext cx="8686800" cy="4876800"/>
+          </a:xfrm>
+          <a:prstGeom prst="rect">
+            <a:avLst/>
+          </a:prstGeom>
+        </p:spPr>
+        <p:txBody>
+          <a:bodyPr vert="horz" lIns="91440" tIns="45720" rIns="91440" bIns="45720" rtlCol="0">
+            <a:normAutofit fontScale="92500"/>
+          </a:bodyPr>
+          <a:lstStyle>
+            <a:lvl1pPr marL="342900" indent="-342900" algn="l" defTabSz="457200" rtl="0" eaLnBrk="1" latinLnBrk="0" hangingPunct="1">
+              <a:spcBef>
+                <a:spcPct val="20000"/>
+              </a:spcBef>
+              <a:buFont typeface="Arial"/>
+              <a:buChar char="•"/>
+              <a:defRPr sz="3200" kern="1200">
+                <a:solidFill>
+                  <a:schemeClr val="tx1"/>
+                </a:solidFill>
+                <a:latin typeface="+mn-lt"/>
+                <a:ea typeface="+mn-ea"/>
+                <a:cs typeface="+mn-cs"/>
+              </a:defRPr>
+            </a:lvl1pPr>
+            <a:lvl2pPr marL="742950" indent="-285750" algn="l" defTabSz="457200" rtl="0" eaLnBrk="1" latinLnBrk="0" hangingPunct="1">
+              <a:spcBef>
+                <a:spcPct val="20000"/>
+              </a:spcBef>
+              <a:buFont typeface="Arial"/>
+              <a:buChar char="–"/>
+              <a:defRPr sz="2800" kern="1200">
+                <a:solidFill>
+                  <a:schemeClr val="tx1"/>
+                </a:solidFill>
+                <a:latin typeface="+mn-lt"/>
+                <a:ea typeface="+mn-ea"/>
+                <a:cs typeface="+mn-cs"/>
+              </a:defRPr>
+            </a:lvl2pPr>
+            <a:lvl3pPr marL="1143000" indent="-228600" algn="l" defTabSz="457200" rtl="0" eaLnBrk="1" latinLnBrk="0" hangingPunct="1">
+              <a:spcBef>
+                <a:spcPct val="20000"/>
+              </a:spcBef>
+              <a:buFont typeface="Arial"/>
+              <a:buChar char="•"/>
+              <a:defRPr sz="2400" kern="1200">
+                <a:solidFill>
+                  <a:schemeClr val="tx1"/>
+                </a:solidFill>
+                <a:latin typeface="+mn-lt"/>
+                <a:ea typeface="+mn-ea"/>
+                <a:cs typeface="+mn-cs"/>
+              </a:defRPr>
+            </a:lvl3pPr>
+            <a:lvl4pPr marL="1600200" indent="-228600" algn="l" defTabSz="457200" rtl="0" eaLnBrk="1" latinLnBrk="0" hangingPunct="1">
+              <a:spcBef>
+                <a:spcPct val="20000"/>
+              </a:spcBef>
+              <a:buFont typeface="Arial"/>
+              <a:buChar char="–"/>
+              <a:defRPr sz="2000" kern="1200">
+                <a:solidFill>
+                  <a:schemeClr val="tx1"/>
+                </a:solidFill>
+                <a:latin typeface="+mn-lt"/>
+                <a:ea typeface="+mn-ea"/>
+                <a:cs typeface="+mn-cs"/>
+              </a:defRPr>
+            </a:lvl4pPr>
+            <a:lvl5pPr marL="2057400" indent="-228600" algn="l" defTabSz="457200" rtl="0" eaLnBrk="1" latinLnBrk="0" hangingPunct="1">
+              <a:spcBef>
+                <a:spcPct val="20000"/>
+              </a:spcBef>
+              <a:buFont typeface="Arial"/>
+              <a:buChar char="»"/>
+              <a:defRPr sz="2000" kern="1200">
+                <a:solidFill>
+                  <a:schemeClr val="tx1"/>
+                </a:solidFill>
+                <a:latin typeface="+mn-lt"/>
+                <a:ea typeface="+mn-ea"/>
+                <a:cs typeface="+mn-cs"/>
+              </a:defRPr>
+            </a:lvl5pPr>
+            <a:lvl6pPr marL="2514600" indent="-228600" algn="l" defTabSz="457200" rtl="0" eaLnBrk="1" latinLnBrk="0" hangingPunct="1">
+              <a:spcBef>
+                <a:spcPct val="20000"/>
+              </a:spcBef>
+              <a:buFont typeface="Arial"/>
+              <a:buChar char="•"/>
+              <a:defRPr sz="2000" kern="1200">
+                <a:solidFill>
+                  <a:schemeClr val="tx1"/>
+                </a:solidFill>
+                <a:latin typeface="+mn-lt"/>
+                <a:ea typeface="+mn-ea"/>
+                <a:cs typeface="+mn-cs"/>
+              </a:defRPr>
+            </a:lvl6pPr>
+            <a:lvl7pPr marL="2971800" indent="-228600" algn="l" defTabSz="457200" rtl="0" eaLnBrk="1" latinLnBrk="0" hangingPunct="1">
+              <a:spcBef>
+                <a:spcPct val="20000"/>
+              </a:spcBef>
+              <a:buFont typeface="Arial"/>
+              <a:buChar char="•"/>
+              <a:defRPr sz="2000" kern="1200">
+                <a:solidFill>
+                  <a:schemeClr val="tx1"/>
+                </a:solidFill>
+                <a:latin typeface="+mn-lt"/>
+                <a:ea typeface="+mn-ea"/>
+                <a:cs typeface="+mn-cs"/>
+              </a:defRPr>
+            </a:lvl7pPr>
+            <a:lvl8pPr marL="3429000" indent="-228600" algn="l" defTabSz="457200" rtl="0" eaLnBrk="1" latinLnBrk="0" hangingPunct="1">
+              <a:spcBef>
+                <a:spcPct val="20000"/>
+              </a:spcBef>
+              <a:buFont typeface="Arial"/>
+              <a:buChar char="•"/>
+              <a:defRPr sz="2000" kern="1200">
+                <a:solidFill>
+                  <a:schemeClr val="tx1"/>
+                </a:solidFill>
+                <a:latin typeface="+mn-lt"/>
+                <a:ea typeface="+mn-ea"/>
+                <a:cs typeface="+mn-cs"/>
+              </a:defRPr>
+            </a:lvl8pPr>
+            <a:lvl9pPr marL="3886200" indent="-228600" algn="l" defTabSz="457200" rtl="0" eaLnBrk="1" latinLnBrk="0" hangingPunct="1">
+              <a:spcBef>
+                <a:spcPct val="20000"/>
+              </a:spcBef>
+              <a:buFont typeface="Arial"/>
+              <a:buChar char="•"/>
+              <a:defRPr sz="2000" kern="1200">
+                <a:solidFill>
+                  <a:schemeClr val="tx1"/>
+                </a:solidFill>
+                <a:latin typeface="+mn-lt"/>
+                <a:ea typeface="+mn-ea"/>
+                <a:cs typeface="+mn-cs"/>
+              </a:defRPr>
+            </a:lvl9pPr>
+          </a:lstStyle>
+          <a:p>
+            <a:r>
+              <a:rPr lang="en-US" sz="2800" dirty="0">
+                <a:latin typeface="Bookman Old Style" panose="02050604050505020204" pitchFamily="18" charset="0"/>
+              </a:rPr>
+              <a:t>The data will be run on both programs and will run based on edge (2-clique) and triangle (3-clique) density.</a:t>
+            </a:r>
+          </a:p>
+          <a:p>
+            <a:r>
+              <a:rPr lang="en-US" sz="2800" dirty="0">
+                <a:latin typeface="Bookman Old Style" panose="02050604050505020204" pitchFamily="18" charset="0"/>
+              </a:rPr>
+              <a:t>8 different graphs were used for the experiments.</a:t>
+            </a:r>
+          </a:p>
+          <a:p>
+            <a:r>
+              <a:rPr lang="en-US" sz="2800" dirty="0">
+                <a:latin typeface="Bookman Old Style" panose="02050604050505020204" pitchFamily="18" charset="0"/>
+              </a:rPr>
+              <a:t>3 are real data, being graphs that represent a network of the proteins in yeast, a social network European users for the music streaming platform Deezer that are friends, and a network of authors on scientific papers that have co-authored before.</a:t>
+            </a:r>
+          </a:p>
+          <a:p>
+            <a:r>
+              <a:rPr lang="en-US" sz="2800" dirty="0">
+                <a:latin typeface="Bookman Old Style" panose="02050604050505020204" pitchFamily="18" charset="0"/>
+              </a:rPr>
+              <a:t>5 are synthesized graphs, with varying probability of connections between any two pairs.</a:t>
+            </a:r>
+          </a:p>
+        </p:txBody>
+      </p:sp>
+    </p:spTree>
+    <p:extLst>
+      <p:ext uri="{BB962C8B-B14F-4D97-AF65-F5344CB8AC3E}">
+        <p14:creationId xmlns:p14="http://schemas.microsoft.com/office/powerpoint/2010/main" val="1599165381"/>
+      </p:ext>
+    </p:extLst>
+  </p:cSld>
+  <p:clrMapOvr>
+    <a:masterClrMapping/>
+  </p:clrMapOvr>
+</p:sld>
+</file>
+
+<file path=ppt/slides/slide45.xml><?xml version="1.0" encoding="utf-8"?>
+<p:sld xmlns:a="http://schemas.openxmlformats.org/drawingml/2006/main" xmlns:r="http://schemas.openxmlformats.org/officeDocument/2006/relationships" xmlns:p="http://schemas.openxmlformats.org/presentationml/2006/main">
+  <p:cSld>
+    <p:spTree>
+      <p:nvGrpSpPr>
+        <p:cNvPr id="1" name="">
+          <a:extLst>
+            <a:ext uri="{FF2B5EF4-FFF2-40B4-BE49-F238E27FC236}">
+              <a16:creationId xmlns:a16="http://schemas.microsoft.com/office/drawing/2014/main" id="{A47EF0B0-9C13-9403-6C1F-441145FB2A15}"/>
+            </a:ext>
+          </a:extLst>
+        </p:cNvPr>
+        <p:cNvGrpSpPr/>
+        <p:nvPr/>
+      </p:nvGrpSpPr>
+      <p:grpSpPr>
+        <a:xfrm>
+          <a:off x="0" y="0"/>
+          <a:ext cx="0" cy="0"/>
+          <a:chOff x="0" y="0"/>
+          <a:chExt cx="0" cy="0"/>
+        </a:xfrm>
+      </p:grpSpPr>
+      <p:sp>
+        <p:nvSpPr>
+          <p:cNvPr id="4" name="Title 1">
+            <a:extLst>
+              <a:ext uri="{FF2B5EF4-FFF2-40B4-BE49-F238E27FC236}">
+                <a16:creationId xmlns:a16="http://schemas.microsoft.com/office/drawing/2014/main" id="{6C3D1542-CE3B-3969-B793-1DD63146281A}"/>
+              </a:ext>
+            </a:extLst>
+          </p:cNvPr>
+          <p:cNvSpPr txBox="1">
+            <a:spLocks/>
+          </p:cNvSpPr>
+          <p:nvPr/>
+        </p:nvSpPr>
+        <p:spPr>
+          <a:xfrm>
+            <a:off x="1497166" y="0"/>
+            <a:ext cx="6149667" cy="876454"/>
+          </a:xfrm>
+          <a:prstGeom prst="rect">
+            <a:avLst/>
+          </a:prstGeom>
+        </p:spPr>
+        <p:txBody>
+          <a:bodyPr vert="horz" lIns="91440" tIns="45720" rIns="91440" bIns="45720" rtlCol="0" anchor="ctr">
+            <a:normAutofit/>
+          </a:bodyPr>
+          <a:lstStyle>
+            <a:lvl1pPr algn="ctr" defTabSz="457200" rtl="0" eaLnBrk="1" latinLnBrk="0" hangingPunct="1">
+              <a:spcBef>
+                <a:spcPct val="0"/>
+              </a:spcBef>
+              <a:buNone/>
+              <a:defRPr sz="4400" kern="1200">
+                <a:solidFill>
+                  <a:schemeClr val="tx1"/>
+                </a:solidFill>
+                <a:latin typeface="+mj-lt"/>
+                <a:ea typeface="+mj-ea"/>
+                <a:cs typeface="+mj-cs"/>
+              </a:defRPr>
+            </a:lvl1pPr>
+          </a:lstStyle>
+          <a:p>
+            <a:r>
+              <a:rPr lang="en-US" sz="4000" dirty="0">
+                <a:latin typeface="Rockwell" panose="02060603020205020403" pitchFamily="18" charset="0"/>
+              </a:rPr>
+              <a:t>Test Data (continued)</a:t>
+            </a:r>
+          </a:p>
+        </p:txBody>
+      </p:sp>
+      <p:graphicFrame>
+        <p:nvGraphicFramePr>
+          <p:cNvPr id="3" name="Table 2">
+            <a:extLst>
+              <a:ext uri="{FF2B5EF4-FFF2-40B4-BE49-F238E27FC236}">
+                <a16:creationId xmlns:a16="http://schemas.microsoft.com/office/drawing/2014/main" id="{7D54ECC2-3639-0B26-FC1E-AEA928294F36}"/>
+              </a:ext>
+            </a:extLst>
+          </p:cNvPr>
+          <p:cNvGraphicFramePr>
+            <a:graphicFrameLocks noGrp="1"/>
+          </p:cNvGraphicFramePr>
+          <p:nvPr>
+            <p:extLst>
+              <p:ext uri="{D42A27DB-BD31-4B8C-83A1-F6EECF244321}">
+                <p14:modId xmlns:p14="http://schemas.microsoft.com/office/powerpoint/2010/main" val="4118969839"/>
+              </p:ext>
+            </p:extLst>
+          </p:nvPr>
+        </p:nvGraphicFramePr>
+        <p:xfrm>
+          <a:off x="152399" y="1500709"/>
+          <a:ext cx="4267199" cy="4419599"/>
+        </p:xfrm>
+        <a:graphic>
+          <a:graphicData uri="http://schemas.openxmlformats.org/drawingml/2006/table">
+            <a:tbl>
+              <a:tblPr firstRow="1" firstCol="1" bandRow="1">
+                <a:tableStyleId>{5C22544A-7EE6-4342-B048-85BDC9FD1C3A}</a:tableStyleId>
+              </a:tblPr>
+              <a:tblGrid>
+                <a:gridCol w="1600201">
+                  <a:extLst>
+                    <a:ext uri="{9D8B030D-6E8A-4147-A177-3AD203B41FA5}">
+                      <a16:colId xmlns:a16="http://schemas.microsoft.com/office/drawing/2014/main" val="3156954410"/>
+                    </a:ext>
+                  </a:extLst>
+                </a:gridCol>
+                <a:gridCol w="1371600">
+                  <a:extLst>
+                    <a:ext uri="{9D8B030D-6E8A-4147-A177-3AD203B41FA5}">
+                      <a16:colId xmlns:a16="http://schemas.microsoft.com/office/drawing/2014/main" val="2477683744"/>
+                    </a:ext>
+                  </a:extLst>
+                </a:gridCol>
+                <a:gridCol w="1295398">
+                  <a:extLst>
+                    <a:ext uri="{9D8B030D-6E8A-4147-A177-3AD203B41FA5}">
+                      <a16:colId xmlns:a16="http://schemas.microsoft.com/office/drawing/2014/main" val="967879937"/>
+                    </a:ext>
+                  </a:extLst>
+                </a:gridCol>
+              </a:tblGrid>
+              <a:tr h="962710">
+                <a:tc>
+                  <a:txBody>
+                    <a:bodyPr/>
+                    <a:lstStyle/>
+                    <a:p>
+                      <a:pPr marL="0" marR="0" algn="ctr">
+                        <a:lnSpc>
+                          <a:spcPct val="115000"/>
+                        </a:lnSpc>
+                        <a:spcAft>
+                          <a:spcPts val="800"/>
+                        </a:spcAft>
+                        <a:buNone/>
+                        <a:tabLst>
+                          <a:tab pos="457200" algn="l"/>
+                          <a:tab pos="5029200" algn="r"/>
+                          <a:tab pos="5486400" algn="r"/>
+                        </a:tabLst>
+                      </a:pPr>
+                      <a:r>
+                        <a:rPr lang="en-US" sz="1200" kern="100">
+                          <a:effectLst/>
+                        </a:rPr>
+                        <a:t>Graph</a:t>
+                      </a:r>
+                      <a:endParaRPr lang="en-US" sz="1100" kern="100">
+                        <a:effectLst/>
+                        <a:latin typeface="Aptos" panose="020B0004020202020204" pitchFamily="34" charset="0"/>
+                        <a:ea typeface="Aptos" panose="020B0004020202020204" pitchFamily="34" charset="0"/>
+                        <a:cs typeface="Times New Roman" panose="02020603050405020304" pitchFamily="18" charset="0"/>
+                      </a:endParaRPr>
+                    </a:p>
+                  </a:txBody>
+                  <a:tcPr marL="68580" marR="68580" marT="0" marB="0" anchor="ctr"/>
+                </a:tc>
+                <a:tc>
+                  <a:txBody>
+                    <a:bodyPr/>
+                    <a:lstStyle/>
+                    <a:p>
+                      <a:pPr marL="0" marR="0" algn="ctr">
+                        <a:lnSpc>
+                          <a:spcPct val="115000"/>
+                        </a:lnSpc>
+                        <a:spcAft>
+                          <a:spcPts val="800"/>
+                        </a:spcAft>
+                        <a:buNone/>
+                        <a:tabLst>
+                          <a:tab pos="457200" algn="l"/>
+                          <a:tab pos="5029200" algn="r"/>
+                          <a:tab pos="5486400" algn="r"/>
+                        </a:tabLst>
+                      </a:pPr>
+                      <a:r>
+                        <a:rPr lang="en-US" sz="1200" kern="100" dirty="0">
+                          <a:effectLst/>
+                        </a:rPr>
+                        <a:t>Number of Vertices</a:t>
+                      </a:r>
+                      <a:endParaRPr lang="en-US" sz="1100" kern="100" dirty="0">
+                        <a:effectLst/>
+                        <a:latin typeface="Aptos" panose="020B0004020202020204" pitchFamily="34" charset="0"/>
+                        <a:ea typeface="Aptos" panose="020B0004020202020204" pitchFamily="34" charset="0"/>
+                        <a:cs typeface="Times New Roman" panose="02020603050405020304" pitchFamily="18" charset="0"/>
+                      </a:endParaRPr>
+                    </a:p>
+                  </a:txBody>
+                  <a:tcPr marL="68580" marR="68580" marT="0" marB="0" anchor="ctr"/>
+                </a:tc>
+                <a:tc>
+                  <a:txBody>
+                    <a:bodyPr/>
+                    <a:lstStyle/>
+                    <a:p>
+                      <a:pPr marL="0" marR="0" algn="ctr">
+                        <a:lnSpc>
+                          <a:spcPct val="115000"/>
+                        </a:lnSpc>
+                        <a:spcAft>
+                          <a:spcPts val="800"/>
+                        </a:spcAft>
+                        <a:buNone/>
+                        <a:tabLst>
+                          <a:tab pos="457200" algn="l"/>
+                          <a:tab pos="5029200" algn="r"/>
+                          <a:tab pos="5486400" algn="r"/>
+                        </a:tabLst>
+                      </a:pPr>
+                      <a:r>
+                        <a:rPr lang="en-US" sz="1200" kern="100">
+                          <a:effectLst/>
+                        </a:rPr>
+                        <a:t>Number of Edges</a:t>
+                      </a:r>
+                      <a:endParaRPr lang="en-US" sz="1100" kern="100">
+                        <a:effectLst/>
+                        <a:latin typeface="Aptos" panose="020B0004020202020204" pitchFamily="34" charset="0"/>
+                        <a:ea typeface="Aptos" panose="020B0004020202020204" pitchFamily="34" charset="0"/>
+                        <a:cs typeface="Times New Roman" panose="02020603050405020304" pitchFamily="18" charset="0"/>
+                      </a:endParaRPr>
+                    </a:p>
+                  </a:txBody>
+                  <a:tcPr marL="68580" marR="68580" marT="0" marB="0" anchor="ctr"/>
+                </a:tc>
+                <a:extLst>
+                  <a:ext uri="{0D108BD9-81ED-4DB2-BD59-A6C34878D82A}">
+                    <a16:rowId xmlns:a16="http://schemas.microsoft.com/office/drawing/2014/main" val="1217454256"/>
+                  </a:ext>
+                </a:extLst>
+              </a:tr>
+              <a:tr h="636188">
+                <a:tc>
+                  <a:txBody>
+                    <a:bodyPr/>
+                    <a:lstStyle/>
+                    <a:p>
+                      <a:pPr marL="0" marR="0" algn="ctr">
+                        <a:lnSpc>
+                          <a:spcPct val="115000"/>
+                        </a:lnSpc>
+                        <a:spcAft>
+                          <a:spcPts val="800"/>
+                        </a:spcAft>
+                        <a:buNone/>
+                        <a:tabLst>
+                          <a:tab pos="457200" algn="l"/>
+                          <a:tab pos="5029200" algn="r"/>
+                          <a:tab pos="5486400" algn="r"/>
+                        </a:tabLst>
+                      </a:pPr>
+                      <a:r>
+                        <a:rPr lang="en-US" sz="1200" kern="100">
+                          <a:effectLst/>
+                        </a:rPr>
+                        <a:t>Yeast Protein Network</a:t>
+                      </a:r>
+                      <a:endParaRPr lang="en-US" sz="1100" kern="100">
+                        <a:effectLst/>
+                        <a:latin typeface="Aptos" panose="020B0004020202020204" pitchFamily="34" charset="0"/>
+                        <a:ea typeface="Aptos" panose="020B0004020202020204" pitchFamily="34" charset="0"/>
+                        <a:cs typeface="Times New Roman" panose="02020603050405020304" pitchFamily="18" charset="0"/>
+                      </a:endParaRPr>
+                    </a:p>
+                  </a:txBody>
+                  <a:tcPr marL="68580" marR="68580" marT="0" marB="0" anchor="ctr"/>
+                </a:tc>
+                <a:tc>
+                  <a:txBody>
+                    <a:bodyPr/>
+                    <a:lstStyle/>
+                    <a:p>
+                      <a:pPr marL="0" marR="0" algn="ctr">
+                        <a:lnSpc>
+                          <a:spcPct val="115000"/>
+                        </a:lnSpc>
+                        <a:spcAft>
+                          <a:spcPts val="800"/>
+                        </a:spcAft>
+                        <a:buNone/>
+                        <a:tabLst>
+                          <a:tab pos="457200" algn="l"/>
+                          <a:tab pos="5029200" algn="r"/>
+                          <a:tab pos="5486400" algn="r"/>
+                        </a:tabLst>
+                      </a:pPr>
+                      <a:r>
+                        <a:rPr lang="en-US" sz="1200" kern="100" dirty="0">
+                          <a:effectLst/>
+                        </a:rPr>
+                        <a:t>1,459</a:t>
+                      </a:r>
+                      <a:endParaRPr lang="en-US" sz="1100" kern="100" dirty="0">
+                        <a:effectLst/>
+                        <a:latin typeface="Aptos" panose="020B0004020202020204" pitchFamily="34" charset="0"/>
+                        <a:ea typeface="Aptos" panose="020B0004020202020204" pitchFamily="34" charset="0"/>
+                        <a:cs typeface="Times New Roman" panose="02020603050405020304" pitchFamily="18" charset="0"/>
+                      </a:endParaRPr>
+                    </a:p>
+                  </a:txBody>
+                  <a:tcPr marL="68580" marR="68580" marT="0" marB="0" anchor="ctr"/>
+                </a:tc>
+                <a:tc>
+                  <a:txBody>
+                    <a:bodyPr/>
+                    <a:lstStyle/>
+                    <a:p>
+                      <a:pPr marL="0" marR="0" algn="ctr">
+                        <a:lnSpc>
+                          <a:spcPct val="115000"/>
+                        </a:lnSpc>
+                        <a:spcAft>
+                          <a:spcPts val="800"/>
+                        </a:spcAft>
+                        <a:buNone/>
+                        <a:tabLst>
+                          <a:tab pos="457200" algn="l"/>
+                          <a:tab pos="5029200" algn="r"/>
+                          <a:tab pos="5486400" algn="r"/>
+                        </a:tabLst>
+                      </a:pPr>
+                      <a:r>
+                        <a:rPr lang="en-US" sz="1200" kern="100">
+                          <a:effectLst/>
+                        </a:rPr>
+                        <a:t>1,948</a:t>
+                      </a:r>
+                      <a:endParaRPr lang="en-US" sz="1100" kern="100">
+                        <a:effectLst/>
+                        <a:latin typeface="Aptos" panose="020B0004020202020204" pitchFamily="34" charset="0"/>
+                        <a:ea typeface="Aptos" panose="020B0004020202020204" pitchFamily="34" charset="0"/>
+                        <a:cs typeface="Times New Roman" panose="02020603050405020304" pitchFamily="18" charset="0"/>
+                      </a:endParaRPr>
+                    </a:p>
+                  </a:txBody>
+                  <a:tcPr marL="68580" marR="68580" marT="0" marB="0" anchor="ctr"/>
+                </a:tc>
+                <a:extLst>
+                  <a:ext uri="{0D108BD9-81ED-4DB2-BD59-A6C34878D82A}">
+                    <a16:rowId xmlns:a16="http://schemas.microsoft.com/office/drawing/2014/main" val="3620963371"/>
+                  </a:ext>
+                </a:extLst>
+              </a:tr>
+              <a:tr h="636188">
+                <a:tc>
+                  <a:txBody>
+                    <a:bodyPr/>
+                    <a:lstStyle/>
+                    <a:p>
+                      <a:pPr marL="0" marR="0" algn="ctr">
+                        <a:lnSpc>
+                          <a:spcPct val="115000"/>
+                        </a:lnSpc>
+                        <a:spcAft>
+                          <a:spcPts val="800"/>
+                        </a:spcAft>
+                        <a:buNone/>
+                        <a:tabLst>
+                          <a:tab pos="457200" algn="l"/>
+                          <a:tab pos="5029200" algn="r"/>
+                          <a:tab pos="5486400" algn="r"/>
+                        </a:tabLst>
+                      </a:pPr>
+                      <a:r>
+                        <a:rPr lang="en-US" sz="1200" kern="100" dirty="0">
+                          <a:effectLst/>
+                        </a:rPr>
+                        <a:t>European Deezer Social Network</a:t>
+                      </a:r>
+                      <a:endParaRPr lang="en-US" sz="1100" kern="100" dirty="0">
+                        <a:effectLst/>
+                        <a:latin typeface="Aptos" panose="020B0004020202020204" pitchFamily="34" charset="0"/>
+                        <a:ea typeface="Aptos" panose="020B0004020202020204" pitchFamily="34" charset="0"/>
+                        <a:cs typeface="Times New Roman" panose="02020603050405020304" pitchFamily="18" charset="0"/>
+                      </a:endParaRPr>
+                    </a:p>
+                  </a:txBody>
+                  <a:tcPr marL="68580" marR="68580" marT="0" marB="0" anchor="ctr"/>
+                </a:tc>
+                <a:tc>
+                  <a:txBody>
+                    <a:bodyPr/>
+                    <a:lstStyle/>
+                    <a:p>
+                      <a:pPr marL="0" marR="0" algn="ctr">
+                        <a:lnSpc>
+                          <a:spcPct val="115000"/>
+                        </a:lnSpc>
+                        <a:spcAft>
+                          <a:spcPts val="800"/>
+                        </a:spcAft>
+                        <a:buNone/>
+                        <a:tabLst>
+                          <a:tab pos="457200" algn="l"/>
+                          <a:tab pos="5029200" algn="r"/>
+                          <a:tab pos="5486400" algn="r"/>
+                        </a:tabLst>
+                      </a:pPr>
+                      <a:r>
+                        <a:rPr lang="en-US" sz="1200" kern="100">
+                          <a:effectLst/>
+                        </a:rPr>
+                        <a:t>28,281</a:t>
+                      </a:r>
+                      <a:endParaRPr lang="en-US" sz="1100" kern="100">
+                        <a:effectLst/>
+                        <a:latin typeface="Aptos" panose="020B0004020202020204" pitchFamily="34" charset="0"/>
+                        <a:ea typeface="Aptos" panose="020B0004020202020204" pitchFamily="34" charset="0"/>
+                        <a:cs typeface="Times New Roman" panose="02020603050405020304" pitchFamily="18" charset="0"/>
+                      </a:endParaRPr>
+                    </a:p>
+                  </a:txBody>
+                  <a:tcPr marL="68580" marR="68580" marT="0" marB="0" anchor="ctr"/>
+                </a:tc>
+                <a:tc>
+                  <a:txBody>
+                    <a:bodyPr/>
+                    <a:lstStyle/>
+                    <a:p>
+                      <a:pPr marL="0" marR="0" algn="ctr">
+                        <a:lnSpc>
+                          <a:spcPct val="115000"/>
+                        </a:lnSpc>
+                        <a:spcAft>
+                          <a:spcPts val="800"/>
+                        </a:spcAft>
+                        <a:buNone/>
+                        <a:tabLst>
+                          <a:tab pos="457200" algn="l"/>
+                          <a:tab pos="5029200" algn="r"/>
+                          <a:tab pos="5486400" algn="r"/>
+                        </a:tabLst>
+                      </a:pPr>
+                      <a:r>
+                        <a:rPr lang="en-US" sz="1200" kern="100">
+                          <a:effectLst/>
+                        </a:rPr>
+                        <a:t>92,752</a:t>
+                      </a:r>
+                      <a:endParaRPr lang="en-US" sz="1100" kern="100">
+                        <a:effectLst/>
+                        <a:latin typeface="Aptos" panose="020B0004020202020204" pitchFamily="34" charset="0"/>
+                        <a:ea typeface="Aptos" panose="020B0004020202020204" pitchFamily="34" charset="0"/>
+                        <a:cs typeface="Times New Roman" panose="02020603050405020304" pitchFamily="18" charset="0"/>
+                      </a:endParaRPr>
+                    </a:p>
+                  </a:txBody>
+                  <a:tcPr marL="68580" marR="68580" marT="0" marB="0" anchor="ctr"/>
+                </a:tc>
+                <a:extLst>
+                  <a:ext uri="{0D108BD9-81ED-4DB2-BD59-A6C34878D82A}">
+                    <a16:rowId xmlns:a16="http://schemas.microsoft.com/office/drawing/2014/main" val="658654114"/>
+                  </a:ext>
+                </a:extLst>
+              </a:tr>
+              <a:tr h="636188">
+                <a:tc>
+                  <a:txBody>
+                    <a:bodyPr/>
+                    <a:lstStyle/>
+                    <a:p>
+                      <a:pPr marL="0" marR="0" algn="ctr">
+                        <a:lnSpc>
+                          <a:spcPct val="115000"/>
+                        </a:lnSpc>
+                        <a:spcAft>
+                          <a:spcPts val="800"/>
+                        </a:spcAft>
+                        <a:buNone/>
+                        <a:tabLst>
+                          <a:tab pos="457200" algn="l"/>
+                          <a:tab pos="5029200" algn="r"/>
+                          <a:tab pos="5486400" algn="r"/>
+                        </a:tabLst>
+                      </a:pPr>
+                      <a:r>
+                        <a:rPr lang="en-US" sz="1200" kern="100">
+                          <a:effectLst/>
+                        </a:rPr>
+                        <a:t>Condense Matter Co-Author Network</a:t>
+                      </a:r>
+                      <a:endParaRPr lang="en-US" sz="1100" kern="100">
+                        <a:effectLst/>
+                        <a:latin typeface="Aptos" panose="020B0004020202020204" pitchFamily="34" charset="0"/>
+                        <a:ea typeface="Aptos" panose="020B0004020202020204" pitchFamily="34" charset="0"/>
+                        <a:cs typeface="Times New Roman" panose="02020603050405020304" pitchFamily="18" charset="0"/>
+                      </a:endParaRPr>
+                    </a:p>
+                  </a:txBody>
+                  <a:tcPr marL="68580" marR="68580" marT="0" marB="0" anchor="ctr"/>
+                </a:tc>
+                <a:tc>
+                  <a:txBody>
+                    <a:bodyPr/>
+                    <a:lstStyle/>
+                    <a:p>
+                      <a:pPr marL="0" marR="0" algn="ctr">
+                        <a:lnSpc>
+                          <a:spcPct val="115000"/>
+                        </a:lnSpc>
+                        <a:spcAft>
+                          <a:spcPts val="800"/>
+                        </a:spcAft>
+                        <a:buNone/>
+                        <a:tabLst>
+                          <a:tab pos="457200" algn="l"/>
+                          <a:tab pos="5029200" algn="r"/>
+                          <a:tab pos="5486400" algn="r"/>
+                        </a:tabLst>
+                      </a:pPr>
+                      <a:r>
+                        <a:rPr lang="en-US" sz="1200" kern="100">
+                          <a:effectLst/>
+                        </a:rPr>
+                        <a:t>108,300</a:t>
+                      </a:r>
+                      <a:endParaRPr lang="en-US" sz="1100" kern="100">
+                        <a:effectLst/>
+                        <a:latin typeface="Aptos" panose="020B0004020202020204" pitchFamily="34" charset="0"/>
+                        <a:ea typeface="Aptos" panose="020B0004020202020204" pitchFamily="34" charset="0"/>
+                        <a:cs typeface="Times New Roman" panose="02020603050405020304" pitchFamily="18" charset="0"/>
+                      </a:endParaRPr>
+                    </a:p>
+                  </a:txBody>
+                  <a:tcPr marL="68580" marR="68580" marT="0" marB="0" anchor="ctr"/>
+                </a:tc>
+                <a:tc>
+                  <a:txBody>
+                    <a:bodyPr/>
+                    <a:lstStyle/>
+                    <a:p>
+                      <a:pPr marL="0" marR="0" algn="ctr">
+                        <a:lnSpc>
+                          <a:spcPct val="115000"/>
+                        </a:lnSpc>
+                        <a:spcAft>
+                          <a:spcPts val="800"/>
+                        </a:spcAft>
+                        <a:buNone/>
+                        <a:tabLst>
+                          <a:tab pos="457200" algn="l"/>
+                          <a:tab pos="5029200" algn="r"/>
+                          <a:tab pos="5486400" algn="r"/>
+                        </a:tabLst>
+                      </a:pPr>
+                      <a:r>
+                        <a:rPr lang="en-US" sz="1200" kern="100">
+                          <a:effectLst/>
+                        </a:rPr>
+                        <a:t>186,936</a:t>
+                      </a:r>
+                      <a:endParaRPr lang="en-US" sz="1100" kern="100">
+                        <a:effectLst/>
+                        <a:latin typeface="Aptos" panose="020B0004020202020204" pitchFamily="34" charset="0"/>
+                        <a:ea typeface="Aptos" panose="020B0004020202020204" pitchFamily="34" charset="0"/>
+                        <a:cs typeface="Times New Roman" panose="02020603050405020304" pitchFamily="18" charset="0"/>
+                      </a:endParaRPr>
+                    </a:p>
+                  </a:txBody>
+                  <a:tcPr marL="68580" marR="68580" marT="0" marB="0" anchor="ctr"/>
+                </a:tc>
+                <a:extLst>
+                  <a:ext uri="{0D108BD9-81ED-4DB2-BD59-A6C34878D82A}">
+                    <a16:rowId xmlns:a16="http://schemas.microsoft.com/office/drawing/2014/main" val="155472940"/>
+                  </a:ext>
+                </a:extLst>
+              </a:tr>
+              <a:tr h="309665">
+                <a:tc>
+                  <a:txBody>
+                    <a:bodyPr/>
+                    <a:lstStyle/>
+                    <a:p>
+                      <a:pPr marL="0" marR="0" algn="ctr">
+                        <a:lnSpc>
+                          <a:spcPct val="115000"/>
+                        </a:lnSpc>
+                        <a:spcAft>
+                          <a:spcPts val="800"/>
+                        </a:spcAft>
+                        <a:buNone/>
+                        <a:tabLst>
+                          <a:tab pos="457200" algn="l"/>
+                          <a:tab pos="5029200" algn="r"/>
+                          <a:tab pos="5486400" algn="r"/>
+                        </a:tabLst>
+                      </a:pPr>
+                      <a:r>
+                        <a:rPr lang="en-US" sz="1200" kern="100">
+                          <a:effectLst/>
+                        </a:rPr>
+                        <a:t>Synthetic Graph 1</a:t>
+                      </a:r>
+                      <a:endParaRPr lang="en-US" sz="1100" kern="100">
+                        <a:effectLst/>
+                        <a:latin typeface="Aptos" panose="020B0004020202020204" pitchFamily="34" charset="0"/>
+                        <a:ea typeface="Aptos" panose="020B0004020202020204" pitchFamily="34" charset="0"/>
+                        <a:cs typeface="Times New Roman" panose="02020603050405020304" pitchFamily="18" charset="0"/>
+                      </a:endParaRPr>
+                    </a:p>
+                  </a:txBody>
+                  <a:tcPr marL="68580" marR="68580" marT="0" marB="0" anchor="ctr"/>
+                </a:tc>
+                <a:tc>
+                  <a:txBody>
+                    <a:bodyPr/>
+                    <a:lstStyle/>
+                    <a:p>
+                      <a:pPr marL="0" marR="0" algn="ctr">
+                        <a:lnSpc>
+                          <a:spcPct val="115000"/>
+                        </a:lnSpc>
+                        <a:spcAft>
+                          <a:spcPts val="800"/>
+                        </a:spcAft>
+                        <a:buNone/>
+                        <a:tabLst>
+                          <a:tab pos="457200" algn="l"/>
+                          <a:tab pos="5029200" algn="r"/>
+                          <a:tab pos="5486400" algn="r"/>
+                        </a:tabLst>
+                      </a:pPr>
+                      <a:r>
+                        <a:rPr lang="en-US" sz="1200" kern="100">
+                          <a:effectLst/>
+                        </a:rPr>
+                        <a:t>500</a:t>
+                      </a:r>
+                      <a:endParaRPr lang="en-US" sz="1100" kern="100">
+                        <a:effectLst/>
+                        <a:latin typeface="Aptos" panose="020B0004020202020204" pitchFamily="34" charset="0"/>
+                        <a:ea typeface="Aptos" panose="020B0004020202020204" pitchFamily="34" charset="0"/>
+                        <a:cs typeface="Times New Roman" panose="02020603050405020304" pitchFamily="18" charset="0"/>
+                      </a:endParaRPr>
+                    </a:p>
+                  </a:txBody>
+                  <a:tcPr marL="68580" marR="68580" marT="0" marB="0" anchor="ctr"/>
+                </a:tc>
+                <a:tc>
+                  <a:txBody>
+                    <a:bodyPr/>
+                    <a:lstStyle/>
+                    <a:p>
+                      <a:pPr marL="0" marR="0" algn="ctr">
+                        <a:lnSpc>
+                          <a:spcPct val="115000"/>
+                        </a:lnSpc>
+                        <a:spcAft>
+                          <a:spcPts val="800"/>
+                        </a:spcAft>
+                        <a:buNone/>
+                        <a:tabLst>
+                          <a:tab pos="457200" algn="l"/>
+                          <a:tab pos="5029200" algn="r"/>
+                          <a:tab pos="5486400" algn="r"/>
+                        </a:tabLst>
+                      </a:pPr>
+                      <a:r>
+                        <a:rPr lang="en-US" sz="1200" kern="100">
+                          <a:effectLst/>
+                        </a:rPr>
+                        <a:t>6,276</a:t>
+                      </a:r>
+                      <a:endParaRPr lang="en-US" sz="1100" kern="100">
+                        <a:effectLst/>
+                        <a:latin typeface="Aptos" panose="020B0004020202020204" pitchFamily="34" charset="0"/>
+                        <a:ea typeface="Aptos" panose="020B0004020202020204" pitchFamily="34" charset="0"/>
+                        <a:cs typeface="Times New Roman" panose="02020603050405020304" pitchFamily="18" charset="0"/>
+                      </a:endParaRPr>
+                    </a:p>
+                  </a:txBody>
+                  <a:tcPr marL="68580" marR="68580" marT="0" marB="0" anchor="ctr"/>
+                </a:tc>
+                <a:extLst>
+                  <a:ext uri="{0D108BD9-81ED-4DB2-BD59-A6C34878D82A}">
+                    <a16:rowId xmlns:a16="http://schemas.microsoft.com/office/drawing/2014/main" val="2378066135"/>
+                  </a:ext>
+                </a:extLst>
+              </a:tr>
+              <a:tr h="309665">
+                <a:tc>
+                  <a:txBody>
+                    <a:bodyPr/>
+                    <a:lstStyle/>
+                    <a:p>
+                      <a:pPr marL="0" marR="0" algn="ctr">
+                        <a:lnSpc>
+                          <a:spcPct val="115000"/>
+                        </a:lnSpc>
+                        <a:spcAft>
+                          <a:spcPts val="800"/>
+                        </a:spcAft>
+                        <a:buNone/>
+                        <a:tabLst>
+                          <a:tab pos="457200" algn="l"/>
+                          <a:tab pos="5029200" algn="r"/>
+                          <a:tab pos="5486400" algn="r"/>
+                        </a:tabLst>
+                      </a:pPr>
+                      <a:r>
+                        <a:rPr lang="en-US" sz="1200" kern="100">
+                          <a:effectLst/>
+                        </a:rPr>
+                        <a:t>Synthetic Graph 2</a:t>
+                      </a:r>
+                      <a:endParaRPr lang="en-US" sz="1100" kern="100">
+                        <a:effectLst/>
+                        <a:latin typeface="Aptos" panose="020B0004020202020204" pitchFamily="34" charset="0"/>
+                        <a:ea typeface="Aptos" panose="020B0004020202020204" pitchFamily="34" charset="0"/>
+                        <a:cs typeface="Times New Roman" panose="02020603050405020304" pitchFamily="18" charset="0"/>
+                      </a:endParaRPr>
+                    </a:p>
+                  </a:txBody>
+                  <a:tcPr marL="68580" marR="68580" marT="0" marB="0" anchor="ctr"/>
+                </a:tc>
+                <a:tc>
+                  <a:txBody>
+                    <a:bodyPr/>
+                    <a:lstStyle/>
+                    <a:p>
+                      <a:pPr marL="0" marR="0" algn="ctr">
+                        <a:lnSpc>
+                          <a:spcPct val="115000"/>
+                        </a:lnSpc>
+                        <a:spcAft>
+                          <a:spcPts val="800"/>
+                        </a:spcAft>
+                        <a:buNone/>
+                        <a:tabLst>
+                          <a:tab pos="457200" algn="l"/>
+                          <a:tab pos="5029200" algn="r"/>
+                          <a:tab pos="5486400" algn="r"/>
+                        </a:tabLst>
+                      </a:pPr>
+                      <a:r>
+                        <a:rPr lang="en-US" sz="1200" kern="100">
+                          <a:effectLst/>
+                        </a:rPr>
+                        <a:t>500</a:t>
+                      </a:r>
+                      <a:endParaRPr lang="en-US" sz="1100" kern="100">
+                        <a:effectLst/>
+                        <a:latin typeface="Aptos" panose="020B0004020202020204" pitchFamily="34" charset="0"/>
+                        <a:ea typeface="Aptos" panose="020B0004020202020204" pitchFamily="34" charset="0"/>
+                        <a:cs typeface="Times New Roman" panose="02020603050405020304" pitchFamily="18" charset="0"/>
+                      </a:endParaRPr>
+                    </a:p>
+                  </a:txBody>
+                  <a:tcPr marL="68580" marR="68580" marT="0" marB="0" anchor="ctr"/>
+                </a:tc>
+                <a:tc>
+                  <a:txBody>
+                    <a:bodyPr/>
+                    <a:lstStyle/>
+                    <a:p>
+                      <a:pPr marL="0" marR="0" algn="ctr">
+                        <a:lnSpc>
+                          <a:spcPct val="115000"/>
+                        </a:lnSpc>
+                        <a:spcAft>
+                          <a:spcPts val="800"/>
+                        </a:spcAft>
+                        <a:buNone/>
+                        <a:tabLst>
+                          <a:tab pos="457200" algn="l"/>
+                          <a:tab pos="5029200" algn="r"/>
+                          <a:tab pos="5486400" algn="r"/>
+                        </a:tabLst>
+                      </a:pPr>
+                      <a:r>
+                        <a:rPr lang="en-US" sz="1200" kern="100">
+                          <a:effectLst/>
+                        </a:rPr>
+                        <a:t>12,372</a:t>
+                      </a:r>
+                      <a:endParaRPr lang="en-US" sz="1100" kern="100">
+                        <a:effectLst/>
+                        <a:latin typeface="Aptos" panose="020B0004020202020204" pitchFamily="34" charset="0"/>
+                        <a:ea typeface="Aptos" panose="020B0004020202020204" pitchFamily="34" charset="0"/>
+                        <a:cs typeface="Times New Roman" panose="02020603050405020304" pitchFamily="18" charset="0"/>
+                      </a:endParaRPr>
+                    </a:p>
+                  </a:txBody>
+                  <a:tcPr marL="68580" marR="68580" marT="0" marB="0" anchor="ctr"/>
+                </a:tc>
+                <a:extLst>
+                  <a:ext uri="{0D108BD9-81ED-4DB2-BD59-A6C34878D82A}">
+                    <a16:rowId xmlns:a16="http://schemas.microsoft.com/office/drawing/2014/main" val="821034595"/>
+                  </a:ext>
+                </a:extLst>
+              </a:tr>
+              <a:tr h="309665">
+                <a:tc>
+                  <a:txBody>
+                    <a:bodyPr/>
+                    <a:lstStyle/>
+                    <a:p>
+                      <a:pPr marL="0" marR="0" algn="ctr">
+                        <a:lnSpc>
+                          <a:spcPct val="115000"/>
+                        </a:lnSpc>
+                        <a:spcAft>
+                          <a:spcPts val="800"/>
+                        </a:spcAft>
+                        <a:buNone/>
+                        <a:tabLst>
+                          <a:tab pos="457200" algn="l"/>
+                          <a:tab pos="5029200" algn="r"/>
+                          <a:tab pos="5486400" algn="r"/>
+                        </a:tabLst>
+                      </a:pPr>
+                      <a:r>
+                        <a:rPr lang="en-US" sz="1200" kern="100">
+                          <a:effectLst/>
+                        </a:rPr>
+                        <a:t>Synthetic Graph 3</a:t>
+                      </a:r>
+                      <a:endParaRPr lang="en-US" sz="1100" kern="100">
+                        <a:effectLst/>
+                        <a:latin typeface="Aptos" panose="020B0004020202020204" pitchFamily="34" charset="0"/>
+                        <a:ea typeface="Aptos" panose="020B0004020202020204" pitchFamily="34" charset="0"/>
+                        <a:cs typeface="Times New Roman" panose="02020603050405020304" pitchFamily="18" charset="0"/>
+                      </a:endParaRPr>
+                    </a:p>
+                  </a:txBody>
+                  <a:tcPr marL="68580" marR="68580" marT="0" marB="0" anchor="ctr"/>
+                </a:tc>
+                <a:tc>
+                  <a:txBody>
+                    <a:bodyPr/>
+                    <a:lstStyle/>
+                    <a:p>
+                      <a:pPr marL="0" marR="0" algn="ctr">
+                        <a:lnSpc>
+                          <a:spcPct val="115000"/>
+                        </a:lnSpc>
+                        <a:spcAft>
+                          <a:spcPts val="800"/>
+                        </a:spcAft>
+                        <a:buNone/>
+                        <a:tabLst>
+                          <a:tab pos="457200" algn="l"/>
+                          <a:tab pos="5029200" algn="r"/>
+                          <a:tab pos="5486400" algn="r"/>
+                        </a:tabLst>
+                      </a:pPr>
+                      <a:r>
+                        <a:rPr lang="en-US" sz="1200" kern="100">
+                          <a:effectLst/>
+                        </a:rPr>
+                        <a:t>1,000</a:t>
+                      </a:r>
+                      <a:endParaRPr lang="en-US" sz="1100" kern="100">
+                        <a:effectLst/>
+                        <a:latin typeface="Aptos" panose="020B0004020202020204" pitchFamily="34" charset="0"/>
+                        <a:ea typeface="Aptos" panose="020B0004020202020204" pitchFamily="34" charset="0"/>
+                        <a:cs typeface="Times New Roman" panose="02020603050405020304" pitchFamily="18" charset="0"/>
+                      </a:endParaRPr>
+                    </a:p>
+                  </a:txBody>
+                  <a:tcPr marL="68580" marR="68580" marT="0" marB="0" anchor="ctr"/>
+                </a:tc>
+                <a:tc>
+                  <a:txBody>
+                    <a:bodyPr/>
+                    <a:lstStyle/>
+                    <a:p>
+                      <a:pPr marL="0" marR="0" algn="ctr">
+                        <a:lnSpc>
+                          <a:spcPct val="115000"/>
+                        </a:lnSpc>
+                        <a:spcAft>
+                          <a:spcPts val="800"/>
+                        </a:spcAft>
+                        <a:buNone/>
+                        <a:tabLst>
+                          <a:tab pos="457200" algn="l"/>
+                          <a:tab pos="5029200" algn="r"/>
+                          <a:tab pos="5486400" algn="r"/>
+                        </a:tabLst>
+                      </a:pPr>
+                      <a:r>
+                        <a:rPr lang="en-US" sz="1200" kern="100">
+                          <a:effectLst/>
+                        </a:rPr>
+                        <a:t>25,053</a:t>
+                      </a:r>
+                      <a:endParaRPr lang="en-US" sz="1100" kern="100">
+                        <a:effectLst/>
+                        <a:latin typeface="Aptos" panose="020B0004020202020204" pitchFamily="34" charset="0"/>
+                        <a:ea typeface="Aptos" panose="020B0004020202020204" pitchFamily="34" charset="0"/>
+                        <a:cs typeface="Times New Roman" panose="02020603050405020304" pitchFamily="18" charset="0"/>
+                      </a:endParaRPr>
+                    </a:p>
+                  </a:txBody>
+                  <a:tcPr marL="68580" marR="68580" marT="0" marB="0" anchor="ctr"/>
+                </a:tc>
+                <a:extLst>
+                  <a:ext uri="{0D108BD9-81ED-4DB2-BD59-A6C34878D82A}">
+                    <a16:rowId xmlns:a16="http://schemas.microsoft.com/office/drawing/2014/main" val="3038127430"/>
+                  </a:ext>
+                </a:extLst>
+              </a:tr>
+              <a:tr h="309665">
+                <a:tc>
+                  <a:txBody>
+                    <a:bodyPr/>
+                    <a:lstStyle/>
+                    <a:p>
+                      <a:pPr marL="0" marR="0" algn="ctr">
+                        <a:lnSpc>
+                          <a:spcPct val="115000"/>
+                        </a:lnSpc>
+                        <a:spcAft>
+                          <a:spcPts val="800"/>
+                        </a:spcAft>
+                        <a:buNone/>
+                        <a:tabLst>
+                          <a:tab pos="457200" algn="l"/>
+                          <a:tab pos="5029200" algn="r"/>
+                          <a:tab pos="5486400" algn="r"/>
+                        </a:tabLst>
+                      </a:pPr>
+                      <a:r>
+                        <a:rPr lang="en-US" sz="1200" kern="100">
+                          <a:effectLst/>
+                        </a:rPr>
+                        <a:t>Synthetic Graph 4</a:t>
+                      </a:r>
+                      <a:endParaRPr lang="en-US" sz="1100" kern="100">
+                        <a:effectLst/>
+                        <a:latin typeface="Aptos" panose="020B0004020202020204" pitchFamily="34" charset="0"/>
+                        <a:ea typeface="Aptos" panose="020B0004020202020204" pitchFamily="34" charset="0"/>
+                        <a:cs typeface="Times New Roman" panose="02020603050405020304" pitchFamily="18" charset="0"/>
+                      </a:endParaRPr>
+                    </a:p>
+                  </a:txBody>
+                  <a:tcPr marL="68580" marR="68580" marT="0" marB="0" anchor="ctr"/>
+                </a:tc>
+                <a:tc>
+                  <a:txBody>
+                    <a:bodyPr/>
+                    <a:lstStyle/>
+                    <a:p>
+                      <a:pPr marL="0" marR="0" algn="ctr">
+                        <a:lnSpc>
+                          <a:spcPct val="115000"/>
+                        </a:lnSpc>
+                        <a:spcAft>
+                          <a:spcPts val="800"/>
+                        </a:spcAft>
+                        <a:buNone/>
+                        <a:tabLst>
+                          <a:tab pos="457200" algn="l"/>
+                          <a:tab pos="5029200" algn="r"/>
+                          <a:tab pos="5486400" algn="r"/>
+                        </a:tabLst>
+                      </a:pPr>
+                      <a:r>
+                        <a:rPr lang="en-US" sz="1200" kern="100">
+                          <a:effectLst/>
+                        </a:rPr>
+                        <a:t>2,500</a:t>
+                      </a:r>
+                      <a:endParaRPr lang="en-US" sz="1100" kern="100">
+                        <a:effectLst/>
+                        <a:latin typeface="Aptos" panose="020B0004020202020204" pitchFamily="34" charset="0"/>
+                        <a:ea typeface="Aptos" panose="020B0004020202020204" pitchFamily="34" charset="0"/>
+                        <a:cs typeface="Times New Roman" panose="02020603050405020304" pitchFamily="18" charset="0"/>
+                      </a:endParaRPr>
+                    </a:p>
+                  </a:txBody>
+                  <a:tcPr marL="68580" marR="68580" marT="0" marB="0" anchor="ctr"/>
+                </a:tc>
+                <a:tc>
+                  <a:txBody>
+                    <a:bodyPr/>
+                    <a:lstStyle/>
+                    <a:p>
+                      <a:pPr marL="0" marR="0" algn="ctr">
+                        <a:lnSpc>
+                          <a:spcPct val="115000"/>
+                        </a:lnSpc>
+                        <a:spcAft>
+                          <a:spcPts val="800"/>
+                        </a:spcAft>
+                        <a:buNone/>
+                        <a:tabLst>
+                          <a:tab pos="457200" algn="l"/>
+                          <a:tab pos="5029200" algn="r"/>
+                          <a:tab pos="5486400" algn="r"/>
+                        </a:tabLst>
+                      </a:pPr>
+                      <a:r>
+                        <a:rPr lang="en-US" sz="1200" kern="100">
+                          <a:effectLst/>
+                        </a:rPr>
+                        <a:t>31,256</a:t>
+                      </a:r>
+                      <a:endParaRPr lang="en-US" sz="1100" kern="100">
+                        <a:effectLst/>
+                        <a:latin typeface="Aptos" panose="020B0004020202020204" pitchFamily="34" charset="0"/>
+                        <a:ea typeface="Aptos" panose="020B0004020202020204" pitchFamily="34" charset="0"/>
+                        <a:cs typeface="Times New Roman" panose="02020603050405020304" pitchFamily="18" charset="0"/>
+                      </a:endParaRPr>
+                    </a:p>
+                  </a:txBody>
+                  <a:tcPr marL="68580" marR="68580" marT="0" marB="0" anchor="ctr"/>
+                </a:tc>
+                <a:extLst>
+                  <a:ext uri="{0D108BD9-81ED-4DB2-BD59-A6C34878D82A}">
+                    <a16:rowId xmlns:a16="http://schemas.microsoft.com/office/drawing/2014/main" val="2839225479"/>
+                  </a:ext>
+                </a:extLst>
+              </a:tr>
+              <a:tr h="309665">
+                <a:tc>
+                  <a:txBody>
+                    <a:bodyPr/>
+                    <a:lstStyle/>
+                    <a:p>
+                      <a:pPr marL="0" marR="0" algn="ctr">
+                        <a:lnSpc>
+                          <a:spcPct val="115000"/>
+                        </a:lnSpc>
+                        <a:spcAft>
+                          <a:spcPts val="800"/>
+                        </a:spcAft>
+                        <a:buNone/>
+                        <a:tabLst>
+                          <a:tab pos="457200" algn="l"/>
+                          <a:tab pos="5029200" algn="r"/>
+                          <a:tab pos="5486400" algn="r"/>
+                        </a:tabLst>
+                      </a:pPr>
+                      <a:r>
+                        <a:rPr lang="en-US" sz="1200" kern="100">
+                          <a:effectLst/>
+                        </a:rPr>
+                        <a:t>Synthetic Graph 5</a:t>
+                      </a:r>
+                      <a:endParaRPr lang="en-US" sz="1100" kern="100">
+                        <a:effectLst/>
+                        <a:latin typeface="Aptos" panose="020B0004020202020204" pitchFamily="34" charset="0"/>
+                        <a:ea typeface="Aptos" panose="020B0004020202020204" pitchFamily="34" charset="0"/>
+                        <a:cs typeface="Times New Roman" panose="02020603050405020304" pitchFamily="18" charset="0"/>
+                      </a:endParaRPr>
+                    </a:p>
+                  </a:txBody>
+                  <a:tcPr marL="68580" marR="68580" marT="0" marB="0" anchor="ctr"/>
+                </a:tc>
+                <a:tc>
+                  <a:txBody>
+                    <a:bodyPr/>
+                    <a:lstStyle/>
+                    <a:p>
+                      <a:pPr marL="0" marR="0" algn="ctr">
+                        <a:lnSpc>
+                          <a:spcPct val="115000"/>
+                        </a:lnSpc>
+                        <a:spcAft>
+                          <a:spcPts val="800"/>
+                        </a:spcAft>
+                        <a:buNone/>
+                        <a:tabLst>
+                          <a:tab pos="457200" algn="l"/>
+                          <a:tab pos="5029200" algn="r"/>
+                          <a:tab pos="5486400" algn="r"/>
+                        </a:tabLst>
+                      </a:pPr>
+                      <a:r>
+                        <a:rPr lang="en-US" sz="1200" kern="100">
+                          <a:effectLst/>
+                        </a:rPr>
+                        <a:t>5,000</a:t>
+                      </a:r>
+                      <a:endParaRPr lang="en-US" sz="1100" kern="100">
+                        <a:effectLst/>
+                        <a:latin typeface="Aptos" panose="020B0004020202020204" pitchFamily="34" charset="0"/>
+                        <a:ea typeface="Aptos" panose="020B0004020202020204" pitchFamily="34" charset="0"/>
+                        <a:cs typeface="Times New Roman" panose="02020603050405020304" pitchFamily="18" charset="0"/>
+                      </a:endParaRPr>
+                    </a:p>
+                  </a:txBody>
+                  <a:tcPr marL="68580" marR="68580" marT="0" marB="0" anchor="ctr"/>
+                </a:tc>
+                <a:tc>
+                  <a:txBody>
+                    <a:bodyPr/>
+                    <a:lstStyle/>
+                    <a:p>
+                      <a:pPr marL="0" marR="0" algn="ctr">
+                        <a:lnSpc>
+                          <a:spcPct val="115000"/>
+                        </a:lnSpc>
+                        <a:spcAft>
+                          <a:spcPts val="800"/>
+                        </a:spcAft>
+                        <a:buNone/>
+                        <a:tabLst>
+                          <a:tab pos="457200" algn="l"/>
+                          <a:tab pos="5029200" algn="r"/>
+                          <a:tab pos="5486400" algn="r"/>
+                        </a:tabLst>
+                      </a:pPr>
+                      <a:r>
+                        <a:rPr lang="en-US" sz="1200" kern="100" dirty="0">
+                          <a:effectLst/>
+                        </a:rPr>
+                        <a:t>12,385</a:t>
+                      </a:r>
+                      <a:endParaRPr lang="en-US" sz="1100" kern="100" dirty="0">
+                        <a:effectLst/>
+                        <a:latin typeface="Aptos" panose="020B0004020202020204" pitchFamily="34" charset="0"/>
+                        <a:ea typeface="Aptos" panose="020B0004020202020204" pitchFamily="34" charset="0"/>
+                        <a:cs typeface="Times New Roman" panose="02020603050405020304" pitchFamily="18" charset="0"/>
+                      </a:endParaRPr>
+                    </a:p>
+                  </a:txBody>
+                  <a:tcPr marL="68580" marR="68580" marT="0" marB="0" anchor="ctr"/>
+                </a:tc>
+                <a:extLst>
+                  <a:ext uri="{0D108BD9-81ED-4DB2-BD59-A6C34878D82A}">
+                    <a16:rowId xmlns:a16="http://schemas.microsoft.com/office/drawing/2014/main" val="2280677389"/>
+                  </a:ext>
+                </a:extLst>
+              </a:tr>
+            </a:tbl>
+          </a:graphicData>
+        </a:graphic>
+      </p:graphicFrame>
+      <p:graphicFrame>
+        <p:nvGraphicFramePr>
+          <p:cNvPr id="5" name="Table 4">
+            <a:extLst>
+              <a:ext uri="{FF2B5EF4-FFF2-40B4-BE49-F238E27FC236}">
+                <a16:creationId xmlns:a16="http://schemas.microsoft.com/office/drawing/2014/main" id="{F2C6D28D-B2BA-2229-A005-C7DD0C023CF0}"/>
+              </a:ext>
+            </a:extLst>
+          </p:cNvPr>
+          <p:cNvGraphicFramePr>
+            <a:graphicFrameLocks noGrp="1"/>
+          </p:cNvGraphicFramePr>
+          <p:nvPr>
+            <p:extLst>
+              <p:ext uri="{D42A27DB-BD31-4B8C-83A1-F6EECF244321}">
+                <p14:modId xmlns:p14="http://schemas.microsoft.com/office/powerpoint/2010/main" val="2442118622"/>
+              </p:ext>
+            </p:extLst>
+          </p:nvPr>
+        </p:nvGraphicFramePr>
+        <p:xfrm>
+          <a:off x="4724403" y="1500707"/>
+          <a:ext cx="4236717" cy="4419601"/>
+        </p:xfrm>
+        <a:graphic>
+          <a:graphicData uri="http://schemas.openxmlformats.org/drawingml/2006/table">
+            <a:tbl>
+              <a:tblPr firstRow="1" firstCol="1" bandRow="1">
+                <a:tableStyleId>{5C22544A-7EE6-4342-B048-85BDC9FD1C3A}</a:tableStyleId>
+              </a:tblPr>
+              <a:tblGrid>
+                <a:gridCol w="1412239">
+                  <a:extLst>
+                    <a:ext uri="{9D8B030D-6E8A-4147-A177-3AD203B41FA5}">
+                      <a16:colId xmlns:a16="http://schemas.microsoft.com/office/drawing/2014/main" val="3887946334"/>
+                    </a:ext>
+                  </a:extLst>
+                </a:gridCol>
+                <a:gridCol w="1412239">
+                  <a:extLst>
+                    <a:ext uri="{9D8B030D-6E8A-4147-A177-3AD203B41FA5}">
+                      <a16:colId xmlns:a16="http://schemas.microsoft.com/office/drawing/2014/main" val="859752306"/>
+                    </a:ext>
+                  </a:extLst>
+                </a:gridCol>
+                <a:gridCol w="1412239">
+                  <a:extLst>
+                    <a:ext uri="{9D8B030D-6E8A-4147-A177-3AD203B41FA5}">
+                      <a16:colId xmlns:a16="http://schemas.microsoft.com/office/drawing/2014/main" val="4054569691"/>
+                    </a:ext>
+                  </a:extLst>
+                </a:gridCol>
+              </a:tblGrid>
+              <a:tr h="888085">
+                <a:tc>
+                  <a:txBody>
+                    <a:bodyPr/>
+                    <a:lstStyle/>
+                    <a:p>
+                      <a:pPr marL="0" marR="0" algn="ctr">
+                        <a:lnSpc>
+                          <a:spcPct val="200000"/>
+                        </a:lnSpc>
+                        <a:spcAft>
+                          <a:spcPts val="800"/>
+                        </a:spcAft>
+                        <a:buNone/>
+                        <a:tabLst>
+                          <a:tab pos="457200" algn="l"/>
+                          <a:tab pos="5029200" algn="r"/>
+                          <a:tab pos="5486400" algn="r"/>
+                        </a:tabLst>
+                      </a:pPr>
+                      <a:r>
+                        <a:rPr lang="en-US" sz="1200" kern="100">
+                          <a:effectLst/>
+                        </a:rPr>
+                        <a:t>Graph</a:t>
+                      </a:r>
+                      <a:endParaRPr lang="en-US" sz="1100" kern="100">
+                        <a:effectLst/>
+                        <a:latin typeface="Aptos" panose="020B0004020202020204" pitchFamily="34" charset="0"/>
+                        <a:ea typeface="Aptos" panose="020B0004020202020204" pitchFamily="34" charset="0"/>
+                        <a:cs typeface="Times New Roman" panose="02020603050405020304" pitchFamily="18" charset="0"/>
+                      </a:endParaRPr>
+                    </a:p>
+                  </a:txBody>
+                  <a:tcPr marL="68580" marR="68580" marT="0" marB="0" anchor="ctr"/>
+                </a:tc>
+                <a:tc>
+                  <a:txBody>
+                    <a:bodyPr/>
+                    <a:lstStyle/>
+                    <a:p>
+                      <a:pPr marL="0" marR="0" algn="ctr">
+                        <a:lnSpc>
+                          <a:spcPct val="107000"/>
+                        </a:lnSpc>
+                        <a:spcAft>
+                          <a:spcPts val="800"/>
+                        </a:spcAft>
+                        <a:buNone/>
+                        <a:tabLst>
+                          <a:tab pos="457200" algn="l"/>
+                          <a:tab pos="5029200" algn="r"/>
+                          <a:tab pos="5486400" algn="r"/>
+                        </a:tabLst>
+                      </a:pPr>
+                      <a:r>
+                        <a:rPr lang="en-US" sz="1200" kern="100" dirty="0">
+                          <a:effectLst/>
+                        </a:rPr>
+                        <a:t>Highest Edge Density </a:t>
+                      </a:r>
+                      <a:endParaRPr lang="en-US" sz="1100" kern="100" dirty="0">
+                        <a:effectLst/>
+                      </a:endParaRPr>
+                    </a:p>
+                    <a:p>
+                      <a:pPr marL="0" marR="0" algn="ctr">
+                        <a:lnSpc>
+                          <a:spcPct val="107000"/>
+                        </a:lnSpc>
+                        <a:spcAft>
+                          <a:spcPts val="800"/>
+                        </a:spcAft>
+                        <a:buNone/>
+                        <a:tabLst>
+                          <a:tab pos="457200" algn="l"/>
+                          <a:tab pos="5029200" algn="r"/>
+                          <a:tab pos="5486400" algn="r"/>
+                        </a:tabLst>
+                      </a:pPr>
+                      <a:r>
+                        <a:rPr lang="en-US" sz="1200" kern="100" dirty="0">
+                          <a:effectLst/>
+                        </a:rPr>
+                        <a:t>(edges / vertices)</a:t>
+                      </a:r>
+                      <a:endParaRPr lang="en-US" sz="1100" kern="100" dirty="0">
+                        <a:effectLst/>
+                        <a:latin typeface="Aptos" panose="020B0004020202020204" pitchFamily="34" charset="0"/>
+                        <a:ea typeface="Aptos" panose="020B0004020202020204" pitchFamily="34" charset="0"/>
+                        <a:cs typeface="Times New Roman" panose="02020603050405020304" pitchFamily="18" charset="0"/>
+                      </a:endParaRPr>
+                    </a:p>
+                  </a:txBody>
+                  <a:tcPr marL="68580" marR="68580" marT="0" marB="0" anchor="ctr"/>
+                </a:tc>
+                <a:tc>
+                  <a:txBody>
+                    <a:bodyPr/>
+                    <a:lstStyle/>
+                    <a:p>
+                      <a:pPr marL="0" marR="0" algn="ctr">
+                        <a:lnSpc>
+                          <a:spcPct val="107000"/>
+                        </a:lnSpc>
+                        <a:spcAft>
+                          <a:spcPts val="800"/>
+                        </a:spcAft>
+                        <a:buNone/>
+                        <a:tabLst>
+                          <a:tab pos="457200" algn="l"/>
+                          <a:tab pos="5029200" algn="r"/>
+                          <a:tab pos="5486400" algn="r"/>
+                        </a:tabLst>
+                      </a:pPr>
+                      <a:r>
+                        <a:rPr lang="en-US" sz="1200" kern="100">
+                          <a:effectLst/>
+                        </a:rPr>
+                        <a:t>Highest 3-Clique Density </a:t>
+                      </a:r>
+                      <a:endParaRPr lang="en-US" sz="1100" kern="100">
+                        <a:effectLst/>
+                      </a:endParaRPr>
+                    </a:p>
+                    <a:p>
+                      <a:pPr marL="0" marR="0" algn="ctr">
+                        <a:lnSpc>
+                          <a:spcPct val="107000"/>
+                        </a:lnSpc>
+                        <a:spcAft>
+                          <a:spcPts val="800"/>
+                        </a:spcAft>
+                        <a:buNone/>
+                        <a:tabLst>
+                          <a:tab pos="457200" algn="l"/>
+                          <a:tab pos="5029200" algn="r"/>
+                          <a:tab pos="5486400" algn="r"/>
+                        </a:tabLst>
+                      </a:pPr>
+                      <a:r>
+                        <a:rPr lang="en-US" sz="1200" kern="100">
+                          <a:effectLst/>
+                        </a:rPr>
+                        <a:t>(3-cliques / vertices)</a:t>
+                      </a:r>
+                      <a:endParaRPr lang="en-US" sz="1100" kern="100">
+                        <a:effectLst/>
+                        <a:latin typeface="Aptos" panose="020B0004020202020204" pitchFamily="34" charset="0"/>
+                        <a:ea typeface="Aptos" panose="020B0004020202020204" pitchFamily="34" charset="0"/>
+                        <a:cs typeface="Times New Roman" panose="02020603050405020304" pitchFamily="18" charset="0"/>
+                      </a:endParaRPr>
+                    </a:p>
+                  </a:txBody>
+                  <a:tcPr marL="68580" marR="68580" marT="0" marB="0" anchor="ctr"/>
+                </a:tc>
+                <a:extLst>
+                  <a:ext uri="{0D108BD9-81ED-4DB2-BD59-A6C34878D82A}">
+                    <a16:rowId xmlns:a16="http://schemas.microsoft.com/office/drawing/2014/main" val="2586854678"/>
+                  </a:ext>
+                </a:extLst>
+              </a:tr>
+              <a:tr h="414826">
+                <a:tc>
+                  <a:txBody>
+                    <a:bodyPr/>
+                    <a:lstStyle/>
+                    <a:p>
+                      <a:pPr marL="0" marR="0" algn="ctr">
+                        <a:lnSpc>
+                          <a:spcPct val="115000"/>
+                        </a:lnSpc>
+                        <a:spcAft>
+                          <a:spcPts val="800"/>
+                        </a:spcAft>
+                        <a:buNone/>
+                        <a:tabLst>
+                          <a:tab pos="457200" algn="l"/>
+                          <a:tab pos="5029200" algn="r"/>
+                          <a:tab pos="5486400" algn="r"/>
+                        </a:tabLst>
+                      </a:pPr>
+                      <a:r>
+                        <a:rPr lang="en-US" sz="1200" kern="100" dirty="0">
+                          <a:effectLst/>
+                        </a:rPr>
+                        <a:t>Yeast Protein Network</a:t>
+                      </a:r>
+                      <a:endParaRPr lang="en-US" sz="1100" kern="100" dirty="0">
+                        <a:effectLst/>
+                        <a:latin typeface="Aptos" panose="020B0004020202020204" pitchFamily="34" charset="0"/>
+                        <a:ea typeface="Aptos" panose="020B0004020202020204" pitchFamily="34" charset="0"/>
+                        <a:cs typeface="Times New Roman" panose="02020603050405020304" pitchFamily="18" charset="0"/>
+                      </a:endParaRPr>
+                    </a:p>
+                  </a:txBody>
+                  <a:tcPr marL="68580" marR="68580" marT="0" marB="0" anchor="ctr"/>
+                </a:tc>
+                <a:tc>
+                  <a:txBody>
+                    <a:bodyPr/>
+                    <a:lstStyle/>
+                    <a:p>
+                      <a:pPr marL="0" marR="0" algn="ctr">
+                        <a:lnSpc>
+                          <a:spcPct val="115000"/>
+                        </a:lnSpc>
+                        <a:spcAft>
+                          <a:spcPts val="800"/>
+                        </a:spcAft>
+                        <a:buNone/>
+                        <a:tabLst>
+                          <a:tab pos="457200" algn="l"/>
+                          <a:tab pos="5029200" algn="r"/>
+                          <a:tab pos="5486400" algn="r"/>
+                        </a:tabLst>
+                      </a:pPr>
+                      <a:r>
+                        <a:rPr lang="en-US" sz="1200" kern="100">
+                          <a:effectLst/>
+                        </a:rPr>
+                        <a:t>2.26</a:t>
+                      </a:r>
+                      <a:endParaRPr lang="en-US" sz="1100" kern="100">
+                        <a:effectLst/>
+                        <a:latin typeface="Aptos" panose="020B0004020202020204" pitchFamily="34" charset="0"/>
+                        <a:ea typeface="Aptos" panose="020B0004020202020204" pitchFamily="34" charset="0"/>
+                        <a:cs typeface="Times New Roman" panose="02020603050405020304" pitchFamily="18" charset="0"/>
+                      </a:endParaRPr>
+                    </a:p>
+                  </a:txBody>
+                  <a:tcPr marL="68580" marR="68580" marT="0" marB="0" anchor="ctr"/>
+                </a:tc>
+                <a:tc>
+                  <a:txBody>
+                    <a:bodyPr/>
+                    <a:lstStyle/>
+                    <a:p>
+                      <a:pPr marL="0" marR="0" algn="ctr">
+                        <a:lnSpc>
+                          <a:spcPct val="115000"/>
+                        </a:lnSpc>
+                        <a:spcAft>
+                          <a:spcPts val="800"/>
+                        </a:spcAft>
+                        <a:buNone/>
+                        <a:tabLst>
+                          <a:tab pos="457200" algn="l"/>
+                          <a:tab pos="5029200" algn="r"/>
+                          <a:tab pos="5486400" algn="r"/>
+                        </a:tabLst>
+                      </a:pPr>
+                      <a:r>
+                        <a:rPr lang="en-US" sz="1200" kern="100">
+                          <a:effectLst/>
+                        </a:rPr>
+                        <a:t>3.71</a:t>
+                      </a:r>
+                      <a:endParaRPr lang="en-US" sz="1100" kern="100">
+                        <a:effectLst/>
+                        <a:latin typeface="Aptos" panose="020B0004020202020204" pitchFamily="34" charset="0"/>
+                        <a:ea typeface="Aptos" panose="020B0004020202020204" pitchFamily="34" charset="0"/>
+                        <a:cs typeface="Times New Roman" panose="02020603050405020304" pitchFamily="18" charset="0"/>
+                      </a:endParaRPr>
+                    </a:p>
+                  </a:txBody>
+                  <a:tcPr marL="68580" marR="68580" marT="0" marB="0" anchor="ctr"/>
+                </a:tc>
+                <a:extLst>
+                  <a:ext uri="{0D108BD9-81ED-4DB2-BD59-A6C34878D82A}">
+                    <a16:rowId xmlns:a16="http://schemas.microsoft.com/office/drawing/2014/main" val="2879032533"/>
+                  </a:ext>
+                </a:extLst>
+              </a:tr>
+              <a:tr h="414826">
+                <a:tc>
+                  <a:txBody>
+                    <a:bodyPr/>
+                    <a:lstStyle/>
+                    <a:p>
+                      <a:pPr marL="0" marR="0" algn="ctr">
+                        <a:lnSpc>
+                          <a:spcPct val="115000"/>
+                        </a:lnSpc>
+                        <a:spcAft>
+                          <a:spcPts val="800"/>
+                        </a:spcAft>
+                        <a:buNone/>
+                        <a:tabLst>
+                          <a:tab pos="457200" algn="l"/>
+                          <a:tab pos="5029200" algn="r"/>
+                          <a:tab pos="5486400" algn="r"/>
+                        </a:tabLst>
+                      </a:pPr>
+                      <a:r>
+                        <a:rPr lang="en-US" sz="1200" kern="100">
+                          <a:effectLst/>
+                        </a:rPr>
+                        <a:t>European Deezer Social Network</a:t>
+                      </a:r>
+                      <a:endParaRPr lang="en-US" sz="1100" kern="100">
+                        <a:effectLst/>
+                        <a:latin typeface="Aptos" panose="020B0004020202020204" pitchFamily="34" charset="0"/>
+                        <a:ea typeface="Aptos" panose="020B0004020202020204" pitchFamily="34" charset="0"/>
+                        <a:cs typeface="Times New Roman" panose="02020603050405020304" pitchFamily="18" charset="0"/>
+                      </a:endParaRPr>
+                    </a:p>
+                  </a:txBody>
+                  <a:tcPr marL="68580" marR="68580" marT="0" marB="0" anchor="ctr"/>
+                </a:tc>
+                <a:tc>
+                  <a:txBody>
+                    <a:bodyPr/>
+                    <a:lstStyle/>
+                    <a:p>
+                      <a:pPr marL="0" marR="0" algn="ctr">
+                        <a:lnSpc>
+                          <a:spcPct val="115000"/>
+                        </a:lnSpc>
+                        <a:spcAft>
+                          <a:spcPts val="800"/>
+                        </a:spcAft>
+                        <a:buNone/>
+                        <a:tabLst>
+                          <a:tab pos="457200" algn="l"/>
+                          <a:tab pos="5029200" algn="r"/>
+                          <a:tab pos="5486400" algn="r"/>
+                        </a:tabLst>
+                      </a:pPr>
+                      <a:r>
+                        <a:rPr lang="en-US" sz="1200" kern="100">
+                          <a:effectLst/>
+                        </a:rPr>
+                        <a:t>8.53</a:t>
+                      </a:r>
+                      <a:endParaRPr lang="en-US" sz="1100" kern="100">
+                        <a:effectLst/>
+                        <a:latin typeface="Aptos" panose="020B0004020202020204" pitchFamily="34" charset="0"/>
+                        <a:ea typeface="Aptos" panose="020B0004020202020204" pitchFamily="34" charset="0"/>
+                        <a:cs typeface="Times New Roman" panose="02020603050405020304" pitchFamily="18" charset="0"/>
+                      </a:endParaRPr>
+                    </a:p>
+                  </a:txBody>
+                  <a:tcPr marL="68580" marR="68580" marT="0" marB="0" anchor="ctr"/>
+                </a:tc>
+                <a:tc>
+                  <a:txBody>
+                    <a:bodyPr/>
+                    <a:lstStyle/>
+                    <a:p>
+                      <a:pPr marL="0" marR="0" algn="ctr">
+                        <a:lnSpc>
+                          <a:spcPct val="115000"/>
+                        </a:lnSpc>
+                        <a:spcAft>
+                          <a:spcPts val="800"/>
+                        </a:spcAft>
+                        <a:buNone/>
+                        <a:tabLst>
+                          <a:tab pos="457200" algn="l"/>
+                          <a:tab pos="5029200" algn="r"/>
+                          <a:tab pos="5486400" algn="r"/>
+                        </a:tabLst>
+                      </a:pPr>
+                      <a:r>
+                        <a:rPr lang="en-US" sz="1200" kern="100">
+                          <a:effectLst/>
+                        </a:rPr>
+                        <a:t>33.41</a:t>
+                      </a:r>
+                      <a:endParaRPr lang="en-US" sz="1100" kern="100">
+                        <a:effectLst/>
+                        <a:latin typeface="Aptos" panose="020B0004020202020204" pitchFamily="34" charset="0"/>
+                        <a:ea typeface="Aptos" panose="020B0004020202020204" pitchFamily="34" charset="0"/>
+                        <a:cs typeface="Times New Roman" panose="02020603050405020304" pitchFamily="18" charset="0"/>
+                      </a:endParaRPr>
+                    </a:p>
+                  </a:txBody>
+                  <a:tcPr marL="68580" marR="68580" marT="0" marB="0" anchor="ctr"/>
+                </a:tc>
+                <a:extLst>
+                  <a:ext uri="{0D108BD9-81ED-4DB2-BD59-A6C34878D82A}">
+                    <a16:rowId xmlns:a16="http://schemas.microsoft.com/office/drawing/2014/main" val="345770372"/>
+                  </a:ext>
+                </a:extLst>
+              </a:tr>
+              <a:tr h="627734">
+                <a:tc>
+                  <a:txBody>
+                    <a:bodyPr/>
+                    <a:lstStyle/>
+                    <a:p>
+                      <a:pPr marL="0" marR="0" algn="ctr">
+                        <a:lnSpc>
+                          <a:spcPct val="115000"/>
+                        </a:lnSpc>
+                        <a:spcAft>
+                          <a:spcPts val="800"/>
+                        </a:spcAft>
+                        <a:buNone/>
+                        <a:tabLst>
+                          <a:tab pos="457200" algn="l"/>
+                          <a:tab pos="5029200" algn="r"/>
+                          <a:tab pos="5486400" algn="r"/>
+                        </a:tabLst>
+                      </a:pPr>
+                      <a:r>
+                        <a:rPr lang="en-US" sz="1200" kern="100" dirty="0">
+                          <a:effectLst/>
+                        </a:rPr>
+                        <a:t>Condense Matter Co-Author Network</a:t>
+                      </a:r>
+                      <a:endParaRPr lang="en-US" sz="1100" kern="100" dirty="0">
+                        <a:effectLst/>
+                        <a:latin typeface="Aptos" panose="020B0004020202020204" pitchFamily="34" charset="0"/>
+                        <a:ea typeface="Aptos" panose="020B0004020202020204" pitchFamily="34" charset="0"/>
+                        <a:cs typeface="Times New Roman" panose="02020603050405020304" pitchFamily="18" charset="0"/>
+                      </a:endParaRPr>
+                    </a:p>
+                  </a:txBody>
+                  <a:tcPr marL="68580" marR="68580" marT="0" marB="0" anchor="ctr"/>
+                </a:tc>
+                <a:tc>
+                  <a:txBody>
+                    <a:bodyPr/>
+                    <a:lstStyle/>
+                    <a:p>
+                      <a:pPr marL="0" marR="0" algn="ctr">
+                        <a:lnSpc>
+                          <a:spcPct val="115000"/>
+                        </a:lnSpc>
+                        <a:spcAft>
+                          <a:spcPts val="800"/>
+                        </a:spcAft>
+                        <a:buNone/>
+                        <a:tabLst>
+                          <a:tab pos="457200" algn="l"/>
+                          <a:tab pos="5029200" algn="r"/>
+                          <a:tab pos="5486400" algn="r"/>
+                        </a:tabLst>
+                      </a:pPr>
+                      <a:r>
+                        <a:rPr lang="en-US" sz="1200" kern="100">
+                          <a:effectLst/>
+                        </a:rPr>
+                        <a:t>13.37</a:t>
+                      </a:r>
+                      <a:endParaRPr lang="en-US" sz="1100" kern="100">
+                        <a:effectLst/>
+                        <a:latin typeface="Aptos" panose="020B0004020202020204" pitchFamily="34" charset="0"/>
+                        <a:ea typeface="Aptos" panose="020B0004020202020204" pitchFamily="34" charset="0"/>
+                        <a:cs typeface="Times New Roman" panose="02020603050405020304" pitchFamily="18" charset="0"/>
+                      </a:endParaRPr>
+                    </a:p>
+                  </a:txBody>
+                  <a:tcPr marL="68580" marR="68580" marT="0" marB="0" anchor="ctr"/>
+                </a:tc>
+                <a:tc>
+                  <a:txBody>
+                    <a:bodyPr/>
+                    <a:lstStyle/>
+                    <a:p>
+                      <a:pPr marL="0" marR="0" algn="ctr">
+                        <a:lnSpc>
+                          <a:spcPct val="115000"/>
+                        </a:lnSpc>
+                        <a:spcAft>
+                          <a:spcPts val="800"/>
+                        </a:spcAft>
+                        <a:buNone/>
+                        <a:tabLst>
+                          <a:tab pos="457200" algn="l"/>
+                          <a:tab pos="5029200" algn="r"/>
+                          <a:tab pos="5486400" algn="r"/>
+                        </a:tabLst>
+                      </a:pPr>
+                      <a:r>
+                        <a:rPr lang="en-US" sz="1200" kern="100">
+                          <a:effectLst/>
+                        </a:rPr>
+                        <a:t>109.63</a:t>
+                      </a:r>
+                      <a:endParaRPr lang="en-US" sz="1100" kern="100">
+                        <a:effectLst/>
+                        <a:latin typeface="Aptos" panose="020B0004020202020204" pitchFamily="34" charset="0"/>
+                        <a:ea typeface="Aptos" panose="020B0004020202020204" pitchFamily="34" charset="0"/>
+                        <a:cs typeface="Times New Roman" panose="02020603050405020304" pitchFamily="18" charset="0"/>
+                      </a:endParaRPr>
+                    </a:p>
+                  </a:txBody>
+                  <a:tcPr marL="68580" marR="68580" marT="0" marB="0" anchor="ctr"/>
+                </a:tc>
+                <a:extLst>
+                  <a:ext uri="{0D108BD9-81ED-4DB2-BD59-A6C34878D82A}">
+                    <a16:rowId xmlns:a16="http://schemas.microsoft.com/office/drawing/2014/main" val="1386233593"/>
+                  </a:ext>
+                </a:extLst>
+              </a:tr>
+              <a:tr h="414826">
+                <a:tc>
+                  <a:txBody>
+                    <a:bodyPr/>
+                    <a:lstStyle/>
+                    <a:p>
+                      <a:pPr marL="0" marR="0" algn="ctr">
+                        <a:lnSpc>
+                          <a:spcPct val="115000"/>
+                        </a:lnSpc>
+                        <a:spcAft>
+                          <a:spcPts val="800"/>
+                        </a:spcAft>
+                        <a:buNone/>
+                        <a:tabLst>
+                          <a:tab pos="457200" algn="l"/>
+                          <a:tab pos="5029200" algn="r"/>
+                          <a:tab pos="5486400" algn="r"/>
+                        </a:tabLst>
+                      </a:pPr>
+                      <a:r>
+                        <a:rPr lang="en-US" sz="1200" kern="100">
+                          <a:effectLst/>
+                        </a:rPr>
+                        <a:t>Synthetic Graph 1</a:t>
+                      </a:r>
+                      <a:endParaRPr lang="en-US" sz="1100" kern="100">
+                        <a:effectLst/>
+                        <a:latin typeface="Aptos" panose="020B0004020202020204" pitchFamily="34" charset="0"/>
+                        <a:ea typeface="Aptos" panose="020B0004020202020204" pitchFamily="34" charset="0"/>
+                        <a:cs typeface="Times New Roman" panose="02020603050405020304" pitchFamily="18" charset="0"/>
+                      </a:endParaRPr>
+                    </a:p>
+                  </a:txBody>
+                  <a:tcPr marL="68580" marR="68580" marT="0" marB="0" anchor="ctr"/>
+                </a:tc>
+                <a:tc>
+                  <a:txBody>
+                    <a:bodyPr/>
+                    <a:lstStyle/>
+                    <a:p>
+                      <a:pPr marL="0" marR="0" algn="ctr">
+                        <a:lnSpc>
+                          <a:spcPct val="115000"/>
+                        </a:lnSpc>
+                        <a:spcAft>
+                          <a:spcPts val="800"/>
+                        </a:spcAft>
+                        <a:buNone/>
+                        <a:tabLst>
+                          <a:tab pos="457200" algn="l"/>
+                          <a:tab pos="5029200" algn="r"/>
+                          <a:tab pos="5486400" algn="r"/>
+                        </a:tabLst>
+                      </a:pPr>
+                      <a:r>
+                        <a:rPr lang="en-US" sz="1200" kern="100">
+                          <a:effectLst/>
+                        </a:rPr>
+                        <a:t>12.55</a:t>
+                      </a:r>
+                      <a:endParaRPr lang="en-US" sz="1100" kern="100">
+                        <a:effectLst/>
+                        <a:latin typeface="Aptos" panose="020B0004020202020204" pitchFamily="34" charset="0"/>
+                        <a:ea typeface="Aptos" panose="020B0004020202020204" pitchFamily="34" charset="0"/>
+                        <a:cs typeface="Times New Roman" panose="02020603050405020304" pitchFamily="18" charset="0"/>
+                      </a:endParaRPr>
+                    </a:p>
+                  </a:txBody>
+                  <a:tcPr marL="68580" marR="68580" marT="0" marB="0" anchor="ctr"/>
+                </a:tc>
+                <a:tc>
+                  <a:txBody>
+                    <a:bodyPr/>
+                    <a:lstStyle/>
+                    <a:p>
+                      <a:pPr marL="0" marR="0" algn="ctr">
+                        <a:lnSpc>
+                          <a:spcPct val="115000"/>
+                        </a:lnSpc>
+                        <a:spcAft>
+                          <a:spcPts val="800"/>
+                        </a:spcAft>
+                        <a:buNone/>
+                        <a:tabLst>
+                          <a:tab pos="457200" algn="l"/>
+                          <a:tab pos="5029200" algn="r"/>
+                          <a:tab pos="5486400" algn="r"/>
+                        </a:tabLst>
+                      </a:pPr>
+                      <a:r>
+                        <a:rPr lang="en-US" sz="1200" kern="100">
+                          <a:effectLst/>
+                        </a:rPr>
+                        <a:t>5.23</a:t>
+                      </a:r>
+                      <a:endParaRPr lang="en-US" sz="1100" kern="100">
+                        <a:effectLst/>
+                        <a:latin typeface="Aptos" panose="020B0004020202020204" pitchFamily="34" charset="0"/>
+                        <a:ea typeface="Aptos" panose="020B0004020202020204" pitchFamily="34" charset="0"/>
+                        <a:cs typeface="Times New Roman" panose="02020603050405020304" pitchFamily="18" charset="0"/>
+                      </a:endParaRPr>
+                    </a:p>
+                  </a:txBody>
+                  <a:tcPr marL="68580" marR="68580" marT="0" marB="0" anchor="ctr"/>
+                </a:tc>
+                <a:extLst>
+                  <a:ext uri="{0D108BD9-81ED-4DB2-BD59-A6C34878D82A}">
+                    <a16:rowId xmlns:a16="http://schemas.microsoft.com/office/drawing/2014/main" val="81498227"/>
+                  </a:ext>
+                </a:extLst>
+              </a:tr>
+              <a:tr h="414826">
+                <a:tc>
+                  <a:txBody>
+                    <a:bodyPr/>
+                    <a:lstStyle/>
+                    <a:p>
+                      <a:pPr marL="0" marR="0" algn="ctr">
+                        <a:lnSpc>
+                          <a:spcPct val="115000"/>
+                        </a:lnSpc>
+                        <a:spcAft>
+                          <a:spcPts val="800"/>
+                        </a:spcAft>
+                        <a:buNone/>
+                        <a:tabLst>
+                          <a:tab pos="457200" algn="l"/>
+                          <a:tab pos="5029200" algn="r"/>
+                          <a:tab pos="5486400" algn="r"/>
+                        </a:tabLst>
+                      </a:pPr>
+                      <a:r>
+                        <a:rPr lang="en-US" sz="1200" kern="100">
+                          <a:effectLst/>
+                        </a:rPr>
+                        <a:t>Synthetic Graph 2</a:t>
+                      </a:r>
+                      <a:endParaRPr lang="en-US" sz="1100" kern="100">
+                        <a:effectLst/>
+                        <a:latin typeface="Aptos" panose="020B0004020202020204" pitchFamily="34" charset="0"/>
+                        <a:ea typeface="Aptos" panose="020B0004020202020204" pitchFamily="34" charset="0"/>
+                        <a:cs typeface="Times New Roman" panose="02020603050405020304" pitchFamily="18" charset="0"/>
+                      </a:endParaRPr>
+                    </a:p>
+                  </a:txBody>
+                  <a:tcPr marL="68580" marR="68580" marT="0" marB="0" anchor="ctr"/>
+                </a:tc>
+                <a:tc>
+                  <a:txBody>
+                    <a:bodyPr/>
+                    <a:lstStyle/>
+                    <a:p>
+                      <a:pPr marL="0" marR="0" algn="ctr">
+                        <a:lnSpc>
+                          <a:spcPct val="115000"/>
+                        </a:lnSpc>
+                        <a:spcAft>
+                          <a:spcPts val="800"/>
+                        </a:spcAft>
+                        <a:buNone/>
+                        <a:tabLst>
+                          <a:tab pos="457200" algn="l"/>
+                          <a:tab pos="5029200" algn="r"/>
+                          <a:tab pos="5486400" algn="r"/>
+                        </a:tabLst>
+                      </a:pPr>
+                      <a:r>
+                        <a:rPr lang="en-US" sz="1200" kern="100">
+                          <a:effectLst/>
+                        </a:rPr>
+                        <a:t>24.74</a:t>
+                      </a:r>
+                      <a:endParaRPr lang="en-US" sz="1100" kern="100">
+                        <a:effectLst/>
+                        <a:latin typeface="Aptos" panose="020B0004020202020204" pitchFamily="34" charset="0"/>
+                        <a:ea typeface="Aptos" panose="020B0004020202020204" pitchFamily="34" charset="0"/>
+                        <a:cs typeface="Times New Roman" panose="02020603050405020304" pitchFamily="18" charset="0"/>
+                      </a:endParaRPr>
+                    </a:p>
+                  </a:txBody>
+                  <a:tcPr marL="68580" marR="68580" marT="0" marB="0" anchor="ctr"/>
+                </a:tc>
+                <a:tc>
+                  <a:txBody>
+                    <a:bodyPr/>
+                    <a:lstStyle/>
+                    <a:p>
+                      <a:pPr marL="0" marR="0" algn="ctr">
+                        <a:lnSpc>
+                          <a:spcPct val="115000"/>
+                        </a:lnSpc>
+                        <a:spcAft>
+                          <a:spcPts val="800"/>
+                        </a:spcAft>
+                        <a:buNone/>
+                        <a:tabLst>
+                          <a:tab pos="457200" algn="l"/>
+                          <a:tab pos="5029200" algn="r"/>
+                          <a:tab pos="5486400" algn="r"/>
+                        </a:tabLst>
+                      </a:pPr>
+                      <a:r>
+                        <a:rPr lang="en-US" sz="1200" kern="100">
+                          <a:effectLst/>
+                        </a:rPr>
+                        <a:t>40.67</a:t>
+                      </a:r>
+                      <a:endParaRPr lang="en-US" sz="1100" kern="100">
+                        <a:effectLst/>
+                        <a:latin typeface="Aptos" panose="020B0004020202020204" pitchFamily="34" charset="0"/>
+                        <a:ea typeface="Aptos" panose="020B0004020202020204" pitchFamily="34" charset="0"/>
+                        <a:cs typeface="Times New Roman" panose="02020603050405020304" pitchFamily="18" charset="0"/>
+                      </a:endParaRPr>
+                    </a:p>
+                  </a:txBody>
+                  <a:tcPr marL="68580" marR="68580" marT="0" marB="0" anchor="ctr"/>
+                </a:tc>
+                <a:extLst>
+                  <a:ext uri="{0D108BD9-81ED-4DB2-BD59-A6C34878D82A}">
+                    <a16:rowId xmlns:a16="http://schemas.microsoft.com/office/drawing/2014/main" val="3963273681"/>
+                  </a:ext>
+                </a:extLst>
+              </a:tr>
+              <a:tr h="414826">
+                <a:tc>
+                  <a:txBody>
+                    <a:bodyPr/>
+                    <a:lstStyle/>
+                    <a:p>
+                      <a:pPr marL="0" marR="0" algn="ctr">
+                        <a:lnSpc>
+                          <a:spcPct val="115000"/>
+                        </a:lnSpc>
+                        <a:spcAft>
+                          <a:spcPts val="800"/>
+                        </a:spcAft>
+                        <a:buNone/>
+                        <a:tabLst>
+                          <a:tab pos="457200" algn="l"/>
+                          <a:tab pos="5029200" algn="r"/>
+                          <a:tab pos="5486400" algn="r"/>
+                        </a:tabLst>
+                      </a:pPr>
+                      <a:r>
+                        <a:rPr lang="en-US" sz="1200" kern="100">
+                          <a:effectLst/>
+                        </a:rPr>
+                        <a:t>Synthetic Graph 3</a:t>
+                      </a:r>
+                      <a:endParaRPr lang="en-US" sz="1100" kern="100">
+                        <a:effectLst/>
+                        <a:latin typeface="Aptos" panose="020B0004020202020204" pitchFamily="34" charset="0"/>
+                        <a:ea typeface="Aptos" panose="020B0004020202020204" pitchFamily="34" charset="0"/>
+                        <a:cs typeface="Times New Roman" panose="02020603050405020304" pitchFamily="18" charset="0"/>
+                      </a:endParaRPr>
+                    </a:p>
+                  </a:txBody>
+                  <a:tcPr marL="68580" marR="68580" marT="0" marB="0" anchor="ctr"/>
+                </a:tc>
+                <a:tc>
+                  <a:txBody>
+                    <a:bodyPr/>
+                    <a:lstStyle/>
+                    <a:p>
+                      <a:pPr marL="0" marR="0" algn="ctr">
+                        <a:lnSpc>
+                          <a:spcPct val="115000"/>
+                        </a:lnSpc>
+                        <a:spcAft>
+                          <a:spcPts val="800"/>
+                        </a:spcAft>
+                        <a:buNone/>
+                        <a:tabLst>
+                          <a:tab pos="457200" algn="l"/>
+                          <a:tab pos="5029200" algn="r"/>
+                          <a:tab pos="5486400" algn="r"/>
+                        </a:tabLst>
+                      </a:pPr>
+                      <a:r>
+                        <a:rPr lang="en-US" sz="1200" kern="100">
+                          <a:effectLst/>
+                        </a:rPr>
+                        <a:t>25.05</a:t>
+                      </a:r>
+                      <a:endParaRPr lang="en-US" sz="1100" kern="100">
+                        <a:effectLst/>
+                        <a:latin typeface="Aptos" panose="020B0004020202020204" pitchFamily="34" charset="0"/>
+                        <a:ea typeface="Aptos" panose="020B0004020202020204" pitchFamily="34" charset="0"/>
+                        <a:cs typeface="Times New Roman" panose="02020603050405020304" pitchFamily="18" charset="0"/>
+                      </a:endParaRPr>
+                    </a:p>
+                  </a:txBody>
+                  <a:tcPr marL="68580" marR="68580" marT="0" marB="0" anchor="ctr"/>
+                </a:tc>
+                <a:tc>
+                  <a:txBody>
+                    <a:bodyPr/>
+                    <a:lstStyle/>
+                    <a:p>
+                      <a:pPr marL="0" marR="0" algn="ctr">
+                        <a:lnSpc>
+                          <a:spcPct val="115000"/>
+                        </a:lnSpc>
+                        <a:spcAft>
+                          <a:spcPts val="800"/>
+                        </a:spcAft>
+                        <a:buNone/>
+                        <a:tabLst>
+                          <a:tab pos="457200" algn="l"/>
+                          <a:tab pos="5029200" algn="r"/>
+                          <a:tab pos="5486400" algn="r"/>
+                        </a:tabLst>
+                      </a:pPr>
+                      <a:r>
+                        <a:rPr lang="en-US" sz="1200" kern="100">
+                          <a:effectLst/>
+                        </a:rPr>
+                        <a:t>20.80</a:t>
+                      </a:r>
+                      <a:endParaRPr lang="en-US" sz="1100" kern="100">
+                        <a:effectLst/>
+                        <a:latin typeface="Aptos" panose="020B0004020202020204" pitchFamily="34" charset="0"/>
+                        <a:ea typeface="Aptos" panose="020B0004020202020204" pitchFamily="34" charset="0"/>
+                        <a:cs typeface="Times New Roman" panose="02020603050405020304" pitchFamily="18" charset="0"/>
+                      </a:endParaRPr>
+                    </a:p>
+                  </a:txBody>
+                  <a:tcPr marL="68580" marR="68580" marT="0" marB="0" anchor="ctr"/>
+                </a:tc>
+                <a:extLst>
+                  <a:ext uri="{0D108BD9-81ED-4DB2-BD59-A6C34878D82A}">
+                    <a16:rowId xmlns:a16="http://schemas.microsoft.com/office/drawing/2014/main" val="2188748533"/>
+                  </a:ext>
+                </a:extLst>
+              </a:tr>
+              <a:tr h="414826">
+                <a:tc>
+                  <a:txBody>
+                    <a:bodyPr/>
+                    <a:lstStyle/>
+                    <a:p>
+                      <a:pPr marL="0" marR="0" algn="ctr">
+                        <a:lnSpc>
+                          <a:spcPct val="115000"/>
+                        </a:lnSpc>
+                        <a:spcAft>
+                          <a:spcPts val="800"/>
+                        </a:spcAft>
+                        <a:buNone/>
+                        <a:tabLst>
+                          <a:tab pos="457200" algn="l"/>
+                          <a:tab pos="5029200" algn="r"/>
+                          <a:tab pos="5486400" algn="r"/>
+                        </a:tabLst>
+                      </a:pPr>
+                      <a:r>
+                        <a:rPr lang="en-US" sz="1200" kern="100">
+                          <a:effectLst/>
+                        </a:rPr>
+                        <a:t>Synthetic Graph 4</a:t>
+                      </a:r>
+                      <a:endParaRPr lang="en-US" sz="1100" kern="100">
+                        <a:effectLst/>
+                        <a:latin typeface="Aptos" panose="020B0004020202020204" pitchFamily="34" charset="0"/>
+                        <a:ea typeface="Aptos" panose="020B0004020202020204" pitchFamily="34" charset="0"/>
+                        <a:cs typeface="Times New Roman" panose="02020603050405020304" pitchFamily="18" charset="0"/>
+                      </a:endParaRPr>
+                    </a:p>
+                  </a:txBody>
+                  <a:tcPr marL="68580" marR="68580" marT="0" marB="0" anchor="ctr"/>
+                </a:tc>
+                <a:tc>
+                  <a:txBody>
+                    <a:bodyPr/>
+                    <a:lstStyle/>
+                    <a:p>
+                      <a:pPr marL="0" marR="0" algn="ctr">
+                        <a:lnSpc>
+                          <a:spcPct val="115000"/>
+                        </a:lnSpc>
+                        <a:spcAft>
+                          <a:spcPts val="800"/>
+                        </a:spcAft>
+                        <a:buNone/>
+                        <a:tabLst>
+                          <a:tab pos="457200" algn="l"/>
+                          <a:tab pos="5029200" algn="r"/>
+                          <a:tab pos="5486400" algn="r"/>
+                        </a:tabLst>
+                      </a:pPr>
+                      <a:r>
+                        <a:rPr lang="en-US" sz="1200" kern="100">
+                          <a:effectLst/>
+                        </a:rPr>
+                        <a:t>12.51</a:t>
+                      </a:r>
+                      <a:endParaRPr lang="en-US" sz="1100" kern="100">
+                        <a:effectLst/>
+                        <a:latin typeface="Aptos" panose="020B0004020202020204" pitchFamily="34" charset="0"/>
+                        <a:ea typeface="Aptos" panose="020B0004020202020204" pitchFamily="34" charset="0"/>
+                        <a:cs typeface="Times New Roman" panose="02020603050405020304" pitchFamily="18" charset="0"/>
+                      </a:endParaRPr>
+                    </a:p>
+                  </a:txBody>
+                  <a:tcPr marL="68580" marR="68580" marT="0" marB="0" anchor="ctr"/>
+                </a:tc>
+                <a:tc>
+                  <a:txBody>
+                    <a:bodyPr/>
+                    <a:lstStyle/>
+                    <a:p>
+                      <a:pPr marL="0" marR="0" algn="ctr">
+                        <a:lnSpc>
+                          <a:spcPct val="115000"/>
+                        </a:lnSpc>
+                        <a:spcAft>
+                          <a:spcPts val="800"/>
+                        </a:spcAft>
+                        <a:buNone/>
+                        <a:tabLst>
+                          <a:tab pos="457200" algn="l"/>
+                          <a:tab pos="5029200" algn="r"/>
+                          <a:tab pos="5486400" algn="r"/>
+                        </a:tabLst>
+                      </a:pPr>
+                      <a:r>
+                        <a:rPr lang="en-US" sz="1200" kern="100">
+                          <a:effectLst/>
+                        </a:rPr>
+                        <a:t>1.21</a:t>
+                      </a:r>
+                      <a:endParaRPr lang="en-US" sz="1100" kern="100">
+                        <a:effectLst/>
+                        <a:latin typeface="Aptos" panose="020B0004020202020204" pitchFamily="34" charset="0"/>
+                        <a:ea typeface="Aptos" panose="020B0004020202020204" pitchFamily="34" charset="0"/>
+                        <a:cs typeface="Times New Roman" panose="02020603050405020304" pitchFamily="18" charset="0"/>
+                      </a:endParaRPr>
+                    </a:p>
+                  </a:txBody>
+                  <a:tcPr marL="68580" marR="68580" marT="0" marB="0" anchor="ctr"/>
+                </a:tc>
+                <a:extLst>
+                  <a:ext uri="{0D108BD9-81ED-4DB2-BD59-A6C34878D82A}">
+                    <a16:rowId xmlns:a16="http://schemas.microsoft.com/office/drawing/2014/main" val="4163819237"/>
+                  </a:ext>
+                </a:extLst>
+              </a:tr>
+              <a:tr h="414826">
+                <a:tc>
+                  <a:txBody>
+                    <a:bodyPr/>
+                    <a:lstStyle/>
+                    <a:p>
+                      <a:pPr marL="0" marR="0" algn="ctr">
+                        <a:lnSpc>
+                          <a:spcPct val="115000"/>
+                        </a:lnSpc>
+                        <a:spcAft>
+                          <a:spcPts val="800"/>
+                        </a:spcAft>
+                        <a:buNone/>
+                        <a:tabLst>
+                          <a:tab pos="457200" algn="l"/>
+                          <a:tab pos="5029200" algn="r"/>
+                          <a:tab pos="5486400" algn="r"/>
+                        </a:tabLst>
+                      </a:pPr>
+                      <a:r>
+                        <a:rPr lang="en-US" sz="1200" kern="100">
+                          <a:effectLst/>
+                        </a:rPr>
+                        <a:t>Synthetic Graph 5</a:t>
+                      </a:r>
+                      <a:endParaRPr lang="en-US" sz="1100" kern="100">
+                        <a:effectLst/>
+                        <a:latin typeface="Aptos" panose="020B0004020202020204" pitchFamily="34" charset="0"/>
+                        <a:ea typeface="Aptos" panose="020B0004020202020204" pitchFamily="34" charset="0"/>
+                        <a:cs typeface="Times New Roman" panose="02020603050405020304" pitchFamily="18" charset="0"/>
+                      </a:endParaRPr>
+                    </a:p>
+                  </a:txBody>
+                  <a:tcPr marL="68580" marR="68580" marT="0" marB="0" anchor="ctr"/>
+                </a:tc>
+                <a:tc>
+                  <a:txBody>
+                    <a:bodyPr/>
+                    <a:lstStyle/>
+                    <a:p>
+                      <a:pPr marL="0" marR="0" algn="ctr">
+                        <a:lnSpc>
+                          <a:spcPct val="115000"/>
+                        </a:lnSpc>
+                        <a:spcAft>
+                          <a:spcPts val="800"/>
+                        </a:spcAft>
+                        <a:buNone/>
+                        <a:tabLst>
+                          <a:tab pos="457200" algn="l"/>
+                          <a:tab pos="5029200" algn="r"/>
+                          <a:tab pos="5486400" algn="r"/>
+                        </a:tabLst>
+                      </a:pPr>
+                      <a:r>
+                        <a:rPr lang="en-US" sz="1200" kern="100">
+                          <a:effectLst/>
+                        </a:rPr>
+                        <a:t>2.62</a:t>
+                      </a:r>
+                      <a:endParaRPr lang="en-US" sz="1100" kern="100">
+                        <a:effectLst/>
+                        <a:latin typeface="Aptos" panose="020B0004020202020204" pitchFamily="34" charset="0"/>
+                        <a:ea typeface="Aptos" panose="020B0004020202020204" pitchFamily="34" charset="0"/>
+                        <a:cs typeface="Times New Roman" panose="02020603050405020304" pitchFamily="18" charset="0"/>
+                      </a:endParaRPr>
+                    </a:p>
+                  </a:txBody>
+                  <a:tcPr marL="68580" marR="68580" marT="0" marB="0" anchor="ctr"/>
+                </a:tc>
+                <a:tc>
+                  <a:txBody>
+                    <a:bodyPr/>
+                    <a:lstStyle/>
+                    <a:p>
+                      <a:pPr marL="0" marR="0" algn="ctr">
+                        <a:lnSpc>
+                          <a:spcPct val="115000"/>
+                        </a:lnSpc>
+                        <a:spcAft>
+                          <a:spcPts val="800"/>
+                        </a:spcAft>
+                        <a:buNone/>
+                        <a:tabLst>
+                          <a:tab pos="457200" algn="l"/>
+                          <a:tab pos="5029200" algn="r"/>
+                          <a:tab pos="5486400" algn="r"/>
+                        </a:tabLst>
+                      </a:pPr>
+                      <a:r>
+                        <a:rPr lang="en-US" sz="1200" kern="100" dirty="0">
+                          <a:effectLst/>
+                        </a:rPr>
+                        <a:t>0.33</a:t>
+                      </a:r>
+                      <a:endParaRPr lang="en-US" sz="1100" kern="100" dirty="0">
+                        <a:effectLst/>
+                        <a:latin typeface="Aptos" panose="020B0004020202020204" pitchFamily="34" charset="0"/>
+                        <a:ea typeface="Aptos" panose="020B0004020202020204" pitchFamily="34" charset="0"/>
+                        <a:cs typeface="Times New Roman" panose="02020603050405020304" pitchFamily="18" charset="0"/>
+                      </a:endParaRPr>
+                    </a:p>
+                  </a:txBody>
+                  <a:tcPr marL="68580" marR="68580" marT="0" marB="0" anchor="ctr"/>
+                </a:tc>
+                <a:extLst>
+                  <a:ext uri="{0D108BD9-81ED-4DB2-BD59-A6C34878D82A}">
+                    <a16:rowId xmlns:a16="http://schemas.microsoft.com/office/drawing/2014/main" val="2154627806"/>
+                  </a:ext>
+                </a:extLst>
+              </a:tr>
+            </a:tbl>
+          </a:graphicData>
+        </a:graphic>
+      </p:graphicFrame>
+      <p:sp>
+        <p:nvSpPr>
+          <p:cNvPr id="6" name="Content Placeholder 2">
+            <a:extLst>
+              <a:ext uri="{FF2B5EF4-FFF2-40B4-BE49-F238E27FC236}">
+                <a16:creationId xmlns:a16="http://schemas.microsoft.com/office/drawing/2014/main" id="{515C6DD9-C7E8-ED7B-8939-FDBCB891D706}"/>
+              </a:ext>
+            </a:extLst>
+          </p:cNvPr>
+          <p:cNvSpPr txBox="1">
+            <a:spLocks/>
+          </p:cNvSpPr>
+          <p:nvPr/>
+        </p:nvSpPr>
+        <p:spPr>
+          <a:xfrm>
+            <a:off x="167639" y="990600"/>
+            <a:ext cx="4236717" cy="688425"/>
+          </a:xfrm>
+          <a:prstGeom prst="rect">
+            <a:avLst/>
+          </a:prstGeom>
+        </p:spPr>
+        <p:txBody>
+          <a:bodyPr vert="horz" lIns="91440" tIns="45720" rIns="91440" bIns="45720" rtlCol="0">
+            <a:normAutofit/>
+          </a:bodyPr>
+          <a:lstStyle>
+            <a:lvl1pPr marL="342900" indent="-342900" algn="l" defTabSz="457200" rtl="0" eaLnBrk="1" latinLnBrk="0" hangingPunct="1">
+              <a:spcBef>
+                <a:spcPct val="20000"/>
+              </a:spcBef>
+              <a:buFont typeface="Arial"/>
+              <a:buChar char="•"/>
+              <a:defRPr sz="3200" kern="1200">
+                <a:solidFill>
+                  <a:schemeClr val="tx1"/>
+                </a:solidFill>
+                <a:latin typeface="+mn-lt"/>
+                <a:ea typeface="+mn-ea"/>
+                <a:cs typeface="+mn-cs"/>
+              </a:defRPr>
+            </a:lvl1pPr>
+            <a:lvl2pPr marL="742950" indent="-285750" algn="l" defTabSz="457200" rtl="0" eaLnBrk="1" latinLnBrk="0" hangingPunct="1">
+              <a:spcBef>
+                <a:spcPct val="20000"/>
+              </a:spcBef>
+              <a:buFont typeface="Arial"/>
+              <a:buChar char="–"/>
+              <a:defRPr sz="2800" kern="1200">
+                <a:solidFill>
+                  <a:schemeClr val="tx1"/>
+                </a:solidFill>
+                <a:latin typeface="+mn-lt"/>
+                <a:ea typeface="+mn-ea"/>
+                <a:cs typeface="+mn-cs"/>
+              </a:defRPr>
+            </a:lvl2pPr>
+            <a:lvl3pPr marL="1143000" indent="-228600" algn="l" defTabSz="457200" rtl="0" eaLnBrk="1" latinLnBrk="0" hangingPunct="1">
+              <a:spcBef>
+                <a:spcPct val="20000"/>
+              </a:spcBef>
+              <a:buFont typeface="Arial"/>
+              <a:buChar char="•"/>
+              <a:defRPr sz="2400" kern="1200">
+                <a:solidFill>
+                  <a:schemeClr val="tx1"/>
+                </a:solidFill>
+                <a:latin typeface="+mn-lt"/>
+                <a:ea typeface="+mn-ea"/>
+                <a:cs typeface="+mn-cs"/>
+              </a:defRPr>
+            </a:lvl3pPr>
+            <a:lvl4pPr marL="1600200" indent="-228600" algn="l" defTabSz="457200" rtl="0" eaLnBrk="1" latinLnBrk="0" hangingPunct="1">
+              <a:spcBef>
+                <a:spcPct val="20000"/>
+              </a:spcBef>
+              <a:buFont typeface="Arial"/>
+              <a:buChar char="–"/>
+              <a:defRPr sz="2000" kern="1200">
+                <a:solidFill>
+                  <a:schemeClr val="tx1"/>
+                </a:solidFill>
+                <a:latin typeface="+mn-lt"/>
+                <a:ea typeface="+mn-ea"/>
+                <a:cs typeface="+mn-cs"/>
+              </a:defRPr>
+            </a:lvl4pPr>
+            <a:lvl5pPr marL="2057400" indent="-228600" algn="l" defTabSz="457200" rtl="0" eaLnBrk="1" latinLnBrk="0" hangingPunct="1">
+              <a:spcBef>
+                <a:spcPct val="20000"/>
+              </a:spcBef>
+              <a:buFont typeface="Arial"/>
+              <a:buChar char="»"/>
+              <a:defRPr sz="2000" kern="1200">
+                <a:solidFill>
+                  <a:schemeClr val="tx1"/>
+                </a:solidFill>
+                <a:latin typeface="+mn-lt"/>
+                <a:ea typeface="+mn-ea"/>
+                <a:cs typeface="+mn-cs"/>
+              </a:defRPr>
+            </a:lvl5pPr>
+            <a:lvl6pPr marL="2514600" indent="-228600" algn="l" defTabSz="457200" rtl="0" eaLnBrk="1" latinLnBrk="0" hangingPunct="1">
+              <a:spcBef>
+                <a:spcPct val="20000"/>
+              </a:spcBef>
+              <a:buFont typeface="Arial"/>
+              <a:buChar char="•"/>
+              <a:defRPr sz="2000" kern="1200">
+                <a:solidFill>
+                  <a:schemeClr val="tx1"/>
+                </a:solidFill>
+                <a:latin typeface="+mn-lt"/>
+                <a:ea typeface="+mn-ea"/>
+                <a:cs typeface="+mn-cs"/>
+              </a:defRPr>
+            </a:lvl6pPr>
+            <a:lvl7pPr marL="2971800" indent="-228600" algn="l" defTabSz="457200" rtl="0" eaLnBrk="1" latinLnBrk="0" hangingPunct="1">
+              <a:spcBef>
+                <a:spcPct val="20000"/>
+              </a:spcBef>
+              <a:buFont typeface="Arial"/>
+              <a:buChar char="•"/>
+              <a:defRPr sz="2000" kern="1200">
+                <a:solidFill>
+                  <a:schemeClr val="tx1"/>
+                </a:solidFill>
+                <a:latin typeface="+mn-lt"/>
+                <a:ea typeface="+mn-ea"/>
+                <a:cs typeface="+mn-cs"/>
+              </a:defRPr>
+            </a:lvl7pPr>
+            <a:lvl8pPr marL="3429000" indent="-228600" algn="l" defTabSz="457200" rtl="0" eaLnBrk="1" latinLnBrk="0" hangingPunct="1">
+              <a:spcBef>
+                <a:spcPct val="20000"/>
+              </a:spcBef>
+              <a:buFont typeface="Arial"/>
+              <a:buChar char="•"/>
+              <a:defRPr sz="2000" kern="1200">
+                <a:solidFill>
+                  <a:schemeClr val="tx1"/>
+                </a:solidFill>
+                <a:latin typeface="+mn-lt"/>
+                <a:ea typeface="+mn-ea"/>
+                <a:cs typeface="+mn-cs"/>
+              </a:defRPr>
+            </a:lvl8pPr>
+            <a:lvl9pPr marL="3886200" indent="-228600" algn="l" defTabSz="457200" rtl="0" eaLnBrk="1" latinLnBrk="0" hangingPunct="1">
+              <a:spcBef>
+                <a:spcPct val="20000"/>
+              </a:spcBef>
+              <a:buFont typeface="Arial"/>
+              <a:buChar char="•"/>
+              <a:defRPr sz="2000" kern="1200">
+                <a:solidFill>
+                  <a:schemeClr val="tx1"/>
+                </a:solidFill>
+                <a:latin typeface="+mn-lt"/>
+                <a:ea typeface="+mn-ea"/>
+                <a:cs typeface="+mn-cs"/>
+              </a:defRPr>
+            </a:lvl9pPr>
+          </a:lstStyle>
+          <a:p>
+            <a:pPr marL="0" indent="0" algn="ctr">
+              <a:buNone/>
+            </a:pPr>
+            <a:r>
+              <a:rPr lang="en-US" sz="1800" dirty="0">
+                <a:latin typeface="Bookman Old Style" panose="02050604050505020204" pitchFamily="18" charset="0"/>
+              </a:rPr>
+              <a:t>Vertex and Edge Number by Graph</a:t>
+            </a:r>
+          </a:p>
+        </p:txBody>
+      </p:sp>
+      <p:sp>
+        <p:nvSpPr>
+          <p:cNvPr id="7" name="Content Placeholder 2">
+            <a:extLst>
+              <a:ext uri="{FF2B5EF4-FFF2-40B4-BE49-F238E27FC236}">
+                <a16:creationId xmlns:a16="http://schemas.microsoft.com/office/drawing/2014/main" id="{B43388E8-E5E7-AB38-C693-0E7652FD7493}"/>
+              </a:ext>
+            </a:extLst>
+          </p:cNvPr>
+          <p:cNvSpPr txBox="1">
+            <a:spLocks/>
+          </p:cNvSpPr>
+          <p:nvPr/>
+        </p:nvSpPr>
+        <p:spPr>
+          <a:xfrm>
+            <a:off x="4648201" y="823375"/>
+            <a:ext cx="4389119" cy="688425"/>
+          </a:xfrm>
+          <a:prstGeom prst="rect">
+            <a:avLst/>
+          </a:prstGeom>
+        </p:spPr>
+        <p:txBody>
+          <a:bodyPr vert="horz" lIns="91440" tIns="45720" rIns="91440" bIns="45720" rtlCol="0">
+            <a:noAutofit/>
+          </a:bodyPr>
+          <a:lstStyle>
+            <a:lvl1pPr marL="342900" indent="-342900" algn="l" defTabSz="457200" rtl="0" eaLnBrk="1" latinLnBrk="0" hangingPunct="1">
+              <a:spcBef>
+                <a:spcPct val="20000"/>
+              </a:spcBef>
+              <a:buFont typeface="Arial"/>
+              <a:buChar char="•"/>
+              <a:defRPr sz="3200" kern="1200">
+                <a:solidFill>
+                  <a:schemeClr val="tx1"/>
+                </a:solidFill>
+                <a:latin typeface="+mn-lt"/>
+                <a:ea typeface="+mn-ea"/>
+                <a:cs typeface="+mn-cs"/>
+              </a:defRPr>
+            </a:lvl1pPr>
+            <a:lvl2pPr marL="742950" indent="-285750" algn="l" defTabSz="457200" rtl="0" eaLnBrk="1" latinLnBrk="0" hangingPunct="1">
+              <a:spcBef>
+                <a:spcPct val="20000"/>
+              </a:spcBef>
+              <a:buFont typeface="Arial"/>
+              <a:buChar char="–"/>
+              <a:defRPr sz="2800" kern="1200">
+                <a:solidFill>
+                  <a:schemeClr val="tx1"/>
+                </a:solidFill>
+                <a:latin typeface="+mn-lt"/>
+                <a:ea typeface="+mn-ea"/>
+                <a:cs typeface="+mn-cs"/>
+              </a:defRPr>
+            </a:lvl2pPr>
+            <a:lvl3pPr marL="1143000" indent="-228600" algn="l" defTabSz="457200" rtl="0" eaLnBrk="1" latinLnBrk="0" hangingPunct="1">
+              <a:spcBef>
+                <a:spcPct val="20000"/>
+              </a:spcBef>
+              <a:buFont typeface="Arial"/>
+              <a:buChar char="•"/>
+              <a:defRPr sz="2400" kern="1200">
+                <a:solidFill>
+                  <a:schemeClr val="tx1"/>
+                </a:solidFill>
+                <a:latin typeface="+mn-lt"/>
+                <a:ea typeface="+mn-ea"/>
+                <a:cs typeface="+mn-cs"/>
+              </a:defRPr>
+            </a:lvl3pPr>
+            <a:lvl4pPr marL="1600200" indent="-228600" algn="l" defTabSz="457200" rtl="0" eaLnBrk="1" latinLnBrk="0" hangingPunct="1">
+              <a:spcBef>
+                <a:spcPct val="20000"/>
+              </a:spcBef>
+              <a:buFont typeface="Arial"/>
+              <a:buChar char="–"/>
+              <a:defRPr sz="2000" kern="1200">
+                <a:solidFill>
+                  <a:schemeClr val="tx1"/>
+                </a:solidFill>
+                <a:latin typeface="+mn-lt"/>
+                <a:ea typeface="+mn-ea"/>
+                <a:cs typeface="+mn-cs"/>
+              </a:defRPr>
+            </a:lvl4pPr>
+            <a:lvl5pPr marL="2057400" indent="-228600" algn="l" defTabSz="457200" rtl="0" eaLnBrk="1" latinLnBrk="0" hangingPunct="1">
+              <a:spcBef>
+                <a:spcPct val="20000"/>
+              </a:spcBef>
+              <a:buFont typeface="Arial"/>
+              <a:buChar char="»"/>
+              <a:defRPr sz="2000" kern="1200">
+                <a:solidFill>
+                  <a:schemeClr val="tx1"/>
+                </a:solidFill>
+                <a:latin typeface="+mn-lt"/>
+                <a:ea typeface="+mn-ea"/>
+                <a:cs typeface="+mn-cs"/>
+              </a:defRPr>
+            </a:lvl5pPr>
+            <a:lvl6pPr marL="2514600" indent="-228600" algn="l" defTabSz="457200" rtl="0" eaLnBrk="1" latinLnBrk="0" hangingPunct="1">
+              <a:spcBef>
+                <a:spcPct val="20000"/>
+              </a:spcBef>
+              <a:buFont typeface="Arial"/>
+              <a:buChar char="•"/>
+              <a:defRPr sz="2000" kern="1200">
+                <a:solidFill>
+                  <a:schemeClr val="tx1"/>
+                </a:solidFill>
+                <a:latin typeface="+mn-lt"/>
+                <a:ea typeface="+mn-ea"/>
+                <a:cs typeface="+mn-cs"/>
+              </a:defRPr>
+            </a:lvl6pPr>
+            <a:lvl7pPr marL="2971800" indent="-228600" algn="l" defTabSz="457200" rtl="0" eaLnBrk="1" latinLnBrk="0" hangingPunct="1">
+              <a:spcBef>
+                <a:spcPct val="20000"/>
+              </a:spcBef>
+              <a:buFont typeface="Arial"/>
+              <a:buChar char="•"/>
+              <a:defRPr sz="2000" kern="1200">
+                <a:solidFill>
+                  <a:schemeClr val="tx1"/>
+                </a:solidFill>
+                <a:latin typeface="+mn-lt"/>
+                <a:ea typeface="+mn-ea"/>
+                <a:cs typeface="+mn-cs"/>
+              </a:defRPr>
+            </a:lvl7pPr>
+            <a:lvl8pPr marL="3429000" indent="-228600" algn="l" defTabSz="457200" rtl="0" eaLnBrk="1" latinLnBrk="0" hangingPunct="1">
+              <a:spcBef>
+                <a:spcPct val="20000"/>
+              </a:spcBef>
+              <a:buFont typeface="Arial"/>
+              <a:buChar char="•"/>
+              <a:defRPr sz="2000" kern="1200">
+                <a:solidFill>
+                  <a:schemeClr val="tx1"/>
+                </a:solidFill>
+                <a:latin typeface="+mn-lt"/>
+                <a:ea typeface="+mn-ea"/>
+                <a:cs typeface="+mn-cs"/>
+              </a:defRPr>
+            </a:lvl8pPr>
+            <a:lvl9pPr marL="3886200" indent="-228600" algn="l" defTabSz="457200" rtl="0" eaLnBrk="1" latinLnBrk="0" hangingPunct="1">
+              <a:spcBef>
+                <a:spcPct val="20000"/>
+              </a:spcBef>
+              <a:buFont typeface="Arial"/>
+              <a:buChar char="•"/>
+              <a:defRPr sz="2000" kern="1200">
+                <a:solidFill>
+                  <a:schemeClr val="tx1"/>
+                </a:solidFill>
+                <a:latin typeface="+mn-lt"/>
+                <a:ea typeface="+mn-ea"/>
+                <a:cs typeface="+mn-cs"/>
+              </a:defRPr>
+            </a:lvl9pPr>
+          </a:lstStyle>
+          <a:p>
+            <a:pPr marL="0" indent="0" algn="ctr">
+              <a:buNone/>
+            </a:pPr>
+            <a:r>
+              <a:rPr lang="en-US" sz="1800" dirty="0">
+                <a:latin typeface="Bookman Old Style" panose="02050604050505020204" pitchFamily="18" charset="0"/>
+              </a:rPr>
+              <a:t>Highest Density Subgraph by Graph (rounded to 2 decimal points)</a:t>
+            </a:r>
+          </a:p>
+        </p:txBody>
+      </p:sp>
+    </p:spTree>
+    <p:extLst>
+      <p:ext uri="{BB962C8B-B14F-4D97-AF65-F5344CB8AC3E}">
+        <p14:creationId xmlns:p14="http://schemas.microsoft.com/office/powerpoint/2010/main" val="4211427624"/>
+      </p:ext>
+    </p:extLst>
+  </p:cSld>
+  <p:clrMapOvr>
+    <a:masterClrMapping/>
+  </p:clrMapOvr>
+</p:sld>
+</file>
+
+<file path=ppt/slides/slide46.xml><?xml version="1.0" encoding="utf-8"?>
+<p:sld xmlns:a="http://schemas.openxmlformats.org/drawingml/2006/main" xmlns:r="http://schemas.openxmlformats.org/officeDocument/2006/relationships" xmlns:p="http://schemas.openxmlformats.org/presentationml/2006/main">
+  <p:cSld>
+    <p:spTree>
+      <p:nvGrpSpPr>
+        <p:cNvPr id="1" name="">
+          <a:extLst>
+            <a:ext uri="{FF2B5EF4-FFF2-40B4-BE49-F238E27FC236}">
+              <a16:creationId xmlns:a16="http://schemas.microsoft.com/office/drawing/2014/main" id="{1A106474-9328-8C66-10A9-6550F387F447}"/>
+            </a:ext>
+          </a:extLst>
+        </p:cNvPr>
+        <p:cNvGrpSpPr/>
+        <p:nvPr/>
+      </p:nvGrpSpPr>
+      <p:grpSpPr>
+        <a:xfrm>
+          <a:off x="0" y="0"/>
+          <a:ext cx="0" cy="0"/>
+          <a:chOff x="0" y="0"/>
+          <a:chExt cx="0" cy="0"/>
+        </a:xfrm>
+      </p:grpSpPr>
+      <p:sp>
+        <p:nvSpPr>
+          <p:cNvPr id="4" name="Title 1">
+            <a:extLst>
+              <a:ext uri="{FF2B5EF4-FFF2-40B4-BE49-F238E27FC236}">
+                <a16:creationId xmlns:a16="http://schemas.microsoft.com/office/drawing/2014/main" id="{92F77334-7559-7596-15E8-7503DCEB7859}"/>
+              </a:ext>
+            </a:extLst>
+          </p:cNvPr>
+          <p:cNvSpPr txBox="1">
+            <a:spLocks/>
+          </p:cNvSpPr>
+          <p:nvPr/>
+        </p:nvSpPr>
+        <p:spPr>
+          <a:xfrm>
+            <a:off x="1497166" y="19594"/>
+            <a:ext cx="6149667" cy="724054"/>
+          </a:xfrm>
+          <a:prstGeom prst="rect">
+            <a:avLst/>
+          </a:prstGeom>
+        </p:spPr>
+        <p:txBody>
+          <a:bodyPr vert="horz" lIns="91440" tIns="45720" rIns="91440" bIns="45720" rtlCol="0" anchor="ctr">
+            <a:normAutofit/>
+          </a:bodyPr>
+          <a:lstStyle>
+            <a:lvl1pPr algn="ctr" defTabSz="457200" rtl="0" eaLnBrk="1" latinLnBrk="0" hangingPunct="1">
+              <a:spcBef>
+                <a:spcPct val="0"/>
+              </a:spcBef>
+              <a:buNone/>
+              <a:defRPr sz="4400" kern="1200">
+                <a:solidFill>
+                  <a:schemeClr val="tx1"/>
+                </a:solidFill>
+                <a:latin typeface="+mj-lt"/>
+                <a:ea typeface="+mj-ea"/>
+                <a:cs typeface="+mj-cs"/>
+              </a:defRPr>
+            </a:lvl1pPr>
+          </a:lstStyle>
+          <a:p>
+            <a:r>
+              <a:rPr lang="en-US" sz="4000" dirty="0">
+                <a:latin typeface="Rockwell" panose="02060603020205020403" pitchFamily="18" charset="0"/>
+              </a:rPr>
+              <a:t>Experiment Results</a:t>
+            </a:r>
+          </a:p>
+        </p:txBody>
+      </p:sp>
+      <p:sp>
+        <p:nvSpPr>
+          <p:cNvPr id="2" name="Content Placeholder 2">
+            <a:extLst>
+              <a:ext uri="{FF2B5EF4-FFF2-40B4-BE49-F238E27FC236}">
+                <a16:creationId xmlns:a16="http://schemas.microsoft.com/office/drawing/2014/main" id="{1E52ABE2-8E3F-D710-5F8D-EF5EA709669D}"/>
+              </a:ext>
+            </a:extLst>
+          </p:cNvPr>
+          <p:cNvSpPr txBox="1">
+            <a:spLocks/>
+          </p:cNvSpPr>
+          <p:nvPr/>
+        </p:nvSpPr>
+        <p:spPr>
+          <a:xfrm>
+            <a:off x="154577" y="838200"/>
+            <a:ext cx="4341222" cy="713588"/>
+          </a:xfrm>
+          <a:prstGeom prst="rect">
+            <a:avLst/>
+          </a:prstGeom>
+        </p:spPr>
+        <p:txBody>
+          <a:bodyPr vert="horz" lIns="91440" tIns="45720" rIns="91440" bIns="45720" rtlCol="0">
+            <a:normAutofit fontScale="85000" lnSpcReduction="20000"/>
+          </a:bodyPr>
+          <a:lstStyle>
+            <a:lvl1pPr marL="342900" indent="-342900" algn="l" defTabSz="457200" rtl="0" eaLnBrk="1" latinLnBrk="0" hangingPunct="1">
+              <a:spcBef>
+                <a:spcPct val="20000"/>
+              </a:spcBef>
+              <a:buFont typeface="Arial"/>
+              <a:buChar char="•"/>
+              <a:defRPr sz="3200" kern="1200">
+                <a:solidFill>
+                  <a:schemeClr val="tx1"/>
+                </a:solidFill>
+                <a:latin typeface="+mn-lt"/>
+                <a:ea typeface="+mn-ea"/>
+                <a:cs typeface="+mn-cs"/>
+              </a:defRPr>
+            </a:lvl1pPr>
+            <a:lvl2pPr marL="742950" indent="-285750" algn="l" defTabSz="457200" rtl="0" eaLnBrk="1" latinLnBrk="0" hangingPunct="1">
+              <a:spcBef>
+                <a:spcPct val="20000"/>
+              </a:spcBef>
+              <a:buFont typeface="Arial"/>
+              <a:buChar char="–"/>
+              <a:defRPr sz="2800" kern="1200">
+                <a:solidFill>
+                  <a:schemeClr val="tx1"/>
+                </a:solidFill>
+                <a:latin typeface="+mn-lt"/>
+                <a:ea typeface="+mn-ea"/>
+                <a:cs typeface="+mn-cs"/>
+              </a:defRPr>
+            </a:lvl2pPr>
+            <a:lvl3pPr marL="1143000" indent="-228600" algn="l" defTabSz="457200" rtl="0" eaLnBrk="1" latinLnBrk="0" hangingPunct="1">
+              <a:spcBef>
+                <a:spcPct val="20000"/>
+              </a:spcBef>
+              <a:buFont typeface="Arial"/>
+              <a:buChar char="•"/>
+              <a:defRPr sz="2400" kern="1200">
+                <a:solidFill>
+                  <a:schemeClr val="tx1"/>
+                </a:solidFill>
+                <a:latin typeface="+mn-lt"/>
+                <a:ea typeface="+mn-ea"/>
+                <a:cs typeface="+mn-cs"/>
+              </a:defRPr>
+            </a:lvl3pPr>
+            <a:lvl4pPr marL="1600200" indent="-228600" algn="l" defTabSz="457200" rtl="0" eaLnBrk="1" latinLnBrk="0" hangingPunct="1">
+              <a:spcBef>
+                <a:spcPct val="20000"/>
+              </a:spcBef>
+              <a:buFont typeface="Arial"/>
+              <a:buChar char="–"/>
+              <a:defRPr sz="2000" kern="1200">
+                <a:solidFill>
+                  <a:schemeClr val="tx1"/>
+                </a:solidFill>
+                <a:latin typeface="+mn-lt"/>
+                <a:ea typeface="+mn-ea"/>
+                <a:cs typeface="+mn-cs"/>
+              </a:defRPr>
+            </a:lvl4pPr>
+            <a:lvl5pPr marL="2057400" indent="-228600" algn="l" defTabSz="457200" rtl="0" eaLnBrk="1" latinLnBrk="0" hangingPunct="1">
+              <a:spcBef>
+                <a:spcPct val="20000"/>
+              </a:spcBef>
+              <a:buFont typeface="Arial"/>
+              <a:buChar char="»"/>
+              <a:defRPr sz="2000" kern="1200">
+                <a:solidFill>
+                  <a:schemeClr val="tx1"/>
+                </a:solidFill>
+                <a:latin typeface="+mn-lt"/>
+                <a:ea typeface="+mn-ea"/>
+                <a:cs typeface="+mn-cs"/>
+              </a:defRPr>
+            </a:lvl5pPr>
+            <a:lvl6pPr marL="2514600" indent="-228600" algn="l" defTabSz="457200" rtl="0" eaLnBrk="1" latinLnBrk="0" hangingPunct="1">
+              <a:spcBef>
+                <a:spcPct val="20000"/>
+              </a:spcBef>
+              <a:buFont typeface="Arial"/>
+              <a:buChar char="•"/>
+              <a:defRPr sz="2000" kern="1200">
+                <a:solidFill>
+                  <a:schemeClr val="tx1"/>
+                </a:solidFill>
+                <a:latin typeface="+mn-lt"/>
+                <a:ea typeface="+mn-ea"/>
+                <a:cs typeface="+mn-cs"/>
+              </a:defRPr>
+            </a:lvl6pPr>
+            <a:lvl7pPr marL="2971800" indent="-228600" algn="l" defTabSz="457200" rtl="0" eaLnBrk="1" latinLnBrk="0" hangingPunct="1">
+              <a:spcBef>
+                <a:spcPct val="20000"/>
+              </a:spcBef>
+              <a:buFont typeface="Arial"/>
+              <a:buChar char="•"/>
+              <a:defRPr sz="2000" kern="1200">
+                <a:solidFill>
+                  <a:schemeClr val="tx1"/>
+                </a:solidFill>
+                <a:latin typeface="+mn-lt"/>
+                <a:ea typeface="+mn-ea"/>
+                <a:cs typeface="+mn-cs"/>
+              </a:defRPr>
+            </a:lvl7pPr>
+            <a:lvl8pPr marL="3429000" indent="-228600" algn="l" defTabSz="457200" rtl="0" eaLnBrk="1" latinLnBrk="0" hangingPunct="1">
+              <a:spcBef>
+                <a:spcPct val="20000"/>
+              </a:spcBef>
+              <a:buFont typeface="Arial"/>
+              <a:buChar char="•"/>
+              <a:defRPr sz="2000" kern="1200">
+                <a:solidFill>
+                  <a:schemeClr val="tx1"/>
+                </a:solidFill>
+                <a:latin typeface="+mn-lt"/>
+                <a:ea typeface="+mn-ea"/>
+                <a:cs typeface="+mn-cs"/>
+              </a:defRPr>
+            </a:lvl8pPr>
+            <a:lvl9pPr marL="3886200" indent="-228600" algn="l" defTabSz="457200" rtl="0" eaLnBrk="1" latinLnBrk="0" hangingPunct="1">
+              <a:spcBef>
+                <a:spcPct val="20000"/>
+              </a:spcBef>
+              <a:buFont typeface="Arial"/>
+              <a:buChar char="•"/>
+              <a:defRPr sz="2000" kern="1200">
+                <a:solidFill>
+                  <a:schemeClr val="tx1"/>
+                </a:solidFill>
+                <a:latin typeface="+mn-lt"/>
+                <a:ea typeface="+mn-ea"/>
+                <a:cs typeface="+mn-cs"/>
+              </a:defRPr>
+            </a:lvl9pPr>
+          </a:lstStyle>
+          <a:p>
+            <a:pPr marL="0" indent="0" algn="ctr">
+              <a:buNone/>
+            </a:pPr>
+            <a:r>
+              <a:rPr lang="en-US" sz="2800" dirty="0">
+                <a:latin typeface="Bookman Old Style" panose="02050604050505020204" pitchFamily="18" charset="0"/>
+              </a:rPr>
+              <a:t>Graphs by DSD Runtime Over Edge Density</a:t>
+            </a:r>
+          </a:p>
+        </p:txBody>
+      </p:sp>
+      <p:graphicFrame>
+        <p:nvGraphicFramePr>
+          <p:cNvPr id="3" name="Table 2">
+            <a:extLst>
+              <a:ext uri="{FF2B5EF4-FFF2-40B4-BE49-F238E27FC236}">
+                <a16:creationId xmlns:a16="http://schemas.microsoft.com/office/drawing/2014/main" id="{00316B5D-0AA5-78BC-157C-1428CAEEB549}"/>
+              </a:ext>
+            </a:extLst>
+          </p:cNvPr>
+          <p:cNvGraphicFramePr>
+            <a:graphicFrameLocks noGrp="1"/>
+          </p:cNvGraphicFramePr>
+          <p:nvPr>
+            <p:extLst>
+              <p:ext uri="{D42A27DB-BD31-4B8C-83A1-F6EECF244321}">
+                <p14:modId xmlns:p14="http://schemas.microsoft.com/office/powerpoint/2010/main" val="3376723283"/>
+              </p:ext>
+            </p:extLst>
+          </p:nvPr>
+        </p:nvGraphicFramePr>
+        <p:xfrm>
+          <a:off x="152400" y="1551788"/>
+          <a:ext cx="4343399" cy="5261678"/>
+        </p:xfrm>
+        <a:graphic>
+          <a:graphicData uri="http://schemas.openxmlformats.org/drawingml/2006/table">
+            <a:tbl>
+              <a:tblPr firstRow="1" firstCol="1" bandRow="1">
+                <a:tableStyleId>{5C22544A-7EE6-4342-B048-85BDC9FD1C3A}</a:tableStyleId>
+              </a:tblPr>
+              <a:tblGrid>
+                <a:gridCol w="1130152">
+                  <a:extLst>
+                    <a:ext uri="{9D8B030D-6E8A-4147-A177-3AD203B41FA5}">
+                      <a16:colId xmlns:a16="http://schemas.microsoft.com/office/drawing/2014/main" val="2125508193"/>
+                    </a:ext>
+                  </a:extLst>
+                </a:gridCol>
+                <a:gridCol w="1079648">
+                  <a:extLst>
+                    <a:ext uri="{9D8B030D-6E8A-4147-A177-3AD203B41FA5}">
+                      <a16:colId xmlns:a16="http://schemas.microsoft.com/office/drawing/2014/main" val="795996029"/>
+                    </a:ext>
+                  </a:extLst>
+                </a:gridCol>
+                <a:gridCol w="1066800">
+                  <a:extLst>
+                    <a:ext uri="{9D8B030D-6E8A-4147-A177-3AD203B41FA5}">
+                      <a16:colId xmlns:a16="http://schemas.microsoft.com/office/drawing/2014/main" val="2126979662"/>
+                    </a:ext>
+                  </a:extLst>
+                </a:gridCol>
+                <a:gridCol w="1066799">
+                  <a:extLst>
+                    <a:ext uri="{9D8B030D-6E8A-4147-A177-3AD203B41FA5}">
+                      <a16:colId xmlns:a16="http://schemas.microsoft.com/office/drawing/2014/main" val="2795144691"/>
+                    </a:ext>
+                  </a:extLst>
+                </a:gridCol>
+              </a:tblGrid>
+              <a:tr h="803771">
+                <a:tc>
+                  <a:txBody>
+                    <a:bodyPr/>
+                    <a:lstStyle/>
+                    <a:p>
+                      <a:pPr marL="0" marR="0" algn="ctr">
+                        <a:lnSpc>
+                          <a:spcPct val="115000"/>
+                        </a:lnSpc>
+                        <a:spcAft>
+                          <a:spcPts val="800"/>
+                        </a:spcAft>
+                        <a:buNone/>
+                        <a:tabLst>
+                          <a:tab pos="457200" algn="l"/>
+                          <a:tab pos="5029200" algn="r"/>
+                          <a:tab pos="5486400" algn="r"/>
+                        </a:tabLst>
+                      </a:pPr>
+                      <a:r>
+                        <a:rPr lang="en-US" sz="1200" kern="100">
+                          <a:effectLst/>
+                        </a:rPr>
+                        <a:t>Graph</a:t>
+                      </a:r>
+                      <a:endParaRPr lang="en-US" sz="1100" kern="100">
+                        <a:effectLst/>
+                        <a:latin typeface="Aptos" panose="020B0004020202020204" pitchFamily="34" charset="0"/>
+                        <a:ea typeface="Aptos" panose="020B0004020202020204" pitchFamily="34" charset="0"/>
+                        <a:cs typeface="Times New Roman" panose="02020603050405020304" pitchFamily="18" charset="0"/>
+                      </a:endParaRPr>
+                    </a:p>
+                  </a:txBody>
+                  <a:tcPr marL="68580" marR="68580" marT="0" marB="0" anchor="ctr"/>
+                </a:tc>
+                <a:tc>
+                  <a:txBody>
+                    <a:bodyPr/>
+                    <a:lstStyle/>
+                    <a:p>
+                      <a:pPr marL="0" marR="0" algn="ctr">
+                        <a:lnSpc>
+                          <a:spcPct val="115000"/>
+                        </a:lnSpc>
+                        <a:spcAft>
+                          <a:spcPts val="800"/>
+                        </a:spcAft>
+                        <a:buNone/>
+                        <a:tabLst>
+                          <a:tab pos="457200" algn="l"/>
+                          <a:tab pos="5029200" algn="r"/>
+                          <a:tab pos="5486400" algn="r"/>
+                        </a:tabLst>
+                      </a:pPr>
+                      <a:r>
+                        <a:rPr lang="en-US" sz="1200" kern="100">
+                          <a:effectLst/>
+                        </a:rPr>
+                        <a:t>CoreExact Runtime (milliseconds)</a:t>
+                      </a:r>
+                      <a:endParaRPr lang="en-US" sz="1100" kern="100">
+                        <a:effectLst/>
+                        <a:latin typeface="Aptos" panose="020B0004020202020204" pitchFamily="34" charset="0"/>
+                        <a:ea typeface="Aptos" panose="020B0004020202020204" pitchFamily="34" charset="0"/>
+                        <a:cs typeface="Times New Roman" panose="02020603050405020304" pitchFamily="18" charset="0"/>
+                      </a:endParaRPr>
+                    </a:p>
+                  </a:txBody>
+                  <a:tcPr marL="68580" marR="68580" marT="0" marB="0" anchor="ctr"/>
+                </a:tc>
+                <a:tc>
+                  <a:txBody>
+                    <a:bodyPr/>
+                    <a:lstStyle/>
+                    <a:p>
+                      <a:pPr marL="0" marR="0" algn="ctr">
+                        <a:lnSpc>
+                          <a:spcPct val="115000"/>
+                        </a:lnSpc>
+                        <a:spcAft>
+                          <a:spcPts val="800"/>
+                        </a:spcAft>
+                        <a:buNone/>
+                        <a:tabLst>
+                          <a:tab pos="457200" algn="l"/>
+                          <a:tab pos="5029200" algn="r"/>
+                          <a:tab pos="5486400" algn="r"/>
+                        </a:tabLst>
+                      </a:pPr>
+                      <a:r>
+                        <a:rPr lang="en-US" sz="1200" kern="100">
+                          <a:effectLst/>
+                        </a:rPr>
+                        <a:t>Parallelized Solution Runtime (milliseconds)</a:t>
+                      </a:r>
+                      <a:endParaRPr lang="en-US" sz="1100" kern="100">
+                        <a:effectLst/>
+                        <a:latin typeface="Aptos" panose="020B0004020202020204" pitchFamily="34" charset="0"/>
+                        <a:ea typeface="Aptos" panose="020B0004020202020204" pitchFamily="34" charset="0"/>
+                        <a:cs typeface="Times New Roman" panose="02020603050405020304" pitchFamily="18" charset="0"/>
+                      </a:endParaRPr>
+                    </a:p>
+                  </a:txBody>
+                  <a:tcPr marL="68580" marR="68580" marT="0" marB="0" anchor="ctr"/>
+                </a:tc>
+                <a:tc>
+                  <a:txBody>
+                    <a:bodyPr/>
+                    <a:lstStyle/>
+                    <a:p>
+                      <a:pPr marL="0" marR="0" algn="ctr">
+                        <a:lnSpc>
+                          <a:spcPct val="115000"/>
+                        </a:lnSpc>
+                        <a:spcAft>
+                          <a:spcPts val="800"/>
+                        </a:spcAft>
+                        <a:buNone/>
+                        <a:tabLst>
+                          <a:tab pos="457200" algn="l"/>
+                          <a:tab pos="5029200" algn="r"/>
+                          <a:tab pos="5486400" algn="r"/>
+                        </a:tabLst>
+                      </a:pPr>
+                      <a:r>
+                        <a:rPr lang="en-US" sz="1200" kern="100" dirty="0">
+                          <a:effectLst/>
+                        </a:rPr>
+                        <a:t>Speed Increase</a:t>
+                      </a:r>
+                      <a:endParaRPr lang="en-US" sz="1100" kern="100" dirty="0">
+                        <a:effectLst/>
+                      </a:endParaRPr>
+                    </a:p>
+                    <a:p>
+                      <a:pPr marL="0" marR="0" algn="ctr">
+                        <a:lnSpc>
+                          <a:spcPct val="115000"/>
+                        </a:lnSpc>
+                        <a:spcAft>
+                          <a:spcPts val="800"/>
+                        </a:spcAft>
+                        <a:buNone/>
+                        <a:tabLst>
+                          <a:tab pos="457200" algn="l"/>
+                          <a:tab pos="5029200" algn="r"/>
+                          <a:tab pos="5486400" algn="r"/>
+                        </a:tabLst>
+                      </a:pPr>
+                      <a:r>
+                        <a:rPr lang="en-US" sz="1200" kern="100" dirty="0">
+                          <a:effectLst/>
+                        </a:rPr>
+                        <a:t>(CoreExact Runtime/ Parallel Runtime)</a:t>
+                      </a:r>
+                      <a:endParaRPr lang="en-US" sz="1100" kern="100" dirty="0">
+                        <a:effectLst/>
+                        <a:latin typeface="Aptos" panose="020B0004020202020204" pitchFamily="34" charset="0"/>
+                        <a:ea typeface="Aptos" panose="020B0004020202020204" pitchFamily="34" charset="0"/>
+                        <a:cs typeface="Times New Roman" panose="02020603050405020304" pitchFamily="18" charset="0"/>
+                      </a:endParaRPr>
+                    </a:p>
+                  </a:txBody>
+                  <a:tcPr marL="68580" marR="68580" marT="0" marB="0" anchor="ctr"/>
+                </a:tc>
+                <a:extLst>
+                  <a:ext uri="{0D108BD9-81ED-4DB2-BD59-A6C34878D82A}">
+                    <a16:rowId xmlns:a16="http://schemas.microsoft.com/office/drawing/2014/main" val="121546203"/>
+                  </a:ext>
+                </a:extLst>
+              </a:tr>
+              <a:tr h="346155">
+                <a:tc>
+                  <a:txBody>
+                    <a:bodyPr/>
+                    <a:lstStyle/>
+                    <a:p>
+                      <a:pPr marL="0" marR="0" algn="ctr">
+                        <a:lnSpc>
+                          <a:spcPct val="115000"/>
+                        </a:lnSpc>
+                        <a:spcAft>
+                          <a:spcPts val="800"/>
+                        </a:spcAft>
+                        <a:buNone/>
+                        <a:tabLst>
+                          <a:tab pos="457200" algn="l"/>
+                          <a:tab pos="5029200" algn="r"/>
+                          <a:tab pos="5486400" algn="r"/>
+                        </a:tabLst>
+                      </a:pPr>
+                      <a:r>
+                        <a:rPr lang="en-US" sz="1200" kern="100">
+                          <a:effectLst/>
+                        </a:rPr>
+                        <a:t>Yeast Protein Network</a:t>
+                      </a:r>
+                      <a:endParaRPr lang="en-US" sz="1100" kern="100">
+                        <a:effectLst/>
+                        <a:latin typeface="Aptos" panose="020B0004020202020204" pitchFamily="34" charset="0"/>
+                        <a:ea typeface="Aptos" panose="020B0004020202020204" pitchFamily="34" charset="0"/>
+                        <a:cs typeface="Times New Roman" panose="02020603050405020304" pitchFamily="18" charset="0"/>
+                      </a:endParaRPr>
+                    </a:p>
+                  </a:txBody>
+                  <a:tcPr marL="68580" marR="68580" marT="0" marB="0" anchor="ctr"/>
+                </a:tc>
+                <a:tc>
+                  <a:txBody>
+                    <a:bodyPr/>
+                    <a:lstStyle/>
+                    <a:p>
+                      <a:pPr marL="0" marR="0" algn="ctr">
+                        <a:lnSpc>
+                          <a:spcPct val="115000"/>
+                        </a:lnSpc>
+                        <a:spcAft>
+                          <a:spcPts val="800"/>
+                        </a:spcAft>
+                        <a:buNone/>
+                        <a:tabLst>
+                          <a:tab pos="457200" algn="l"/>
+                          <a:tab pos="5029200" algn="r"/>
+                          <a:tab pos="5486400" algn="r"/>
+                        </a:tabLst>
+                      </a:pPr>
+                      <a:r>
+                        <a:rPr lang="en-US" sz="1200" kern="100">
+                          <a:effectLst/>
+                        </a:rPr>
+                        <a:t>403</a:t>
+                      </a:r>
+                      <a:endParaRPr lang="en-US" sz="1100" kern="100">
+                        <a:effectLst/>
+                        <a:latin typeface="Aptos" panose="020B0004020202020204" pitchFamily="34" charset="0"/>
+                        <a:ea typeface="Aptos" panose="020B0004020202020204" pitchFamily="34" charset="0"/>
+                        <a:cs typeface="Times New Roman" panose="02020603050405020304" pitchFamily="18" charset="0"/>
+                      </a:endParaRPr>
+                    </a:p>
+                  </a:txBody>
+                  <a:tcPr marL="68580" marR="68580" marT="0" marB="0" anchor="ctr"/>
+                </a:tc>
+                <a:tc>
+                  <a:txBody>
+                    <a:bodyPr/>
+                    <a:lstStyle/>
+                    <a:p>
+                      <a:pPr marL="0" marR="0" algn="ctr">
+                        <a:lnSpc>
+                          <a:spcPct val="115000"/>
+                        </a:lnSpc>
+                        <a:spcAft>
+                          <a:spcPts val="800"/>
+                        </a:spcAft>
+                        <a:buNone/>
+                        <a:tabLst>
+                          <a:tab pos="457200" algn="l"/>
+                          <a:tab pos="5029200" algn="r"/>
+                          <a:tab pos="5486400" algn="r"/>
+                        </a:tabLst>
+                      </a:pPr>
+                      <a:r>
+                        <a:rPr lang="en-US" sz="1200" kern="100" dirty="0">
+                          <a:effectLst/>
+                        </a:rPr>
+                        <a:t>153.368</a:t>
+                      </a:r>
+                      <a:endParaRPr lang="en-US" sz="1100" kern="100" dirty="0">
+                        <a:effectLst/>
+                        <a:latin typeface="Aptos" panose="020B0004020202020204" pitchFamily="34" charset="0"/>
+                        <a:ea typeface="Aptos" panose="020B0004020202020204" pitchFamily="34" charset="0"/>
+                        <a:cs typeface="Times New Roman" panose="02020603050405020304" pitchFamily="18" charset="0"/>
+                      </a:endParaRPr>
+                    </a:p>
+                  </a:txBody>
+                  <a:tcPr marL="68580" marR="68580" marT="0" marB="0" anchor="ctr"/>
+                </a:tc>
+                <a:tc>
+                  <a:txBody>
+                    <a:bodyPr/>
+                    <a:lstStyle/>
+                    <a:p>
+                      <a:pPr marL="0" marR="0" algn="ctr">
+                        <a:lnSpc>
+                          <a:spcPct val="115000"/>
+                        </a:lnSpc>
+                        <a:spcAft>
+                          <a:spcPts val="800"/>
+                        </a:spcAft>
+                        <a:buNone/>
+                        <a:tabLst>
+                          <a:tab pos="457200" algn="l"/>
+                          <a:tab pos="5029200" algn="r"/>
+                          <a:tab pos="5486400" algn="r"/>
+                        </a:tabLst>
+                      </a:pPr>
+                      <a:r>
+                        <a:rPr lang="en-US" sz="1200" kern="100">
+                          <a:effectLst/>
+                        </a:rPr>
+                        <a:t>2.63</a:t>
+                      </a:r>
+                      <a:endParaRPr lang="en-US" sz="1100" kern="100">
+                        <a:effectLst/>
+                        <a:latin typeface="Aptos" panose="020B0004020202020204" pitchFamily="34" charset="0"/>
+                        <a:ea typeface="Aptos" panose="020B0004020202020204" pitchFamily="34" charset="0"/>
+                        <a:cs typeface="Times New Roman" panose="02020603050405020304" pitchFamily="18" charset="0"/>
+                      </a:endParaRPr>
+                    </a:p>
+                  </a:txBody>
+                  <a:tcPr marL="68580" marR="68580" marT="0" marB="0" anchor="ctr"/>
+                </a:tc>
+                <a:extLst>
+                  <a:ext uri="{0D108BD9-81ED-4DB2-BD59-A6C34878D82A}">
+                    <a16:rowId xmlns:a16="http://schemas.microsoft.com/office/drawing/2014/main" val="967548336"/>
+                  </a:ext>
+                </a:extLst>
+              </a:tr>
+              <a:tr h="523818">
+                <a:tc>
+                  <a:txBody>
+                    <a:bodyPr/>
+                    <a:lstStyle/>
+                    <a:p>
+                      <a:pPr marL="0" marR="0" algn="ctr">
+                        <a:lnSpc>
+                          <a:spcPct val="115000"/>
+                        </a:lnSpc>
+                        <a:spcAft>
+                          <a:spcPts val="800"/>
+                        </a:spcAft>
+                        <a:buNone/>
+                        <a:tabLst>
+                          <a:tab pos="457200" algn="l"/>
+                          <a:tab pos="5029200" algn="r"/>
+                          <a:tab pos="5486400" algn="r"/>
+                        </a:tabLst>
+                      </a:pPr>
+                      <a:r>
+                        <a:rPr lang="en-US" sz="1200" kern="100">
+                          <a:effectLst/>
+                        </a:rPr>
+                        <a:t>European Deezer Social Network</a:t>
+                      </a:r>
+                      <a:endParaRPr lang="en-US" sz="1100" kern="100">
+                        <a:effectLst/>
+                        <a:latin typeface="Aptos" panose="020B0004020202020204" pitchFamily="34" charset="0"/>
+                        <a:ea typeface="Aptos" panose="020B0004020202020204" pitchFamily="34" charset="0"/>
+                        <a:cs typeface="Times New Roman" panose="02020603050405020304" pitchFamily="18" charset="0"/>
+                      </a:endParaRPr>
+                    </a:p>
+                  </a:txBody>
+                  <a:tcPr marL="68580" marR="68580" marT="0" marB="0" anchor="ctr"/>
+                </a:tc>
+                <a:tc>
+                  <a:txBody>
+                    <a:bodyPr/>
+                    <a:lstStyle/>
+                    <a:p>
+                      <a:pPr marL="0" marR="0" algn="ctr">
+                        <a:lnSpc>
+                          <a:spcPct val="115000"/>
+                        </a:lnSpc>
+                        <a:spcAft>
+                          <a:spcPts val="800"/>
+                        </a:spcAft>
+                        <a:buNone/>
+                        <a:tabLst>
+                          <a:tab pos="457200" algn="l"/>
+                          <a:tab pos="5029200" algn="r"/>
+                          <a:tab pos="5486400" algn="r"/>
+                        </a:tabLst>
+                      </a:pPr>
+                      <a:r>
+                        <a:rPr lang="en-US" sz="1200" kern="100">
+                          <a:effectLst/>
+                        </a:rPr>
+                        <a:t>23545</a:t>
+                      </a:r>
+                      <a:endParaRPr lang="en-US" sz="1100" kern="100">
+                        <a:effectLst/>
+                        <a:latin typeface="Aptos" panose="020B0004020202020204" pitchFamily="34" charset="0"/>
+                        <a:ea typeface="Aptos" panose="020B0004020202020204" pitchFamily="34" charset="0"/>
+                        <a:cs typeface="Times New Roman" panose="02020603050405020304" pitchFamily="18" charset="0"/>
+                      </a:endParaRPr>
+                    </a:p>
+                  </a:txBody>
+                  <a:tcPr marL="68580" marR="68580" marT="0" marB="0" anchor="ctr"/>
+                </a:tc>
+                <a:tc>
+                  <a:txBody>
+                    <a:bodyPr/>
+                    <a:lstStyle/>
+                    <a:p>
+                      <a:pPr marL="0" marR="0" algn="ctr">
+                        <a:lnSpc>
+                          <a:spcPct val="115000"/>
+                        </a:lnSpc>
+                        <a:spcAft>
+                          <a:spcPts val="800"/>
+                        </a:spcAft>
+                        <a:buNone/>
+                        <a:tabLst>
+                          <a:tab pos="457200" algn="l"/>
+                          <a:tab pos="5029200" algn="r"/>
+                          <a:tab pos="5486400" algn="r"/>
+                        </a:tabLst>
+                      </a:pPr>
+                      <a:r>
+                        <a:rPr lang="en-US" sz="1200" kern="100">
+                          <a:effectLst/>
+                        </a:rPr>
+                        <a:t>9893.91</a:t>
+                      </a:r>
+                      <a:endParaRPr lang="en-US" sz="1100" kern="100">
+                        <a:effectLst/>
+                        <a:latin typeface="Aptos" panose="020B0004020202020204" pitchFamily="34" charset="0"/>
+                        <a:ea typeface="Aptos" panose="020B0004020202020204" pitchFamily="34" charset="0"/>
+                        <a:cs typeface="Times New Roman" panose="02020603050405020304" pitchFamily="18" charset="0"/>
+                      </a:endParaRPr>
+                    </a:p>
+                  </a:txBody>
+                  <a:tcPr marL="68580" marR="68580" marT="0" marB="0" anchor="ctr"/>
+                </a:tc>
+                <a:tc>
+                  <a:txBody>
+                    <a:bodyPr/>
+                    <a:lstStyle/>
+                    <a:p>
+                      <a:pPr marL="0" marR="0" algn="ctr">
+                        <a:lnSpc>
+                          <a:spcPct val="115000"/>
+                        </a:lnSpc>
+                        <a:spcAft>
+                          <a:spcPts val="800"/>
+                        </a:spcAft>
+                        <a:buNone/>
+                        <a:tabLst>
+                          <a:tab pos="457200" algn="l"/>
+                          <a:tab pos="5029200" algn="r"/>
+                          <a:tab pos="5486400" algn="r"/>
+                        </a:tabLst>
+                      </a:pPr>
+                      <a:r>
+                        <a:rPr lang="en-US" sz="1200" kern="100">
+                          <a:effectLst/>
+                        </a:rPr>
+                        <a:t>2.38</a:t>
+                      </a:r>
+                      <a:endParaRPr lang="en-US" sz="1100" kern="100">
+                        <a:effectLst/>
+                        <a:latin typeface="Aptos" panose="020B0004020202020204" pitchFamily="34" charset="0"/>
+                        <a:ea typeface="Aptos" panose="020B0004020202020204" pitchFamily="34" charset="0"/>
+                        <a:cs typeface="Times New Roman" panose="02020603050405020304" pitchFamily="18" charset="0"/>
+                      </a:endParaRPr>
+                    </a:p>
+                  </a:txBody>
+                  <a:tcPr marL="68580" marR="68580" marT="0" marB="0" anchor="ctr"/>
+                </a:tc>
+                <a:extLst>
+                  <a:ext uri="{0D108BD9-81ED-4DB2-BD59-A6C34878D82A}">
+                    <a16:rowId xmlns:a16="http://schemas.microsoft.com/office/drawing/2014/main" val="1683155755"/>
+                  </a:ext>
+                </a:extLst>
+              </a:tr>
+              <a:tr h="701482">
+                <a:tc>
+                  <a:txBody>
+                    <a:bodyPr/>
+                    <a:lstStyle/>
+                    <a:p>
+                      <a:pPr marL="0" marR="0" algn="ctr">
+                        <a:lnSpc>
+                          <a:spcPct val="115000"/>
+                        </a:lnSpc>
+                        <a:spcAft>
+                          <a:spcPts val="800"/>
+                        </a:spcAft>
+                        <a:buNone/>
+                        <a:tabLst>
+                          <a:tab pos="457200" algn="l"/>
+                          <a:tab pos="5029200" algn="r"/>
+                          <a:tab pos="5486400" algn="r"/>
+                        </a:tabLst>
+                      </a:pPr>
+                      <a:r>
+                        <a:rPr lang="en-US" sz="1200" kern="100">
+                          <a:effectLst/>
+                        </a:rPr>
+                        <a:t>Condense Matter Co-Author Network</a:t>
+                      </a:r>
+                      <a:endParaRPr lang="en-US" sz="1100" kern="100">
+                        <a:effectLst/>
+                        <a:latin typeface="Aptos" panose="020B0004020202020204" pitchFamily="34" charset="0"/>
+                        <a:ea typeface="Aptos" panose="020B0004020202020204" pitchFamily="34" charset="0"/>
+                        <a:cs typeface="Times New Roman" panose="02020603050405020304" pitchFamily="18" charset="0"/>
+                      </a:endParaRPr>
+                    </a:p>
+                  </a:txBody>
+                  <a:tcPr marL="68580" marR="68580" marT="0" marB="0" anchor="ctr"/>
+                </a:tc>
+                <a:tc>
+                  <a:txBody>
+                    <a:bodyPr/>
+                    <a:lstStyle/>
+                    <a:p>
+                      <a:pPr marL="0" marR="0" algn="ctr">
+                        <a:lnSpc>
+                          <a:spcPct val="115000"/>
+                        </a:lnSpc>
+                        <a:spcAft>
+                          <a:spcPts val="800"/>
+                        </a:spcAft>
+                        <a:buNone/>
+                        <a:tabLst>
+                          <a:tab pos="457200" algn="l"/>
+                          <a:tab pos="5029200" algn="r"/>
+                          <a:tab pos="5486400" algn="r"/>
+                        </a:tabLst>
+                      </a:pPr>
+                      <a:r>
+                        <a:rPr lang="en-US" sz="1200" kern="100">
+                          <a:effectLst/>
+                        </a:rPr>
+                        <a:t>76683</a:t>
+                      </a:r>
+                      <a:endParaRPr lang="en-US" sz="1100" kern="100">
+                        <a:effectLst/>
+                        <a:latin typeface="Aptos" panose="020B0004020202020204" pitchFamily="34" charset="0"/>
+                        <a:ea typeface="Aptos" panose="020B0004020202020204" pitchFamily="34" charset="0"/>
+                        <a:cs typeface="Times New Roman" panose="02020603050405020304" pitchFamily="18" charset="0"/>
+                      </a:endParaRPr>
+                    </a:p>
+                  </a:txBody>
+                  <a:tcPr marL="68580" marR="68580" marT="0" marB="0" anchor="ctr"/>
+                </a:tc>
+                <a:tc>
+                  <a:txBody>
+                    <a:bodyPr/>
+                    <a:lstStyle/>
+                    <a:p>
+                      <a:pPr marL="0" marR="0" algn="ctr">
+                        <a:lnSpc>
+                          <a:spcPct val="115000"/>
+                        </a:lnSpc>
+                        <a:spcAft>
+                          <a:spcPts val="800"/>
+                        </a:spcAft>
+                        <a:buNone/>
+                        <a:tabLst>
+                          <a:tab pos="457200" algn="l"/>
+                          <a:tab pos="5029200" algn="r"/>
+                          <a:tab pos="5486400" algn="r"/>
+                        </a:tabLst>
+                      </a:pPr>
+                      <a:r>
+                        <a:rPr lang="en-US" sz="1200" kern="100">
+                          <a:effectLst/>
+                        </a:rPr>
+                        <a:t>1558.99</a:t>
+                      </a:r>
+                      <a:endParaRPr lang="en-US" sz="1100" kern="100">
+                        <a:effectLst/>
+                        <a:latin typeface="Aptos" panose="020B0004020202020204" pitchFamily="34" charset="0"/>
+                        <a:ea typeface="Aptos" panose="020B0004020202020204" pitchFamily="34" charset="0"/>
+                        <a:cs typeface="Times New Roman" panose="02020603050405020304" pitchFamily="18" charset="0"/>
+                      </a:endParaRPr>
+                    </a:p>
+                  </a:txBody>
+                  <a:tcPr marL="68580" marR="68580" marT="0" marB="0" anchor="ctr"/>
+                </a:tc>
+                <a:tc>
+                  <a:txBody>
+                    <a:bodyPr/>
+                    <a:lstStyle/>
+                    <a:p>
+                      <a:pPr marL="0" marR="0" algn="ctr">
+                        <a:lnSpc>
+                          <a:spcPct val="115000"/>
+                        </a:lnSpc>
+                        <a:spcAft>
+                          <a:spcPts val="800"/>
+                        </a:spcAft>
+                        <a:buNone/>
+                        <a:tabLst>
+                          <a:tab pos="457200" algn="l"/>
+                          <a:tab pos="5029200" algn="r"/>
+                          <a:tab pos="5486400" algn="r"/>
+                        </a:tabLst>
+                      </a:pPr>
+                      <a:r>
+                        <a:rPr lang="en-US" sz="1200" kern="100">
+                          <a:effectLst/>
+                        </a:rPr>
+                        <a:t>49.19</a:t>
+                      </a:r>
+                      <a:endParaRPr lang="en-US" sz="1100" kern="100">
+                        <a:effectLst/>
+                        <a:latin typeface="Aptos" panose="020B0004020202020204" pitchFamily="34" charset="0"/>
+                        <a:ea typeface="Aptos" panose="020B0004020202020204" pitchFamily="34" charset="0"/>
+                        <a:cs typeface="Times New Roman" panose="02020603050405020304" pitchFamily="18" charset="0"/>
+                      </a:endParaRPr>
+                    </a:p>
+                  </a:txBody>
+                  <a:tcPr marL="68580" marR="68580" marT="0" marB="0" anchor="ctr"/>
+                </a:tc>
+                <a:extLst>
+                  <a:ext uri="{0D108BD9-81ED-4DB2-BD59-A6C34878D82A}">
+                    <a16:rowId xmlns:a16="http://schemas.microsoft.com/office/drawing/2014/main" val="336434231"/>
+                  </a:ext>
+                </a:extLst>
+              </a:tr>
+              <a:tr h="346155">
+                <a:tc>
+                  <a:txBody>
+                    <a:bodyPr/>
+                    <a:lstStyle/>
+                    <a:p>
+                      <a:pPr marL="0" marR="0" algn="ctr">
+                        <a:lnSpc>
+                          <a:spcPct val="115000"/>
+                        </a:lnSpc>
+                        <a:spcAft>
+                          <a:spcPts val="800"/>
+                        </a:spcAft>
+                        <a:buNone/>
+                        <a:tabLst>
+                          <a:tab pos="457200" algn="l"/>
+                          <a:tab pos="5029200" algn="r"/>
+                          <a:tab pos="5486400" algn="r"/>
+                        </a:tabLst>
+                      </a:pPr>
+                      <a:r>
+                        <a:rPr lang="en-US" sz="1200" kern="100">
+                          <a:effectLst/>
+                        </a:rPr>
+                        <a:t>Synthetic Graph 1</a:t>
+                      </a:r>
+                      <a:endParaRPr lang="en-US" sz="1100" kern="100">
+                        <a:effectLst/>
+                        <a:latin typeface="Aptos" panose="020B0004020202020204" pitchFamily="34" charset="0"/>
+                        <a:ea typeface="Aptos" panose="020B0004020202020204" pitchFamily="34" charset="0"/>
+                        <a:cs typeface="Times New Roman" panose="02020603050405020304" pitchFamily="18" charset="0"/>
+                      </a:endParaRPr>
+                    </a:p>
+                  </a:txBody>
+                  <a:tcPr marL="68580" marR="68580" marT="0" marB="0" anchor="ctr"/>
+                </a:tc>
+                <a:tc>
+                  <a:txBody>
+                    <a:bodyPr/>
+                    <a:lstStyle/>
+                    <a:p>
+                      <a:pPr marL="0" marR="0" algn="ctr">
+                        <a:lnSpc>
+                          <a:spcPct val="115000"/>
+                        </a:lnSpc>
+                        <a:spcAft>
+                          <a:spcPts val="800"/>
+                        </a:spcAft>
+                        <a:buNone/>
+                        <a:tabLst>
+                          <a:tab pos="457200" algn="l"/>
+                          <a:tab pos="5029200" algn="r"/>
+                          <a:tab pos="5486400" algn="r"/>
+                        </a:tabLst>
+                      </a:pPr>
+                      <a:r>
+                        <a:rPr lang="en-US" sz="1200" kern="100">
+                          <a:effectLst/>
+                        </a:rPr>
+                        <a:t>16875</a:t>
+                      </a:r>
+                      <a:endParaRPr lang="en-US" sz="1100" kern="100">
+                        <a:effectLst/>
+                        <a:latin typeface="Aptos" panose="020B0004020202020204" pitchFamily="34" charset="0"/>
+                        <a:ea typeface="Aptos" panose="020B0004020202020204" pitchFamily="34" charset="0"/>
+                        <a:cs typeface="Times New Roman" panose="02020603050405020304" pitchFamily="18" charset="0"/>
+                      </a:endParaRPr>
+                    </a:p>
+                  </a:txBody>
+                  <a:tcPr marL="68580" marR="68580" marT="0" marB="0" anchor="ctr"/>
+                </a:tc>
+                <a:tc>
+                  <a:txBody>
+                    <a:bodyPr/>
+                    <a:lstStyle/>
+                    <a:p>
+                      <a:pPr marL="0" marR="0" algn="ctr">
+                        <a:lnSpc>
+                          <a:spcPct val="115000"/>
+                        </a:lnSpc>
+                        <a:spcAft>
+                          <a:spcPts val="800"/>
+                        </a:spcAft>
+                        <a:buNone/>
+                        <a:tabLst>
+                          <a:tab pos="457200" algn="l"/>
+                          <a:tab pos="5029200" algn="r"/>
+                          <a:tab pos="5486400" algn="r"/>
+                        </a:tabLst>
+                      </a:pPr>
+                      <a:r>
+                        <a:rPr lang="en-US" sz="1200" kern="100">
+                          <a:effectLst/>
+                        </a:rPr>
+                        <a:t>443.164</a:t>
+                      </a:r>
+                      <a:endParaRPr lang="en-US" sz="1100" kern="100">
+                        <a:effectLst/>
+                        <a:latin typeface="Aptos" panose="020B0004020202020204" pitchFamily="34" charset="0"/>
+                        <a:ea typeface="Aptos" panose="020B0004020202020204" pitchFamily="34" charset="0"/>
+                        <a:cs typeface="Times New Roman" panose="02020603050405020304" pitchFamily="18" charset="0"/>
+                      </a:endParaRPr>
+                    </a:p>
+                  </a:txBody>
+                  <a:tcPr marL="68580" marR="68580" marT="0" marB="0" anchor="ctr"/>
+                </a:tc>
+                <a:tc>
+                  <a:txBody>
+                    <a:bodyPr/>
+                    <a:lstStyle/>
+                    <a:p>
+                      <a:pPr marL="0" marR="0" algn="ctr">
+                        <a:lnSpc>
+                          <a:spcPct val="115000"/>
+                        </a:lnSpc>
+                        <a:spcAft>
+                          <a:spcPts val="800"/>
+                        </a:spcAft>
+                        <a:buNone/>
+                        <a:tabLst>
+                          <a:tab pos="457200" algn="l"/>
+                          <a:tab pos="5029200" algn="r"/>
+                          <a:tab pos="5486400" algn="r"/>
+                        </a:tabLst>
+                      </a:pPr>
+                      <a:r>
+                        <a:rPr lang="en-US" sz="1200" kern="100">
+                          <a:effectLst/>
+                        </a:rPr>
+                        <a:t>38.08</a:t>
+                      </a:r>
+                      <a:endParaRPr lang="en-US" sz="1100" kern="100">
+                        <a:effectLst/>
+                        <a:latin typeface="Aptos" panose="020B0004020202020204" pitchFamily="34" charset="0"/>
+                        <a:ea typeface="Aptos" panose="020B0004020202020204" pitchFamily="34" charset="0"/>
+                        <a:cs typeface="Times New Roman" panose="02020603050405020304" pitchFamily="18" charset="0"/>
+                      </a:endParaRPr>
+                    </a:p>
+                  </a:txBody>
+                  <a:tcPr marL="68580" marR="68580" marT="0" marB="0" anchor="ctr"/>
+                </a:tc>
+                <a:extLst>
+                  <a:ext uri="{0D108BD9-81ED-4DB2-BD59-A6C34878D82A}">
+                    <a16:rowId xmlns:a16="http://schemas.microsoft.com/office/drawing/2014/main" val="367619921"/>
+                  </a:ext>
+                </a:extLst>
+              </a:tr>
+              <a:tr h="346155">
+                <a:tc>
+                  <a:txBody>
+                    <a:bodyPr/>
+                    <a:lstStyle/>
+                    <a:p>
+                      <a:pPr marL="0" marR="0" algn="ctr">
+                        <a:lnSpc>
+                          <a:spcPct val="115000"/>
+                        </a:lnSpc>
+                        <a:spcAft>
+                          <a:spcPts val="800"/>
+                        </a:spcAft>
+                        <a:buNone/>
+                        <a:tabLst>
+                          <a:tab pos="457200" algn="l"/>
+                          <a:tab pos="5029200" algn="r"/>
+                          <a:tab pos="5486400" algn="r"/>
+                        </a:tabLst>
+                      </a:pPr>
+                      <a:r>
+                        <a:rPr lang="en-US" sz="1200" kern="100">
+                          <a:effectLst/>
+                        </a:rPr>
+                        <a:t>Synthetic Graph 2</a:t>
+                      </a:r>
+                      <a:endParaRPr lang="en-US" sz="1100" kern="100">
+                        <a:effectLst/>
+                        <a:latin typeface="Aptos" panose="020B0004020202020204" pitchFamily="34" charset="0"/>
+                        <a:ea typeface="Aptos" panose="020B0004020202020204" pitchFamily="34" charset="0"/>
+                        <a:cs typeface="Times New Roman" panose="02020603050405020304" pitchFamily="18" charset="0"/>
+                      </a:endParaRPr>
+                    </a:p>
+                  </a:txBody>
+                  <a:tcPr marL="68580" marR="68580" marT="0" marB="0" anchor="ctr"/>
+                </a:tc>
+                <a:tc>
+                  <a:txBody>
+                    <a:bodyPr/>
+                    <a:lstStyle/>
+                    <a:p>
+                      <a:pPr marL="0" marR="0" algn="ctr">
+                        <a:lnSpc>
+                          <a:spcPct val="115000"/>
+                        </a:lnSpc>
+                        <a:spcAft>
+                          <a:spcPts val="800"/>
+                        </a:spcAft>
+                        <a:buNone/>
+                        <a:tabLst>
+                          <a:tab pos="457200" algn="l"/>
+                          <a:tab pos="5029200" algn="r"/>
+                          <a:tab pos="5486400" algn="r"/>
+                        </a:tabLst>
+                      </a:pPr>
+                      <a:r>
+                        <a:rPr lang="en-US" sz="1200" kern="100">
+                          <a:effectLst/>
+                        </a:rPr>
+                        <a:t>59243</a:t>
+                      </a:r>
+                      <a:endParaRPr lang="en-US" sz="1100" kern="100">
+                        <a:effectLst/>
+                        <a:latin typeface="Aptos" panose="020B0004020202020204" pitchFamily="34" charset="0"/>
+                        <a:ea typeface="Aptos" panose="020B0004020202020204" pitchFamily="34" charset="0"/>
+                        <a:cs typeface="Times New Roman" panose="02020603050405020304" pitchFamily="18" charset="0"/>
+                      </a:endParaRPr>
+                    </a:p>
+                  </a:txBody>
+                  <a:tcPr marL="68580" marR="68580" marT="0" marB="0" anchor="ctr"/>
+                </a:tc>
+                <a:tc>
+                  <a:txBody>
+                    <a:bodyPr/>
+                    <a:lstStyle/>
+                    <a:p>
+                      <a:pPr marL="0" marR="0" algn="ctr">
+                        <a:lnSpc>
+                          <a:spcPct val="115000"/>
+                        </a:lnSpc>
+                        <a:spcAft>
+                          <a:spcPts val="800"/>
+                        </a:spcAft>
+                        <a:buNone/>
+                        <a:tabLst>
+                          <a:tab pos="457200" algn="l"/>
+                          <a:tab pos="5029200" algn="r"/>
+                          <a:tab pos="5486400" algn="r"/>
+                        </a:tabLst>
+                      </a:pPr>
+                      <a:r>
+                        <a:rPr lang="en-US" sz="1200" kern="100">
+                          <a:effectLst/>
+                        </a:rPr>
+                        <a:t>3045.69</a:t>
+                      </a:r>
+                      <a:endParaRPr lang="en-US" sz="1100" kern="100">
+                        <a:effectLst/>
+                        <a:latin typeface="Aptos" panose="020B0004020202020204" pitchFamily="34" charset="0"/>
+                        <a:ea typeface="Aptos" panose="020B0004020202020204" pitchFamily="34" charset="0"/>
+                        <a:cs typeface="Times New Roman" panose="02020603050405020304" pitchFamily="18" charset="0"/>
+                      </a:endParaRPr>
+                    </a:p>
+                  </a:txBody>
+                  <a:tcPr marL="68580" marR="68580" marT="0" marB="0" anchor="ctr"/>
+                </a:tc>
+                <a:tc>
+                  <a:txBody>
+                    <a:bodyPr/>
+                    <a:lstStyle/>
+                    <a:p>
+                      <a:pPr marL="0" marR="0" algn="ctr">
+                        <a:lnSpc>
+                          <a:spcPct val="115000"/>
+                        </a:lnSpc>
+                        <a:spcAft>
+                          <a:spcPts val="800"/>
+                        </a:spcAft>
+                        <a:buNone/>
+                        <a:tabLst>
+                          <a:tab pos="457200" algn="l"/>
+                          <a:tab pos="5029200" algn="r"/>
+                          <a:tab pos="5486400" algn="r"/>
+                        </a:tabLst>
+                      </a:pPr>
+                      <a:r>
+                        <a:rPr lang="en-US" sz="1200" kern="100">
+                          <a:effectLst/>
+                        </a:rPr>
+                        <a:t>19.45</a:t>
+                      </a:r>
+                      <a:endParaRPr lang="en-US" sz="1100" kern="100">
+                        <a:effectLst/>
+                        <a:latin typeface="Aptos" panose="020B0004020202020204" pitchFamily="34" charset="0"/>
+                        <a:ea typeface="Aptos" panose="020B0004020202020204" pitchFamily="34" charset="0"/>
+                        <a:cs typeface="Times New Roman" panose="02020603050405020304" pitchFamily="18" charset="0"/>
+                      </a:endParaRPr>
+                    </a:p>
+                  </a:txBody>
+                  <a:tcPr marL="68580" marR="68580" marT="0" marB="0" anchor="ctr"/>
+                </a:tc>
+                <a:extLst>
+                  <a:ext uri="{0D108BD9-81ED-4DB2-BD59-A6C34878D82A}">
+                    <a16:rowId xmlns:a16="http://schemas.microsoft.com/office/drawing/2014/main" val="792677617"/>
+                  </a:ext>
+                </a:extLst>
+              </a:tr>
+              <a:tr h="346155">
+                <a:tc>
+                  <a:txBody>
+                    <a:bodyPr/>
+                    <a:lstStyle/>
+                    <a:p>
+                      <a:pPr marL="0" marR="0" algn="ctr">
+                        <a:lnSpc>
+                          <a:spcPct val="115000"/>
+                        </a:lnSpc>
+                        <a:spcAft>
+                          <a:spcPts val="800"/>
+                        </a:spcAft>
+                        <a:buNone/>
+                        <a:tabLst>
+                          <a:tab pos="457200" algn="l"/>
+                          <a:tab pos="5029200" algn="r"/>
+                          <a:tab pos="5486400" algn="r"/>
+                        </a:tabLst>
+                      </a:pPr>
+                      <a:r>
+                        <a:rPr lang="en-US" sz="1200" kern="100">
+                          <a:effectLst/>
+                        </a:rPr>
+                        <a:t>Synthetic Graph 3</a:t>
+                      </a:r>
+                      <a:endParaRPr lang="en-US" sz="1100" kern="100">
+                        <a:effectLst/>
+                        <a:latin typeface="Aptos" panose="020B0004020202020204" pitchFamily="34" charset="0"/>
+                        <a:ea typeface="Aptos" panose="020B0004020202020204" pitchFamily="34" charset="0"/>
+                        <a:cs typeface="Times New Roman" panose="02020603050405020304" pitchFamily="18" charset="0"/>
+                      </a:endParaRPr>
+                    </a:p>
+                  </a:txBody>
+                  <a:tcPr marL="68580" marR="68580" marT="0" marB="0" anchor="ctr"/>
+                </a:tc>
+                <a:tc>
+                  <a:txBody>
+                    <a:bodyPr/>
+                    <a:lstStyle/>
+                    <a:p>
+                      <a:pPr marL="0" marR="0" algn="ctr">
+                        <a:lnSpc>
+                          <a:spcPct val="115000"/>
+                        </a:lnSpc>
+                        <a:spcAft>
+                          <a:spcPts val="800"/>
+                        </a:spcAft>
+                        <a:buNone/>
+                        <a:tabLst>
+                          <a:tab pos="457200" algn="l"/>
+                          <a:tab pos="5029200" algn="r"/>
+                          <a:tab pos="5486400" algn="r"/>
+                        </a:tabLst>
+                      </a:pPr>
+                      <a:r>
+                        <a:rPr lang="en-US" sz="1200" kern="100">
+                          <a:effectLst/>
+                        </a:rPr>
+                        <a:t>228629</a:t>
+                      </a:r>
+                      <a:endParaRPr lang="en-US" sz="1100" kern="100">
+                        <a:effectLst/>
+                        <a:latin typeface="Aptos" panose="020B0004020202020204" pitchFamily="34" charset="0"/>
+                        <a:ea typeface="Aptos" panose="020B0004020202020204" pitchFamily="34" charset="0"/>
+                        <a:cs typeface="Times New Roman" panose="02020603050405020304" pitchFamily="18" charset="0"/>
+                      </a:endParaRPr>
+                    </a:p>
+                  </a:txBody>
+                  <a:tcPr marL="68580" marR="68580" marT="0" marB="0" anchor="ctr"/>
+                </a:tc>
+                <a:tc>
+                  <a:txBody>
+                    <a:bodyPr/>
+                    <a:lstStyle/>
+                    <a:p>
+                      <a:pPr marL="0" marR="0" algn="ctr">
+                        <a:lnSpc>
+                          <a:spcPct val="115000"/>
+                        </a:lnSpc>
+                        <a:spcAft>
+                          <a:spcPts val="800"/>
+                        </a:spcAft>
+                        <a:buNone/>
+                        <a:tabLst>
+                          <a:tab pos="457200" algn="l"/>
+                          <a:tab pos="5029200" algn="r"/>
+                          <a:tab pos="5486400" algn="r"/>
+                        </a:tabLst>
+                      </a:pPr>
+                      <a:r>
+                        <a:rPr lang="en-US" sz="1200" kern="100">
+                          <a:effectLst/>
+                        </a:rPr>
+                        <a:t>1344.22</a:t>
+                      </a:r>
+                      <a:endParaRPr lang="en-US" sz="1100" kern="100">
+                        <a:effectLst/>
+                        <a:latin typeface="Aptos" panose="020B0004020202020204" pitchFamily="34" charset="0"/>
+                        <a:ea typeface="Aptos" panose="020B0004020202020204" pitchFamily="34" charset="0"/>
+                        <a:cs typeface="Times New Roman" panose="02020603050405020304" pitchFamily="18" charset="0"/>
+                      </a:endParaRPr>
+                    </a:p>
+                  </a:txBody>
+                  <a:tcPr marL="68580" marR="68580" marT="0" marB="0" anchor="ctr"/>
+                </a:tc>
+                <a:tc>
+                  <a:txBody>
+                    <a:bodyPr/>
+                    <a:lstStyle/>
+                    <a:p>
+                      <a:pPr marL="0" marR="0" algn="ctr">
+                        <a:lnSpc>
+                          <a:spcPct val="115000"/>
+                        </a:lnSpc>
+                        <a:spcAft>
+                          <a:spcPts val="800"/>
+                        </a:spcAft>
+                        <a:buNone/>
+                        <a:tabLst>
+                          <a:tab pos="457200" algn="l"/>
+                          <a:tab pos="5029200" algn="r"/>
+                          <a:tab pos="5486400" algn="r"/>
+                        </a:tabLst>
+                      </a:pPr>
+                      <a:r>
+                        <a:rPr lang="en-US" sz="1200" kern="100">
+                          <a:effectLst/>
+                        </a:rPr>
+                        <a:t>170.08</a:t>
+                      </a:r>
+                      <a:endParaRPr lang="en-US" sz="1100" kern="100">
+                        <a:effectLst/>
+                        <a:latin typeface="Aptos" panose="020B0004020202020204" pitchFamily="34" charset="0"/>
+                        <a:ea typeface="Aptos" panose="020B0004020202020204" pitchFamily="34" charset="0"/>
+                        <a:cs typeface="Times New Roman" panose="02020603050405020304" pitchFamily="18" charset="0"/>
+                      </a:endParaRPr>
+                    </a:p>
+                  </a:txBody>
+                  <a:tcPr marL="68580" marR="68580" marT="0" marB="0" anchor="ctr"/>
+                </a:tc>
+                <a:extLst>
+                  <a:ext uri="{0D108BD9-81ED-4DB2-BD59-A6C34878D82A}">
+                    <a16:rowId xmlns:a16="http://schemas.microsoft.com/office/drawing/2014/main" val="1727665018"/>
+                  </a:ext>
+                </a:extLst>
+              </a:tr>
+              <a:tr h="346155">
+                <a:tc>
+                  <a:txBody>
+                    <a:bodyPr/>
+                    <a:lstStyle/>
+                    <a:p>
+                      <a:pPr marL="0" marR="0" algn="ctr">
+                        <a:lnSpc>
+                          <a:spcPct val="115000"/>
+                        </a:lnSpc>
+                        <a:spcAft>
+                          <a:spcPts val="800"/>
+                        </a:spcAft>
+                        <a:buNone/>
+                        <a:tabLst>
+                          <a:tab pos="457200" algn="l"/>
+                          <a:tab pos="5029200" algn="r"/>
+                          <a:tab pos="5486400" algn="r"/>
+                        </a:tabLst>
+                      </a:pPr>
+                      <a:r>
+                        <a:rPr lang="en-US" sz="1200" kern="100">
+                          <a:effectLst/>
+                        </a:rPr>
+                        <a:t>Synthetic Graph 4</a:t>
+                      </a:r>
+                      <a:endParaRPr lang="en-US" sz="1100" kern="100">
+                        <a:effectLst/>
+                        <a:latin typeface="Aptos" panose="020B0004020202020204" pitchFamily="34" charset="0"/>
+                        <a:ea typeface="Aptos" panose="020B0004020202020204" pitchFamily="34" charset="0"/>
+                        <a:cs typeface="Times New Roman" panose="02020603050405020304" pitchFamily="18" charset="0"/>
+                      </a:endParaRPr>
+                    </a:p>
+                  </a:txBody>
+                  <a:tcPr marL="68580" marR="68580" marT="0" marB="0" anchor="ctr"/>
+                </a:tc>
+                <a:tc>
+                  <a:txBody>
+                    <a:bodyPr/>
+                    <a:lstStyle/>
+                    <a:p>
+                      <a:pPr marL="0" marR="0" algn="ctr">
+                        <a:lnSpc>
+                          <a:spcPct val="115000"/>
+                        </a:lnSpc>
+                        <a:spcAft>
+                          <a:spcPts val="800"/>
+                        </a:spcAft>
+                        <a:buNone/>
+                        <a:tabLst>
+                          <a:tab pos="457200" algn="l"/>
+                          <a:tab pos="5029200" algn="r"/>
+                          <a:tab pos="5486400" algn="r"/>
+                        </a:tabLst>
+                      </a:pPr>
+                      <a:r>
+                        <a:rPr lang="en-US" sz="1200" kern="100">
+                          <a:effectLst/>
+                        </a:rPr>
+                        <a:t>1021662</a:t>
+                      </a:r>
+                      <a:endParaRPr lang="en-US" sz="1100" kern="100">
+                        <a:effectLst/>
+                        <a:latin typeface="Aptos" panose="020B0004020202020204" pitchFamily="34" charset="0"/>
+                        <a:ea typeface="Aptos" panose="020B0004020202020204" pitchFamily="34" charset="0"/>
+                        <a:cs typeface="Times New Roman" panose="02020603050405020304" pitchFamily="18" charset="0"/>
+                      </a:endParaRPr>
+                    </a:p>
+                  </a:txBody>
+                  <a:tcPr marL="68580" marR="68580" marT="0" marB="0" anchor="ctr"/>
+                </a:tc>
+                <a:tc>
+                  <a:txBody>
+                    <a:bodyPr/>
+                    <a:lstStyle/>
+                    <a:p>
+                      <a:pPr marL="0" marR="0" algn="ctr">
+                        <a:lnSpc>
+                          <a:spcPct val="115000"/>
+                        </a:lnSpc>
+                        <a:spcAft>
+                          <a:spcPts val="800"/>
+                        </a:spcAft>
+                        <a:buNone/>
+                        <a:tabLst>
+                          <a:tab pos="457200" algn="l"/>
+                          <a:tab pos="5029200" algn="r"/>
+                          <a:tab pos="5486400" algn="r"/>
+                        </a:tabLst>
+                      </a:pPr>
+                      <a:r>
+                        <a:rPr lang="en-US" sz="1200" kern="100">
+                          <a:effectLst/>
+                        </a:rPr>
+                        <a:t>4312.55</a:t>
+                      </a:r>
+                      <a:endParaRPr lang="en-US" sz="1100" kern="100">
+                        <a:effectLst/>
+                        <a:latin typeface="Aptos" panose="020B0004020202020204" pitchFamily="34" charset="0"/>
+                        <a:ea typeface="Aptos" panose="020B0004020202020204" pitchFamily="34" charset="0"/>
+                        <a:cs typeface="Times New Roman" panose="02020603050405020304" pitchFamily="18" charset="0"/>
+                      </a:endParaRPr>
+                    </a:p>
+                  </a:txBody>
+                  <a:tcPr marL="68580" marR="68580" marT="0" marB="0" anchor="ctr"/>
+                </a:tc>
+                <a:tc>
+                  <a:txBody>
+                    <a:bodyPr/>
+                    <a:lstStyle/>
+                    <a:p>
+                      <a:pPr marL="0" marR="0" algn="ctr">
+                        <a:lnSpc>
+                          <a:spcPct val="115000"/>
+                        </a:lnSpc>
+                        <a:spcAft>
+                          <a:spcPts val="800"/>
+                        </a:spcAft>
+                        <a:buNone/>
+                        <a:tabLst>
+                          <a:tab pos="457200" algn="l"/>
+                          <a:tab pos="5029200" algn="r"/>
+                          <a:tab pos="5486400" algn="r"/>
+                        </a:tabLst>
+                      </a:pPr>
+                      <a:r>
+                        <a:rPr lang="en-US" sz="1200" kern="100">
+                          <a:effectLst/>
+                        </a:rPr>
+                        <a:t>236.9</a:t>
+                      </a:r>
+                      <a:endParaRPr lang="en-US" sz="1100" kern="100">
+                        <a:effectLst/>
+                        <a:latin typeface="Aptos" panose="020B0004020202020204" pitchFamily="34" charset="0"/>
+                        <a:ea typeface="Aptos" panose="020B0004020202020204" pitchFamily="34" charset="0"/>
+                        <a:cs typeface="Times New Roman" panose="02020603050405020304" pitchFamily="18" charset="0"/>
+                      </a:endParaRPr>
+                    </a:p>
+                  </a:txBody>
+                  <a:tcPr marL="68580" marR="68580" marT="0" marB="0" anchor="ctr"/>
+                </a:tc>
+                <a:extLst>
+                  <a:ext uri="{0D108BD9-81ED-4DB2-BD59-A6C34878D82A}">
+                    <a16:rowId xmlns:a16="http://schemas.microsoft.com/office/drawing/2014/main" val="1660848113"/>
+                  </a:ext>
+                </a:extLst>
+              </a:tr>
+              <a:tr h="346155">
+                <a:tc>
+                  <a:txBody>
+                    <a:bodyPr/>
+                    <a:lstStyle/>
+                    <a:p>
+                      <a:pPr marL="0" marR="0" algn="ctr">
+                        <a:lnSpc>
+                          <a:spcPct val="115000"/>
+                        </a:lnSpc>
+                        <a:spcAft>
+                          <a:spcPts val="800"/>
+                        </a:spcAft>
+                        <a:buNone/>
+                        <a:tabLst>
+                          <a:tab pos="457200" algn="l"/>
+                          <a:tab pos="5029200" algn="r"/>
+                          <a:tab pos="5486400" algn="r"/>
+                        </a:tabLst>
+                      </a:pPr>
+                      <a:r>
+                        <a:rPr lang="en-US" sz="1200" kern="100">
+                          <a:effectLst/>
+                        </a:rPr>
+                        <a:t>Synthetic Graph 5</a:t>
+                      </a:r>
+                      <a:endParaRPr lang="en-US" sz="1100" kern="100">
+                        <a:effectLst/>
+                        <a:latin typeface="Aptos" panose="020B0004020202020204" pitchFamily="34" charset="0"/>
+                        <a:ea typeface="Aptos" panose="020B0004020202020204" pitchFamily="34" charset="0"/>
+                        <a:cs typeface="Times New Roman" panose="02020603050405020304" pitchFamily="18" charset="0"/>
+                      </a:endParaRPr>
+                    </a:p>
+                  </a:txBody>
+                  <a:tcPr marL="68580" marR="68580" marT="0" marB="0" anchor="ctr"/>
+                </a:tc>
+                <a:tc>
+                  <a:txBody>
+                    <a:bodyPr/>
+                    <a:lstStyle/>
+                    <a:p>
+                      <a:pPr marL="0" marR="0" algn="ctr">
+                        <a:lnSpc>
+                          <a:spcPct val="115000"/>
+                        </a:lnSpc>
+                        <a:spcAft>
+                          <a:spcPts val="800"/>
+                        </a:spcAft>
+                        <a:buNone/>
+                        <a:tabLst>
+                          <a:tab pos="457200" algn="l"/>
+                          <a:tab pos="5029200" algn="r"/>
+                          <a:tab pos="5486400" algn="r"/>
+                        </a:tabLst>
+                      </a:pPr>
+                      <a:r>
+                        <a:rPr lang="en-US" sz="1200" kern="100">
+                          <a:effectLst/>
+                        </a:rPr>
+                        <a:t>278561</a:t>
+                      </a:r>
+                      <a:endParaRPr lang="en-US" sz="1100" kern="100">
+                        <a:effectLst/>
+                        <a:latin typeface="Aptos" panose="020B0004020202020204" pitchFamily="34" charset="0"/>
+                        <a:ea typeface="Aptos" panose="020B0004020202020204" pitchFamily="34" charset="0"/>
+                        <a:cs typeface="Times New Roman" panose="02020603050405020304" pitchFamily="18" charset="0"/>
+                      </a:endParaRPr>
+                    </a:p>
+                  </a:txBody>
+                  <a:tcPr marL="68580" marR="68580" marT="0" marB="0" anchor="ctr"/>
+                </a:tc>
+                <a:tc>
+                  <a:txBody>
+                    <a:bodyPr/>
+                    <a:lstStyle/>
+                    <a:p>
+                      <a:pPr marL="0" marR="0" algn="ctr">
+                        <a:lnSpc>
+                          <a:spcPct val="115000"/>
+                        </a:lnSpc>
+                        <a:spcAft>
+                          <a:spcPts val="800"/>
+                        </a:spcAft>
+                        <a:buNone/>
+                        <a:tabLst>
+                          <a:tab pos="457200" algn="l"/>
+                          <a:tab pos="5029200" algn="r"/>
+                          <a:tab pos="5486400" algn="r"/>
+                        </a:tabLst>
+                      </a:pPr>
+                      <a:r>
+                        <a:rPr lang="en-US" sz="1200" kern="100">
+                          <a:effectLst/>
+                        </a:rPr>
+                        <a:t>9916.88</a:t>
+                      </a:r>
+                      <a:endParaRPr lang="en-US" sz="1100" kern="100">
+                        <a:effectLst/>
+                        <a:latin typeface="Aptos" panose="020B0004020202020204" pitchFamily="34" charset="0"/>
+                        <a:ea typeface="Aptos" panose="020B0004020202020204" pitchFamily="34" charset="0"/>
+                        <a:cs typeface="Times New Roman" panose="02020603050405020304" pitchFamily="18" charset="0"/>
+                      </a:endParaRPr>
+                    </a:p>
+                  </a:txBody>
+                  <a:tcPr marL="68580" marR="68580" marT="0" marB="0" anchor="ctr"/>
+                </a:tc>
+                <a:tc>
+                  <a:txBody>
+                    <a:bodyPr/>
+                    <a:lstStyle/>
+                    <a:p>
+                      <a:pPr marL="0" marR="0" algn="ctr">
+                        <a:lnSpc>
+                          <a:spcPct val="115000"/>
+                        </a:lnSpc>
+                        <a:spcAft>
+                          <a:spcPts val="800"/>
+                        </a:spcAft>
+                        <a:buNone/>
+                        <a:tabLst>
+                          <a:tab pos="457200" algn="l"/>
+                          <a:tab pos="5029200" algn="r"/>
+                          <a:tab pos="5486400" algn="r"/>
+                        </a:tabLst>
+                      </a:pPr>
+                      <a:r>
+                        <a:rPr lang="en-US" sz="1200" kern="100" dirty="0">
+                          <a:effectLst/>
+                        </a:rPr>
+                        <a:t>28.09</a:t>
+                      </a:r>
+                      <a:endParaRPr lang="en-US" sz="1100" kern="100" dirty="0">
+                        <a:effectLst/>
+                        <a:latin typeface="Aptos" panose="020B0004020202020204" pitchFamily="34" charset="0"/>
+                        <a:ea typeface="Aptos" panose="020B0004020202020204" pitchFamily="34" charset="0"/>
+                        <a:cs typeface="Times New Roman" panose="02020603050405020304" pitchFamily="18" charset="0"/>
+                      </a:endParaRPr>
+                    </a:p>
+                  </a:txBody>
+                  <a:tcPr marL="68580" marR="68580" marT="0" marB="0" anchor="ctr"/>
+                </a:tc>
+                <a:extLst>
+                  <a:ext uri="{0D108BD9-81ED-4DB2-BD59-A6C34878D82A}">
+                    <a16:rowId xmlns:a16="http://schemas.microsoft.com/office/drawing/2014/main" val="576971416"/>
+                  </a:ext>
+                </a:extLst>
+              </a:tr>
+            </a:tbl>
+          </a:graphicData>
+        </a:graphic>
+      </p:graphicFrame>
+      <p:graphicFrame>
+        <p:nvGraphicFramePr>
+          <p:cNvPr id="5" name="Table 4">
+            <a:extLst>
+              <a:ext uri="{FF2B5EF4-FFF2-40B4-BE49-F238E27FC236}">
+                <a16:creationId xmlns:a16="http://schemas.microsoft.com/office/drawing/2014/main" id="{A87C6BF8-9C23-9686-5AEC-DD04ADAFE6AA}"/>
+              </a:ext>
+            </a:extLst>
+          </p:cNvPr>
+          <p:cNvGraphicFramePr>
+            <a:graphicFrameLocks noGrp="1"/>
+          </p:cNvGraphicFramePr>
+          <p:nvPr>
+            <p:extLst>
+              <p:ext uri="{D42A27DB-BD31-4B8C-83A1-F6EECF244321}">
+                <p14:modId xmlns:p14="http://schemas.microsoft.com/office/powerpoint/2010/main" val="685283275"/>
+              </p:ext>
+            </p:extLst>
+          </p:nvPr>
+        </p:nvGraphicFramePr>
+        <p:xfrm>
+          <a:off x="4648202" y="1551788"/>
+          <a:ext cx="4343397" cy="5261675"/>
+        </p:xfrm>
+        <a:graphic>
+          <a:graphicData uri="http://schemas.openxmlformats.org/drawingml/2006/table">
+            <a:tbl>
+              <a:tblPr firstRow="1" firstCol="1" bandRow="1">
+                <a:tableStyleId>{5C22544A-7EE6-4342-B048-85BDC9FD1C3A}</a:tableStyleId>
+              </a:tblPr>
+              <a:tblGrid>
+                <a:gridCol w="1085849">
+                  <a:extLst>
+                    <a:ext uri="{9D8B030D-6E8A-4147-A177-3AD203B41FA5}">
+                      <a16:colId xmlns:a16="http://schemas.microsoft.com/office/drawing/2014/main" val="3235780059"/>
+                    </a:ext>
+                  </a:extLst>
+                </a:gridCol>
+                <a:gridCol w="1047749">
+                  <a:extLst>
+                    <a:ext uri="{9D8B030D-6E8A-4147-A177-3AD203B41FA5}">
+                      <a16:colId xmlns:a16="http://schemas.microsoft.com/office/drawing/2014/main" val="599641750"/>
+                    </a:ext>
+                  </a:extLst>
+                </a:gridCol>
+                <a:gridCol w="1034475">
+                  <a:extLst>
+                    <a:ext uri="{9D8B030D-6E8A-4147-A177-3AD203B41FA5}">
+                      <a16:colId xmlns:a16="http://schemas.microsoft.com/office/drawing/2014/main" val="3226253555"/>
+                    </a:ext>
+                  </a:extLst>
+                </a:gridCol>
+                <a:gridCol w="1175324">
+                  <a:extLst>
+                    <a:ext uri="{9D8B030D-6E8A-4147-A177-3AD203B41FA5}">
+                      <a16:colId xmlns:a16="http://schemas.microsoft.com/office/drawing/2014/main" val="2643005137"/>
+                    </a:ext>
+                  </a:extLst>
+                </a:gridCol>
+              </a:tblGrid>
+              <a:tr h="1189861">
+                <a:tc>
+                  <a:txBody>
+                    <a:bodyPr/>
+                    <a:lstStyle/>
+                    <a:p>
+                      <a:pPr marL="0" marR="0" algn="ctr">
+                        <a:lnSpc>
+                          <a:spcPct val="115000"/>
+                        </a:lnSpc>
+                        <a:spcAft>
+                          <a:spcPts val="800"/>
+                        </a:spcAft>
+                        <a:buNone/>
+                        <a:tabLst>
+                          <a:tab pos="457200" algn="l"/>
+                          <a:tab pos="5029200" algn="r"/>
+                          <a:tab pos="5486400" algn="r"/>
+                        </a:tabLst>
+                      </a:pPr>
+                      <a:r>
+                        <a:rPr lang="en-US" sz="1200" kern="100">
+                          <a:effectLst/>
+                        </a:rPr>
+                        <a:t>Graph</a:t>
+                      </a:r>
+                      <a:endParaRPr lang="en-US" sz="1100" kern="100">
+                        <a:effectLst/>
+                        <a:latin typeface="Aptos" panose="020B0004020202020204" pitchFamily="34" charset="0"/>
+                        <a:ea typeface="Aptos" panose="020B0004020202020204" pitchFamily="34" charset="0"/>
+                        <a:cs typeface="Times New Roman" panose="02020603050405020304" pitchFamily="18" charset="0"/>
+                      </a:endParaRPr>
+                    </a:p>
+                  </a:txBody>
+                  <a:tcPr marL="68580" marR="68580" marT="0" marB="0" anchor="ctr"/>
+                </a:tc>
+                <a:tc>
+                  <a:txBody>
+                    <a:bodyPr/>
+                    <a:lstStyle/>
+                    <a:p>
+                      <a:pPr marL="0" marR="0" algn="ctr">
+                        <a:lnSpc>
+                          <a:spcPct val="115000"/>
+                        </a:lnSpc>
+                        <a:spcAft>
+                          <a:spcPts val="800"/>
+                        </a:spcAft>
+                        <a:buNone/>
+                        <a:tabLst>
+                          <a:tab pos="457200" algn="l"/>
+                          <a:tab pos="5029200" algn="r"/>
+                          <a:tab pos="5486400" algn="r"/>
+                        </a:tabLst>
+                      </a:pPr>
+                      <a:r>
+                        <a:rPr lang="en-US" sz="1200" kern="100" dirty="0">
+                          <a:effectLst/>
+                        </a:rPr>
+                        <a:t>CoreExact Runtime (milliseconds)</a:t>
+                      </a:r>
+                      <a:endParaRPr lang="en-US" sz="1100" kern="100" dirty="0">
+                        <a:effectLst/>
+                        <a:latin typeface="Aptos" panose="020B0004020202020204" pitchFamily="34" charset="0"/>
+                        <a:ea typeface="Aptos" panose="020B0004020202020204" pitchFamily="34" charset="0"/>
+                        <a:cs typeface="Times New Roman" panose="02020603050405020304" pitchFamily="18" charset="0"/>
+                      </a:endParaRPr>
+                    </a:p>
+                  </a:txBody>
+                  <a:tcPr marL="68580" marR="68580" marT="0" marB="0" anchor="ctr"/>
+                </a:tc>
+                <a:tc>
+                  <a:txBody>
+                    <a:bodyPr/>
+                    <a:lstStyle/>
+                    <a:p>
+                      <a:pPr marL="0" marR="0" algn="ctr">
+                        <a:lnSpc>
+                          <a:spcPct val="115000"/>
+                        </a:lnSpc>
+                        <a:spcAft>
+                          <a:spcPts val="800"/>
+                        </a:spcAft>
+                        <a:buNone/>
+                        <a:tabLst>
+                          <a:tab pos="457200" algn="l"/>
+                          <a:tab pos="5029200" algn="r"/>
+                          <a:tab pos="5486400" algn="r"/>
+                        </a:tabLst>
+                      </a:pPr>
+                      <a:r>
+                        <a:rPr lang="en-US" sz="1200" kern="100">
+                          <a:effectLst/>
+                        </a:rPr>
+                        <a:t>Parallelized Solution Runtime (milliseconds)</a:t>
+                      </a:r>
+                      <a:endParaRPr lang="en-US" sz="1100" kern="100">
+                        <a:effectLst/>
+                        <a:latin typeface="Aptos" panose="020B0004020202020204" pitchFamily="34" charset="0"/>
+                        <a:ea typeface="Aptos" panose="020B0004020202020204" pitchFamily="34" charset="0"/>
+                        <a:cs typeface="Times New Roman" panose="02020603050405020304" pitchFamily="18" charset="0"/>
+                      </a:endParaRPr>
+                    </a:p>
+                  </a:txBody>
+                  <a:tcPr marL="68580" marR="68580" marT="0" marB="0" anchor="ctr"/>
+                </a:tc>
+                <a:tc>
+                  <a:txBody>
+                    <a:bodyPr/>
+                    <a:lstStyle/>
+                    <a:p>
+                      <a:pPr marL="0" marR="0" algn="ctr">
+                        <a:lnSpc>
+                          <a:spcPct val="115000"/>
+                        </a:lnSpc>
+                        <a:spcAft>
+                          <a:spcPts val="800"/>
+                        </a:spcAft>
+                        <a:buNone/>
+                        <a:tabLst>
+                          <a:tab pos="457200" algn="l"/>
+                          <a:tab pos="5029200" algn="r"/>
+                          <a:tab pos="5486400" algn="r"/>
+                        </a:tabLst>
+                      </a:pPr>
+                      <a:r>
+                        <a:rPr lang="en-US" sz="1200" kern="100">
+                          <a:effectLst/>
+                        </a:rPr>
+                        <a:t>Speed Increase</a:t>
+                      </a:r>
+                      <a:endParaRPr lang="en-US" sz="1100" kern="100">
+                        <a:effectLst/>
+                      </a:endParaRPr>
+                    </a:p>
+                    <a:p>
+                      <a:pPr marL="0" marR="0" algn="ctr">
+                        <a:lnSpc>
+                          <a:spcPct val="115000"/>
+                        </a:lnSpc>
+                        <a:spcAft>
+                          <a:spcPts val="800"/>
+                        </a:spcAft>
+                        <a:buNone/>
+                        <a:tabLst>
+                          <a:tab pos="457200" algn="l"/>
+                          <a:tab pos="5029200" algn="r"/>
+                          <a:tab pos="5486400" algn="r"/>
+                        </a:tabLst>
+                      </a:pPr>
+                      <a:r>
+                        <a:rPr lang="en-US" sz="1200" kern="100">
+                          <a:effectLst/>
+                        </a:rPr>
+                        <a:t>(CoreExact Runtime/ Parallel Runtime)</a:t>
+                      </a:r>
+                      <a:endParaRPr lang="en-US" sz="1100" kern="100">
+                        <a:effectLst/>
+                        <a:latin typeface="Aptos" panose="020B0004020202020204" pitchFamily="34" charset="0"/>
+                        <a:ea typeface="Aptos" panose="020B0004020202020204" pitchFamily="34" charset="0"/>
+                        <a:cs typeface="Times New Roman" panose="02020603050405020304" pitchFamily="18" charset="0"/>
+                      </a:endParaRPr>
+                    </a:p>
+                  </a:txBody>
+                  <a:tcPr marL="68580" marR="68580" marT="0" marB="0" anchor="ctr"/>
+                </a:tc>
+                <a:extLst>
+                  <a:ext uri="{0D108BD9-81ED-4DB2-BD59-A6C34878D82A}">
+                    <a16:rowId xmlns:a16="http://schemas.microsoft.com/office/drawing/2014/main" val="3211771209"/>
+                  </a:ext>
+                </a:extLst>
+              </a:tr>
+              <a:tr h="426826">
+                <a:tc>
+                  <a:txBody>
+                    <a:bodyPr/>
+                    <a:lstStyle/>
+                    <a:p>
+                      <a:pPr marL="0" marR="0" algn="ctr">
+                        <a:lnSpc>
+                          <a:spcPct val="115000"/>
+                        </a:lnSpc>
+                        <a:spcAft>
+                          <a:spcPts val="800"/>
+                        </a:spcAft>
+                        <a:buNone/>
+                        <a:tabLst>
+                          <a:tab pos="457200" algn="l"/>
+                          <a:tab pos="5029200" algn="r"/>
+                          <a:tab pos="5486400" algn="r"/>
+                        </a:tabLst>
+                      </a:pPr>
+                      <a:r>
+                        <a:rPr lang="en-US" sz="1200" kern="100">
+                          <a:effectLst/>
+                        </a:rPr>
+                        <a:t>Yeast Protein Network</a:t>
+                      </a:r>
+                      <a:endParaRPr lang="en-US" sz="1100" kern="100">
+                        <a:effectLst/>
+                        <a:latin typeface="Aptos" panose="020B0004020202020204" pitchFamily="34" charset="0"/>
+                        <a:ea typeface="Aptos" panose="020B0004020202020204" pitchFamily="34" charset="0"/>
+                        <a:cs typeface="Times New Roman" panose="02020603050405020304" pitchFamily="18" charset="0"/>
+                      </a:endParaRPr>
+                    </a:p>
+                  </a:txBody>
+                  <a:tcPr marL="68580" marR="68580" marT="0" marB="0" anchor="ctr"/>
+                </a:tc>
+                <a:tc>
+                  <a:txBody>
+                    <a:bodyPr/>
+                    <a:lstStyle/>
+                    <a:p>
+                      <a:pPr marL="0" marR="0" algn="ctr">
+                        <a:lnSpc>
+                          <a:spcPct val="115000"/>
+                        </a:lnSpc>
+                        <a:spcAft>
+                          <a:spcPts val="800"/>
+                        </a:spcAft>
+                        <a:buNone/>
+                        <a:tabLst>
+                          <a:tab pos="457200" algn="l"/>
+                          <a:tab pos="5029200" algn="r"/>
+                          <a:tab pos="5486400" algn="r"/>
+                        </a:tabLst>
+                      </a:pPr>
+                      <a:r>
+                        <a:rPr lang="en-US" sz="1200" kern="100" dirty="0">
+                          <a:effectLst/>
+                        </a:rPr>
+                        <a:t>114</a:t>
+                      </a:r>
+                      <a:endParaRPr lang="en-US" sz="1100" kern="100" dirty="0">
+                        <a:effectLst/>
+                        <a:latin typeface="Aptos" panose="020B0004020202020204" pitchFamily="34" charset="0"/>
+                        <a:ea typeface="Aptos" panose="020B0004020202020204" pitchFamily="34" charset="0"/>
+                        <a:cs typeface="Times New Roman" panose="02020603050405020304" pitchFamily="18" charset="0"/>
+                      </a:endParaRPr>
+                    </a:p>
+                  </a:txBody>
+                  <a:tcPr marL="68580" marR="68580" marT="0" marB="0" anchor="ctr"/>
+                </a:tc>
+                <a:tc>
+                  <a:txBody>
+                    <a:bodyPr/>
+                    <a:lstStyle/>
+                    <a:p>
+                      <a:pPr marL="0" marR="0" algn="ctr">
+                        <a:lnSpc>
+                          <a:spcPct val="115000"/>
+                        </a:lnSpc>
+                        <a:spcAft>
+                          <a:spcPts val="800"/>
+                        </a:spcAft>
+                        <a:buNone/>
+                        <a:tabLst>
+                          <a:tab pos="457200" algn="l"/>
+                          <a:tab pos="5029200" algn="r"/>
+                          <a:tab pos="5486400" algn="r"/>
+                        </a:tabLst>
+                      </a:pPr>
+                      <a:r>
+                        <a:rPr lang="en-US" sz="1200" kern="100">
+                          <a:effectLst/>
+                        </a:rPr>
+                        <a:t>131.444</a:t>
+                      </a:r>
+                      <a:endParaRPr lang="en-US" sz="1100" kern="100">
+                        <a:effectLst/>
+                        <a:latin typeface="Aptos" panose="020B0004020202020204" pitchFamily="34" charset="0"/>
+                        <a:ea typeface="Aptos" panose="020B0004020202020204" pitchFamily="34" charset="0"/>
+                        <a:cs typeface="Times New Roman" panose="02020603050405020304" pitchFamily="18" charset="0"/>
+                      </a:endParaRPr>
+                    </a:p>
+                  </a:txBody>
+                  <a:tcPr marL="68580" marR="68580" marT="0" marB="0" anchor="ctr"/>
+                </a:tc>
+                <a:tc>
+                  <a:txBody>
+                    <a:bodyPr/>
+                    <a:lstStyle/>
+                    <a:p>
+                      <a:pPr marL="0" marR="0" algn="ctr">
+                        <a:lnSpc>
+                          <a:spcPct val="115000"/>
+                        </a:lnSpc>
+                        <a:spcAft>
+                          <a:spcPts val="800"/>
+                        </a:spcAft>
+                        <a:buNone/>
+                        <a:tabLst>
+                          <a:tab pos="457200" algn="l"/>
+                          <a:tab pos="5029200" algn="r"/>
+                          <a:tab pos="5486400" algn="r"/>
+                        </a:tabLst>
+                      </a:pPr>
+                      <a:r>
+                        <a:rPr lang="en-US" sz="1200" kern="100">
+                          <a:effectLst/>
+                        </a:rPr>
+                        <a:t>0.87</a:t>
+                      </a:r>
+                      <a:endParaRPr lang="en-US" sz="1100" kern="100">
+                        <a:effectLst/>
+                        <a:latin typeface="Aptos" panose="020B0004020202020204" pitchFamily="34" charset="0"/>
+                        <a:ea typeface="Aptos" panose="020B0004020202020204" pitchFamily="34" charset="0"/>
+                        <a:cs typeface="Times New Roman" panose="02020603050405020304" pitchFamily="18" charset="0"/>
+                      </a:endParaRPr>
+                    </a:p>
+                  </a:txBody>
+                  <a:tcPr marL="68580" marR="68580" marT="0" marB="0" anchor="ctr"/>
+                </a:tc>
+                <a:extLst>
+                  <a:ext uri="{0D108BD9-81ED-4DB2-BD59-A6C34878D82A}">
+                    <a16:rowId xmlns:a16="http://schemas.microsoft.com/office/drawing/2014/main" val="3224824161"/>
+                  </a:ext>
+                </a:extLst>
+              </a:tr>
+              <a:tr h="645895">
+                <a:tc>
+                  <a:txBody>
+                    <a:bodyPr/>
+                    <a:lstStyle/>
+                    <a:p>
+                      <a:pPr marL="0" marR="0" algn="ctr">
+                        <a:lnSpc>
+                          <a:spcPct val="115000"/>
+                        </a:lnSpc>
+                        <a:spcAft>
+                          <a:spcPts val="800"/>
+                        </a:spcAft>
+                        <a:buNone/>
+                        <a:tabLst>
+                          <a:tab pos="457200" algn="l"/>
+                          <a:tab pos="5029200" algn="r"/>
+                          <a:tab pos="5486400" algn="r"/>
+                        </a:tabLst>
+                      </a:pPr>
+                      <a:r>
+                        <a:rPr lang="en-US" sz="1200" kern="100">
+                          <a:effectLst/>
+                        </a:rPr>
+                        <a:t>European Deezer Social Network</a:t>
+                      </a:r>
+                      <a:endParaRPr lang="en-US" sz="1100" kern="100">
+                        <a:effectLst/>
+                        <a:latin typeface="Aptos" panose="020B0004020202020204" pitchFamily="34" charset="0"/>
+                        <a:ea typeface="Aptos" panose="020B0004020202020204" pitchFamily="34" charset="0"/>
+                        <a:cs typeface="Times New Roman" panose="02020603050405020304" pitchFamily="18" charset="0"/>
+                      </a:endParaRPr>
+                    </a:p>
+                  </a:txBody>
+                  <a:tcPr marL="68580" marR="68580" marT="0" marB="0" anchor="ctr"/>
+                </a:tc>
+                <a:tc>
+                  <a:txBody>
+                    <a:bodyPr/>
+                    <a:lstStyle/>
+                    <a:p>
+                      <a:pPr marL="0" marR="0" algn="ctr">
+                        <a:lnSpc>
+                          <a:spcPct val="115000"/>
+                        </a:lnSpc>
+                        <a:spcAft>
+                          <a:spcPts val="800"/>
+                        </a:spcAft>
+                        <a:buNone/>
+                        <a:tabLst>
+                          <a:tab pos="457200" algn="l"/>
+                          <a:tab pos="5029200" algn="r"/>
+                          <a:tab pos="5486400" algn="r"/>
+                        </a:tabLst>
+                      </a:pPr>
+                      <a:r>
+                        <a:rPr lang="en-US" sz="1200" kern="100">
+                          <a:effectLst/>
+                        </a:rPr>
+                        <a:t>6346</a:t>
+                      </a:r>
+                      <a:endParaRPr lang="en-US" sz="1100" kern="100">
+                        <a:effectLst/>
+                        <a:latin typeface="Aptos" panose="020B0004020202020204" pitchFamily="34" charset="0"/>
+                        <a:ea typeface="Aptos" panose="020B0004020202020204" pitchFamily="34" charset="0"/>
+                        <a:cs typeface="Times New Roman" panose="02020603050405020304" pitchFamily="18" charset="0"/>
+                      </a:endParaRPr>
+                    </a:p>
+                  </a:txBody>
+                  <a:tcPr marL="68580" marR="68580" marT="0" marB="0" anchor="ctr"/>
+                </a:tc>
+                <a:tc>
+                  <a:txBody>
+                    <a:bodyPr/>
+                    <a:lstStyle/>
+                    <a:p>
+                      <a:pPr marL="0" marR="0" algn="ctr">
+                        <a:lnSpc>
+                          <a:spcPct val="115000"/>
+                        </a:lnSpc>
+                        <a:spcAft>
+                          <a:spcPts val="800"/>
+                        </a:spcAft>
+                        <a:buNone/>
+                        <a:tabLst>
+                          <a:tab pos="457200" algn="l"/>
+                          <a:tab pos="5029200" algn="r"/>
+                          <a:tab pos="5486400" algn="r"/>
+                        </a:tabLst>
+                      </a:pPr>
+                      <a:r>
+                        <a:rPr lang="en-US" sz="1200" kern="100">
+                          <a:effectLst/>
+                        </a:rPr>
+                        <a:t>18177.1</a:t>
+                      </a:r>
+                      <a:endParaRPr lang="en-US" sz="1100" kern="100">
+                        <a:effectLst/>
+                        <a:latin typeface="Aptos" panose="020B0004020202020204" pitchFamily="34" charset="0"/>
+                        <a:ea typeface="Aptos" panose="020B0004020202020204" pitchFamily="34" charset="0"/>
+                        <a:cs typeface="Times New Roman" panose="02020603050405020304" pitchFamily="18" charset="0"/>
+                      </a:endParaRPr>
+                    </a:p>
+                  </a:txBody>
+                  <a:tcPr marL="68580" marR="68580" marT="0" marB="0" anchor="ctr"/>
+                </a:tc>
+                <a:tc>
+                  <a:txBody>
+                    <a:bodyPr/>
+                    <a:lstStyle/>
+                    <a:p>
+                      <a:pPr marL="0" marR="0" algn="ctr">
+                        <a:lnSpc>
+                          <a:spcPct val="115000"/>
+                        </a:lnSpc>
+                        <a:spcAft>
+                          <a:spcPts val="800"/>
+                        </a:spcAft>
+                        <a:buNone/>
+                        <a:tabLst>
+                          <a:tab pos="457200" algn="l"/>
+                          <a:tab pos="5029200" algn="r"/>
+                          <a:tab pos="5486400" algn="r"/>
+                        </a:tabLst>
+                      </a:pPr>
+                      <a:r>
+                        <a:rPr lang="en-US" sz="1200" kern="100">
+                          <a:effectLst/>
+                        </a:rPr>
+                        <a:t>0.35</a:t>
+                      </a:r>
+                      <a:endParaRPr lang="en-US" sz="1100" kern="100">
+                        <a:effectLst/>
+                        <a:latin typeface="Aptos" panose="020B0004020202020204" pitchFamily="34" charset="0"/>
+                        <a:ea typeface="Aptos" panose="020B0004020202020204" pitchFamily="34" charset="0"/>
+                        <a:cs typeface="Times New Roman" panose="02020603050405020304" pitchFamily="18" charset="0"/>
+                      </a:endParaRPr>
+                    </a:p>
+                  </a:txBody>
+                  <a:tcPr marL="68580" marR="68580" marT="0" marB="0" anchor="ctr"/>
+                </a:tc>
+                <a:extLst>
+                  <a:ext uri="{0D108BD9-81ED-4DB2-BD59-A6C34878D82A}">
+                    <a16:rowId xmlns:a16="http://schemas.microsoft.com/office/drawing/2014/main" val="2497960065"/>
+                  </a:ext>
+                </a:extLst>
+              </a:tr>
+              <a:tr h="864963">
+                <a:tc>
+                  <a:txBody>
+                    <a:bodyPr/>
+                    <a:lstStyle/>
+                    <a:p>
+                      <a:pPr marL="0" marR="0" algn="ctr">
+                        <a:lnSpc>
+                          <a:spcPct val="115000"/>
+                        </a:lnSpc>
+                        <a:spcAft>
+                          <a:spcPts val="800"/>
+                        </a:spcAft>
+                        <a:buNone/>
+                        <a:tabLst>
+                          <a:tab pos="457200" algn="l"/>
+                          <a:tab pos="5029200" algn="r"/>
+                          <a:tab pos="5486400" algn="r"/>
+                        </a:tabLst>
+                      </a:pPr>
+                      <a:r>
+                        <a:rPr lang="en-US" sz="1200" kern="100">
+                          <a:effectLst/>
+                        </a:rPr>
+                        <a:t>Condense Matter Co-Author Network</a:t>
+                      </a:r>
+                      <a:endParaRPr lang="en-US" sz="1100" kern="100">
+                        <a:effectLst/>
+                        <a:latin typeface="Aptos" panose="020B0004020202020204" pitchFamily="34" charset="0"/>
+                        <a:ea typeface="Aptos" panose="020B0004020202020204" pitchFamily="34" charset="0"/>
+                        <a:cs typeface="Times New Roman" panose="02020603050405020304" pitchFamily="18" charset="0"/>
+                      </a:endParaRPr>
+                    </a:p>
+                  </a:txBody>
+                  <a:tcPr marL="68580" marR="68580" marT="0" marB="0" anchor="ctr"/>
+                </a:tc>
+                <a:tc>
+                  <a:txBody>
+                    <a:bodyPr/>
+                    <a:lstStyle/>
+                    <a:p>
+                      <a:pPr marL="0" marR="0" algn="ctr">
+                        <a:lnSpc>
+                          <a:spcPct val="115000"/>
+                        </a:lnSpc>
+                        <a:spcAft>
+                          <a:spcPts val="800"/>
+                        </a:spcAft>
+                        <a:buNone/>
+                        <a:tabLst>
+                          <a:tab pos="457200" algn="l"/>
+                          <a:tab pos="5029200" algn="r"/>
+                          <a:tab pos="5486400" algn="r"/>
+                        </a:tabLst>
+                      </a:pPr>
+                      <a:r>
+                        <a:rPr lang="en-US" sz="1200" kern="100">
+                          <a:effectLst/>
+                        </a:rPr>
+                        <a:t>108521</a:t>
+                      </a:r>
+                      <a:endParaRPr lang="en-US" sz="1100" kern="100">
+                        <a:effectLst/>
+                        <a:latin typeface="Aptos" panose="020B0004020202020204" pitchFamily="34" charset="0"/>
+                        <a:ea typeface="Aptos" panose="020B0004020202020204" pitchFamily="34" charset="0"/>
+                        <a:cs typeface="Times New Roman" panose="02020603050405020304" pitchFamily="18" charset="0"/>
+                      </a:endParaRPr>
+                    </a:p>
+                  </a:txBody>
+                  <a:tcPr marL="68580" marR="68580" marT="0" marB="0" anchor="ctr"/>
+                </a:tc>
+                <a:tc>
+                  <a:txBody>
+                    <a:bodyPr/>
+                    <a:lstStyle/>
+                    <a:p>
+                      <a:pPr marL="0" marR="0" algn="ctr">
+                        <a:lnSpc>
+                          <a:spcPct val="115000"/>
+                        </a:lnSpc>
+                        <a:spcAft>
+                          <a:spcPts val="800"/>
+                        </a:spcAft>
+                        <a:buNone/>
+                        <a:tabLst>
+                          <a:tab pos="457200" algn="l"/>
+                          <a:tab pos="5029200" algn="r"/>
+                          <a:tab pos="5486400" algn="r"/>
+                        </a:tabLst>
+                      </a:pPr>
+                      <a:r>
+                        <a:rPr lang="en-US" sz="1200" kern="100">
+                          <a:effectLst/>
+                        </a:rPr>
+                        <a:t>3347.62</a:t>
+                      </a:r>
+                      <a:endParaRPr lang="en-US" sz="1100" kern="100">
+                        <a:effectLst/>
+                        <a:latin typeface="Aptos" panose="020B0004020202020204" pitchFamily="34" charset="0"/>
+                        <a:ea typeface="Aptos" panose="020B0004020202020204" pitchFamily="34" charset="0"/>
+                        <a:cs typeface="Times New Roman" panose="02020603050405020304" pitchFamily="18" charset="0"/>
+                      </a:endParaRPr>
+                    </a:p>
+                  </a:txBody>
+                  <a:tcPr marL="68580" marR="68580" marT="0" marB="0" anchor="ctr"/>
+                </a:tc>
+                <a:tc>
+                  <a:txBody>
+                    <a:bodyPr/>
+                    <a:lstStyle/>
+                    <a:p>
+                      <a:pPr marL="0" marR="0" algn="ctr">
+                        <a:lnSpc>
+                          <a:spcPct val="115000"/>
+                        </a:lnSpc>
+                        <a:spcAft>
+                          <a:spcPts val="800"/>
+                        </a:spcAft>
+                        <a:buNone/>
+                        <a:tabLst>
+                          <a:tab pos="457200" algn="l"/>
+                          <a:tab pos="5029200" algn="r"/>
+                          <a:tab pos="5486400" algn="r"/>
+                        </a:tabLst>
+                      </a:pPr>
+                      <a:r>
+                        <a:rPr lang="en-US" sz="1200" kern="100">
+                          <a:effectLst/>
+                        </a:rPr>
+                        <a:t>32.42</a:t>
+                      </a:r>
+                      <a:endParaRPr lang="en-US" sz="1100" kern="100">
+                        <a:effectLst/>
+                        <a:latin typeface="Aptos" panose="020B0004020202020204" pitchFamily="34" charset="0"/>
+                        <a:ea typeface="Aptos" panose="020B0004020202020204" pitchFamily="34" charset="0"/>
+                        <a:cs typeface="Times New Roman" panose="02020603050405020304" pitchFamily="18" charset="0"/>
+                      </a:endParaRPr>
+                    </a:p>
+                  </a:txBody>
+                  <a:tcPr marL="68580" marR="68580" marT="0" marB="0" anchor="ctr"/>
+                </a:tc>
+                <a:extLst>
+                  <a:ext uri="{0D108BD9-81ED-4DB2-BD59-A6C34878D82A}">
+                    <a16:rowId xmlns:a16="http://schemas.microsoft.com/office/drawing/2014/main" val="1523867910"/>
+                  </a:ext>
+                </a:extLst>
+              </a:tr>
+              <a:tr h="426826">
+                <a:tc>
+                  <a:txBody>
+                    <a:bodyPr/>
+                    <a:lstStyle/>
+                    <a:p>
+                      <a:pPr marL="0" marR="0" algn="ctr">
+                        <a:lnSpc>
+                          <a:spcPct val="115000"/>
+                        </a:lnSpc>
+                        <a:spcAft>
+                          <a:spcPts val="800"/>
+                        </a:spcAft>
+                        <a:buNone/>
+                        <a:tabLst>
+                          <a:tab pos="457200" algn="l"/>
+                          <a:tab pos="5029200" algn="r"/>
+                          <a:tab pos="5486400" algn="r"/>
+                        </a:tabLst>
+                      </a:pPr>
+                      <a:r>
+                        <a:rPr lang="en-US" sz="1200" kern="100">
+                          <a:effectLst/>
+                        </a:rPr>
+                        <a:t>Synthetic Graph 1</a:t>
+                      </a:r>
+                      <a:endParaRPr lang="en-US" sz="1100" kern="100">
+                        <a:effectLst/>
+                        <a:latin typeface="Aptos" panose="020B0004020202020204" pitchFamily="34" charset="0"/>
+                        <a:ea typeface="Aptos" panose="020B0004020202020204" pitchFamily="34" charset="0"/>
+                        <a:cs typeface="Times New Roman" panose="02020603050405020304" pitchFamily="18" charset="0"/>
+                      </a:endParaRPr>
+                    </a:p>
+                  </a:txBody>
+                  <a:tcPr marL="68580" marR="68580" marT="0" marB="0" anchor="ctr"/>
+                </a:tc>
+                <a:tc>
+                  <a:txBody>
+                    <a:bodyPr/>
+                    <a:lstStyle/>
+                    <a:p>
+                      <a:pPr marL="0" marR="0" algn="ctr">
+                        <a:lnSpc>
+                          <a:spcPct val="115000"/>
+                        </a:lnSpc>
+                        <a:spcAft>
+                          <a:spcPts val="800"/>
+                        </a:spcAft>
+                        <a:buNone/>
+                        <a:tabLst>
+                          <a:tab pos="457200" algn="l"/>
+                          <a:tab pos="5029200" algn="r"/>
+                          <a:tab pos="5486400" algn="r"/>
+                        </a:tabLst>
+                      </a:pPr>
+                      <a:r>
+                        <a:rPr lang="en-US" sz="1200" kern="100">
+                          <a:effectLst/>
+                        </a:rPr>
+                        <a:t>9365</a:t>
+                      </a:r>
+                      <a:endParaRPr lang="en-US" sz="1100" kern="100">
+                        <a:effectLst/>
+                        <a:latin typeface="Aptos" panose="020B0004020202020204" pitchFamily="34" charset="0"/>
+                        <a:ea typeface="Aptos" panose="020B0004020202020204" pitchFamily="34" charset="0"/>
+                        <a:cs typeface="Times New Roman" panose="02020603050405020304" pitchFamily="18" charset="0"/>
+                      </a:endParaRPr>
+                    </a:p>
+                  </a:txBody>
+                  <a:tcPr marL="68580" marR="68580" marT="0" marB="0" anchor="ctr"/>
+                </a:tc>
+                <a:tc>
+                  <a:txBody>
+                    <a:bodyPr/>
+                    <a:lstStyle/>
+                    <a:p>
+                      <a:pPr marL="0" marR="0" algn="ctr">
+                        <a:lnSpc>
+                          <a:spcPct val="115000"/>
+                        </a:lnSpc>
+                        <a:spcAft>
+                          <a:spcPts val="800"/>
+                        </a:spcAft>
+                        <a:buNone/>
+                        <a:tabLst>
+                          <a:tab pos="457200" algn="l"/>
+                          <a:tab pos="5029200" algn="r"/>
+                          <a:tab pos="5486400" algn="r"/>
+                        </a:tabLst>
+                      </a:pPr>
+                      <a:r>
+                        <a:rPr lang="en-US" sz="1200" kern="100">
+                          <a:effectLst/>
+                        </a:rPr>
+                        <a:t>317.121</a:t>
+                      </a:r>
+                      <a:endParaRPr lang="en-US" sz="1100" kern="100">
+                        <a:effectLst/>
+                        <a:latin typeface="Aptos" panose="020B0004020202020204" pitchFamily="34" charset="0"/>
+                        <a:ea typeface="Aptos" panose="020B0004020202020204" pitchFamily="34" charset="0"/>
+                        <a:cs typeface="Times New Roman" panose="02020603050405020304" pitchFamily="18" charset="0"/>
+                      </a:endParaRPr>
+                    </a:p>
+                  </a:txBody>
+                  <a:tcPr marL="68580" marR="68580" marT="0" marB="0" anchor="ctr"/>
+                </a:tc>
+                <a:tc>
+                  <a:txBody>
+                    <a:bodyPr/>
+                    <a:lstStyle/>
+                    <a:p>
+                      <a:pPr marL="0" marR="0" algn="ctr">
+                        <a:lnSpc>
+                          <a:spcPct val="115000"/>
+                        </a:lnSpc>
+                        <a:spcAft>
+                          <a:spcPts val="800"/>
+                        </a:spcAft>
+                        <a:buNone/>
+                        <a:tabLst>
+                          <a:tab pos="457200" algn="l"/>
+                          <a:tab pos="5029200" algn="r"/>
+                          <a:tab pos="5486400" algn="r"/>
+                        </a:tabLst>
+                      </a:pPr>
+                      <a:r>
+                        <a:rPr lang="en-US" sz="1200" kern="100">
+                          <a:effectLst/>
+                        </a:rPr>
+                        <a:t>29.53</a:t>
+                      </a:r>
+                      <a:endParaRPr lang="en-US" sz="1100" kern="100">
+                        <a:effectLst/>
+                        <a:latin typeface="Aptos" panose="020B0004020202020204" pitchFamily="34" charset="0"/>
+                        <a:ea typeface="Aptos" panose="020B0004020202020204" pitchFamily="34" charset="0"/>
+                        <a:cs typeface="Times New Roman" panose="02020603050405020304" pitchFamily="18" charset="0"/>
+                      </a:endParaRPr>
+                    </a:p>
+                  </a:txBody>
+                  <a:tcPr marL="68580" marR="68580" marT="0" marB="0" anchor="ctr"/>
+                </a:tc>
+                <a:extLst>
+                  <a:ext uri="{0D108BD9-81ED-4DB2-BD59-A6C34878D82A}">
+                    <a16:rowId xmlns:a16="http://schemas.microsoft.com/office/drawing/2014/main" val="319256732"/>
+                  </a:ext>
+                </a:extLst>
+              </a:tr>
+              <a:tr h="426826">
+                <a:tc>
+                  <a:txBody>
+                    <a:bodyPr/>
+                    <a:lstStyle/>
+                    <a:p>
+                      <a:pPr marL="0" marR="0" algn="ctr">
+                        <a:lnSpc>
+                          <a:spcPct val="115000"/>
+                        </a:lnSpc>
+                        <a:spcAft>
+                          <a:spcPts val="800"/>
+                        </a:spcAft>
+                        <a:buNone/>
+                        <a:tabLst>
+                          <a:tab pos="457200" algn="l"/>
+                          <a:tab pos="5029200" algn="r"/>
+                          <a:tab pos="5486400" algn="r"/>
+                        </a:tabLst>
+                      </a:pPr>
+                      <a:r>
+                        <a:rPr lang="en-US" sz="1200" kern="100">
+                          <a:effectLst/>
+                        </a:rPr>
+                        <a:t>Synthetic Graph 2</a:t>
+                      </a:r>
+                      <a:endParaRPr lang="en-US" sz="1100" kern="100">
+                        <a:effectLst/>
+                        <a:latin typeface="Aptos" panose="020B0004020202020204" pitchFamily="34" charset="0"/>
+                        <a:ea typeface="Aptos" panose="020B0004020202020204" pitchFamily="34" charset="0"/>
+                        <a:cs typeface="Times New Roman" panose="02020603050405020304" pitchFamily="18" charset="0"/>
+                      </a:endParaRPr>
+                    </a:p>
+                  </a:txBody>
+                  <a:tcPr marL="68580" marR="68580" marT="0" marB="0" anchor="ctr"/>
+                </a:tc>
+                <a:tc>
+                  <a:txBody>
+                    <a:bodyPr/>
+                    <a:lstStyle/>
+                    <a:p>
+                      <a:pPr marL="0" marR="0" algn="ctr">
+                        <a:lnSpc>
+                          <a:spcPct val="115000"/>
+                        </a:lnSpc>
+                        <a:spcAft>
+                          <a:spcPts val="800"/>
+                        </a:spcAft>
+                        <a:buNone/>
+                        <a:tabLst>
+                          <a:tab pos="457200" algn="l"/>
+                          <a:tab pos="5029200" algn="r"/>
+                          <a:tab pos="5486400" algn="r"/>
+                        </a:tabLst>
+                      </a:pPr>
+                      <a:r>
+                        <a:rPr lang="en-US" sz="1200" kern="100">
+                          <a:effectLst/>
+                        </a:rPr>
+                        <a:t>1187069</a:t>
+                      </a:r>
+                      <a:endParaRPr lang="en-US" sz="1100" kern="100">
+                        <a:effectLst/>
+                        <a:latin typeface="Aptos" panose="020B0004020202020204" pitchFamily="34" charset="0"/>
+                        <a:ea typeface="Aptos" panose="020B0004020202020204" pitchFamily="34" charset="0"/>
+                        <a:cs typeface="Times New Roman" panose="02020603050405020304" pitchFamily="18" charset="0"/>
+                      </a:endParaRPr>
+                    </a:p>
+                  </a:txBody>
+                  <a:tcPr marL="68580" marR="68580" marT="0" marB="0" anchor="ctr"/>
+                </a:tc>
+                <a:tc>
+                  <a:txBody>
+                    <a:bodyPr/>
+                    <a:lstStyle/>
+                    <a:p>
+                      <a:pPr marL="0" marR="0" algn="ctr">
+                        <a:lnSpc>
+                          <a:spcPct val="115000"/>
+                        </a:lnSpc>
+                        <a:spcAft>
+                          <a:spcPts val="800"/>
+                        </a:spcAft>
+                        <a:buNone/>
+                        <a:tabLst>
+                          <a:tab pos="457200" algn="l"/>
+                          <a:tab pos="5029200" algn="r"/>
+                          <a:tab pos="5486400" algn="r"/>
+                        </a:tabLst>
+                      </a:pPr>
+                      <a:r>
+                        <a:rPr lang="en-US" sz="1200" kern="100">
+                          <a:effectLst/>
+                        </a:rPr>
+                        <a:t>433087</a:t>
+                      </a:r>
+                      <a:endParaRPr lang="en-US" sz="1100" kern="100">
+                        <a:effectLst/>
+                        <a:latin typeface="Aptos" panose="020B0004020202020204" pitchFamily="34" charset="0"/>
+                        <a:ea typeface="Aptos" panose="020B0004020202020204" pitchFamily="34" charset="0"/>
+                        <a:cs typeface="Times New Roman" panose="02020603050405020304" pitchFamily="18" charset="0"/>
+                      </a:endParaRPr>
+                    </a:p>
+                  </a:txBody>
+                  <a:tcPr marL="68580" marR="68580" marT="0" marB="0" anchor="ctr"/>
+                </a:tc>
+                <a:tc>
+                  <a:txBody>
+                    <a:bodyPr/>
+                    <a:lstStyle/>
+                    <a:p>
+                      <a:pPr marL="0" marR="0" algn="ctr">
+                        <a:lnSpc>
+                          <a:spcPct val="115000"/>
+                        </a:lnSpc>
+                        <a:spcAft>
+                          <a:spcPts val="800"/>
+                        </a:spcAft>
+                        <a:buNone/>
+                        <a:tabLst>
+                          <a:tab pos="457200" algn="l"/>
+                          <a:tab pos="5029200" algn="r"/>
+                          <a:tab pos="5486400" algn="r"/>
+                        </a:tabLst>
+                      </a:pPr>
+                      <a:r>
+                        <a:rPr lang="en-US" sz="1200" kern="100">
+                          <a:effectLst/>
+                        </a:rPr>
+                        <a:t>2.74</a:t>
+                      </a:r>
+                      <a:endParaRPr lang="en-US" sz="1100" kern="100">
+                        <a:effectLst/>
+                        <a:latin typeface="Aptos" panose="020B0004020202020204" pitchFamily="34" charset="0"/>
+                        <a:ea typeface="Aptos" panose="020B0004020202020204" pitchFamily="34" charset="0"/>
+                        <a:cs typeface="Times New Roman" panose="02020603050405020304" pitchFamily="18" charset="0"/>
+                      </a:endParaRPr>
+                    </a:p>
+                  </a:txBody>
+                  <a:tcPr marL="68580" marR="68580" marT="0" marB="0" anchor="ctr"/>
+                </a:tc>
+                <a:extLst>
+                  <a:ext uri="{0D108BD9-81ED-4DB2-BD59-A6C34878D82A}">
+                    <a16:rowId xmlns:a16="http://schemas.microsoft.com/office/drawing/2014/main" val="2436794146"/>
+                  </a:ext>
+                </a:extLst>
+              </a:tr>
+              <a:tr h="426826">
+                <a:tc>
+                  <a:txBody>
+                    <a:bodyPr/>
+                    <a:lstStyle/>
+                    <a:p>
+                      <a:pPr marL="0" marR="0" algn="ctr">
+                        <a:lnSpc>
+                          <a:spcPct val="115000"/>
+                        </a:lnSpc>
+                        <a:spcAft>
+                          <a:spcPts val="800"/>
+                        </a:spcAft>
+                        <a:buNone/>
+                        <a:tabLst>
+                          <a:tab pos="457200" algn="l"/>
+                          <a:tab pos="5029200" algn="r"/>
+                          <a:tab pos="5486400" algn="r"/>
+                        </a:tabLst>
+                      </a:pPr>
+                      <a:r>
+                        <a:rPr lang="en-US" sz="1200" kern="100">
+                          <a:effectLst/>
+                        </a:rPr>
+                        <a:t>Synthetic Graph 3</a:t>
+                      </a:r>
+                      <a:endParaRPr lang="en-US" sz="1100" kern="100">
+                        <a:effectLst/>
+                        <a:latin typeface="Aptos" panose="020B0004020202020204" pitchFamily="34" charset="0"/>
+                        <a:ea typeface="Aptos" panose="020B0004020202020204" pitchFamily="34" charset="0"/>
+                        <a:cs typeface="Times New Roman" panose="02020603050405020304" pitchFamily="18" charset="0"/>
+                      </a:endParaRPr>
+                    </a:p>
+                  </a:txBody>
+                  <a:tcPr marL="68580" marR="68580" marT="0" marB="0" anchor="ctr"/>
+                </a:tc>
+                <a:tc>
+                  <a:txBody>
+                    <a:bodyPr/>
+                    <a:lstStyle/>
+                    <a:p>
+                      <a:pPr marL="0" marR="0" algn="ctr">
+                        <a:lnSpc>
+                          <a:spcPct val="115000"/>
+                        </a:lnSpc>
+                        <a:spcAft>
+                          <a:spcPts val="800"/>
+                        </a:spcAft>
+                        <a:buNone/>
+                        <a:tabLst>
+                          <a:tab pos="457200" algn="l"/>
+                          <a:tab pos="5029200" algn="r"/>
+                          <a:tab pos="5486400" algn="r"/>
+                        </a:tabLst>
+                      </a:pPr>
+                      <a:r>
+                        <a:rPr lang="en-US" sz="1200" kern="100">
+                          <a:effectLst/>
+                        </a:rPr>
+                        <a:t>1566331</a:t>
+                      </a:r>
+                      <a:endParaRPr lang="en-US" sz="1100" kern="100">
+                        <a:effectLst/>
+                        <a:latin typeface="Aptos" panose="020B0004020202020204" pitchFamily="34" charset="0"/>
+                        <a:ea typeface="Aptos" panose="020B0004020202020204" pitchFamily="34" charset="0"/>
+                        <a:cs typeface="Times New Roman" panose="02020603050405020304" pitchFamily="18" charset="0"/>
+                      </a:endParaRPr>
+                    </a:p>
+                  </a:txBody>
+                  <a:tcPr marL="68580" marR="68580" marT="0" marB="0" anchor="ctr"/>
+                </a:tc>
+                <a:tc>
+                  <a:txBody>
+                    <a:bodyPr/>
+                    <a:lstStyle/>
+                    <a:p>
+                      <a:pPr marL="0" marR="0" algn="ctr">
+                        <a:lnSpc>
+                          <a:spcPct val="115000"/>
+                        </a:lnSpc>
+                        <a:spcAft>
+                          <a:spcPts val="800"/>
+                        </a:spcAft>
+                        <a:buNone/>
+                        <a:tabLst>
+                          <a:tab pos="457200" algn="l"/>
+                          <a:tab pos="5029200" algn="r"/>
+                          <a:tab pos="5486400" algn="r"/>
+                        </a:tabLst>
+                      </a:pPr>
+                      <a:r>
+                        <a:rPr lang="en-US" sz="1200" kern="100">
+                          <a:effectLst/>
+                        </a:rPr>
+                        <a:t>53334.22</a:t>
+                      </a:r>
+                      <a:endParaRPr lang="en-US" sz="1100" kern="100">
+                        <a:effectLst/>
+                        <a:latin typeface="Aptos" panose="020B0004020202020204" pitchFamily="34" charset="0"/>
+                        <a:ea typeface="Aptos" panose="020B0004020202020204" pitchFamily="34" charset="0"/>
+                        <a:cs typeface="Times New Roman" panose="02020603050405020304" pitchFamily="18" charset="0"/>
+                      </a:endParaRPr>
+                    </a:p>
+                  </a:txBody>
+                  <a:tcPr marL="68580" marR="68580" marT="0" marB="0" anchor="ctr"/>
+                </a:tc>
+                <a:tc>
+                  <a:txBody>
+                    <a:bodyPr/>
+                    <a:lstStyle/>
+                    <a:p>
+                      <a:pPr marL="0" marR="0" algn="ctr">
+                        <a:lnSpc>
+                          <a:spcPct val="115000"/>
+                        </a:lnSpc>
+                        <a:spcAft>
+                          <a:spcPts val="800"/>
+                        </a:spcAft>
+                        <a:buNone/>
+                        <a:tabLst>
+                          <a:tab pos="457200" algn="l"/>
+                          <a:tab pos="5029200" algn="r"/>
+                          <a:tab pos="5486400" algn="r"/>
+                        </a:tabLst>
+                      </a:pPr>
+                      <a:r>
+                        <a:rPr lang="en-US" sz="1200" kern="100">
+                          <a:effectLst/>
+                        </a:rPr>
+                        <a:t>29.37</a:t>
+                      </a:r>
+                      <a:endParaRPr lang="en-US" sz="1100" kern="100">
+                        <a:effectLst/>
+                        <a:latin typeface="Aptos" panose="020B0004020202020204" pitchFamily="34" charset="0"/>
+                        <a:ea typeface="Aptos" panose="020B0004020202020204" pitchFamily="34" charset="0"/>
+                        <a:cs typeface="Times New Roman" panose="02020603050405020304" pitchFamily="18" charset="0"/>
+                      </a:endParaRPr>
+                    </a:p>
+                  </a:txBody>
+                  <a:tcPr marL="68580" marR="68580" marT="0" marB="0" anchor="ctr"/>
+                </a:tc>
+                <a:extLst>
+                  <a:ext uri="{0D108BD9-81ED-4DB2-BD59-A6C34878D82A}">
+                    <a16:rowId xmlns:a16="http://schemas.microsoft.com/office/drawing/2014/main" val="2691696627"/>
+                  </a:ext>
+                </a:extLst>
+              </a:tr>
+              <a:tr h="426826">
+                <a:tc>
+                  <a:txBody>
+                    <a:bodyPr/>
+                    <a:lstStyle/>
+                    <a:p>
+                      <a:pPr marL="0" marR="0" algn="ctr">
+                        <a:lnSpc>
+                          <a:spcPct val="115000"/>
+                        </a:lnSpc>
+                        <a:spcAft>
+                          <a:spcPts val="800"/>
+                        </a:spcAft>
+                        <a:buNone/>
+                        <a:tabLst>
+                          <a:tab pos="457200" algn="l"/>
+                          <a:tab pos="5029200" algn="r"/>
+                          <a:tab pos="5486400" algn="r"/>
+                        </a:tabLst>
+                      </a:pPr>
+                      <a:r>
+                        <a:rPr lang="en-US" sz="1200" kern="100">
+                          <a:effectLst/>
+                        </a:rPr>
+                        <a:t>Synthetic Graph 4</a:t>
+                      </a:r>
+                      <a:endParaRPr lang="en-US" sz="1100" kern="100">
+                        <a:effectLst/>
+                        <a:latin typeface="Aptos" panose="020B0004020202020204" pitchFamily="34" charset="0"/>
+                        <a:ea typeface="Aptos" panose="020B0004020202020204" pitchFamily="34" charset="0"/>
+                        <a:cs typeface="Times New Roman" panose="02020603050405020304" pitchFamily="18" charset="0"/>
+                      </a:endParaRPr>
+                    </a:p>
+                  </a:txBody>
+                  <a:tcPr marL="68580" marR="68580" marT="0" marB="0" anchor="ctr"/>
+                </a:tc>
+                <a:tc>
+                  <a:txBody>
+                    <a:bodyPr/>
+                    <a:lstStyle/>
+                    <a:p>
+                      <a:pPr marL="0" marR="0" algn="ctr">
+                        <a:lnSpc>
+                          <a:spcPct val="115000"/>
+                        </a:lnSpc>
+                        <a:spcAft>
+                          <a:spcPts val="800"/>
+                        </a:spcAft>
+                        <a:buNone/>
+                        <a:tabLst>
+                          <a:tab pos="457200" algn="l"/>
+                          <a:tab pos="5029200" algn="r"/>
+                          <a:tab pos="5486400" algn="r"/>
+                        </a:tabLst>
+                      </a:pPr>
+                      <a:r>
+                        <a:rPr lang="en-US" sz="1200" kern="100">
+                          <a:effectLst/>
+                        </a:rPr>
+                        <a:t>12231</a:t>
+                      </a:r>
+                      <a:endParaRPr lang="en-US" sz="1100" kern="100">
+                        <a:effectLst/>
+                        <a:latin typeface="Aptos" panose="020B0004020202020204" pitchFamily="34" charset="0"/>
+                        <a:ea typeface="Aptos" panose="020B0004020202020204" pitchFamily="34" charset="0"/>
+                        <a:cs typeface="Times New Roman" panose="02020603050405020304" pitchFamily="18" charset="0"/>
+                      </a:endParaRPr>
+                    </a:p>
+                  </a:txBody>
+                  <a:tcPr marL="68580" marR="68580" marT="0" marB="0" anchor="ctr"/>
+                </a:tc>
+                <a:tc>
+                  <a:txBody>
+                    <a:bodyPr/>
+                    <a:lstStyle/>
+                    <a:p>
+                      <a:pPr marL="0" marR="0" algn="ctr">
+                        <a:lnSpc>
+                          <a:spcPct val="115000"/>
+                        </a:lnSpc>
+                        <a:spcAft>
+                          <a:spcPts val="800"/>
+                        </a:spcAft>
+                        <a:buNone/>
+                        <a:tabLst>
+                          <a:tab pos="457200" algn="l"/>
+                          <a:tab pos="5029200" algn="r"/>
+                          <a:tab pos="5486400" algn="r"/>
+                        </a:tabLst>
+                      </a:pPr>
+                      <a:r>
+                        <a:rPr lang="en-US" sz="1200" kern="100">
+                          <a:effectLst/>
+                        </a:rPr>
+                        <a:t>7693.51</a:t>
+                      </a:r>
+                      <a:endParaRPr lang="en-US" sz="1100" kern="100">
+                        <a:effectLst/>
+                        <a:latin typeface="Aptos" panose="020B0004020202020204" pitchFamily="34" charset="0"/>
+                        <a:ea typeface="Aptos" panose="020B0004020202020204" pitchFamily="34" charset="0"/>
+                        <a:cs typeface="Times New Roman" panose="02020603050405020304" pitchFamily="18" charset="0"/>
+                      </a:endParaRPr>
+                    </a:p>
+                  </a:txBody>
+                  <a:tcPr marL="68580" marR="68580" marT="0" marB="0" anchor="ctr"/>
+                </a:tc>
+                <a:tc>
+                  <a:txBody>
+                    <a:bodyPr/>
+                    <a:lstStyle/>
+                    <a:p>
+                      <a:pPr marL="0" marR="0" algn="ctr">
+                        <a:lnSpc>
+                          <a:spcPct val="115000"/>
+                        </a:lnSpc>
+                        <a:spcAft>
+                          <a:spcPts val="800"/>
+                        </a:spcAft>
+                        <a:buNone/>
+                        <a:tabLst>
+                          <a:tab pos="457200" algn="l"/>
+                          <a:tab pos="5029200" algn="r"/>
+                          <a:tab pos="5486400" algn="r"/>
+                        </a:tabLst>
+                      </a:pPr>
+                      <a:r>
+                        <a:rPr lang="en-US" sz="1200" kern="100">
+                          <a:effectLst/>
+                        </a:rPr>
+                        <a:t>1.59</a:t>
+                      </a:r>
+                      <a:endParaRPr lang="en-US" sz="1100" kern="100">
+                        <a:effectLst/>
+                        <a:latin typeface="Aptos" panose="020B0004020202020204" pitchFamily="34" charset="0"/>
+                        <a:ea typeface="Aptos" panose="020B0004020202020204" pitchFamily="34" charset="0"/>
+                        <a:cs typeface="Times New Roman" panose="02020603050405020304" pitchFamily="18" charset="0"/>
+                      </a:endParaRPr>
+                    </a:p>
+                  </a:txBody>
+                  <a:tcPr marL="68580" marR="68580" marT="0" marB="0" anchor="ctr"/>
+                </a:tc>
+                <a:extLst>
+                  <a:ext uri="{0D108BD9-81ED-4DB2-BD59-A6C34878D82A}">
+                    <a16:rowId xmlns:a16="http://schemas.microsoft.com/office/drawing/2014/main" val="264099130"/>
+                  </a:ext>
+                </a:extLst>
+              </a:tr>
+              <a:tr h="426826">
+                <a:tc>
+                  <a:txBody>
+                    <a:bodyPr/>
+                    <a:lstStyle/>
+                    <a:p>
+                      <a:pPr marL="0" marR="0" algn="ctr">
+                        <a:lnSpc>
+                          <a:spcPct val="115000"/>
+                        </a:lnSpc>
+                        <a:spcAft>
+                          <a:spcPts val="800"/>
+                        </a:spcAft>
+                        <a:buNone/>
+                        <a:tabLst>
+                          <a:tab pos="457200" algn="l"/>
+                          <a:tab pos="5029200" algn="r"/>
+                          <a:tab pos="5486400" algn="r"/>
+                        </a:tabLst>
+                      </a:pPr>
+                      <a:r>
+                        <a:rPr lang="en-US" sz="1200" kern="100">
+                          <a:effectLst/>
+                        </a:rPr>
+                        <a:t>Synthetic Graph 5</a:t>
+                      </a:r>
+                      <a:endParaRPr lang="en-US" sz="1100" kern="100">
+                        <a:effectLst/>
+                        <a:latin typeface="Aptos" panose="020B0004020202020204" pitchFamily="34" charset="0"/>
+                        <a:ea typeface="Aptos" panose="020B0004020202020204" pitchFamily="34" charset="0"/>
+                        <a:cs typeface="Times New Roman" panose="02020603050405020304" pitchFamily="18" charset="0"/>
+                      </a:endParaRPr>
+                    </a:p>
+                  </a:txBody>
+                  <a:tcPr marL="68580" marR="68580" marT="0" marB="0" anchor="ctr"/>
+                </a:tc>
+                <a:tc>
+                  <a:txBody>
+                    <a:bodyPr/>
+                    <a:lstStyle/>
+                    <a:p>
+                      <a:pPr marL="0" marR="0" algn="ctr">
+                        <a:lnSpc>
+                          <a:spcPct val="115000"/>
+                        </a:lnSpc>
+                        <a:spcAft>
+                          <a:spcPts val="800"/>
+                        </a:spcAft>
+                        <a:buNone/>
+                        <a:tabLst>
+                          <a:tab pos="457200" algn="l"/>
+                          <a:tab pos="5029200" algn="r"/>
+                          <a:tab pos="5486400" algn="r"/>
+                        </a:tabLst>
+                      </a:pPr>
+                      <a:r>
+                        <a:rPr lang="en-US" sz="1200" kern="100">
+                          <a:effectLst/>
+                        </a:rPr>
+                        <a:t>291</a:t>
+                      </a:r>
+                      <a:endParaRPr lang="en-US" sz="1100" kern="100">
+                        <a:effectLst/>
+                        <a:latin typeface="Aptos" panose="020B0004020202020204" pitchFamily="34" charset="0"/>
+                        <a:ea typeface="Aptos" panose="020B0004020202020204" pitchFamily="34" charset="0"/>
+                        <a:cs typeface="Times New Roman" panose="02020603050405020304" pitchFamily="18" charset="0"/>
+                      </a:endParaRPr>
+                    </a:p>
+                  </a:txBody>
+                  <a:tcPr marL="68580" marR="68580" marT="0" marB="0" anchor="ctr"/>
+                </a:tc>
+                <a:tc>
+                  <a:txBody>
+                    <a:bodyPr/>
+                    <a:lstStyle/>
+                    <a:p>
+                      <a:pPr marL="0" marR="0" algn="ctr">
+                        <a:lnSpc>
+                          <a:spcPct val="115000"/>
+                        </a:lnSpc>
+                        <a:spcAft>
+                          <a:spcPts val="800"/>
+                        </a:spcAft>
+                        <a:buNone/>
+                        <a:tabLst>
+                          <a:tab pos="457200" algn="l"/>
+                          <a:tab pos="5029200" algn="r"/>
+                          <a:tab pos="5486400" algn="r"/>
+                        </a:tabLst>
+                      </a:pPr>
+                      <a:r>
+                        <a:rPr lang="en-US" sz="1200" kern="100">
+                          <a:effectLst/>
+                        </a:rPr>
+                        <a:t>254.143</a:t>
+                      </a:r>
+                      <a:endParaRPr lang="en-US" sz="1100" kern="100">
+                        <a:effectLst/>
+                        <a:latin typeface="Aptos" panose="020B0004020202020204" pitchFamily="34" charset="0"/>
+                        <a:ea typeface="Aptos" panose="020B0004020202020204" pitchFamily="34" charset="0"/>
+                        <a:cs typeface="Times New Roman" panose="02020603050405020304" pitchFamily="18" charset="0"/>
+                      </a:endParaRPr>
+                    </a:p>
+                  </a:txBody>
+                  <a:tcPr marL="68580" marR="68580" marT="0" marB="0" anchor="ctr"/>
+                </a:tc>
+                <a:tc>
+                  <a:txBody>
+                    <a:bodyPr/>
+                    <a:lstStyle/>
+                    <a:p>
+                      <a:pPr marL="0" marR="0" algn="ctr">
+                        <a:lnSpc>
+                          <a:spcPct val="115000"/>
+                        </a:lnSpc>
+                        <a:spcAft>
+                          <a:spcPts val="800"/>
+                        </a:spcAft>
+                        <a:buNone/>
+                        <a:tabLst>
+                          <a:tab pos="457200" algn="l"/>
+                          <a:tab pos="5029200" algn="r"/>
+                          <a:tab pos="5486400" algn="r"/>
+                        </a:tabLst>
+                      </a:pPr>
+                      <a:r>
+                        <a:rPr lang="en-US" sz="1200" kern="100" dirty="0">
+                          <a:effectLst/>
+                        </a:rPr>
+                        <a:t>1.15</a:t>
+                      </a:r>
+                      <a:endParaRPr lang="en-US" sz="1100" kern="100" dirty="0">
+                        <a:effectLst/>
+                        <a:latin typeface="Aptos" panose="020B0004020202020204" pitchFamily="34" charset="0"/>
+                        <a:ea typeface="Aptos" panose="020B0004020202020204" pitchFamily="34" charset="0"/>
+                        <a:cs typeface="Times New Roman" panose="02020603050405020304" pitchFamily="18" charset="0"/>
+                      </a:endParaRPr>
+                    </a:p>
+                  </a:txBody>
+                  <a:tcPr marL="68580" marR="68580" marT="0" marB="0" anchor="ctr"/>
+                </a:tc>
+                <a:extLst>
+                  <a:ext uri="{0D108BD9-81ED-4DB2-BD59-A6C34878D82A}">
+                    <a16:rowId xmlns:a16="http://schemas.microsoft.com/office/drawing/2014/main" val="1846279031"/>
+                  </a:ext>
+                </a:extLst>
+              </a:tr>
+            </a:tbl>
+          </a:graphicData>
+        </a:graphic>
+      </p:graphicFrame>
+      <p:sp>
+        <p:nvSpPr>
+          <p:cNvPr id="7" name="Content Placeholder 2">
+            <a:extLst>
+              <a:ext uri="{FF2B5EF4-FFF2-40B4-BE49-F238E27FC236}">
+                <a16:creationId xmlns:a16="http://schemas.microsoft.com/office/drawing/2014/main" id="{1D89C5BE-A0A4-777E-6D30-3B110B6D65C9}"/>
+              </a:ext>
+            </a:extLst>
+          </p:cNvPr>
+          <p:cNvSpPr txBox="1">
+            <a:spLocks/>
+          </p:cNvSpPr>
+          <p:nvPr/>
+        </p:nvSpPr>
+        <p:spPr>
+          <a:xfrm>
+            <a:off x="4646024" y="838200"/>
+            <a:ext cx="4341222" cy="713588"/>
+          </a:xfrm>
+          <a:prstGeom prst="rect">
+            <a:avLst/>
+          </a:prstGeom>
+        </p:spPr>
+        <p:txBody>
+          <a:bodyPr vert="horz" lIns="91440" tIns="45720" rIns="91440" bIns="45720" rtlCol="0">
+            <a:normAutofit fontScale="85000" lnSpcReduction="20000"/>
+          </a:bodyPr>
+          <a:lstStyle>
+            <a:lvl1pPr marL="342900" indent="-342900" algn="l" defTabSz="457200" rtl="0" eaLnBrk="1" latinLnBrk="0" hangingPunct="1">
+              <a:spcBef>
+                <a:spcPct val="20000"/>
+              </a:spcBef>
+              <a:buFont typeface="Arial"/>
+              <a:buChar char="•"/>
+              <a:defRPr sz="3200" kern="1200">
+                <a:solidFill>
+                  <a:schemeClr val="tx1"/>
+                </a:solidFill>
+                <a:latin typeface="+mn-lt"/>
+                <a:ea typeface="+mn-ea"/>
+                <a:cs typeface="+mn-cs"/>
+              </a:defRPr>
+            </a:lvl1pPr>
+            <a:lvl2pPr marL="742950" indent="-285750" algn="l" defTabSz="457200" rtl="0" eaLnBrk="1" latinLnBrk="0" hangingPunct="1">
+              <a:spcBef>
+                <a:spcPct val="20000"/>
+              </a:spcBef>
+              <a:buFont typeface="Arial"/>
+              <a:buChar char="–"/>
+              <a:defRPr sz="2800" kern="1200">
+                <a:solidFill>
+                  <a:schemeClr val="tx1"/>
+                </a:solidFill>
+                <a:latin typeface="+mn-lt"/>
+                <a:ea typeface="+mn-ea"/>
+                <a:cs typeface="+mn-cs"/>
+              </a:defRPr>
+            </a:lvl2pPr>
+            <a:lvl3pPr marL="1143000" indent="-228600" algn="l" defTabSz="457200" rtl="0" eaLnBrk="1" latinLnBrk="0" hangingPunct="1">
+              <a:spcBef>
+                <a:spcPct val="20000"/>
+              </a:spcBef>
+              <a:buFont typeface="Arial"/>
+              <a:buChar char="•"/>
+              <a:defRPr sz="2400" kern="1200">
+                <a:solidFill>
+                  <a:schemeClr val="tx1"/>
+                </a:solidFill>
+                <a:latin typeface="+mn-lt"/>
+                <a:ea typeface="+mn-ea"/>
+                <a:cs typeface="+mn-cs"/>
+              </a:defRPr>
+            </a:lvl3pPr>
+            <a:lvl4pPr marL="1600200" indent="-228600" algn="l" defTabSz="457200" rtl="0" eaLnBrk="1" latinLnBrk="0" hangingPunct="1">
+              <a:spcBef>
+                <a:spcPct val="20000"/>
+              </a:spcBef>
+              <a:buFont typeface="Arial"/>
+              <a:buChar char="–"/>
+              <a:defRPr sz="2000" kern="1200">
+                <a:solidFill>
+                  <a:schemeClr val="tx1"/>
+                </a:solidFill>
+                <a:latin typeface="+mn-lt"/>
+                <a:ea typeface="+mn-ea"/>
+                <a:cs typeface="+mn-cs"/>
+              </a:defRPr>
+            </a:lvl4pPr>
+            <a:lvl5pPr marL="2057400" indent="-228600" algn="l" defTabSz="457200" rtl="0" eaLnBrk="1" latinLnBrk="0" hangingPunct="1">
+              <a:spcBef>
+                <a:spcPct val="20000"/>
+              </a:spcBef>
+              <a:buFont typeface="Arial"/>
+              <a:buChar char="»"/>
+              <a:defRPr sz="2000" kern="1200">
+                <a:solidFill>
+                  <a:schemeClr val="tx1"/>
+                </a:solidFill>
+                <a:latin typeface="+mn-lt"/>
+                <a:ea typeface="+mn-ea"/>
+                <a:cs typeface="+mn-cs"/>
+              </a:defRPr>
+            </a:lvl5pPr>
+            <a:lvl6pPr marL="2514600" indent="-228600" algn="l" defTabSz="457200" rtl="0" eaLnBrk="1" latinLnBrk="0" hangingPunct="1">
+              <a:spcBef>
+                <a:spcPct val="20000"/>
+              </a:spcBef>
+              <a:buFont typeface="Arial"/>
+              <a:buChar char="•"/>
+              <a:defRPr sz="2000" kern="1200">
+                <a:solidFill>
+                  <a:schemeClr val="tx1"/>
+                </a:solidFill>
+                <a:latin typeface="+mn-lt"/>
+                <a:ea typeface="+mn-ea"/>
+                <a:cs typeface="+mn-cs"/>
+              </a:defRPr>
+            </a:lvl6pPr>
+            <a:lvl7pPr marL="2971800" indent="-228600" algn="l" defTabSz="457200" rtl="0" eaLnBrk="1" latinLnBrk="0" hangingPunct="1">
+              <a:spcBef>
+                <a:spcPct val="20000"/>
+              </a:spcBef>
+              <a:buFont typeface="Arial"/>
+              <a:buChar char="•"/>
+              <a:defRPr sz="2000" kern="1200">
+                <a:solidFill>
+                  <a:schemeClr val="tx1"/>
+                </a:solidFill>
+                <a:latin typeface="+mn-lt"/>
+                <a:ea typeface="+mn-ea"/>
+                <a:cs typeface="+mn-cs"/>
+              </a:defRPr>
+            </a:lvl7pPr>
+            <a:lvl8pPr marL="3429000" indent="-228600" algn="l" defTabSz="457200" rtl="0" eaLnBrk="1" latinLnBrk="0" hangingPunct="1">
+              <a:spcBef>
+                <a:spcPct val="20000"/>
+              </a:spcBef>
+              <a:buFont typeface="Arial"/>
+              <a:buChar char="•"/>
+              <a:defRPr sz="2000" kern="1200">
+                <a:solidFill>
+                  <a:schemeClr val="tx1"/>
+                </a:solidFill>
+                <a:latin typeface="+mn-lt"/>
+                <a:ea typeface="+mn-ea"/>
+                <a:cs typeface="+mn-cs"/>
+              </a:defRPr>
+            </a:lvl8pPr>
+            <a:lvl9pPr marL="3886200" indent="-228600" algn="l" defTabSz="457200" rtl="0" eaLnBrk="1" latinLnBrk="0" hangingPunct="1">
+              <a:spcBef>
+                <a:spcPct val="20000"/>
+              </a:spcBef>
+              <a:buFont typeface="Arial"/>
+              <a:buChar char="•"/>
+              <a:defRPr sz="2000" kern="1200">
+                <a:solidFill>
+                  <a:schemeClr val="tx1"/>
+                </a:solidFill>
+                <a:latin typeface="+mn-lt"/>
+                <a:ea typeface="+mn-ea"/>
+                <a:cs typeface="+mn-cs"/>
+              </a:defRPr>
+            </a:lvl9pPr>
+          </a:lstStyle>
+          <a:p>
+            <a:pPr marL="0" indent="0" algn="ctr">
+              <a:buNone/>
+            </a:pPr>
+            <a:r>
+              <a:rPr lang="en-US" sz="2800" dirty="0">
+                <a:latin typeface="Bookman Old Style" panose="02050604050505020204" pitchFamily="18" charset="0"/>
+              </a:rPr>
+              <a:t>Graphs by DSD Runtime Over 3-Clique Density</a:t>
+            </a:r>
+          </a:p>
+        </p:txBody>
+      </p:sp>
+    </p:spTree>
+    <p:extLst>
+      <p:ext uri="{BB962C8B-B14F-4D97-AF65-F5344CB8AC3E}">
+        <p14:creationId xmlns:p14="http://schemas.microsoft.com/office/powerpoint/2010/main" val="263483514"/>
+      </p:ext>
+    </p:extLst>
+  </p:cSld>
+  <p:clrMapOvr>
+    <a:masterClrMapping/>
+  </p:clrMapOvr>
+</p:sld>
+</file>
+
+<file path=ppt/slides/slide47.xml><?xml version="1.0" encoding="utf-8"?>
+<p:sld xmlns:a="http://schemas.openxmlformats.org/drawingml/2006/main" xmlns:r="http://schemas.openxmlformats.org/officeDocument/2006/relationships" xmlns:p="http://schemas.openxmlformats.org/presentationml/2006/main">
+  <p:cSld>
+    <p:spTree>
+      <p:nvGrpSpPr>
+        <p:cNvPr id="1" name="">
+          <a:extLst>
+            <a:ext uri="{FF2B5EF4-FFF2-40B4-BE49-F238E27FC236}">
+              <a16:creationId xmlns:a16="http://schemas.microsoft.com/office/drawing/2014/main" id="{27B6A676-77B8-4BE2-9BE2-BE726DED9C42}"/>
+            </a:ext>
+          </a:extLst>
+        </p:cNvPr>
+        <p:cNvGrpSpPr/>
+        <p:nvPr/>
+      </p:nvGrpSpPr>
+      <p:grpSpPr>
+        <a:xfrm>
+          <a:off x="0" y="0"/>
+          <a:ext cx="0" cy="0"/>
+          <a:chOff x="0" y="0"/>
+          <a:chExt cx="0" cy="0"/>
+        </a:xfrm>
+      </p:grpSpPr>
+      <p:sp>
+        <p:nvSpPr>
+          <p:cNvPr id="4" name="Title 1">
+            <a:extLst>
+              <a:ext uri="{FF2B5EF4-FFF2-40B4-BE49-F238E27FC236}">
+                <a16:creationId xmlns:a16="http://schemas.microsoft.com/office/drawing/2014/main" id="{97DCA288-0C2D-1B44-BC7E-24E6CF69BC8D}"/>
+              </a:ext>
+            </a:extLst>
+          </p:cNvPr>
+          <p:cNvSpPr txBox="1">
+            <a:spLocks/>
+          </p:cNvSpPr>
+          <p:nvPr/>
+        </p:nvSpPr>
+        <p:spPr>
+          <a:xfrm>
+            <a:off x="1497165" y="-76200"/>
+            <a:ext cx="6149667" cy="1320800"/>
+          </a:xfrm>
+          <a:prstGeom prst="rect">
+            <a:avLst/>
+          </a:prstGeom>
+        </p:spPr>
+        <p:txBody>
+          <a:bodyPr vert="horz" lIns="91440" tIns="45720" rIns="91440" bIns="45720" rtlCol="0" anchor="ctr">
+            <a:normAutofit/>
+          </a:bodyPr>
+          <a:lstStyle>
+            <a:lvl1pPr algn="ctr" defTabSz="457200" rtl="0" eaLnBrk="1" latinLnBrk="0" hangingPunct="1">
+              <a:spcBef>
+                <a:spcPct val="0"/>
+              </a:spcBef>
+              <a:buNone/>
+              <a:defRPr sz="4400" kern="1200">
+                <a:solidFill>
+                  <a:schemeClr val="tx1"/>
+                </a:solidFill>
+                <a:latin typeface="+mj-lt"/>
+                <a:ea typeface="+mj-ea"/>
+                <a:cs typeface="+mj-cs"/>
+              </a:defRPr>
+            </a:lvl1pPr>
+          </a:lstStyle>
+          <a:p>
+            <a:r>
+              <a:rPr lang="en-US" sz="4000" dirty="0">
+                <a:latin typeface="Rockwell" panose="02060603020205020403" pitchFamily="18" charset="0"/>
+              </a:rPr>
+              <a:t>Conclusion</a:t>
+            </a:r>
+          </a:p>
+        </p:txBody>
+      </p:sp>
+      <p:sp>
+        <p:nvSpPr>
+          <p:cNvPr id="2" name="Content Placeholder 2">
+            <a:extLst>
+              <a:ext uri="{FF2B5EF4-FFF2-40B4-BE49-F238E27FC236}">
+                <a16:creationId xmlns:a16="http://schemas.microsoft.com/office/drawing/2014/main" id="{32A66A70-C760-A80E-7603-311BB7FD28C1}"/>
+              </a:ext>
+            </a:extLst>
+          </p:cNvPr>
+          <p:cNvSpPr txBox="1">
+            <a:spLocks/>
+          </p:cNvSpPr>
+          <p:nvPr/>
+        </p:nvSpPr>
+        <p:spPr>
+          <a:xfrm>
+            <a:off x="228598" y="1066800"/>
+            <a:ext cx="8686800" cy="4545011"/>
+          </a:xfrm>
+          <a:prstGeom prst="rect">
+            <a:avLst/>
+          </a:prstGeom>
+        </p:spPr>
+        <p:txBody>
+          <a:bodyPr vert="horz" lIns="91440" tIns="45720" rIns="91440" bIns="45720" rtlCol="0">
+            <a:normAutofit fontScale="85000" lnSpcReduction="10000"/>
+          </a:bodyPr>
+          <a:lstStyle>
+            <a:lvl1pPr marL="342900" indent="-342900" algn="l" defTabSz="457200" rtl="0" eaLnBrk="1" latinLnBrk="0" hangingPunct="1">
+              <a:spcBef>
+                <a:spcPct val="20000"/>
+              </a:spcBef>
+              <a:buFont typeface="Arial"/>
+              <a:buChar char="•"/>
+              <a:defRPr sz="3200" kern="1200">
+                <a:solidFill>
+                  <a:schemeClr val="tx1"/>
+                </a:solidFill>
+                <a:latin typeface="+mn-lt"/>
+                <a:ea typeface="+mn-ea"/>
+                <a:cs typeface="+mn-cs"/>
+              </a:defRPr>
+            </a:lvl1pPr>
+            <a:lvl2pPr marL="742950" indent="-285750" algn="l" defTabSz="457200" rtl="0" eaLnBrk="1" latinLnBrk="0" hangingPunct="1">
+              <a:spcBef>
+                <a:spcPct val="20000"/>
+              </a:spcBef>
+              <a:buFont typeface="Arial"/>
+              <a:buChar char="–"/>
+              <a:defRPr sz="2800" kern="1200">
+                <a:solidFill>
+                  <a:schemeClr val="tx1"/>
+                </a:solidFill>
+                <a:latin typeface="+mn-lt"/>
+                <a:ea typeface="+mn-ea"/>
+                <a:cs typeface="+mn-cs"/>
+              </a:defRPr>
+            </a:lvl2pPr>
+            <a:lvl3pPr marL="1143000" indent="-228600" algn="l" defTabSz="457200" rtl="0" eaLnBrk="1" latinLnBrk="0" hangingPunct="1">
+              <a:spcBef>
+                <a:spcPct val="20000"/>
+              </a:spcBef>
+              <a:buFont typeface="Arial"/>
+              <a:buChar char="•"/>
+              <a:defRPr sz="2400" kern="1200">
+                <a:solidFill>
+                  <a:schemeClr val="tx1"/>
+                </a:solidFill>
+                <a:latin typeface="+mn-lt"/>
+                <a:ea typeface="+mn-ea"/>
+                <a:cs typeface="+mn-cs"/>
+              </a:defRPr>
+            </a:lvl3pPr>
+            <a:lvl4pPr marL="1600200" indent="-228600" algn="l" defTabSz="457200" rtl="0" eaLnBrk="1" latinLnBrk="0" hangingPunct="1">
+              <a:spcBef>
+                <a:spcPct val="20000"/>
+              </a:spcBef>
+              <a:buFont typeface="Arial"/>
+              <a:buChar char="–"/>
+              <a:defRPr sz="2000" kern="1200">
+                <a:solidFill>
+                  <a:schemeClr val="tx1"/>
+                </a:solidFill>
+                <a:latin typeface="+mn-lt"/>
+                <a:ea typeface="+mn-ea"/>
+                <a:cs typeface="+mn-cs"/>
+              </a:defRPr>
+            </a:lvl4pPr>
+            <a:lvl5pPr marL="2057400" indent="-228600" algn="l" defTabSz="457200" rtl="0" eaLnBrk="1" latinLnBrk="0" hangingPunct="1">
+              <a:spcBef>
+                <a:spcPct val="20000"/>
+              </a:spcBef>
+              <a:buFont typeface="Arial"/>
+              <a:buChar char="»"/>
+              <a:defRPr sz="2000" kern="1200">
+                <a:solidFill>
+                  <a:schemeClr val="tx1"/>
+                </a:solidFill>
+                <a:latin typeface="+mn-lt"/>
+                <a:ea typeface="+mn-ea"/>
+                <a:cs typeface="+mn-cs"/>
+              </a:defRPr>
+            </a:lvl5pPr>
+            <a:lvl6pPr marL="2514600" indent="-228600" algn="l" defTabSz="457200" rtl="0" eaLnBrk="1" latinLnBrk="0" hangingPunct="1">
+              <a:spcBef>
+                <a:spcPct val="20000"/>
+              </a:spcBef>
+              <a:buFont typeface="Arial"/>
+              <a:buChar char="•"/>
+              <a:defRPr sz="2000" kern="1200">
+                <a:solidFill>
+                  <a:schemeClr val="tx1"/>
+                </a:solidFill>
+                <a:latin typeface="+mn-lt"/>
+                <a:ea typeface="+mn-ea"/>
+                <a:cs typeface="+mn-cs"/>
+              </a:defRPr>
+            </a:lvl6pPr>
+            <a:lvl7pPr marL="2971800" indent="-228600" algn="l" defTabSz="457200" rtl="0" eaLnBrk="1" latinLnBrk="0" hangingPunct="1">
+              <a:spcBef>
+                <a:spcPct val="20000"/>
+              </a:spcBef>
+              <a:buFont typeface="Arial"/>
+              <a:buChar char="•"/>
+              <a:defRPr sz="2000" kern="1200">
+                <a:solidFill>
+                  <a:schemeClr val="tx1"/>
+                </a:solidFill>
+                <a:latin typeface="+mn-lt"/>
+                <a:ea typeface="+mn-ea"/>
+                <a:cs typeface="+mn-cs"/>
+              </a:defRPr>
+            </a:lvl7pPr>
+            <a:lvl8pPr marL="3429000" indent="-228600" algn="l" defTabSz="457200" rtl="0" eaLnBrk="1" latinLnBrk="0" hangingPunct="1">
+              <a:spcBef>
+                <a:spcPct val="20000"/>
+              </a:spcBef>
+              <a:buFont typeface="Arial"/>
+              <a:buChar char="•"/>
+              <a:defRPr sz="2000" kern="1200">
+                <a:solidFill>
+                  <a:schemeClr val="tx1"/>
+                </a:solidFill>
+                <a:latin typeface="+mn-lt"/>
+                <a:ea typeface="+mn-ea"/>
+                <a:cs typeface="+mn-cs"/>
+              </a:defRPr>
+            </a:lvl8pPr>
+            <a:lvl9pPr marL="3886200" indent="-228600" algn="l" defTabSz="457200" rtl="0" eaLnBrk="1" latinLnBrk="0" hangingPunct="1">
+              <a:spcBef>
+                <a:spcPct val="20000"/>
+              </a:spcBef>
+              <a:buFont typeface="Arial"/>
+              <a:buChar char="•"/>
+              <a:defRPr sz="2000" kern="1200">
+                <a:solidFill>
+                  <a:schemeClr val="tx1"/>
+                </a:solidFill>
+                <a:latin typeface="+mn-lt"/>
+                <a:ea typeface="+mn-ea"/>
+                <a:cs typeface="+mn-cs"/>
+              </a:defRPr>
+            </a:lvl9pPr>
+          </a:lstStyle>
+          <a:p>
+            <a:r>
+              <a:rPr lang="en-US" sz="2800" dirty="0">
+                <a:latin typeface="Bookman Old Style" panose="02050604050505020204" pitchFamily="18" charset="0"/>
+              </a:rPr>
+              <a:t>While not fully consistent depending on the input data, overall, there was a very notable decrease in runtime from the serial program to our parallelized program. Thus, we can conclude that the CUDA solution was overall more efficient.</a:t>
+            </a:r>
+          </a:p>
+          <a:p>
+            <a:r>
+              <a:rPr lang="en-US" sz="2800" dirty="0">
+                <a:latin typeface="Bookman Old Style" panose="02050604050505020204" pitchFamily="18" charset="0"/>
+              </a:rPr>
+              <a:t>This reaffirms the computing power available through the GPU and CUDA, presenting a powerful source for creating faster and more efficient programs.</a:t>
+            </a:r>
+          </a:p>
+          <a:p>
+            <a:r>
+              <a:rPr lang="en-US" sz="2800" dirty="0">
+                <a:latin typeface="Bookman Old Style" panose="02050604050505020204" pitchFamily="18" charset="0"/>
+              </a:rPr>
+              <a:t>With more time, our CUDA solution to the DSD could become more efficient, but as it stands, it is an effective and efficient solution to the DSD and serves as an example of what can be achieved with parallel programming on the GPU.</a:t>
+            </a:r>
+          </a:p>
+          <a:p>
+            <a:endParaRPr lang="en-US" sz="2800" dirty="0">
+              <a:latin typeface="Bookman Old Style" panose="02050604050505020204" pitchFamily="18" charset="0"/>
+            </a:endParaRPr>
+          </a:p>
+        </p:txBody>
+      </p:sp>
+    </p:spTree>
+    <p:extLst>
+      <p:ext uri="{BB962C8B-B14F-4D97-AF65-F5344CB8AC3E}">
+        <p14:creationId xmlns:p14="http://schemas.microsoft.com/office/powerpoint/2010/main" val="1948024706"/>
       </p:ext>
     </p:extLst>
   </p:cSld>

--- a/Thesis Defense Presentation.pptx
+++ b/Thesis Defense Presentation.pptx
@@ -254,7 +254,7 @@
           <a:p>
             <a:fld id="{A0CDD9C9-DEC5-42B6-9F11-0BCA88D4BE4F}" type="datetimeFigureOut">
               <a:rPr lang="en-US" smtClean="0"/>
-              <a:t>8/14/2025</a:t>
+              <a:t>8/15/2025</a:t>
             </a:fld>
             <a:endParaRPr lang="en-US"/>
           </a:p>
@@ -707,7 +707,7 @@
                 </a:solidFill>
               </a:rPr>
               <a:pPr/>
-              <a:t>8/14/2025</a:t>
+              <a:t>8/15/2025</a:t>
             </a:fld>
             <a:endParaRPr lang="en-US">
               <a:solidFill>
@@ -907,7 +907,7 @@
                 </a:solidFill>
               </a:rPr>
               <a:pPr/>
-              <a:t>8/14/2025</a:t>
+              <a:t>8/15/2025</a:t>
             </a:fld>
             <a:endParaRPr lang="en-US">
               <a:solidFill>
@@ -1117,7 +1117,7 @@
                 </a:solidFill>
               </a:rPr>
               <a:pPr/>
-              <a:t>8/14/2025</a:t>
+              <a:t>8/15/2025</a:t>
             </a:fld>
             <a:endParaRPr lang="en-US">
               <a:solidFill>
@@ -1317,7 +1317,7 @@
                 </a:solidFill>
               </a:rPr>
               <a:pPr/>
-              <a:t>8/14/2025</a:t>
+              <a:t>8/15/2025</a:t>
             </a:fld>
             <a:endParaRPr lang="en-US">
               <a:solidFill>
@@ -1594,7 +1594,7 @@
                 </a:solidFill>
               </a:rPr>
               <a:pPr/>
-              <a:t>8/14/2025</a:t>
+              <a:t>8/15/2025</a:t>
             </a:fld>
             <a:endParaRPr lang="en-US">
               <a:solidFill>
@@ -1911,7 +1911,7 @@
                 </a:solidFill>
               </a:rPr>
               <a:pPr/>
-              <a:t>8/14/2025</a:t>
+              <a:t>8/15/2025</a:t>
             </a:fld>
             <a:endParaRPr lang="en-US">
               <a:solidFill>
@@ -2362,7 +2362,7 @@
                 </a:solidFill>
               </a:rPr>
               <a:pPr/>
-              <a:t>8/14/2025</a:t>
+              <a:t>8/15/2025</a:t>
             </a:fld>
             <a:endParaRPr lang="en-US">
               <a:solidFill>
@@ -2511,7 +2511,7 @@
                 </a:solidFill>
               </a:rPr>
               <a:pPr/>
-              <a:t>8/14/2025</a:t>
+              <a:t>8/15/2025</a:t>
             </a:fld>
             <a:endParaRPr lang="en-US">
               <a:solidFill>
@@ -2638,7 +2638,7 @@
                 </a:solidFill>
               </a:rPr>
               <a:pPr/>
-              <a:t>8/14/2025</a:t>
+              <a:t>8/15/2025</a:t>
             </a:fld>
             <a:endParaRPr lang="en-US">
               <a:solidFill>
@@ -2945,7 +2945,7 @@
                 </a:solidFill>
               </a:rPr>
               <a:pPr/>
-              <a:t>8/14/2025</a:t>
+              <a:t>8/15/2025</a:t>
             </a:fld>
             <a:endParaRPr lang="en-US">
               <a:solidFill>
@@ -3229,7 +3229,7 @@
                 </a:solidFill>
               </a:rPr>
               <a:pPr/>
-              <a:t>8/14/2025</a:t>
+              <a:t>8/15/2025</a:t>
             </a:fld>
             <a:endParaRPr lang="en-US">
               <a:solidFill>
@@ -3473,7 +3473,7 @@
                 </a:solidFill>
               </a:rPr>
               <a:pPr defTabSz="457200"/>
-              <a:t>8/14/2025</a:t>
+              <a:t>8/15/2025</a:t>
             </a:fld>
             <a:endParaRPr lang="en-US">
               <a:solidFill>
@@ -5153,7 +5153,7 @@
               <a:rPr lang="en-US" sz="2800" dirty="0">
                 <a:latin typeface="Bookman Old Style" panose="02050604050505020204" pitchFamily="18" charset="0"/>
               </a:rPr>
-              <a:t>A highly important one is Goldberg’s Maximum Flow algorithm which will be covered later. This is an exact solution to the DSD, but there are quicker algorithms that approximate the solution.</a:t>
+              <a:t>A highly important one is Goldberg’s Maximum Flow algorithm (which will be covered later). This is an exact solution to the DSD, but there are quicker algorithms that approximate the solution.</a:t>
             </a:r>
           </a:p>
         </p:txBody>
@@ -7205,7 +7205,7 @@
               <a:rPr lang="en-US" sz="2800" dirty="0">
                 <a:latin typeface="Bookman Old Style" panose="02050604050505020204" pitchFamily="18" charset="0"/>
               </a:rPr>
-              <a:t>Subgraphs within a given graph can be of a higher k value. The core value of a vertex is the highest-level k-core they are part of in a graph.</a:t>
+              <a:t>Subgraphs within a given graph can be of a higher k-core level. The core value of a vertex is the highest-level k-core they are part of in the graph.</a:t>
             </a:r>
           </a:p>
           <a:p>
@@ -10271,7 +10271,7 @@
               <a:rPr lang="en-US" sz="2800" dirty="0">
                 <a:latin typeface="Bookman Old Style" panose="02050604050505020204" pitchFamily="18" charset="0"/>
               </a:rPr>
-              <a:t>To find the densest subgraph, CoreExact runs Goldberg’s algorithm on each connected component, keeping track of the densest subgraph found (with the starting densest subgraph being set as the densest k-core).</a:t>
+              <a:t>To find the densest subgraph, CoreExact runs Goldberg’s maximum flow-based algorithm on each connected component, keeping track of the densest subgraph found (with the starting densest subgraph being set as the densest k-core).</a:t>
             </a:r>
           </a:p>
           <a:p>
@@ -11318,8 +11318,8 @@
           </a:p>
         </p:txBody>
       </p:sp>
-      <mc:AlternateContent xmlns:mc="http://schemas.openxmlformats.org/markup-compatibility/2006" xmlns:a14="http://schemas.microsoft.com/office/drawing/2010/main">
-        <mc:Choice Requires="a14">
+      <mc:AlternateContent xmlns:mc="http://schemas.openxmlformats.org/markup-compatibility/2006">
+        <mc:Choice xmlns:a14="http://schemas.microsoft.com/office/drawing/2010/main" Requires="a14">
           <p:sp>
             <p:nvSpPr>
               <p:cNvPr id="2" name="Content Placeholder 2">
@@ -12167,7 +12167,7 @@
             </p:txBody>
           </p:sp>
         </mc:Choice>
-        <mc:Fallback xmlns="">
+        <mc:Fallback>
           <p:sp>
             <p:nvSpPr>
               <p:cNvPr id="2" name="Content Placeholder 2">
@@ -12193,7 +12193,7 @@
               <a:blipFill>
                 <a:blip r:embed="rId2"/>
                 <a:stretch>
-                  <a:fillRect l="-772" t="-1963" r="-1684"/>
+                  <a:fillRect l="-772" t="-1963" r="-1754"/>
                 </a:stretch>
               </a:blipFill>
             </p:spPr>
@@ -12503,7 +12503,7 @@
         </p:blipFill>
         <p:spPr>
           <a:xfrm>
-            <a:off x="2057400" y="2819400"/>
+            <a:off x="2057400" y="2743200"/>
             <a:ext cx="5029200" cy="3771900"/>
           </a:xfrm>
           <a:prstGeom prst="rect">
@@ -14815,7 +14815,7 @@
               <a:rPr lang="en-US" sz="2800" dirty="0">
                 <a:latin typeface="Bookman Old Style" panose="02050604050505020204" pitchFamily="18" charset="0"/>
               </a:rPr>
-              <a:t>Step one is generating new DAG degrees, which only account for the neighbors a vertex points to (higher core to lower core). The vertices are all handled by warp, with each thread of the warp processing the neighbors of the vertex.</a:t>
+              <a:t>The first big step is generating new DAG degrees, which only account for the neighbors a vertex points to (higher core to lower core). The vertices are all handled by warp, with each thread of the warp processing the neighbors of the vertex.</a:t>
             </a:r>
           </a:p>
           <a:p>
@@ -15458,7 +15458,7 @@
               <a:rPr lang="en-US" sz="2800" dirty="0">
                 <a:latin typeface="Bookman Old Style" panose="02050604050505020204" pitchFamily="18" charset="0"/>
               </a:rPr>
-              <a:t>The first parallelized part is identifying all vertices are only part of the current k-core. This handles all vertices by thread. For each thread, if the degree of the vertex equals k, it is added to the buffer of vertices to be peeled.</a:t>
+              <a:t>The first parallelized part is identifying all vertices that are only part of the current k-core. This handles all vertices by thread. For each thread, if the degree of the vertex equals k, it is added to the buffer of vertices to be peeled.</a:t>
             </a:r>
           </a:p>
           <a:p>
@@ -16128,7 +16128,7 @@
               <a:rPr lang="en-US" sz="2800" dirty="0">
                 <a:latin typeface="Bookman Old Style" panose="02050604050505020204" pitchFamily="18" charset="0"/>
               </a:rPr>
-              <a:t>Knowing the densest subgraph has various uses depending on what the graph represents.</a:t>
+              <a:t>The densest subgraph has various uses depending on what the graph represents.</a:t>
             </a:r>
           </a:p>
         </p:txBody>
@@ -17514,7 +17514,7 @@
         </p:spPr>
         <p:txBody>
           <a:bodyPr vert="horz" lIns="91440" tIns="45720" rIns="91440" bIns="45720" rtlCol="0">
-            <a:normAutofit fontScale="92500"/>
+            <a:normAutofit fontScale="92500" lnSpcReduction="10000"/>
           </a:bodyPr>
           <a:lstStyle>
             <a:lvl1pPr marL="342900" indent="-342900" algn="l" defTabSz="457200" rtl="0" eaLnBrk="1" latinLnBrk="0" hangingPunct="1">
@@ -17674,7 +17674,7 @@
               <a:rPr lang="en-US" sz="2800" dirty="0">
                 <a:latin typeface="Bookman Old Style" panose="02050604050505020204" pitchFamily="18" charset="0"/>
               </a:rPr>
-              <a:t>3 are real data, being graphs that represent a network of the proteins in yeast, a social network European users for the music streaming platform Deezer that are friends, and a network of authors on scientific papers that have co-authored before.</a:t>
+              <a:t>3 are real data, being graphs that represent a network of the proteins in yeast, a social network of European users for the music streaming platform Deezer that are friends, and a network of authors on scientific papers that have co-authored together before.</a:t>
             </a:r>
           </a:p>
           <a:p>
@@ -24152,7 +24152,7 @@
         </p:blipFill>
         <p:spPr>
           <a:xfrm>
-            <a:off x="1676400" y="2607172"/>
+            <a:off x="1676400" y="2514600"/>
             <a:ext cx="5410200" cy="4057650"/>
           </a:xfrm>
           <a:prstGeom prst="rect">
@@ -24736,7 +24736,7 @@
               <a:rPr lang="en-US" sz="2800" dirty="0">
                 <a:latin typeface="Bookman Old Style" panose="02050604050505020204" pitchFamily="18" charset="0"/>
               </a:rPr>
-              <a:t>Many solutions to the DSD exist, however they are serialized algorithms which get taxing quickly for Graph Mining programs when handling vertices and edges one at a time in large graphs/data sets.</a:t>
+              <a:t>Many solutions to the DSD exist, however they are serialized algorithms. This can get taxing quickly for Graph Mining programs when handling vertices and edges one at a time in large graphs/data sets.</a:t>
             </a:r>
           </a:p>
           <a:p>
@@ -24816,8 +24816,8 @@
         </p:blipFill>
         <p:spPr>
           <a:xfrm>
-            <a:off x="381000" y="914400"/>
-            <a:ext cx="8448261" cy="3886200"/>
+            <a:off x="119269" y="457200"/>
+            <a:ext cx="8905461" cy="4096512"/>
           </a:xfrm>
           <a:prstGeom prst="rect">
             <a:avLst/>

--- a/Thesis Defense Presentation.pptx
+++ b/Thesis Defense Presentation.pptx
@@ -9874,7 +9874,7 @@
               <a:rPr lang="en-US" sz="2000" dirty="0">
                 <a:latin typeface="Bookman Old Style" panose="02050604050505020204" pitchFamily="18" charset="0"/>
               </a:rPr>
-              <a:t>3. Finding all motif/clique instances and the degree of every vertex.</a:t>
+              <a:t>3. Finding all motif/clique instances and the motif/clique degree of every vertex.</a:t>
             </a:r>
           </a:p>
           <a:p>
@@ -11421,8 +11421,8 @@
           </a:p>
         </p:txBody>
       </p:sp>
-      <mc:AlternateContent xmlns:mc="http://schemas.openxmlformats.org/markup-compatibility/2006">
-        <mc:Choice xmlns:a14="http://schemas.microsoft.com/office/drawing/2010/main" Requires="a14">
+      <mc:AlternateContent xmlns:mc="http://schemas.openxmlformats.org/markup-compatibility/2006" xmlns:a14="http://schemas.microsoft.com/office/drawing/2010/main">
+        <mc:Choice Requires="a14">
           <p:sp>
             <p:nvSpPr>
               <p:cNvPr id="2" name="Content Placeholder 2">
@@ -12276,7 +12276,7 @@
             </p:txBody>
           </p:sp>
         </mc:Choice>
-        <mc:Fallback>
+        <mc:Fallback xmlns="">
           <p:sp>
             <p:nvSpPr>
               <p:cNvPr id="2" name="Content Placeholder 2">
@@ -13154,8 +13154,8 @@
           </a:p>
         </p:txBody>
       </p:sp>
-      <mc:AlternateContent xmlns:mc="http://schemas.openxmlformats.org/markup-compatibility/2006">
-        <mc:Choice xmlns:a14="http://schemas.microsoft.com/office/drawing/2010/main" Requires="a14">
+      <mc:AlternateContent xmlns:mc="http://schemas.openxmlformats.org/markup-compatibility/2006" xmlns:a14="http://schemas.microsoft.com/office/drawing/2010/main">
+        <mc:Choice Requires="a14">
           <p:sp>
             <p:nvSpPr>
               <p:cNvPr id="2" name="Content Placeholder 2">
@@ -13506,7 +13506,7 @@
             </p:txBody>
           </p:sp>
         </mc:Choice>
-        <mc:Fallback>
+        <mc:Fallback xmlns="">
           <p:sp>
             <p:nvSpPr>
               <p:cNvPr id="2" name="Content Placeholder 2">
